--- a/非受控文档/06-公用/PRD2018-G11-UML基础3.pptx
+++ b/非受控文档/06-公用/PRD2018-G11-UML基础3.pptx
@@ -5,23 +5,26 @@
     <p:sldMasterId id="2147483648" r:id="rId1"/>
   </p:sldMasterIdLst>
   <p:notesMasterIdLst>
-    <p:notesMasterId r:id="rId4"/>
+    <p:notesMasterId r:id="rId14"/>
   </p:notesMasterIdLst>
   <p:handoutMasterIdLst>
-    <p:handoutMasterId r:id="rId13"/>
+    <p:handoutMasterId r:id="rId15"/>
   </p:handoutMasterIdLst>
   <p:sldIdLst>
-    <p:sldId id="370" r:id="rId3"/>
-    <p:sldId id="492" r:id="rId5"/>
-    <p:sldId id="439" r:id="rId6"/>
-    <p:sldId id="545" r:id="rId7"/>
-    <p:sldId id="546" r:id="rId8"/>
-    <p:sldId id="621" r:id="rId9"/>
-    <p:sldId id="455" r:id="rId10"/>
-    <p:sldId id="532" r:id="rId11"/>
-    <p:sldId id="436" r:id="rId12"/>
+    <p:sldId id="370" r:id="rId2"/>
+    <p:sldId id="492" r:id="rId3"/>
+    <p:sldId id="545" r:id="rId4"/>
+    <p:sldId id="622" r:id="rId5"/>
+    <p:sldId id="546" r:id="rId6"/>
+    <p:sldId id="623" r:id="rId7"/>
+    <p:sldId id="624" r:id="rId8"/>
+    <p:sldId id="625" r:id="rId9"/>
+    <p:sldId id="621" r:id="rId10"/>
+    <p:sldId id="455" r:id="rId11"/>
+    <p:sldId id="532" r:id="rId12"/>
+    <p:sldId id="436" r:id="rId13"/>
   </p:sldIdLst>
-  <p:sldSz cx="12190095" cy="6859270"/>
+  <p:sldSz cx="12190413" cy="6859588"/>
   <p:notesSz cx="6858000" cy="9144000"/>
   <p:defaultTextStyle>
     <a:defPPr>
@@ -118,6 +121,51 @@
       </a:defRPr>
     </a:lvl9pPr>
   </p:defaultTextStyle>
+  <p:extLst>
+    <p:ext uri="{EFAFB233-063F-42B5-8137-9DF3F51BA10A}">
+      <p15:sldGuideLst xmlns:p15="http://schemas.microsoft.com/office/powerpoint/2012/main">
+        <p15:guide id="1" orient="horz" pos="2226">
+          <p15:clr>
+            <a:srgbClr val="A4A3A4"/>
+          </p15:clr>
+        </p15:guide>
+        <p15:guide id="2" orient="horz" pos="3869">
+          <p15:clr>
+            <a:srgbClr val="A4A3A4"/>
+          </p15:clr>
+        </p15:guide>
+        <p15:guide id="3" pos="3833">
+          <p15:clr>
+            <a:srgbClr val="A4A3A4"/>
+          </p15:clr>
+        </p15:guide>
+        <p15:guide id="4" pos="7208">
+          <p15:clr>
+            <a:srgbClr val="A4A3A4"/>
+          </p15:clr>
+        </p15:guide>
+        <p15:guide id="5" pos="554">
+          <p15:clr>
+            <a:srgbClr val="A4A3A4"/>
+          </p15:clr>
+        </p15:guide>
+      </p15:sldGuideLst>
+    </p:ext>
+    <p:ext uri="{2D200454-40CA-4A62-9FC3-DE9A4176ACB9}">
+      <p15:notesGuideLst xmlns:p15="http://schemas.microsoft.com/office/powerpoint/2012/main">
+        <p15:guide id="1" orient="horz" pos="2968">
+          <p15:clr>
+            <a:srgbClr val="A4A3A4"/>
+          </p15:clr>
+        </p15:guide>
+        <p15:guide id="2" pos="2156">
+          <p15:clr>
+            <a:srgbClr val="A4A3A4"/>
+          </p15:clr>
+        </p15:guide>
+      </p15:notesGuideLst>
+    </p:ext>
+  </p:extLst>
 </p:presentation>
 </file>
 
@@ -203,6 +251,7 @@
           <a:p>
             <a:fld id="{5D1C15E6-6BD2-4E4B-B1D4-218C26E1B228}" type="datetimeFigureOut">
               <a:rPr lang="zh-CN" altLang="en-US" smtClean="0"/>
+              <a:t>2018/12/9</a:t>
             </a:fld>
             <a:endParaRPr lang="zh-CN" altLang="en-US"/>
           </a:p>
@@ -268,6 +317,7 @@
           <a:p>
             <a:fld id="{E655EDCA-2189-4435-B38B-6F3C2C044356}" type="slidenum">
               <a:rPr lang="zh-CN" altLang="en-US" smtClean="0"/>
+              <a:t>‹#›</a:t>
             </a:fld>
             <a:endParaRPr lang="zh-CN" altLang="en-US"/>
           </a:p>
@@ -361,6 +411,7 @@
           <a:p>
             <a:fld id="{0B17430C-5A66-4BD0-A971-34190B6C6019}" type="datetimeFigureOut">
               <a:rPr lang="zh-CN" altLang="en-US" smtClean="0"/>
+              <a:t>2018/12/9</a:t>
             </a:fld>
             <a:endParaRPr lang="zh-CN" altLang="en-US"/>
           </a:p>
@@ -427,7 +478,6 @@
               <a:rPr lang="zh-CN" altLang="en-US" smtClean="0"/>
               <a:t>单击此处编辑母版文本样式</a:t>
             </a:r>
-            <a:endParaRPr lang="zh-CN" altLang="en-US" smtClean="0"/>
           </a:p>
           <a:p>
             <a:pPr lvl="1"/>
@@ -435,7 +485,6 @@
               <a:rPr lang="zh-CN" altLang="en-US" smtClean="0"/>
               <a:t>第二级</a:t>
             </a:r>
-            <a:endParaRPr lang="zh-CN" altLang="en-US" smtClean="0"/>
           </a:p>
           <a:p>
             <a:pPr lvl="2"/>
@@ -443,7 +492,6 @@
               <a:rPr lang="zh-CN" altLang="en-US" smtClean="0"/>
               <a:t>第三级</a:t>
             </a:r>
-            <a:endParaRPr lang="zh-CN" altLang="en-US" smtClean="0"/>
           </a:p>
           <a:p>
             <a:pPr lvl="3"/>
@@ -451,7 +499,6 @@
               <a:rPr lang="zh-CN" altLang="en-US" smtClean="0"/>
               <a:t>第四级</a:t>
             </a:r>
-            <a:endParaRPr lang="zh-CN" altLang="en-US" smtClean="0"/>
           </a:p>
           <a:p>
             <a:pPr lvl="4"/>
@@ -523,6 +570,7 @@
           <a:p>
             <a:fld id="{74AC173A-3DA8-4893-B28A-1E15F55C330A}" type="slidenum">
               <a:rPr lang="zh-CN" altLang="en-US" smtClean="0"/>
+              <a:t>‹#›</a:t>
             </a:fld>
             <a:endParaRPr lang="zh-CN" altLang="en-US"/>
           </a:p>
@@ -691,6 +739,7 @@
           <a:p>
             <a:fld id="{74AC173A-3DA8-4893-B28A-1E15F55C330A}" type="slidenum">
               <a:rPr lang="zh-CN" altLang="en-US" smtClean="0"/>
+              <a:t>1</a:t>
             </a:fld>
             <a:endParaRPr lang="zh-CN" altLang="en-US"/>
           </a:p>
@@ -769,6 +818,7 @@
           <a:p>
             <a:fld id="{74AC173A-3DA8-4893-B28A-1E15F55C330A}" type="slidenum">
               <a:rPr lang="zh-CN" altLang="en-US" smtClean="0"/>
+              <a:t>2</a:t>
             </a:fld>
             <a:endParaRPr lang="zh-CN" altLang="en-US"/>
           </a:p>
@@ -847,6 +897,7 @@
           <a:p>
             <a:fld id="{74AC173A-3DA8-4893-B28A-1E15F55C330A}" type="slidenum">
               <a:rPr lang="zh-CN" altLang="en-US" smtClean="0"/>
+              <a:t>10</a:t>
             </a:fld>
             <a:endParaRPr lang="zh-CN" altLang="en-US"/>
           </a:p>
@@ -925,6 +976,7 @@
           <a:p>
             <a:fld id="{74AC173A-3DA8-4893-B28A-1E15F55C330A}" type="slidenum">
               <a:rPr lang="zh-CN" altLang="en-US" smtClean="0"/>
+              <a:t>11</a:t>
             </a:fld>
             <a:endParaRPr lang="zh-CN" altLang="en-US"/>
           </a:p>
@@ -1003,6 +1055,7 @@
           <a:p>
             <a:fld id="{74AC173A-3DA8-4893-B28A-1E15F55C330A}" type="slidenum">
               <a:rPr lang="zh-CN" altLang="en-US" smtClean="0"/>
+              <a:t>12</a:t>
             </a:fld>
             <a:endParaRPr lang="zh-CN" altLang="en-US"/>
           </a:p>
@@ -1214,6 +1267,7 @@
                 <a:latin typeface="微软雅黑" panose="020B0503020204020204" pitchFamily="34" charset="-122"/>
                 <a:ea typeface="微软雅黑" panose="020B0503020204020204" pitchFamily="34" charset="-122"/>
               </a:rPr>
+              <a:t>‹#›</a:t>
             </a:fld>
             <a:r>
               <a:rPr lang="zh-CN" altLang="en-US" sz="1800" dirty="0" smtClean="0">
@@ -2143,6 +2197,7 @@
           <a:p>
             <a:fld id="{530820CF-B880-4189-942D-D702A7CBA730}" type="datetimeFigureOut">
               <a:rPr lang="zh-CN" altLang="en-US" smtClean="0"/>
+              <a:t>2018/12/9</a:t>
             </a:fld>
             <a:endParaRPr lang="zh-CN" altLang="en-US"/>
           </a:p>
@@ -2200,6 +2255,7 @@
           <a:p>
             <a:fld id="{0C913308-F349-4B6D-A68A-DD1791B4A57B}" type="slidenum">
               <a:rPr lang="zh-CN" altLang="en-US" smtClean="0"/>
+              <a:t>‹#›</a:t>
             </a:fld>
             <a:endParaRPr lang="zh-CN" altLang="en-US"/>
           </a:p>
@@ -2258,6 +2314,7 @@
           <a:p>
             <a:fld id="{530820CF-B880-4189-942D-D702A7CBA730}" type="datetimeFigureOut">
               <a:rPr lang="zh-CN" altLang="en-US" smtClean="0"/>
+              <a:t>2018/12/9</a:t>
             </a:fld>
             <a:endParaRPr lang="zh-CN" altLang="en-US"/>
           </a:p>
@@ -2315,6 +2372,7 @@
           <a:p>
             <a:fld id="{0C913308-F349-4B6D-A68A-DD1791B4A57B}" type="slidenum">
               <a:rPr lang="zh-CN" altLang="en-US" smtClean="0"/>
+              <a:t>‹#›</a:t>
             </a:fld>
             <a:endParaRPr lang="zh-CN" altLang="en-US"/>
           </a:p>
@@ -3133,13 +3191,6 @@
               </a:rPr>
               <a:t>3</a:t>
             </a:r>
-            <a:endParaRPr lang="en-US" altLang="zh-CN" sz="5400" dirty="0" smtClean="0">
-              <a:solidFill>
-                <a:srgbClr val="38B1BF"/>
-              </a:solidFill>
-              <a:latin typeface="微软雅黑" panose="020B0503020204020204" pitchFamily="34" charset="-122"/>
-              <a:ea typeface="微软雅黑" panose="020B0503020204020204" pitchFamily="34" charset="-122"/>
-            </a:endParaRPr>
           </a:p>
           <a:p>
             <a:pPr algn="ctr" fontAlgn="auto">
@@ -3157,13 +3208,6 @@
               </a:rPr>
               <a:t>对象图，构件图，包图</a:t>
             </a:r>
-            <a:endParaRPr lang="zh-CN" altLang="en-US" sz="5400" dirty="0" smtClean="0">
-              <a:solidFill>
-                <a:srgbClr val="38B1BF"/>
-              </a:solidFill>
-              <a:latin typeface="微软雅黑" panose="020B0503020204020204" pitchFamily="34" charset="-122"/>
-              <a:ea typeface="微软雅黑" panose="020B0503020204020204" pitchFamily="34" charset="-122"/>
-            </a:endParaRPr>
           </a:p>
           <a:p>
             <a:pPr fontAlgn="auto">
@@ -3464,14 +3508,6 @@
               </a:rPr>
               <a:t>浙江大学城市学院</a:t>
             </a:r>
-            <a:endParaRPr lang="zh-CN" altLang="en-US" kern="300" spc="2000">
-              <a:solidFill>
-                <a:schemeClr val="tx1"/>
-              </a:solidFill>
-              <a:uFillTx/>
-              <a:latin typeface="+中文标题" charset="0"/>
-              <a:ea typeface="+mj-ea"/>
-            </a:endParaRPr>
           </a:p>
         </p:txBody>
       </p:sp>
@@ -3480,13 +3516,13 @@
   <p:clrMapOvr>
     <a:masterClrMapping/>
   </p:clrMapOvr>
-  <mc:AlternateContent xmlns:mc="http://schemas.openxmlformats.org/markup-compatibility/2006">
-    <mc:Choice xmlns:p14="http://schemas.microsoft.com/office/powerpoint/2010/main" Requires="p14">
+  <mc:AlternateContent xmlns:mc="http://schemas.openxmlformats.org/markup-compatibility/2006" xmlns:p14="http://schemas.microsoft.com/office/powerpoint/2010/main">
+    <mc:Choice Requires="p14">
       <p:transition spd="slow" p14:dur="1600" advClick="0" advTm="0">
         <p:blinds dir="vert"/>
       </p:transition>
     </mc:Choice>
-    <mc:Fallback>
+    <mc:Fallback xmlns="">
       <p:transition spd="slow" advClick="0" advTm="0">
         <p:blinds dir="vert"/>
       </p:transition>
@@ -4289,6 +4325,3185 @@
 </p:sld>
 </file>
 
+<file path=ppt/slides/slide10.xml><?xml version="1.0" encoding="utf-8"?>
+<p:sld xmlns:a="http://schemas.openxmlformats.org/drawingml/2006/main" xmlns:r="http://schemas.openxmlformats.org/officeDocument/2006/relationships" xmlns:p="http://schemas.openxmlformats.org/presentationml/2006/main">
+  <p:cSld>
+    <p:spTree>
+      <p:nvGrpSpPr>
+        <p:cNvPr id="1" name=""/>
+        <p:cNvGrpSpPr/>
+        <p:nvPr/>
+      </p:nvGrpSpPr>
+      <p:grpSpPr>
+        <a:xfrm>
+          <a:off x="0" y="0"/>
+          <a:ext cx="0" cy="0"/>
+          <a:chOff x="0" y="0"/>
+          <a:chExt cx="0" cy="0"/>
+        </a:xfrm>
+      </p:grpSpPr>
+      <p:sp>
+        <p:nvSpPr>
+          <p:cNvPr id="36" name="矩形 35"/>
+          <p:cNvSpPr/>
+          <p:nvPr/>
+        </p:nvSpPr>
+        <p:spPr>
+          <a:xfrm>
+            <a:off x="-106680" y="0"/>
+            <a:ext cx="2938780" cy="6859270"/>
+          </a:xfrm>
+          <a:prstGeom prst="rect">
+            <a:avLst/>
+          </a:prstGeom>
+          <a:solidFill>
+            <a:srgbClr val="38B1BF"/>
+          </a:solidFill>
+          <a:ln>
+            <a:noFill/>
+          </a:ln>
+          <a:effectLst>
+            <a:outerShdw blurRad="50800" dist="38100" dir="2700000" algn="tl" rotWithShape="0">
+              <a:prstClr val="black">
+                <a:alpha val="40000"/>
+              </a:prstClr>
+            </a:outerShdw>
+          </a:effectLst>
+          <a:scene3d>
+            <a:camera prst="orthographicFront"/>
+            <a:lightRig rig="threePt" dir="t"/>
+          </a:scene3d>
+          <a:sp3d/>
+        </p:spPr>
+        <p:style>
+          <a:lnRef idx="1">
+            <a:schemeClr val="accent1"/>
+          </a:lnRef>
+          <a:fillRef idx="0">
+            <a:schemeClr val="accent1"/>
+          </a:fillRef>
+          <a:effectRef idx="0">
+            <a:schemeClr val="accent1"/>
+          </a:effectRef>
+          <a:fontRef idx="minor">
+            <a:schemeClr val="tx1"/>
+          </a:fontRef>
+        </p:style>
+        <p:txBody>
+          <a:bodyPr rot="0" spcFirstLastPara="0" vertOverflow="overflow" horzOverflow="overflow" vert="horz" wrap="square" lIns="91440" tIns="45720" rIns="91440" bIns="45720" numCol="1" spcCol="0" rtlCol="0" fromWordArt="0" anchor="ctr" anchorCtr="0" forceAA="0" compatLnSpc="1">
+            <a:noAutofit/>
+          </a:bodyPr>
+          <a:lstStyle/>
+          <a:p>
+            <a:pPr algn="ctr"/>
+            <a:endParaRPr lang="zh-CN" altLang="en-US"/>
+          </a:p>
+        </p:txBody>
+      </p:sp>
+      <p:sp>
+        <p:nvSpPr>
+          <p:cNvPr id="37" name="TextBox 36"/>
+          <p:cNvSpPr txBox="1"/>
+          <p:nvPr/>
+        </p:nvSpPr>
+        <p:spPr>
+          <a:xfrm>
+            <a:off x="-276651" y="2922512"/>
+            <a:ext cx="2808312" cy="614045"/>
+          </a:xfrm>
+          <a:prstGeom prst="rect">
+            <a:avLst/>
+          </a:prstGeom>
+          <a:noFill/>
+        </p:spPr>
+        <p:txBody>
+          <a:bodyPr wrap="square" lIns="121948" tIns="60973" rIns="121948" bIns="60973">
+            <a:spAutoFit/>
+          </a:bodyPr>
+          <a:lstStyle/>
+          <a:p>
+            <a:pPr algn="r">
+              <a:defRPr/>
+            </a:pPr>
+            <a:r>
+              <a:rPr lang="zh-CN" altLang="en-US" sz="3200" b="1" dirty="0" smtClean="0">
+                <a:solidFill>
+                  <a:schemeClr val="bg1"/>
+                </a:solidFill>
+                <a:latin typeface="微软雅黑" panose="020B0503020204020204" pitchFamily="34" charset="-122"/>
+                <a:ea typeface="微软雅黑" panose="020B0503020204020204" pitchFamily="34" charset="-122"/>
+              </a:rPr>
+              <a:t>参考文献</a:t>
+            </a:r>
+            <a:endParaRPr lang="zh-CN" sz="3200" b="1" dirty="0">
+              <a:solidFill>
+                <a:schemeClr val="bg1"/>
+              </a:solidFill>
+              <a:latin typeface="微软雅黑" panose="020B0503020204020204" pitchFamily="34" charset="-122"/>
+              <a:ea typeface="微软雅黑" panose="020B0503020204020204" pitchFamily="34" charset="-122"/>
+            </a:endParaRPr>
+          </a:p>
+        </p:txBody>
+      </p:sp>
+      <p:sp>
+        <p:nvSpPr>
+          <p:cNvPr id="2" name="文本框 1"/>
+          <p:cNvSpPr txBox="1"/>
+          <p:nvPr/>
+        </p:nvSpPr>
+        <p:spPr>
+          <a:xfrm>
+            <a:off x="3048606" y="693490"/>
+            <a:ext cx="9141807" cy="2861310"/>
+          </a:xfrm>
+          <a:prstGeom prst="rect">
+            <a:avLst/>
+          </a:prstGeom>
+          <a:noFill/>
+        </p:spPr>
+        <p:txBody>
+          <a:bodyPr wrap="square" rtlCol="0">
+            <a:spAutoFit/>
+          </a:bodyPr>
+          <a:lstStyle/>
+          <a:p>
+            <a:r>
+              <a:rPr lang="en-US" altLang="zh-CN" sz="1800" dirty="0" smtClean="0"/>
+              <a:t>[1]</a:t>
+            </a:r>
+            <a:r>
+              <a:rPr lang="zh-CN" altLang="en-US" sz="1800" dirty="0" smtClean="0"/>
+              <a:t> </a:t>
+            </a:r>
+            <a:r>
+              <a:rPr lang="en-US" altLang="zh-CN" sz="1800" dirty="0" smtClean="0"/>
+              <a:t>UML</a:t>
+            </a:r>
+            <a:r>
+              <a:rPr lang="zh-CN" altLang="en-US" sz="1800" dirty="0" smtClean="0"/>
+              <a:t>用户指南</a:t>
+            </a:r>
+            <a:r>
+              <a:rPr lang="en-US" altLang="zh-CN" sz="1800" dirty="0" smtClean="0"/>
+              <a:t>(</a:t>
+            </a:r>
+            <a:r>
+              <a:rPr lang="zh-CN" altLang="en-US" sz="1800" dirty="0" smtClean="0"/>
+              <a:t>第</a:t>
+            </a:r>
+            <a:r>
+              <a:rPr lang="en-US" altLang="zh-CN" sz="1800" dirty="0" smtClean="0"/>
+              <a:t>2</a:t>
+            </a:r>
+            <a:r>
+              <a:rPr lang="zh-CN" altLang="en-US" sz="1800" dirty="0" smtClean="0"/>
+              <a:t>版</a:t>
+            </a:r>
+            <a:r>
+              <a:rPr lang="en-US" altLang="zh-CN" sz="1800" dirty="0" smtClean="0"/>
+              <a:t>·</a:t>
+            </a:r>
+            <a:r>
+              <a:rPr lang="zh-CN" altLang="en-US" sz="1800" dirty="0" smtClean="0"/>
+              <a:t>修订版</a:t>
+            </a:r>
+            <a:r>
+              <a:rPr lang="en-US" altLang="zh-CN" sz="1800" dirty="0" smtClean="0"/>
+              <a:t>)(</a:t>
+            </a:r>
+            <a:r>
+              <a:rPr lang="zh-CN" altLang="en-US" sz="1800" dirty="0" smtClean="0"/>
+              <a:t>作者</a:t>
+            </a:r>
+            <a:r>
+              <a:rPr lang="en-US" altLang="zh-CN" sz="1800" dirty="0"/>
+              <a:t>:Grady </a:t>
+            </a:r>
+            <a:r>
+              <a:rPr lang="en-US" altLang="zh-CN" sz="1800" dirty="0" err="1" smtClean="0"/>
+              <a:t>Booch</a:t>
+            </a:r>
+            <a:r>
+              <a:rPr lang="zh-CN" altLang="en-US" sz="1800" dirty="0" smtClean="0"/>
+              <a:t>等</a:t>
+            </a:r>
+            <a:r>
+              <a:rPr lang="en-US" altLang="zh-CN" sz="1800" dirty="0" smtClean="0"/>
+              <a:t>)	</a:t>
+            </a:r>
+            <a:r>
+              <a:rPr lang="zh-CN" altLang="en-US" sz="1800" dirty="0" smtClean="0"/>
+              <a:t>人民</a:t>
+            </a:r>
+            <a:r>
+              <a:rPr lang="zh-CN" altLang="en-US" sz="1800" dirty="0"/>
+              <a:t>邮电</a:t>
+            </a:r>
+            <a:r>
+              <a:rPr lang="zh-CN" altLang="en-US" sz="1800" dirty="0" smtClean="0"/>
+              <a:t>出版社</a:t>
+            </a:r>
+            <a:endParaRPr lang="en-US" altLang="zh-CN" sz="1800" dirty="0" smtClean="0"/>
+          </a:p>
+          <a:p>
+            <a:endParaRPr lang="en-US" altLang="zh-CN" sz="1800" dirty="0" smtClean="0"/>
+          </a:p>
+          <a:p>
+            <a:r>
+              <a:rPr lang="en-US" altLang="zh-CN" sz="1800" dirty="0" smtClean="0"/>
+              <a:t>[2]</a:t>
+            </a:r>
+            <a:r>
+              <a:rPr lang="zh-CN" altLang="en-US" sz="1800" dirty="0"/>
+              <a:t> </a:t>
+            </a:r>
+            <a:r>
+              <a:rPr lang="en-US" altLang="zh-CN" sz="1800" dirty="0"/>
+              <a:t>UML2</a:t>
+            </a:r>
+            <a:r>
+              <a:rPr lang="zh-CN" altLang="en-US" sz="1800" dirty="0"/>
+              <a:t>基础、建模与设计</a:t>
+            </a:r>
+            <a:r>
+              <a:rPr lang="zh-CN" altLang="en-US" sz="1800" dirty="0" smtClean="0"/>
+              <a:t>教程</a:t>
+            </a:r>
+            <a:r>
+              <a:rPr lang="en-US" altLang="zh-CN" sz="1800" dirty="0"/>
+              <a:t>(</a:t>
+            </a:r>
+            <a:r>
+              <a:rPr lang="zh-CN" altLang="en-US" sz="1800" dirty="0" smtClean="0"/>
+              <a:t>作者</a:t>
+            </a:r>
+            <a:r>
+              <a:rPr lang="en-US" altLang="zh-CN" sz="1800" dirty="0" smtClean="0"/>
+              <a:t>:</a:t>
+            </a:r>
+            <a:r>
+              <a:rPr lang="zh-CN" altLang="en-US" sz="1800" dirty="0" smtClean="0"/>
+              <a:t>杨弘平等</a:t>
+            </a:r>
+            <a:r>
+              <a:rPr lang="en-US" altLang="zh-CN" sz="1800" dirty="0" smtClean="0"/>
+              <a:t>)	</a:t>
+            </a:r>
+            <a:r>
+              <a:rPr lang="zh-CN" altLang="en-US" sz="1800" dirty="0" smtClean="0"/>
+              <a:t>清华大学出版社</a:t>
+            </a:r>
+            <a:endParaRPr lang="en-US" altLang="zh-CN" sz="1800" dirty="0"/>
+          </a:p>
+          <a:p>
+            <a:endParaRPr lang="zh-CN" altLang="en-US" sz="1800" dirty="0"/>
+          </a:p>
+          <a:p>
+            <a:r>
+              <a:rPr lang="en-US" altLang="zh-CN" sz="1800" dirty="0" smtClean="0">
+                <a:sym typeface="+mn-ea"/>
+              </a:rPr>
+              <a:t>[3]</a:t>
+            </a:r>
+            <a:r>
+              <a:rPr lang="zh-CN" altLang="en-US" sz="1800" dirty="0">
+                <a:sym typeface="+mn-ea"/>
+              </a:rPr>
+              <a:t>《软件需求（第三版）》美</a:t>
+            </a:r>
+            <a:r>
+              <a:rPr lang="en-US" altLang="zh-CN" sz="1800" dirty="0">
+                <a:sym typeface="+mn-ea"/>
+              </a:rPr>
+              <a:t>KARL WIEGERS ,JOY BEATTY</a:t>
+            </a:r>
+            <a:endParaRPr lang="en-US" altLang="zh-CN" sz="1800" dirty="0" smtClean="0">
+              <a:sym typeface="+mn-ea"/>
+            </a:endParaRPr>
+          </a:p>
+          <a:p>
+            <a:endParaRPr lang="en-US" altLang="zh-CN" sz="1800" dirty="0" smtClean="0">
+              <a:sym typeface="+mn-ea"/>
+            </a:endParaRPr>
+          </a:p>
+          <a:p>
+            <a:endParaRPr lang="zh-CN" altLang="en-US" sz="1800" dirty="0"/>
+          </a:p>
+          <a:p>
+            <a:endParaRPr lang="en-US" altLang="zh-CN" sz="1800" dirty="0">
+              <a:solidFill>
+                <a:schemeClr val="tx1"/>
+              </a:solidFill>
+              <a:effectLst>
+                <a:outerShdw blurRad="38100" dist="19050" dir="2700000" algn="tl" rotWithShape="0">
+                  <a:schemeClr val="dk1">
+                    <a:alpha val="40000"/>
+                  </a:schemeClr>
+                </a:outerShdw>
+              </a:effectLst>
+            </a:endParaRPr>
+          </a:p>
+          <a:p>
+            <a:endParaRPr lang="en-US" altLang="zh-CN" sz="1800" dirty="0" smtClean="0"/>
+          </a:p>
+          <a:p>
+            <a:endParaRPr lang="zh-CN" altLang="en-US" sz="1800" dirty="0"/>
+          </a:p>
+        </p:txBody>
+      </p:sp>
+    </p:spTree>
+  </p:cSld>
+  <p:clrMapOvr>
+    <a:masterClrMapping/>
+  </p:clrMapOvr>
+  <mc:AlternateContent xmlns:mc="http://schemas.openxmlformats.org/markup-compatibility/2006" xmlns:p14="http://schemas.microsoft.com/office/powerpoint/2010/main">
+    <mc:Choice Requires="p14">
+      <p:transition spd="slow" p14:dur="1200" advClick="0" advTm="0">
+        <p14:prism/>
+      </p:transition>
+    </mc:Choice>
+    <mc:Fallback xmlns="">
+      <p:transition spd="slow" advClick="0" advTm="0">
+        <p:fade/>
+      </p:transition>
+    </mc:Fallback>
+  </mc:AlternateContent>
+  <p:timing>
+    <p:tnLst>
+      <p:par>
+        <p:cTn id="1" dur="indefinite" restart="never" nodeType="tmRoot">
+          <p:childTnLst>
+            <p:seq concurrent="1" nextAc="seek">
+              <p:cTn id="2" dur="indefinite" nodeType="mainSeq">
+                <p:childTnLst>
+                  <p:par>
+                    <p:cTn id="3" fill="hold">
+                      <p:stCondLst>
+                        <p:cond delay="indefinite"/>
+                        <p:cond evt="onBegin" delay="0">
+                          <p:tn val="2"/>
+                        </p:cond>
+                      </p:stCondLst>
+                      <p:childTnLst>
+                        <p:par>
+                          <p:cTn id="4" fill="hold">
+                            <p:stCondLst>
+                              <p:cond delay="0"/>
+                            </p:stCondLst>
+                            <p:childTnLst>
+                              <p:par>
+                                <p:cTn id="5" presetID="2" presetClass="entr" presetSubtype="8" fill="hold" grpId="0" nodeType="afterEffect">
+                                  <p:stCondLst>
+                                    <p:cond delay="0"/>
+                                  </p:stCondLst>
+                                  <p:childTnLst>
+                                    <p:set>
+                                      <p:cBhvr>
+                                        <p:cTn id="6" dur="1" fill="hold">
+                                          <p:stCondLst>
+                                            <p:cond delay="0"/>
+                                          </p:stCondLst>
+                                        </p:cTn>
+                                        <p:tgtEl>
+                                          <p:spTgt spid="36"/>
+                                        </p:tgtEl>
+                                        <p:attrNameLst>
+                                          <p:attrName>style.visibility</p:attrName>
+                                        </p:attrNameLst>
+                                      </p:cBhvr>
+                                      <p:to>
+                                        <p:strVal val="visible"/>
+                                      </p:to>
+                                    </p:set>
+                                    <p:anim calcmode="lin" valueType="num">
+                                      <p:cBhvr additive="base">
+                                        <p:cTn id="7" dur="500" fill="hold"/>
+                                        <p:tgtEl>
+                                          <p:spTgt spid="36"/>
+                                        </p:tgtEl>
+                                        <p:attrNameLst>
+                                          <p:attrName>ppt_x</p:attrName>
+                                        </p:attrNameLst>
+                                      </p:cBhvr>
+                                      <p:tavLst>
+                                        <p:tav tm="0">
+                                          <p:val>
+                                            <p:strVal val="0-#ppt_w/2"/>
+                                          </p:val>
+                                        </p:tav>
+                                        <p:tav tm="100000">
+                                          <p:val>
+                                            <p:strVal val="#ppt_x"/>
+                                          </p:val>
+                                        </p:tav>
+                                      </p:tavLst>
+                                    </p:anim>
+                                    <p:anim calcmode="lin" valueType="num">
+                                      <p:cBhvr additive="base">
+                                        <p:cTn id="8" dur="500" fill="hold"/>
+                                        <p:tgtEl>
+                                          <p:spTgt spid="36"/>
+                                        </p:tgtEl>
+                                        <p:attrNameLst>
+                                          <p:attrName>ppt_y</p:attrName>
+                                        </p:attrNameLst>
+                                      </p:cBhvr>
+                                      <p:tavLst>
+                                        <p:tav tm="0">
+                                          <p:val>
+                                            <p:strVal val="#ppt_y"/>
+                                          </p:val>
+                                        </p:tav>
+                                        <p:tav tm="100000">
+                                          <p:val>
+                                            <p:strVal val="#ppt_y"/>
+                                          </p:val>
+                                        </p:tav>
+                                      </p:tavLst>
+                                    </p:anim>
+                                  </p:childTnLst>
+                                </p:cTn>
+                              </p:par>
+                            </p:childTnLst>
+                          </p:cTn>
+                        </p:par>
+                        <p:par>
+                          <p:cTn id="9" fill="hold">
+                            <p:stCondLst>
+                              <p:cond delay="500"/>
+                            </p:stCondLst>
+                            <p:childTnLst>
+                              <p:par>
+                                <p:cTn id="10" presetID="17" presetClass="entr" presetSubtype="1" fill="hold" grpId="0" nodeType="afterEffect">
+                                  <p:stCondLst>
+                                    <p:cond delay="0"/>
+                                  </p:stCondLst>
+                                  <p:iterate type="lt">
+                                    <p:tmPct val="40000"/>
+                                  </p:iterate>
+                                  <p:childTnLst>
+                                    <p:set>
+                                      <p:cBhvr>
+                                        <p:cTn id="11" dur="1" fill="hold">
+                                          <p:stCondLst>
+                                            <p:cond delay="0"/>
+                                          </p:stCondLst>
+                                        </p:cTn>
+                                        <p:tgtEl>
+                                          <p:spTgt spid="37"/>
+                                        </p:tgtEl>
+                                        <p:attrNameLst>
+                                          <p:attrName>style.visibility</p:attrName>
+                                        </p:attrNameLst>
+                                      </p:cBhvr>
+                                      <p:to>
+                                        <p:strVal val="visible"/>
+                                      </p:to>
+                                    </p:set>
+                                    <p:anim calcmode="lin" valueType="num">
+                                      <p:cBhvr>
+                                        <p:cTn id="12" dur="250" fill="hold"/>
+                                        <p:tgtEl>
+                                          <p:spTgt spid="37"/>
+                                        </p:tgtEl>
+                                        <p:attrNameLst>
+                                          <p:attrName>ppt_x</p:attrName>
+                                        </p:attrNameLst>
+                                      </p:cBhvr>
+                                      <p:tavLst>
+                                        <p:tav tm="0">
+                                          <p:val>
+                                            <p:strVal val="#ppt_x"/>
+                                          </p:val>
+                                        </p:tav>
+                                        <p:tav tm="100000">
+                                          <p:val>
+                                            <p:strVal val="#ppt_x"/>
+                                          </p:val>
+                                        </p:tav>
+                                      </p:tavLst>
+                                    </p:anim>
+                                    <p:anim calcmode="lin" valueType="num">
+                                      <p:cBhvr>
+                                        <p:cTn id="13" dur="250" fill="hold"/>
+                                        <p:tgtEl>
+                                          <p:spTgt spid="37"/>
+                                        </p:tgtEl>
+                                        <p:attrNameLst>
+                                          <p:attrName>ppt_y</p:attrName>
+                                        </p:attrNameLst>
+                                      </p:cBhvr>
+                                      <p:tavLst>
+                                        <p:tav tm="0">
+                                          <p:val>
+                                            <p:strVal val="#ppt_y-#ppt_h/2"/>
+                                          </p:val>
+                                        </p:tav>
+                                        <p:tav tm="100000">
+                                          <p:val>
+                                            <p:strVal val="#ppt_y"/>
+                                          </p:val>
+                                        </p:tav>
+                                      </p:tavLst>
+                                    </p:anim>
+                                    <p:anim calcmode="lin" valueType="num">
+                                      <p:cBhvr>
+                                        <p:cTn id="14" dur="250" fill="hold"/>
+                                        <p:tgtEl>
+                                          <p:spTgt spid="37"/>
+                                        </p:tgtEl>
+                                        <p:attrNameLst>
+                                          <p:attrName>ppt_w</p:attrName>
+                                        </p:attrNameLst>
+                                      </p:cBhvr>
+                                      <p:tavLst>
+                                        <p:tav tm="0">
+                                          <p:val>
+                                            <p:strVal val="#ppt_w"/>
+                                          </p:val>
+                                        </p:tav>
+                                        <p:tav tm="100000">
+                                          <p:val>
+                                            <p:strVal val="#ppt_w"/>
+                                          </p:val>
+                                        </p:tav>
+                                      </p:tavLst>
+                                    </p:anim>
+                                    <p:anim calcmode="lin" valueType="num">
+                                      <p:cBhvr>
+                                        <p:cTn id="15" dur="250" fill="hold"/>
+                                        <p:tgtEl>
+                                          <p:spTgt spid="37"/>
+                                        </p:tgtEl>
+                                        <p:attrNameLst>
+                                          <p:attrName>ppt_h</p:attrName>
+                                        </p:attrNameLst>
+                                      </p:cBhvr>
+                                      <p:tavLst>
+                                        <p:tav tm="0">
+                                          <p:val>
+                                            <p:fltVal val="0"/>
+                                          </p:val>
+                                        </p:tav>
+                                        <p:tav tm="100000">
+                                          <p:val>
+                                            <p:strVal val="#ppt_h"/>
+                                          </p:val>
+                                        </p:tav>
+                                      </p:tavLst>
+                                    </p:anim>
+                                  </p:childTnLst>
+                                </p:cTn>
+                              </p:par>
+                            </p:childTnLst>
+                          </p:cTn>
+                        </p:par>
+                      </p:childTnLst>
+                    </p:cTn>
+                  </p:par>
+                </p:childTnLst>
+              </p:cTn>
+              <p:prevCondLst>
+                <p:cond evt="onPrev" delay="0">
+                  <p:tgtEl>
+                    <p:sldTgt/>
+                  </p:tgtEl>
+                </p:cond>
+              </p:prevCondLst>
+              <p:nextCondLst>
+                <p:cond evt="onNext" delay="0">
+                  <p:tgtEl>
+                    <p:sldTgt/>
+                  </p:tgtEl>
+                </p:cond>
+              </p:nextCondLst>
+            </p:seq>
+          </p:childTnLst>
+        </p:cTn>
+      </p:par>
+    </p:tnLst>
+    <p:bldLst>
+      <p:bldP spid="36" grpId="0" bldLvl="0" animBg="1"/>
+      <p:bldP spid="37" grpId="0"/>
+    </p:bldLst>
+  </p:timing>
+</p:sld>
+</file>
+
+<file path=ppt/slides/slide11.xml><?xml version="1.0" encoding="utf-8"?>
+<p:sld xmlns:a="http://schemas.openxmlformats.org/drawingml/2006/main" xmlns:r="http://schemas.openxmlformats.org/officeDocument/2006/relationships" xmlns:p="http://schemas.openxmlformats.org/presentationml/2006/main">
+  <p:cSld>
+    <p:spTree>
+      <p:nvGrpSpPr>
+        <p:cNvPr id="1" name=""/>
+        <p:cNvGrpSpPr/>
+        <p:nvPr/>
+      </p:nvGrpSpPr>
+      <p:grpSpPr>
+        <a:xfrm>
+          <a:off x="0" y="0"/>
+          <a:ext cx="0" cy="0"/>
+          <a:chOff x="0" y="0"/>
+          <a:chExt cx="0" cy="0"/>
+        </a:xfrm>
+      </p:grpSpPr>
+      <p:sp>
+        <p:nvSpPr>
+          <p:cNvPr id="36" name="矩形 35"/>
+          <p:cNvSpPr/>
+          <p:nvPr/>
+        </p:nvSpPr>
+        <p:spPr>
+          <a:xfrm>
+            <a:off x="-106680" y="0"/>
+            <a:ext cx="2938780" cy="6859270"/>
+          </a:xfrm>
+          <a:prstGeom prst="rect">
+            <a:avLst/>
+          </a:prstGeom>
+          <a:solidFill>
+            <a:srgbClr val="38B1BF"/>
+          </a:solidFill>
+          <a:ln>
+            <a:noFill/>
+          </a:ln>
+          <a:effectLst>
+            <a:outerShdw blurRad="50800" dist="38100" dir="2700000" algn="tl" rotWithShape="0">
+              <a:prstClr val="black">
+                <a:alpha val="40000"/>
+              </a:prstClr>
+            </a:outerShdw>
+          </a:effectLst>
+          <a:scene3d>
+            <a:camera prst="orthographicFront"/>
+            <a:lightRig rig="threePt" dir="t"/>
+          </a:scene3d>
+          <a:sp3d/>
+        </p:spPr>
+        <p:style>
+          <a:lnRef idx="1">
+            <a:schemeClr val="accent1"/>
+          </a:lnRef>
+          <a:fillRef idx="0">
+            <a:schemeClr val="accent1"/>
+          </a:fillRef>
+          <a:effectRef idx="0">
+            <a:schemeClr val="accent1"/>
+          </a:effectRef>
+          <a:fontRef idx="minor">
+            <a:schemeClr val="tx1"/>
+          </a:fontRef>
+        </p:style>
+        <p:txBody>
+          <a:bodyPr rot="0" spcFirstLastPara="0" vertOverflow="overflow" horzOverflow="overflow" vert="horz" wrap="square" lIns="91440" tIns="45720" rIns="91440" bIns="45720" numCol="1" spcCol="0" rtlCol="0" fromWordArt="0" anchor="ctr" anchorCtr="0" forceAA="0" compatLnSpc="1">
+            <a:noAutofit/>
+          </a:bodyPr>
+          <a:lstStyle/>
+          <a:p>
+            <a:pPr algn="ctr"/>
+            <a:endParaRPr lang="zh-CN" altLang="en-US"/>
+          </a:p>
+        </p:txBody>
+      </p:sp>
+      <p:sp>
+        <p:nvSpPr>
+          <p:cNvPr id="37" name="TextBox 36"/>
+          <p:cNvSpPr txBox="1"/>
+          <p:nvPr/>
+        </p:nvSpPr>
+        <p:spPr>
+          <a:xfrm>
+            <a:off x="311150" y="2922270"/>
+            <a:ext cx="2220595" cy="1106805"/>
+          </a:xfrm>
+          <a:prstGeom prst="rect">
+            <a:avLst/>
+          </a:prstGeom>
+          <a:noFill/>
+        </p:spPr>
+        <p:txBody>
+          <a:bodyPr wrap="square" lIns="121948" tIns="60973" rIns="121948" bIns="60973">
+            <a:spAutoFit/>
+          </a:bodyPr>
+          <a:lstStyle/>
+          <a:p>
+            <a:pPr algn="r">
+              <a:defRPr/>
+            </a:pPr>
+            <a:r>
+              <a:rPr lang="zh-CN" altLang="en-US" sz="3200" b="1" dirty="0" smtClean="0">
+                <a:solidFill>
+                  <a:schemeClr val="bg1"/>
+                </a:solidFill>
+                <a:latin typeface="微软雅黑" panose="020B0503020204020204" pitchFamily="34" charset="-122"/>
+                <a:ea typeface="微软雅黑" panose="020B0503020204020204" pitchFamily="34" charset="-122"/>
+              </a:rPr>
+              <a:t>绩效考评与分工</a:t>
+            </a:r>
+          </a:p>
+        </p:txBody>
+      </p:sp>
+      <p:graphicFrame>
+        <p:nvGraphicFramePr>
+          <p:cNvPr id="3" name="表格 2"/>
+          <p:cNvGraphicFramePr/>
+          <p:nvPr/>
+        </p:nvGraphicFramePr>
+        <p:xfrm>
+          <a:off x="3181985" y="459740"/>
+          <a:ext cx="7771130" cy="3811905"/>
+        </p:xfrm>
+        <a:graphic>
+          <a:graphicData uri="http://schemas.openxmlformats.org/drawingml/2006/table">
+            <a:tbl>
+              <a:tblPr firstRow="1" bandRow="1">
+                <a:tableStyleId>{5C22544A-7EE6-4342-B048-85BDC9FD1C3A}</a:tableStyleId>
+              </a:tblPr>
+              <a:tblGrid>
+                <a:gridCol w="1895475">
+                  <a:extLst>
+                    <a:ext uri="{9D8B030D-6E8A-4147-A177-3AD203B41FA5}">
+                      <a16:colId xmlns:a16="http://schemas.microsoft.com/office/drawing/2014/main" val="20000"/>
+                    </a:ext>
+                  </a:extLst>
+                </a:gridCol>
+                <a:gridCol w="2937510">
+                  <a:extLst>
+                    <a:ext uri="{9D8B030D-6E8A-4147-A177-3AD203B41FA5}">
+                      <a16:colId xmlns:a16="http://schemas.microsoft.com/office/drawing/2014/main" val="20001"/>
+                    </a:ext>
+                  </a:extLst>
+                </a:gridCol>
+                <a:gridCol w="2938145">
+                  <a:extLst>
+                    <a:ext uri="{9D8B030D-6E8A-4147-A177-3AD203B41FA5}">
+                      <a16:colId xmlns:a16="http://schemas.microsoft.com/office/drawing/2014/main" val="20002"/>
+                    </a:ext>
+                  </a:extLst>
+                </a:gridCol>
+              </a:tblGrid>
+              <a:tr h="713740">
+                <a:tc>
+                  <a:txBody>
+                    <a:bodyPr/>
+                    <a:lstStyle/>
+                    <a:p>
+                      <a:pPr algn="l">
+                        <a:buNone/>
+                      </a:pPr>
+                      <a:r>
+                        <a:rPr lang="zh-CN" altLang="en-US" b="0" dirty="0">
+                          <a:solidFill>
+                            <a:schemeClr val="tx1"/>
+                          </a:solidFill>
+                        </a:rPr>
+                        <a:t>黄为波</a:t>
+                      </a:r>
+                    </a:p>
+                  </a:txBody>
+                  <a:tcPr>
+                    <a:solidFill>
+                      <a:schemeClr val="accent1">
+                        <a:lumMod val="40000"/>
+                        <a:lumOff val="60000"/>
+                      </a:schemeClr>
+                    </a:solidFill>
+                  </a:tcPr>
+                </a:tc>
+                <a:tc>
+                  <a:txBody>
+                    <a:bodyPr/>
+                    <a:lstStyle/>
+                    <a:p>
+                      <a:pPr algn="l"/>
+                      <a:r>
+                        <a:rPr lang="zh-CN" altLang="en-US" sz="2400" b="0" dirty="0" smtClean="0">
+                          <a:solidFill>
+                            <a:schemeClr val="tx1"/>
+                          </a:solidFill>
+                        </a:rPr>
+                        <a:t>负责</a:t>
+                      </a:r>
+                      <a:r>
+                        <a:rPr lang="zh-CN" sz="2400" b="0" dirty="0" smtClean="0">
+                          <a:solidFill>
+                            <a:schemeClr val="tx1"/>
+                          </a:solidFill>
+                        </a:rPr>
+                        <a:t>制作</a:t>
+                      </a:r>
+                      <a:r>
+                        <a:rPr lang="en-US" altLang="zh-CN" sz="2400" b="0" dirty="0" smtClean="0">
+                          <a:solidFill>
+                            <a:schemeClr val="tx1"/>
+                          </a:solidFill>
+                        </a:rPr>
+                        <a:t>PPT</a:t>
+                      </a:r>
+                      <a:r>
+                        <a:rPr lang="zh-CN" altLang="en-US" sz="2400" b="0" dirty="0" smtClean="0">
+                          <a:solidFill>
+                            <a:schemeClr val="tx1"/>
+                          </a:solidFill>
+                        </a:rPr>
+                        <a:t>模板以及审核</a:t>
+                      </a:r>
+                    </a:p>
+                  </a:txBody>
+                  <a:tcPr>
+                    <a:solidFill>
+                      <a:schemeClr val="accent1">
+                        <a:lumMod val="40000"/>
+                        <a:lumOff val="60000"/>
+                      </a:schemeClr>
+                    </a:solidFill>
+                  </a:tcPr>
+                </a:tc>
+                <a:tc>
+                  <a:txBody>
+                    <a:bodyPr/>
+                    <a:lstStyle/>
+                    <a:p>
+                      <a:pPr algn="l">
+                        <a:buNone/>
+                      </a:pPr>
+                      <a:r>
+                        <a:rPr lang="en-US" altLang="zh-CN" sz="2400" b="0" dirty="0" smtClean="0">
+                          <a:solidFill>
+                            <a:schemeClr val="tx1"/>
+                          </a:solidFill>
+                        </a:rPr>
+                        <a:t>9.3</a:t>
+                      </a:r>
+                    </a:p>
+                  </a:txBody>
+                  <a:tcPr>
+                    <a:solidFill>
+                      <a:schemeClr val="accent1">
+                        <a:lumMod val="40000"/>
+                        <a:lumOff val="60000"/>
+                      </a:schemeClr>
+                    </a:solidFill>
+                  </a:tcPr>
+                </a:tc>
+                <a:extLst>
+                  <a:ext uri="{0D108BD9-81ED-4DB2-BD59-A6C34878D82A}">
+                    <a16:rowId xmlns:a16="http://schemas.microsoft.com/office/drawing/2014/main" val="10000"/>
+                  </a:ext>
+                </a:extLst>
+              </a:tr>
+              <a:tr h="716915">
+                <a:tc>
+                  <a:txBody>
+                    <a:bodyPr/>
+                    <a:lstStyle/>
+                    <a:p>
+                      <a:pPr algn="l">
+                        <a:buNone/>
+                      </a:pPr>
+                      <a:r>
+                        <a:rPr lang="zh-CN" altLang="en-US" dirty="0" smtClean="0">
+                          <a:solidFill>
+                            <a:schemeClr val="tx1"/>
+                          </a:solidFill>
+                        </a:rPr>
+                        <a:t>苏雨豪</a:t>
+                      </a:r>
+                    </a:p>
+                  </a:txBody>
+                  <a:tcPr/>
+                </a:tc>
+                <a:tc>
+                  <a:txBody>
+                    <a:bodyPr/>
+                    <a:lstStyle/>
+                    <a:p>
+                      <a:pPr algn="l">
+                        <a:buNone/>
+                      </a:pPr>
+                      <a:r>
+                        <a:rPr lang="zh-CN" dirty="0" smtClean="0">
+                          <a:solidFill>
+                            <a:schemeClr val="tx1"/>
+                          </a:solidFill>
+                        </a:rPr>
+                        <a:t>负责</a:t>
+                      </a:r>
+                      <a:r>
+                        <a:rPr lang="en-US" altLang="zh-CN" dirty="0" smtClean="0">
+                          <a:solidFill>
+                            <a:schemeClr val="tx1"/>
+                          </a:solidFill>
+                        </a:rPr>
+                        <a:t>PPT</a:t>
+                      </a:r>
+                      <a:r>
+                        <a:rPr lang="zh-CN" altLang="en-US" dirty="0" smtClean="0">
+                          <a:solidFill>
+                            <a:schemeClr val="tx1"/>
+                          </a:solidFill>
+                        </a:rPr>
+                        <a:t>审核</a:t>
+                      </a:r>
+                    </a:p>
+                  </a:txBody>
+                  <a:tcPr/>
+                </a:tc>
+                <a:tc>
+                  <a:txBody>
+                    <a:bodyPr/>
+                    <a:lstStyle/>
+                    <a:p>
+                      <a:pPr algn="l">
+                        <a:buNone/>
+                      </a:pPr>
+                      <a:r>
+                        <a:rPr lang="en-US" altLang="zh-CN" dirty="0" smtClean="0">
+                          <a:solidFill>
+                            <a:schemeClr val="tx1"/>
+                          </a:solidFill>
+                        </a:rPr>
+                        <a:t>9.5</a:t>
+                      </a:r>
+                    </a:p>
+                  </a:txBody>
+                  <a:tcPr/>
+                </a:tc>
+                <a:extLst>
+                  <a:ext uri="{0D108BD9-81ED-4DB2-BD59-A6C34878D82A}">
+                    <a16:rowId xmlns:a16="http://schemas.microsoft.com/office/drawing/2014/main" val="10001"/>
+                  </a:ext>
+                </a:extLst>
+              </a:tr>
+              <a:tr h="805815">
+                <a:tc>
+                  <a:txBody>
+                    <a:bodyPr/>
+                    <a:lstStyle/>
+                    <a:p>
+                      <a:pPr algn="l">
+                        <a:buNone/>
+                      </a:pPr>
+                      <a:r>
+                        <a:rPr lang="zh-CN" dirty="0" smtClean="0">
+                          <a:solidFill>
+                            <a:schemeClr val="tx1"/>
+                          </a:solidFill>
+                        </a:rPr>
+                        <a:t>陈子卿</a:t>
+                      </a:r>
+                    </a:p>
+                  </a:txBody>
+                  <a:tcPr>
+                    <a:solidFill>
+                      <a:schemeClr val="accent1">
+                        <a:lumMod val="40000"/>
+                        <a:lumOff val="60000"/>
+                      </a:schemeClr>
+                    </a:solidFill>
+                  </a:tcPr>
+                </a:tc>
+                <a:tc>
+                  <a:txBody>
+                    <a:bodyPr/>
+                    <a:lstStyle/>
+                    <a:p>
+                      <a:pPr algn="l">
+                        <a:buNone/>
+                      </a:pPr>
+                      <a:r>
+                        <a:rPr lang="zh-CN" altLang="en-US" dirty="0" smtClean="0">
+                          <a:solidFill>
+                            <a:schemeClr val="tx1"/>
+                          </a:solidFill>
+                        </a:rPr>
+                        <a:t>对象图部分</a:t>
+                      </a:r>
+                      <a:r>
+                        <a:rPr lang="en-US" altLang="zh-CN" dirty="0" smtClean="0">
+                          <a:solidFill>
+                            <a:schemeClr val="tx1"/>
+                          </a:solidFill>
+                        </a:rPr>
+                        <a:t>PPT</a:t>
+                      </a:r>
+                      <a:r>
+                        <a:rPr lang="zh-CN" altLang="en-US" dirty="0" smtClean="0">
+                          <a:solidFill>
+                            <a:schemeClr val="tx1"/>
+                          </a:solidFill>
+                        </a:rPr>
+                        <a:t>制作</a:t>
+                      </a:r>
+                    </a:p>
+                  </a:txBody>
+                  <a:tcPr>
+                    <a:solidFill>
+                      <a:schemeClr val="accent1">
+                        <a:lumMod val="40000"/>
+                        <a:lumOff val="60000"/>
+                      </a:schemeClr>
+                    </a:solidFill>
+                  </a:tcPr>
+                </a:tc>
+                <a:tc>
+                  <a:txBody>
+                    <a:bodyPr/>
+                    <a:lstStyle/>
+                    <a:p>
+                      <a:pPr algn="l">
+                        <a:buNone/>
+                      </a:pPr>
+                      <a:r>
+                        <a:rPr lang="en-US" altLang="zh-CN" dirty="0" smtClean="0">
+                          <a:solidFill>
+                            <a:schemeClr val="tx1"/>
+                          </a:solidFill>
+                        </a:rPr>
+                        <a:t>9.7</a:t>
+                      </a:r>
+                    </a:p>
+                  </a:txBody>
+                  <a:tcPr>
+                    <a:solidFill>
+                      <a:schemeClr val="accent1">
+                        <a:lumMod val="40000"/>
+                        <a:lumOff val="60000"/>
+                      </a:schemeClr>
+                    </a:solidFill>
+                  </a:tcPr>
+                </a:tc>
+                <a:extLst>
+                  <a:ext uri="{0D108BD9-81ED-4DB2-BD59-A6C34878D82A}">
+                    <a16:rowId xmlns:a16="http://schemas.microsoft.com/office/drawing/2014/main" val="10002"/>
+                  </a:ext>
+                </a:extLst>
+              </a:tr>
+              <a:tr h="733425">
+                <a:tc>
+                  <a:txBody>
+                    <a:bodyPr/>
+                    <a:lstStyle/>
+                    <a:p>
+                      <a:pPr algn="l">
+                        <a:buNone/>
+                      </a:pPr>
+                      <a:r>
+                        <a:rPr lang="zh-CN" altLang="en-US" dirty="0" smtClean="0">
+                          <a:solidFill>
+                            <a:schemeClr val="tx1"/>
+                          </a:solidFill>
+                        </a:rPr>
+                        <a:t>蔡峰</a:t>
+                      </a:r>
+                    </a:p>
+                  </a:txBody>
+                  <a:tcPr>
+                    <a:solidFill>
+                      <a:schemeClr val="accent1">
+                        <a:lumMod val="40000"/>
+                        <a:lumOff val="60000"/>
+                      </a:schemeClr>
+                    </a:solidFill>
+                  </a:tcPr>
+                </a:tc>
+                <a:tc>
+                  <a:txBody>
+                    <a:bodyPr/>
+                    <a:lstStyle/>
+                    <a:p>
+                      <a:pPr algn="l">
+                        <a:buNone/>
+                      </a:pPr>
+                      <a:r>
+                        <a:rPr lang="zh-CN" dirty="0" smtClean="0">
+                          <a:solidFill>
+                            <a:schemeClr val="tx1"/>
+                          </a:solidFill>
+                        </a:rPr>
+                        <a:t>包图部分</a:t>
+                      </a:r>
+                      <a:r>
+                        <a:rPr lang="en-US" altLang="zh-CN" dirty="0" smtClean="0">
+                          <a:solidFill>
+                            <a:schemeClr val="tx1"/>
+                          </a:solidFill>
+                        </a:rPr>
+                        <a:t>PPT</a:t>
+                      </a:r>
+                      <a:r>
+                        <a:rPr lang="zh-CN" altLang="en-US" dirty="0" smtClean="0">
+                          <a:solidFill>
+                            <a:schemeClr val="tx1"/>
+                          </a:solidFill>
+                        </a:rPr>
+                        <a:t>制作</a:t>
+                      </a:r>
+                    </a:p>
+                  </a:txBody>
+                  <a:tcPr>
+                    <a:solidFill>
+                      <a:schemeClr val="accent1">
+                        <a:lumMod val="40000"/>
+                        <a:lumOff val="60000"/>
+                      </a:schemeClr>
+                    </a:solidFill>
+                  </a:tcPr>
+                </a:tc>
+                <a:tc>
+                  <a:txBody>
+                    <a:bodyPr/>
+                    <a:lstStyle/>
+                    <a:p>
+                      <a:pPr algn="l">
+                        <a:buNone/>
+                      </a:pPr>
+                      <a:r>
+                        <a:rPr lang="en-US" altLang="zh-CN" sz="2100" dirty="0" smtClean="0">
+                          <a:solidFill>
+                            <a:schemeClr val="tx1"/>
+                          </a:solidFill>
+                          <a:sym typeface="+mn-ea"/>
+                        </a:rPr>
+                        <a:t>9.4</a:t>
+                      </a:r>
+                      <a:endParaRPr lang="en-US" altLang="zh-CN" sz="2100" b="0" dirty="0" smtClean="0">
+                        <a:solidFill>
+                          <a:schemeClr val="tx1"/>
+                        </a:solidFill>
+                        <a:sym typeface="+mn-ea"/>
+                      </a:endParaRPr>
+                    </a:p>
+                    <a:p>
+                      <a:pPr algn="l">
+                        <a:buNone/>
+                      </a:pPr>
+                      <a:endParaRPr lang="zh-CN" altLang="en-US" dirty="0" smtClean="0">
+                        <a:solidFill>
+                          <a:schemeClr val="tx1"/>
+                        </a:solidFill>
+                      </a:endParaRPr>
+                    </a:p>
+                  </a:txBody>
+                  <a:tcPr>
+                    <a:solidFill>
+                      <a:schemeClr val="accent1">
+                        <a:lumMod val="40000"/>
+                        <a:lumOff val="60000"/>
+                      </a:schemeClr>
+                    </a:solidFill>
+                  </a:tcPr>
+                </a:tc>
+                <a:extLst>
+                  <a:ext uri="{0D108BD9-81ED-4DB2-BD59-A6C34878D82A}">
+                    <a16:rowId xmlns:a16="http://schemas.microsoft.com/office/drawing/2014/main" val="10003"/>
+                  </a:ext>
+                </a:extLst>
+              </a:tr>
+              <a:tr h="732790">
+                <a:tc>
+                  <a:txBody>
+                    <a:bodyPr/>
+                    <a:lstStyle/>
+                    <a:p>
+                      <a:pPr algn="l">
+                        <a:buNone/>
+                      </a:pPr>
+                      <a:r>
+                        <a:rPr lang="zh-CN" altLang="en-US" dirty="0" smtClean="0">
+                          <a:solidFill>
+                            <a:schemeClr val="tx1"/>
+                          </a:solidFill>
+                        </a:rPr>
+                        <a:t>江亮儒</a:t>
+                      </a:r>
+                    </a:p>
+                  </a:txBody>
+                  <a:tcPr>
+                    <a:solidFill>
+                      <a:schemeClr val="accent1">
+                        <a:lumMod val="40000"/>
+                        <a:lumOff val="60000"/>
+                      </a:schemeClr>
+                    </a:solidFill>
+                  </a:tcPr>
+                </a:tc>
+                <a:tc>
+                  <a:txBody>
+                    <a:bodyPr/>
+                    <a:lstStyle/>
+                    <a:p>
+                      <a:pPr algn="l">
+                        <a:buNone/>
+                      </a:pPr>
+                      <a:r>
+                        <a:rPr lang="zh-CN" altLang="en-US" sz="2100" dirty="0" smtClean="0">
+                          <a:solidFill>
+                            <a:schemeClr val="tx1"/>
+                          </a:solidFill>
+                          <a:sym typeface="+mn-ea"/>
+                        </a:rPr>
+                        <a:t>构件图部分</a:t>
+                      </a:r>
+                      <a:r>
+                        <a:rPr lang="en-US" altLang="zh-CN" sz="2100" dirty="0" smtClean="0">
+                          <a:solidFill>
+                            <a:schemeClr val="tx1"/>
+                          </a:solidFill>
+                          <a:sym typeface="+mn-ea"/>
+                        </a:rPr>
+                        <a:t>PPT</a:t>
+                      </a:r>
+                      <a:r>
+                        <a:rPr lang="zh-CN" altLang="en-US" sz="2100" dirty="0" smtClean="0">
+                          <a:solidFill>
+                            <a:schemeClr val="tx1"/>
+                          </a:solidFill>
+                          <a:sym typeface="+mn-ea"/>
+                        </a:rPr>
+                        <a:t>制作</a:t>
+                      </a:r>
+                    </a:p>
+                  </a:txBody>
+                  <a:tcPr>
+                    <a:solidFill>
+                      <a:schemeClr val="accent1">
+                        <a:lumMod val="40000"/>
+                        <a:lumOff val="60000"/>
+                      </a:schemeClr>
+                    </a:solidFill>
+                  </a:tcPr>
+                </a:tc>
+                <a:tc>
+                  <a:txBody>
+                    <a:bodyPr/>
+                    <a:lstStyle/>
+                    <a:p>
+                      <a:pPr algn="l">
+                        <a:buNone/>
+                      </a:pPr>
+                      <a:r>
+                        <a:rPr lang="en-US" altLang="zh-CN" dirty="0" smtClean="0">
+                          <a:solidFill>
+                            <a:schemeClr val="tx1"/>
+                          </a:solidFill>
+                        </a:rPr>
+                        <a:t>9.6</a:t>
+                      </a:r>
+                    </a:p>
+                  </a:txBody>
+                  <a:tcPr>
+                    <a:solidFill>
+                      <a:schemeClr val="accent1">
+                        <a:lumMod val="40000"/>
+                        <a:lumOff val="60000"/>
+                      </a:schemeClr>
+                    </a:solidFill>
+                  </a:tcPr>
+                </a:tc>
+                <a:extLst>
+                  <a:ext uri="{0D108BD9-81ED-4DB2-BD59-A6C34878D82A}">
+                    <a16:rowId xmlns:a16="http://schemas.microsoft.com/office/drawing/2014/main" val="10004"/>
+                  </a:ext>
+                </a:extLst>
+              </a:tr>
+            </a:tbl>
+          </a:graphicData>
+        </a:graphic>
+      </p:graphicFrame>
+    </p:spTree>
+  </p:cSld>
+  <p:clrMapOvr>
+    <a:masterClrMapping/>
+  </p:clrMapOvr>
+  <mc:AlternateContent xmlns:mc="http://schemas.openxmlformats.org/markup-compatibility/2006" xmlns:p14="http://schemas.microsoft.com/office/powerpoint/2010/main">
+    <mc:Choice Requires="p14">
+      <p:transition spd="slow" p14:dur="1200" advClick="0" advTm="0">
+        <p14:prism/>
+      </p:transition>
+    </mc:Choice>
+    <mc:Fallback xmlns="">
+      <p:transition spd="slow" advClick="0" advTm="0">
+        <p:fade/>
+      </p:transition>
+    </mc:Fallback>
+  </mc:AlternateContent>
+  <p:timing>
+    <p:tnLst>
+      <p:par>
+        <p:cTn id="1" dur="indefinite" restart="never" nodeType="tmRoot">
+          <p:childTnLst>
+            <p:seq concurrent="1" nextAc="seek">
+              <p:cTn id="2" dur="indefinite" nodeType="mainSeq">
+                <p:childTnLst>
+                  <p:par>
+                    <p:cTn id="3" fill="hold">
+                      <p:stCondLst>
+                        <p:cond delay="indefinite"/>
+                        <p:cond evt="onBegin" delay="0">
+                          <p:tn val="2"/>
+                        </p:cond>
+                      </p:stCondLst>
+                      <p:childTnLst>
+                        <p:par>
+                          <p:cTn id="4" fill="hold">
+                            <p:stCondLst>
+                              <p:cond delay="0"/>
+                            </p:stCondLst>
+                            <p:childTnLst>
+                              <p:par>
+                                <p:cTn id="5" presetID="2" presetClass="entr" presetSubtype="8" fill="hold" grpId="0" nodeType="afterEffect">
+                                  <p:stCondLst>
+                                    <p:cond delay="0"/>
+                                  </p:stCondLst>
+                                  <p:childTnLst>
+                                    <p:set>
+                                      <p:cBhvr>
+                                        <p:cTn id="6" dur="1" fill="hold">
+                                          <p:stCondLst>
+                                            <p:cond delay="0"/>
+                                          </p:stCondLst>
+                                        </p:cTn>
+                                        <p:tgtEl>
+                                          <p:spTgt spid="36"/>
+                                        </p:tgtEl>
+                                        <p:attrNameLst>
+                                          <p:attrName>style.visibility</p:attrName>
+                                        </p:attrNameLst>
+                                      </p:cBhvr>
+                                      <p:to>
+                                        <p:strVal val="visible"/>
+                                      </p:to>
+                                    </p:set>
+                                    <p:anim calcmode="lin" valueType="num">
+                                      <p:cBhvr additive="base">
+                                        <p:cTn id="7" dur="500" fill="hold"/>
+                                        <p:tgtEl>
+                                          <p:spTgt spid="36"/>
+                                        </p:tgtEl>
+                                        <p:attrNameLst>
+                                          <p:attrName>ppt_x</p:attrName>
+                                        </p:attrNameLst>
+                                      </p:cBhvr>
+                                      <p:tavLst>
+                                        <p:tav tm="0">
+                                          <p:val>
+                                            <p:strVal val="0-#ppt_w/2"/>
+                                          </p:val>
+                                        </p:tav>
+                                        <p:tav tm="100000">
+                                          <p:val>
+                                            <p:strVal val="#ppt_x"/>
+                                          </p:val>
+                                        </p:tav>
+                                      </p:tavLst>
+                                    </p:anim>
+                                    <p:anim calcmode="lin" valueType="num">
+                                      <p:cBhvr additive="base">
+                                        <p:cTn id="8" dur="500" fill="hold"/>
+                                        <p:tgtEl>
+                                          <p:spTgt spid="36"/>
+                                        </p:tgtEl>
+                                        <p:attrNameLst>
+                                          <p:attrName>ppt_y</p:attrName>
+                                        </p:attrNameLst>
+                                      </p:cBhvr>
+                                      <p:tavLst>
+                                        <p:tav tm="0">
+                                          <p:val>
+                                            <p:strVal val="#ppt_y"/>
+                                          </p:val>
+                                        </p:tav>
+                                        <p:tav tm="100000">
+                                          <p:val>
+                                            <p:strVal val="#ppt_y"/>
+                                          </p:val>
+                                        </p:tav>
+                                      </p:tavLst>
+                                    </p:anim>
+                                  </p:childTnLst>
+                                </p:cTn>
+                              </p:par>
+                            </p:childTnLst>
+                          </p:cTn>
+                        </p:par>
+                        <p:par>
+                          <p:cTn id="9" fill="hold">
+                            <p:stCondLst>
+                              <p:cond delay="500"/>
+                            </p:stCondLst>
+                            <p:childTnLst>
+                              <p:par>
+                                <p:cTn id="10" presetID="17" presetClass="entr" presetSubtype="1" fill="hold" grpId="0" nodeType="afterEffect">
+                                  <p:stCondLst>
+                                    <p:cond delay="0"/>
+                                  </p:stCondLst>
+                                  <p:iterate type="lt">
+                                    <p:tmPct val="40000"/>
+                                  </p:iterate>
+                                  <p:childTnLst>
+                                    <p:set>
+                                      <p:cBhvr>
+                                        <p:cTn id="11" dur="1" fill="hold">
+                                          <p:stCondLst>
+                                            <p:cond delay="0"/>
+                                          </p:stCondLst>
+                                        </p:cTn>
+                                        <p:tgtEl>
+                                          <p:spTgt spid="37"/>
+                                        </p:tgtEl>
+                                        <p:attrNameLst>
+                                          <p:attrName>style.visibility</p:attrName>
+                                        </p:attrNameLst>
+                                      </p:cBhvr>
+                                      <p:to>
+                                        <p:strVal val="visible"/>
+                                      </p:to>
+                                    </p:set>
+                                    <p:anim calcmode="lin" valueType="num">
+                                      <p:cBhvr>
+                                        <p:cTn id="12" dur="250" fill="hold"/>
+                                        <p:tgtEl>
+                                          <p:spTgt spid="37"/>
+                                        </p:tgtEl>
+                                        <p:attrNameLst>
+                                          <p:attrName>ppt_x</p:attrName>
+                                        </p:attrNameLst>
+                                      </p:cBhvr>
+                                      <p:tavLst>
+                                        <p:tav tm="0">
+                                          <p:val>
+                                            <p:strVal val="#ppt_x"/>
+                                          </p:val>
+                                        </p:tav>
+                                        <p:tav tm="100000">
+                                          <p:val>
+                                            <p:strVal val="#ppt_x"/>
+                                          </p:val>
+                                        </p:tav>
+                                      </p:tavLst>
+                                    </p:anim>
+                                    <p:anim calcmode="lin" valueType="num">
+                                      <p:cBhvr>
+                                        <p:cTn id="13" dur="250" fill="hold"/>
+                                        <p:tgtEl>
+                                          <p:spTgt spid="37"/>
+                                        </p:tgtEl>
+                                        <p:attrNameLst>
+                                          <p:attrName>ppt_y</p:attrName>
+                                        </p:attrNameLst>
+                                      </p:cBhvr>
+                                      <p:tavLst>
+                                        <p:tav tm="0">
+                                          <p:val>
+                                            <p:strVal val="#ppt_y-#ppt_h/2"/>
+                                          </p:val>
+                                        </p:tav>
+                                        <p:tav tm="100000">
+                                          <p:val>
+                                            <p:strVal val="#ppt_y"/>
+                                          </p:val>
+                                        </p:tav>
+                                      </p:tavLst>
+                                    </p:anim>
+                                    <p:anim calcmode="lin" valueType="num">
+                                      <p:cBhvr>
+                                        <p:cTn id="14" dur="250" fill="hold"/>
+                                        <p:tgtEl>
+                                          <p:spTgt spid="37"/>
+                                        </p:tgtEl>
+                                        <p:attrNameLst>
+                                          <p:attrName>ppt_w</p:attrName>
+                                        </p:attrNameLst>
+                                      </p:cBhvr>
+                                      <p:tavLst>
+                                        <p:tav tm="0">
+                                          <p:val>
+                                            <p:strVal val="#ppt_w"/>
+                                          </p:val>
+                                        </p:tav>
+                                        <p:tav tm="100000">
+                                          <p:val>
+                                            <p:strVal val="#ppt_w"/>
+                                          </p:val>
+                                        </p:tav>
+                                      </p:tavLst>
+                                    </p:anim>
+                                    <p:anim calcmode="lin" valueType="num">
+                                      <p:cBhvr>
+                                        <p:cTn id="15" dur="250" fill="hold"/>
+                                        <p:tgtEl>
+                                          <p:spTgt spid="37"/>
+                                        </p:tgtEl>
+                                        <p:attrNameLst>
+                                          <p:attrName>ppt_h</p:attrName>
+                                        </p:attrNameLst>
+                                      </p:cBhvr>
+                                      <p:tavLst>
+                                        <p:tav tm="0">
+                                          <p:val>
+                                            <p:fltVal val="0"/>
+                                          </p:val>
+                                        </p:tav>
+                                        <p:tav tm="100000">
+                                          <p:val>
+                                            <p:strVal val="#ppt_h"/>
+                                          </p:val>
+                                        </p:tav>
+                                      </p:tavLst>
+                                    </p:anim>
+                                  </p:childTnLst>
+                                </p:cTn>
+                              </p:par>
+                            </p:childTnLst>
+                          </p:cTn>
+                        </p:par>
+                      </p:childTnLst>
+                    </p:cTn>
+                  </p:par>
+                </p:childTnLst>
+              </p:cTn>
+              <p:prevCondLst>
+                <p:cond evt="onPrev" delay="0">
+                  <p:tgtEl>
+                    <p:sldTgt/>
+                  </p:tgtEl>
+                </p:cond>
+              </p:prevCondLst>
+              <p:nextCondLst>
+                <p:cond evt="onNext" delay="0">
+                  <p:tgtEl>
+                    <p:sldTgt/>
+                  </p:tgtEl>
+                </p:cond>
+              </p:nextCondLst>
+            </p:seq>
+          </p:childTnLst>
+        </p:cTn>
+      </p:par>
+    </p:tnLst>
+    <p:bldLst>
+      <p:bldP spid="36" grpId="0" bldLvl="0" animBg="1"/>
+      <p:bldP spid="37" grpId="0"/>
+    </p:bldLst>
+  </p:timing>
+</p:sld>
+</file>
+
+<file path=ppt/slides/slide12.xml><?xml version="1.0" encoding="utf-8"?>
+<p:sld xmlns:a="http://schemas.openxmlformats.org/drawingml/2006/main" xmlns:r="http://schemas.openxmlformats.org/officeDocument/2006/relationships" xmlns:p="http://schemas.openxmlformats.org/presentationml/2006/main">
+  <p:cSld>
+    <p:spTree>
+      <p:nvGrpSpPr>
+        <p:cNvPr id="1" name=""/>
+        <p:cNvGrpSpPr/>
+        <p:nvPr/>
+      </p:nvGrpSpPr>
+      <p:grpSpPr>
+        <a:xfrm>
+          <a:off x="0" y="0"/>
+          <a:ext cx="0" cy="0"/>
+          <a:chOff x="0" y="0"/>
+          <a:chExt cx="0" cy="0"/>
+        </a:xfrm>
+      </p:grpSpPr>
+      <p:cxnSp>
+        <p:nvCxnSpPr>
+          <p:cNvPr id="30" name="直接连接符 29"/>
+          <p:cNvCxnSpPr/>
+          <p:nvPr/>
+        </p:nvCxnSpPr>
+        <p:spPr>
+          <a:xfrm>
+            <a:off x="0" y="740873"/>
+            <a:ext cx="5039227" cy="0"/>
+          </a:xfrm>
+          <a:prstGeom prst="line">
+            <a:avLst/>
+          </a:prstGeom>
+          <a:ln w="12700">
+            <a:solidFill>
+              <a:srgbClr val="A9A9A9"/>
+            </a:solidFill>
+          </a:ln>
+        </p:spPr>
+        <p:style>
+          <a:lnRef idx="1">
+            <a:schemeClr val="accent1"/>
+          </a:lnRef>
+          <a:fillRef idx="0">
+            <a:schemeClr val="accent1"/>
+          </a:fillRef>
+          <a:effectRef idx="0">
+            <a:schemeClr val="accent1"/>
+          </a:effectRef>
+          <a:fontRef idx="minor">
+            <a:schemeClr val="tx1"/>
+          </a:fontRef>
+        </p:style>
+      </p:cxnSp>
+      <p:cxnSp>
+        <p:nvCxnSpPr>
+          <p:cNvPr id="31" name="直接连接符 30"/>
+          <p:cNvCxnSpPr/>
+          <p:nvPr/>
+        </p:nvCxnSpPr>
+        <p:spPr>
+          <a:xfrm>
+            <a:off x="7151186" y="740873"/>
+            <a:ext cx="5039227" cy="0"/>
+          </a:xfrm>
+          <a:prstGeom prst="line">
+            <a:avLst/>
+          </a:prstGeom>
+          <a:ln w="12700">
+            <a:solidFill>
+              <a:srgbClr val="A9A9A9"/>
+            </a:solidFill>
+          </a:ln>
+        </p:spPr>
+        <p:style>
+          <a:lnRef idx="1">
+            <a:schemeClr val="accent1"/>
+          </a:lnRef>
+          <a:fillRef idx="0">
+            <a:schemeClr val="accent1"/>
+          </a:fillRef>
+          <a:effectRef idx="0">
+            <a:schemeClr val="accent1"/>
+          </a:effectRef>
+          <a:fontRef idx="minor">
+            <a:schemeClr val="tx1"/>
+          </a:fontRef>
+        </p:style>
+      </p:cxnSp>
+      <p:sp>
+        <p:nvSpPr>
+          <p:cNvPr id="32" name="矩形 31"/>
+          <p:cNvSpPr/>
+          <p:nvPr/>
+        </p:nvSpPr>
+        <p:spPr>
+          <a:xfrm>
+            <a:off x="1" y="6406814"/>
+            <a:ext cx="3041773" cy="452774"/>
+          </a:xfrm>
+          <a:prstGeom prst="rect">
+            <a:avLst/>
+          </a:prstGeom>
+          <a:solidFill>
+            <a:srgbClr val="EF7768"/>
+          </a:solidFill>
+          <a:ln>
+            <a:noFill/>
+          </a:ln>
+        </p:spPr>
+        <p:style>
+          <a:lnRef idx="2">
+            <a:schemeClr val="accent1">
+              <a:shade val="50000"/>
+            </a:schemeClr>
+          </a:lnRef>
+          <a:fillRef idx="1">
+            <a:schemeClr val="accent1"/>
+          </a:fillRef>
+          <a:effectRef idx="0">
+            <a:schemeClr val="accent1"/>
+          </a:effectRef>
+          <a:fontRef idx="minor">
+            <a:schemeClr val="lt1"/>
+          </a:fontRef>
+        </p:style>
+        <p:txBody>
+          <a:bodyPr lIns="121917" tIns="60958" rIns="121917" bIns="60958" rtlCol="0" anchor="ctr"/>
+          <a:lstStyle/>
+          <a:p>
+            <a:pPr algn="ctr"/>
+            <a:endParaRPr lang="zh-CN" altLang="en-US"/>
+          </a:p>
+        </p:txBody>
+      </p:sp>
+      <p:sp>
+        <p:nvSpPr>
+          <p:cNvPr id="33" name="矩形 32"/>
+          <p:cNvSpPr/>
+          <p:nvPr/>
+        </p:nvSpPr>
+        <p:spPr>
+          <a:xfrm>
+            <a:off x="3041775" y="6406814"/>
+            <a:ext cx="3063750" cy="452774"/>
+          </a:xfrm>
+          <a:prstGeom prst="rect">
+            <a:avLst/>
+          </a:prstGeom>
+          <a:solidFill>
+            <a:srgbClr val="C7C7C7"/>
+          </a:solidFill>
+          <a:ln>
+            <a:noFill/>
+          </a:ln>
+        </p:spPr>
+        <p:style>
+          <a:lnRef idx="2">
+            <a:schemeClr val="accent1">
+              <a:shade val="50000"/>
+            </a:schemeClr>
+          </a:lnRef>
+          <a:fillRef idx="1">
+            <a:schemeClr val="accent1"/>
+          </a:fillRef>
+          <a:effectRef idx="0">
+            <a:schemeClr val="accent1"/>
+          </a:effectRef>
+          <a:fontRef idx="minor">
+            <a:schemeClr val="lt1"/>
+          </a:fontRef>
+        </p:style>
+        <p:txBody>
+          <a:bodyPr lIns="121917" tIns="60958" rIns="121917" bIns="60958" rtlCol="0" anchor="ctr"/>
+          <a:lstStyle/>
+          <a:p>
+            <a:pPr algn="ctr"/>
+            <a:endParaRPr lang="zh-CN" altLang="en-US"/>
+          </a:p>
+        </p:txBody>
+      </p:sp>
+      <p:sp>
+        <p:nvSpPr>
+          <p:cNvPr id="34" name="矩形 33"/>
+          <p:cNvSpPr/>
+          <p:nvPr/>
+        </p:nvSpPr>
+        <p:spPr>
+          <a:xfrm>
+            <a:off x="6095207" y="6406814"/>
+            <a:ext cx="3047603" cy="452774"/>
+          </a:xfrm>
+          <a:prstGeom prst="rect">
+            <a:avLst/>
+          </a:prstGeom>
+          <a:solidFill>
+            <a:srgbClr val="38B1BF"/>
+          </a:solidFill>
+          <a:ln>
+            <a:noFill/>
+          </a:ln>
+        </p:spPr>
+        <p:style>
+          <a:lnRef idx="2">
+            <a:schemeClr val="accent1">
+              <a:shade val="50000"/>
+            </a:schemeClr>
+          </a:lnRef>
+          <a:fillRef idx="1">
+            <a:schemeClr val="accent1"/>
+          </a:fillRef>
+          <a:effectRef idx="0">
+            <a:schemeClr val="accent1"/>
+          </a:effectRef>
+          <a:fontRef idx="minor">
+            <a:schemeClr val="lt1"/>
+          </a:fontRef>
+        </p:style>
+        <p:txBody>
+          <a:bodyPr lIns="121917" tIns="60958" rIns="121917" bIns="60958" rtlCol="0" anchor="ctr"/>
+          <a:lstStyle/>
+          <a:p>
+            <a:pPr algn="ctr"/>
+            <a:endParaRPr lang="zh-CN" altLang="en-US"/>
+          </a:p>
+        </p:txBody>
+      </p:sp>
+      <p:sp>
+        <p:nvSpPr>
+          <p:cNvPr id="35" name="矩形 34"/>
+          <p:cNvSpPr/>
+          <p:nvPr/>
+        </p:nvSpPr>
+        <p:spPr>
+          <a:xfrm>
+            <a:off x="9142810" y="6406814"/>
+            <a:ext cx="3047603" cy="452774"/>
+          </a:xfrm>
+          <a:prstGeom prst="rect">
+            <a:avLst/>
+          </a:prstGeom>
+          <a:solidFill>
+            <a:srgbClr val="FF9933"/>
+          </a:solidFill>
+          <a:ln>
+            <a:noFill/>
+          </a:ln>
+        </p:spPr>
+        <p:style>
+          <a:lnRef idx="2">
+            <a:schemeClr val="accent1">
+              <a:shade val="50000"/>
+            </a:schemeClr>
+          </a:lnRef>
+          <a:fillRef idx="1">
+            <a:schemeClr val="accent1"/>
+          </a:fillRef>
+          <a:effectRef idx="0">
+            <a:schemeClr val="accent1"/>
+          </a:effectRef>
+          <a:fontRef idx="minor">
+            <a:schemeClr val="lt1"/>
+          </a:fontRef>
+        </p:style>
+        <p:txBody>
+          <a:bodyPr lIns="121917" tIns="60958" rIns="121917" bIns="60958" rtlCol="0" anchor="ctr"/>
+          <a:lstStyle/>
+          <a:p>
+            <a:pPr algn="ctr"/>
+            <a:endParaRPr lang="zh-CN" altLang="en-US"/>
+          </a:p>
+        </p:txBody>
+      </p:sp>
+      <p:sp>
+        <p:nvSpPr>
+          <p:cNvPr id="36" name="矩形 35"/>
+          <p:cNvSpPr/>
+          <p:nvPr/>
+        </p:nvSpPr>
+        <p:spPr>
+          <a:xfrm>
+            <a:off x="0" y="-27390"/>
+            <a:ext cx="3047603" cy="123423"/>
+          </a:xfrm>
+          <a:prstGeom prst="rect">
+            <a:avLst/>
+          </a:prstGeom>
+          <a:solidFill>
+            <a:srgbClr val="EF7768"/>
+          </a:solidFill>
+          <a:ln>
+            <a:noFill/>
+          </a:ln>
+        </p:spPr>
+        <p:style>
+          <a:lnRef idx="2">
+            <a:schemeClr val="accent1">
+              <a:shade val="50000"/>
+            </a:schemeClr>
+          </a:lnRef>
+          <a:fillRef idx="1">
+            <a:schemeClr val="accent1"/>
+          </a:fillRef>
+          <a:effectRef idx="0">
+            <a:schemeClr val="accent1"/>
+          </a:effectRef>
+          <a:fontRef idx="minor">
+            <a:schemeClr val="lt1"/>
+          </a:fontRef>
+        </p:style>
+        <p:txBody>
+          <a:bodyPr lIns="121917" tIns="60958" rIns="121917" bIns="60958" rtlCol="0" anchor="ctr"/>
+          <a:lstStyle/>
+          <a:p>
+            <a:pPr algn="ctr"/>
+            <a:endParaRPr lang="zh-CN" altLang="en-US"/>
+          </a:p>
+        </p:txBody>
+      </p:sp>
+      <p:sp>
+        <p:nvSpPr>
+          <p:cNvPr id="37" name="矩形 36"/>
+          <p:cNvSpPr/>
+          <p:nvPr/>
+        </p:nvSpPr>
+        <p:spPr>
+          <a:xfrm>
+            <a:off x="3047603" y="-27390"/>
+            <a:ext cx="3047603" cy="123423"/>
+          </a:xfrm>
+          <a:prstGeom prst="rect">
+            <a:avLst/>
+          </a:prstGeom>
+          <a:solidFill>
+            <a:srgbClr val="C7C7C7"/>
+          </a:solidFill>
+          <a:ln>
+            <a:noFill/>
+          </a:ln>
+        </p:spPr>
+        <p:style>
+          <a:lnRef idx="2">
+            <a:schemeClr val="accent1">
+              <a:shade val="50000"/>
+            </a:schemeClr>
+          </a:lnRef>
+          <a:fillRef idx="1">
+            <a:schemeClr val="accent1"/>
+          </a:fillRef>
+          <a:effectRef idx="0">
+            <a:schemeClr val="accent1"/>
+          </a:effectRef>
+          <a:fontRef idx="minor">
+            <a:schemeClr val="lt1"/>
+          </a:fontRef>
+        </p:style>
+        <p:txBody>
+          <a:bodyPr lIns="121917" tIns="60958" rIns="121917" bIns="60958" rtlCol="0" anchor="ctr"/>
+          <a:lstStyle/>
+          <a:p>
+            <a:pPr algn="ctr"/>
+            <a:endParaRPr lang="zh-CN" altLang="en-US"/>
+          </a:p>
+        </p:txBody>
+      </p:sp>
+      <p:sp>
+        <p:nvSpPr>
+          <p:cNvPr id="38" name="矩形 37"/>
+          <p:cNvSpPr/>
+          <p:nvPr/>
+        </p:nvSpPr>
+        <p:spPr>
+          <a:xfrm>
+            <a:off x="6095207" y="-27390"/>
+            <a:ext cx="3047603" cy="123423"/>
+          </a:xfrm>
+          <a:prstGeom prst="rect">
+            <a:avLst/>
+          </a:prstGeom>
+          <a:solidFill>
+            <a:srgbClr val="38B1BF"/>
+          </a:solidFill>
+          <a:ln>
+            <a:noFill/>
+          </a:ln>
+        </p:spPr>
+        <p:style>
+          <a:lnRef idx="2">
+            <a:schemeClr val="accent1">
+              <a:shade val="50000"/>
+            </a:schemeClr>
+          </a:lnRef>
+          <a:fillRef idx="1">
+            <a:schemeClr val="accent1"/>
+          </a:fillRef>
+          <a:effectRef idx="0">
+            <a:schemeClr val="accent1"/>
+          </a:effectRef>
+          <a:fontRef idx="minor">
+            <a:schemeClr val="lt1"/>
+          </a:fontRef>
+        </p:style>
+        <p:txBody>
+          <a:bodyPr lIns="121917" tIns="60958" rIns="121917" bIns="60958" rtlCol="0" anchor="ctr"/>
+          <a:lstStyle/>
+          <a:p>
+            <a:pPr algn="ctr"/>
+            <a:endParaRPr lang="zh-CN" altLang="en-US"/>
+          </a:p>
+        </p:txBody>
+      </p:sp>
+      <p:sp>
+        <p:nvSpPr>
+          <p:cNvPr id="39" name="矩形 38"/>
+          <p:cNvSpPr/>
+          <p:nvPr/>
+        </p:nvSpPr>
+        <p:spPr>
+          <a:xfrm>
+            <a:off x="9142810" y="-27390"/>
+            <a:ext cx="3047603" cy="123423"/>
+          </a:xfrm>
+          <a:prstGeom prst="rect">
+            <a:avLst/>
+          </a:prstGeom>
+          <a:solidFill>
+            <a:srgbClr val="FF9933"/>
+          </a:solidFill>
+          <a:ln>
+            <a:noFill/>
+          </a:ln>
+        </p:spPr>
+        <p:style>
+          <a:lnRef idx="2">
+            <a:schemeClr val="accent1">
+              <a:shade val="50000"/>
+            </a:schemeClr>
+          </a:lnRef>
+          <a:fillRef idx="1">
+            <a:schemeClr val="accent1"/>
+          </a:fillRef>
+          <a:effectRef idx="0">
+            <a:schemeClr val="accent1"/>
+          </a:effectRef>
+          <a:fontRef idx="minor">
+            <a:schemeClr val="lt1"/>
+          </a:fontRef>
+        </p:style>
+        <p:txBody>
+          <a:bodyPr lIns="121917" tIns="60958" rIns="121917" bIns="60958" rtlCol="0" anchor="ctr"/>
+          <a:lstStyle/>
+          <a:p>
+            <a:pPr algn="ctr"/>
+            <a:endParaRPr lang="zh-CN" altLang="en-US"/>
+          </a:p>
+        </p:txBody>
+      </p:sp>
+      <p:sp>
+        <p:nvSpPr>
+          <p:cNvPr id="41" name="文本框 5"/>
+          <p:cNvSpPr txBox="1"/>
+          <p:nvPr/>
+        </p:nvSpPr>
+        <p:spPr>
+          <a:xfrm>
+            <a:off x="3663094" y="4778722"/>
+            <a:ext cx="2552267" cy="384705"/>
+          </a:xfrm>
+          <a:prstGeom prst="rect">
+            <a:avLst/>
+          </a:prstGeom>
+          <a:noFill/>
+        </p:spPr>
+        <p:txBody>
+          <a:bodyPr wrap="none" lIns="91423" tIns="45712" rIns="91423" bIns="45712" rtlCol="0">
+            <a:spAutoFit/>
+          </a:bodyPr>
+          <a:lstStyle/>
+          <a:p>
+            <a:pPr algn="ctr"/>
+            <a:r>
+              <a:rPr lang="en-US" altLang="zh-CN" sz="1900" dirty="0">
+                <a:solidFill>
+                  <a:schemeClr val="tx1">
+                    <a:lumMod val="85000"/>
+                    <a:lumOff val="15000"/>
+                  </a:schemeClr>
+                </a:solidFill>
+                <a:latin typeface="微软雅黑" panose="020B0503020204020204" pitchFamily="34" charset="-122"/>
+                <a:ea typeface="微软雅黑" panose="020B0503020204020204" pitchFamily="34" charset="-122"/>
+              </a:rPr>
+              <a:t>PRD</a:t>
+            </a:r>
+            <a:r>
+              <a:rPr lang="en-US" sz="1900" dirty="0" smtClean="0">
+                <a:solidFill>
+                  <a:schemeClr val="tx1">
+                    <a:lumMod val="85000"/>
+                    <a:lumOff val="15000"/>
+                  </a:schemeClr>
+                </a:solidFill>
+                <a:latin typeface="微软雅黑" panose="020B0503020204020204" pitchFamily="34" charset="-122"/>
+                <a:ea typeface="微软雅黑" panose="020B0503020204020204" pitchFamily="34" charset="-122"/>
+              </a:rPr>
+              <a:t>2018</a:t>
+            </a:r>
+            <a:r>
+              <a:rPr lang="zh-CN" altLang="en-US" sz="1900" dirty="0">
+                <a:solidFill>
+                  <a:schemeClr val="tx1">
+                    <a:lumMod val="85000"/>
+                    <a:lumOff val="15000"/>
+                  </a:schemeClr>
+                </a:solidFill>
+                <a:latin typeface="微软雅黑" panose="020B0503020204020204" pitchFamily="34" charset="-122"/>
+                <a:ea typeface="微软雅黑" panose="020B0503020204020204" pitchFamily="34" charset="-122"/>
+              </a:rPr>
+              <a:t>秋</a:t>
+            </a:r>
+            <a:r>
+              <a:rPr lang="en-US" altLang="zh-CN" sz="1900" dirty="0" smtClean="0">
+                <a:solidFill>
+                  <a:schemeClr val="tx1">
+                    <a:lumMod val="85000"/>
+                    <a:lumOff val="15000"/>
+                  </a:schemeClr>
+                </a:solidFill>
+                <a:latin typeface="微软雅黑" panose="020B0503020204020204" pitchFamily="34" charset="-122"/>
+                <a:ea typeface="微软雅黑" panose="020B0503020204020204" pitchFamily="34" charset="-122"/>
+              </a:rPr>
+              <a:t>-</a:t>
+            </a:r>
+            <a:r>
+              <a:rPr lang="en-US" sz="1900" dirty="0" smtClean="0">
+                <a:solidFill>
+                  <a:schemeClr val="tx1">
+                    <a:lumMod val="85000"/>
+                    <a:lumOff val="15000"/>
+                  </a:schemeClr>
+                </a:solidFill>
+                <a:latin typeface="微软雅黑" panose="020B0503020204020204" pitchFamily="34" charset="-122"/>
+                <a:ea typeface="微软雅黑" panose="020B0503020204020204" pitchFamily="34" charset="-122"/>
+              </a:rPr>
+              <a:t>G11</a:t>
+            </a:r>
+            <a:r>
+              <a:rPr lang="zh-CN" altLang="en-US" sz="1900" dirty="0" smtClean="0">
+                <a:solidFill>
+                  <a:schemeClr val="tx1">
+                    <a:lumMod val="85000"/>
+                    <a:lumOff val="15000"/>
+                  </a:schemeClr>
+                </a:solidFill>
+                <a:latin typeface="微软雅黑" panose="020B0503020204020204" pitchFamily="34" charset="-122"/>
+                <a:ea typeface="微软雅黑" panose="020B0503020204020204" pitchFamily="34" charset="-122"/>
+              </a:rPr>
+              <a:t>小组</a:t>
+            </a:r>
+            <a:endParaRPr lang="zh-CN" altLang="en-US" sz="1900" dirty="0">
+              <a:solidFill>
+                <a:schemeClr val="tx1">
+                  <a:lumMod val="85000"/>
+                  <a:lumOff val="15000"/>
+                </a:schemeClr>
+              </a:solidFill>
+              <a:latin typeface="微软雅黑" panose="020B0503020204020204" pitchFamily="34" charset="-122"/>
+              <a:ea typeface="微软雅黑" panose="020B0503020204020204" pitchFamily="34" charset="-122"/>
+            </a:endParaRPr>
+          </a:p>
+        </p:txBody>
+      </p:sp>
+      <p:sp>
+        <p:nvSpPr>
+          <p:cNvPr id="42" name="矩形 41"/>
+          <p:cNvSpPr/>
+          <p:nvPr/>
+        </p:nvSpPr>
+        <p:spPr>
+          <a:xfrm>
+            <a:off x="4110906" y="3692461"/>
+            <a:ext cx="3975100" cy="643890"/>
+          </a:xfrm>
+          <a:prstGeom prst="rect">
+            <a:avLst/>
+          </a:prstGeom>
+          <a:noFill/>
+          <a:ln>
+            <a:noFill/>
+          </a:ln>
+          <a:effectLst>
+            <a:glow rad="1905000">
+              <a:srgbClr val="F14124">
+                <a:alpha val="40000"/>
+              </a:srgbClr>
+            </a:glow>
+            <a:softEdge rad="1270000"/>
+          </a:effectLst>
+        </p:spPr>
+        <p:txBody>
+          <a:bodyPr wrap="none" lIns="91423" tIns="45712" rIns="91423" bIns="45712">
+            <a:spAutoFit/>
+          </a:bodyPr>
+          <a:lstStyle/>
+          <a:p>
+            <a:pPr algn="ctr"/>
+            <a:r>
+              <a:rPr lang="zh-CN" altLang="en-US" sz="3600" b="1" dirty="0">
+                <a:solidFill>
+                  <a:schemeClr val="tx1">
+                    <a:lumMod val="75000"/>
+                    <a:lumOff val="25000"/>
+                  </a:schemeClr>
+                </a:solidFill>
+                <a:latin typeface="微软雅黑" panose="020B0503020204020204" pitchFamily="34" charset="-122"/>
+                <a:ea typeface="微软雅黑" panose="020B0503020204020204" pitchFamily="34" charset="-122"/>
+              </a:rPr>
+              <a:t>汇报结束 感谢观看</a:t>
+            </a:r>
+          </a:p>
+        </p:txBody>
+      </p:sp>
+      <p:sp>
+        <p:nvSpPr>
+          <p:cNvPr id="43" name="文本框 5"/>
+          <p:cNvSpPr txBox="1"/>
+          <p:nvPr/>
+        </p:nvSpPr>
+        <p:spPr>
+          <a:xfrm>
+            <a:off x="6287332" y="4778722"/>
+            <a:ext cx="2038350" cy="382270"/>
+          </a:xfrm>
+          <a:prstGeom prst="rect">
+            <a:avLst/>
+          </a:prstGeom>
+          <a:noFill/>
+        </p:spPr>
+        <p:txBody>
+          <a:bodyPr wrap="none" lIns="91423" tIns="45712" rIns="91423" bIns="45712" rtlCol="0">
+            <a:spAutoFit/>
+          </a:bodyPr>
+          <a:lstStyle/>
+          <a:p>
+            <a:pPr algn="ctr"/>
+            <a:r>
+              <a:rPr lang="en-US" altLang="zh-CN" sz="1900" dirty="0" smtClean="0">
+                <a:solidFill>
+                  <a:schemeClr val="tx1">
+                    <a:lumMod val="85000"/>
+                    <a:lumOff val="15000"/>
+                  </a:schemeClr>
+                </a:solidFill>
+                <a:latin typeface="微软雅黑" panose="020B0503020204020204" pitchFamily="34" charset="-122"/>
+                <a:ea typeface="微软雅黑" panose="020B0503020204020204" pitchFamily="34" charset="-122"/>
+              </a:rPr>
+              <a:t>2018</a:t>
+            </a:r>
+            <a:r>
+              <a:rPr lang="zh-CN" altLang="en-US" sz="1900" dirty="0" smtClean="0">
+                <a:solidFill>
+                  <a:schemeClr val="tx1">
+                    <a:lumMod val="85000"/>
+                    <a:lumOff val="15000"/>
+                  </a:schemeClr>
+                </a:solidFill>
+                <a:latin typeface="微软雅黑" panose="020B0503020204020204" pitchFamily="34" charset="-122"/>
+                <a:ea typeface="微软雅黑" panose="020B0503020204020204" pitchFamily="34" charset="-122"/>
+              </a:rPr>
+              <a:t>年</a:t>
+            </a:r>
+            <a:r>
+              <a:rPr lang="en-US" altLang="zh-CN" sz="1900" dirty="0">
+                <a:solidFill>
+                  <a:schemeClr val="tx1">
+                    <a:lumMod val="85000"/>
+                    <a:lumOff val="15000"/>
+                  </a:schemeClr>
+                </a:solidFill>
+                <a:latin typeface="微软雅黑" panose="020B0503020204020204" pitchFamily="34" charset="-122"/>
+                <a:ea typeface="微软雅黑" panose="020B0503020204020204" pitchFamily="34" charset="-122"/>
+              </a:rPr>
+              <a:t>11</a:t>
+            </a:r>
+            <a:r>
+              <a:rPr lang="zh-CN" altLang="en-US" sz="1900" dirty="0" smtClean="0">
+                <a:solidFill>
+                  <a:schemeClr val="tx1">
+                    <a:lumMod val="85000"/>
+                    <a:lumOff val="15000"/>
+                  </a:schemeClr>
+                </a:solidFill>
+                <a:latin typeface="微软雅黑" panose="020B0503020204020204" pitchFamily="34" charset="-122"/>
+                <a:ea typeface="微软雅黑" panose="020B0503020204020204" pitchFamily="34" charset="-122"/>
+              </a:rPr>
+              <a:t>月</a:t>
+            </a:r>
+            <a:r>
+              <a:rPr lang="en-US" altLang="zh-CN" sz="1900" dirty="0" smtClean="0">
+                <a:solidFill>
+                  <a:schemeClr val="tx1">
+                    <a:lumMod val="85000"/>
+                    <a:lumOff val="15000"/>
+                  </a:schemeClr>
+                </a:solidFill>
+                <a:latin typeface="微软雅黑" panose="020B0503020204020204" pitchFamily="34" charset="-122"/>
+                <a:ea typeface="微软雅黑" panose="020B0503020204020204" pitchFamily="34" charset="-122"/>
+              </a:rPr>
+              <a:t>11</a:t>
+            </a:r>
+            <a:r>
+              <a:rPr lang="zh-CN" altLang="en-US" sz="1900" dirty="0" smtClean="0">
+                <a:solidFill>
+                  <a:schemeClr val="tx1">
+                    <a:lumMod val="85000"/>
+                    <a:lumOff val="15000"/>
+                  </a:schemeClr>
+                </a:solidFill>
+                <a:latin typeface="微软雅黑" panose="020B0503020204020204" pitchFamily="34" charset="-122"/>
+                <a:ea typeface="微软雅黑" panose="020B0503020204020204" pitchFamily="34" charset="-122"/>
+              </a:rPr>
+              <a:t>日</a:t>
+            </a:r>
+            <a:endParaRPr lang="zh-CN" altLang="en-US" sz="1900" dirty="0">
+              <a:solidFill>
+                <a:schemeClr val="tx1">
+                  <a:lumMod val="85000"/>
+                  <a:lumOff val="15000"/>
+                </a:schemeClr>
+              </a:solidFill>
+              <a:latin typeface="微软雅黑" panose="020B0503020204020204" pitchFamily="34" charset="-122"/>
+              <a:ea typeface="微软雅黑" panose="020B0503020204020204" pitchFamily="34" charset="-122"/>
+            </a:endParaRPr>
+          </a:p>
+        </p:txBody>
+      </p:sp>
+      <p:cxnSp>
+        <p:nvCxnSpPr>
+          <p:cNvPr id="44" name="直接连接符 43"/>
+          <p:cNvCxnSpPr/>
+          <p:nvPr/>
+        </p:nvCxnSpPr>
+        <p:spPr>
+          <a:xfrm>
+            <a:off x="2639273" y="4529730"/>
+            <a:ext cx="6911868" cy="0"/>
+          </a:xfrm>
+          <a:prstGeom prst="line">
+            <a:avLst/>
+          </a:prstGeom>
+          <a:ln>
+            <a:solidFill>
+              <a:srgbClr val="38B1BF"/>
+            </a:solidFill>
+          </a:ln>
+        </p:spPr>
+        <p:style>
+          <a:lnRef idx="1">
+            <a:schemeClr val="accent1"/>
+          </a:lnRef>
+          <a:fillRef idx="0">
+            <a:schemeClr val="accent1"/>
+          </a:fillRef>
+          <a:effectRef idx="0">
+            <a:schemeClr val="accent1"/>
+          </a:effectRef>
+          <a:fontRef idx="minor">
+            <a:schemeClr val="tx1"/>
+          </a:fontRef>
+        </p:style>
+      </p:cxnSp>
+      <p:pic>
+        <p:nvPicPr>
+          <p:cNvPr id="46" name="商务.mp3">
+            <a:hlinkClick r:id="" action="ppaction://media"/>
+          </p:cNvPr>
+          <p:cNvPicPr>
+            <a:picLocks noChangeAspect="1"/>
+          </p:cNvPicPr>
+          <p:nvPr>
+            <a:audioFile r:link="rId2"/>
+            <p:extLst>
+              <p:ext uri="{DAA4B4D4-6D71-4841-9C94-3DE7FCFB9230}">
+                <p14:media xmlns:p14="http://schemas.microsoft.com/office/powerpoint/2010/main" r:embed="rId1"/>
+              </p:ext>
+            </p:extLst>
+          </p:nvPr>
+        </p:nvPicPr>
+        <p:blipFill>
+          <a:blip r:embed="rId5"/>
+          <a:stretch>
+            <a:fillRect/>
+          </a:stretch>
+        </p:blipFill>
+        <p:spPr>
+          <a:xfrm>
+            <a:off x="12418122" y="6197364"/>
+            <a:ext cx="812694" cy="812988"/>
+          </a:xfrm>
+          <a:prstGeom prst="rect">
+            <a:avLst/>
+          </a:prstGeom>
+        </p:spPr>
+      </p:pic>
+      <p:sp>
+        <p:nvSpPr>
+          <p:cNvPr id="2" name="文本框 1"/>
+          <p:cNvSpPr txBox="1"/>
+          <p:nvPr/>
+        </p:nvSpPr>
+        <p:spPr>
+          <a:xfrm>
+            <a:off x="4051300" y="5527040"/>
+            <a:ext cx="4747895" cy="414020"/>
+          </a:xfrm>
+          <a:prstGeom prst="rect">
+            <a:avLst/>
+          </a:prstGeom>
+          <a:noFill/>
+        </p:spPr>
+        <p:txBody>
+          <a:bodyPr wrap="square" rtlCol="0">
+            <a:spAutoFit/>
+          </a:bodyPr>
+          <a:lstStyle/>
+          <a:p>
+            <a:r>
+              <a:rPr lang="zh-CN" altLang="en-US" kern="300" spc="2000">
+                <a:solidFill>
+                  <a:schemeClr val="tx1"/>
+                </a:solidFill>
+                <a:uFillTx/>
+                <a:latin typeface="+中文标题" charset="0"/>
+                <a:ea typeface="+mj-ea"/>
+              </a:rPr>
+              <a:t>浙江大学城市学院</a:t>
+            </a:r>
+          </a:p>
+        </p:txBody>
+      </p:sp>
+    </p:spTree>
+  </p:cSld>
+  <p:clrMapOvr>
+    <a:masterClrMapping/>
+  </p:clrMapOvr>
+  <mc:AlternateContent xmlns:mc="http://schemas.openxmlformats.org/markup-compatibility/2006" xmlns:p14="http://schemas.microsoft.com/office/powerpoint/2010/main">
+    <mc:Choice Requires="p14">
+      <p:transition spd="slow" p14:dur="1600" advClick="0" advTm="0">
+        <p:blinds dir="vert"/>
+      </p:transition>
+    </mc:Choice>
+    <mc:Fallback xmlns="">
+      <p:transition spd="slow" advClick="0" advTm="0">
+        <p:blinds dir="vert"/>
+      </p:transition>
+    </mc:Fallback>
+  </mc:AlternateContent>
+  <p:timing>
+    <p:tnLst>
+      <p:par>
+        <p:cTn id="1" dur="indefinite" restart="never" nodeType="tmRoot">
+          <p:childTnLst>
+            <p:seq concurrent="1" nextAc="seek">
+              <p:cTn id="2" dur="indefinite" nodeType="mainSeq">
+                <p:childTnLst>
+                  <p:par>
+                    <p:cTn id="3" fill="hold">
+                      <p:stCondLst>
+                        <p:cond delay="indefinite"/>
+                        <p:cond evt="onBegin" delay="0">
+                          <p:tn val="2"/>
+                        </p:cond>
+                      </p:stCondLst>
+                      <p:childTnLst>
+                        <p:par>
+                          <p:cTn id="4" fill="hold">
+                            <p:stCondLst>
+                              <p:cond delay="0"/>
+                            </p:stCondLst>
+                            <p:childTnLst>
+                              <p:par>
+                                <p:cTn id="5" presetID="1" presetClass="mediacall" presetSubtype="0" fill="hold" nodeType="withEffect">
+                                  <p:stCondLst>
+                                    <p:cond delay="0"/>
+                                  </p:stCondLst>
+                                  <p:childTnLst>
+                                    <p:cmd type="call" cmd="playFrom(0.0)">
+                                      <p:cBhvr>
+                                        <p:cTn id="6" dur="1" fill="hold"/>
+                                        <p:tgtEl>
+                                          <p:spTgt spid="46"/>
+                                        </p:tgtEl>
+                                      </p:cBhvr>
+                                    </p:cmd>
+                                  </p:childTnLst>
+                                </p:cTn>
+                              </p:par>
+                              <p:par>
+                                <p:cTn id="7" presetID="10" presetClass="entr" presetSubtype="0" fill="hold" grpId="0" nodeType="withEffect">
+                                  <p:stCondLst>
+                                    <p:cond delay="0"/>
+                                  </p:stCondLst>
+                                  <p:childTnLst>
+                                    <p:set>
+                                      <p:cBhvr>
+                                        <p:cTn id="8" dur="1" fill="hold">
+                                          <p:stCondLst>
+                                            <p:cond delay="0"/>
+                                          </p:stCondLst>
+                                        </p:cTn>
+                                        <p:tgtEl>
+                                          <p:spTgt spid="36"/>
+                                        </p:tgtEl>
+                                        <p:attrNameLst>
+                                          <p:attrName>style.visibility</p:attrName>
+                                        </p:attrNameLst>
+                                      </p:cBhvr>
+                                      <p:to>
+                                        <p:strVal val="visible"/>
+                                      </p:to>
+                                    </p:set>
+                                    <p:animEffect transition="in" filter="fade">
+                                      <p:cBhvr>
+                                        <p:cTn id="9" dur="200"/>
+                                        <p:tgtEl>
+                                          <p:spTgt spid="36"/>
+                                        </p:tgtEl>
+                                      </p:cBhvr>
+                                    </p:animEffect>
+                                  </p:childTnLst>
+                                </p:cTn>
+                              </p:par>
+                              <p:par>
+                                <p:cTn id="10" presetID="10" presetClass="entr" presetSubtype="0" fill="hold" grpId="0" nodeType="withEffect">
+                                  <p:stCondLst>
+                                    <p:cond delay="0"/>
+                                  </p:stCondLst>
+                                  <p:childTnLst>
+                                    <p:set>
+                                      <p:cBhvr>
+                                        <p:cTn id="11" dur="1" fill="hold">
+                                          <p:stCondLst>
+                                            <p:cond delay="0"/>
+                                          </p:stCondLst>
+                                        </p:cTn>
+                                        <p:tgtEl>
+                                          <p:spTgt spid="37"/>
+                                        </p:tgtEl>
+                                        <p:attrNameLst>
+                                          <p:attrName>style.visibility</p:attrName>
+                                        </p:attrNameLst>
+                                      </p:cBhvr>
+                                      <p:to>
+                                        <p:strVal val="visible"/>
+                                      </p:to>
+                                    </p:set>
+                                    <p:animEffect transition="in" filter="fade">
+                                      <p:cBhvr>
+                                        <p:cTn id="12" dur="200"/>
+                                        <p:tgtEl>
+                                          <p:spTgt spid="37"/>
+                                        </p:tgtEl>
+                                      </p:cBhvr>
+                                    </p:animEffect>
+                                  </p:childTnLst>
+                                </p:cTn>
+                              </p:par>
+                              <p:par>
+                                <p:cTn id="13" presetID="10" presetClass="entr" presetSubtype="0" fill="hold" grpId="0" nodeType="withEffect">
+                                  <p:stCondLst>
+                                    <p:cond delay="0"/>
+                                  </p:stCondLst>
+                                  <p:childTnLst>
+                                    <p:set>
+                                      <p:cBhvr>
+                                        <p:cTn id="14" dur="1" fill="hold">
+                                          <p:stCondLst>
+                                            <p:cond delay="0"/>
+                                          </p:stCondLst>
+                                        </p:cTn>
+                                        <p:tgtEl>
+                                          <p:spTgt spid="38"/>
+                                        </p:tgtEl>
+                                        <p:attrNameLst>
+                                          <p:attrName>style.visibility</p:attrName>
+                                        </p:attrNameLst>
+                                      </p:cBhvr>
+                                      <p:to>
+                                        <p:strVal val="visible"/>
+                                      </p:to>
+                                    </p:set>
+                                    <p:animEffect transition="in" filter="fade">
+                                      <p:cBhvr>
+                                        <p:cTn id="15" dur="200"/>
+                                        <p:tgtEl>
+                                          <p:spTgt spid="38"/>
+                                        </p:tgtEl>
+                                      </p:cBhvr>
+                                    </p:animEffect>
+                                  </p:childTnLst>
+                                </p:cTn>
+                              </p:par>
+                              <p:par>
+                                <p:cTn id="16" presetID="10" presetClass="entr" presetSubtype="0" fill="hold" grpId="0" nodeType="withEffect">
+                                  <p:stCondLst>
+                                    <p:cond delay="0"/>
+                                  </p:stCondLst>
+                                  <p:childTnLst>
+                                    <p:set>
+                                      <p:cBhvr>
+                                        <p:cTn id="17" dur="1" fill="hold">
+                                          <p:stCondLst>
+                                            <p:cond delay="0"/>
+                                          </p:stCondLst>
+                                        </p:cTn>
+                                        <p:tgtEl>
+                                          <p:spTgt spid="39"/>
+                                        </p:tgtEl>
+                                        <p:attrNameLst>
+                                          <p:attrName>style.visibility</p:attrName>
+                                        </p:attrNameLst>
+                                      </p:cBhvr>
+                                      <p:to>
+                                        <p:strVal val="visible"/>
+                                      </p:to>
+                                    </p:set>
+                                    <p:animEffect transition="in" filter="fade">
+                                      <p:cBhvr>
+                                        <p:cTn id="18" dur="200"/>
+                                        <p:tgtEl>
+                                          <p:spTgt spid="39"/>
+                                        </p:tgtEl>
+                                      </p:cBhvr>
+                                    </p:animEffect>
+                                  </p:childTnLst>
+                                </p:cTn>
+                              </p:par>
+                              <p:par>
+                                <p:cTn id="19" presetID="10" presetClass="entr" presetSubtype="0" fill="hold" grpId="0" nodeType="withEffect">
+                                  <p:stCondLst>
+                                    <p:cond delay="0"/>
+                                  </p:stCondLst>
+                                  <p:childTnLst>
+                                    <p:set>
+                                      <p:cBhvr>
+                                        <p:cTn id="20" dur="1" fill="hold">
+                                          <p:stCondLst>
+                                            <p:cond delay="0"/>
+                                          </p:stCondLst>
+                                        </p:cTn>
+                                        <p:tgtEl>
+                                          <p:spTgt spid="32"/>
+                                        </p:tgtEl>
+                                        <p:attrNameLst>
+                                          <p:attrName>style.visibility</p:attrName>
+                                        </p:attrNameLst>
+                                      </p:cBhvr>
+                                      <p:to>
+                                        <p:strVal val="visible"/>
+                                      </p:to>
+                                    </p:set>
+                                    <p:animEffect transition="in" filter="fade">
+                                      <p:cBhvr>
+                                        <p:cTn id="21" dur="200"/>
+                                        <p:tgtEl>
+                                          <p:spTgt spid="32"/>
+                                        </p:tgtEl>
+                                      </p:cBhvr>
+                                    </p:animEffect>
+                                  </p:childTnLst>
+                                </p:cTn>
+                              </p:par>
+                              <p:par>
+                                <p:cTn id="22" presetID="10" presetClass="entr" presetSubtype="0" fill="hold" grpId="0" nodeType="withEffect">
+                                  <p:stCondLst>
+                                    <p:cond delay="0"/>
+                                  </p:stCondLst>
+                                  <p:childTnLst>
+                                    <p:set>
+                                      <p:cBhvr>
+                                        <p:cTn id="23" dur="1" fill="hold">
+                                          <p:stCondLst>
+                                            <p:cond delay="0"/>
+                                          </p:stCondLst>
+                                        </p:cTn>
+                                        <p:tgtEl>
+                                          <p:spTgt spid="33"/>
+                                        </p:tgtEl>
+                                        <p:attrNameLst>
+                                          <p:attrName>style.visibility</p:attrName>
+                                        </p:attrNameLst>
+                                      </p:cBhvr>
+                                      <p:to>
+                                        <p:strVal val="visible"/>
+                                      </p:to>
+                                    </p:set>
+                                    <p:animEffect transition="in" filter="fade">
+                                      <p:cBhvr>
+                                        <p:cTn id="24" dur="200"/>
+                                        <p:tgtEl>
+                                          <p:spTgt spid="33"/>
+                                        </p:tgtEl>
+                                      </p:cBhvr>
+                                    </p:animEffect>
+                                  </p:childTnLst>
+                                </p:cTn>
+                              </p:par>
+                              <p:par>
+                                <p:cTn id="25" presetID="10" presetClass="entr" presetSubtype="0" fill="hold" grpId="0" nodeType="withEffect">
+                                  <p:stCondLst>
+                                    <p:cond delay="0"/>
+                                  </p:stCondLst>
+                                  <p:childTnLst>
+                                    <p:set>
+                                      <p:cBhvr>
+                                        <p:cTn id="26" dur="1" fill="hold">
+                                          <p:stCondLst>
+                                            <p:cond delay="0"/>
+                                          </p:stCondLst>
+                                        </p:cTn>
+                                        <p:tgtEl>
+                                          <p:spTgt spid="34"/>
+                                        </p:tgtEl>
+                                        <p:attrNameLst>
+                                          <p:attrName>style.visibility</p:attrName>
+                                        </p:attrNameLst>
+                                      </p:cBhvr>
+                                      <p:to>
+                                        <p:strVal val="visible"/>
+                                      </p:to>
+                                    </p:set>
+                                    <p:animEffect transition="in" filter="fade">
+                                      <p:cBhvr>
+                                        <p:cTn id="27" dur="200"/>
+                                        <p:tgtEl>
+                                          <p:spTgt spid="34"/>
+                                        </p:tgtEl>
+                                      </p:cBhvr>
+                                    </p:animEffect>
+                                  </p:childTnLst>
+                                </p:cTn>
+                              </p:par>
+                              <p:par>
+                                <p:cTn id="28" presetID="10" presetClass="entr" presetSubtype="0" fill="hold" grpId="0" nodeType="withEffect">
+                                  <p:stCondLst>
+                                    <p:cond delay="0"/>
+                                  </p:stCondLst>
+                                  <p:childTnLst>
+                                    <p:set>
+                                      <p:cBhvr>
+                                        <p:cTn id="29" dur="1" fill="hold">
+                                          <p:stCondLst>
+                                            <p:cond delay="0"/>
+                                          </p:stCondLst>
+                                        </p:cTn>
+                                        <p:tgtEl>
+                                          <p:spTgt spid="35"/>
+                                        </p:tgtEl>
+                                        <p:attrNameLst>
+                                          <p:attrName>style.visibility</p:attrName>
+                                        </p:attrNameLst>
+                                      </p:cBhvr>
+                                      <p:to>
+                                        <p:strVal val="visible"/>
+                                      </p:to>
+                                    </p:set>
+                                    <p:animEffect transition="in" filter="fade">
+                                      <p:cBhvr>
+                                        <p:cTn id="30" dur="200"/>
+                                        <p:tgtEl>
+                                          <p:spTgt spid="35"/>
+                                        </p:tgtEl>
+                                      </p:cBhvr>
+                                    </p:animEffect>
+                                  </p:childTnLst>
+                                </p:cTn>
+                              </p:par>
+                            </p:childTnLst>
+                          </p:cTn>
+                        </p:par>
+                        <p:par>
+                          <p:cTn id="31" fill="hold">
+                            <p:stCondLst>
+                              <p:cond delay="0"/>
+                            </p:stCondLst>
+                            <p:childTnLst>
+                              <p:par>
+                                <p:cTn id="32" presetID="2" presetClass="entr" presetSubtype="8" fill="hold" nodeType="afterEffect">
+                                  <p:stCondLst>
+                                    <p:cond delay="0"/>
+                                  </p:stCondLst>
+                                  <p:childTnLst>
+                                    <p:set>
+                                      <p:cBhvr>
+                                        <p:cTn id="33" dur="1" fill="hold">
+                                          <p:stCondLst>
+                                            <p:cond delay="0"/>
+                                          </p:stCondLst>
+                                        </p:cTn>
+                                        <p:tgtEl>
+                                          <p:spTgt spid="30"/>
+                                        </p:tgtEl>
+                                        <p:attrNameLst>
+                                          <p:attrName>style.visibility</p:attrName>
+                                        </p:attrNameLst>
+                                      </p:cBhvr>
+                                      <p:to>
+                                        <p:strVal val="visible"/>
+                                      </p:to>
+                                    </p:set>
+                                    <p:anim calcmode="lin" valueType="num">
+                                      <p:cBhvr additive="base">
+                                        <p:cTn id="34" dur="500" fill="hold"/>
+                                        <p:tgtEl>
+                                          <p:spTgt spid="30"/>
+                                        </p:tgtEl>
+                                        <p:attrNameLst>
+                                          <p:attrName>ppt_x</p:attrName>
+                                        </p:attrNameLst>
+                                      </p:cBhvr>
+                                      <p:tavLst>
+                                        <p:tav tm="0">
+                                          <p:val>
+                                            <p:strVal val="0-#ppt_w/2"/>
+                                          </p:val>
+                                        </p:tav>
+                                        <p:tav tm="100000">
+                                          <p:val>
+                                            <p:strVal val="#ppt_x"/>
+                                          </p:val>
+                                        </p:tav>
+                                      </p:tavLst>
+                                    </p:anim>
+                                    <p:anim calcmode="lin" valueType="num">
+                                      <p:cBhvr additive="base">
+                                        <p:cTn id="35" dur="500" fill="hold"/>
+                                        <p:tgtEl>
+                                          <p:spTgt spid="30"/>
+                                        </p:tgtEl>
+                                        <p:attrNameLst>
+                                          <p:attrName>ppt_y</p:attrName>
+                                        </p:attrNameLst>
+                                      </p:cBhvr>
+                                      <p:tavLst>
+                                        <p:tav tm="0">
+                                          <p:val>
+                                            <p:strVal val="#ppt_y"/>
+                                          </p:val>
+                                        </p:tav>
+                                        <p:tav tm="100000">
+                                          <p:val>
+                                            <p:strVal val="#ppt_y"/>
+                                          </p:val>
+                                        </p:tav>
+                                      </p:tavLst>
+                                    </p:anim>
+                                  </p:childTnLst>
+                                </p:cTn>
+                              </p:par>
+                              <p:par>
+                                <p:cTn id="36" presetID="2" presetClass="entr" presetSubtype="2" fill="hold" nodeType="withEffect">
+                                  <p:stCondLst>
+                                    <p:cond delay="0"/>
+                                  </p:stCondLst>
+                                  <p:childTnLst>
+                                    <p:set>
+                                      <p:cBhvr>
+                                        <p:cTn id="37" dur="1" fill="hold">
+                                          <p:stCondLst>
+                                            <p:cond delay="0"/>
+                                          </p:stCondLst>
+                                        </p:cTn>
+                                        <p:tgtEl>
+                                          <p:spTgt spid="31"/>
+                                        </p:tgtEl>
+                                        <p:attrNameLst>
+                                          <p:attrName>style.visibility</p:attrName>
+                                        </p:attrNameLst>
+                                      </p:cBhvr>
+                                      <p:to>
+                                        <p:strVal val="visible"/>
+                                      </p:to>
+                                    </p:set>
+                                    <p:anim calcmode="lin" valueType="num">
+                                      <p:cBhvr additive="base">
+                                        <p:cTn id="38" dur="500" fill="hold"/>
+                                        <p:tgtEl>
+                                          <p:spTgt spid="31"/>
+                                        </p:tgtEl>
+                                        <p:attrNameLst>
+                                          <p:attrName>ppt_x</p:attrName>
+                                        </p:attrNameLst>
+                                      </p:cBhvr>
+                                      <p:tavLst>
+                                        <p:tav tm="0">
+                                          <p:val>
+                                            <p:strVal val="1+#ppt_w/2"/>
+                                          </p:val>
+                                        </p:tav>
+                                        <p:tav tm="100000">
+                                          <p:val>
+                                            <p:strVal val="#ppt_x"/>
+                                          </p:val>
+                                        </p:tav>
+                                      </p:tavLst>
+                                    </p:anim>
+                                    <p:anim calcmode="lin" valueType="num">
+                                      <p:cBhvr additive="base">
+                                        <p:cTn id="39" dur="500" fill="hold"/>
+                                        <p:tgtEl>
+                                          <p:spTgt spid="31"/>
+                                        </p:tgtEl>
+                                        <p:attrNameLst>
+                                          <p:attrName>ppt_y</p:attrName>
+                                        </p:attrNameLst>
+                                      </p:cBhvr>
+                                      <p:tavLst>
+                                        <p:tav tm="0">
+                                          <p:val>
+                                            <p:strVal val="#ppt_y"/>
+                                          </p:val>
+                                        </p:tav>
+                                        <p:tav tm="100000">
+                                          <p:val>
+                                            <p:strVal val="#ppt_y"/>
+                                          </p:val>
+                                        </p:tav>
+                                      </p:tavLst>
+                                    </p:anim>
+                                  </p:childTnLst>
+                                </p:cTn>
+                              </p:par>
+                            </p:childTnLst>
+                          </p:cTn>
+                        </p:par>
+                        <p:par>
+                          <p:cTn id="40" fill="hold">
+                            <p:stCondLst>
+                              <p:cond delay="500"/>
+                            </p:stCondLst>
+                            <p:childTnLst>
+                              <p:par>
+                                <p:cTn id="41" presetID="16" presetClass="entr" presetSubtype="37" fill="hold" grpId="0" nodeType="afterEffect">
+                                  <p:stCondLst>
+                                    <p:cond delay="0"/>
+                                  </p:stCondLst>
+                                  <p:childTnLst>
+                                    <p:set>
+                                      <p:cBhvr>
+                                        <p:cTn id="42" dur="1" fill="hold">
+                                          <p:stCondLst>
+                                            <p:cond delay="0"/>
+                                          </p:stCondLst>
+                                        </p:cTn>
+                                        <p:tgtEl>
+                                          <p:spTgt spid="42"/>
+                                        </p:tgtEl>
+                                        <p:attrNameLst>
+                                          <p:attrName>style.visibility</p:attrName>
+                                        </p:attrNameLst>
+                                      </p:cBhvr>
+                                      <p:to>
+                                        <p:strVal val="visible"/>
+                                      </p:to>
+                                    </p:set>
+                                    <p:animEffect transition="in" filter="barn(outVertical)">
+                                      <p:cBhvr>
+                                        <p:cTn id="43" dur="1000"/>
+                                        <p:tgtEl>
+                                          <p:spTgt spid="42"/>
+                                        </p:tgtEl>
+                                      </p:cBhvr>
+                                    </p:animEffect>
+                                  </p:childTnLst>
+                                </p:cTn>
+                              </p:par>
+                            </p:childTnLst>
+                          </p:cTn>
+                        </p:par>
+                        <p:par>
+                          <p:cTn id="44" fill="hold">
+                            <p:stCondLst>
+                              <p:cond delay="1500"/>
+                            </p:stCondLst>
+                            <p:childTnLst>
+                              <p:par>
+                                <p:cTn id="45" presetID="22" presetClass="entr" presetSubtype="8" fill="hold" nodeType="afterEffect">
+                                  <p:stCondLst>
+                                    <p:cond delay="0"/>
+                                  </p:stCondLst>
+                                  <p:childTnLst>
+                                    <p:set>
+                                      <p:cBhvr>
+                                        <p:cTn id="46" dur="1" fill="hold">
+                                          <p:stCondLst>
+                                            <p:cond delay="0"/>
+                                          </p:stCondLst>
+                                        </p:cTn>
+                                        <p:tgtEl>
+                                          <p:spTgt spid="44"/>
+                                        </p:tgtEl>
+                                        <p:attrNameLst>
+                                          <p:attrName>style.visibility</p:attrName>
+                                        </p:attrNameLst>
+                                      </p:cBhvr>
+                                      <p:to>
+                                        <p:strVal val="visible"/>
+                                      </p:to>
+                                    </p:set>
+                                    <p:animEffect transition="in" filter="wipe(left)">
+                                      <p:cBhvr>
+                                        <p:cTn id="47" dur="500"/>
+                                        <p:tgtEl>
+                                          <p:spTgt spid="44"/>
+                                        </p:tgtEl>
+                                      </p:cBhvr>
+                                    </p:animEffect>
+                                  </p:childTnLst>
+                                </p:cTn>
+                              </p:par>
+                            </p:childTnLst>
+                          </p:cTn>
+                        </p:par>
+                        <p:par>
+                          <p:cTn id="48" fill="hold">
+                            <p:stCondLst>
+                              <p:cond delay="2000"/>
+                            </p:stCondLst>
+                            <p:childTnLst>
+                              <p:par>
+                                <p:cTn id="49" presetID="12" presetClass="entr" presetSubtype="4" fill="hold" grpId="0" nodeType="afterEffect">
+                                  <p:stCondLst>
+                                    <p:cond delay="0"/>
+                                  </p:stCondLst>
+                                  <p:childTnLst>
+                                    <p:set>
+                                      <p:cBhvr>
+                                        <p:cTn id="50" dur="1" fill="hold">
+                                          <p:stCondLst>
+                                            <p:cond delay="0"/>
+                                          </p:stCondLst>
+                                        </p:cTn>
+                                        <p:tgtEl>
+                                          <p:spTgt spid="41"/>
+                                        </p:tgtEl>
+                                        <p:attrNameLst>
+                                          <p:attrName>style.visibility</p:attrName>
+                                        </p:attrNameLst>
+                                      </p:cBhvr>
+                                      <p:to>
+                                        <p:strVal val="visible"/>
+                                      </p:to>
+                                    </p:set>
+                                    <p:anim calcmode="lin" valueType="num">
+                                      <p:cBhvr additive="base">
+                                        <p:cTn id="51" dur="500"/>
+                                        <p:tgtEl>
+                                          <p:spTgt spid="41"/>
+                                        </p:tgtEl>
+                                        <p:attrNameLst>
+                                          <p:attrName>ppt_y</p:attrName>
+                                        </p:attrNameLst>
+                                      </p:cBhvr>
+                                      <p:tavLst>
+                                        <p:tav tm="0">
+                                          <p:val>
+                                            <p:strVal val="#ppt_y+#ppt_h*1.125000"/>
+                                          </p:val>
+                                        </p:tav>
+                                        <p:tav tm="100000">
+                                          <p:val>
+                                            <p:strVal val="#ppt_y"/>
+                                          </p:val>
+                                        </p:tav>
+                                      </p:tavLst>
+                                    </p:anim>
+                                    <p:animEffect transition="in" filter="wipe(up)">
+                                      <p:cBhvr>
+                                        <p:cTn id="52" dur="500"/>
+                                        <p:tgtEl>
+                                          <p:spTgt spid="41"/>
+                                        </p:tgtEl>
+                                      </p:cBhvr>
+                                    </p:animEffect>
+                                  </p:childTnLst>
+                                </p:cTn>
+                              </p:par>
+                            </p:childTnLst>
+                          </p:cTn>
+                        </p:par>
+                        <p:par>
+                          <p:cTn id="53" fill="hold">
+                            <p:stCondLst>
+                              <p:cond delay="2500"/>
+                            </p:stCondLst>
+                            <p:childTnLst>
+                              <p:par>
+                                <p:cTn id="54" presetID="12" presetClass="entr" presetSubtype="4" fill="hold" grpId="0" nodeType="afterEffect">
+                                  <p:stCondLst>
+                                    <p:cond delay="0"/>
+                                  </p:stCondLst>
+                                  <p:childTnLst>
+                                    <p:set>
+                                      <p:cBhvr>
+                                        <p:cTn id="55" dur="1" fill="hold">
+                                          <p:stCondLst>
+                                            <p:cond delay="0"/>
+                                          </p:stCondLst>
+                                        </p:cTn>
+                                        <p:tgtEl>
+                                          <p:spTgt spid="43"/>
+                                        </p:tgtEl>
+                                        <p:attrNameLst>
+                                          <p:attrName>style.visibility</p:attrName>
+                                        </p:attrNameLst>
+                                      </p:cBhvr>
+                                      <p:to>
+                                        <p:strVal val="visible"/>
+                                      </p:to>
+                                    </p:set>
+                                    <p:anim calcmode="lin" valueType="num">
+                                      <p:cBhvr additive="base">
+                                        <p:cTn id="56" dur="500"/>
+                                        <p:tgtEl>
+                                          <p:spTgt spid="43"/>
+                                        </p:tgtEl>
+                                        <p:attrNameLst>
+                                          <p:attrName>ppt_y</p:attrName>
+                                        </p:attrNameLst>
+                                      </p:cBhvr>
+                                      <p:tavLst>
+                                        <p:tav tm="0">
+                                          <p:val>
+                                            <p:strVal val="#ppt_y+#ppt_h*1.125000"/>
+                                          </p:val>
+                                        </p:tav>
+                                        <p:tav tm="100000">
+                                          <p:val>
+                                            <p:strVal val="#ppt_y"/>
+                                          </p:val>
+                                        </p:tav>
+                                      </p:tavLst>
+                                    </p:anim>
+                                    <p:animEffect transition="in" filter="wipe(up)">
+                                      <p:cBhvr>
+                                        <p:cTn id="57" dur="500"/>
+                                        <p:tgtEl>
+                                          <p:spTgt spid="43"/>
+                                        </p:tgtEl>
+                                      </p:cBhvr>
+                                    </p:animEffect>
+                                  </p:childTnLst>
+                                </p:cTn>
+                              </p:par>
+                            </p:childTnLst>
+                          </p:cTn>
+                        </p:par>
+                      </p:childTnLst>
+                    </p:cTn>
+                  </p:par>
+                </p:childTnLst>
+              </p:cTn>
+              <p:prevCondLst>
+                <p:cond evt="onPrev" delay="0">
+                  <p:tgtEl>
+                    <p:sldTgt/>
+                  </p:tgtEl>
+                </p:cond>
+              </p:prevCondLst>
+              <p:nextCondLst>
+                <p:cond evt="onNext" delay="0">
+                  <p:tgtEl>
+                    <p:sldTgt/>
+                  </p:tgtEl>
+                </p:cond>
+              </p:nextCondLst>
+            </p:seq>
+            <p:audio>
+              <p:cMediaNode vol="80000" numSld="999" showWhenStopped="0">
+                <p:cTn id="58" repeatCount="indefinite" fill="hold" display="0">
+                  <p:stCondLst>
+                    <p:cond delay="indefinite"/>
+                  </p:stCondLst>
+                  <p:endCondLst>
+                    <p:cond evt="onStopAudio" delay="0">
+                      <p:tgtEl>
+                        <p:sldTgt/>
+                      </p:tgtEl>
+                    </p:cond>
+                  </p:endCondLst>
+                </p:cTn>
+                <p:tgtEl>
+                  <p:spTgt spid="46"/>
+                </p:tgtEl>
+              </p:cMediaNode>
+            </p:audio>
+          </p:childTnLst>
+        </p:cTn>
+      </p:par>
+    </p:tnLst>
+    <p:bldLst>
+      <p:bldP spid="32" grpId="0" bldLvl="0" animBg="1"/>
+      <p:bldP spid="33" grpId="0" bldLvl="0" animBg="1"/>
+      <p:bldP spid="34" grpId="0" bldLvl="0" animBg="1"/>
+      <p:bldP spid="35" grpId="0" bldLvl="0" animBg="1"/>
+      <p:bldP spid="36" grpId="0" bldLvl="0" animBg="1"/>
+      <p:bldP spid="37" grpId="0" bldLvl="0" animBg="1"/>
+      <p:bldP spid="38" grpId="0" bldLvl="0" animBg="1"/>
+      <p:bldP spid="39" grpId="0" bldLvl="0" animBg="1"/>
+      <p:bldP spid="41" grpId="0"/>
+      <p:bldP spid="42" grpId="0" bldLvl="0" animBg="1"/>
+      <p:bldP spid="43" grpId="0"/>
+    </p:bldLst>
+  </p:timing>
+</p:sld>
+</file>
+
 <file path=ppt/slides/slide2.xml><?xml version="1.0" encoding="utf-8"?>
 <p:sld xmlns:a="http://schemas.openxmlformats.org/drawingml/2006/main" xmlns:r="http://schemas.openxmlformats.org/officeDocument/2006/relationships" xmlns:p="http://schemas.openxmlformats.org/presentationml/2006/main">
   <p:cSld>
@@ -4584,14 +7799,6 @@
                 </a:rPr>
                 <a:t>构建图</a:t>
               </a:r>
-              <a:endParaRPr lang="zh-CN" sz="2000" b="1" kern="100" dirty="0">
-                <a:solidFill>
-                  <a:schemeClr val="bg1"/>
-                </a:solidFill>
-                <a:latin typeface="微软雅黑" panose="020B0503020204020204" pitchFamily="34" charset="-122"/>
-                <a:ea typeface="微软雅黑" panose="020B0503020204020204" pitchFamily="34" charset="-122"/>
-                <a:cs typeface="Times New Roman" panose="02020603050405020304" pitchFamily="18" charset="0"/>
-              </a:endParaRPr>
             </a:p>
           </p:txBody>
         </p:sp>
@@ -4891,14 +8098,6 @@
                 </a:rPr>
                 <a:t>对象图</a:t>
               </a:r>
-              <a:endParaRPr lang="zh-CN" sz="2000" b="1" kern="100" dirty="0">
-                <a:solidFill>
-                  <a:schemeClr val="bg1"/>
-                </a:solidFill>
-                <a:latin typeface="微软雅黑" panose="020B0503020204020204" pitchFamily="34" charset="-122"/>
-                <a:ea typeface="微软雅黑" panose="020B0503020204020204" pitchFamily="34" charset="-122"/>
-                <a:cs typeface="Times New Roman" panose="02020603050405020304" pitchFamily="18" charset="0"/>
-              </a:endParaRPr>
             </a:p>
           </p:txBody>
         </p:sp>
@@ -5095,13 +8294,13 @@
   <p:clrMapOvr>
     <a:masterClrMapping/>
   </p:clrMapOvr>
-  <mc:AlternateContent xmlns:mc="http://schemas.openxmlformats.org/markup-compatibility/2006">
-    <mc:Choice xmlns:p14="http://schemas.microsoft.com/office/powerpoint/2010/main" Requires="p14">
+  <mc:AlternateContent xmlns:mc="http://schemas.openxmlformats.org/markup-compatibility/2006" xmlns:p14="http://schemas.microsoft.com/office/powerpoint/2010/main">
+    <mc:Choice Requires="p14">
       <p:transition spd="slow" p14:dur="1200" advClick="0" advTm="0">
         <p14:prism/>
       </p:transition>
     </mc:Choice>
-    <mc:Fallback>
+    <mc:Fallback xmlns="">
       <p:transition spd="slow" advClick="0" advTm="0">
         <p:fade/>
       </p:transition>
@@ -5974,8 +9173,8 @@
         </p:nvSpPr>
         <p:spPr>
           <a:xfrm>
-            <a:off x="2236548" y="136356"/>
-            <a:ext cx="6052718" cy="501650"/>
+            <a:off x="2226388" y="159851"/>
+            <a:ext cx="6052718" cy="500380"/>
           </a:xfrm>
           <a:prstGeom prst="rect">
             <a:avLst/>
@@ -5989,12 +9188,13 @@
           <a:lstStyle/>
           <a:p>
             <a:r>
-              <a:rPr lang="zh-CN" sz="2665" dirty="0">
+              <a:rPr lang="zh-CN" sz="2660" dirty="0">
                 <a:solidFill>
                   <a:srgbClr val="183A5D"/>
                 </a:solidFill>
                 <a:latin typeface="微软雅黑" panose="020B0503020204020204" pitchFamily="34" charset="-122"/>
                 <a:ea typeface="微软雅黑" panose="020B0503020204020204" pitchFamily="34" charset="-122"/>
+                <a:sym typeface="+mn-ea"/>
               </a:rPr>
               <a:t>构件图</a:t>
             </a:r>
@@ -6008,94 +9208,219 @@
           </a:p>
         </p:txBody>
       </p:sp>
+      <p:grpSp>
+        <p:nvGrpSpPr>
+          <p:cNvPr id="7" name="组合 6"/>
+          <p:cNvGrpSpPr/>
+          <p:nvPr/>
+        </p:nvGrpSpPr>
+        <p:grpSpPr>
+          <a:xfrm>
+            <a:off x="236855" y="1269365"/>
+            <a:ext cx="11410315" cy="4896485"/>
+            <a:chOff x="237030" y="1269554"/>
+            <a:chExt cx="7776864" cy="4896544"/>
+          </a:xfrm>
+        </p:grpSpPr>
+        <p:sp>
+          <p:nvSpPr>
+            <p:cNvPr id="5" name="矩形 4"/>
+            <p:cNvSpPr/>
+            <p:nvPr/>
+          </p:nvSpPr>
+          <p:spPr>
+            <a:xfrm>
+              <a:off x="401783" y="1876011"/>
+              <a:ext cx="7558025" cy="1385012"/>
+            </a:xfrm>
+            <a:prstGeom prst="rect">
+              <a:avLst/>
+            </a:prstGeom>
+          </p:spPr>
+          <p:txBody>
+            <a:bodyPr wrap="square">
+              <a:spAutoFit/>
+            </a:bodyPr>
+            <a:lstStyle/>
+            <a:p>
+              <a:r>
+                <a:rPr lang="zh-CN" altLang="en-US" b="0" i="0" dirty="0" smtClean="0">
+                  <a:solidFill>
+                    <a:srgbClr val="000000"/>
+                  </a:solidFill>
+                  <a:effectLst/>
+                  <a:latin typeface="Verdana" panose="020B0604030504040204" pitchFamily="34" charset="0"/>
+                </a:rPr>
+                <a:t>在完成活动图，交互图，用例图</a:t>
+              </a:r>
+              <a:r>
+                <a:rPr lang="en-US" altLang="zh-CN" b="0" i="0" dirty="0" smtClean="0">
+                  <a:solidFill>
+                    <a:srgbClr val="000000"/>
+                  </a:solidFill>
+                  <a:effectLst/>
+                  <a:latin typeface="Verdana" panose="020B0604030504040204" pitchFamily="34" charset="0"/>
+                </a:rPr>
+                <a:t>……</a:t>
+              </a:r>
+              <a:r>
+                <a:rPr lang="zh-CN" altLang="en-US" b="0" i="0" dirty="0" smtClean="0">
+                  <a:solidFill>
+                    <a:srgbClr val="000000"/>
+                  </a:solidFill>
+                  <a:effectLst/>
+                  <a:latin typeface="Verdana" panose="020B0604030504040204" pitchFamily="34" charset="0"/>
+                </a:rPr>
+                <a:t>对系统进行建模之后，需要将这些逻辑设计图转化为实际的事务，如可</a:t>
+              </a:r>
+              <a:r>
+                <a:rPr lang="zh-CN" altLang="en-US" b="0" i="0" dirty="0" smtClean="0">
+                  <a:solidFill>
+                    <a:srgbClr val="FF0000"/>
+                  </a:solidFill>
+                  <a:effectLst/>
+                  <a:latin typeface="Verdana" panose="020B0604030504040204" pitchFamily="34" charset="0"/>
+                </a:rPr>
+                <a:t>执行文件，源代码，应用程序</a:t>
+              </a:r>
+              <a:r>
+                <a:rPr lang="zh-CN" altLang="en-US" b="0" i="0" dirty="0" smtClean="0">
+                  <a:solidFill>
+                    <a:srgbClr val="000000"/>
+                  </a:solidFill>
+                  <a:effectLst/>
+                  <a:latin typeface="Verdana" panose="020B0604030504040204" pitchFamily="34" charset="0"/>
+                </a:rPr>
+                <a:t>等。在此过程中，有些组件必须重新建立，而有些组件可以进行复用。因此，可以使用构件图来可视化物理组件及他们之间的关系，并描述器构造细节</a:t>
+              </a:r>
+              <a:endParaRPr lang="zh-CN" altLang="en-US" b="0" i="0" dirty="0">
+                <a:solidFill>
+                  <a:srgbClr val="000000"/>
+                </a:solidFill>
+                <a:effectLst/>
+                <a:latin typeface="Verdana" panose="020B0604030504040204" pitchFamily="34" charset="0"/>
+              </a:endParaRPr>
+            </a:p>
+          </p:txBody>
+        </p:sp>
+        <p:grpSp>
+          <p:nvGrpSpPr>
+            <p:cNvPr id="10" name="组合 9"/>
+            <p:cNvGrpSpPr/>
+            <p:nvPr/>
+          </p:nvGrpSpPr>
+          <p:grpSpPr>
+            <a:xfrm>
+              <a:off x="237030" y="1269554"/>
+              <a:ext cx="7776864" cy="4896544"/>
+              <a:chOff x="1285643" y="1772435"/>
+              <a:chExt cx="7135479" cy="3572664"/>
+            </a:xfrm>
+          </p:grpSpPr>
+          <p:sp>
+            <p:nvSpPr>
+              <p:cNvPr id="11" name="矩形 10"/>
+              <p:cNvSpPr/>
+              <p:nvPr/>
+            </p:nvSpPr>
+            <p:spPr>
+              <a:xfrm>
+                <a:off x="1285644" y="2104682"/>
+                <a:ext cx="7135478" cy="3240417"/>
+              </a:xfrm>
+              <a:prstGeom prst="rect">
+                <a:avLst/>
+              </a:prstGeom>
+              <a:noFill/>
+              <a:ln w="12700">
+                <a:solidFill>
+                  <a:srgbClr val="346182"/>
+                </a:solidFill>
+              </a:ln>
+            </p:spPr>
+            <p:style>
+              <a:lnRef idx="2">
+                <a:schemeClr val="accent1">
+                  <a:shade val="50000"/>
+                </a:schemeClr>
+              </a:lnRef>
+              <a:fillRef idx="1">
+                <a:schemeClr val="accent1"/>
+              </a:fillRef>
+              <a:effectRef idx="0">
+                <a:schemeClr val="accent1"/>
+              </a:effectRef>
+              <a:fontRef idx="minor">
+                <a:schemeClr val="lt1"/>
+              </a:fontRef>
+            </p:style>
+            <p:txBody>
+              <a:bodyPr rtlCol="0" anchor="ctr"/>
+              <a:lstStyle/>
+              <a:p>
+                <a:pPr algn="ctr"/>
+                <a:endParaRPr lang="zh-CN" altLang="en-US" sz="1350"/>
+              </a:p>
+            </p:txBody>
+          </p:sp>
+          <p:sp>
+            <p:nvSpPr>
+              <p:cNvPr id="12" name="矩形 11"/>
+              <p:cNvSpPr/>
+              <p:nvPr/>
+            </p:nvSpPr>
+            <p:spPr>
+              <a:xfrm>
+                <a:off x="1285643" y="1772435"/>
+                <a:ext cx="2114216" cy="338554"/>
+              </a:xfrm>
+              <a:prstGeom prst="rect">
+                <a:avLst/>
+              </a:prstGeom>
+              <a:solidFill>
+                <a:srgbClr val="183A5D"/>
+              </a:solidFill>
+              <a:ln>
+                <a:noFill/>
+              </a:ln>
+            </p:spPr>
+            <p:style>
+              <a:lnRef idx="2">
+                <a:schemeClr val="accent1">
+                  <a:shade val="50000"/>
+                </a:schemeClr>
+              </a:lnRef>
+              <a:fillRef idx="1">
+                <a:schemeClr val="accent1"/>
+              </a:fillRef>
+              <a:effectRef idx="0">
+                <a:schemeClr val="accent1"/>
+              </a:effectRef>
+              <a:fontRef idx="minor">
+                <a:schemeClr val="lt1"/>
+              </a:fontRef>
+            </p:style>
+            <p:txBody>
+              <a:bodyPr rtlCol="0" anchor="ctr"/>
+              <a:lstStyle/>
+              <a:p>
+                <a:pPr algn="ctr"/>
+                <a:endParaRPr lang="zh-CN" altLang="en-US" sz="1350"/>
+              </a:p>
+            </p:txBody>
+          </p:sp>
+        </p:grpSp>
+      </p:grpSp>
       <p:sp>
         <p:nvSpPr>
-          <p:cNvPr id="5" name="矩形 4"/>
-          <p:cNvSpPr/>
-          <p:nvPr/>
-        </p:nvSpPr>
-        <p:spPr>
-          <a:xfrm>
-            <a:off x="1315467" y="806138"/>
-            <a:ext cx="4401820" cy="583565"/>
-          </a:xfrm>
-          <a:prstGeom prst="rect">
-            <a:avLst/>
-          </a:prstGeom>
-        </p:spPr>
-        <p:txBody>
-          <a:bodyPr wrap="none">
-            <a:spAutoFit/>
-          </a:bodyPr>
-          <a:lstStyle/>
-          <a:p>
-            <a:pPr lvl="1" algn="l"/>
-            <a:r>
-              <a:rPr lang="zh-CN" sz="3200" b="1" dirty="0">
-                <a:sym typeface="+mn-ea"/>
-              </a:rPr>
-              <a:t>少时诵诗书所所所所</a:t>
-            </a:r>
-            <a:endParaRPr lang="zh-CN" sz="3200" b="1" dirty="0"/>
-          </a:p>
-        </p:txBody>
-      </p:sp>
-      <p:sp>
-        <p:nvSpPr>
-          <p:cNvPr id="10" name="圆角矩形 9"/>
-          <p:cNvSpPr/>
-          <p:nvPr/>
-        </p:nvSpPr>
-        <p:spPr>
-          <a:xfrm>
-            <a:off x="1090295" y="1390015"/>
-            <a:ext cx="10283825" cy="4422775"/>
-          </a:xfrm>
-          <a:prstGeom prst="roundRect">
-            <a:avLst/>
-          </a:prstGeom>
-          <a:solidFill>
-            <a:schemeClr val="accent1">
-              <a:lumMod val="40000"/>
-              <a:lumOff val="60000"/>
-            </a:schemeClr>
-          </a:solidFill>
-        </p:spPr>
-        <p:style>
-          <a:lnRef idx="2">
-            <a:schemeClr val="accent1">
-              <a:shade val="50000"/>
-            </a:schemeClr>
-          </a:lnRef>
-          <a:fillRef idx="1">
-            <a:schemeClr val="accent1"/>
-          </a:fillRef>
-          <a:effectRef idx="0">
-            <a:schemeClr val="accent1"/>
-          </a:effectRef>
-          <a:fontRef idx="minor">
-            <a:schemeClr val="lt1"/>
-          </a:fontRef>
-        </p:style>
-        <p:txBody>
-          <a:bodyPr rtlCol="0" anchor="ctr"/>
-          <a:lstStyle/>
-          <a:p>
-            <a:pPr algn="ctr"/>
-            <a:endParaRPr lang="zh-CN" altLang="en-US"/>
-          </a:p>
-        </p:txBody>
-      </p:sp>
-      <p:sp>
-        <p:nvSpPr>
-          <p:cNvPr id="9" name="文本框 8"/>
+          <p:cNvPr id="8" name="文本框 7"/>
           <p:cNvSpPr txBox="1"/>
           <p:nvPr/>
         </p:nvSpPr>
         <p:spPr>
           <a:xfrm>
-            <a:off x="1579245" y="1464945"/>
-            <a:ext cx="9622155" cy="829945"/>
+            <a:off x="334566" y="1309225"/>
+            <a:ext cx="2088232" cy="415498"/>
           </a:xfrm>
           <a:prstGeom prst="rect">
             <a:avLst/>
@@ -6108,34 +9433,115 @@
           </a:bodyPr>
           <a:lstStyle/>
           <a:p>
-            <a:pPr lvl="0"/>
             <a:r>
-              <a:rPr lang="zh-CN" sz="2400" dirty="0">
+              <a:rPr lang="zh-CN" altLang="en-US" dirty="0" smtClean="0">
                 <a:solidFill>
-                  <a:srgbClr val="0070C0"/>
+                  <a:schemeClr val="bg1"/>
                 </a:solidFill>
-                <a:effectLst>
-                  <a:outerShdw blurRad="38100" dist="19050" dir="2700000" algn="tl" rotWithShape="0">
-                    <a:schemeClr val="dk1">
-                      <a:alpha val="40000"/>
-                    </a:schemeClr>
-                  </a:outerShdw>
-                </a:effectLst>
               </a:rPr>
-              <a:t>少时诵诗书所所所所所所所所所所所所所所所所所所所所所所所所所所所所所所所所所所所所所</a:t>
+              <a:t>构件图概述</a:t>
             </a:r>
-            <a:endParaRPr lang="zh-CN" sz="2400" dirty="0">
+            <a:endParaRPr lang="zh-CN" altLang="en-US" dirty="0">
               <a:solidFill>
-                <a:schemeClr val="tx1"/>
+                <a:schemeClr val="bg1"/>
               </a:solidFill>
-              <a:effectLst>
-                <a:outerShdw blurRad="38100" dist="19050" dir="2700000" algn="tl" rotWithShape="0">
-                  <a:schemeClr val="dk1">
-                    <a:alpha val="40000"/>
-                  </a:schemeClr>
-                </a:outerShdw>
-              </a:effectLst>
             </a:endParaRPr>
+          </a:p>
+        </p:txBody>
+      </p:sp>
+      <p:sp>
+        <p:nvSpPr>
+          <p:cNvPr id="9" name="矩形 8"/>
+          <p:cNvSpPr/>
+          <p:nvPr/>
+        </p:nvSpPr>
+        <p:spPr>
+          <a:xfrm>
+            <a:off x="478583" y="3370467"/>
+            <a:ext cx="6092825" cy="2677656"/>
+          </a:xfrm>
+          <a:prstGeom prst="rect">
+            <a:avLst/>
+          </a:prstGeom>
+        </p:spPr>
+        <p:txBody>
+          <a:bodyPr>
+            <a:spAutoFit/>
+          </a:bodyPr>
+          <a:lstStyle/>
+          <a:p>
+            <a:r>
+              <a:rPr lang="zh-CN" altLang="en-US" dirty="0">
+                <a:solidFill>
+                  <a:srgbClr val="FF0000"/>
+                </a:solidFill>
+              </a:rPr>
+              <a:t>构件图的好处</a:t>
+            </a:r>
+          </a:p>
+          <a:p>
+            <a:r>
+              <a:rPr lang="en-US" altLang="zh-CN" dirty="0"/>
+              <a:t>1</a:t>
+            </a:r>
+            <a:r>
+              <a:rPr lang="zh-CN" altLang="en-US" dirty="0"/>
+              <a:t>）帮助客户理解最终的系统</a:t>
+            </a:r>
+            <a:r>
+              <a:rPr lang="zh-CN" altLang="en-US" dirty="0" smtClean="0"/>
+              <a:t>结构</a:t>
+            </a:r>
+            <a:endParaRPr lang="en-US" altLang="zh-CN" dirty="0" smtClean="0"/>
+          </a:p>
+          <a:p>
+            <a:endParaRPr lang="zh-CN" altLang="en-US" dirty="0"/>
+          </a:p>
+          <a:p>
+            <a:r>
+              <a:rPr lang="en-US" altLang="zh-CN" dirty="0"/>
+              <a:t>2</a:t>
+            </a:r>
+            <a:r>
+              <a:rPr lang="zh-CN" altLang="en-US" dirty="0"/>
+              <a:t>）使开发工作有一个明确的</a:t>
+            </a:r>
+            <a:r>
+              <a:rPr lang="zh-CN" altLang="en-US" dirty="0" smtClean="0"/>
+              <a:t>目标</a:t>
+            </a:r>
+            <a:endParaRPr lang="en-US" altLang="zh-CN" dirty="0" smtClean="0"/>
+          </a:p>
+          <a:p>
+            <a:endParaRPr lang="zh-CN" altLang="en-US" dirty="0"/>
+          </a:p>
+          <a:p>
+            <a:r>
+              <a:rPr lang="en-US" altLang="zh-CN" dirty="0"/>
+              <a:t>3</a:t>
+            </a:r>
+            <a:r>
+              <a:rPr lang="zh-CN" altLang="en-US" dirty="0"/>
+              <a:t>）帮助开发组和其他人员理解</a:t>
+            </a:r>
+            <a:r>
+              <a:rPr lang="zh-CN" altLang="en-US" dirty="0" smtClean="0"/>
+              <a:t>系统</a:t>
+            </a:r>
+            <a:endParaRPr lang="en-US" altLang="zh-CN" dirty="0" smtClean="0"/>
+          </a:p>
+          <a:p>
+            <a:endParaRPr lang="zh-CN" altLang="en-US" dirty="0"/>
+          </a:p>
+          <a:p>
+            <a:r>
+              <a:rPr lang="en-US" altLang="zh-CN" dirty="0"/>
+              <a:t>4</a:t>
+            </a:r>
+            <a:r>
+              <a:rPr lang="zh-CN" altLang="en-US" dirty="0"/>
+              <a:t>）组件复用</a:t>
+            </a:r>
           </a:p>
         </p:txBody>
       </p:sp>
@@ -6367,68 +9773,39 @@
           </p:nvSpPr>
           <p:spPr>
             <a:xfrm>
-              <a:off x="1078640" y="2506030"/>
-              <a:ext cx="6092825" cy="1706901"/>
+              <a:off x="401783" y="1876011"/>
+              <a:ext cx="7558025" cy="461671"/>
             </a:xfrm>
             <a:prstGeom prst="rect">
               <a:avLst/>
             </a:prstGeom>
           </p:spPr>
           <p:txBody>
-            <a:bodyPr>
+            <a:bodyPr wrap="square">
               <a:spAutoFit/>
             </a:bodyPr>
             <a:lstStyle/>
             <a:p>
+              <a:pPr>
+                <a:lnSpc>
+                  <a:spcPct val="120000"/>
+                </a:lnSpc>
+                <a:buFont typeface="Arial" charset="0"/>
+                <a:buNone/>
+              </a:pPr>
               <a:r>
-                <a:rPr lang="zh-CN" altLang="en-US" sz="2800" dirty="0">
-                  <a:solidFill>
-                    <a:srgbClr val="000000"/>
-                  </a:solidFill>
-                  <a:effectLst/>
-                  <a:latin typeface="Verdana" panose="020B0604030504040204" pitchFamily="34" charset="0"/>
-                  <a:sym typeface="+mn-ea"/>
-                </a:rPr>
-                <a:t> </a:t>
+                <a:rPr lang="zh-CN" altLang="en-US" sz="2000" dirty="0"/>
+                <a:t>构件图由组件，</a:t>
               </a:r>
               <a:r>
-                <a:rPr lang="en-US" altLang="zh-CN" sz="2800" dirty="0">
-                  <a:solidFill>
-                    <a:srgbClr val="000000"/>
-                  </a:solidFill>
-                  <a:effectLst/>
-                  <a:latin typeface="Verdana" panose="020B0604030504040204" pitchFamily="34" charset="0"/>
-                  <a:sym typeface="+mn-ea"/>
-                </a:rPr>
-                <a:t>	</a:t>
+                <a:rPr lang="zh-CN" altLang="en-US" sz="2000" dirty="0" smtClean="0"/>
+                <a:t>接口实现三部分</a:t>
               </a:r>
               <a:r>
-                <a:rPr lang="zh-CN" altLang="en-US" sz="2800" dirty="0">
-                  <a:solidFill>
-                    <a:srgbClr val="000000"/>
-                  </a:solidFill>
-                  <a:effectLst/>
-                  <a:latin typeface="Verdana" panose="020B0604030504040204" pitchFamily="34" charset="0"/>
-                  <a:sym typeface="+mn-ea"/>
-                </a:rPr>
-                <a:t>少时诵诗书所所所所所所所所所所所所所所所所所所所所所所所所所所所所所所所所所所所所所所所所所所所所所所所所所所所所所所所所所所所</a:t>
+                <a:rPr lang="zh-CN" altLang="en-US" sz="2000" dirty="0"/>
+                <a:t>组成</a:t>
               </a:r>
-              <a:endParaRPr lang="zh-CN" altLang="en-US" b="0" i="0" dirty="0">
-                <a:solidFill>
-                  <a:srgbClr val="000000"/>
-                </a:solidFill>
-                <a:effectLst/>
-                <a:latin typeface="Verdana" panose="020B0604030504040204" pitchFamily="34" charset="0"/>
-              </a:endParaRPr>
-            </a:p>
-            <a:p>
-              <a:endParaRPr lang="zh-CN" altLang="en-US" b="0" i="0" dirty="0">
-                <a:solidFill>
-                  <a:srgbClr val="000000"/>
-                </a:solidFill>
-                <a:effectLst/>
-                <a:latin typeface="Verdana" panose="020B0604030504040204" pitchFamily="34" charset="0"/>
-              </a:endParaRPr>
+              <a:endParaRPr lang="zh-CN" altLang="en-US" sz="2000" b="1" dirty="0"/>
             </a:p>
           </p:txBody>
         </p:sp>
@@ -6540,7 +9917,50 @@
           </p:sp>
         </p:grpSp>
       </p:grpSp>
+      <p:sp>
+        <p:nvSpPr>
+          <p:cNvPr id="8" name="文本框 7"/>
+          <p:cNvSpPr txBox="1"/>
+          <p:nvPr/>
+        </p:nvSpPr>
+        <p:spPr>
+          <a:xfrm>
+            <a:off x="334566" y="1309225"/>
+            <a:ext cx="2088232" cy="415498"/>
+          </a:xfrm>
+          <a:prstGeom prst="rect">
+            <a:avLst/>
+          </a:prstGeom>
+          <a:noFill/>
+        </p:spPr>
+        <p:txBody>
+          <a:bodyPr wrap="square" rtlCol="0">
+            <a:spAutoFit/>
+          </a:bodyPr>
+          <a:lstStyle/>
+          <a:p>
+            <a:r>
+              <a:rPr lang="zh-CN" altLang="en-US" dirty="0" smtClean="0">
+                <a:solidFill>
+                  <a:schemeClr val="bg1"/>
+                </a:solidFill>
+              </a:rPr>
+              <a:t>构件图组成元素</a:t>
+            </a:r>
+            <a:endParaRPr lang="zh-CN" altLang="en-US" dirty="0">
+              <a:solidFill>
+                <a:schemeClr val="bg1"/>
+              </a:solidFill>
+            </a:endParaRPr>
+          </a:p>
+        </p:txBody>
+      </p:sp>
     </p:spTree>
+    <p:extLst>
+      <p:ext uri="{BB962C8B-B14F-4D97-AF65-F5344CB8AC3E}">
+        <p14:creationId xmlns:p14="http://schemas.microsoft.com/office/powerpoint/2010/main" val="2730284091"/>
+      </p:ext>
+    </p:extLst>
   </p:cSld>
   <p:clrMapOvr>
     <a:masterClrMapping/>
@@ -6747,7 +10167,7 @@
       </p:sp>
       <p:grpSp>
         <p:nvGrpSpPr>
-          <p:cNvPr id="7" name="组合 6"/>
+          <p:cNvPr id="10" name="组合 9"/>
           <p:cNvGrpSpPr/>
           <p:nvPr/>
         </p:nvGrpSpPr>
@@ -6755,242 +10175,223 @@
           <a:xfrm>
             <a:off x="236855" y="1269365"/>
             <a:ext cx="6061710" cy="4896485"/>
-            <a:chOff x="237030" y="1269554"/>
-            <a:chExt cx="7776864" cy="4896544"/>
+            <a:chOff x="1285643" y="1772435"/>
+            <a:chExt cx="7135479" cy="3572664"/>
           </a:xfrm>
         </p:grpSpPr>
         <p:sp>
           <p:nvSpPr>
-            <p:cNvPr id="5" name="矩形 4"/>
+            <p:cNvPr id="11" name="矩形 10"/>
             <p:cNvSpPr/>
             <p:nvPr/>
           </p:nvSpPr>
           <p:spPr>
             <a:xfrm>
-              <a:off x="546794" y="1923612"/>
-              <a:ext cx="6777864" cy="2999776"/>
+              <a:off x="1285644" y="2104682"/>
+              <a:ext cx="7135478" cy="3240417"/>
             </a:xfrm>
             <a:prstGeom prst="rect">
               <a:avLst/>
             </a:prstGeom>
+            <a:noFill/>
+            <a:ln w="12700">
+              <a:solidFill>
+                <a:srgbClr val="346182"/>
+              </a:solidFill>
+            </a:ln>
           </p:spPr>
+          <p:style>
+            <a:lnRef idx="2">
+              <a:schemeClr val="accent1">
+                <a:shade val="50000"/>
+              </a:schemeClr>
+            </a:lnRef>
+            <a:fillRef idx="1">
+              <a:schemeClr val="accent1"/>
+            </a:fillRef>
+            <a:effectRef idx="0">
+              <a:schemeClr val="accent1"/>
+            </a:effectRef>
+            <a:fontRef idx="minor">
+              <a:schemeClr val="lt1"/>
+            </a:fontRef>
+          </p:style>
           <p:txBody>
-            <a:bodyPr wrap="square">
-              <a:spAutoFit/>
-            </a:bodyPr>
+            <a:bodyPr rtlCol="0" anchor="ctr"/>
             <a:lstStyle/>
             <a:p>
-              <a:r>
-                <a:rPr lang="zh-CN" dirty="0">
-                  <a:solidFill>
-                    <a:srgbClr val="000000"/>
-                  </a:solidFill>
-                  <a:latin typeface="Verdana" panose="020B0604030504040204" pitchFamily="34" charset="0"/>
-                </a:rPr>
-                <a:t>    </a:t>
-              </a:r>
-              <a:r>
-                <a:rPr lang="zh-CN" sz="2800" dirty="0">
-                  <a:solidFill>
-                    <a:srgbClr val="000000"/>
-                  </a:solidFill>
-                  <a:latin typeface="Verdana" panose="020B0604030504040204" pitchFamily="34" charset="0"/>
-                </a:rPr>
-                <a:t> 少时诵诗书所所所所所所</a:t>
-              </a:r>
-              <a:endParaRPr lang="zh-CN" sz="2800" dirty="0">
-                <a:solidFill>
-                  <a:srgbClr val="000000"/>
-                </a:solidFill>
-                <a:latin typeface="Verdana" panose="020B0604030504040204" pitchFamily="34" charset="0"/>
-              </a:endParaRPr>
-            </a:p>
-            <a:p>
-              <a:endParaRPr lang="zh-CN" sz="2800" dirty="0">
-                <a:solidFill>
-                  <a:srgbClr val="000000"/>
-                </a:solidFill>
-                <a:latin typeface="Verdana" panose="020B0604030504040204" pitchFamily="34" charset="0"/>
-              </a:endParaRPr>
-            </a:p>
-            <a:p>
-              <a:endParaRPr lang="zh-CN" sz="2800" dirty="0">
-                <a:solidFill>
-                  <a:srgbClr val="000000"/>
-                </a:solidFill>
-                <a:latin typeface="Verdana" panose="020B0604030504040204" pitchFamily="34" charset="0"/>
-              </a:endParaRPr>
-            </a:p>
-            <a:p>
-              <a:endParaRPr lang="zh-CN" sz="2800" dirty="0">
-                <a:solidFill>
-                  <a:srgbClr val="000000"/>
-                </a:solidFill>
-                <a:latin typeface="Verdana" panose="020B0604030504040204" pitchFamily="34" charset="0"/>
-              </a:endParaRPr>
-            </a:p>
-            <a:p>
-              <a:endParaRPr lang="zh-CN" sz="2800" dirty="0">
-                <a:solidFill>
-                  <a:srgbClr val="000000"/>
-                </a:solidFill>
-                <a:latin typeface="Verdana" panose="020B0604030504040204" pitchFamily="34" charset="0"/>
-              </a:endParaRPr>
-            </a:p>
-            <a:p>
-              <a:r>
-                <a:rPr lang="zh-CN" sz="2800" dirty="0">
-                  <a:solidFill>
-                    <a:srgbClr val="000000"/>
-                  </a:solidFill>
-                  <a:latin typeface="Verdana" panose="020B0604030504040204" pitchFamily="34" charset="0"/>
-                </a:rPr>
-                <a:t>     </a:t>
-              </a:r>
-              <a:endParaRPr lang="zh-CN" dirty="0">
-                <a:solidFill>
-                  <a:srgbClr val="000000"/>
-                </a:solidFill>
-                <a:latin typeface="Verdana" panose="020B0604030504040204" pitchFamily="34" charset="0"/>
-              </a:endParaRPr>
-            </a:p>
-            <a:p>
-              <a:endParaRPr lang="zh-CN" altLang="en-US" b="0" i="0" dirty="0">
-                <a:solidFill>
-                  <a:srgbClr val="000000"/>
-                </a:solidFill>
-                <a:effectLst/>
-                <a:latin typeface="Verdana" panose="020B0604030504040204" pitchFamily="34" charset="0"/>
-              </a:endParaRPr>
+              <a:pPr algn="ctr"/>
+              <a:endParaRPr lang="zh-CN" altLang="en-US" sz="1350"/>
             </a:p>
           </p:txBody>
         </p:sp>
-        <p:grpSp>
-          <p:nvGrpSpPr>
-            <p:cNvPr id="10" name="组合 9"/>
-            <p:cNvGrpSpPr/>
+        <p:sp>
+          <p:nvSpPr>
+            <p:cNvPr id="12" name="矩形 11"/>
+            <p:cNvSpPr/>
             <p:nvPr/>
-          </p:nvGrpSpPr>
-          <p:grpSpPr>
+          </p:nvSpPr>
+          <p:spPr>
             <a:xfrm>
-              <a:off x="237030" y="1269554"/>
-              <a:ext cx="7776864" cy="4896544"/>
-              <a:chOff x="1285643" y="1772435"/>
-              <a:chExt cx="7135479" cy="3572664"/>
+              <a:off x="1285643" y="1772435"/>
+              <a:ext cx="2114216" cy="338554"/>
             </a:xfrm>
-          </p:grpSpPr>
-          <p:sp>
-            <p:nvSpPr>
-              <p:cNvPr id="11" name="矩形 10"/>
-              <p:cNvSpPr/>
-              <p:nvPr/>
-            </p:nvSpPr>
-            <p:spPr>
-              <a:xfrm>
-                <a:off x="1285644" y="2104682"/>
-                <a:ext cx="7135478" cy="3240417"/>
-              </a:xfrm>
-              <a:prstGeom prst="rect">
-                <a:avLst/>
-              </a:prstGeom>
+            <a:prstGeom prst="rect">
+              <a:avLst/>
+            </a:prstGeom>
+            <a:solidFill>
+              <a:srgbClr val="183A5D"/>
+            </a:solidFill>
+            <a:ln>
               <a:noFill/>
-              <a:ln w="12700">
+            </a:ln>
+          </p:spPr>
+          <p:style>
+            <a:lnRef idx="2">
+              <a:schemeClr val="accent1">
+                <a:shade val="50000"/>
+              </a:schemeClr>
+            </a:lnRef>
+            <a:fillRef idx="1">
+              <a:schemeClr val="accent1"/>
+            </a:fillRef>
+            <a:effectRef idx="0">
+              <a:schemeClr val="accent1"/>
+            </a:effectRef>
+            <a:fontRef idx="minor">
+              <a:schemeClr val="lt1"/>
+            </a:fontRef>
+          </p:style>
+          <p:txBody>
+            <a:bodyPr rtlCol="0" anchor="ctr"/>
+            <a:lstStyle/>
+            <a:p>
+              <a:pPr algn="ctr"/>
+              <a:endParaRPr lang="zh-CN" altLang="en-US" sz="1350"/>
+            </a:p>
+          </p:txBody>
+        </p:sp>
+      </p:grpSp>
+      <p:sp>
+        <p:nvSpPr>
+          <p:cNvPr id="13" name="文本框 12"/>
+          <p:cNvSpPr txBox="1"/>
+          <p:nvPr/>
+        </p:nvSpPr>
+        <p:spPr>
+          <a:xfrm>
+            <a:off x="264811" y="1293617"/>
+            <a:ext cx="792088" cy="415498"/>
+          </a:xfrm>
+          <a:prstGeom prst="rect">
+            <a:avLst/>
+          </a:prstGeom>
+          <a:noFill/>
+        </p:spPr>
+        <p:txBody>
+          <a:bodyPr wrap="square" rtlCol="0">
+            <a:spAutoFit/>
+          </a:bodyPr>
+          <a:lstStyle/>
+          <a:p>
+            <a:r>
+              <a:rPr lang="zh-CN" altLang="en-US" dirty="0" smtClean="0">
                 <a:solidFill>
-                  <a:srgbClr val="346182"/>
+                  <a:schemeClr val="bg1"/>
                 </a:solidFill>
-              </a:ln>
-            </p:spPr>
-            <p:style>
-              <a:lnRef idx="2">
-                <a:schemeClr val="accent1">
-                  <a:shade val="50000"/>
-                </a:schemeClr>
-              </a:lnRef>
-              <a:fillRef idx="1">
-                <a:schemeClr val="accent1"/>
-              </a:fillRef>
-              <a:effectRef idx="0">
-                <a:schemeClr val="accent1"/>
-              </a:effectRef>
-              <a:fontRef idx="minor">
-                <a:schemeClr val="lt1"/>
-              </a:fontRef>
-            </p:style>
-            <p:txBody>
-              <a:bodyPr rtlCol="0" anchor="ctr"/>
-              <a:lstStyle/>
-              <a:p>
-                <a:pPr algn="ctr"/>
-                <a:endParaRPr lang="zh-CN" altLang="en-US" sz="1350"/>
-              </a:p>
-            </p:txBody>
-          </p:sp>
-          <p:sp>
-            <p:nvSpPr>
-              <p:cNvPr id="12" name="矩形 11"/>
-              <p:cNvSpPr/>
-              <p:nvPr/>
-            </p:nvSpPr>
-            <p:spPr>
-              <a:xfrm>
-                <a:off x="1285643" y="1772435"/>
-                <a:ext cx="2114216" cy="338554"/>
-              </a:xfrm>
-              <a:prstGeom prst="rect">
-                <a:avLst/>
-              </a:prstGeom>
+              </a:rPr>
+              <a:t>组件</a:t>
+            </a:r>
+            <a:endParaRPr lang="zh-CN" altLang="en-US" dirty="0">
               <a:solidFill>
-                <a:srgbClr val="183A5D"/>
+                <a:schemeClr val="bg1"/>
               </a:solidFill>
-              <a:ln>
-                <a:noFill/>
-              </a:ln>
-            </p:spPr>
-            <p:style>
-              <a:lnRef idx="2">
-                <a:schemeClr val="accent1">
-                  <a:shade val="50000"/>
-                </a:schemeClr>
-              </a:lnRef>
-              <a:fillRef idx="1">
-                <a:schemeClr val="accent1"/>
-              </a:fillRef>
-              <a:effectRef idx="0">
-                <a:schemeClr val="accent1"/>
-              </a:effectRef>
-              <a:fontRef idx="minor">
-                <a:schemeClr val="lt1"/>
-              </a:fontRef>
-            </p:style>
-            <p:txBody>
-              <a:bodyPr rtlCol="0" anchor="ctr"/>
-              <a:lstStyle/>
-              <a:p>
-                <a:pPr algn="ctr"/>
-                <a:endParaRPr lang="zh-CN" altLang="en-US" sz="1350"/>
-              </a:p>
-            </p:txBody>
-          </p:sp>
-        </p:grpSp>
-      </p:grpSp>
+            </a:endParaRPr>
+          </a:p>
+        </p:txBody>
+      </p:sp>
+      <p:sp>
+        <p:nvSpPr>
+          <p:cNvPr id="9" name="矩形 8"/>
+          <p:cNvSpPr/>
+          <p:nvPr/>
+        </p:nvSpPr>
+        <p:spPr>
+          <a:xfrm>
+            <a:off x="331581" y="1845618"/>
+            <a:ext cx="5872258" cy="1569660"/>
+          </a:xfrm>
+          <a:prstGeom prst="rect">
+            <a:avLst/>
+          </a:prstGeom>
+        </p:spPr>
+        <p:txBody>
+          <a:bodyPr wrap="square">
+            <a:spAutoFit/>
+          </a:bodyPr>
+          <a:lstStyle/>
+          <a:p>
+            <a:pPr>
+              <a:lnSpc>
+                <a:spcPct val="120000"/>
+              </a:lnSpc>
+              <a:buFont typeface="Arial" charset="0"/>
+              <a:buNone/>
+            </a:pPr>
+            <a:r>
+              <a:rPr lang="zh-CN" altLang="en-US" sz="2000" dirty="0" smtClean="0"/>
+              <a:t>组件是系统中遵循一组接口且提供实现的一个物理部件，</a:t>
+            </a:r>
+            <a:r>
+              <a:rPr lang="zh-CN" altLang="en-US" sz="2000" dirty="0" smtClean="0">
+                <a:solidFill>
+                  <a:srgbClr val="FF0000"/>
+                </a:solidFill>
+              </a:rPr>
+              <a:t>通常描述系统的一个可执行程序，一个库，一个</a:t>
+            </a:r>
+            <a:r>
+              <a:rPr lang="en-US" altLang="zh-CN" sz="2000" dirty="0" smtClean="0">
+                <a:solidFill>
+                  <a:srgbClr val="FF0000"/>
+                </a:solidFill>
+              </a:rPr>
+              <a:t>Web</a:t>
+            </a:r>
+            <a:r>
+              <a:rPr lang="zh-CN" altLang="en-US" sz="2000" dirty="0" smtClean="0">
+                <a:solidFill>
+                  <a:srgbClr val="FF0000"/>
+                </a:solidFill>
+              </a:rPr>
+              <a:t>程序等</a:t>
+            </a:r>
+            <a:r>
+              <a:rPr lang="zh-CN" altLang="en-US" sz="2000" dirty="0" smtClean="0"/>
+              <a:t>，如图中的方框图型都是组件的表示形式</a:t>
+            </a:r>
+            <a:endParaRPr lang="en-US" altLang="zh-CN" sz="2000" dirty="0"/>
+          </a:p>
+        </p:txBody>
+      </p:sp>
       <p:pic>
         <p:nvPicPr>
-          <p:cNvPr id="8" name="图片 7"/>
+          <p:cNvPr id="15" name="图片 14"/>
           <p:cNvPicPr>
             <a:picLocks noChangeAspect="1"/>
           </p:cNvPicPr>
           <p:nvPr/>
         </p:nvPicPr>
         <p:blipFill>
-          <a:blip r:embed="rId1"/>
+          <a:blip r:embed="rId2"/>
           <a:stretch>
             <a:fillRect/>
           </a:stretch>
         </p:blipFill>
         <p:spPr>
           <a:xfrm>
-            <a:off x="6431915" y="1944370"/>
-            <a:ext cx="5410835" cy="3604260"/>
+            <a:off x="6393290" y="1709115"/>
+            <a:ext cx="5756456" cy="3185438"/>
           </a:xfrm>
           <a:prstGeom prst="rect">
             <a:avLst/>
@@ -7204,6 +10605,1442 @@
       </p:sp>
       <p:grpSp>
         <p:nvGrpSpPr>
+          <p:cNvPr id="10" name="组合 9"/>
+          <p:cNvGrpSpPr/>
+          <p:nvPr/>
+        </p:nvGrpSpPr>
+        <p:grpSpPr>
+          <a:xfrm>
+            <a:off x="236855" y="1269365"/>
+            <a:ext cx="6061710" cy="4896485"/>
+            <a:chOff x="1285643" y="1772435"/>
+            <a:chExt cx="7135479" cy="3572664"/>
+          </a:xfrm>
+        </p:grpSpPr>
+        <p:sp>
+          <p:nvSpPr>
+            <p:cNvPr id="11" name="矩形 10"/>
+            <p:cNvSpPr/>
+            <p:nvPr/>
+          </p:nvSpPr>
+          <p:spPr>
+            <a:xfrm>
+              <a:off x="1285644" y="2104682"/>
+              <a:ext cx="7135478" cy="3240417"/>
+            </a:xfrm>
+            <a:prstGeom prst="rect">
+              <a:avLst/>
+            </a:prstGeom>
+            <a:noFill/>
+            <a:ln w="12700">
+              <a:solidFill>
+                <a:srgbClr val="346182"/>
+              </a:solidFill>
+            </a:ln>
+          </p:spPr>
+          <p:style>
+            <a:lnRef idx="2">
+              <a:schemeClr val="accent1">
+                <a:shade val="50000"/>
+              </a:schemeClr>
+            </a:lnRef>
+            <a:fillRef idx="1">
+              <a:schemeClr val="accent1"/>
+            </a:fillRef>
+            <a:effectRef idx="0">
+              <a:schemeClr val="accent1"/>
+            </a:effectRef>
+            <a:fontRef idx="minor">
+              <a:schemeClr val="lt1"/>
+            </a:fontRef>
+          </p:style>
+          <p:txBody>
+            <a:bodyPr rtlCol="0" anchor="ctr"/>
+            <a:lstStyle/>
+            <a:p>
+              <a:pPr algn="ctr"/>
+              <a:endParaRPr lang="zh-CN" altLang="en-US" sz="1350"/>
+            </a:p>
+          </p:txBody>
+        </p:sp>
+        <p:sp>
+          <p:nvSpPr>
+            <p:cNvPr id="12" name="矩形 11"/>
+            <p:cNvSpPr/>
+            <p:nvPr/>
+          </p:nvSpPr>
+          <p:spPr>
+            <a:xfrm>
+              <a:off x="1285643" y="1772435"/>
+              <a:ext cx="2114216" cy="338554"/>
+            </a:xfrm>
+            <a:prstGeom prst="rect">
+              <a:avLst/>
+            </a:prstGeom>
+            <a:solidFill>
+              <a:srgbClr val="183A5D"/>
+            </a:solidFill>
+            <a:ln>
+              <a:noFill/>
+            </a:ln>
+          </p:spPr>
+          <p:style>
+            <a:lnRef idx="2">
+              <a:schemeClr val="accent1">
+                <a:shade val="50000"/>
+              </a:schemeClr>
+            </a:lnRef>
+            <a:fillRef idx="1">
+              <a:schemeClr val="accent1"/>
+            </a:fillRef>
+            <a:effectRef idx="0">
+              <a:schemeClr val="accent1"/>
+            </a:effectRef>
+            <a:fontRef idx="minor">
+              <a:schemeClr val="lt1"/>
+            </a:fontRef>
+          </p:style>
+          <p:txBody>
+            <a:bodyPr rtlCol="0" anchor="ctr"/>
+            <a:lstStyle/>
+            <a:p>
+              <a:pPr algn="ctr"/>
+              <a:endParaRPr lang="zh-CN" altLang="en-US" sz="1350"/>
+            </a:p>
+          </p:txBody>
+        </p:sp>
+      </p:grpSp>
+      <p:sp>
+        <p:nvSpPr>
+          <p:cNvPr id="13" name="文本框 12"/>
+          <p:cNvSpPr txBox="1"/>
+          <p:nvPr/>
+        </p:nvSpPr>
+        <p:spPr>
+          <a:xfrm>
+            <a:off x="264811" y="1293617"/>
+            <a:ext cx="792088" cy="415498"/>
+          </a:xfrm>
+          <a:prstGeom prst="rect">
+            <a:avLst/>
+          </a:prstGeom>
+          <a:noFill/>
+        </p:spPr>
+        <p:txBody>
+          <a:bodyPr wrap="square" rtlCol="0">
+            <a:spAutoFit/>
+          </a:bodyPr>
+          <a:lstStyle/>
+          <a:p>
+            <a:r>
+              <a:rPr lang="zh-CN" altLang="en-US" dirty="0" smtClean="0">
+                <a:solidFill>
+                  <a:schemeClr val="bg1"/>
+                </a:solidFill>
+              </a:rPr>
+              <a:t>接口</a:t>
+            </a:r>
+            <a:endParaRPr lang="zh-CN" altLang="en-US" dirty="0">
+              <a:solidFill>
+                <a:schemeClr val="bg1"/>
+              </a:solidFill>
+            </a:endParaRPr>
+          </a:p>
+        </p:txBody>
+      </p:sp>
+      <p:sp>
+        <p:nvSpPr>
+          <p:cNvPr id="9" name="矩形 8"/>
+          <p:cNvSpPr/>
+          <p:nvPr/>
+        </p:nvSpPr>
+        <p:spPr>
+          <a:xfrm>
+            <a:off x="331581" y="1845618"/>
+            <a:ext cx="5872258" cy="801373"/>
+          </a:xfrm>
+          <a:prstGeom prst="rect">
+            <a:avLst/>
+          </a:prstGeom>
+        </p:spPr>
+        <p:txBody>
+          <a:bodyPr wrap="square">
+            <a:spAutoFit/>
+          </a:bodyPr>
+          <a:lstStyle/>
+          <a:p>
+            <a:pPr>
+              <a:lnSpc>
+                <a:spcPct val="120000"/>
+              </a:lnSpc>
+              <a:buFont typeface="Arial" charset="0"/>
+              <a:buNone/>
+            </a:pPr>
+            <a:r>
+              <a:rPr lang="zh-CN" altLang="en-US" sz="2000" dirty="0" smtClean="0"/>
+              <a:t>接口</a:t>
+            </a:r>
+            <a:r>
+              <a:rPr lang="zh-CN" altLang="en-US" sz="2000" dirty="0"/>
+              <a:t>是一组用于描述类或组建的一个服务的操作。分为导入接口，和导出接口</a:t>
+            </a:r>
+            <a:endParaRPr lang="en-US" altLang="zh-CN" sz="2000" dirty="0"/>
+          </a:p>
+        </p:txBody>
+      </p:sp>
+      <p:pic>
+        <p:nvPicPr>
+          <p:cNvPr id="5" name="图片 4"/>
+          <p:cNvPicPr>
+            <a:picLocks noChangeAspect="1"/>
+          </p:cNvPicPr>
+          <p:nvPr/>
+        </p:nvPicPr>
+        <p:blipFill>
+          <a:blip r:embed="rId2"/>
+          <a:stretch>
+            <a:fillRect/>
+          </a:stretch>
+        </p:blipFill>
+        <p:spPr>
+          <a:xfrm>
+            <a:off x="6455246" y="489803"/>
+            <a:ext cx="5343525" cy="2428875"/>
+          </a:xfrm>
+          <a:prstGeom prst="rect">
+            <a:avLst/>
+          </a:prstGeom>
+        </p:spPr>
+      </p:pic>
+      <p:pic>
+        <p:nvPicPr>
+          <p:cNvPr id="7" name="图片 6"/>
+          <p:cNvPicPr>
+            <a:picLocks noChangeAspect="1"/>
+          </p:cNvPicPr>
+          <p:nvPr/>
+        </p:nvPicPr>
+        <p:blipFill>
+          <a:blip r:embed="rId3"/>
+          <a:stretch>
+            <a:fillRect/>
+          </a:stretch>
+        </p:blipFill>
+        <p:spPr>
+          <a:xfrm>
+            <a:off x="6974358" y="2944786"/>
+            <a:ext cx="4305300" cy="3495675"/>
+          </a:xfrm>
+          <a:prstGeom prst="rect">
+            <a:avLst/>
+          </a:prstGeom>
+        </p:spPr>
+      </p:pic>
+    </p:spTree>
+    <p:extLst>
+      <p:ext uri="{BB962C8B-B14F-4D97-AF65-F5344CB8AC3E}">
+        <p14:creationId xmlns:p14="http://schemas.microsoft.com/office/powerpoint/2010/main" val="1103149580"/>
+      </p:ext>
+    </p:extLst>
+  </p:cSld>
+  <p:clrMapOvr>
+    <a:masterClrMapping/>
+  </p:clrMapOvr>
+  <p:transition spd="slow" advClick="0" advTm="0">
+    <p:wipe/>
+  </p:transition>
+  <p:timing>
+    <p:tnLst>
+      <p:par>
+        <p:cTn id="1" dur="indefinite" restart="never" nodeType="tmRoot"/>
+      </p:par>
+    </p:tnLst>
+  </p:timing>
+</p:sld>
+</file>
+
+<file path=ppt/slides/slide7.xml><?xml version="1.0" encoding="utf-8"?>
+<p:sld xmlns:a="http://schemas.openxmlformats.org/drawingml/2006/main" xmlns:r="http://schemas.openxmlformats.org/officeDocument/2006/relationships" xmlns:p="http://schemas.openxmlformats.org/presentationml/2006/main">
+  <p:cSld>
+    <p:spTree>
+      <p:nvGrpSpPr>
+        <p:cNvPr id="1" name=""/>
+        <p:cNvGrpSpPr/>
+        <p:nvPr/>
+      </p:nvGrpSpPr>
+      <p:grpSpPr>
+        <a:xfrm>
+          <a:off x="0" y="0"/>
+          <a:ext cx="0" cy="0"/>
+          <a:chOff x="0" y="0"/>
+          <a:chExt cx="0" cy="0"/>
+        </a:xfrm>
+      </p:grpSpPr>
+      <p:sp>
+        <p:nvSpPr>
+          <p:cNvPr id="2" name="矩形 1"/>
+          <p:cNvSpPr/>
+          <p:nvPr/>
+        </p:nvSpPr>
+        <p:spPr>
+          <a:xfrm>
+            <a:off x="237030" y="1171"/>
+            <a:ext cx="1608415" cy="135446"/>
+          </a:xfrm>
+          <a:prstGeom prst="rect">
+            <a:avLst/>
+          </a:prstGeom>
+          <a:solidFill>
+            <a:srgbClr val="183A5D"/>
+          </a:solidFill>
+          <a:ln>
+            <a:noFill/>
+          </a:ln>
+        </p:spPr>
+        <p:style>
+          <a:lnRef idx="2">
+            <a:schemeClr val="accent1">
+              <a:shade val="50000"/>
+            </a:schemeClr>
+          </a:lnRef>
+          <a:fillRef idx="1">
+            <a:schemeClr val="accent1"/>
+          </a:fillRef>
+          <a:effectRef idx="0">
+            <a:schemeClr val="accent1"/>
+          </a:effectRef>
+          <a:fontRef idx="minor">
+            <a:schemeClr val="lt1"/>
+          </a:fontRef>
+        </p:style>
+        <p:txBody>
+          <a:bodyPr rtlCol="0" anchor="ctr"/>
+          <a:lstStyle/>
+          <a:p>
+            <a:pPr algn="ctr"/>
+            <a:endParaRPr lang="zh-CN" altLang="en-US" sz="2800"/>
+          </a:p>
+        </p:txBody>
+      </p:sp>
+      <p:sp>
+        <p:nvSpPr>
+          <p:cNvPr id="3" name="矩形 2"/>
+          <p:cNvSpPr/>
+          <p:nvPr/>
+        </p:nvSpPr>
+        <p:spPr>
+          <a:xfrm>
+            <a:off x="237030" y="255131"/>
+            <a:ext cx="1608415" cy="406336"/>
+          </a:xfrm>
+          <a:prstGeom prst="rect">
+            <a:avLst/>
+          </a:prstGeom>
+          <a:solidFill>
+            <a:srgbClr val="183A5D"/>
+          </a:solidFill>
+          <a:ln>
+            <a:noFill/>
+          </a:ln>
+        </p:spPr>
+        <p:style>
+          <a:lnRef idx="2">
+            <a:schemeClr val="accent1">
+              <a:shade val="50000"/>
+            </a:schemeClr>
+          </a:lnRef>
+          <a:fillRef idx="1">
+            <a:schemeClr val="accent1"/>
+          </a:fillRef>
+          <a:effectRef idx="0">
+            <a:schemeClr val="accent1"/>
+          </a:effectRef>
+          <a:fontRef idx="minor">
+            <a:schemeClr val="lt1"/>
+          </a:fontRef>
+        </p:style>
+        <p:txBody>
+          <a:bodyPr rtlCol="0" anchor="ctr"/>
+          <a:lstStyle/>
+          <a:p>
+            <a:pPr algn="ctr"/>
+            <a:r>
+              <a:rPr lang="en-US" sz="2400" dirty="0" smtClean="0"/>
+              <a:t>1</a:t>
+            </a:r>
+            <a:endParaRPr lang="en-US" sz="2400" dirty="0"/>
+          </a:p>
+        </p:txBody>
+      </p:sp>
+      <p:sp>
+        <p:nvSpPr>
+          <p:cNvPr id="4" name="文本框 3"/>
+          <p:cNvSpPr txBox="1"/>
+          <p:nvPr/>
+        </p:nvSpPr>
+        <p:spPr>
+          <a:xfrm>
+            <a:off x="2236548" y="136356"/>
+            <a:ext cx="6052718" cy="501650"/>
+          </a:xfrm>
+          <a:prstGeom prst="rect">
+            <a:avLst/>
+          </a:prstGeom>
+          <a:noFill/>
+        </p:spPr>
+        <p:txBody>
+          <a:bodyPr wrap="square" rtlCol="0">
+            <a:spAutoFit/>
+          </a:bodyPr>
+          <a:lstStyle/>
+          <a:p>
+            <a:endParaRPr lang="zh-CN" sz="2665" dirty="0">
+              <a:solidFill>
+                <a:srgbClr val="183A5D"/>
+              </a:solidFill>
+              <a:latin typeface="微软雅黑" panose="020B0503020204020204" pitchFamily="34" charset="-122"/>
+              <a:ea typeface="微软雅黑" panose="020B0503020204020204" pitchFamily="34" charset="-122"/>
+            </a:endParaRPr>
+          </a:p>
+        </p:txBody>
+      </p:sp>
+      <p:sp>
+        <p:nvSpPr>
+          <p:cNvPr id="6" name="文本框 5"/>
+          <p:cNvSpPr txBox="1"/>
+          <p:nvPr/>
+        </p:nvSpPr>
+        <p:spPr>
+          <a:xfrm>
+            <a:off x="2226388" y="159851"/>
+            <a:ext cx="6052718" cy="501650"/>
+          </a:xfrm>
+          <a:prstGeom prst="rect">
+            <a:avLst/>
+          </a:prstGeom>
+          <a:noFill/>
+        </p:spPr>
+        <p:txBody>
+          <a:bodyPr wrap="square" rtlCol="0">
+            <a:spAutoFit/>
+          </a:bodyPr>
+          <a:lstStyle/>
+          <a:p>
+            <a:r>
+              <a:rPr lang="zh-CN" altLang="en-US" sz="2665" dirty="0">
+                <a:solidFill>
+                  <a:srgbClr val="183A5D"/>
+                </a:solidFill>
+                <a:latin typeface="微软雅黑" panose="020B0503020204020204" pitchFamily="34" charset="-122"/>
+                <a:ea typeface="微软雅黑" panose="020B0503020204020204" pitchFamily="34" charset="-122"/>
+              </a:rPr>
+              <a:t>构件图</a:t>
+            </a:r>
+            <a:endParaRPr lang="zh-CN" sz="2665" dirty="0">
+              <a:solidFill>
+                <a:srgbClr val="183A5D"/>
+              </a:solidFill>
+              <a:latin typeface="微软雅黑" panose="020B0503020204020204" pitchFamily="34" charset="-122"/>
+              <a:ea typeface="微软雅黑" panose="020B0503020204020204" pitchFamily="34" charset="-122"/>
+            </a:endParaRPr>
+          </a:p>
+        </p:txBody>
+      </p:sp>
+      <p:grpSp>
+        <p:nvGrpSpPr>
+          <p:cNvPr id="10" name="组合 9"/>
+          <p:cNvGrpSpPr/>
+          <p:nvPr/>
+        </p:nvGrpSpPr>
+        <p:grpSpPr>
+          <a:xfrm>
+            <a:off x="236855" y="1269365"/>
+            <a:ext cx="6061710" cy="4896485"/>
+            <a:chOff x="1285643" y="1772435"/>
+            <a:chExt cx="7135479" cy="3572664"/>
+          </a:xfrm>
+        </p:grpSpPr>
+        <p:sp>
+          <p:nvSpPr>
+            <p:cNvPr id="11" name="矩形 10"/>
+            <p:cNvSpPr/>
+            <p:nvPr/>
+          </p:nvSpPr>
+          <p:spPr>
+            <a:xfrm>
+              <a:off x="1285644" y="2104682"/>
+              <a:ext cx="7135478" cy="3240417"/>
+            </a:xfrm>
+            <a:prstGeom prst="rect">
+              <a:avLst/>
+            </a:prstGeom>
+            <a:noFill/>
+            <a:ln w="12700">
+              <a:solidFill>
+                <a:srgbClr val="346182"/>
+              </a:solidFill>
+            </a:ln>
+          </p:spPr>
+          <p:style>
+            <a:lnRef idx="2">
+              <a:schemeClr val="accent1">
+                <a:shade val="50000"/>
+              </a:schemeClr>
+            </a:lnRef>
+            <a:fillRef idx="1">
+              <a:schemeClr val="accent1"/>
+            </a:fillRef>
+            <a:effectRef idx="0">
+              <a:schemeClr val="accent1"/>
+            </a:effectRef>
+            <a:fontRef idx="minor">
+              <a:schemeClr val="lt1"/>
+            </a:fontRef>
+          </p:style>
+          <p:txBody>
+            <a:bodyPr rtlCol="0" anchor="ctr"/>
+            <a:lstStyle/>
+            <a:p>
+              <a:pPr algn="ctr"/>
+              <a:endParaRPr lang="zh-CN" altLang="en-US" sz="1350"/>
+            </a:p>
+          </p:txBody>
+        </p:sp>
+        <p:sp>
+          <p:nvSpPr>
+            <p:cNvPr id="12" name="矩形 11"/>
+            <p:cNvSpPr/>
+            <p:nvPr/>
+          </p:nvSpPr>
+          <p:spPr>
+            <a:xfrm>
+              <a:off x="1285643" y="1772435"/>
+              <a:ext cx="2114216" cy="338554"/>
+            </a:xfrm>
+            <a:prstGeom prst="rect">
+              <a:avLst/>
+            </a:prstGeom>
+            <a:solidFill>
+              <a:srgbClr val="183A5D"/>
+            </a:solidFill>
+            <a:ln>
+              <a:noFill/>
+            </a:ln>
+          </p:spPr>
+          <p:style>
+            <a:lnRef idx="2">
+              <a:schemeClr val="accent1">
+                <a:shade val="50000"/>
+              </a:schemeClr>
+            </a:lnRef>
+            <a:fillRef idx="1">
+              <a:schemeClr val="accent1"/>
+            </a:fillRef>
+            <a:effectRef idx="0">
+              <a:schemeClr val="accent1"/>
+            </a:effectRef>
+            <a:fontRef idx="minor">
+              <a:schemeClr val="lt1"/>
+            </a:fontRef>
+          </p:style>
+          <p:txBody>
+            <a:bodyPr rtlCol="0" anchor="ctr"/>
+            <a:lstStyle/>
+            <a:p>
+              <a:pPr algn="ctr"/>
+              <a:endParaRPr lang="zh-CN" altLang="en-US" sz="1350"/>
+            </a:p>
+          </p:txBody>
+        </p:sp>
+      </p:grpSp>
+      <p:sp>
+        <p:nvSpPr>
+          <p:cNvPr id="13" name="文本框 12"/>
+          <p:cNvSpPr txBox="1"/>
+          <p:nvPr/>
+        </p:nvSpPr>
+        <p:spPr>
+          <a:xfrm>
+            <a:off x="264811" y="1293617"/>
+            <a:ext cx="792088" cy="415498"/>
+          </a:xfrm>
+          <a:prstGeom prst="rect">
+            <a:avLst/>
+          </a:prstGeom>
+          <a:noFill/>
+        </p:spPr>
+        <p:txBody>
+          <a:bodyPr wrap="square" rtlCol="0">
+            <a:spAutoFit/>
+          </a:bodyPr>
+          <a:lstStyle/>
+          <a:p>
+            <a:r>
+              <a:rPr lang="zh-CN" altLang="en-US" dirty="0" smtClean="0">
+                <a:solidFill>
+                  <a:schemeClr val="bg1"/>
+                </a:solidFill>
+              </a:rPr>
+              <a:t>关系</a:t>
+            </a:r>
+            <a:endParaRPr lang="zh-CN" altLang="en-US" dirty="0">
+              <a:solidFill>
+                <a:schemeClr val="bg1"/>
+              </a:solidFill>
+            </a:endParaRPr>
+          </a:p>
+        </p:txBody>
+      </p:sp>
+      <p:sp>
+        <p:nvSpPr>
+          <p:cNvPr id="9" name="矩形 8"/>
+          <p:cNvSpPr/>
+          <p:nvPr/>
+        </p:nvSpPr>
+        <p:spPr>
+          <a:xfrm>
+            <a:off x="331581" y="1845618"/>
+            <a:ext cx="5872258" cy="1200329"/>
+          </a:xfrm>
+          <a:prstGeom prst="rect">
+            <a:avLst/>
+          </a:prstGeom>
+        </p:spPr>
+        <p:txBody>
+          <a:bodyPr wrap="square">
+            <a:spAutoFit/>
+          </a:bodyPr>
+          <a:lstStyle/>
+          <a:p>
+            <a:pPr>
+              <a:lnSpc>
+                <a:spcPct val="120000"/>
+              </a:lnSpc>
+              <a:buFont typeface="Arial" charset="0"/>
+              <a:buNone/>
+            </a:pPr>
+            <a:r>
+              <a:rPr lang="zh-CN" altLang="en-US" sz="2000" dirty="0" smtClean="0"/>
+              <a:t>关系是事务之间的联系，在面向对象的建模中，最重要的关系是依赖，泛化，关联和实现，但是构件图中使用最多的还是</a:t>
+            </a:r>
+            <a:r>
+              <a:rPr lang="zh-CN" altLang="en-US" sz="2000" dirty="0" smtClean="0">
+                <a:solidFill>
+                  <a:srgbClr val="FF0000"/>
+                </a:solidFill>
+              </a:rPr>
+              <a:t>依赖</a:t>
+            </a:r>
+            <a:r>
+              <a:rPr lang="zh-CN" altLang="en-US" sz="2000" dirty="0" smtClean="0"/>
+              <a:t>和</a:t>
+            </a:r>
+            <a:r>
+              <a:rPr lang="zh-CN" altLang="en-US" sz="2000" dirty="0">
+                <a:solidFill>
+                  <a:srgbClr val="FF0000"/>
+                </a:solidFill>
+              </a:rPr>
+              <a:t>实现</a:t>
+            </a:r>
+            <a:r>
+              <a:rPr lang="zh-CN" altLang="en-US" sz="2000" dirty="0" smtClean="0"/>
+              <a:t>关系</a:t>
+            </a:r>
+            <a:endParaRPr lang="en-US" altLang="zh-CN" sz="2000" dirty="0"/>
+          </a:p>
+        </p:txBody>
+      </p:sp>
+      <p:pic>
+        <p:nvPicPr>
+          <p:cNvPr id="14" name="图片 13" descr="屏幕剪辑"/>
+          <p:cNvPicPr>
+            <a:picLocks noChangeAspect="1"/>
+          </p:cNvPicPr>
+          <p:nvPr/>
+        </p:nvPicPr>
+        <p:blipFill>
+          <a:blip r:embed="rId2">
+            <a:extLst>
+              <a:ext uri="{28A0092B-C50C-407E-A947-70E740481C1C}">
+                <a14:useLocalDpi xmlns:a14="http://schemas.microsoft.com/office/drawing/2010/main" val="0"/>
+              </a:ext>
+            </a:extLst>
+          </a:blip>
+          <a:stretch>
+            <a:fillRect/>
+          </a:stretch>
+        </p:blipFill>
+        <p:spPr>
+          <a:xfrm>
+            <a:off x="6815286" y="748786"/>
+            <a:ext cx="4658375" cy="1505160"/>
+          </a:xfrm>
+          <a:prstGeom prst="rect">
+            <a:avLst/>
+          </a:prstGeom>
+        </p:spPr>
+      </p:pic>
+      <p:pic>
+        <p:nvPicPr>
+          <p:cNvPr id="7" name="图片 6"/>
+          <p:cNvPicPr>
+            <a:picLocks noChangeAspect="1"/>
+          </p:cNvPicPr>
+          <p:nvPr/>
+        </p:nvPicPr>
+        <p:blipFill>
+          <a:blip r:embed="rId3"/>
+          <a:stretch>
+            <a:fillRect/>
+          </a:stretch>
+        </p:blipFill>
+        <p:spPr>
+          <a:xfrm>
+            <a:off x="6887294" y="3501802"/>
+            <a:ext cx="3105150" cy="2124075"/>
+          </a:xfrm>
+          <a:prstGeom prst="rect">
+            <a:avLst/>
+          </a:prstGeom>
+        </p:spPr>
+      </p:pic>
+      <p:sp>
+        <p:nvSpPr>
+          <p:cNvPr id="8" name="矩形 7"/>
+          <p:cNvSpPr/>
+          <p:nvPr/>
+        </p:nvSpPr>
+        <p:spPr>
+          <a:xfrm>
+            <a:off x="6846596" y="2341231"/>
+            <a:ext cx="800219" cy="461665"/>
+          </a:xfrm>
+          <a:prstGeom prst="rect">
+            <a:avLst/>
+          </a:prstGeom>
+        </p:spPr>
+        <p:txBody>
+          <a:bodyPr wrap="none">
+            <a:spAutoFit/>
+          </a:bodyPr>
+          <a:lstStyle/>
+          <a:p>
+            <a:r>
+              <a:rPr lang="zh-CN" altLang="en-US" sz="2400" dirty="0" smtClean="0">
+                <a:solidFill>
+                  <a:srgbClr val="FF0000"/>
+                </a:solidFill>
+              </a:rPr>
+              <a:t>依赖</a:t>
+            </a:r>
+            <a:endParaRPr lang="zh-CN" altLang="en-US" dirty="0"/>
+          </a:p>
+        </p:txBody>
+      </p:sp>
+      <p:sp>
+        <p:nvSpPr>
+          <p:cNvPr id="15" name="矩形 14"/>
+          <p:cNvSpPr/>
+          <p:nvPr/>
+        </p:nvSpPr>
+        <p:spPr>
+          <a:xfrm>
+            <a:off x="6887294" y="5704185"/>
+            <a:ext cx="800219" cy="461665"/>
+          </a:xfrm>
+          <a:prstGeom prst="rect">
+            <a:avLst/>
+          </a:prstGeom>
+        </p:spPr>
+        <p:txBody>
+          <a:bodyPr wrap="none">
+            <a:spAutoFit/>
+          </a:bodyPr>
+          <a:lstStyle/>
+          <a:p>
+            <a:r>
+              <a:rPr lang="zh-CN" altLang="en-US" sz="2400" dirty="0" smtClean="0">
+                <a:solidFill>
+                  <a:srgbClr val="FF0000"/>
+                </a:solidFill>
+              </a:rPr>
+              <a:t>实现</a:t>
+            </a:r>
+            <a:endParaRPr lang="zh-CN" altLang="en-US" dirty="0"/>
+          </a:p>
+        </p:txBody>
+      </p:sp>
+    </p:spTree>
+    <p:extLst>
+      <p:ext uri="{BB962C8B-B14F-4D97-AF65-F5344CB8AC3E}">
+        <p14:creationId xmlns:p14="http://schemas.microsoft.com/office/powerpoint/2010/main" val="2675009371"/>
+      </p:ext>
+    </p:extLst>
+  </p:cSld>
+  <p:clrMapOvr>
+    <a:masterClrMapping/>
+  </p:clrMapOvr>
+  <p:transition spd="slow" advClick="0" advTm="0">
+    <p:wipe/>
+  </p:transition>
+  <p:timing>
+    <p:tnLst>
+      <p:par>
+        <p:cTn id="1" dur="indefinite" restart="never" nodeType="tmRoot">
+          <p:childTnLst>
+            <p:seq concurrent="1" nextAc="seek">
+              <p:cTn id="2" dur="indefinite" nodeType="mainSeq">
+                <p:childTnLst>
+                  <p:par>
+                    <p:cTn id="3" fill="hold">
+                      <p:stCondLst>
+                        <p:cond delay="indefinite"/>
+                        <p:cond evt="onBegin" delay="0">
+                          <p:tn val="2"/>
+                        </p:cond>
+                      </p:stCondLst>
+                      <p:childTnLst>
+                        <p:par>
+                          <p:cTn id="4" fill="hold">
+                            <p:stCondLst>
+                              <p:cond delay="0"/>
+                            </p:stCondLst>
+                            <p:childTnLst>
+                              <p:par>
+                                <p:cTn id="5" presetID="16" presetClass="entr" presetSubtype="21" fill="hold" nodeType="withEffect">
+                                  <p:stCondLst>
+                                    <p:cond delay="0"/>
+                                  </p:stCondLst>
+                                  <p:childTnLst>
+                                    <p:set>
+                                      <p:cBhvr>
+                                        <p:cTn id="6" dur="1" fill="hold">
+                                          <p:stCondLst>
+                                            <p:cond delay="0"/>
+                                          </p:stCondLst>
+                                        </p:cTn>
+                                        <p:tgtEl>
+                                          <p:spTgt spid="14"/>
+                                        </p:tgtEl>
+                                        <p:attrNameLst>
+                                          <p:attrName>style.visibility</p:attrName>
+                                        </p:attrNameLst>
+                                      </p:cBhvr>
+                                      <p:to>
+                                        <p:strVal val="visible"/>
+                                      </p:to>
+                                    </p:set>
+                                    <p:animEffect transition="in" filter="barn(inVertical)">
+                                      <p:cBhvr>
+                                        <p:cTn id="7" dur="500"/>
+                                        <p:tgtEl>
+                                          <p:spTgt spid="14"/>
+                                        </p:tgtEl>
+                                      </p:cBhvr>
+                                    </p:animEffect>
+                                  </p:childTnLst>
+                                </p:cTn>
+                              </p:par>
+                            </p:childTnLst>
+                          </p:cTn>
+                        </p:par>
+                      </p:childTnLst>
+                    </p:cTn>
+                  </p:par>
+                </p:childTnLst>
+              </p:cTn>
+              <p:prevCondLst>
+                <p:cond evt="onPrev" delay="0">
+                  <p:tgtEl>
+                    <p:sldTgt/>
+                  </p:tgtEl>
+                </p:cond>
+              </p:prevCondLst>
+              <p:nextCondLst>
+                <p:cond evt="onNext" delay="0">
+                  <p:tgtEl>
+                    <p:sldTgt/>
+                  </p:tgtEl>
+                </p:cond>
+              </p:nextCondLst>
+            </p:seq>
+          </p:childTnLst>
+        </p:cTn>
+      </p:par>
+    </p:tnLst>
+  </p:timing>
+</p:sld>
+</file>
+
+<file path=ppt/slides/slide8.xml><?xml version="1.0" encoding="utf-8"?>
+<p:sld xmlns:a="http://schemas.openxmlformats.org/drawingml/2006/main" xmlns:r="http://schemas.openxmlformats.org/officeDocument/2006/relationships" xmlns:p="http://schemas.openxmlformats.org/presentationml/2006/main">
+  <p:cSld>
+    <p:spTree>
+      <p:nvGrpSpPr>
+        <p:cNvPr id="1" name=""/>
+        <p:cNvGrpSpPr/>
+        <p:nvPr/>
+      </p:nvGrpSpPr>
+      <p:grpSpPr>
+        <a:xfrm>
+          <a:off x="0" y="0"/>
+          <a:ext cx="0" cy="0"/>
+          <a:chOff x="0" y="0"/>
+          <a:chExt cx="0" cy="0"/>
+        </a:xfrm>
+      </p:grpSpPr>
+      <p:sp>
+        <p:nvSpPr>
+          <p:cNvPr id="2" name="矩形 1"/>
+          <p:cNvSpPr/>
+          <p:nvPr/>
+        </p:nvSpPr>
+        <p:spPr>
+          <a:xfrm>
+            <a:off x="237030" y="1171"/>
+            <a:ext cx="1608415" cy="135446"/>
+          </a:xfrm>
+          <a:prstGeom prst="rect">
+            <a:avLst/>
+          </a:prstGeom>
+          <a:solidFill>
+            <a:srgbClr val="183A5D"/>
+          </a:solidFill>
+          <a:ln>
+            <a:noFill/>
+          </a:ln>
+        </p:spPr>
+        <p:style>
+          <a:lnRef idx="2">
+            <a:schemeClr val="accent1">
+              <a:shade val="50000"/>
+            </a:schemeClr>
+          </a:lnRef>
+          <a:fillRef idx="1">
+            <a:schemeClr val="accent1"/>
+          </a:fillRef>
+          <a:effectRef idx="0">
+            <a:schemeClr val="accent1"/>
+          </a:effectRef>
+          <a:fontRef idx="minor">
+            <a:schemeClr val="lt1"/>
+          </a:fontRef>
+        </p:style>
+        <p:txBody>
+          <a:bodyPr rtlCol="0" anchor="ctr"/>
+          <a:lstStyle/>
+          <a:p>
+            <a:pPr algn="ctr"/>
+            <a:endParaRPr lang="zh-CN" altLang="en-US" sz="2800"/>
+          </a:p>
+        </p:txBody>
+      </p:sp>
+      <p:sp>
+        <p:nvSpPr>
+          <p:cNvPr id="3" name="矩形 2"/>
+          <p:cNvSpPr/>
+          <p:nvPr/>
+        </p:nvSpPr>
+        <p:spPr>
+          <a:xfrm>
+            <a:off x="237030" y="255131"/>
+            <a:ext cx="1608415" cy="406336"/>
+          </a:xfrm>
+          <a:prstGeom prst="rect">
+            <a:avLst/>
+          </a:prstGeom>
+          <a:solidFill>
+            <a:srgbClr val="183A5D"/>
+          </a:solidFill>
+          <a:ln>
+            <a:noFill/>
+          </a:ln>
+        </p:spPr>
+        <p:style>
+          <a:lnRef idx="2">
+            <a:schemeClr val="accent1">
+              <a:shade val="50000"/>
+            </a:schemeClr>
+          </a:lnRef>
+          <a:fillRef idx="1">
+            <a:schemeClr val="accent1"/>
+          </a:fillRef>
+          <a:effectRef idx="0">
+            <a:schemeClr val="accent1"/>
+          </a:effectRef>
+          <a:fontRef idx="minor">
+            <a:schemeClr val="lt1"/>
+          </a:fontRef>
+        </p:style>
+        <p:txBody>
+          <a:bodyPr rtlCol="0" anchor="ctr"/>
+          <a:lstStyle/>
+          <a:p>
+            <a:pPr algn="ctr"/>
+            <a:r>
+              <a:rPr lang="en-US" sz="2400" dirty="0" smtClean="0"/>
+              <a:t>1</a:t>
+            </a:r>
+            <a:endParaRPr lang="en-US" sz="2400" dirty="0"/>
+          </a:p>
+        </p:txBody>
+      </p:sp>
+      <p:sp>
+        <p:nvSpPr>
+          <p:cNvPr id="4" name="文本框 3"/>
+          <p:cNvSpPr txBox="1"/>
+          <p:nvPr/>
+        </p:nvSpPr>
+        <p:spPr>
+          <a:xfrm>
+            <a:off x="2236548" y="136356"/>
+            <a:ext cx="6052718" cy="501650"/>
+          </a:xfrm>
+          <a:prstGeom prst="rect">
+            <a:avLst/>
+          </a:prstGeom>
+          <a:noFill/>
+        </p:spPr>
+        <p:txBody>
+          <a:bodyPr wrap="square" rtlCol="0">
+            <a:spAutoFit/>
+          </a:bodyPr>
+          <a:lstStyle/>
+          <a:p>
+            <a:endParaRPr lang="zh-CN" sz="2665" dirty="0">
+              <a:solidFill>
+                <a:srgbClr val="183A5D"/>
+              </a:solidFill>
+              <a:latin typeface="微软雅黑" panose="020B0503020204020204" pitchFamily="34" charset="-122"/>
+              <a:ea typeface="微软雅黑" panose="020B0503020204020204" pitchFamily="34" charset="-122"/>
+            </a:endParaRPr>
+          </a:p>
+        </p:txBody>
+      </p:sp>
+      <p:sp>
+        <p:nvSpPr>
+          <p:cNvPr id="6" name="文本框 5"/>
+          <p:cNvSpPr txBox="1"/>
+          <p:nvPr/>
+        </p:nvSpPr>
+        <p:spPr>
+          <a:xfrm>
+            <a:off x="2226388" y="159851"/>
+            <a:ext cx="6052718" cy="501650"/>
+          </a:xfrm>
+          <a:prstGeom prst="rect">
+            <a:avLst/>
+          </a:prstGeom>
+          <a:noFill/>
+        </p:spPr>
+        <p:txBody>
+          <a:bodyPr wrap="square" rtlCol="0">
+            <a:spAutoFit/>
+          </a:bodyPr>
+          <a:lstStyle/>
+          <a:p>
+            <a:r>
+              <a:rPr lang="zh-CN" altLang="en-US" sz="2665" dirty="0">
+                <a:solidFill>
+                  <a:srgbClr val="183A5D"/>
+                </a:solidFill>
+                <a:latin typeface="微软雅黑" panose="020B0503020204020204" pitchFamily="34" charset="-122"/>
+                <a:ea typeface="微软雅黑" panose="020B0503020204020204" pitchFamily="34" charset="-122"/>
+              </a:rPr>
+              <a:t>构件图</a:t>
+            </a:r>
+            <a:endParaRPr lang="zh-CN" sz="2665" dirty="0">
+              <a:solidFill>
+                <a:srgbClr val="183A5D"/>
+              </a:solidFill>
+              <a:latin typeface="微软雅黑" panose="020B0503020204020204" pitchFamily="34" charset="-122"/>
+              <a:ea typeface="微软雅黑" panose="020B0503020204020204" pitchFamily="34" charset="-122"/>
+            </a:endParaRPr>
+          </a:p>
+        </p:txBody>
+      </p:sp>
+      <p:grpSp>
+        <p:nvGrpSpPr>
+          <p:cNvPr id="10" name="组合 9"/>
+          <p:cNvGrpSpPr/>
+          <p:nvPr/>
+        </p:nvGrpSpPr>
+        <p:grpSpPr>
+          <a:xfrm>
+            <a:off x="236854" y="909515"/>
+            <a:ext cx="11546983" cy="5256336"/>
+            <a:chOff x="1285643" y="1772435"/>
+            <a:chExt cx="7135479" cy="3572664"/>
+          </a:xfrm>
+        </p:grpSpPr>
+        <p:sp>
+          <p:nvSpPr>
+            <p:cNvPr id="11" name="矩形 10"/>
+            <p:cNvSpPr/>
+            <p:nvPr/>
+          </p:nvSpPr>
+          <p:spPr>
+            <a:xfrm>
+              <a:off x="1285644" y="2104682"/>
+              <a:ext cx="7135478" cy="3240417"/>
+            </a:xfrm>
+            <a:prstGeom prst="rect">
+              <a:avLst/>
+            </a:prstGeom>
+            <a:noFill/>
+            <a:ln w="12700">
+              <a:solidFill>
+                <a:srgbClr val="346182"/>
+              </a:solidFill>
+            </a:ln>
+          </p:spPr>
+          <p:style>
+            <a:lnRef idx="2">
+              <a:schemeClr val="accent1">
+                <a:shade val="50000"/>
+              </a:schemeClr>
+            </a:lnRef>
+            <a:fillRef idx="1">
+              <a:schemeClr val="accent1"/>
+            </a:fillRef>
+            <a:effectRef idx="0">
+              <a:schemeClr val="accent1"/>
+            </a:effectRef>
+            <a:fontRef idx="minor">
+              <a:schemeClr val="lt1"/>
+            </a:fontRef>
+          </p:style>
+          <p:txBody>
+            <a:bodyPr rtlCol="0" anchor="ctr"/>
+            <a:lstStyle/>
+            <a:p>
+              <a:pPr algn="ctr"/>
+              <a:endParaRPr lang="zh-CN" altLang="en-US" sz="1350"/>
+            </a:p>
+          </p:txBody>
+        </p:sp>
+        <p:sp>
+          <p:nvSpPr>
+            <p:cNvPr id="12" name="矩形 11"/>
+            <p:cNvSpPr/>
+            <p:nvPr/>
+          </p:nvSpPr>
+          <p:spPr>
+            <a:xfrm>
+              <a:off x="1285643" y="1772435"/>
+              <a:ext cx="2114216" cy="338554"/>
+            </a:xfrm>
+            <a:prstGeom prst="rect">
+              <a:avLst/>
+            </a:prstGeom>
+            <a:solidFill>
+              <a:srgbClr val="183A5D"/>
+            </a:solidFill>
+            <a:ln>
+              <a:noFill/>
+            </a:ln>
+          </p:spPr>
+          <p:style>
+            <a:lnRef idx="2">
+              <a:schemeClr val="accent1">
+                <a:shade val="50000"/>
+              </a:schemeClr>
+            </a:lnRef>
+            <a:fillRef idx="1">
+              <a:schemeClr val="accent1"/>
+            </a:fillRef>
+            <a:effectRef idx="0">
+              <a:schemeClr val="accent1"/>
+            </a:effectRef>
+            <a:fontRef idx="minor">
+              <a:schemeClr val="lt1"/>
+            </a:fontRef>
+          </p:style>
+          <p:txBody>
+            <a:bodyPr rtlCol="0" anchor="ctr"/>
+            <a:lstStyle/>
+            <a:p>
+              <a:pPr algn="ctr"/>
+              <a:endParaRPr lang="zh-CN" altLang="en-US" sz="1350"/>
+            </a:p>
+          </p:txBody>
+        </p:sp>
+      </p:grpSp>
+      <p:sp>
+        <p:nvSpPr>
+          <p:cNvPr id="13" name="文本框 12"/>
+          <p:cNvSpPr txBox="1"/>
+          <p:nvPr/>
+        </p:nvSpPr>
+        <p:spPr>
+          <a:xfrm>
+            <a:off x="236854" y="981522"/>
+            <a:ext cx="1862831" cy="415498"/>
+          </a:xfrm>
+          <a:prstGeom prst="rect">
+            <a:avLst/>
+          </a:prstGeom>
+          <a:noFill/>
+        </p:spPr>
+        <p:txBody>
+          <a:bodyPr wrap="square" rtlCol="0">
+            <a:spAutoFit/>
+          </a:bodyPr>
+          <a:lstStyle/>
+          <a:p>
+            <a:r>
+              <a:rPr lang="zh-CN" altLang="en-US" dirty="0" smtClean="0">
+                <a:solidFill>
+                  <a:schemeClr val="bg1"/>
+                </a:solidFill>
+              </a:rPr>
+              <a:t>构件图示例</a:t>
+            </a:r>
+            <a:endParaRPr lang="zh-CN" altLang="en-US" dirty="0">
+              <a:solidFill>
+                <a:schemeClr val="bg1"/>
+              </a:solidFill>
+            </a:endParaRPr>
+          </a:p>
+        </p:txBody>
+      </p:sp>
+      <p:pic>
+        <p:nvPicPr>
+          <p:cNvPr id="5" name="图片 4"/>
+          <p:cNvPicPr>
+            <a:picLocks noChangeAspect="1"/>
+          </p:cNvPicPr>
+          <p:nvPr/>
+        </p:nvPicPr>
+        <p:blipFill>
+          <a:blip r:embed="rId2"/>
+          <a:stretch>
+            <a:fillRect/>
+          </a:stretch>
+        </p:blipFill>
+        <p:spPr>
+          <a:xfrm>
+            <a:off x="2270101" y="1485578"/>
+            <a:ext cx="7581900" cy="4391025"/>
+          </a:xfrm>
+          <a:prstGeom prst="rect">
+            <a:avLst/>
+          </a:prstGeom>
+        </p:spPr>
+      </p:pic>
+    </p:spTree>
+    <p:extLst>
+      <p:ext uri="{BB962C8B-B14F-4D97-AF65-F5344CB8AC3E}">
+        <p14:creationId xmlns:p14="http://schemas.microsoft.com/office/powerpoint/2010/main" val="212097549"/>
+      </p:ext>
+    </p:extLst>
+  </p:cSld>
+  <p:clrMapOvr>
+    <a:masterClrMapping/>
+  </p:clrMapOvr>
+  <p:transition spd="slow" advClick="0" advTm="0">
+    <p:wipe/>
+  </p:transition>
+  <p:timing>
+    <p:tnLst>
+      <p:par>
+        <p:cTn id="1" dur="indefinite" restart="never" nodeType="tmRoot"/>
+      </p:par>
+    </p:tnLst>
+  </p:timing>
+</p:sld>
+</file>
+
+<file path=ppt/slides/slide9.xml><?xml version="1.0" encoding="utf-8"?>
+<p:sld xmlns:a="http://schemas.openxmlformats.org/drawingml/2006/main" xmlns:r="http://schemas.openxmlformats.org/officeDocument/2006/relationships" xmlns:p="http://schemas.openxmlformats.org/presentationml/2006/main">
+  <p:cSld>
+    <p:spTree>
+      <p:nvGrpSpPr>
+        <p:cNvPr id="1" name=""/>
+        <p:cNvGrpSpPr/>
+        <p:nvPr/>
+      </p:nvGrpSpPr>
+      <p:grpSpPr>
+        <a:xfrm>
+          <a:off x="0" y="0"/>
+          <a:ext cx="0" cy="0"/>
+          <a:chOff x="0" y="0"/>
+          <a:chExt cx="0" cy="0"/>
+        </a:xfrm>
+      </p:grpSpPr>
+      <p:sp>
+        <p:nvSpPr>
+          <p:cNvPr id="2" name="矩形 1"/>
+          <p:cNvSpPr/>
+          <p:nvPr/>
+        </p:nvSpPr>
+        <p:spPr>
+          <a:xfrm>
+            <a:off x="237030" y="1171"/>
+            <a:ext cx="1608415" cy="135446"/>
+          </a:xfrm>
+          <a:prstGeom prst="rect">
+            <a:avLst/>
+          </a:prstGeom>
+          <a:solidFill>
+            <a:srgbClr val="183A5D"/>
+          </a:solidFill>
+          <a:ln>
+            <a:noFill/>
+          </a:ln>
+        </p:spPr>
+        <p:style>
+          <a:lnRef idx="2">
+            <a:schemeClr val="accent1">
+              <a:shade val="50000"/>
+            </a:schemeClr>
+          </a:lnRef>
+          <a:fillRef idx="1">
+            <a:schemeClr val="accent1"/>
+          </a:fillRef>
+          <a:effectRef idx="0">
+            <a:schemeClr val="accent1"/>
+          </a:effectRef>
+          <a:fontRef idx="minor">
+            <a:schemeClr val="lt1"/>
+          </a:fontRef>
+        </p:style>
+        <p:txBody>
+          <a:bodyPr rtlCol="0" anchor="ctr"/>
+          <a:lstStyle/>
+          <a:p>
+            <a:pPr algn="ctr"/>
+            <a:endParaRPr lang="zh-CN" altLang="en-US" sz="2800"/>
+          </a:p>
+        </p:txBody>
+      </p:sp>
+      <p:sp>
+        <p:nvSpPr>
+          <p:cNvPr id="3" name="矩形 2"/>
+          <p:cNvSpPr/>
+          <p:nvPr/>
+        </p:nvSpPr>
+        <p:spPr>
+          <a:xfrm>
+            <a:off x="237030" y="255131"/>
+            <a:ext cx="1608415" cy="406336"/>
+          </a:xfrm>
+          <a:prstGeom prst="rect">
+            <a:avLst/>
+          </a:prstGeom>
+          <a:solidFill>
+            <a:srgbClr val="183A5D"/>
+          </a:solidFill>
+          <a:ln>
+            <a:noFill/>
+          </a:ln>
+        </p:spPr>
+        <p:style>
+          <a:lnRef idx="2">
+            <a:schemeClr val="accent1">
+              <a:shade val="50000"/>
+            </a:schemeClr>
+          </a:lnRef>
+          <a:fillRef idx="1">
+            <a:schemeClr val="accent1"/>
+          </a:fillRef>
+          <a:effectRef idx="0">
+            <a:schemeClr val="accent1"/>
+          </a:effectRef>
+          <a:fontRef idx="minor">
+            <a:schemeClr val="lt1"/>
+          </a:fontRef>
+        </p:style>
+        <p:txBody>
+          <a:bodyPr rtlCol="0" anchor="ctr"/>
+          <a:lstStyle/>
+          <a:p>
+            <a:pPr algn="ctr"/>
+            <a:r>
+              <a:rPr lang="en-US" sz="2400" dirty="0" smtClean="0"/>
+              <a:t>1</a:t>
+            </a:r>
+            <a:endParaRPr lang="en-US" sz="2400" dirty="0"/>
+          </a:p>
+        </p:txBody>
+      </p:sp>
+      <p:sp>
+        <p:nvSpPr>
+          <p:cNvPr id="4" name="文本框 3"/>
+          <p:cNvSpPr txBox="1"/>
+          <p:nvPr/>
+        </p:nvSpPr>
+        <p:spPr>
+          <a:xfrm>
+            <a:off x="2236548" y="136356"/>
+            <a:ext cx="6052718" cy="501650"/>
+          </a:xfrm>
+          <a:prstGeom prst="rect">
+            <a:avLst/>
+          </a:prstGeom>
+          <a:noFill/>
+        </p:spPr>
+        <p:txBody>
+          <a:bodyPr wrap="square" rtlCol="0">
+            <a:spAutoFit/>
+          </a:bodyPr>
+          <a:lstStyle/>
+          <a:p>
+            <a:endParaRPr lang="zh-CN" sz="2665" dirty="0">
+              <a:solidFill>
+                <a:srgbClr val="183A5D"/>
+              </a:solidFill>
+              <a:latin typeface="微软雅黑" panose="020B0503020204020204" pitchFamily="34" charset="-122"/>
+              <a:ea typeface="微软雅黑" panose="020B0503020204020204" pitchFamily="34" charset="-122"/>
+            </a:endParaRPr>
+          </a:p>
+        </p:txBody>
+      </p:sp>
+      <p:sp>
+        <p:nvSpPr>
+          <p:cNvPr id="6" name="文本框 5"/>
+          <p:cNvSpPr txBox="1"/>
+          <p:nvPr/>
+        </p:nvSpPr>
+        <p:spPr>
+          <a:xfrm>
+            <a:off x="2226388" y="159851"/>
+            <a:ext cx="6052718" cy="501650"/>
+          </a:xfrm>
+          <a:prstGeom prst="rect">
+            <a:avLst/>
+          </a:prstGeom>
+          <a:noFill/>
+        </p:spPr>
+        <p:txBody>
+          <a:bodyPr wrap="square" rtlCol="0">
+            <a:spAutoFit/>
+          </a:bodyPr>
+          <a:lstStyle/>
+          <a:p>
+            <a:r>
+              <a:rPr lang="zh-CN" altLang="en-US" sz="2665" dirty="0">
+                <a:solidFill>
+                  <a:srgbClr val="183A5D"/>
+                </a:solidFill>
+                <a:latin typeface="微软雅黑" panose="020B0503020204020204" pitchFamily="34" charset="-122"/>
+                <a:ea typeface="微软雅黑" panose="020B0503020204020204" pitchFamily="34" charset="-122"/>
+              </a:rPr>
+              <a:t>构件图</a:t>
+            </a:r>
+            <a:endParaRPr lang="zh-CN" sz="2665" dirty="0">
+              <a:solidFill>
+                <a:srgbClr val="183A5D"/>
+              </a:solidFill>
+              <a:latin typeface="微软雅黑" panose="020B0503020204020204" pitchFamily="34" charset="-122"/>
+              <a:ea typeface="微软雅黑" panose="020B0503020204020204" pitchFamily="34" charset="-122"/>
+            </a:endParaRPr>
+          </a:p>
+        </p:txBody>
+      </p:sp>
+      <p:grpSp>
+        <p:nvGrpSpPr>
           <p:cNvPr id="7" name="组合 6"/>
           <p:cNvGrpSpPr/>
           <p:nvPr/>
@@ -7225,7 +12062,7 @@
           <p:spPr>
             <a:xfrm>
               <a:off x="546794" y="1923612"/>
-              <a:ext cx="6777864" cy="4184700"/>
+              <a:ext cx="6777864" cy="2893135"/>
             </a:xfrm>
             <a:prstGeom prst="rect">
               <a:avLst/>
@@ -7246,12 +12083,6 @@
                 </a:rPr>
                 <a:t>    </a:t>
               </a:r>
-              <a:endParaRPr lang="zh-CN" dirty="0">
-                <a:solidFill>
-                  <a:srgbClr val="000000"/>
-                </a:solidFill>
-                <a:latin typeface="Verdana" panose="020B0604030504040204" pitchFamily="34" charset="0"/>
-              </a:endParaRPr>
             </a:p>
             <a:p>
               <a:r>
@@ -7270,18 +12101,27 @@
                   </a:solidFill>
                   <a:latin typeface="Verdana" panose="020B0604030504040204" pitchFamily="34" charset="0"/>
                 </a:rPr>
-                <a:t>1.</a:t>
+                <a:t>1</a:t>
               </a:r>
               <a:r>
-                <a:rPr lang="zh-CN" sz="2800" dirty="0">
+                <a:rPr lang="en-US" altLang="zh-CN" sz="2800" dirty="0" smtClean="0">
                   <a:solidFill>
                     <a:srgbClr val="000000"/>
                   </a:solidFill>
                   <a:latin typeface="Verdana" panose="020B0604030504040204" pitchFamily="34" charset="0"/>
                 </a:rPr>
-                <a:t>少时诵诗书所所所所所所</a:t>
+                <a:t>.</a:t>
               </a:r>
-              <a:endParaRPr lang="zh-CN" sz="2800" dirty="0">
+              <a:r>
+                <a:rPr lang="zh-CN" altLang="en-US" sz="2800" dirty="0" smtClean="0">
+                  <a:solidFill>
+                    <a:srgbClr val="000000"/>
+                  </a:solidFill>
+                  <a:latin typeface="Verdana" panose="020B0604030504040204" pitchFamily="34" charset="0"/>
+                </a:rPr>
+                <a:t>什么是构件图？</a:t>
+              </a:r>
+              <a:endParaRPr lang="en-US" altLang="zh-CN" sz="2800" dirty="0" smtClean="0">
                 <a:solidFill>
                   <a:srgbClr val="000000"/>
                 </a:solidFill>
@@ -7305,64 +12145,38 @@
                   <a:latin typeface="Verdana" panose="020B0604030504040204" pitchFamily="34" charset="0"/>
                   <a:sym typeface="+mn-ea"/>
                 </a:rPr>
-                <a:t>   2.</a:t>
+                <a:t>   2</a:t>
               </a:r>
               <a:r>
-                <a:rPr lang="zh-CN" sz="2800" dirty="0">
+                <a:rPr lang="en-US" altLang="zh-CN" sz="2800" dirty="0" smtClean="0">
                   <a:solidFill>
                     <a:srgbClr val="000000"/>
                   </a:solidFill>
                   <a:latin typeface="Verdana" panose="020B0604030504040204" pitchFamily="34" charset="0"/>
                   <a:sym typeface="+mn-ea"/>
                 </a:rPr>
-                <a:t>少时诵诗书所所所所所所</a:t>
+                <a:t>.</a:t>
               </a:r>
-              <a:endParaRPr lang="zh-CN" sz="2800" dirty="0">
-                <a:solidFill>
-                  <a:srgbClr val="000000"/>
-                </a:solidFill>
-                <a:latin typeface="Verdana" panose="020B0604030504040204" pitchFamily="34" charset="0"/>
-                <a:sym typeface="+mn-ea"/>
-              </a:endParaRPr>
-            </a:p>
-            <a:p>
-              <a:endParaRPr lang="zh-CN" sz="2800" dirty="0">
-                <a:solidFill>
-                  <a:srgbClr val="000000"/>
-                </a:solidFill>
-                <a:latin typeface="Verdana" panose="020B0604030504040204" pitchFamily="34" charset="0"/>
-                <a:sym typeface="+mn-ea"/>
-              </a:endParaRPr>
-            </a:p>
-            <a:p>
               <a:r>
-                <a:rPr lang="en-US" altLang="zh-CN" sz="2800" dirty="0">
+                <a:rPr lang="zh-CN" altLang="en-US" sz="2800" dirty="0" smtClean="0">
                   <a:solidFill>
                     <a:srgbClr val="000000"/>
                   </a:solidFill>
                   <a:latin typeface="Verdana" panose="020B0604030504040204" pitchFamily="34" charset="0"/>
                   <a:sym typeface="+mn-ea"/>
                 </a:rPr>
-                <a:t>   3.</a:t>
+                <a:t>构件图的组成部分有</a:t>
               </a:r>
               <a:r>
-                <a:rPr lang="zh-CN" sz="2800" dirty="0">
+                <a:rPr lang="zh-CN" altLang="en-US" sz="2800" smtClean="0">
                   <a:solidFill>
                     <a:srgbClr val="000000"/>
                   </a:solidFill>
                   <a:latin typeface="Verdana" panose="020B0604030504040204" pitchFamily="34" charset="0"/>
                   <a:sym typeface="+mn-ea"/>
                 </a:rPr>
-                <a:t>少时诵诗书所所所所所所</a:t>
+                <a:t>哪些？</a:t>
               </a:r>
-              <a:endParaRPr lang="zh-CN" sz="2800" dirty="0">
-                <a:solidFill>
-                  <a:srgbClr val="000000"/>
-                </a:solidFill>
-                <a:latin typeface="Verdana" panose="020B0604030504040204" pitchFamily="34" charset="0"/>
-              </a:endParaRPr>
-            </a:p>
-            <a:p>
               <a:endParaRPr lang="zh-CN" sz="2800" dirty="0">
                 <a:solidFill>
                   <a:srgbClr val="000000"/>
@@ -7523,7 +12337,7 @@
           <p:nvPr/>
         </p:nvPicPr>
         <p:blipFill>
-          <a:blip r:embed="rId1"/>
+          <a:blip r:embed="rId2"/>
           <a:stretch>
             <a:fillRect/>
           </a:stretch>
@@ -7558,6 +12372,7 @@
           <a:bodyPr wrap="square" rtlCol="0">
             <a:spAutoFit/>
           </a:bodyPr>
+          <a:lstStyle/>
           <a:p>
             <a:r>
               <a:rPr lang="zh-CN" altLang="en-US">
@@ -7567,11 +12382,6 @@
               </a:rPr>
               <a:t>提问</a:t>
             </a:r>
-            <a:endParaRPr lang="zh-CN" altLang="en-US">
-              <a:solidFill>
-                <a:schemeClr val="bg1"/>
-              </a:solidFill>
-            </a:endParaRPr>
           </a:p>
         </p:txBody>
       </p:sp>
@@ -7589,3238 +12399,6 @@
         <p:cTn id="1" dur="indefinite" restart="never" nodeType="tmRoot"/>
       </p:par>
     </p:tnLst>
-  </p:timing>
-</p:sld>
-</file>
-
-<file path=ppt/slides/slide7.xml><?xml version="1.0" encoding="utf-8"?>
-<p:sld xmlns:a="http://schemas.openxmlformats.org/drawingml/2006/main" xmlns:r="http://schemas.openxmlformats.org/officeDocument/2006/relationships" xmlns:p="http://schemas.openxmlformats.org/presentationml/2006/main">
-  <p:cSld>
-    <p:spTree>
-      <p:nvGrpSpPr>
-        <p:cNvPr id="1" name=""/>
-        <p:cNvGrpSpPr/>
-        <p:nvPr/>
-      </p:nvGrpSpPr>
-      <p:grpSpPr>
-        <a:xfrm>
-          <a:off x="0" y="0"/>
-          <a:ext cx="0" cy="0"/>
-          <a:chOff x="0" y="0"/>
-          <a:chExt cx="0" cy="0"/>
-        </a:xfrm>
-      </p:grpSpPr>
-      <p:sp>
-        <p:nvSpPr>
-          <p:cNvPr id="36" name="矩形 35"/>
-          <p:cNvSpPr/>
-          <p:nvPr/>
-        </p:nvSpPr>
-        <p:spPr>
-          <a:xfrm>
-            <a:off x="-106680" y="0"/>
-            <a:ext cx="2938780" cy="6859270"/>
-          </a:xfrm>
-          <a:prstGeom prst="rect">
-            <a:avLst/>
-          </a:prstGeom>
-          <a:solidFill>
-            <a:srgbClr val="38B1BF"/>
-          </a:solidFill>
-          <a:ln>
-            <a:noFill/>
-          </a:ln>
-          <a:effectLst>
-            <a:outerShdw blurRad="50800" dist="38100" dir="2700000" algn="tl" rotWithShape="0">
-              <a:prstClr val="black">
-                <a:alpha val="40000"/>
-              </a:prstClr>
-            </a:outerShdw>
-          </a:effectLst>
-          <a:scene3d>
-            <a:camera prst="orthographicFront"/>
-            <a:lightRig rig="threePt" dir="t"/>
-          </a:scene3d>
-          <a:sp3d/>
-        </p:spPr>
-        <p:style>
-          <a:lnRef idx="1">
-            <a:schemeClr val="accent1"/>
-          </a:lnRef>
-          <a:fillRef idx="0">
-            <a:schemeClr val="accent1"/>
-          </a:fillRef>
-          <a:effectRef idx="0">
-            <a:schemeClr val="accent1"/>
-          </a:effectRef>
-          <a:fontRef idx="minor">
-            <a:schemeClr val="tx1"/>
-          </a:fontRef>
-        </p:style>
-        <p:txBody>
-          <a:bodyPr rot="0" spcFirstLastPara="0" vertOverflow="overflow" horzOverflow="overflow" vert="horz" wrap="square" lIns="91440" tIns="45720" rIns="91440" bIns="45720" numCol="1" spcCol="0" rtlCol="0" fromWordArt="0" anchor="ctr" anchorCtr="0" forceAA="0" compatLnSpc="1">
-            <a:noAutofit/>
-          </a:bodyPr>
-          <a:lstStyle/>
-          <a:p>
-            <a:pPr algn="ctr"/>
-            <a:endParaRPr lang="zh-CN" altLang="en-US"/>
-          </a:p>
-        </p:txBody>
-      </p:sp>
-      <p:sp>
-        <p:nvSpPr>
-          <p:cNvPr id="37" name="TextBox 36"/>
-          <p:cNvSpPr txBox="1"/>
-          <p:nvPr/>
-        </p:nvSpPr>
-        <p:spPr>
-          <a:xfrm>
-            <a:off x="-276651" y="2922512"/>
-            <a:ext cx="2808312" cy="614045"/>
-          </a:xfrm>
-          <a:prstGeom prst="rect">
-            <a:avLst/>
-          </a:prstGeom>
-          <a:noFill/>
-        </p:spPr>
-        <p:txBody>
-          <a:bodyPr wrap="square" lIns="121948" tIns="60973" rIns="121948" bIns="60973">
-            <a:spAutoFit/>
-          </a:bodyPr>
-          <a:lstStyle/>
-          <a:p>
-            <a:pPr algn="r">
-              <a:defRPr/>
-            </a:pPr>
-            <a:r>
-              <a:rPr lang="zh-CN" altLang="en-US" sz="3200" b="1" dirty="0" smtClean="0">
-                <a:solidFill>
-                  <a:schemeClr val="bg1"/>
-                </a:solidFill>
-                <a:latin typeface="微软雅黑" panose="020B0503020204020204" pitchFamily="34" charset="-122"/>
-                <a:ea typeface="微软雅黑" panose="020B0503020204020204" pitchFamily="34" charset="-122"/>
-              </a:rPr>
-              <a:t>参考文献</a:t>
-            </a:r>
-            <a:endParaRPr lang="zh-CN" sz="3200" b="1" dirty="0">
-              <a:solidFill>
-                <a:schemeClr val="bg1"/>
-              </a:solidFill>
-              <a:latin typeface="微软雅黑" panose="020B0503020204020204" pitchFamily="34" charset="-122"/>
-              <a:ea typeface="微软雅黑" panose="020B0503020204020204" pitchFamily="34" charset="-122"/>
-            </a:endParaRPr>
-          </a:p>
-        </p:txBody>
-      </p:sp>
-      <p:sp>
-        <p:nvSpPr>
-          <p:cNvPr id="2" name="文本框 1"/>
-          <p:cNvSpPr txBox="1"/>
-          <p:nvPr/>
-        </p:nvSpPr>
-        <p:spPr>
-          <a:xfrm>
-            <a:off x="3048606" y="693490"/>
-            <a:ext cx="9141807" cy="2861310"/>
-          </a:xfrm>
-          <a:prstGeom prst="rect">
-            <a:avLst/>
-          </a:prstGeom>
-          <a:noFill/>
-        </p:spPr>
-        <p:txBody>
-          <a:bodyPr wrap="square" rtlCol="0">
-            <a:spAutoFit/>
-          </a:bodyPr>
-          <a:lstStyle/>
-          <a:p>
-            <a:r>
-              <a:rPr lang="en-US" altLang="zh-CN" sz="1800" dirty="0" smtClean="0"/>
-              <a:t>[1]</a:t>
-            </a:r>
-            <a:r>
-              <a:rPr lang="zh-CN" altLang="en-US" sz="1800" dirty="0" smtClean="0"/>
-              <a:t> </a:t>
-            </a:r>
-            <a:r>
-              <a:rPr lang="en-US" altLang="zh-CN" sz="1800" dirty="0" smtClean="0"/>
-              <a:t>UML</a:t>
-            </a:r>
-            <a:r>
-              <a:rPr lang="zh-CN" altLang="en-US" sz="1800" dirty="0" smtClean="0"/>
-              <a:t>用户指南</a:t>
-            </a:r>
-            <a:r>
-              <a:rPr lang="en-US" altLang="zh-CN" sz="1800" dirty="0" smtClean="0"/>
-              <a:t>(</a:t>
-            </a:r>
-            <a:r>
-              <a:rPr lang="zh-CN" altLang="en-US" sz="1800" dirty="0" smtClean="0"/>
-              <a:t>第</a:t>
-            </a:r>
-            <a:r>
-              <a:rPr lang="en-US" altLang="zh-CN" sz="1800" dirty="0" smtClean="0"/>
-              <a:t>2</a:t>
-            </a:r>
-            <a:r>
-              <a:rPr lang="zh-CN" altLang="en-US" sz="1800" dirty="0" smtClean="0"/>
-              <a:t>版</a:t>
-            </a:r>
-            <a:r>
-              <a:rPr lang="en-US" altLang="zh-CN" sz="1800" dirty="0" smtClean="0"/>
-              <a:t>·</a:t>
-            </a:r>
-            <a:r>
-              <a:rPr lang="zh-CN" altLang="en-US" sz="1800" dirty="0" smtClean="0"/>
-              <a:t>修订版</a:t>
-            </a:r>
-            <a:r>
-              <a:rPr lang="en-US" altLang="zh-CN" sz="1800" dirty="0" smtClean="0"/>
-              <a:t>)(</a:t>
-            </a:r>
-            <a:r>
-              <a:rPr lang="zh-CN" altLang="en-US" sz="1800" dirty="0" smtClean="0"/>
-              <a:t>作者</a:t>
-            </a:r>
-            <a:r>
-              <a:rPr lang="en-US" altLang="zh-CN" sz="1800" dirty="0"/>
-              <a:t>:Grady </a:t>
-            </a:r>
-            <a:r>
-              <a:rPr lang="en-US" altLang="zh-CN" sz="1800" dirty="0" err="1" smtClean="0"/>
-              <a:t>Booch</a:t>
-            </a:r>
-            <a:r>
-              <a:rPr lang="zh-CN" altLang="en-US" sz="1800" dirty="0" smtClean="0"/>
-              <a:t>等</a:t>
-            </a:r>
-            <a:r>
-              <a:rPr lang="en-US" altLang="zh-CN" sz="1800" dirty="0" smtClean="0"/>
-              <a:t>)	</a:t>
-            </a:r>
-            <a:r>
-              <a:rPr lang="zh-CN" altLang="en-US" sz="1800" dirty="0" smtClean="0"/>
-              <a:t>人民</a:t>
-            </a:r>
-            <a:r>
-              <a:rPr lang="zh-CN" altLang="en-US" sz="1800" dirty="0"/>
-              <a:t>邮电</a:t>
-            </a:r>
-            <a:r>
-              <a:rPr lang="zh-CN" altLang="en-US" sz="1800" dirty="0" smtClean="0"/>
-              <a:t>出版社</a:t>
-            </a:r>
-            <a:endParaRPr lang="en-US" altLang="zh-CN" sz="1800" dirty="0" smtClean="0"/>
-          </a:p>
-          <a:p>
-            <a:endParaRPr lang="en-US" altLang="zh-CN" sz="1800" dirty="0" smtClean="0"/>
-          </a:p>
-          <a:p>
-            <a:r>
-              <a:rPr lang="en-US" altLang="zh-CN" sz="1800" dirty="0" smtClean="0"/>
-              <a:t>[2]</a:t>
-            </a:r>
-            <a:r>
-              <a:rPr lang="zh-CN" altLang="en-US" sz="1800" dirty="0"/>
-              <a:t> </a:t>
-            </a:r>
-            <a:r>
-              <a:rPr lang="en-US" altLang="zh-CN" sz="1800" dirty="0"/>
-              <a:t>UML2</a:t>
-            </a:r>
-            <a:r>
-              <a:rPr lang="zh-CN" altLang="en-US" sz="1800" dirty="0"/>
-              <a:t>基础、建模与设计</a:t>
-            </a:r>
-            <a:r>
-              <a:rPr lang="zh-CN" altLang="en-US" sz="1800" dirty="0" smtClean="0"/>
-              <a:t>教程</a:t>
-            </a:r>
-            <a:r>
-              <a:rPr lang="en-US" altLang="zh-CN" sz="1800" dirty="0"/>
-              <a:t>(</a:t>
-            </a:r>
-            <a:r>
-              <a:rPr lang="zh-CN" altLang="en-US" sz="1800" dirty="0" smtClean="0"/>
-              <a:t>作者</a:t>
-            </a:r>
-            <a:r>
-              <a:rPr lang="en-US" altLang="zh-CN" sz="1800" dirty="0" smtClean="0"/>
-              <a:t>:</a:t>
-            </a:r>
-            <a:r>
-              <a:rPr lang="zh-CN" altLang="en-US" sz="1800" dirty="0" smtClean="0"/>
-              <a:t>杨弘平等</a:t>
-            </a:r>
-            <a:r>
-              <a:rPr lang="en-US" altLang="zh-CN" sz="1800" dirty="0" smtClean="0"/>
-              <a:t>)	</a:t>
-            </a:r>
-            <a:r>
-              <a:rPr lang="zh-CN" altLang="en-US" sz="1800" dirty="0" smtClean="0"/>
-              <a:t>清华大学出版社</a:t>
-            </a:r>
-            <a:endParaRPr lang="en-US" altLang="zh-CN" sz="1800" dirty="0"/>
-          </a:p>
-          <a:p>
-            <a:endParaRPr lang="zh-CN" altLang="en-US" sz="1800" dirty="0"/>
-          </a:p>
-          <a:p>
-            <a:r>
-              <a:rPr lang="en-US" altLang="zh-CN" sz="1800" dirty="0" smtClean="0">
-                <a:sym typeface="+mn-ea"/>
-              </a:rPr>
-              <a:t>[3]</a:t>
-            </a:r>
-            <a:r>
-              <a:rPr lang="zh-CN" altLang="en-US" sz="1800" dirty="0">
-                <a:sym typeface="+mn-ea"/>
-              </a:rPr>
-              <a:t>《软件需求（第三版）》美</a:t>
-            </a:r>
-            <a:r>
-              <a:rPr lang="en-US" altLang="zh-CN" sz="1800" dirty="0">
-                <a:sym typeface="+mn-ea"/>
-              </a:rPr>
-              <a:t>KARL WIEGERS ,JOY BEATTY</a:t>
-            </a:r>
-            <a:endParaRPr lang="en-US" altLang="zh-CN" sz="1800" dirty="0" smtClean="0">
-              <a:sym typeface="+mn-ea"/>
-            </a:endParaRPr>
-          </a:p>
-          <a:p>
-            <a:endParaRPr lang="en-US" altLang="zh-CN" sz="1800" dirty="0" smtClean="0">
-              <a:sym typeface="+mn-ea"/>
-            </a:endParaRPr>
-          </a:p>
-          <a:p>
-            <a:endParaRPr lang="zh-CN" altLang="en-US" sz="1800" dirty="0"/>
-          </a:p>
-          <a:p>
-            <a:endParaRPr lang="en-US" altLang="zh-CN" sz="1800" dirty="0">
-              <a:solidFill>
-                <a:schemeClr val="tx1"/>
-              </a:solidFill>
-              <a:effectLst>
-                <a:outerShdw blurRad="38100" dist="19050" dir="2700000" algn="tl" rotWithShape="0">
-                  <a:schemeClr val="dk1">
-                    <a:alpha val="40000"/>
-                  </a:schemeClr>
-                </a:outerShdw>
-              </a:effectLst>
-            </a:endParaRPr>
-          </a:p>
-          <a:p>
-            <a:endParaRPr lang="en-US" altLang="zh-CN" sz="1800" dirty="0" smtClean="0"/>
-          </a:p>
-          <a:p>
-            <a:endParaRPr lang="zh-CN" altLang="en-US" sz="1800" dirty="0"/>
-          </a:p>
-        </p:txBody>
-      </p:sp>
-    </p:spTree>
-  </p:cSld>
-  <p:clrMapOvr>
-    <a:masterClrMapping/>
-  </p:clrMapOvr>
-  <mc:AlternateContent xmlns:mc="http://schemas.openxmlformats.org/markup-compatibility/2006">
-    <mc:Choice xmlns:p14="http://schemas.microsoft.com/office/powerpoint/2010/main" Requires="p14">
-      <p:transition spd="slow" p14:dur="1200" advClick="0" advTm="0">
-        <p14:prism/>
-      </p:transition>
-    </mc:Choice>
-    <mc:Fallback>
-      <p:transition spd="slow" advClick="0" advTm="0">
-        <p:fade/>
-      </p:transition>
-    </mc:Fallback>
-  </mc:AlternateContent>
-  <p:timing>
-    <p:tnLst>
-      <p:par>
-        <p:cTn id="1" dur="indefinite" restart="never" nodeType="tmRoot">
-          <p:childTnLst>
-            <p:seq concurrent="1" nextAc="seek">
-              <p:cTn id="2" dur="indefinite" nodeType="mainSeq">
-                <p:childTnLst>
-                  <p:par>
-                    <p:cTn id="3" fill="hold">
-                      <p:stCondLst>
-                        <p:cond delay="indefinite"/>
-                        <p:cond evt="onBegin" delay="0">
-                          <p:tn val="2"/>
-                        </p:cond>
-                      </p:stCondLst>
-                      <p:childTnLst>
-                        <p:par>
-                          <p:cTn id="4" fill="hold">
-                            <p:stCondLst>
-                              <p:cond delay="0"/>
-                            </p:stCondLst>
-                            <p:childTnLst>
-                              <p:par>
-                                <p:cTn id="5" presetID="2" presetClass="entr" presetSubtype="8" fill="hold" grpId="0" nodeType="afterEffect">
-                                  <p:stCondLst>
-                                    <p:cond delay="0"/>
-                                  </p:stCondLst>
-                                  <p:childTnLst>
-                                    <p:set>
-                                      <p:cBhvr>
-                                        <p:cTn id="6" dur="1" fill="hold">
-                                          <p:stCondLst>
-                                            <p:cond delay="0"/>
-                                          </p:stCondLst>
-                                        </p:cTn>
-                                        <p:tgtEl>
-                                          <p:spTgt spid="36"/>
-                                        </p:tgtEl>
-                                        <p:attrNameLst>
-                                          <p:attrName>style.visibility</p:attrName>
-                                        </p:attrNameLst>
-                                      </p:cBhvr>
-                                      <p:to>
-                                        <p:strVal val="visible"/>
-                                      </p:to>
-                                    </p:set>
-                                    <p:anim calcmode="lin" valueType="num">
-                                      <p:cBhvr additive="base">
-                                        <p:cTn id="7" dur="500" fill="hold"/>
-                                        <p:tgtEl>
-                                          <p:spTgt spid="36"/>
-                                        </p:tgtEl>
-                                        <p:attrNameLst>
-                                          <p:attrName>ppt_x</p:attrName>
-                                        </p:attrNameLst>
-                                      </p:cBhvr>
-                                      <p:tavLst>
-                                        <p:tav tm="0">
-                                          <p:val>
-                                            <p:strVal val="0-#ppt_w/2"/>
-                                          </p:val>
-                                        </p:tav>
-                                        <p:tav tm="100000">
-                                          <p:val>
-                                            <p:strVal val="#ppt_x"/>
-                                          </p:val>
-                                        </p:tav>
-                                      </p:tavLst>
-                                    </p:anim>
-                                    <p:anim calcmode="lin" valueType="num">
-                                      <p:cBhvr additive="base">
-                                        <p:cTn id="8" dur="500" fill="hold"/>
-                                        <p:tgtEl>
-                                          <p:spTgt spid="36"/>
-                                        </p:tgtEl>
-                                        <p:attrNameLst>
-                                          <p:attrName>ppt_y</p:attrName>
-                                        </p:attrNameLst>
-                                      </p:cBhvr>
-                                      <p:tavLst>
-                                        <p:tav tm="0">
-                                          <p:val>
-                                            <p:strVal val="#ppt_y"/>
-                                          </p:val>
-                                        </p:tav>
-                                        <p:tav tm="100000">
-                                          <p:val>
-                                            <p:strVal val="#ppt_y"/>
-                                          </p:val>
-                                        </p:tav>
-                                      </p:tavLst>
-                                    </p:anim>
-                                  </p:childTnLst>
-                                </p:cTn>
-                              </p:par>
-                            </p:childTnLst>
-                          </p:cTn>
-                        </p:par>
-                        <p:par>
-                          <p:cTn id="9" fill="hold">
-                            <p:stCondLst>
-                              <p:cond delay="500"/>
-                            </p:stCondLst>
-                            <p:childTnLst>
-                              <p:par>
-                                <p:cTn id="10" presetID="17" presetClass="entr" presetSubtype="1" fill="hold" grpId="0" nodeType="afterEffect">
-                                  <p:stCondLst>
-                                    <p:cond delay="0"/>
-                                  </p:stCondLst>
-                                  <p:iterate type="lt">
-                                    <p:tmPct val="40000"/>
-                                  </p:iterate>
-                                  <p:childTnLst>
-                                    <p:set>
-                                      <p:cBhvr>
-                                        <p:cTn id="11" dur="1" fill="hold">
-                                          <p:stCondLst>
-                                            <p:cond delay="0"/>
-                                          </p:stCondLst>
-                                        </p:cTn>
-                                        <p:tgtEl>
-                                          <p:spTgt spid="37"/>
-                                        </p:tgtEl>
-                                        <p:attrNameLst>
-                                          <p:attrName>style.visibility</p:attrName>
-                                        </p:attrNameLst>
-                                      </p:cBhvr>
-                                      <p:to>
-                                        <p:strVal val="visible"/>
-                                      </p:to>
-                                    </p:set>
-                                    <p:anim calcmode="lin" valueType="num">
-                                      <p:cBhvr>
-                                        <p:cTn id="12" dur="250" fill="hold"/>
-                                        <p:tgtEl>
-                                          <p:spTgt spid="37"/>
-                                        </p:tgtEl>
-                                        <p:attrNameLst>
-                                          <p:attrName>ppt_x</p:attrName>
-                                        </p:attrNameLst>
-                                      </p:cBhvr>
-                                      <p:tavLst>
-                                        <p:tav tm="0">
-                                          <p:val>
-                                            <p:strVal val="#ppt_x"/>
-                                          </p:val>
-                                        </p:tav>
-                                        <p:tav tm="100000">
-                                          <p:val>
-                                            <p:strVal val="#ppt_x"/>
-                                          </p:val>
-                                        </p:tav>
-                                      </p:tavLst>
-                                    </p:anim>
-                                    <p:anim calcmode="lin" valueType="num">
-                                      <p:cBhvr>
-                                        <p:cTn id="13" dur="250" fill="hold"/>
-                                        <p:tgtEl>
-                                          <p:spTgt spid="37"/>
-                                        </p:tgtEl>
-                                        <p:attrNameLst>
-                                          <p:attrName>ppt_y</p:attrName>
-                                        </p:attrNameLst>
-                                      </p:cBhvr>
-                                      <p:tavLst>
-                                        <p:tav tm="0">
-                                          <p:val>
-                                            <p:strVal val="#ppt_y-#ppt_h/2"/>
-                                          </p:val>
-                                        </p:tav>
-                                        <p:tav tm="100000">
-                                          <p:val>
-                                            <p:strVal val="#ppt_y"/>
-                                          </p:val>
-                                        </p:tav>
-                                      </p:tavLst>
-                                    </p:anim>
-                                    <p:anim calcmode="lin" valueType="num">
-                                      <p:cBhvr>
-                                        <p:cTn id="14" dur="250" fill="hold"/>
-                                        <p:tgtEl>
-                                          <p:spTgt spid="37"/>
-                                        </p:tgtEl>
-                                        <p:attrNameLst>
-                                          <p:attrName>ppt_w</p:attrName>
-                                        </p:attrNameLst>
-                                      </p:cBhvr>
-                                      <p:tavLst>
-                                        <p:tav tm="0">
-                                          <p:val>
-                                            <p:strVal val="#ppt_w"/>
-                                          </p:val>
-                                        </p:tav>
-                                        <p:tav tm="100000">
-                                          <p:val>
-                                            <p:strVal val="#ppt_w"/>
-                                          </p:val>
-                                        </p:tav>
-                                      </p:tavLst>
-                                    </p:anim>
-                                    <p:anim calcmode="lin" valueType="num">
-                                      <p:cBhvr>
-                                        <p:cTn id="15" dur="250" fill="hold"/>
-                                        <p:tgtEl>
-                                          <p:spTgt spid="37"/>
-                                        </p:tgtEl>
-                                        <p:attrNameLst>
-                                          <p:attrName>ppt_h</p:attrName>
-                                        </p:attrNameLst>
-                                      </p:cBhvr>
-                                      <p:tavLst>
-                                        <p:tav tm="0">
-                                          <p:val>
-                                            <p:fltVal val="0"/>
-                                          </p:val>
-                                        </p:tav>
-                                        <p:tav tm="100000">
-                                          <p:val>
-                                            <p:strVal val="#ppt_h"/>
-                                          </p:val>
-                                        </p:tav>
-                                      </p:tavLst>
-                                    </p:anim>
-                                  </p:childTnLst>
-                                </p:cTn>
-                              </p:par>
-                            </p:childTnLst>
-                          </p:cTn>
-                        </p:par>
-                      </p:childTnLst>
-                    </p:cTn>
-                  </p:par>
-                </p:childTnLst>
-              </p:cTn>
-              <p:prevCondLst>
-                <p:cond evt="onPrev" delay="0">
-                  <p:tgtEl>
-                    <p:sldTgt/>
-                  </p:tgtEl>
-                </p:cond>
-              </p:prevCondLst>
-              <p:nextCondLst>
-                <p:cond evt="onNext" delay="0">
-                  <p:tgtEl>
-                    <p:sldTgt/>
-                  </p:tgtEl>
-                </p:cond>
-              </p:nextCondLst>
-            </p:seq>
-          </p:childTnLst>
-        </p:cTn>
-      </p:par>
-    </p:tnLst>
-    <p:bldLst>
-      <p:bldP spid="36" grpId="0" bldLvl="0" animBg="1"/>
-      <p:bldP spid="37" grpId="0"/>
-    </p:bldLst>
-  </p:timing>
-</p:sld>
-</file>
-
-<file path=ppt/slides/slide8.xml><?xml version="1.0" encoding="utf-8"?>
-<p:sld xmlns:a="http://schemas.openxmlformats.org/drawingml/2006/main" xmlns:r="http://schemas.openxmlformats.org/officeDocument/2006/relationships" xmlns:p="http://schemas.openxmlformats.org/presentationml/2006/main">
-  <p:cSld>
-    <p:spTree>
-      <p:nvGrpSpPr>
-        <p:cNvPr id="1" name=""/>
-        <p:cNvGrpSpPr/>
-        <p:nvPr/>
-      </p:nvGrpSpPr>
-      <p:grpSpPr>
-        <a:xfrm>
-          <a:off x="0" y="0"/>
-          <a:ext cx="0" cy="0"/>
-          <a:chOff x="0" y="0"/>
-          <a:chExt cx="0" cy="0"/>
-        </a:xfrm>
-      </p:grpSpPr>
-      <p:sp>
-        <p:nvSpPr>
-          <p:cNvPr id="36" name="矩形 35"/>
-          <p:cNvSpPr/>
-          <p:nvPr/>
-        </p:nvSpPr>
-        <p:spPr>
-          <a:xfrm>
-            <a:off x="-106680" y="0"/>
-            <a:ext cx="2938780" cy="6859270"/>
-          </a:xfrm>
-          <a:prstGeom prst="rect">
-            <a:avLst/>
-          </a:prstGeom>
-          <a:solidFill>
-            <a:srgbClr val="38B1BF"/>
-          </a:solidFill>
-          <a:ln>
-            <a:noFill/>
-          </a:ln>
-          <a:effectLst>
-            <a:outerShdw blurRad="50800" dist="38100" dir="2700000" algn="tl" rotWithShape="0">
-              <a:prstClr val="black">
-                <a:alpha val="40000"/>
-              </a:prstClr>
-            </a:outerShdw>
-          </a:effectLst>
-          <a:scene3d>
-            <a:camera prst="orthographicFront"/>
-            <a:lightRig rig="threePt" dir="t"/>
-          </a:scene3d>
-          <a:sp3d/>
-        </p:spPr>
-        <p:style>
-          <a:lnRef idx="1">
-            <a:schemeClr val="accent1"/>
-          </a:lnRef>
-          <a:fillRef idx="0">
-            <a:schemeClr val="accent1"/>
-          </a:fillRef>
-          <a:effectRef idx="0">
-            <a:schemeClr val="accent1"/>
-          </a:effectRef>
-          <a:fontRef idx="minor">
-            <a:schemeClr val="tx1"/>
-          </a:fontRef>
-        </p:style>
-        <p:txBody>
-          <a:bodyPr rot="0" spcFirstLastPara="0" vertOverflow="overflow" horzOverflow="overflow" vert="horz" wrap="square" lIns="91440" tIns="45720" rIns="91440" bIns="45720" numCol="1" spcCol="0" rtlCol="0" fromWordArt="0" anchor="ctr" anchorCtr="0" forceAA="0" compatLnSpc="1">
-            <a:noAutofit/>
-          </a:bodyPr>
-          <a:lstStyle/>
-          <a:p>
-            <a:pPr algn="ctr"/>
-            <a:endParaRPr lang="zh-CN" altLang="en-US"/>
-          </a:p>
-        </p:txBody>
-      </p:sp>
-      <p:sp>
-        <p:nvSpPr>
-          <p:cNvPr id="37" name="TextBox 36"/>
-          <p:cNvSpPr txBox="1"/>
-          <p:nvPr/>
-        </p:nvSpPr>
-        <p:spPr>
-          <a:xfrm>
-            <a:off x="311150" y="2922270"/>
-            <a:ext cx="2220595" cy="1106805"/>
-          </a:xfrm>
-          <a:prstGeom prst="rect">
-            <a:avLst/>
-          </a:prstGeom>
-          <a:noFill/>
-        </p:spPr>
-        <p:txBody>
-          <a:bodyPr wrap="square" lIns="121948" tIns="60973" rIns="121948" bIns="60973">
-            <a:spAutoFit/>
-          </a:bodyPr>
-          <a:lstStyle/>
-          <a:p>
-            <a:pPr algn="r">
-              <a:defRPr/>
-            </a:pPr>
-            <a:r>
-              <a:rPr lang="zh-CN" altLang="en-US" sz="3200" b="1" dirty="0" smtClean="0">
-                <a:solidFill>
-                  <a:schemeClr val="bg1"/>
-                </a:solidFill>
-                <a:latin typeface="微软雅黑" panose="020B0503020204020204" pitchFamily="34" charset="-122"/>
-                <a:ea typeface="微软雅黑" panose="020B0503020204020204" pitchFamily="34" charset="-122"/>
-              </a:rPr>
-              <a:t>绩效考评与分工</a:t>
-            </a:r>
-            <a:endParaRPr lang="zh-CN" altLang="en-US" sz="3200" b="1" dirty="0" smtClean="0">
-              <a:solidFill>
-                <a:schemeClr val="bg1"/>
-              </a:solidFill>
-              <a:latin typeface="微软雅黑" panose="020B0503020204020204" pitchFamily="34" charset="-122"/>
-              <a:ea typeface="微软雅黑" panose="020B0503020204020204" pitchFamily="34" charset="-122"/>
-            </a:endParaRPr>
-          </a:p>
-        </p:txBody>
-      </p:sp>
-      <p:graphicFrame>
-        <p:nvGraphicFramePr>
-          <p:cNvPr id="3" name="表格 2"/>
-          <p:cNvGraphicFramePr/>
-          <p:nvPr/>
-        </p:nvGraphicFramePr>
-        <p:xfrm>
-          <a:off x="3181985" y="459740"/>
-          <a:ext cx="7771130" cy="3826510"/>
-        </p:xfrm>
-        <a:graphic>
-          <a:graphicData uri="http://schemas.openxmlformats.org/drawingml/2006/table">
-            <a:tbl>
-              <a:tblPr firstRow="1" bandRow="1">
-                <a:tableStyleId>{5C22544A-7EE6-4342-B048-85BDC9FD1C3A}</a:tableStyleId>
-              </a:tblPr>
-              <a:tblGrid>
-                <a:gridCol w="1895475"/>
-                <a:gridCol w="2937510"/>
-                <a:gridCol w="2938145"/>
-              </a:tblGrid>
-              <a:tr h="713740">
-                <a:tc>
-                  <a:txBody>
-                    <a:bodyPr/>
-                    <a:lstStyle/>
-                    <a:p>
-                      <a:pPr algn="l">
-                        <a:buNone/>
-                      </a:pPr>
-                      <a:r>
-                        <a:rPr lang="zh-CN" altLang="en-US" b="0" dirty="0">
-                          <a:solidFill>
-                            <a:schemeClr val="tx1"/>
-                          </a:solidFill>
-                        </a:rPr>
-                        <a:t>黄为波</a:t>
-                      </a:r>
-                      <a:endParaRPr lang="zh-CN" altLang="en-US" b="0" dirty="0">
-                        <a:solidFill>
-                          <a:schemeClr val="tx1"/>
-                        </a:solidFill>
-                      </a:endParaRPr>
-                    </a:p>
-                  </a:txBody>
-                  <a:tcPr>
-                    <a:solidFill>
-                      <a:schemeClr val="accent1">
-                        <a:lumMod val="40000"/>
-                        <a:lumOff val="60000"/>
-                      </a:schemeClr>
-                    </a:solidFill>
-                  </a:tcPr>
-                </a:tc>
-                <a:tc>
-                  <a:txBody>
-                    <a:bodyPr/>
-                    <a:lstStyle/>
-                    <a:p>
-                      <a:pPr algn="l"/>
-                      <a:r>
-                        <a:rPr lang="zh-CN" altLang="en-US" sz="2400" b="0" dirty="0" smtClean="0">
-                          <a:solidFill>
-                            <a:schemeClr val="tx1"/>
-                          </a:solidFill>
-                        </a:rPr>
-                        <a:t>负责</a:t>
-                      </a:r>
-                      <a:r>
-                        <a:rPr lang="zh-CN" sz="2400" b="0" dirty="0" smtClean="0">
-                          <a:solidFill>
-                            <a:schemeClr val="tx1"/>
-                          </a:solidFill>
-                        </a:rPr>
-                        <a:t>制作</a:t>
-                      </a:r>
-                      <a:r>
-                        <a:rPr lang="en-US" altLang="zh-CN" sz="2400" b="0" dirty="0" smtClean="0">
-                          <a:solidFill>
-                            <a:schemeClr val="tx1"/>
-                          </a:solidFill>
-                        </a:rPr>
-                        <a:t>PPT</a:t>
-                      </a:r>
-                      <a:r>
-                        <a:rPr lang="zh-CN" altLang="en-US" sz="2400" b="0" dirty="0" smtClean="0">
-                          <a:solidFill>
-                            <a:schemeClr val="tx1"/>
-                          </a:solidFill>
-                        </a:rPr>
-                        <a:t>模板以及审核</a:t>
-                      </a:r>
-                      <a:endParaRPr lang="zh-CN" altLang="en-US" sz="2400" b="0" dirty="0" smtClean="0">
-                        <a:solidFill>
-                          <a:schemeClr val="tx1"/>
-                        </a:solidFill>
-                      </a:endParaRPr>
-                    </a:p>
-                  </a:txBody>
-                  <a:tcPr>
-                    <a:solidFill>
-                      <a:schemeClr val="accent1">
-                        <a:lumMod val="40000"/>
-                        <a:lumOff val="60000"/>
-                      </a:schemeClr>
-                    </a:solidFill>
-                  </a:tcPr>
-                </a:tc>
-                <a:tc>
-                  <a:txBody>
-                    <a:bodyPr/>
-                    <a:lstStyle/>
-                    <a:p>
-                      <a:pPr algn="l">
-                        <a:buNone/>
-                      </a:pPr>
-                      <a:r>
-                        <a:rPr lang="en-US" altLang="zh-CN" sz="2400" b="0" dirty="0" smtClean="0">
-                          <a:solidFill>
-                            <a:schemeClr val="tx1"/>
-                          </a:solidFill>
-                        </a:rPr>
-                        <a:t>9.3</a:t>
-                      </a:r>
-                      <a:endParaRPr lang="en-US" altLang="zh-CN" sz="2400" b="0" dirty="0" smtClean="0">
-                        <a:solidFill>
-                          <a:schemeClr val="tx1"/>
-                        </a:solidFill>
-                      </a:endParaRPr>
-                    </a:p>
-                  </a:txBody>
-                  <a:tcPr>
-                    <a:solidFill>
-                      <a:schemeClr val="accent1">
-                        <a:lumMod val="40000"/>
-                        <a:lumOff val="60000"/>
-                      </a:schemeClr>
-                    </a:solidFill>
-                  </a:tcPr>
-                </a:tc>
-              </a:tr>
-              <a:tr h="716915">
-                <a:tc>
-                  <a:txBody>
-                    <a:bodyPr/>
-                    <a:lstStyle/>
-                    <a:p>
-                      <a:pPr algn="l">
-                        <a:buNone/>
-                      </a:pPr>
-                      <a:r>
-                        <a:rPr lang="zh-CN" altLang="en-US" dirty="0" smtClean="0">
-                          <a:solidFill>
-                            <a:schemeClr val="tx1"/>
-                          </a:solidFill>
-                        </a:rPr>
-                        <a:t>苏雨豪</a:t>
-                      </a:r>
-                      <a:endParaRPr lang="zh-CN" altLang="en-US" dirty="0" smtClean="0">
-                        <a:solidFill>
-                          <a:schemeClr val="tx1"/>
-                        </a:solidFill>
-                      </a:endParaRPr>
-                    </a:p>
-                  </a:txBody>
-                  <a:tcPr/>
-                </a:tc>
-                <a:tc>
-                  <a:txBody>
-                    <a:bodyPr/>
-                    <a:lstStyle/>
-                    <a:p>
-                      <a:pPr algn="l">
-                        <a:buNone/>
-                      </a:pPr>
-                      <a:r>
-                        <a:rPr lang="zh-CN" dirty="0" smtClean="0">
-                          <a:solidFill>
-                            <a:schemeClr val="tx1"/>
-                          </a:solidFill>
-                        </a:rPr>
-                        <a:t>负责</a:t>
-                      </a:r>
-                      <a:r>
-                        <a:rPr lang="en-US" altLang="zh-CN" dirty="0" smtClean="0">
-                          <a:solidFill>
-                            <a:schemeClr val="tx1"/>
-                          </a:solidFill>
-                        </a:rPr>
-                        <a:t>PPT</a:t>
-                      </a:r>
-                      <a:r>
-                        <a:rPr lang="zh-CN" altLang="en-US" dirty="0" smtClean="0">
-                          <a:solidFill>
-                            <a:schemeClr val="tx1"/>
-                          </a:solidFill>
-                        </a:rPr>
-                        <a:t>审核</a:t>
-                      </a:r>
-                      <a:endParaRPr lang="zh-CN" altLang="en-US" dirty="0" smtClean="0">
-                        <a:solidFill>
-                          <a:schemeClr val="tx1"/>
-                        </a:solidFill>
-                      </a:endParaRPr>
-                    </a:p>
-                  </a:txBody>
-                  <a:tcPr/>
-                </a:tc>
-                <a:tc>
-                  <a:txBody>
-                    <a:bodyPr/>
-                    <a:lstStyle/>
-                    <a:p>
-                      <a:pPr algn="l">
-                        <a:buNone/>
-                      </a:pPr>
-                      <a:r>
-                        <a:rPr lang="en-US" altLang="zh-CN" dirty="0" smtClean="0">
-                          <a:solidFill>
-                            <a:schemeClr val="tx1"/>
-                          </a:solidFill>
-                        </a:rPr>
-                        <a:t>9.5</a:t>
-                      </a:r>
-                      <a:endParaRPr lang="en-US" altLang="zh-CN" dirty="0" smtClean="0">
-                        <a:solidFill>
-                          <a:schemeClr val="tx1"/>
-                        </a:solidFill>
-                      </a:endParaRPr>
-                    </a:p>
-                  </a:txBody>
-                  <a:tcPr/>
-                </a:tc>
-              </a:tr>
-              <a:tr h="805815">
-                <a:tc>
-                  <a:txBody>
-                    <a:bodyPr/>
-                    <a:lstStyle/>
-                    <a:p>
-                      <a:pPr algn="l">
-                        <a:buNone/>
-                      </a:pPr>
-                      <a:r>
-                        <a:rPr lang="zh-CN" dirty="0" smtClean="0">
-                          <a:solidFill>
-                            <a:schemeClr val="tx1"/>
-                          </a:solidFill>
-                        </a:rPr>
-                        <a:t>陈子卿</a:t>
-                      </a:r>
-                      <a:endParaRPr lang="zh-CN" dirty="0" smtClean="0">
-                        <a:solidFill>
-                          <a:schemeClr val="tx1"/>
-                        </a:solidFill>
-                      </a:endParaRPr>
-                    </a:p>
-                  </a:txBody>
-                  <a:tcPr>
-                    <a:solidFill>
-                      <a:schemeClr val="accent1">
-                        <a:lumMod val="40000"/>
-                        <a:lumOff val="60000"/>
-                      </a:schemeClr>
-                    </a:solidFill>
-                  </a:tcPr>
-                </a:tc>
-                <a:tc>
-                  <a:txBody>
-                    <a:bodyPr/>
-                    <a:lstStyle/>
-                    <a:p>
-                      <a:pPr algn="l">
-                        <a:buNone/>
-                      </a:pPr>
-                      <a:r>
-                        <a:rPr lang="zh-CN" altLang="en-US" dirty="0" smtClean="0">
-                          <a:solidFill>
-                            <a:schemeClr val="tx1"/>
-                          </a:solidFill>
-                        </a:rPr>
-                        <a:t>对象图部分</a:t>
-                      </a:r>
-                      <a:r>
-                        <a:rPr lang="en-US" altLang="zh-CN" dirty="0" smtClean="0">
-                          <a:solidFill>
-                            <a:schemeClr val="tx1"/>
-                          </a:solidFill>
-                        </a:rPr>
-                        <a:t>PPT</a:t>
-                      </a:r>
-                      <a:r>
-                        <a:rPr lang="zh-CN" altLang="en-US" dirty="0" smtClean="0">
-                          <a:solidFill>
-                            <a:schemeClr val="tx1"/>
-                          </a:solidFill>
-                        </a:rPr>
-                        <a:t>制作</a:t>
-                      </a:r>
-                      <a:endParaRPr lang="zh-CN" altLang="en-US" dirty="0" smtClean="0">
-                        <a:solidFill>
-                          <a:schemeClr val="tx1"/>
-                        </a:solidFill>
-                      </a:endParaRPr>
-                    </a:p>
-                  </a:txBody>
-                  <a:tcPr>
-                    <a:solidFill>
-                      <a:schemeClr val="accent1">
-                        <a:lumMod val="40000"/>
-                        <a:lumOff val="60000"/>
-                      </a:schemeClr>
-                    </a:solidFill>
-                  </a:tcPr>
-                </a:tc>
-                <a:tc>
-                  <a:txBody>
-                    <a:bodyPr/>
-                    <a:lstStyle/>
-                    <a:p>
-                      <a:pPr algn="l">
-                        <a:buNone/>
-                      </a:pPr>
-                      <a:r>
-                        <a:rPr lang="en-US" altLang="zh-CN" dirty="0" smtClean="0">
-                          <a:solidFill>
-                            <a:schemeClr val="tx1"/>
-                          </a:solidFill>
-                        </a:rPr>
-                        <a:t>9.7</a:t>
-                      </a:r>
-                      <a:endParaRPr lang="en-US" altLang="zh-CN" dirty="0" smtClean="0">
-                        <a:solidFill>
-                          <a:schemeClr val="tx1"/>
-                        </a:solidFill>
-                      </a:endParaRPr>
-                    </a:p>
-                  </a:txBody>
-                  <a:tcPr>
-                    <a:solidFill>
-                      <a:schemeClr val="accent1">
-                        <a:lumMod val="40000"/>
-                        <a:lumOff val="60000"/>
-                      </a:schemeClr>
-                    </a:solidFill>
-                  </a:tcPr>
-                </a:tc>
-              </a:tr>
-              <a:tr h="733425">
-                <a:tc>
-                  <a:txBody>
-                    <a:bodyPr/>
-                    <a:lstStyle/>
-                    <a:p>
-                      <a:pPr algn="l">
-                        <a:buNone/>
-                      </a:pPr>
-                      <a:r>
-                        <a:rPr lang="zh-CN" altLang="en-US" dirty="0" smtClean="0">
-                          <a:solidFill>
-                            <a:schemeClr val="tx1"/>
-                          </a:solidFill>
-                        </a:rPr>
-                        <a:t>蔡峰</a:t>
-                      </a:r>
-                      <a:endParaRPr lang="zh-CN" altLang="en-US" dirty="0" smtClean="0">
-                        <a:solidFill>
-                          <a:schemeClr val="tx1"/>
-                        </a:solidFill>
-                      </a:endParaRPr>
-                    </a:p>
-                  </a:txBody>
-                  <a:tcPr>
-                    <a:solidFill>
-                      <a:schemeClr val="accent1">
-                        <a:lumMod val="40000"/>
-                        <a:lumOff val="60000"/>
-                      </a:schemeClr>
-                    </a:solidFill>
-                  </a:tcPr>
-                </a:tc>
-                <a:tc>
-                  <a:txBody>
-                    <a:bodyPr/>
-                    <a:lstStyle/>
-                    <a:p>
-                      <a:pPr algn="l">
-                        <a:buNone/>
-                      </a:pPr>
-                      <a:r>
-                        <a:rPr lang="zh-CN" dirty="0" smtClean="0">
-                          <a:solidFill>
-                            <a:schemeClr val="tx1"/>
-                          </a:solidFill>
-                        </a:rPr>
-                        <a:t>包图部分</a:t>
-                      </a:r>
-                      <a:r>
-                        <a:rPr lang="en-US" altLang="zh-CN" dirty="0" smtClean="0">
-                          <a:solidFill>
-                            <a:schemeClr val="tx1"/>
-                          </a:solidFill>
-                        </a:rPr>
-                        <a:t>PPT</a:t>
-                      </a:r>
-                      <a:r>
-                        <a:rPr lang="zh-CN" altLang="en-US" dirty="0" smtClean="0">
-                          <a:solidFill>
-                            <a:schemeClr val="tx1"/>
-                          </a:solidFill>
-                        </a:rPr>
-                        <a:t>制作</a:t>
-                      </a:r>
-                      <a:endParaRPr lang="zh-CN" altLang="en-US" dirty="0" smtClean="0">
-                        <a:solidFill>
-                          <a:schemeClr val="tx1"/>
-                        </a:solidFill>
-                      </a:endParaRPr>
-                    </a:p>
-                  </a:txBody>
-                  <a:tcPr>
-                    <a:solidFill>
-                      <a:schemeClr val="accent1">
-                        <a:lumMod val="40000"/>
-                        <a:lumOff val="60000"/>
-                      </a:schemeClr>
-                    </a:solidFill>
-                  </a:tcPr>
-                </a:tc>
-                <a:tc>
-                  <a:txBody>
-                    <a:bodyPr/>
-                    <a:lstStyle/>
-                    <a:p>
-                      <a:pPr algn="l">
-                        <a:buNone/>
-                      </a:pPr>
-                      <a:r>
-                        <a:rPr lang="en-US" altLang="zh-CN" sz="2100" dirty="0" smtClean="0">
-                          <a:solidFill>
-                            <a:schemeClr val="tx1"/>
-                          </a:solidFill>
-                          <a:sym typeface="+mn-ea"/>
-                        </a:rPr>
-                        <a:t>9.4</a:t>
-                      </a:r>
-                      <a:endParaRPr lang="en-US" altLang="zh-CN" sz="2100" b="0" dirty="0" smtClean="0">
-                        <a:solidFill>
-                          <a:schemeClr val="tx1"/>
-                        </a:solidFill>
-                        <a:sym typeface="+mn-ea"/>
-                      </a:endParaRPr>
-                    </a:p>
-                    <a:p>
-                      <a:pPr algn="l">
-                        <a:buNone/>
-                      </a:pPr>
-                      <a:endParaRPr lang="zh-CN" altLang="en-US" dirty="0" smtClean="0">
-                        <a:solidFill>
-                          <a:schemeClr val="tx1"/>
-                        </a:solidFill>
-                      </a:endParaRPr>
-                    </a:p>
-                  </a:txBody>
-                  <a:tcPr>
-                    <a:solidFill>
-                      <a:schemeClr val="accent1">
-                        <a:lumMod val="40000"/>
-                        <a:lumOff val="60000"/>
-                      </a:schemeClr>
-                    </a:solidFill>
-                  </a:tcPr>
-                </a:tc>
-              </a:tr>
-              <a:tr h="732790">
-                <a:tc>
-                  <a:txBody>
-                    <a:bodyPr/>
-                    <a:lstStyle/>
-                    <a:p>
-                      <a:pPr algn="l">
-                        <a:buNone/>
-                      </a:pPr>
-                      <a:r>
-                        <a:rPr lang="zh-CN" altLang="en-US" dirty="0" smtClean="0">
-                          <a:solidFill>
-                            <a:schemeClr val="tx1"/>
-                          </a:solidFill>
-                        </a:rPr>
-                        <a:t>江亮儒</a:t>
-                      </a:r>
-                      <a:endParaRPr lang="zh-CN" altLang="en-US" dirty="0" smtClean="0">
-                        <a:solidFill>
-                          <a:schemeClr val="tx1"/>
-                        </a:solidFill>
-                      </a:endParaRPr>
-                    </a:p>
-                  </a:txBody>
-                  <a:tcPr>
-                    <a:solidFill>
-                      <a:schemeClr val="accent1">
-                        <a:lumMod val="40000"/>
-                        <a:lumOff val="60000"/>
-                      </a:schemeClr>
-                    </a:solidFill>
-                  </a:tcPr>
-                </a:tc>
-                <a:tc>
-                  <a:txBody>
-                    <a:bodyPr/>
-                    <a:lstStyle/>
-                    <a:p>
-                      <a:pPr algn="l">
-                        <a:buNone/>
-                      </a:pPr>
-                      <a:r>
-                        <a:rPr lang="zh-CN" altLang="en-US" sz="2100" dirty="0" smtClean="0">
-                          <a:solidFill>
-                            <a:schemeClr val="tx1"/>
-                          </a:solidFill>
-                          <a:sym typeface="+mn-ea"/>
-                        </a:rPr>
-                        <a:t>构件图部分</a:t>
-                      </a:r>
-                      <a:r>
-                        <a:rPr lang="en-US" altLang="zh-CN" sz="2100" dirty="0" smtClean="0">
-                          <a:solidFill>
-                            <a:schemeClr val="tx1"/>
-                          </a:solidFill>
-                          <a:sym typeface="+mn-ea"/>
-                        </a:rPr>
-                        <a:t>PPT</a:t>
-                      </a:r>
-                      <a:r>
-                        <a:rPr lang="zh-CN" altLang="en-US" sz="2100" dirty="0" smtClean="0">
-                          <a:solidFill>
-                            <a:schemeClr val="tx1"/>
-                          </a:solidFill>
-                          <a:sym typeface="+mn-ea"/>
-                        </a:rPr>
-                        <a:t>制作</a:t>
-                      </a:r>
-                      <a:endParaRPr lang="zh-CN" altLang="en-US" sz="2100" dirty="0" smtClean="0">
-                        <a:solidFill>
-                          <a:schemeClr val="tx1"/>
-                        </a:solidFill>
-                        <a:sym typeface="+mn-ea"/>
-                      </a:endParaRPr>
-                    </a:p>
-                  </a:txBody>
-                  <a:tcPr>
-                    <a:solidFill>
-                      <a:schemeClr val="accent1">
-                        <a:lumMod val="40000"/>
-                        <a:lumOff val="60000"/>
-                      </a:schemeClr>
-                    </a:solidFill>
-                  </a:tcPr>
-                </a:tc>
-                <a:tc>
-                  <a:txBody>
-                    <a:bodyPr/>
-                    <a:lstStyle/>
-                    <a:p>
-                      <a:pPr algn="l">
-                        <a:buNone/>
-                      </a:pPr>
-                      <a:r>
-                        <a:rPr lang="en-US" altLang="zh-CN" dirty="0" smtClean="0">
-                          <a:solidFill>
-                            <a:schemeClr val="tx1"/>
-                          </a:solidFill>
-                        </a:rPr>
-                        <a:t>9.6</a:t>
-                      </a:r>
-                      <a:endParaRPr lang="en-US" altLang="zh-CN" dirty="0" smtClean="0">
-                        <a:solidFill>
-                          <a:schemeClr val="tx1"/>
-                        </a:solidFill>
-                      </a:endParaRPr>
-                    </a:p>
-                  </a:txBody>
-                  <a:tcPr>
-                    <a:solidFill>
-                      <a:schemeClr val="accent1">
-                        <a:lumMod val="40000"/>
-                        <a:lumOff val="60000"/>
-                      </a:schemeClr>
-                    </a:solidFill>
-                  </a:tcPr>
-                </a:tc>
-              </a:tr>
-            </a:tbl>
-          </a:graphicData>
-        </a:graphic>
-      </p:graphicFrame>
-    </p:spTree>
-  </p:cSld>
-  <p:clrMapOvr>
-    <a:masterClrMapping/>
-  </p:clrMapOvr>
-  <mc:AlternateContent xmlns:mc="http://schemas.openxmlformats.org/markup-compatibility/2006">
-    <mc:Choice xmlns:p14="http://schemas.microsoft.com/office/powerpoint/2010/main" Requires="p14">
-      <p:transition spd="slow" p14:dur="1200" advClick="0" advTm="0">
-        <p14:prism/>
-      </p:transition>
-    </mc:Choice>
-    <mc:Fallback>
-      <p:transition spd="slow" advClick="0" advTm="0">
-        <p:fade/>
-      </p:transition>
-    </mc:Fallback>
-  </mc:AlternateContent>
-  <p:timing>
-    <p:tnLst>
-      <p:par>
-        <p:cTn id="1" dur="indefinite" restart="never" nodeType="tmRoot">
-          <p:childTnLst>
-            <p:seq concurrent="1" nextAc="seek">
-              <p:cTn id="2" dur="indefinite" nodeType="mainSeq">
-                <p:childTnLst>
-                  <p:par>
-                    <p:cTn id="3" fill="hold">
-                      <p:stCondLst>
-                        <p:cond delay="indefinite"/>
-                        <p:cond evt="onBegin" delay="0">
-                          <p:tn val="2"/>
-                        </p:cond>
-                      </p:stCondLst>
-                      <p:childTnLst>
-                        <p:par>
-                          <p:cTn id="4" fill="hold">
-                            <p:stCondLst>
-                              <p:cond delay="0"/>
-                            </p:stCondLst>
-                            <p:childTnLst>
-                              <p:par>
-                                <p:cTn id="5" presetID="2" presetClass="entr" presetSubtype="8" fill="hold" grpId="0" nodeType="afterEffect">
-                                  <p:stCondLst>
-                                    <p:cond delay="0"/>
-                                  </p:stCondLst>
-                                  <p:childTnLst>
-                                    <p:set>
-                                      <p:cBhvr>
-                                        <p:cTn id="6" dur="1" fill="hold">
-                                          <p:stCondLst>
-                                            <p:cond delay="0"/>
-                                          </p:stCondLst>
-                                        </p:cTn>
-                                        <p:tgtEl>
-                                          <p:spTgt spid="36"/>
-                                        </p:tgtEl>
-                                        <p:attrNameLst>
-                                          <p:attrName>style.visibility</p:attrName>
-                                        </p:attrNameLst>
-                                      </p:cBhvr>
-                                      <p:to>
-                                        <p:strVal val="visible"/>
-                                      </p:to>
-                                    </p:set>
-                                    <p:anim calcmode="lin" valueType="num">
-                                      <p:cBhvr additive="base">
-                                        <p:cTn id="7" dur="500" fill="hold"/>
-                                        <p:tgtEl>
-                                          <p:spTgt spid="36"/>
-                                        </p:tgtEl>
-                                        <p:attrNameLst>
-                                          <p:attrName>ppt_x</p:attrName>
-                                        </p:attrNameLst>
-                                      </p:cBhvr>
-                                      <p:tavLst>
-                                        <p:tav tm="0">
-                                          <p:val>
-                                            <p:strVal val="0-#ppt_w/2"/>
-                                          </p:val>
-                                        </p:tav>
-                                        <p:tav tm="100000">
-                                          <p:val>
-                                            <p:strVal val="#ppt_x"/>
-                                          </p:val>
-                                        </p:tav>
-                                      </p:tavLst>
-                                    </p:anim>
-                                    <p:anim calcmode="lin" valueType="num">
-                                      <p:cBhvr additive="base">
-                                        <p:cTn id="8" dur="500" fill="hold"/>
-                                        <p:tgtEl>
-                                          <p:spTgt spid="36"/>
-                                        </p:tgtEl>
-                                        <p:attrNameLst>
-                                          <p:attrName>ppt_y</p:attrName>
-                                        </p:attrNameLst>
-                                      </p:cBhvr>
-                                      <p:tavLst>
-                                        <p:tav tm="0">
-                                          <p:val>
-                                            <p:strVal val="#ppt_y"/>
-                                          </p:val>
-                                        </p:tav>
-                                        <p:tav tm="100000">
-                                          <p:val>
-                                            <p:strVal val="#ppt_y"/>
-                                          </p:val>
-                                        </p:tav>
-                                      </p:tavLst>
-                                    </p:anim>
-                                  </p:childTnLst>
-                                </p:cTn>
-                              </p:par>
-                            </p:childTnLst>
-                          </p:cTn>
-                        </p:par>
-                        <p:par>
-                          <p:cTn id="9" fill="hold">
-                            <p:stCondLst>
-                              <p:cond delay="500"/>
-                            </p:stCondLst>
-                            <p:childTnLst>
-                              <p:par>
-                                <p:cTn id="10" presetID="17" presetClass="entr" presetSubtype="1" fill="hold" grpId="0" nodeType="afterEffect">
-                                  <p:stCondLst>
-                                    <p:cond delay="0"/>
-                                  </p:stCondLst>
-                                  <p:iterate type="lt">
-                                    <p:tmPct val="40000"/>
-                                  </p:iterate>
-                                  <p:childTnLst>
-                                    <p:set>
-                                      <p:cBhvr>
-                                        <p:cTn id="11" dur="1" fill="hold">
-                                          <p:stCondLst>
-                                            <p:cond delay="0"/>
-                                          </p:stCondLst>
-                                        </p:cTn>
-                                        <p:tgtEl>
-                                          <p:spTgt spid="37"/>
-                                        </p:tgtEl>
-                                        <p:attrNameLst>
-                                          <p:attrName>style.visibility</p:attrName>
-                                        </p:attrNameLst>
-                                      </p:cBhvr>
-                                      <p:to>
-                                        <p:strVal val="visible"/>
-                                      </p:to>
-                                    </p:set>
-                                    <p:anim calcmode="lin" valueType="num">
-                                      <p:cBhvr>
-                                        <p:cTn id="12" dur="250" fill="hold"/>
-                                        <p:tgtEl>
-                                          <p:spTgt spid="37"/>
-                                        </p:tgtEl>
-                                        <p:attrNameLst>
-                                          <p:attrName>ppt_x</p:attrName>
-                                        </p:attrNameLst>
-                                      </p:cBhvr>
-                                      <p:tavLst>
-                                        <p:tav tm="0">
-                                          <p:val>
-                                            <p:strVal val="#ppt_x"/>
-                                          </p:val>
-                                        </p:tav>
-                                        <p:tav tm="100000">
-                                          <p:val>
-                                            <p:strVal val="#ppt_x"/>
-                                          </p:val>
-                                        </p:tav>
-                                      </p:tavLst>
-                                    </p:anim>
-                                    <p:anim calcmode="lin" valueType="num">
-                                      <p:cBhvr>
-                                        <p:cTn id="13" dur="250" fill="hold"/>
-                                        <p:tgtEl>
-                                          <p:spTgt spid="37"/>
-                                        </p:tgtEl>
-                                        <p:attrNameLst>
-                                          <p:attrName>ppt_y</p:attrName>
-                                        </p:attrNameLst>
-                                      </p:cBhvr>
-                                      <p:tavLst>
-                                        <p:tav tm="0">
-                                          <p:val>
-                                            <p:strVal val="#ppt_y-#ppt_h/2"/>
-                                          </p:val>
-                                        </p:tav>
-                                        <p:tav tm="100000">
-                                          <p:val>
-                                            <p:strVal val="#ppt_y"/>
-                                          </p:val>
-                                        </p:tav>
-                                      </p:tavLst>
-                                    </p:anim>
-                                    <p:anim calcmode="lin" valueType="num">
-                                      <p:cBhvr>
-                                        <p:cTn id="14" dur="250" fill="hold"/>
-                                        <p:tgtEl>
-                                          <p:spTgt spid="37"/>
-                                        </p:tgtEl>
-                                        <p:attrNameLst>
-                                          <p:attrName>ppt_w</p:attrName>
-                                        </p:attrNameLst>
-                                      </p:cBhvr>
-                                      <p:tavLst>
-                                        <p:tav tm="0">
-                                          <p:val>
-                                            <p:strVal val="#ppt_w"/>
-                                          </p:val>
-                                        </p:tav>
-                                        <p:tav tm="100000">
-                                          <p:val>
-                                            <p:strVal val="#ppt_w"/>
-                                          </p:val>
-                                        </p:tav>
-                                      </p:tavLst>
-                                    </p:anim>
-                                    <p:anim calcmode="lin" valueType="num">
-                                      <p:cBhvr>
-                                        <p:cTn id="15" dur="250" fill="hold"/>
-                                        <p:tgtEl>
-                                          <p:spTgt spid="37"/>
-                                        </p:tgtEl>
-                                        <p:attrNameLst>
-                                          <p:attrName>ppt_h</p:attrName>
-                                        </p:attrNameLst>
-                                      </p:cBhvr>
-                                      <p:tavLst>
-                                        <p:tav tm="0">
-                                          <p:val>
-                                            <p:fltVal val="0"/>
-                                          </p:val>
-                                        </p:tav>
-                                        <p:tav tm="100000">
-                                          <p:val>
-                                            <p:strVal val="#ppt_h"/>
-                                          </p:val>
-                                        </p:tav>
-                                      </p:tavLst>
-                                    </p:anim>
-                                  </p:childTnLst>
-                                </p:cTn>
-                              </p:par>
-                            </p:childTnLst>
-                          </p:cTn>
-                        </p:par>
-                      </p:childTnLst>
-                    </p:cTn>
-                  </p:par>
-                </p:childTnLst>
-              </p:cTn>
-              <p:prevCondLst>
-                <p:cond evt="onPrev" delay="0">
-                  <p:tgtEl>
-                    <p:sldTgt/>
-                  </p:tgtEl>
-                </p:cond>
-              </p:prevCondLst>
-              <p:nextCondLst>
-                <p:cond evt="onNext" delay="0">
-                  <p:tgtEl>
-                    <p:sldTgt/>
-                  </p:tgtEl>
-                </p:cond>
-              </p:nextCondLst>
-            </p:seq>
-          </p:childTnLst>
-        </p:cTn>
-      </p:par>
-    </p:tnLst>
-    <p:bldLst>
-      <p:bldP spid="36" grpId="0" bldLvl="0" animBg="1"/>
-      <p:bldP spid="37" grpId="0"/>
-    </p:bldLst>
-  </p:timing>
-</p:sld>
-</file>
-
-<file path=ppt/slides/slide9.xml><?xml version="1.0" encoding="utf-8"?>
-<p:sld xmlns:a="http://schemas.openxmlformats.org/drawingml/2006/main" xmlns:r="http://schemas.openxmlformats.org/officeDocument/2006/relationships" xmlns:p="http://schemas.openxmlformats.org/presentationml/2006/main">
-  <p:cSld>
-    <p:spTree>
-      <p:nvGrpSpPr>
-        <p:cNvPr id="1" name=""/>
-        <p:cNvGrpSpPr/>
-        <p:nvPr/>
-      </p:nvGrpSpPr>
-      <p:grpSpPr>
-        <a:xfrm>
-          <a:off x="0" y="0"/>
-          <a:ext cx="0" cy="0"/>
-          <a:chOff x="0" y="0"/>
-          <a:chExt cx="0" cy="0"/>
-        </a:xfrm>
-      </p:grpSpPr>
-      <p:cxnSp>
-        <p:nvCxnSpPr>
-          <p:cNvPr id="30" name="直接连接符 29"/>
-          <p:cNvCxnSpPr/>
-          <p:nvPr/>
-        </p:nvCxnSpPr>
-        <p:spPr>
-          <a:xfrm>
-            <a:off x="0" y="740873"/>
-            <a:ext cx="5039227" cy="0"/>
-          </a:xfrm>
-          <a:prstGeom prst="line">
-            <a:avLst/>
-          </a:prstGeom>
-          <a:ln w="12700">
-            <a:solidFill>
-              <a:srgbClr val="A9A9A9"/>
-            </a:solidFill>
-          </a:ln>
-        </p:spPr>
-        <p:style>
-          <a:lnRef idx="1">
-            <a:schemeClr val="accent1"/>
-          </a:lnRef>
-          <a:fillRef idx="0">
-            <a:schemeClr val="accent1"/>
-          </a:fillRef>
-          <a:effectRef idx="0">
-            <a:schemeClr val="accent1"/>
-          </a:effectRef>
-          <a:fontRef idx="minor">
-            <a:schemeClr val="tx1"/>
-          </a:fontRef>
-        </p:style>
-      </p:cxnSp>
-      <p:cxnSp>
-        <p:nvCxnSpPr>
-          <p:cNvPr id="31" name="直接连接符 30"/>
-          <p:cNvCxnSpPr/>
-          <p:nvPr/>
-        </p:nvCxnSpPr>
-        <p:spPr>
-          <a:xfrm>
-            <a:off x="7151186" y="740873"/>
-            <a:ext cx="5039227" cy="0"/>
-          </a:xfrm>
-          <a:prstGeom prst="line">
-            <a:avLst/>
-          </a:prstGeom>
-          <a:ln w="12700">
-            <a:solidFill>
-              <a:srgbClr val="A9A9A9"/>
-            </a:solidFill>
-          </a:ln>
-        </p:spPr>
-        <p:style>
-          <a:lnRef idx="1">
-            <a:schemeClr val="accent1"/>
-          </a:lnRef>
-          <a:fillRef idx="0">
-            <a:schemeClr val="accent1"/>
-          </a:fillRef>
-          <a:effectRef idx="0">
-            <a:schemeClr val="accent1"/>
-          </a:effectRef>
-          <a:fontRef idx="minor">
-            <a:schemeClr val="tx1"/>
-          </a:fontRef>
-        </p:style>
-      </p:cxnSp>
-      <p:sp>
-        <p:nvSpPr>
-          <p:cNvPr id="32" name="矩形 31"/>
-          <p:cNvSpPr/>
-          <p:nvPr/>
-        </p:nvSpPr>
-        <p:spPr>
-          <a:xfrm>
-            <a:off x="1" y="6406814"/>
-            <a:ext cx="3041773" cy="452774"/>
-          </a:xfrm>
-          <a:prstGeom prst="rect">
-            <a:avLst/>
-          </a:prstGeom>
-          <a:solidFill>
-            <a:srgbClr val="EF7768"/>
-          </a:solidFill>
-          <a:ln>
-            <a:noFill/>
-          </a:ln>
-        </p:spPr>
-        <p:style>
-          <a:lnRef idx="2">
-            <a:schemeClr val="accent1">
-              <a:shade val="50000"/>
-            </a:schemeClr>
-          </a:lnRef>
-          <a:fillRef idx="1">
-            <a:schemeClr val="accent1"/>
-          </a:fillRef>
-          <a:effectRef idx="0">
-            <a:schemeClr val="accent1"/>
-          </a:effectRef>
-          <a:fontRef idx="minor">
-            <a:schemeClr val="lt1"/>
-          </a:fontRef>
-        </p:style>
-        <p:txBody>
-          <a:bodyPr lIns="121917" tIns="60958" rIns="121917" bIns="60958" rtlCol="0" anchor="ctr"/>
-          <a:lstStyle/>
-          <a:p>
-            <a:pPr algn="ctr"/>
-            <a:endParaRPr lang="zh-CN" altLang="en-US"/>
-          </a:p>
-        </p:txBody>
-      </p:sp>
-      <p:sp>
-        <p:nvSpPr>
-          <p:cNvPr id="33" name="矩形 32"/>
-          <p:cNvSpPr/>
-          <p:nvPr/>
-        </p:nvSpPr>
-        <p:spPr>
-          <a:xfrm>
-            <a:off x="3041775" y="6406814"/>
-            <a:ext cx="3063750" cy="452774"/>
-          </a:xfrm>
-          <a:prstGeom prst="rect">
-            <a:avLst/>
-          </a:prstGeom>
-          <a:solidFill>
-            <a:srgbClr val="C7C7C7"/>
-          </a:solidFill>
-          <a:ln>
-            <a:noFill/>
-          </a:ln>
-        </p:spPr>
-        <p:style>
-          <a:lnRef idx="2">
-            <a:schemeClr val="accent1">
-              <a:shade val="50000"/>
-            </a:schemeClr>
-          </a:lnRef>
-          <a:fillRef idx="1">
-            <a:schemeClr val="accent1"/>
-          </a:fillRef>
-          <a:effectRef idx="0">
-            <a:schemeClr val="accent1"/>
-          </a:effectRef>
-          <a:fontRef idx="minor">
-            <a:schemeClr val="lt1"/>
-          </a:fontRef>
-        </p:style>
-        <p:txBody>
-          <a:bodyPr lIns="121917" tIns="60958" rIns="121917" bIns="60958" rtlCol="0" anchor="ctr"/>
-          <a:lstStyle/>
-          <a:p>
-            <a:pPr algn="ctr"/>
-            <a:endParaRPr lang="zh-CN" altLang="en-US"/>
-          </a:p>
-        </p:txBody>
-      </p:sp>
-      <p:sp>
-        <p:nvSpPr>
-          <p:cNvPr id="34" name="矩形 33"/>
-          <p:cNvSpPr/>
-          <p:nvPr/>
-        </p:nvSpPr>
-        <p:spPr>
-          <a:xfrm>
-            <a:off x="6095207" y="6406814"/>
-            <a:ext cx="3047603" cy="452774"/>
-          </a:xfrm>
-          <a:prstGeom prst="rect">
-            <a:avLst/>
-          </a:prstGeom>
-          <a:solidFill>
-            <a:srgbClr val="38B1BF"/>
-          </a:solidFill>
-          <a:ln>
-            <a:noFill/>
-          </a:ln>
-        </p:spPr>
-        <p:style>
-          <a:lnRef idx="2">
-            <a:schemeClr val="accent1">
-              <a:shade val="50000"/>
-            </a:schemeClr>
-          </a:lnRef>
-          <a:fillRef idx="1">
-            <a:schemeClr val="accent1"/>
-          </a:fillRef>
-          <a:effectRef idx="0">
-            <a:schemeClr val="accent1"/>
-          </a:effectRef>
-          <a:fontRef idx="minor">
-            <a:schemeClr val="lt1"/>
-          </a:fontRef>
-        </p:style>
-        <p:txBody>
-          <a:bodyPr lIns="121917" tIns="60958" rIns="121917" bIns="60958" rtlCol="0" anchor="ctr"/>
-          <a:lstStyle/>
-          <a:p>
-            <a:pPr algn="ctr"/>
-            <a:endParaRPr lang="zh-CN" altLang="en-US"/>
-          </a:p>
-        </p:txBody>
-      </p:sp>
-      <p:sp>
-        <p:nvSpPr>
-          <p:cNvPr id="35" name="矩形 34"/>
-          <p:cNvSpPr/>
-          <p:nvPr/>
-        </p:nvSpPr>
-        <p:spPr>
-          <a:xfrm>
-            <a:off x="9142810" y="6406814"/>
-            <a:ext cx="3047603" cy="452774"/>
-          </a:xfrm>
-          <a:prstGeom prst="rect">
-            <a:avLst/>
-          </a:prstGeom>
-          <a:solidFill>
-            <a:srgbClr val="FF9933"/>
-          </a:solidFill>
-          <a:ln>
-            <a:noFill/>
-          </a:ln>
-        </p:spPr>
-        <p:style>
-          <a:lnRef idx="2">
-            <a:schemeClr val="accent1">
-              <a:shade val="50000"/>
-            </a:schemeClr>
-          </a:lnRef>
-          <a:fillRef idx="1">
-            <a:schemeClr val="accent1"/>
-          </a:fillRef>
-          <a:effectRef idx="0">
-            <a:schemeClr val="accent1"/>
-          </a:effectRef>
-          <a:fontRef idx="minor">
-            <a:schemeClr val="lt1"/>
-          </a:fontRef>
-        </p:style>
-        <p:txBody>
-          <a:bodyPr lIns="121917" tIns="60958" rIns="121917" bIns="60958" rtlCol="0" anchor="ctr"/>
-          <a:lstStyle/>
-          <a:p>
-            <a:pPr algn="ctr"/>
-            <a:endParaRPr lang="zh-CN" altLang="en-US"/>
-          </a:p>
-        </p:txBody>
-      </p:sp>
-      <p:sp>
-        <p:nvSpPr>
-          <p:cNvPr id="36" name="矩形 35"/>
-          <p:cNvSpPr/>
-          <p:nvPr/>
-        </p:nvSpPr>
-        <p:spPr>
-          <a:xfrm>
-            <a:off x="0" y="-27390"/>
-            <a:ext cx="3047603" cy="123423"/>
-          </a:xfrm>
-          <a:prstGeom prst="rect">
-            <a:avLst/>
-          </a:prstGeom>
-          <a:solidFill>
-            <a:srgbClr val="EF7768"/>
-          </a:solidFill>
-          <a:ln>
-            <a:noFill/>
-          </a:ln>
-        </p:spPr>
-        <p:style>
-          <a:lnRef idx="2">
-            <a:schemeClr val="accent1">
-              <a:shade val="50000"/>
-            </a:schemeClr>
-          </a:lnRef>
-          <a:fillRef idx="1">
-            <a:schemeClr val="accent1"/>
-          </a:fillRef>
-          <a:effectRef idx="0">
-            <a:schemeClr val="accent1"/>
-          </a:effectRef>
-          <a:fontRef idx="minor">
-            <a:schemeClr val="lt1"/>
-          </a:fontRef>
-        </p:style>
-        <p:txBody>
-          <a:bodyPr lIns="121917" tIns="60958" rIns="121917" bIns="60958" rtlCol="0" anchor="ctr"/>
-          <a:lstStyle/>
-          <a:p>
-            <a:pPr algn="ctr"/>
-            <a:endParaRPr lang="zh-CN" altLang="en-US"/>
-          </a:p>
-        </p:txBody>
-      </p:sp>
-      <p:sp>
-        <p:nvSpPr>
-          <p:cNvPr id="37" name="矩形 36"/>
-          <p:cNvSpPr/>
-          <p:nvPr/>
-        </p:nvSpPr>
-        <p:spPr>
-          <a:xfrm>
-            <a:off x="3047603" y="-27390"/>
-            <a:ext cx="3047603" cy="123423"/>
-          </a:xfrm>
-          <a:prstGeom prst="rect">
-            <a:avLst/>
-          </a:prstGeom>
-          <a:solidFill>
-            <a:srgbClr val="C7C7C7"/>
-          </a:solidFill>
-          <a:ln>
-            <a:noFill/>
-          </a:ln>
-        </p:spPr>
-        <p:style>
-          <a:lnRef idx="2">
-            <a:schemeClr val="accent1">
-              <a:shade val="50000"/>
-            </a:schemeClr>
-          </a:lnRef>
-          <a:fillRef idx="1">
-            <a:schemeClr val="accent1"/>
-          </a:fillRef>
-          <a:effectRef idx="0">
-            <a:schemeClr val="accent1"/>
-          </a:effectRef>
-          <a:fontRef idx="minor">
-            <a:schemeClr val="lt1"/>
-          </a:fontRef>
-        </p:style>
-        <p:txBody>
-          <a:bodyPr lIns="121917" tIns="60958" rIns="121917" bIns="60958" rtlCol="0" anchor="ctr"/>
-          <a:lstStyle/>
-          <a:p>
-            <a:pPr algn="ctr"/>
-            <a:endParaRPr lang="zh-CN" altLang="en-US"/>
-          </a:p>
-        </p:txBody>
-      </p:sp>
-      <p:sp>
-        <p:nvSpPr>
-          <p:cNvPr id="38" name="矩形 37"/>
-          <p:cNvSpPr/>
-          <p:nvPr/>
-        </p:nvSpPr>
-        <p:spPr>
-          <a:xfrm>
-            <a:off x="6095207" y="-27390"/>
-            <a:ext cx="3047603" cy="123423"/>
-          </a:xfrm>
-          <a:prstGeom prst="rect">
-            <a:avLst/>
-          </a:prstGeom>
-          <a:solidFill>
-            <a:srgbClr val="38B1BF"/>
-          </a:solidFill>
-          <a:ln>
-            <a:noFill/>
-          </a:ln>
-        </p:spPr>
-        <p:style>
-          <a:lnRef idx="2">
-            <a:schemeClr val="accent1">
-              <a:shade val="50000"/>
-            </a:schemeClr>
-          </a:lnRef>
-          <a:fillRef idx="1">
-            <a:schemeClr val="accent1"/>
-          </a:fillRef>
-          <a:effectRef idx="0">
-            <a:schemeClr val="accent1"/>
-          </a:effectRef>
-          <a:fontRef idx="minor">
-            <a:schemeClr val="lt1"/>
-          </a:fontRef>
-        </p:style>
-        <p:txBody>
-          <a:bodyPr lIns="121917" tIns="60958" rIns="121917" bIns="60958" rtlCol="0" anchor="ctr"/>
-          <a:lstStyle/>
-          <a:p>
-            <a:pPr algn="ctr"/>
-            <a:endParaRPr lang="zh-CN" altLang="en-US"/>
-          </a:p>
-        </p:txBody>
-      </p:sp>
-      <p:sp>
-        <p:nvSpPr>
-          <p:cNvPr id="39" name="矩形 38"/>
-          <p:cNvSpPr/>
-          <p:nvPr/>
-        </p:nvSpPr>
-        <p:spPr>
-          <a:xfrm>
-            <a:off x="9142810" y="-27390"/>
-            <a:ext cx="3047603" cy="123423"/>
-          </a:xfrm>
-          <a:prstGeom prst="rect">
-            <a:avLst/>
-          </a:prstGeom>
-          <a:solidFill>
-            <a:srgbClr val="FF9933"/>
-          </a:solidFill>
-          <a:ln>
-            <a:noFill/>
-          </a:ln>
-        </p:spPr>
-        <p:style>
-          <a:lnRef idx="2">
-            <a:schemeClr val="accent1">
-              <a:shade val="50000"/>
-            </a:schemeClr>
-          </a:lnRef>
-          <a:fillRef idx="1">
-            <a:schemeClr val="accent1"/>
-          </a:fillRef>
-          <a:effectRef idx="0">
-            <a:schemeClr val="accent1"/>
-          </a:effectRef>
-          <a:fontRef idx="minor">
-            <a:schemeClr val="lt1"/>
-          </a:fontRef>
-        </p:style>
-        <p:txBody>
-          <a:bodyPr lIns="121917" tIns="60958" rIns="121917" bIns="60958" rtlCol="0" anchor="ctr"/>
-          <a:lstStyle/>
-          <a:p>
-            <a:pPr algn="ctr"/>
-            <a:endParaRPr lang="zh-CN" altLang="en-US"/>
-          </a:p>
-        </p:txBody>
-      </p:sp>
-      <p:sp>
-        <p:nvSpPr>
-          <p:cNvPr id="41" name="文本框 5"/>
-          <p:cNvSpPr txBox="1"/>
-          <p:nvPr/>
-        </p:nvSpPr>
-        <p:spPr>
-          <a:xfrm>
-            <a:off x="3663094" y="4778722"/>
-            <a:ext cx="2552267" cy="384705"/>
-          </a:xfrm>
-          <a:prstGeom prst="rect">
-            <a:avLst/>
-          </a:prstGeom>
-          <a:noFill/>
-        </p:spPr>
-        <p:txBody>
-          <a:bodyPr wrap="none" lIns="91423" tIns="45712" rIns="91423" bIns="45712" rtlCol="0">
-            <a:spAutoFit/>
-          </a:bodyPr>
-          <a:lstStyle/>
-          <a:p>
-            <a:pPr algn="ctr"/>
-            <a:r>
-              <a:rPr lang="en-US" altLang="zh-CN" sz="1900" dirty="0">
-                <a:solidFill>
-                  <a:schemeClr val="tx1">
-                    <a:lumMod val="85000"/>
-                    <a:lumOff val="15000"/>
-                  </a:schemeClr>
-                </a:solidFill>
-                <a:latin typeface="微软雅黑" panose="020B0503020204020204" pitchFamily="34" charset="-122"/>
-                <a:ea typeface="微软雅黑" panose="020B0503020204020204" pitchFamily="34" charset="-122"/>
-              </a:rPr>
-              <a:t>PRD</a:t>
-            </a:r>
-            <a:r>
-              <a:rPr lang="en-US" sz="1900" dirty="0" smtClean="0">
-                <a:solidFill>
-                  <a:schemeClr val="tx1">
-                    <a:lumMod val="85000"/>
-                    <a:lumOff val="15000"/>
-                  </a:schemeClr>
-                </a:solidFill>
-                <a:latin typeface="微软雅黑" panose="020B0503020204020204" pitchFamily="34" charset="-122"/>
-                <a:ea typeface="微软雅黑" panose="020B0503020204020204" pitchFamily="34" charset="-122"/>
-              </a:rPr>
-              <a:t>2018</a:t>
-            </a:r>
-            <a:r>
-              <a:rPr lang="zh-CN" altLang="en-US" sz="1900" dirty="0">
-                <a:solidFill>
-                  <a:schemeClr val="tx1">
-                    <a:lumMod val="85000"/>
-                    <a:lumOff val="15000"/>
-                  </a:schemeClr>
-                </a:solidFill>
-                <a:latin typeface="微软雅黑" panose="020B0503020204020204" pitchFamily="34" charset="-122"/>
-                <a:ea typeface="微软雅黑" panose="020B0503020204020204" pitchFamily="34" charset="-122"/>
-              </a:rPr>
-              <a:t>秋</a:t>
-            </a:r>
-            <a:r>
-              <a:rPr lang="en-US" altLang="zh-CN" sz="1900" dirty="0" smtClean="0">
-                <a:solidFill>
-                  <a:schemeClr val="tx1">
-                    <a:lumMod val="85000"/>
-                    <a:lumOff val="15000"/>
-                  </a:schemeClr>
-                </a:solidFill>
-                <a:latin typeface="微软雅黑" panose="020B0503020204020204" pitchFamily="34" charset="-122"/>
-                <a:ea typeface="微软雅黑" panose="020B0503020204020204" pitchFamily="34" charset="-122"/>
-              </a:rPr>
-              <a:t>-</a:t>
-            </a:r>
-            <a:r>
-              <a:rPr lang="en-US" sz="1900" dirty="0" smtClean="0">
-                <a:solidFill>
-                  <a:schemeClr val="tx1">
-                    <a:lumMod val="85000"/>
-                    <a:lumOff val="15000"/>
-                  </a:schemeClr>
-                </a:solidFill>
-                <a:latin typeface="微软雅黑" panose="020B0503020204020204" pitchFamily="34" charset="-122"/>
-                <a:ea typeface="微软雅黑" panose="020B0503020204020204" pitchFamily="34" charset="-122"/>
-              </a:rPr>
-              <a:t>G11</a:t>
-            </a:r>
-            <a:r>
-              <a:rPr lang="zh-CN" altLang="en-US" sz="1900" dirty="0" smtClean="0">
-                <a:solidFill>
-                  <a:schemeClr val="tx1">
-                    <a:lumMod val="85000"/>
-                    <a:lumOff val="15000"/>
-                  </a:schemeClr>
-                </a:solidFill>
-                <a:latin typeface="微软雅黑" panose="020B0503020204020204" pitchFamily="34" charset="-122"/>
-                <a:ea typeface="微软雅黑" panose="020B0503020204020204" pitchFamily="34" charset="-122"/>
-              </a:rPr>
-              <a:t>小组</a:t>
-            </a:r>
-            <a:endParaRPr lang="zh-CN" altLang="en-US" sz="1900" dirty="0">
-              <a:solidFill>
-                <a:schemeClr val="tx1">
-                  <a:lumMod val="85000"/>
-                  <a:lumOff val="15000"/>
-                </a:schemeClr>
-              </a:solidFill>
-              <a:latin typeface="微软雅黑" panose="020B0503020204020204" pitchFamily="34" charset="-122"/>
-              <a:ea typeface="微软雅黑" panose="020B0503020204020204" pitchFamily="34" charset="-122"/>
-            </a:endParaRPr>
-          </a:p>
-        </p:txBody>
-      </p:sp>
-      <p:sp>
-        <p:nvSpPr>
-          <p:cNvPr id="42" name="矩形 41"/>
-          <p:cNvSpPr/>
-          <p:nvPr/>
-        </p:nvSpPr>
-        <p:spPr>
-          <a:xfrm>
-            <a:off x="4110906" y="3692461"/>
-            <a:ext cx="3975100" cy="643890"/>
-          </a:xfrm>
-          <a:prstGeom prst="rect">
-            <a:avLst/>
-          </a:prstGeom>
-          <a:noFill/>
-          <a:ln>
-            <a:noFill/>
-          </a:ln>
-          <a:effectLst>
-            <a:glow rad="1905000">
-              <a:srgbClr val="F14124">
-                <a:alpha val="40000"/>
-              </a:srgbClr>
-            </a:glow>
-            <a:softEdge rad="1270000"/>
-          </a:effectLst>
-        </p:spPr>
-        <p:txBody>
-          <a:bodyPr wrap="none" lIns="91423" tIns="45712" rIns="91423" bIns="45712">
-            <a:spAutoFit/>
-          </a:bodyPr>
-          <a:lstStyle/>
-          <a:p>
-            <a:pPr algn="ctr"/>
-            <a:r>
-              <a:rPr lang="zh-CN" altLang="en-US" sz="3600" b="1" dirty="0">
-                <a:solidFill>
-                  <a:schemeClr val="tx1">
-                    <a:lumMod val="75000"/>
-                    <a:lumOff val="25000"/>
-                  </a:schemeClr>
-                </a:solidFill>
-                <a:latin typeface="微软雅黑" panose="020B0503020204020204" pitchFamily="34" charset="-122"/>
-                <a:ea typeface="微软雅黑" panose="020B0503020204020204" pitchFamily="34" charset="-122"/>
-              </a:rPr>
-              <a:t>汇报结束 感谢观看</a:t>
-            </a:r>
-            <a:endParaRPr lang="zh-CN" altLang="en-US" sz="3600" b="1" dirty="0">
-              <a:solidFill>
-                <a:schemeClr val="tx1">
-                  <a:lumMod val="75000"/>
-                  <a:lumOff val="25000"/>
-                </a:schemeClr>
-              </a:solidFill>
-              <a:latin typeface="微软雅黑" panose="020B0503020204020204" pitchFamily="34" charset="-122"/>
-              <a:ea typeface="微软雅黑" panose="020B0503020204020204" pitchFamily="34" charset="-122"/>
-            </a:endParaRPr>
-          </a:p>
-        </p:txBody>
-      </p:sp>
-      <p:sp>
-        <p:nvSpPr>
-          <p:cNvPr id="43" name="文本框 5"/>
-          <p:cNvSpPr txBox="1"/>
-          <p:nvPr/>
-        </p:nvSpPr>
-        <p:spPr>
-          <a:xfrm>
-            <a:off x="6287332" y="4778722"/>
-            <a:ext cx="2038350" cy="382270"/>
-          </a:xfrm>
-          <a:prstGeom prst="rect">
-            <a:avLst/>
-          </a:prstGeom>
-          <a:noFill/>
-        </p:spPr>
-        <p:txBody>
-          <a:bodyPr wrap="none" lIns="91423" tIns="45712" rIns="91423" bIns="45712" rtlCol="0">
-            <a:spAutoFit/>
-          </a:bodyPr>
-          <a:lstStyle/>
-          <a:p>
-            <a:pPr algn="ctr"/>
-            <a:r>
-              <a:rPr lang="en-US" altLang="zh-CN" sz="1900" dirty="0" smtClean="0">
-                <a:solidFill>
-                  <a:schemeClr val="tx1">
-                    <a:lumMod val="85000"/>
-                    <a:lumOff val="15000"/>
-                  </a:schemeClr>
-                </a:solidFill>
-                <a:latin typeface="微软雅黑" panose="020B0503020204020204" pitchFamily="34" charset="-122"/>
-                <a:ea typeface="微软雅黑" panose="020B0503020204020204" pitchFamily="34" charset="-122"/>
-              </a:rPr>
-              <a:t>2018</a:t>
-            </a:r>
-            <a:r>
-              <a:rPr lang="zh-CN" altLang="en-US" sz="1900" dirty="0" smtClean="0">
-                <a:solidFill>
-                  <a:schemeClr val="tx1">
-                    <a:lumMod val="85000"/>
-                    <a:lumOff val="15000"/>
-                  </a:schemeClr>
-                </a:solidFill>
-                <a:latin typeface="微软雅黑" panose="020B0503020204020204" pitchFamily="34" charset="-122"/>
-                <a:ea typeface="微软雅黑" panose="020B0503020204020204" pitchFamily="34" charset="-122"/>
-              </a:rPr>
-              <a:t>年</a:t>
-            </a:r>
-            <a:r>
-              <a:rPr lang="en-US" altLang="zh-CN" sz="1900" dirty="0">
-                <a:solidFill>
-                  <a:schemeClr val="tx1">
-                    <a:lumMod val="85000"/>
-                    <a:lumOff val="15000"/>
-                  </a:schemeClr>
-                </a:solidFill>
-                <a:latin typeface="微软雅黑" panose="020B0503020204020204" pitchFamily="34" charset="-122"/>
-                <a:ea typeface="微软雅黑" panose="020B0503020204020204" pitchFamily="34" charset="-122"/>
-              </a:rPr>
-              <a:t>11</a:t>
-            </a:r>
-            <a:r>
-              <a:rPr lang="zh-CN" altLang="en-US" sz="1900" dirty="0" smtClean="0">
-                <a:solidFill>
-                  <a:schemeClr val="tx1">
-                    <a:lumMod val="85000"/>
-                    <a:lumOff val="15000"/>
-                  </a:schemeClr>
-                </a:solidFill>
-                <a:latin typeface="微软雅黑" panose="020B0503020204020204" pitchFamily="34" charset="-122"/>
-                <a:ea typeface="微软雅黑" panose="020B0503020204020204" pitchFamily="34" charset="-122"/>
-              </a:rPr>
-              <a:t>月</a:t>
-            </a:r>
-            <a:r>
-              <a:rPr lang="en-US" altLang="zh-CN" sz="1900" dirty="0" smtClean="0">
-                <a:solidFill>
-                  <a:schemeClr val="tx1">
-                    <a:lumMod val="85000"/>
-                    <a:lumOff val="15000"/>
-                  </a:schemeClr>
-                </a:solidFill>
-                <a:latin typeface="微软雅黑" panose="020B0503020204020204" pitchFamily="34" charset="-122"/>
-                <a:ea typeface="微软雅黑" panose="020B0503020204020204" pitchFamily="34" charset="-122"/>
-              </a:rPr>
-              <a:t>11</a:t>
-            </a:r>
-            <a:r>
-              <a:rPr lang="zh-CN" altLang="en-US" sz="1900" dirty="0" smtClean="0">
-                <a:solidFill>
-                  <a:schemeClr val="tx1">
-                    <a:lumMod val="85000"/>
-                    <a:lumOff val="15000"/>
-                  </a:schemeClr>
-                </a:solidFill>
-                <a:latin typeface="微软雅黑" panose="020B0503020204020204" pitchFamily="34" charset="-122"/>
-                <a:ea typeface="微软雅黑" panose="020B0503020204020204" pitchFamily="34" charset="-122"/>
-              </a:rPr>
-              <a:t>日</a:t>
-            </a:r>
-            <a:endParaRPr lang="zh-CN" altLang="en-US" sz="1900" dirty="0">
-              <a:solidFill>
-                <a:schemeClr val="tx1">
-                  <a:lumMod val="85000"/>
-                  <a:lumOff val="15000"/>
-                </a:schemeClr>
-              </a:solidFill>
-              <a:latin typeface="微软雅黑" panose="020B0503020204020204" pitchFamily="34" charset="-122"/>
-              <a:ea typeface="微软雅黑" panose="020B0503020204020204" pitchFamily="34" charset="-122"/>
-            </a:endParaRPr>
-          </a:p>
-        </p:txBody>
-      </p:sp>
-      <p:cxnSp>
-        <p:nvCxnSpPr>
-          <p:cNvPr id="44" name="直接连接符 43"/>
-          <p:cNvCxnSpPr/>
-          <p:nvPr/>
-        </p:nvCxnSpPr>
-        <p:spPr>
-          <a:xfrm>
-            <a:off x="2639273" y="4529730"/>
-            <a:ext cx="6911868" cy="0"/>
-          </a:xfrm>
-          <a:prstGeom prst="line">
-            <a:avLst/>
-          </a:prstGeom>
-          <a:ln>
-            <a:solidFill>
-              <a:srgbClr val="38B1BF"/>
-            </a:solidFill>
-          </a:ln>
-        </p:spPr>
-        <p:style>
-          <a:lnRef idx="1">
-            <a:schemeClr val="accent1"/>
-          </a:lnRef>
-          <a:fillRef idx="0">
-            <a:schemeClr val="accent1"/>
-          </a:fillRef>
-          <a:effectRef idx="0">
-            <a:schemeClr val="accent1"/>
-          </a:effectRef>
-          <a:fontRef idx="minor">
-            <a:schemeClr val="tx1"/>
-          </a:fontRef>
-        </p:style>
-      </p:cxnSp>
-      <p:pic>
-        <p:nvPicPr>
-          <p:cNvPr id="46" name="商务.mp3">
-            <a:hlinkClick r:id="" action="ppaction://media"/>
-          </p:cNvPr>
-          <p:cNvPicPr>
-            <a:picLocks noChangeAspect="1"/>
-          </p:cNvPicPr>
-          <p:nvPr>
-            <a:audioFile r:link="rId1"/>
-            <p:extLst>
-              <p:ext uri="{DAA4B4D4-6D71-4841-9C94-3DE7FCFB9230}">
-                <p14:media xmlns:p14="http://schemas.microsoft.com/office/powerpoint/2010/main" r:embed="rId2"/>
-              </p:ext>
-            </p:extLst>
-          </p:nvPr>
-        </p:nvPicPr>
-        <p:blipFill>
-          <a:blip r:embed="rId3"/>
-          <a:stretch>
-            <a:fillRect/>
-          </a:stretch>
-        </p:blipFill>
-        <p:spPr>
-          <a:xfrm>
-            <a:off x="12418122" y="6197364"/>
-            <a:ext cx="812694" cy="812988"/>
-          </a:xfrm>
-          <a:prstGeom prst="rect">
-            <a:avLst/>
-          </a:prstGeom>
-        </p:spPr>
-      </p:pic>
-      <p:sp>
-        <p:nvSpPr>
-          <p:cNvPr id="2" name="文本框 1"/>
-          <p:cNvSpPr txBox="1"/>
-          <p:nvPr/>
-        </p:nvSpPr>
-        <p:spPr>
-          <a:xfrm>
-            <a:off x="4051300" y="5527040"/>
-            <a:ext cx="4747895" cy="414020"/>
-          </a:xfrm>
-          <a:prstGeom prst="rect">
-            <a:avLst/>
-          </a:prstGeom>
-          <a:noFill/>
-        </p:spPr>
-        <p:txBody>
-          <a:bodyPr wrap="square" rtlCol="0">
-            <a:spAutoFit/>
-          </a:bodyPr>
-          <a:lstStyle/>
-          <a:p>
-            <a:r>
-              <a:rPr lang="zh-CN" altLang="en-US" kern="300" spc="2000">
-                <a:solidFill>
-                  <a:schemeClr val="tx1"/>
-                </a:solidFill>
-                <a:uFillTx/>
-                <a:latin typeface="+中文标题" charset="0"/>
-                <a:ea typeface="+mj-ea"/>
-              </a:rPr>
-              <a:t>浙江大学城市学院</a:t>
-            </a:r>
-            <a:endParaRPr lang="zh-CN" altLang="en-US" kern="300" spc="2000">
-              <a:solidFill>
-                <a:schemeClr val="tx1"/>
-              </a:solidFill>
-              <a:uFillTx/>
-              <a:latin typeface="+中文标题" charset="0"/>
-              <a:ea typeface="+mj-ea"/>
-            </a:endParaRPr>
-          </a:p>
-        </p:txBody>
-      </p:sp>
-    </p:spTree>
-  </p:cSld>
-  <p:clrMapOvr>
-    <a:masterClrMapping/>
-  </p:clrMapOvr>
-  <mc:AlternateContent xmlns:mc="http://schemas.openxmlformats.org/markup-compatibility/2006">
-    <mc:Choice xmlns:p14="http://schemas.microsoft.com/office/powerpoint/2010/main" Requires="p14">
-      <p:transition spd="slow" p14:dur="1600" advClick="0" advTm="0">
-        <p:blinds dir="vert"/>
-      </p:transition>
-    </mc:Choice>
-    <mc:Fallback>
-      <p:transition spd="slow" advClick="0" advTm="0">
-        <p:blinds dir="vert"/>
-      </p:transition>
-    </mc:Fallback>
-  </mc:AlternateContent>
-  <p:timing>
-    <p:tnLst>
-      <p:par>
-        <p:cTn id="1" dur="indefinite" restart="never" nodeType="tmRoot">
-          <p:childTnLst>
-            <p:seq concurrent="1" nextAc="seek">
-              <p:cTn id="2" dur="indefinite" nodeType="mainSeq">
-                <p:childTnLst>
-                  <p:par>
-                    <p:cTn id="3" fill="hold">
-                      <p:stCondLst>
-                        <p:cond delay="indefinite"/>
-                        <p:cond evt="onBegin" delay="0">
-                          <p:tn val="2"/>
-                        </p:cond>
-                      </p:stCondLst>
-                      <p:childTnLst>
-                        <p:par>
-                          <p:cTn id="4" fill="hold">
-                            <p:stCondLst>
-                              <p:cond delay="0"/>
-                            </p:stCondLst>
-                            <p:childTnLst>
-                              <p:par>
-                                <p:cTn id="5" presetID="1" presetClass="mediacall" presetSubtype="0" fill="hold" nodeType="withEffect">
-                                  <p:stCondLst>
-                                    <p:cond delay="0"/>
-                                  </p:stCondLst>
-                                  <p:childTnLst>
-                                    <p:cmd type="call" cmd="playFrom(0.0)">
-                                      <p:cBhvr>
-                                        <p:cTn id="6" dur="1" fill="hold"/>
-                                        <p:tgtEl>
-                                          <p:spTgt spid="46"/>
-                                        </p:tgtEl>
-                                      </p:cBhvr>
-                                    </p:cmd>
-                                  </p:childTnLst>
-                                </p:cTn>
-                              </p:par>
-                              <p:par>
-                                <p:cTn id="7" presetID="10" presetClass="entr" presetSubtype="0" fill="hold" grpId="0" nodeType="withEffect">
-                                  <p:stCondLst>
-                                    <p:cond delay="0"/>
-                                  </p:stCondLst>
-                                  <p:childTnLst>
-                                    <p:set>
-                                      <p:cBhvr>
-                                        <p:cTn id="8" dur="1" fill="hold">
-                                          <p:stCondLst>
-                                            <p:cond delay="0"/>
-                                          </p:stCondLst>
-                                        </p:cTn>
-                                        <p:tgtEl>
-                                          <p:spTgt spid="36"/>
-                                        </p:tgtEl>
-                                        <p:attrNameLst>
-                                          <p:attrName>style.visibility</p:attrName>
-                                        </p:attrNameLst>
-                                      </p:cBhvr>
-                                      <p:to>
-                                        <p:strVal val="visible"/>
-                                      </p:to>
-                                    </p:set>
-                                    <p:animEffect transition="in" filter="fade">
-                                      <p:cBhvr>
-                                        <p:cTn id="9" dur="200"/>
-                                        <p:tgtEl>
-                                          <p:spTgt spid="36"/>
-                                        </p:tgtEl>
-                                      </p:cBhvr>
-                                    </p:animEffect>
-                                  </p:childTnLst>
-                                </p:cTn>
-                              </p:par>
-                              <p:par>
-                                <p:cTn id="10" presetID="10" presetClass="entr" presetSubtype="0" fill="hold" grpId="0" nodeType="withEffect">
-                                  <p:stCondLst>
-                                    <p:cond delay="0"/>
-                                  </p:stCondLst>
-                                  <p:childTnLst>
-                                    <p:set>
-                                      <p:cBhvr>
-                                        <p:cTn id="11" dur="1" fill="hold">
-                                          <p:stCondLst>
-                                            <p:cond delay="0"/>
-                                          </p:stCondLst>
-                                        </p:cTn>
-                                        <p:tgtEl>
-                                          <p:spTgt spid="37"/>
-                                        </p:tgtEl>
-                                        <p:attrNameLst>
-                                          <p:attrName>style.visibility</p:attrName>
-                                        </p:attrNameLst>
-                                      </p:cBhvr>
-                                      <p:to>
-                                        <p:strVal val="visible"/>
-                                      </p:to>
-                                    </p:set>
-                                    <p:animEffect transition="in" filter="fade">
-                                      <p:cBhvr>
-                                        <p:cTn id="12" dur="200"/>
-                                        <p:tgtEl>
-                                          <p:spTgt spid="37"/>
-                                        </p:tgtEl>
-                                      </p:cBhvr>
-                                    </p:animEffect>
-                                  </p:childTnLst>
-                                </p:cTn>
-                              </p:par>
-                              <p:par>
-                                <p:cTn id="13" presetID="10" presetClass="entr" presetSubtype="0" fill="hold" grpId="0" nodeType="withEffect">
-                                  <p:stCondLst>
-                                    <p:cond delay="0"/>
-                                  </p:stCondLst>
-                                  <p:childTnLst>
-                                    <p:set>
-                                      <p:cBhvr>
-                                        <p:cTn id="14" dur="1" fill="hold">
-                                          <p:stCondLst>
-                                            <p:cond delay="0"/>
-                                          </p:stCondLst>
-                                        </p:cTn>
-                                        <p:tgtEl>
-                                          <p:spTgt spid="38"/>
-                                        </p:tgtEl>
-                                        <p:attrNameLst>
-                                          <p:attrName>style.visibility</p:attrName>
-                                        </p:attrNameLst>
-                                      </p:cBhvr>
-                                      <p:to>
-                                        <p:strVal val="visible"/>
-                                      </p:to>
-                                    </p:set>
-                                    <p:animEffect transition="in" filter="fade">
-                                      <p:cBhvr>
-                                        <p:cTn id="15" dur="200"/>
-                                        <p:tgtEl>
-                                          <p:spTgt spid="38"/>
-                                        </p:tgtEl>
-                                      </p:cBhvr>
-                                    </p:animEffect>
-                                  </p:childTnLst>
-                                </p:cTn>
-                              </p:par>
-                              <p:par>
-                                <p:cTn id="16" presetID="10" presetClass="entr" presetSubtype="0" fill="hold" grpId="0" nodeType="withEffect">
-                                  <p:stCondLst>
-                                    <p:cond delay="0"/>
-                                  </p:stCondLst>
-                                  <p:childTnLst>
-                                    <p:set>
-                                      <p:cBhvr>
-                                        <p:cTn id="17" dur="1" fill="hold">
-                                          <p:stCondLst>
-                                            <p:cond delay="0"/>
-                                          </p:stCondLst>
-                                        </p:cTn>
-                                        <p:tgtEl>
-                                          <p:spTgt spid="39"/>
-                                        </p:tgtEl>
-                                        <p:attrNameLst>
-                                          <p:attrName>style.visibility</p:attrName>
-                                        </p:attrNameLst>
-                                      </p:cBhvr>
-                                      <p:to>
-                                        <p:strVal val="visible"/>
-                                      </p:to>
-                                    </p:set>
-                                    <p:animEffect transition="in" filter="fade">
-                                      <p:cBhvr>
-                                        <p:cTn id="18" dur="200"/>
-                                        <p:tgtEl>
-                                          <p:spTgt spid="39"/>
-                                        </p:tgtEl>
-                                      </p:cBhvr>
-                                    </p:animEffect>
-                                  </p:childTnLst>
-                                </p:cTn>
-                              </p:par>
-                              <p:par>
-                                <p:cTn id="19" presetID="10" presetClass="entr" presetSubtype="0" fill="hold" grpId="0" nodeType="withEffect">
-                                  <p:stCondLst>
-                                    <p:cond delay="0"/>
-                                  </p:stCondLst>
-                                  <p:childTnLst>
-                                    <p:set>
-                                      <p:cBhvr>
-                                        <p:cTn id="20" dur="1" fill="hold">
-                                          <p:stCondLst>
-                                            <p:cond delay="0"/>
-                                          </p:stCondLst>
-                                        </p:cTn>
-                                        <p:tgtEl>
-                                          <p:spTgt spid="32"/>
-                                        </p:tgtEl>
-                                        <p:attrNameLst>
-                                          <p:attrName>style.visibility</p:attrName>
-                                        </p:attrNameLst>
-                                      </p:cBhvr>
-                                      <p:to>
-                                        <p:strVal val="visible"/>
-                                      </p:to>
-                                    </p:set>
-                                    <p:animEffect transition="in" filter="fade">
-                                      <p:cBhvr>
-                                        <p:cTn id="21" dur="200"/>
-                                        <p:tgtEl>
-                                          <p:spTgt spid="32"/>
-                                        </p:tgtEl>
-                                      </p:cBhvr>
-                                    </p:animEffect>
-                                  </p:childTnLst>
-                                </p:cTn>
-                              </p:par>
-                              <p:par>
-                                <p:cTn id="22" presetID="10" presetClass="entr" presetSubtype="0" fill="hold" grpId="0" nodeType="withEffect">
-                                  <p:stCondLst>
-                                    <p:cond delay="0"/>
-                                  </p:stCondLst>
-                                  <p:childTnLst>
-                                    <p:set>
-                                      <p:cBhvr>
-                                        <p:cTn id="23" dur="1" fill="hold">
-                                          <p:stCondLst>
-                                            <p:cond delay="0"/>
-                                          </p:stCondLst>
-                                        </p:cTn>
-                                        <p:tgtEl>
-                                          <p:spTgt spid="33"/>
-                                        </p:tgtEl>
-                                        <p:attrNameLst>
-                                          <p:attrName>style.visibility</p:attrName>
-                                        </p:attrNameLst>
-                                      </p:cBhvr>
-                                      <p:to>
-                                        <p:strVal val="visible"/>
-                                      </p:to>
-                                    </p:set>
-                                    <p:animEffect transition="in" filter="fade">
-                                      <p:cBhvr>
-                                        <p:cTn id="24" dur="200"/>
-                                        <p:tgtEl>
-                                          <p:spTgt spid="33"/>
-                                        </p:tgtEl>
-                                      </p:cBhvr>
-                                    </p:animEffect>
-                                  </p:childTnLst>
-                                </p:cTn>
-                              </p:par>
-                              <p:par>
-                                <p:cTn id="25" presetID="10" presetClass="entr" presetSubtype="0" fill="hold" grpId="0" nodeType="withEffect">
-                                  <p:stCondLst>
-                                    <p:cond delay="0"/>
-                                  </p:stCondLst>
-                                  <p:childTnLst>
-                                    <p:set>
-                                      <p:cBhvr>
-                                        <p:cTn id="26" dur="1" fill="hold">
-                                          <p:stCondLst>
-                                            <p:cond delay="0"/>
-                                          </p:stCondLst>
-                                        </p:cTn>
-                                        <p:tgtEl>
-                                          <p:spTgt spid="34"/>
-                                        </p:tgtEl>
-                                        <p:attrNameLst>
-                                          <p:attrName>style.visibility</p:attrName>
-                                        </p:attrNameLst>
-                                      </p:cBhvr>
-                                      <p:to>
-                                        <p:strVal val="visible"/>
-                                      </p:to>
-                                    </p:set>
-                                    <p:animEffect transition="in" filter="fade">
-                                      <p:cBhvr>
-                                        <p:cTn id="27" dur="200"/>
-                                        <p:tgtEl>
-                                          <p:spTgt spid="34"/>
-                                        </p:tgtEl>
-                                      </p:cBhvr>
-                                    </p:animEffect>
-                                  </p:childTnLst>
-                                </p:cTn>
-                              </p:par>
-                              <p:par>
-                                <p:cTn id="28" presetID="10" presetClass="entr" presetSubtype="0" fill="hold" grpId="0" nodeType="withEffect">
-                                  <p:stCondLst>
-                                    <p:cond delay="0"/>
-                                  </p:stCondLst>
-                                  <p:childTnLst>
-                                    <p:set>
-                                      <p:cBhvr>
-                                        <p:cTn id="29" dur="1" fill="hold">
-                                          <p:stCondLst>
-                                            <p:cond delay="0"/>
-                                          </p:stCondLst>
-                                        </p:cTn>
-                                        <p:tgtEl>
-                                          <p:spTgt spid="35"/>
-                                        </p:tgtEl>
-                                        <p:attrNameLst>
-                                          <p:attrName>style.visibility</p:attrName>
-                                        </p:attrNameLst>
-                                      </p:cBhvr>
-                                      <p:to>
-                                        <p:strVal val="visible"/>
-                                      </p:to>
-                                    </p:set>
-                                    <p:animEffect transition="in" filter="fade">
-                                      <p:cBhvr>
-                                        <p:cTn id="30" dur="200"/>
-                                        <p:tgtEl>
-                                          <p:spTgt spid="35"/>
-                                        </p:tgtEl>
-                                      </p:cBhvr>
-                                    </p:animEffect>
-                                  </p:childTnLst>
-                                </p:cTn>
-                              </p:par>
-                            </p:childTnLst>
-                          </p:cTn>
-                        </p:par>
-                        <p:par>
-                          <p:cTn id="31" fill="hold">
-                            <p:stCondLst>
-                              <p:cond delay="0"/>
-                            </p:stCondLst>
-                            <p:childTnLst>
-                              <p:par>
-                                <p:cTn id="32" presetID="2" presetClass="entr" presetSubtype="8" fill="hold" nodeType="afterEffect">
-                                  <p:stCondLst>
-                                    <p:cond delay="0"/>
-                                  </p:stCondLst>
-                                  <p:childTnLst>
-                                    <p:set>
-                                      <p:cBhvr>
-                                        <p:cTn id="33" dur="1" fill="hold">
-                                          <p:stCondLst>
-                                            <p:cond delay="0"/>
-                                          </p:stCondLst>
-                                        </p:cTn>
-                                        <p:tgtEl>
-                                          <p:spTgt spid="30"/>
-                                        </p:tgtEl>
-                                        <p:attrNameLst>
-                                          <p:attrName>style.visibility</p:attrName>
-                                        </p:attrNameLst>
-                                      </p:cBhvr>
-                                      <p:to>
-                                        <p:strVal val="visible"/>
-                                      </p:to>
-                                    </p:set>
-                                    <p:anim calcmode="lin" valueType="num">
-                                      <p:cBhvr additive="base">
-                                        <p:cTn id="34" dur="500" fill="hold"/>
-                                        <p:tgtEl>
-                                          <p:spTgt spid="30"/>
-                                        </p:tgtEl>
-                                        <p:attrNameLst>
-                                          <p:attrName>ppt_x</p:attrName>
-                                        </p:attrNameLst>
-                                      </p:cBhvr>
-                                      <p:tavLst>
-                                        <p:tav tm="0">
-                                          <p:val>
-                                            <p:strVal val="0-#ppt_w/2"/>
-                                          </p:val>
-                                        </p:tav>
-                                        <p:tav tm="100000">
-                                          <p:val>
-                                            <p:strVal val="#ppt_x"/>
-                                          </p:val>
-                                        </p:tav>
-                                      </p:tavLst>
-                                    </p:anim>
-                                    <p:anim calcmode="lin" valueType="num">
-                                      <p:cBhvr additive="base">
-                                        <p:cTn id="35" dur="500" fill="hold"/>
-                                        <p:tgtEl>
-                                          <p:spTgt spid="30"/>
-                                        </p:tgtEl>
-                                        <p:attrNameLst>
-                                          <p:attrName>ppt_y</p:attrName>
-                                        </p:attrNameLst>
-                                      </p:cBhvr>
-                                      <p:tavLst>
-                                        <p:tav tm="0">
-                                          <p:val>
-                                            <p:strVal val="#ppt_y"/>
-                                          </p:val>
-                                        </p:tav>
-                                        <p:tav tm="100000">
-                                          <p:val>
-                                            <p:strVal val="#ppt_y"/>
-                                          </p:val>
-                                        </p:tav>
-                                      </p:tavLst>
-                                    </p:anim>
-                                  </p:childTnLst>
-                                </p:cTn>
-                              </p:par>
-                              <p:par>
-                                <p:cTn id="36" presetID="2" presetClass="entr" presetSubtype="2" fill="hold" nodeType="withEffect">
-                                  <p:stCondLst>
-                                    <p:cond delay="0"/>
-                                  </p:stCondLst>
-                                  <p:childTnLst>
-                                    <p:set>
-                                      <p:cBhvr>
-                                        <p:cTn id="37" dur="1" fill="hold">
-                                          <p:stCondLst>
-                                            <p:cond delay="0"/>
-                                          </p:stCondLst>
-                                        </p:cTn>
-                                        <p:tgtEl>
-                                          <p:spTgt spid="31"/>
-                                        </p:tgtEl>
-                                        <p:attrNameLst>
-                                          <p:attrName>style.visibility</p:attrName>
-                                        </p:attrNameLst>
-                                      </p:cBhvr>
-                                      <p:to>
-                                        <p:strVal val="visible"/>
-                                      </p:to>
-                                    </p:set>
-                                    <p:anim calcmode="lin" valueType="num">
-                                      <p:cBhvr additive="base">
-                                        <p:cTn id="38" dur="500" fill="hold"/>
-                                        <p:tgtEl>
-                                          <p:spTgt spid="31"/>
-                                        </p:tgtEl>
-                                        <p:attrNameLst>
-                                          <p:attrName>ppt_x</p:attrName>
-                                        </p:attrNameLst>
-                                      </p:cBhvr>
-                                      <p:tavLst>
-                                        <p:tav tm="0">
-                                          <p:val>
-                                            <p:strVal val="1+#ppt_w/2"/>
-                                          </p:val>
-                                        </p:tav>
-                                        <p:tav tm="100000">
-                                          <p:val>
-                                            <p:strVal val="#ppt_x"/>
-                                          </p:val>
-                                        </p:tav>
-                                      </p:tavLst>
-                                    </p:anim>
-                                    <p:anim calcmode="lin" valueType="num">
-                                      <p:cBhvr additive="base">
-                                        <p:cTn id="39" dur="500" fill="hold"/>
-                                        <p:tgtEl>
-                                          <p:spTgt spid="31"/>
-                                        </p:tgtEl>
-                                        <p:attrNameLst>
-                                          <p:attrName>ppt_y</p:attrName>
-                                        </p:attrNameLst>
-                                      </p:cBhvr>
-                                      <p:tavLst>
-                                        <p:tav tm="0">
-                                          <p:val>
-                                            <p:strVal val="#ppt_y"/>
-                                          </p:val>
-                                        </p:tav>
-                                        <p:tav tm="100000">
-                                          <p:val>
-                                            <p:strVal val="#ppt_y"/>
-                                          </p:val>
-                                        </p:tav>
-                                      </p:tavLst>
-                                    </p:anim>
-                                  </p:childTnLst>
-                                </p:cTn>
-                              </p:par>
-                            </p:childTnLst>
-                          </p:cTn>
-                        </p:par>
-                        <p:par>
-                          <p:cTn id="40" fill="hold">
-                            <p:stCondLst>
-                              <p:cond delay="500"/>
-                            </p:stCondLst>
-                            <p:childTnLst>
-                              <p:par>
-                                <p:cTn id="41" presetID="16" presetClass="entr" presetSubtype="37" fill="hold" grpId="0" nodeType="afterEffect">
-                                  <p:stCondLst>
-                                    <p:cond delay="0"/>
-                                  </p:stCondLst>
-                                  <p:childTnLst>
-                                    <p:set>
-                                      <p:cBhvr>
-                                        <p:cTn id="42" dur="1" fill="hold">
-                                          <p:stCondLst>
-                                            <p:cond delay="0"/>
-                                          </p:stCondLst>
-                                        </p:cTn>
-                                        <p:tgtEl>
-                                          <p:spTgt spid="42"/>
-                                        </p:tgtEl>
-                                        <p:attrNameLst>
-                                          <p:attrName>style.visibility</p:attrName>
-                                        </p:attrNameLst>
-                                      </p:cBhvr>
-                                      <p:to>
-                                        <p:strVal val="visible"/>
-                                      </p:to>
-                                    </p:set>
-                                    <p:animEffect transition="in" filter="barn(outVertical)">
-                                      <p:cBhvr>
-                                        <p:cTn id="43" dur="1000"/>
-                                        <p:tgtEl>
-                                          <p:spTgt spid="42"/>
-                                        </p:tgtEl>
-                                      </p:cBhvr>
-                                    </p:animEffect>
-                                  </p:childTnLst>
-                                </p:cTn>
-                              </p:par>
-                            </p:childTnLst>
-                          </p:cTn>
-                        </p:par>
-                        <p:par>
-                          <p:cTn id="44" fill="hold">
-                            <p:stCondLst>
-                              <p:cond delay="1500"/>
-                            </p:stCondLst>
-                            <p:childTnLst>
-                              <p:par>
-                                <p:cTn id="45" presetID="22" presetClass="entr" presetSubtype="8" fill="hold" nodeType="afterEffect">
-                                  <p:stCondLst>
-                                    <p:cond delay="0"/>
-                                  </p:stCondLst>
-                                  <p:childTnLst>
-                                    <p:set>
-                                      <p:cBhvr>
-                                        <p:cTn id="46" dur="1" fill="hold">
-                                          <p:stCondLst>
-                                            <p:cond delay="0"/>
-                                          </p:stCondLst>
-                                        </p:cTn>
-                                        <p:tgtEl>
-                                          <p:spTgt spid="44"/>
-                                        </p:tgtEl>
-                                        <p:attrNameLst>
-                                          <p:attrName>style.visibility</p:attrName>
-                                        </p:attrNameLst>
-                                      </p:cBhvr>
-                                      <p:to>
-                                        <p:strVal val="visible"/>
-                                      </p:to>
-                                    </p:set>
-                                    <p:animEffect transition="in" filter="wipe(left)">
-                                      <p:cBhvr>
-                                        <p:cTn id="47" dur="500"/>
-                                        <p:tgtEl>
-                                          <p:spTgt spid="44"/>
-                                        </p:tgtEl>
-                                      </p:cBhvr>
-                                    </p:animEffect>
-                                  </p:childTnLst>
-                                </p:cTn>
-                              </p:par>
-                            </p:childTnLst>
-                          </p:cTn>
-                        </p:par>
-                        <p:par>
-                          <p:cTn id="48" fill="hold">
-                            <p:stCondLst>
-                              <p:cond delay="2000"/>
-                            </p:stCondLst>
-                            <p:childTnLst>
-                              <p:par>
-                                <p:cTn id="49" presetID="12" presetClass="entr" presetSubtype="4" fill="hold" grpId="0" nodeType="afterEffect">
-                                  <p:stCondLst>
-                                    <p:cond delay="0"/>
-                                  </p:stCondLst>
-                                  <p:childTnLst>
-                                    <p:set>
-                                      <p:cBhvr>
-                                        <p:cTn id="50" dur="1" fill="hold">
-                                          <p:stCondLst>
-                                            <p:cond delay="0"/>
-                                          </p:stCondLst>
-                                        </p:cTn>
-                                        <p:tgtEl>
-                                          <p:spTgt spid="41"/>
-                                        </p:tgtEl>
-                                        <p:attrNameLst>
-                                          <p:attrName>style.visibility</p:attrName>
-                                        </p:attrNameLst>
-                                      </p:cBhvr>
-                                      <p:to>
-                                        <p:strVal val="visible"/>
-                                      </p:to>
-                                    </p:set>
-                                    <p:anim calcmode="lin" valueType="num">
-                                      <p:cBhvr additive="base">
-                                        <p:cTn id="51" dur="500"/>
-                                        <p:tgtEl>
-                                          <p:spTgt spid="41"/>
-                                        </p:tgtEl>
-                                        <p:attrNameLst>
-                                          <p:attrName>ppt_y</p:attrName>
-                                        </p:attrNameLst>
-                                      </p:cBhvr>
-                                      <p:tavLst>
-                                        <p:tav tm="0">
-                                          <p:val>
-                                            <p:strVal val="#ppt_y+#ppt_h*1.125000"/>
-                                          </p:val>
-                                        </p:tav>
-                                        <p:tav tm="100000">
-                                          <p:val>
-                                            <p:strVal val="#ppt_y"/>
-                                          </p:val>
-                                        </p:tav>
-                                      </p:tavLst>
-                                    </p:anim>
-                                    <p:animEffect transition="in" filter="wipe(up)">
-                                      <p:cBhvr>
-                                        <p:cTn id="52" dur="500"/>
-                                        <p:tgtEl>
-                                          <p:spTgt spid="41"/>
-                                        </p:tgtEl>
-                                      </p:cBhvr>
-                                    </p:animEffect>
-                                  </p:childTnLst>
-                                </p:cTn>
-                              </p:par>
-                            </p:childTnLst>
-                          </p:cTn>
-                        </p:par>
-                        <p:par>
-                          <p:cTn id="53" fill="hold">
-                            <p:stCondLst>
-                              <p:cond delay="2500"/>
-                            </p:stCondLst>
-                            <p:childTnLst>
-                              <p:par>
-                                <p:cTn id="54" presetID="12" presetClass="entr" presetSubtype="4" fill="hold" grpId="0" nodeType="afterEffect">
-                                  <p:stCondLst>
-                                    <p:cond delay="0"/>
-                                  </p:stCondLst>
-                                  <p:childTnLst>
-                                    <p:set>
-                                      <p:cBhvr>
-                                        <p:cTn id="55" dur="1" fill="hold">
-                                          <p:stCondLst>
-                                            <p:cond delay="0"/>
-                                          </p:stCondLst>
-                                        </p:cTn>
-                                        <p:tgtEl>
-                                          <p:spTgt spid="43"/>
-                                        </p:tgtEl>
-                                        <p:attrNameLst>
-                                          <p:attrName>style.visibility</p:attrName>
-                                        </p:attrNameLst>
-                                      </p:cBhvr>
-                                      <p:to>
-                                        <p:strVal val="visible"/>
-                                      </p:to>
-                                    </p:set>
-                                    <p:anim calcmode="lin" valueType="num">
-                                      <p:cBhvr additive="base">
-                                        <p:cTn id="56" dur="500"/>
-                                        <p:tgtEl>
-                                          <p:spTgt spid="43"/>
-                                        </p:tgtEl>
-                                        <p:attrNameLst>
-                                          <p:attrName>ppt_y</p:attrName>
-                                        </p:attrNameLst>
-                                      </p:cBhvr>
-                                      <p:tavLst>
-                                        <p:tav tm="0">
-                                          <p:val>
-                                            <p:strVal val="#ppt_y+#ppt_h*1.125000"/>
-                                          </p:val>
-                                        </p:tav>
-                                        <p:tav tm="100000">
-                                          <p:val>
-                                            <p:strVal val="#ppt_y"/>
-                                          </p:val>
-                                        </p:tav>
-                                      </p:tavLst>
-                                    </p:anim>
-                                    <p:animEffect transition="in" filter="wipe(up)">
-                                      <p:cBhvr>
-                                        <p:cTn id="57" dur="500"/>
-                                        <p:tgtEl>
-                                          <p:spTgt spid="43"/>
-                                        </p:tgtEl>
-                                      </p:cBhvr>
-                                    </p:animEffect>
-                                  </p:childTnLst>
-                                </p:cTn>
-                              </p:par>
-                            </p:childTnLst>
-                          </p:cTn>
-                        </p:par>
-                      </p:childTnLst>
-                    </p:cTn>
-                  </p:par>
-                </p:childTnLst>
-              </p:cTn>
-              <p:prevCondLst>
-                <p:cond evt="onPrev" delay="0">
-                  <p:tgtEl>
-                    <p:sldTgt/>
-                  </p:tgtEl>
-                </p:cond>
-              </p:prevCondLst>
-              <p:nextCondLst>
-                <p:cond evt="onNext" delay="0">
-                  <p:tgtEl>
-                    <p:sldTgt/>
-                  </p:tgtEl>
-                </p:cond>
-              </p:nextCondLst>
-            </p:seq>
-            <p:audio>
-              <p:cMediaNode vol="80000" numSld="999" showWhenStopped="0">
-                <p:cTn id="58" repeatCount="indefinite" fill="hold" display="0">
-                  <p:stCondLst>
-                    <p:cond delay="indefinite"/>
-                  </p:stCondLst>
-                  <p:endCondLst>
-                    <p:cond evt="onStopAudio" delay="0">
-                      <p:tgtEl>
-                        <p:sldTgt/>
-                      </p:tgtEl>
-                    </p:cond>
-                  </p:endCondLst>
-                </p:cTn>
-                <p:tgtEl>
-                  <p:spTgt spid="46"/>
-                </p:tgtEl>
-              </p:cMediaNode>
-            </p:audio>
-          </p:childTnLst>
-        </p:cTn>
-      </p:par>
-    </p:tnLst>
-    <p:bldLst>
-      <p:bldP spid="32" grpId="0" bldLvl="0" animBg="1"/>
-      <p:bldP spid="33" grpId="0" bldLvl="0" animBg="1"/>
-      <p:bldP spid="34" grpId="0" bldLvl="0" animBg="1"/>
-      <p:bldP spid="35" grpId="0" bldLvl="0" animBg="1"/>
-      <p:bldP spid="36" grpId="0" bldLvl="0" animBg="1"/>
-      <p:bldP spid="37" grpId="0" bldLvl="0" animBg="1"/>
-      <p:bldP spid="38" grpId="0" bldLvl="0" animBg="1"/>
-      <p:bldP spid="39" grpId="0" bldLvl="0" animBg="1"/>
-      <p:bldP spid="41" grpId="0"/>
-      <p:bldP spid="42" grpId="0" bldLvl="0" animBg="1"/>
-      <p:bldP spid="43" grpId="0"/>
-    </p:bldLst>
   </p:timing>
 </p:sld>
 </file>
@@ -11103,6 +12681,8 @@
       </a:bgFillStyleLst>
     </a:fmtScheme>
   </a:themeElements>
+  <a:objectDefaults/>
+  <a:extraClrSchemeLst/>
   <a:extLst>
     <a:ext uri="{05A4C25C-085E-4340-85A3-A5531E510DB2}">
       <thm15:themeFamily xmlns:thm15="http://schemas.microsoft.com/office/thememl/2012/main" name="Office Theme" id="{62F939B6-93AF-4DB8-9C6B-D6C7DFDC589F}" vid="{4A3C46E8-61CC-4603-A589-7422A47A8E4A}"/>
@@ -11391,6 +12971,8 @@
       </a:bgFillStyleLst>
     </a:fmtScheme>
   </a:themeElements>
+  <a:objectDefaults/>
+  <a:extraClrSchemeLst/>
   <a:extLst>
     <a:ext uri="{05A4C25C-085E-4340-85A3-A5531E510DB2}">
       <thm15:themeFamily xmlns:thm15="http://schemas.microsoft.com/office/thememl/2012/main" name="Office Theme" id="{62F939B6-93AF-4DB8-9C6B-D6C7DFDC589F}" vid="{4A3C46E8-61CC-4603-A589-7422A47A8E4A}"/>
@@ -11679,6 +13261,8 @@
       </a:bgFillStyleLst>
     </a:fmtScheme>
   </a:themeElements>
+  <a:objectDefaults/>
+  <a:extraClrSchemeLst/>
   <a:extLst>
     <a:ext uri="{05A4C25C-085E-4340-85A3-A5531E510DB2}">
       <thm15:themeFamily xmlns:thm15="http://schemas.microsoft.com/office/thememl/2012/main" name="Office Theme" id="{62F939B6-93AF-4DB8-9C6B-D6C7DFDC589F}" vid="{4A3C46E8-61CC-4603-A589-7422A47A8E4A}"/>

--- a/非受控文档/06-公用/PRD2018-G11-UML基础3.pptx
+++ b/非受控文档/06-公用/PRD2018-G11-UML基础3.pptx
@@ -5,23 +5,27 @@
     <p:sldMasterId id="2147483648" r:id="rId1"/>
   </p:sldMasterIdLst>
   <p:notesMasterIdLst>
-    <p:notesMasterId r:id="rId4"/>
+    <p:notesMasterId r:id="rId15"/>
   </p:notesMasterIdLst>
   <p:handoutMasterIdLst>
-    <p:handoutMasterId r:id="rId13"/>
+    <p:handoutMasterId r:id="rId16"/>
   </p:handoutMasterIdLst>
   <p:sldIdLst>
-    <p:sldId id="370" r:id="rId3"/>
-    <p:sldId id="492" r:id="rId5"/>
-    <p:sldId id="439" r:id="rId6"/>
-    <p:sldId id="545" r:id="rId7"/>
-    <p:sldId id="546" r:id="rId8"/>
-    <p:sldId id="621" r:id="rId9"/>
-    <p:sldId id="455" r:id="rId10"/>
-    <p:sldId id="532" r:id="rId11"/>
-    <p:sldId id="436" r:id="rId12"/>
+    <p:sldId id="370" r:id="rId2"/>
+    <p:sldId id="492" r:id="rId3"/>
+    <p:sldId id="439" r:id="rId4"/>
+    <p:sldId id="545" r:id="rId5"/>
+    <p:sldId id="546" r:id="rId6"/>
+    <p:sldId id="621" r:id="rId7"/>
+    <p:sldId id="622" r:id="rId8"/>
+    <p:sldId id="623" r:id="rId9"/>
+    <p:sldId id="624" r:id="rId10"/>
+    <p:sldId id="625" r:id="rId11"/>
+    <p:sldId id="455" r:id="rId12"/>
+    <p:sldId id="532" r:id="rId13"/>
+    <p:sldId id="436" r:id="rId14"/>
   </p:sldIdLst>
-  <p:sldSz cx="12190095" cy="6859270"/>
+  <p:sldSz cx="12190413" cy="6859588"/>
   <p:notesSz cx="6858000" cy="9144000"/>
   <p:defaultTextStyle>
     <a:defPPr>
@@ -203,6 +207,7 @@
           <a:p>
             <a:fld id="{5D1C15E6-6BD2-4E4B-B1D4-218C26E1B228}" type="datetimeFigureOut">
               <a:rPr lang="zh-CN" altLang="en-US" smtClean="0"/>
+              <a:t>2018/12/9</a:t>
             </a:fld>
             <a:endParaRPr lang="zh-CN" altLang="en-US"/>
           </a:p>
@@ -268,12 +273,18 @@
           <a:p>
             <a:fld id="{E655EDCA-2189-4435-B38B-6F3C2C044356}" type="slidenum">
               <a:rPr lang="zh-CN" altLang="en-US" smtClean="0"/>
+              <a:t>‹#›</a:t>
             </a:fld>
             <a:endParaRPr lang="zh-CN" altLang="en-US"/>
           </a:p>
         </p:txBody>
       </p:sp>
     </p:spTree>
+    <p:extLst>
+      <p:ext uri="{BB962C8B-B14F-4D97-AF65-F5344CB8AC3E}">
+        <p14:creationId xmlns:p14="http://schemas.microsoft.com/office/powerpoint/2010/main" val="1508458059"/>
+      </p:ext>
+    </p:extLst>
   </p:cSld>
   <p:clrMap bg1="lt1" tx1="dk1" bg2="lt2" tx2="dk2" accent1="accent1" accent2="accent2" accent3="accent3" accent4="accent4" accent5="accent5" accent6="accent6" hlink="hlink" folHlink="folHlink"/>
 </p:handoutMaster>
@@ -361,6 +372,7 @@
           <a:p>
             <a:fld id="{0B17430C-5A66-4BD0-A971-34190B6C6019}" type="datetimeFigureOut">
               <a:rPr lang="zh-CN" altLang="en-US" smtClean="0"/>
+              <a:t>2018/12/9</a:t>
             </a:fld>
             <a:endParaRPr lang="zh-CN" altLang="en-US"/>
           </a:p>
@@ -427,7 +439,6 @@
               <a:rPr lang="zh-CN" altLang="en-US" smtClean="0"/>
               <a:t>单击此处编辑母版文本样式</a:t>
             </a:r>
-            <a:endParaRPr lang="zh-CN" altLang="en-US" smtClean="0"/>
           </a:p>
           <a:p>
             <a:pPr lvl="1"/>
@@ -435,7 +446,6 @@
               <a:rPr lang="zh-CN" altLang="en-US" smtClean="0"/>
               <a:t>第二级</a:t>
             </a:r>
-            <a:endParaRPr lang="zh-CN" altLang="en-US" smtClean="0"/>
           </a:p>
           <a:p>
             <a:pPr lvl="2"/>
@@ -443,7 +453,6 @@
               <a:rPr lang="zh-CN" altLang="en-US" smtClean="0"/>
               <a:t>第三级</a:t>
             </a:r>
-            <a:endParaRPr lang="zh-CN" altLang="en-US" smtClean="0"/>
           </a:p>
           <a:p>
             <a:pPr lvl="3"/>
@@ -451,7 +460,6 @@
               <a:rPr lang="zh-CN" altLang="en-US" smtClean="0"/>
               <a:t>第四级</a:t>
             </a:r>
-            <a:endParaRPr lang="zh-CN" altLang="en-US" smtClean="0"/>
           </a:p>
           <a:p>
             <a:pPr lvl="4"/>
@@ -523,12 +531,18 @@
           <a:p>
             <a:fld id="{74AC173A-3DA8-4893-B28A-1E15F55C330A}" type="slidenum">
               <a:rPr lang="zh-CN" altLang="en-US" smtClean="0"/>
+              <a:t>‹#›</a:t>
             </a:fld>
             <a:endParaRPr lang="zh-CN" altLang="en-US"/>
           </a:p>
         </p:txBody>
       </p:sp>
     </p:spTree>
+    <p:extLst>
+      <p:ext uri="{BB962C8B-B14F-4D97-AF65-F5344CB8AC3E}">
+        <p14:creationId xmlns:p14="http://schemas.microsoft.com/office/powerpoint/2010/main" val="1322345659"/>
+      </p:ext>
+    </p:extLst>
   </p:cSld>
   <p:clrMap bg1="lt1" tx1="dk1" bg2="lt2" tx2="dk2" accent1="accent1" accent2="accent2" accent3="accent3" accent4="accent4" accent5="accent5" accent6="accent6" hlink="hlink" folHlink="folHlink"/>
   <p:notesStyle>
@@ -691,6 +705,7 @@
           <a:p>
             <a:fld id="{74AC173A-3DA8-4893-B28A-1E15F55C330A}" type="slidenum">
               <a:rPr lang="zh-CN" altLang="en-US" smtClean="0"/>
+              <a:t>1</a:t>
             </a:fld>
             <a:endParaRPr lang="zh-CN" altLang="en-US"/>
           </a:p>
@@ -769,6 +784,7 @@
           <a:p>
             <a:fld id="{74AC173A-3DA8-4893-B28A-1E15F55C330A}" type="slidenum">
               <a:rPr lang="zh-CN" altLang="en-US" smtClean="0"/>
+              <a:t>2</a:t>
             </a:fld>
             <a:endParaRPr lang="zh-CN" altLang="en-US"/>
           </a:p>
@@ -847,6 +863,7 @@
           <a:p>
             <a:fld id="{74AC173A-3DA8-4893-B28A-1E15F55C330A}" type="slidenum">
               <a:rPr lang="zh-CN" altLang="en-US" smtClean="0"/>
+              <a:t>11</a:t>
             </a:fld>
             <a:endParaRPr lang="zh-CN" altLang="en-US"/>
           </a:p>
@@ -925,6 +942,7 @@
           <a:p>
             <a:fld id="{74AC173A-3DA8-4893-B28A-1E15F55C330A}" type="slidenum">
               <a:rPr lang="zh-CN" altLang="en-US" smtClean="0"/>
+              <a:t>12</a:t>
             </a:fld>
             <a:endParaRPr lang="zh-CN" altLang="en-US"/>
           </a:p>
@@ -1003,6 +1021,7 @@
           <a:p>
             <a:fld id="{74AC173A-3DA8-4893-B28A-1E15F55C330A}" type="slidenum">
               <a:rPr lang="zh-CN" altLang="en-US" smtClean="0"/>
+              <a:t>13</a:t>
             </a:fld>
             <a:endParaRPr lang="zh-CN" altLang="en-US"/>
           </a:p>
@@ -1214,6 +1233,7 @@
                 <a:latin typeface="微软雅黑" panose="020B0503020204020204" pitchFamily="34" charset="-122"/>
                 <a:ea typeface="微软雅黑" panose="020B0503020204020204" pitchFamily="34" charset="-122"/>
               </a:rPr>
+              <a:t>‹#›</a:t>
             </a:fld>
             <a:r>
               <a:rPr lang="zh-CN" altLang="en-US" sz="1800" dirty="0" smtClean="0">
@@ -2143,6 +2163,7 @@
           <a:p>
             <a:fld id="{530820CF-B880-4189-942D-D702A7CBA730}" type="datetimeFigureOut">
               <a:rPr lang="zh-CN" altLang="en-US" smtClean="0"/>
+              <a:t>2018/12/9</a:t>
             </a:fld>
             <a:endParaRPr lang="zh-CN" altLang="en-US"/>
           </a:p>
@@ -2200,6 +2221,7 @@
           <a:p>
             <a:fld id="{0C913308-F349-4B6D-A68A-DD1791B4A57B}" type="slidenum">
               <a:rPr lang="zh-CN" altLang="en-US" smtClean="0"/>
+              <a:t>‹#›</a:t>
             </a:fld>
             <a:endParaRPr lang="zh-CN" altLang="en-US"/>
           </a:p>
@@ -2258,6 +2280,7 @@
           <a:p>
             <a:fld id="{530820CF-B880-4189-942D-D702A7CBA730}" type="datetimeFigureOut">
               <a:rPr lang="zh-CN" altLang="en-US" smtClean="0"/>
+              <a:t>2018/12/9</a:t>
             </a:fld>
             <a:endParaRPr lang="zh-CN" altLang="en-US"/>
           </a:p>
@@ -2315,6 +2338,7 @@
           <a:p>
             <a:fld id="{0C913308-F349-4B6D-A68A-DD1791B4A57B}" type="slidenum">
               <a:rPr lang="zh-CN" altLang="en-US" smtClean="0"/>
+              <a:t>‹#›</a:t>
             </a:fld>
             <a:endParaRPr lang="zh-CN" altLang="en-US"/>
           </a:p>
@@ -3133,13 +3157,6 @@
               </a:rPr>
               <a:t>3</a:t>
             </a:r>
-            <a:endParaRPr lang="en-US" altLang="zh-CN" sz="5400" dirty="0" smtClean="0">
-              <a:solidFill>
-                <a:srgbClr val="38B1BF"/>
-              </a:solidFill>
-              <a:latin typeface="微软雅黑" panose="020B0503020204020204" pitchFamily="34" charset="-122"/>
-              <a:ea typeface="微软雅黑" panose="020B0503020204020204" pitchFamily="34" charset="-122"/>
-            </a:endParaRPr>
           </a:p>
           <a:p>
             <a:pPr algn="ctr" fontAlgn="auto">
@@ -3157,13 +3174,6 @@
               </a:rPr>
               <a:t>对象图，构件图，包图</a:t>
             </a:r>
-            <a:endParaRPr lang="zh-CN" altLang="en-US" sz="5400" dirty="0" smtClean="0">
-              <a:solidFill>
-                <a:srgbClr val="38B1BF"/>
-              </a:solidFill>
-              <a:latin typeface="微软雅黑" panose="020B0503020204020204" pitchFamily="34" charset="-122"/>
-              <a:ea typeface="微软雅黑" panose="020B0503020204020204" pitchFamily="34" charset="-122"/>
-            </a:endParaRPr>
           </a:p>
           <a:p>
             <a:pPr fontAlgn="auto">
@@ -3464,14 +3474,6 @@
               </a:rPr>
               <a:t>浙江大学城市学院</a:t>
             </a:r>
-            <a:endParaRPr lang="zh-CN" altLang="en-US" kern="300" spc="2000">
-              <a:solidFill>
-                <a:schemeClr val="tx1"/>
-              </a:solidFill>
-              <a:uFillTx/>
-              <a:latin typeface="+中文标题" charset="0"/>
-              <a:ea typeface="+mj-ea"/>
-            </a:endParaRPr>
           </a:p>
         </p:txBody>
       </p:sp>
@@ -3480,13 +3482,13 @@
   <p:clrMapOvr>
     <a:masterClrMapping/>
   </p:clrMapOvr>
-  <mc:AlternateContent xmlns:mc="http://schemas.openxmlformats.org/markup-compatibility/2006">
-    <mc:Choice xmlns:p14="http://schemas.microsoft.com/office/powerpoint/2010/main" Requires="p14">
+  <mc:AlternateContent xmlns:mc="http://schemas.openxmlformats.org/markup-compatibility/2006" xmlns:p14="http://schemas.microsoft.com/office/powerpoint/2010/main">
+    <mc:Choice Requires="p14">
       <p:transition spd="slow" p14:dur="1600" advClick="0" advTm="0">
         <p:blinds dir="vert"/>
       </p:transition>
     </mc:Choice>
-    <mc:Fallback>
+    <mc:Fallback xmlns="">
       <p:transition spd="slow" advClick="0" advTm="0">
         <p:blinds dir="vert"/>
       </p:transition>
@@ -4289,6 +4291,3662 @@
 </p:sld>
 </file>
 
+<file path=ppt/slides/slide10.xml><?xml version="1.0" encoding="utf-8"?>
+<p:sld xmlns:a="http://schemas.openxmlformats.org/drawingml/2006/main" xmlns:r="http://schemas.openxmlformats.org/officeDocument/2006/relationships" xmlns:p="http://schemas.openxmlformats.org/presentationml/2006/main">
+  <p:cSld>
+    <p:spTree>
+      <p:nvGrpSpPr>
+        <p:cNvPr id="1" name=""/>
+        <p:cNvGrpSpPr/>
+        <p:nvPr/>
+      </p:nvGrpSpPr>
+      <p:grpSpPr>
+        <a:xfrm>
+          <a:off x="0" y="0"/>
+          <a:ext cx="0" cy="0"/>
+          <a:chOff x="0" y="0"/>
+          <a:chExt cx="0" cy="0"/>
+        </a:xfrm>
+      </p:grpSpPr>
+      <p:sp>
+        <p:nvSpPr>
+          <p:cNvPr id="2" name="矩形 1"/>
+          <p:cNvSpPr/>
+          <p:nvPr/>
+        </p:nvSpPr>
+        <p:spPr>
+          <a:xfrm>
+            <a:off x="237030" y="1171"/>
+            <a:ext cx="1608415" cy="135446"/>
+          </a:xfrm>
+          <a:prstGeom prst="rect">
+            <a:avLst/>
+          </a:prstGeom>
+          <a:solidFill>
+            <a:srgbClr val="183A5D"/>
+          </a:solidFill>
+          <a:ln>
+            <a:noFill/>
+          </a:ln>
+        </p:spPr>
+        <p:style>
+          <a:lnRef idx="2">
+            <a:schemeClr val="accent1">
+              <a:shade val="50000"/>
+            </a:schemeClr>
+          </a:lnRef>
+          <a:fillRef idx="1">
+            <a:schemeClr val="accent1"/>
+          </a:fillRef>
+          <a:effectRef idx="0">
+            <a:schemeClr val="accent1"/>
+          </a:effectRef>
+          <a:fontRef idx="minor">
+            <a:schemeClr val="lt1"/>
+          </a:fontRef>
+        </p:style>
+        <p:txBody>
+          <a:bodyPr rtlCol="0" anchor="ctr"/>
+          <a:lstStyle/>
+          <a:p>
+            <a:pPr algn="ctr"/>
+            <a:endParaRPr lang="zh-CN" altLang="en-US" sz="2800">
+              <a:solidFill>
+                <a:prstClr val="white"/>
+              </a:solidFill>
+            </a:endParaRPr>
+          </a:p>
+        </p:txBody>
+      </p:sp>
+      <p:sp>
+        <p:nvSpPr>
+          <p:cNvPr id="3" name="矩形 2"/>
+          <p:cNvSpPr/>
+          <p:nvPr/>
+        </p:nvSpPr>
+        <p:spPr>
+          <a:xfrm>
+            <a:off x="237030" y="255131"/>
+            <a:ext cx="1608415" cy="406336"/>
+          </a:xfrm>
+          <a:prstGeom prst="rect">
+            <a:avLst/>
+          </a:prstGeom>
+          <a:solidFill>
+            <a:srgbClr val="183A5D"/>
+          </a:solidFill>
+          <a:ln>
+            <a:noFill/>
+          </a:ln>
+        </p:spPr>
+        <p:style>
+          <a:lnRef idx="2">
+            <a:schemeClr val="accent1">
+              <a:shade val="50000"/>
+            </a:schemeClr>
+          </a:lnRef>
+          <a:fillRef idx="1">
+            <a:schemeClr val="accent1"/>
+          </a:fillRef>
+          <a:effectRef idx="0">
+            <a:schemeClr val="accent1"/>
+          </a:effectRef>
+          <a:fontRef idx="minor">
+            <a:schemeClr val="lt1"/>
+          </a:fontRef>
+        </p:style>
+        <p:txBody>
+          <a:bodyPr rtlCol="0" anchor="ctr"/>
+          <a:lstStyle/>
+          <a:p>
+            <a:pPr algn="ctr"/>
+            <a:r>
+              <a:rPr lang="en-US" sz="2400" dirty="0">
+                <a:solidFill>
+                  <a:prstClr val="white"/>
+                </a:solidFill>
+              </a:rPr>
+              <a:t>3</a:t>
+            </a:r>
+            <a:endParaRPr lang="en-US" sz="2400" dirty="0">
+              <a:solidFill>
+                <a:prstClr val="white"/>
+              </a:solidFill>
+            </a:endParaRPr>
+          </a:p>
+        </p:txBody>
+      </p:sp>
+      <p:sp>
+        <p:nvSpPr>
+          <p:cNvPr id="4" name="文本框 3"/>
+          <p:cNvSpPr txBox="1"/>
+          <p:nvPr/>
+        </p:nvSpPr>
+        <p:spPr>
+          <a:xfrm>
+            <a:off x="2236548" y="136356"/>
+            <a:ext cx="6052718" cy="501650"/>
+          </a:xfrm>
+          <a:prstGeom prst="rect">
+            <a:avLst/>
+          </a:prstGeom>
+          <a:noFill/>
+        </p:spPr>
+        <p:txBody>
+          <a:bodyPr wrap="square" rtlCol="0">
+            <a:spAutoFit/>
+          </a:bodyPr>
+          <a:lstStyle/>
+          <a:p>
+            <a:endParaRPr lang="zh-CN" altLang="en-US" sz="2665" dirty="0">
+              <a:solidFill>
+                <a:srgbClr val="183A5D"/>
+              </a:solidFill>
+              <a:latin typeface="微软雅黑" panose="020B0503020204020204" pitchFamily="34" charset="-122"/>
+              <a:ea typeface="微软雅黑" panose="020B0503020204020204" pitchFamily="34" charset="-122"/>
+            </a:endParaRPr>
+          </a:p>
+        </p:txBody>
+      </p:sp>
+      <p:sp>
+        <p:nvSpPr>
+          <p:cNvPr id="6" name="文本框 5"/>
+          <p:cNvSpPr txBox="1"/>
+          <p:nvPr/>
+        </p:nvSpPr>
+        <p:spPr>
+          <a:xfrm>
+            <a:off x="2226388" y="159851"/>
+            <a:ext cx="6052718" cy="501650"/>
+          </a:xfrm>
+          <a:prstGeom prst="rect">
+            <a:avLst/>
+          </a:prstGeom>
+          <a:noFill/>
+        </p:spPr>
+        <p:txBody>
+          <a:bodyPr wrap="square" rtlCol="0">
+            <a:spAutoFit/>
+          </a:bodyPr>
+          <a:lstStyle/>
+          <a:p>
+            <a:r>
+              <a:rPr lang="zh-CN" altLang="en-US" sz="2665" dirty="0">
+                <a:solidFill>
+                  <a:srgbClr val="183A5D"/>
+                </a:solidFill>
+                <a:latin typeface="微软雅黑" panose="020B0503020204020204" pitchFamily="34" charset="-122"/>
+                <a:ea typeface="微软雅黑" panose="020B0503020204020204" pitchFamily="34" charset="-122"/>
+              </a:rPr>
+              <a:t>包</a:t>
+            </a:r>
+            <a:r>
+              <a:rPr lang="zh-CN" altLang="en-US" sz="2665" dirty="0" smtClean="0">
+                <a:solidFill>
+                  <a:srgbClr val="183A5D"/>
+                </a:solidFill>
+                <a:latin typeface="微软雅黑" panose="020B0503020204020204" pitchFamily="34" charset="-122"/>
+                <a:ea typeface="微软雅黑" panose="020B0503020204020204" pitchFamily="34" charset="-122"/>
+              </a:rPr>
+              <a:t>图</a:t>
+            </a:r>
+            <a:endParaRPr lang="zh-CN" altLang="en-US" sz="2665" dirty="0">
+              <a:solidFill>
+                <a:srgbClr val="183A5D"/>
+              </a:solidFill>
+              <a:latin typeface="微软雅黑" panose="020B0503020204020204" pitchFamily="34" charset="-122"/>
+              <a:ea typeface="微软雅黑" panose="020B0503020204020204" pitchFamily="34" charset="-122"/>
+            </a:endParaRPr>
+          </a:p>
+        </p:txBody>
+      </p:sp>
+      <p:grpSp>
+        <p:nvGrpSpPr>
+          <p:cNvPr id="7" name="组合 6"/>
+          <p:cNvGrpSpPr/>
+          <p:nvPr/>
+        </p:nvGrpSpPr>
+        <p:grpSpPr>
+          <a:xfrm>
+            <a:off x="236855" y="1269365"/>
+            <a:ext cx="6061710" cy="4896485"/>
+            <a:chOff x="237030" y="1269554"/>
+            <a:chExt cx="7776864" cy="4896544"/>
+          </a:xfrm>
+        </p:grpSpPr>
+        <p:sp>
+          <p:nvSpPr>
+            <p:cNvPr id="5" name="矩形 4"/>
+            <p:cNvSpPr/>
+            <p:nvPr/>
+          </p:nvSpPr>
+          <p:spPr>
+            <a:xfrm>
+              <a:off x="546794" y="1923612"/>
+              <a:ext cx="6777864" cy="2462243"/>
+            </a:xfrm>
+            <a:prstGeom prst="rect">
+              <a:avLst/>
+            </a:prstGeom>
+          </p:spPr>
+          <p:txBody>
+            <a:bodyPr wrap="square">
+              <a:spAutoFit/>
+            </a:bodyPr>
+            <a:lstStyle/>
+            <a:p>
+              <a:r>
+                <a:rPr lang="zh-CN" altLang="en-US" dirty="0">
+                  <a:solidFill>
+                    <a:srgbClr val="000000"/>
+                  </a:solidFill>
+                  <a:latin typeface="Verdana" panose="020B0604030504040204" pitchFamily="34" charset="0"/>
+                </a:rPr>
+                <a:t>    </a:t>
+              </a:r>
+            </a:p>
+            <a:p>
+              <a:r>
+                <a:rPr lang="zh-CN" altLang="en-US" dirty="0">
+                  <a:solidFill>
+                    <a:srgbClr val="000000"/>
+                  </a:solidFill>
+                  <a:latin typeface="Verdana" panose="020B0604030504040204" pitchFamily="34" charset="0"/>
+                </a:rPr>
+                <a:t>    </a:t>
+              </a:r>
+              <a:r>
+                <a:rPr lang="en-US" altLang="zh-CN" sz="2800" dirty="0" smtClean="0">
+                  <a:solidFill>
+                    <a:srgbClr val="000000"/>
+                  </a:solidFill>
+                  <a:latin typeface="Verdana" panose="020B0604030504040204" pitchFamily="34" charset="0"/>
+                </a:rPr>
+                <a:t>1.</a:t>
+              </a:r>
+              <a:r>
+                <a:rPr lang="zh-CN" altLang="en-US" sz="2800" dirty="0" smtClean="0">
+                  <a:solidFill>
+                    <a:srgbClr val="000000"/>
+                  </a:solidFill>
+                  <a:latin typeface="Verdana" panose="020B0604030504040204" pitchFamily="34" charset="0"/>
+                </a:rPr>
+                <a:t>包之间的关系有三种，分别是哪三种？</a:t>
+              </a:r>
+              <a:endParaRPr lang="zh-CN" altLang="en-US" sz="2800" dirty="0">
+                <a:solidFill>
+                  <a:srgbClr val="000000"/>
+                </a:solidFill>
+                <a:latin typeface="Verdana" panose="020B0604030504040204" pitchFamily="34" charset="0"/>
+              </a:endParaRPr>
+            </a:p>
+            <a:p>
+              <a:endParaRPr lang="zh-CN" altLang="en-US" sz="2800" dirty="0">
+                <a:solidFill>
+                  <a:srgbClr val="000000"/>
+                </a:solidFill>
+                <a:latin typeface="Verdana" panose="020B0604030504040204" pitchFamily="34" charset="0"/>
+              </a:endParaRPr>
+            </a:p>
+            <a:p>
+              <a:r>
+                <a:rPr lang="zh-CN" altLang="en-US" sz="2800" dirty="0">
+                  <a:solidFill>
+                    <a:srgbClr val="000000"/>
+                  </a:solidFill>
+                  <a:latin typeface="Verdana" panose="020B0604030504040204" pitchFamily="34" charset="0"/>
+                </a:rPr>
+                <a:t>     </a:t>
+              </a:r>
+              <a:endParaRPr lang="zh-CN" altLang="en-US" dirty="0">
+                <a:solidFill>
+                  <a:srgbClr val="000000"/>
+                </a:solidFill>
+                <a:latin typeface="Verdana" panose="020B0604030504040204" pitchFamily="34" charset="0"/>
+              </a:endParaRPr>
+            </a:p>
+            <a:p>
+              <a:endParaRPr lang="zh-CN" altLang="en-US" dirty="0">
+                <a:solidFill>
+                  <a:srgbClr val="000000"/>
+                </a:solidFill>
+                <a:latin typeface="Verdana" panose="020B0604030504040204" pitchFamily="34" charset="0"/>
+              </a:endParaRPr>
+            </a:p>
+          </p:txBody>
+        </p:sp>
+        <p:grpSp>
+          <p:nvGrpSpPr>
+            <p:cNvPr id="10" name="组合 9"/>
+            <p:cNvGrpSpPr/>
+            <p:nvPr/>
+          </p:nvGrpSpPr>
+          <p:grpSpPr>
+            <a:xfrm>
+              <a:off x="237030" y="1269554"/>
+              <a:ext cx="7776864" cy="4896544"/>
+              <a:chOff x="1285643" y="1772435"/>
+              <a:chExt cx="7135479" cy="3572664"/>
+            </a:xfrm>
+          </p:grpSpPr>
+          <p:sp>
+            <p:nvSpPr>
+              <p:cNvPr id="11" name="矩形 10"/>
+              <p:cNvSpPr/>
+              <p:nvPr/>
+            </p:nvSpPr>
+            <p:spPr>
+              <a:xfrm>
+                <a:off x="1285644" y="2104682"/>
+                <a:ext cx="7135478" cy="3240417"/>
+              </a:xfrm>
+              <a:prstGeom prst="rect">
+                <a:avLst/>
+              </a:prstGeom>
+              <a:noFill/>
+              <a:ln w="12700">
+                <a:solidFill>
+                  <a:srgbClr val="346182"/>
+                </a:solidFill>
+              </a:ln>
+            </p:spPr>
+            <p:style>
+              <a:lnRef idx="2">
+                <a:schemeClr val="accent1">
+                  <a:shade val="50000"/>
+                </a:schemeClr>
+              </a:lnRef>
+              <a:fillRef idx="1">
+                <a:schemeClr val="accent1"/>
+              </a:fillRef>
+              <a:effectRef idx="0">
+                <a:schemeClr val="accent1"/>
+              </a:effectRef>
+              <a:fontRef idx="minor">
+                <a:schemeClr val="lt1"/>
+              </a:fontRef>
+            </p:style>
+            <p:txBody>
+              <a:bodyPr rtlCol="0" anchor="ctr"/>
+              <a:lstStyle/>
+              <a:p>
+                <a:pPr algn="ctr"/>
+                <a:endParaRPr lang="zh-CN" altLang="en-US" sz="1350">
+                  <a:solidFill>
+                    <a:prstClr val="white"/>
+                  </a:solidFill>
+                </a:endParaRPr>
+              </a:p>
+            </p:txBody>
+          </p:sp>
+          <p:sp>
+            <p:nvSpPr>
+              <p:cNvPr id="12" name="矩形 11"/>
+              <p:cNvSpPr/>
+              <p:nvPr/>
+            </p:nvSpPr>
+            <p:spPr>
+              <a:xfrm>
+                <a:off x="1285643" y="1772435"/>
+                <a:ext cx="2114216" cy="338554"/>
+              </a:xfrm>
+              <a:prstGeom prst="rect">
+                <a:avLst/>
+              </a:prstGeom>
+              <a:solidFill>
+                <a:srgbClr val="183A5D"/>
+              </a:solidFill>
+              <a:ln>
+                <a:noFill/>
+              </a:ln>
+            </p:spPr>
+            <p:style>
+              <a:lnRef idx="2">
+                <a:schemeClr val="accent1">
+                  <a:shade val="50000"/>
+                </a:schemeClr>
+              </a:lnRef>
+              <a:fillRef idx="1">
+                <a:schemeClr val="accent1"/>
+              </a:fillRef>
+              <a:effectRef idx="0">
+                <a:schemeClr val="accent1"/>
+              </a:effectRef>
+              <a:fontRef idx="minor">
+                <a:schemeClr val="lt1"/>
+              </a:fontRef>
+            </p:style>
+            <p:txBody>
+              <a:bodyPr rtlCol="0" anchor="ctr"/>
+              <a:lstStyle/>
+              <a:p>
+                <a:pPr algn="ctr"/>
+                <a:endParaRPr lang="zh-CN" altLang="en-US" sz="1350">
+                  <a:solidFill>
+                    <a:prstClr val="white"/>
+                  </a:solidFill>
+                </a:endParaRPr>
+              </a:p>
+            </p:txBody>
+          </p:sp>
+        </p:grpSp>
+      </p:grpSp>
+      <p:pic>
+        <p:nvPicPr>
+          <p:cNvPr id="8" name="图片 7"/>
+          <p:cNvPicPr>
+            <a:picLocks noChangeAspect="1"/>
+          </p:cNvPicPr>
+          <p:nvPr/>
+        </p:nvPicPr>
+        <p:blipFill>
+          <a:blip r:embed="rId2"/>
+          <a:stretch>
+            <a:fillRect/>
+          </a:stretch>
+        </p:blipFill>
+        <p:spPr>
+          <a:xfrm>
+            <a:off x="6431915" y="1944370"/>
+            <a:ext cx="5410835" cy="3604260"/>
+          </a:xfrm>
+          <a:prstGeom prst="rect">
+            <a:avLst/>
+          </a:prstGeom>
+        </p:spPr>
+      </p:pic>
+      <p:sp>
+        <p:nvSpPr>
+          <p:cNvPr id="9" name="文本框 8"/>
+          <p:cNvSpPr txBox="1"/>
+          <p:nvPr/>
+        </p:nvSpPr>
+        <p:spPr>
+          <a:xfrm>
+            <a:off x="663575" y="1319530"/>
+            <a:ext cx="1562735" cy="414020"/>
+          </a:xfrm>
+          <a:prstGeom prst="rect">
+            <a:avLst/>
+          </a:prstGeom>
+          <a:noFill/>
+        </p:spPr>
+        <p:txBody>
+          <a:bodyPr wrap="square" rtlCol="0">
+            <a:spAutoFit/>
+          </a:bodyPr>
+          <a:lstStyle/>
+          <a:p>
+            <a:r>
+              <a:rPr lang="zh-CN" altLang="en-US">
+                <a:solidFill>
+                  <a:prstClr val="white"/>
+                </a:solidFill>
+              </a:rPr>
+              <a:t>提问</a:t>
+            </a:r>
+          </a:p>
+        </p:txBody>
+      </p:sp>
+    </p:spTree>
+    <p:extLst>
+      <p:ext uri="{BB962C8B-B14F-4D97-AF65-F5344CB8AC3E}">
+        <p14:creationId xmlns:p14="http://schemas.microsoft.com/office/powerpoint/2010/main" val="2910454730"/>
+      </p:ext>
+    </p:extLst>
+  </p:cSld>
+  <p:clrMapOvr>
+    <a:masterClrMapping/>
+  </p:clrMapOvr>
+  <p:transition spd="slow" advClick="0" advTm="0">
+    <p:wipe/>
+  </p:transition>
+  <p:timing>
+    <p:tnLst>
+      <p:par>
+        <p:cTn id="1" dur="indefinite" restart="never" nodeType="tmRoot"/>
+      </p:par>
+    </p:tnLst>
+  </p:timing>
+</p:sld>
+</file>
+
+<file path=ppt/slides/slide11.xml><?xml version="1.0" encoding="utf-8"?>
+<p:sld xmlns:a="http://schemas.openxmlformats.org/drawingml/2006/main" xmlns:r="http://schemas.openxmlformats.org/officeDocument/2006/relationships" xmlns:p="http://schemas.openxmlformats.org/presentationml/2006/main">
+  <p:cSld>
+    <p:spTree>
+      <p:nvGrpSpPr>
+        <p:cNvPr id="1" name=""/>
+        <p:cNvGrpSpPr/>
+        <p:nvPr/>
+      </p:nvGrpSpPr>
+      <p:grpSpPr>
+        <a:xfrm>
+          <a:off x="0" y="0"/>
+          <a:ext cx="0" cy="0"/>
+          <a:chOff x="0" y="0"/>
+          <a:chExt cx="0" cy="0"/>
+        </a:xfrm>
+      </p:grpSpPr>
+      <p:sp>
+        <p:nvSpPr>
+          <p:cNvPr id="36" name="矩形 35"/>
+          <p:cNvSpPr/>
+          <p:nvPr/>
+        </p:nvSpPr>
+        <p:spPr>
+          <a:xfrm>
+            <a:off x="-106680" y="0"/>
+            <a:ext cx="2938780" cy="6859270"/>
+          </a:xfrm>
+          <a:prstGeom prst="rect">
+            <a:avLst/>
+          </a:prstGeom>
+          <a:solidFill>
+            <a:srgbClr val="38B1BF"/>
+          </a:solidFill>
+          <a:ln>
+            <a:noFill/>
+          </a:ln>
+          <a:effectLst>
+            <a:outerShdw blurRad="50800" dist="38100" dir="2700000" algn="tl" rotWithShape="0">
+              <a:prstClr val="black">
+                <a:alpha val="40000"/>
+              </a:prstClr>
+            </a:outerShdw>
+          </a:effectLst>
+          <a:scene3d>
+            <a:camera prst="orthographicFront"/>
+            <a:lightRig rig="threePt" dir="t"/>
+          </a:scene3d>
+          <a:sp3d/>
+        </p:spPr>
+        <p:style>
+          <a:lnRef idx="1">
+            <a:schemeClr val="accent1"/>
+          </a:lnRef>
+          <a:fillRef idx="0">
+            <a:schemeClr val="accent1"/>
+          </a:fillRef>
+          <a:effectRef idx="0">
+            <a:schemeClr val="accent1"/>
+          </a:effectRef>
+          <a:fontRef idx="minor">
+            <a:schemeClr val="tx1"/>
+          </a:fontRef>
+        </p:style>
+        <p:txBody>
+          <a:bodyPr rot="0" spcFirstLastPara="0" vertOverflow="overflow" horzOverflow="overflow" vert="horz" wrap="square" lIns="91440" tIns="45720" rIns="91440" bIns="45720" numCol="1" spcCol="0" rtlCol="0" fromWordArt="0" anchor="ctr" anchorCtr="0" forceAA="0" compatLnSpc="1">
+            <a:noAutofit/>
+          </a:bodyPr>
+          <a:lstStyle/>
+          <a:p>
+            <a:pPr algn="ctr"/>
+            <a:endParaRPr lang="zh-CN" altLang="en-US"/>
+          </a:p>
+        </p:txBody>
+      </p:sp>
+      <p:sp>
+        <p:nvSpPr>
+          <p:cNvPr id="37" name="TextBox 36"/>
+          <p:cNvSpPr txBox="1"/>
+          <p:nvPr/>
+        </p:nvSpPr>
+        <p:spPr>
+          <a:xfrm>
+            <a:off x="-276651" y="2922512"/>
+            <a:ext cx="2808312" cy="614045"/>
+          </a:xfrm>
+          <a:prstGeom prst="rect">
+            <a:avLst/>
+          </a:prstGeom>
+          <a:noFill/>
+        </p:spPr>
+        <p:txBody>
+          <a:bodyPr wrap="square" lIns="121948" tIns="60973" rIns="121948" bIns="60973">
+            <a:spAutoFit/>
+          </a:bodyPr>
+          <a:lstStyle/>
+          <a:p>
+            <a:pPr algn="r">
+              <a:defRPr/>
+            </a:pPr>
+            <a:r>
+              <a:rPr lang="zh-CN" altLang="en-US" sz="3200" b="1" dirty="0" smtClean="0">
+                <a:solidFill>
+                  <a:schemeClr val="bg1"/>
+                </a:solidFill>
+                <a:latin typeface="微软雅黑" panose="020B0503020204020204" pitchFamily="34" charset="-122"/>
+                <a:ea typeface="微软雅黑" panose="020B0503020204020204" pitchFamily="34" charset="-122"/>
+              </a:rPr>
+              <a:t>参考文献</a:t>
+            </a:r>
+            <a:endParaRPr lang="zh-CN" sz="3200" b="1" dirty="0">
+              <a:solidFill>
+                <a:schemeClr val="bg1"/>
+              </a:solidFill>
+              <a:latin typeface="微软雅黑" panose="020B0503020204020204" pitchFamily="34" charset="-122"/>
+              <a:ea typeface="微软雅黑" panose="020B0503020204020204" pitchFamily="34" charset="-122"/>
+            </a:endParaRPr>
+          </a:p>
+        </p:txBody>
+      </p:sp>
+      <p:sp>
+        <p:nvSpPr>
+          <p:cNvPr id="2" name="文本框 1"/>
+          <p:cNvSpPr txBox="1"/>
+          <p:nvPr/>
+        </p:nvSpPr>
+        <p:spPr>
+          <a:xfrm>
+            <a:off x="3048606" y="693490"/>
+            <a:ext cx="9141807" cy="2861310"/>
+          </a:xfrm>
+          <a:prstGeom prst="rect">
+            <a:avLst/>
+          </a:prstGeom>
+          <a:noFill/>
+        </p:spPr>
+        <p:txBody>
+          <a:bodyPr wrap="square" rtlCol="0">
+            <a:spAutoFit/>
+          </a:bodyPr>
+          <a:lstStyle/>
+          <a:p>
+            <a:r>
+              <a:rPr lang="en-US" altLang="zh-CN" sz="1800" dirty="0" smtClean="0"/>
+              <a:t>[1]</a:t>
+            </a:r>
+            <a:r>
+              <a:rPr lang="zh-CN" altLang="en-US" sz="1800" dirty="0" smtClean="0"/>
+              <a:t> </a:t>
+            </a:r>
+            <a:r>
+              <a:rPr lang="en-US" altLang="zh-CN" sz="1800" dirty="0" smtClean="0"/>
+              <a:t>UML</a:t>
+            </a:r>
+            <a:r>
+              <a:rPr lang="zh-CN" altLang="en-US" sz="1800" dirty="0" smtClean="0"/>
+              <a:t>用户指南</a:t>
+            </a:r>
+            <a:r>
+              <a:rPr lang="en-US" altLang="zh-CN" sz="1800" dirty="0" smtClean="0"/>
+              <a:t>(</a:t>
+            </a:r>
+            <a:r>
+              <a:rPr lang="zh-CN" altLang="en-US" sz="1800" dirty="0" smtClean="0"/>
+              <a:t>第</a:t>
+            </a:r>
+            <a:r>
+              <a:rPr lang="en-US" altLang="zh-CN" sz="1800" dirty="0" smtClean="0"/>
+              <a:t>2</a:t>
+            </a:r>
+            <a:r>
+              <a:rPr lang="zh-CN" altLang="en-US" sz="1800" dirty="0" smtClean="0"/>
+              <a:t>版</a:t>
+            </a:r>
+            <a:r>
+              <a:rPr lang="en-US" altLang="zh-CN" sz="1800" dirty="0" smtClean="0"/>
+              <a:t>·</a:t>
+            </a:r>
+            <a:r>
+              <a:rPr lang="zh-CN" altLang="en-US" sz="1800" dirty="0" smtClean="0"/>
+              <a:t>修订版</a:t>
+            </a:r>
+            <a:r>
+              <a:rPr lang="en-US" altLang="zh-CN" sz="1800" dirty="0" smtClean="0"/>
+              <a:t>)(</a:t>
+            </a:r>
+            <a:r>
+              <a:rPr lang="zh-CN" altLang="en-US" sz="1800" dirty="0" smtClean="0"/>
+              <a:t>作者</a:t>
+            </a:r>
+            <a:r>
+              <a:rPr lang="en-US" altLang="zh-CN" sz="1800" dirty="0"/>
+              <a:t>:Grady </a:t>
+            </a:r>
+            <a:r>
+              <a:rPr lang="en-US" altLang="zh-CN" sz="1800" dirty="0" err="1" smtClean="0"/>
+              <a:t>Booch</a:t>
+            </a:r>
+            <a:r>
+              <a:rPr lang="zh-CN" altLang="en-US" sz="1800" dirty="0" smtClean="0"/>
+              <a:t>等</a:t>
+            </a:r>
+            <a:r>
+              <a:rPr lang="en-US" altLang="zh-CN" sz="1800" dirty="0" smtClean="0"/>
+              <a:t>)	</a:t>
+            </a:r>
+            <a:r>
+              <a:rPr lang="zh-CN" altLang="en-US" sz="1800" dirty="0" smtClean="0"/>
+              <a:t>人民</a:t>
+            </a:r>
+            <a:r>
+              <a:rPr lang="zh-CN" altLang="en-US" sz="1800" dirty="0"/>
+              <a:t>邮电</a:t>
+            </a:r>
+            <a:r>
+              <a:rPr lang="zh-CN" altLang="en-US" sz="1800" dirty="0" smtClean="0"/>
+              <a:t>出版社</a:t>
+            </a:r>
+            <a:endParaRPr lang="en-US" altLang="zh-CN" sz="1800" dirty="0" smtClean="0"/>
+          </a:p>
+          <a:p>
+            <a:endParaRPr lang="en-US" altLang="zh-CN" sz="1800" dirty="0" smtClean="0"/>
+          </a:p>
+          <a:p>
+            <a:r>
+              <a:rPr lang="en-US" altLang="zh-CN" sz="1800" dirty="0" smtClean="0"/>
+              <a:t>[2]</a:t>
+            </a:r>
+            <a:r>
+              <a:rPr lang="zh-CN" altLang="en-US" sz="1800" dirty="0"/>
+              <a:t> </a:t>
+            </a:r>
+            <a:r>
+              <a:rPr lang="en-US" altLang="zh-CN" sz="1800" dirty="0"/>
+              <a:t>UML2</a:t>
+            </a:r>
+            <a:r>
+              <a:rPr lang="zh-CN" altLang="en-US" sz="1800" dirty="0"/>
+              <a:t>基础、建模与设计</a:t>
+            </a:r>
+            <a:r>
+              <a:rPr lang="zh-CN" altLang="en-US" sz="1800" dirty="0" smtClean="0"/>
+              <a:t>教程</a:t>
+            </a:r>
+            <a:r>
+              <a:rPr lang="en-US" altLang="zh-CN" sz="1800" dirty="0"/>
+              <a:t>(</a:t>
+            </a:r>
+            <a:r>
+              <a:rPr lang="zh-CN" altLang="en-US" sz="1800" dirty="0" smtClean="0"/>
+              <a:t>作者</a:t>
+            </a:r>
+            <a:r>
+              <a:rPr lang="en-US" altLang="zh-CN" sz="1800" dirty="0" smtClean="0"/>
+              <a:t>:</a:t>
+            </a:r>
+            <a:r>
+              <a:rPr lang="zh-CN" altLang="en-US" sz="1800" dirty="0" smtClean="0"/>
+              <a:t>杨弘平等</a:t>
+            </a:r>
+            <a:r>
+              <a:rPr lang="en-US" altLang="zh-CN" sz="1800" dirty="0" smtClean="0"/>
+              <a:t>)	</a:t>
+            </a:r>
+            <a:r>
+              <a:rPr lang="zh-CN" altLang="en-US" sz="1800" dirty="0" smtClean="0"/>
+              <a:t>清华大学出版社</a:t>
+            </a:r>
+            <a:endParaRPr lang="en-US" altLang="zh-CN" sz="1800" dirty="0"/>
+          </a:p>
+          <a:p>
+            <a:endParaRPr lang="zh-CN" altLang="en-US" sz="1800" dirty="0"/>
+          </a:p>
+          <a:p>
+            <a:r>
+              <a:rPr lang="en-US" altLang="zh-CN" sz="1800" dirty="0" smtClean="0">
+                <a:sym typeface="+mn-ea"/>
+              </a:rPr>
+              <a:t>[3]</a:t>
+            </a:r>
+            <a:r>
+              <a:rPr lang="zh-CN" altLang="en-US" sz="1800" dirty="0">
+                <a:sym typeface="+mn-ea"/>
+              </a:rPr>
+              <a:t>《软件需求（第三版）》美</a:t>
+            </a:r>
+            <a:r>
+              <a:rPr lang="en-US" altLang="zh-CN" sz="1800" dirty="0">
+                <a:sym typeface="+mn-ea"/>
+              </a:rPr>
+              <a:t>KARL WIEGERS ,JOY BEATTY</a:t>
+            </a:r>
+            <a:endParaRPr lang="en-US" altLang="zh-CN" sz="1800" dirty="0" smtClean="0">
+              <a:sym typeface="+mn-ea"/>
+            </a:endParaRPr>
+          </a:p>
+          <a:p>
+            <a:endParaRPr lang="en-US" altLang="zh-CN" sz="1800" dirty="0" smtClean="0">
+              <a:sym typeface="+mn-ea"/>
+            </a:endParaRPr>
+          </a:p>
+          <a:p>
+            <a:endParaRPr lang="zh-CN" altLang="en-US" sz="1800" dirty="0"/>
+          </a:p>
+          <a:p>
+            <a:endParaRPr lang="en-US" altLang="zh-CN" sz="1800" dirty="0">
+              <a:solidFill>
+                <a:schemeClr val="tx1"/>
+              </a:solidFill>
+              <a:effectLst>
+                <a:outerShdw blurRad="38100" dist="19050" dir="2700000" algn="tl" rotWithShape="0">
+                  <a:schemeClr val="dk1">
+                    <a:alpha val="40000"/>
+                  </a:schemeClr>
+                </a:outerShdw>
+              </a:effectLst>
+            </a:endParaRPr>
+          </a:p>
+          <a:p>
+            <a:endParaRPr lang="en-US" altLang="zh-CN" sz="1800" dirty="0" smtClean="0"/>
+          </a:p>
+          <a:p>
+            <a:endParaRPr lang="zh-CN" altLang="en-US" sz="1800" dirty="0"/>
+          </a:p>
+        </p:txBody>
+      </p:sp>
+    </p:spTree>
+  </p:cSld>
+  <p:clrMapOvr>
+    <a:masterClrMapping/>
+  </p:clrMapOvr>
+  <mc:AlternateContent xmlns:mc="http://schemas.openxmlformats.org/markup-compatibility/2006" xmlns:p14="http://schemas.microsoft.com/office/powerpoint/2010/main">
+    <mc:Choice Requires="p14">
+      <p:transition spd="slow" p14:dur="1200" advClick="0" advTm="0">
+        <p14:prism/>
+      </p:transition>
+    </mc:Choice>
+    <mc:Fallback xmlns="">
+      <p:transition spd="slow" advClick="0" advTm="0">
+        <p:fade/>
+      </p:transition>
+    </mc:Fallback>
+  </mc:AlternateContent>
+  <p:timing>
+    <p:tnLst>
+      <p:par>
+        <p:cTn id="1" dur="indefinite" restart="never" nodeType="tmRoot">
+          <p:childTnLst>
+            <p:seq concurrent="1" nextAc="seek">
+              <p:cTn id="2" dur="indefinite" nodeType="mainSeq">
+                <p:childTnLst>
+                  <p:par>
+                    <p:cTn id="3" fill="hold">
+                      <p:stCondLst>
+                        <p:cond delay="indefinite"/>
+                        <p:cond evt="onBegin" delay="0">
+                          <p:tn val="2"/>
+                        </p:cond>
+                      </p:stCondLst>
+                      <p:childTnLst>
+                        <p:par>
+                          <p:cTn id="4" fill="hold">
+                            <p:stCondLst>
+                              <p:cond delay="0"/>
+                            </p:stCondLst>
+                            <p:childTnLst>
+                              <p:par>
+                                <p:cTn id="5" presetID="2" presetClass="entr" presetSubtype="8" fill="hold" grpId="0" nodeType="afterEffect">
+                                  <p:stCondLst>
+                                    <p:cond delay="0"/>
+                                  </p:stCondLst>
+                                  <p:childTnLst>
+                                    <p:set>
+                                      <p:cBhvr>
+                                        <p:cTn id="6" dur="1" fill="hold">
+                                          <p:stCondLst>
+                                            <p:cond delay="0"/>
+                                          </p:stCondLst>
+                                        </p:cTn>
+                                        <p:tgtEl>
+                                          <p:spTgt spid="36"/>
+                                        </p:tgtEl>
+                                        <p:attrNameLst>
+                                          <p:attrName>style.visibility</p:attrName>
+                                        </p:attrNameLst>
+                                      </p:cBhvr>
+                                      <p:to>
+                                        <p:strVal val="visible"/>
+                                      </p:to>
+                                    </p:set>
+                                    <p:anim calcmode="lin" valueType="num">
+                                      <p:cBhvr additive="base">
+                                        <p:cTn id="7" dur="500" fill="hold"/>
+                                        <p:tgtEl>
+                                          <p:spTgt spid="36"/>
+                                        </p:tgtEl>
+                                        <p:attrNameLst>
+                                          <p:attrName>ppt_x</p:attrName>
+                                        </p:attrNameLst>
+                                      </p:cBhvr>
+                                      <p:tavLst>
+                                        <p:tav tm="0">
+                                          <p:val>
+                                            <p:strVal val="0-#ppt_w/2"/>
+                                          </p:val>
+                                        </p:tav>
+                                        <p:tav tm="100000">
+                                          <p:val>
+                                            <p:strVal val="#ppt_x"/>
+                                          </p:val>
+                                        </p:tav>
+                                      </p:tavLst>
+                                    </p:anim>
+                                    <p:anim calcmode="lin" valueType="num">
+                                      <p:cBhvr additive="base">
+                                        <p:cTn id="8" dur="500" fill="hold"/>
+                                        <p:tgtEl>
+                                          <p:spTgt spid="36"/>
+                                        </p:tgtEl>
+                                        <p:attrNameLst>
+                                          <p:attrName>ppt_y</p:attrName>
+                                        </p:attrNameLst>
+                                      </p:cBhvr>
+                                      <p:tavLst>
+                                        <p:tav tm="0">
+                                          <p:val>
+                                            <p:strVal val="#ppt_y"/>
+                                          </p:val>
+                                        </p:tav>
+                                        <p:tav tm="100000">
+                                          <p:val>
+                                            <p:strVal val="#ppt_y"/>
+                                          </p:val>
+                                        </p:tav>
+                                      </p:tavLst>
+                                    </p:anim>
+                                  </p:childTnLst>
+                                </p:cTn>
+                              </p:par>
+                            </p:childTnLst>
+                          </p:cTn>
+                        </p:par>
+                        <p:par>
+                          <p:cTn id="9" fill="hold">
+                            <p:stCondLst>
+                              <p:cond delay="500"/>
+                            </p:stCondLst>
+                            <p:childTnLst>
+                              <p:par>
+                                <p:cTn id="10" presetID="17" presetClass="entr" presetSubtype="1" fill="hold" grpId="0" nodeType="afterEffect">
+                                  <p:stCondLst>
+                                    <p:cond delay="0"/>
+                                  </p:stCondLst>
+                                  <p:iterate type="lt">
+                                    <p:tmPct val="40000"/>
+                                  </p:iterate>
+                                  <p:childTnLst>
+                                    <p:set>
+                                      <p:cBhvr>
+                                        <p:cTn id="11" dur="1" fill="hold">
+                                          <p:stCondLst>
+                                            <p:cond delay="0"/>
+                                          </p:stCondLst>
+                                        </p:cTn>
+                                        <p:tgtEl>
+                                          <p:spTgt spid="37"/>
+                                        </p:tgtEl>
+                                        <p:attrNameLst>
+                                          <p:attrName>style.visibility</p:attrName>
+                                        </p:attrNameLst>
+                                      </p:cBhvr>
+                                      <p:to>
+                                        <p:strVal val="visible"/>
+                                      </p:to>
+                                    </p:set>
+                                    <p:anim calcmode="lin" valueType="num">
+                                      <p:cBhvr>
+                                        <p:cTn id="12" dur="250" fill="hold"/>
+                                        <p:tgtEl>
+                                          <p:spTgt spid="37"/>
+                                        </p:tgtEl>
+                                        <p:attrNameLst>
+                                          <p:attrName>ppt_x</p:attrName>
+                                        </p:attrNameLst>
+                                      </p:cBhvr>
+                                      <p:tavLst>
+                                        <p:tav tm="0">
+                                          <p:val>
+                                            <p:strVal val="#ppt_x"/>
+                                          </p:val>
+                                        </p:tav>
+                                        <p:tav tm="100000">
+                                          <p:val>
+                                            <p:strVal val="#ppt_x"/>
+                                          </p:val>
+                                        </p:tav>
+                                      </p:tavLst>
+                                    </p:anim>
+                                    <p:anim calcmode="lin" valueType="num">
+                                      <p:cBhvr>
+                                        <p:cTn id="13" dur="250" fill="hold"/>
+                                        <p:tgtEl>
+                                          <p:spTgt spid="37"/>
+                                        </p:tgtEl>
+                                        <p:attrNameLst>
+                                          <p:attrName>ppt_y</p:attrName>
+                                        </p:attrNameLst>
+                                      </p:cBhvr>
+                                      <p:tavLst>
+                                        <p:tav tm="0">
+                                          <p:val>
+                                            <p:strVal val="#ppt_y-#ppt_h/2"/>
+                                          </p:val>
+                                        </p:tav>
+                                        <p:tav tm="100000">
+                                          <p:val>
+                                            <p:strVal val="#ppt_y"/>
+                                          </p:val>
+                                        </p:tav>
+                                      </p:tavLst>
+                                    </p:anim>
+                                    <p:anim calcmode="lin" valueType="num">
+                                      <p:cBhvr>
+                                        <p:cTn id="14" dur="250" fill="hold"/>
+                                        <p:tgtEl>
+                                          <p:spTgt spid="37"/>
+                                        </p:tgtEl>
+                                        <p:attrNameLst>
+                                          <p:attrName>ppt_w</p:attrName>
+                                        </p:attrNameLst>
+                                      </p:cBhvr>
+                                      <p:tavLst>
+                                        <p:tav tm="0">
+                                          <p:val>
+                                            <p:strVal val="#ppt_w"/>
+                                          </p:val>
+                                        </p:tav>
+                                        <p:tav tm="100000">
+                                          <p:val>
+                                            <p:strVal val="#ppt_w"/>
+                                          </p:val>
+                                        </p:tav>
+                                      </p:tavLst>
+                                    </p:anim>
+                                    <p:anim calcmode="lin" valueType="num">
+                                      <p:cBhvr>
+                                        <p:cTn id="15" dur="250" fill="hold"/>
+                                        <p:tgtEl>
+                                          <p:spTgt spid="37"/>
+                                        </p:tgtEl>
+                                        <p:attrNameLst>
+                                          <p:attrName>ppt_h</p:attrName>
+                                        </p:attrNameLst>
+                                      </p:cBhvr>
+                                      <p:tavLst>
+                                        <p:tav tm="0">
+                                          <p:val>
+                                            <p:fltVal val="0"/>
+                                          </p:val>
+                                        </p:tav>
+                                        <p:tav tm="100000">
+                                          <p:val>
+                                            <p:strVal val="#ppt_h"/>
+                                          </p:val>
+                                        </p:tav>
+                                      </p:tavLst>
+                                    </p:anim>
+                                  </p:childTnLst>
+                                </p:cTn>
+                              </p:par>
+                            </p:childTnLst>
+                          </p:cTn>
+                        </p:par>
+                      </p:childTnLst>
+                    </p:cTn>
+                  </p:par>
+                </p:childTnLst>
+              </p:cTn>
+              <p:prevCondLst>
+                <p:cond evt="onPrev" delay="0">
+                  <p:tgtEl>
+                    <p:sldTgt/>
+                  </p:tgtEl>
+                </p:cond>
+              </p:prevCondLst>
+              <p:nextCondLst>
+                <p:cond evt="onNext" delay="0">
+                  <p:tgtEl>
+                    <p:sldTgt/>
+                  </p:tgtEl>
+                </p:cond>
+              </p:nextCondLst>
+            </p:seq>
+          </p:childTnLst>
+        </p:cTn>
+      </p:par>
+    </p:tnLst>
+    <p:bldLst>
+      <p:bldP spid="36" grpId="0" bldLvl="0" animBg="1"/>
+      <p:bldP spid="37" grpId="0"/>
+    </p:bldLst>
+  </p:timing>
+</p:sld>
+</file>
+
+<file path=ppt/slides/slide12.xml><?xml version="1.0" encoding="utf-8"?>
+<p:sld xmlns:a="http://schemas.openxmlformats.org/drawingml/2006/main" xmlns:r="http://schemas.openxmlformats.org/officeDocument/2006/relationships" xmlns:p="http://schemas.openxmlformats.org/presentationml/2006/main">
+  <p:cSld>
+    <p:spTree>
+      <p:nvGrpSpPr>
+        <p:cNvPr id="1" name=""/>
+        <p:cNvGrpSpPr/>
+        <p:nvPr/>
+      </p:nvGrpSpPr>
+      <p:grpSpPr>
+        <a:xfrm>
+          <a:off x="0" y="0"/>
+          <a:ext cx="0" cy="0"/>
+          <a:chOff x="0" y="0"/>
+          <a:chExt cx="0" cy="0"/>
+        </a:xfrm>
+      </p:grpSpPr>
+      <p:sp>
+        <p:nvSpPr>
+          <p:cNvPr id="36" name="矩形 35"/>
+          <p:cNvSpPr/>
+          <p:nvPr/>
+        </p:nvSpPr>
+        <p:spPr>
+          <a:xfrm>
+            <a:off x="-106680" y="0"/>
+            <a:ext cx="2938780" cy="6859270"/>
+          </a:xfrm>
+          <a:prstGeom prst="rect">
+            <a:avLst/>
+          </a:prstGeom>
+          <a:solidFill>
+            <a:srgbClr val="38B1BF"/>
+          </a:solidFill>
+          <a:ln>
+            <a:noFill/>
+          </a:ln>
+          <a:effectLst>
+            <a:outerShdw blurRad="50800" dist="38100" dir="2700000" algn="tl" rotWithShape="0">
+              <a:prstClr val="black">
+                <a:alpha val="40000"/>
+              </a:prstClr>
+            </a:outerShdw>
+          </a:effectLst>
+          <a:scene3d>
+            <a:camera prst="orthographicFront"/>
+            <a:lightRig rig="threePt" dir="t"/>
+          </a:scene3d>
+          <a:sp3d/>
+        </p:spPr>
+        <p:style>
+          <a:lnRef idx="1">
+            <a:schemeClr val="accent1"/>
+          </a:lnRef>
+          <a:fillRef idx="0">
+            <a:schemeClr val="accent1"/>
+          </a:fillRef>
+          <a:effectRef idx="0">
+            <a:schemeClr val="accent1"/>
+          </a:effectRef>
+          <a:fontRef idx="minor">
+            <a:schemeClr val="tx1"/>
+          </a:fontRef>
+        </p:style>
+        <p:txBody>
+          <a:bodyPr rot="0" spcFirstLastPara="0" vertOverflow="overflow" horzOverflow="overflow" vert="horz" wrap="square" lIns="91440" tIns="45720" rIns="91440" bIns="45720" numCol="1" spcCol="0" rtlCol="0" fromWordArt="0" anchor="ctr" anchorCtr="0" forceAA="0" compatLnSpc="1">
+            <a:noAutofit/>
+          </a:bodyPr>
+          <a:lstStyle/>
+          <a:p>
+            <a:pPr algn="ctr"/>
+            <a:endParaRPr lang="zh-CN" altLang="en-US"/>
+          </a:p>
+        </p:txBody>
+      </p:sp>
+      <p:sp>
+        <p:nvSpPr>
+          <p:cNvPr id="37" name="TextBox 36"/>
+          <p:cNvSpPr txBox="1"/>
+          <p:nvPr/>
+        </p:nvSpPr>
+        <p:spPr>
+          <a:xfrm>
+            <a:off x="311150" y="2922270"/>
+            <a:ext cx="2220595" cy="1106805"/>
+          </a:xfrm>
+          <a:prstGeom prst="rect">
+            <a:avLst/>
+          </a:prstGeom>
+          <a:noFill/>
+        </p:spPr>
+        <p:txBody>
+          <a:bodyPr wrap="square" lIns="121948" tIns="60973" rIns="121948" bIns="60973">
+            <a:spAutoFit/>
+          </a:bodyPr>
+          <a:lstStyle/>
+          <a:p>
+            <a:pPr algn="r">
+              <a:defRPr/>
+            </a:pPr>
+            <a:r>
+              <a:rPr lang="zh-CN" altLang="en-US" sz="3200" b="1" dirty="0" smtClean="0">
+                <a:solidFill>
+                  <a:schemeClr val="bg1"/>
+                </a:solidFill>
+                <a:latin typeface="微软雅黑" panose="020B0503020204020204" pitchFamily="34" charset="-122"/>
+                <a:ea typeface="微软雅黑" panose="020B0503020204020204" pitchFamily="34" charset="-122"/>
+              </a:rPr>
+              <a:t>绩效考评与分工</a:t>
+            </a:r>
+          </a:p>
+        </p:txBody>
+      </p:sp>
+      <p:graphicFrame>
+        <p:nvGraphicFramePr>
+          <p:cNvPr id="3" name="表格 2"/>
+          <p:cNvGraphicFramePr/>
+          <p:nvPr/>
+        </p:nvGraphicFramePr>
+        <p:xfrm>
+          <a:off x="3181985" y="459740"/>
+          <a:ext cx="7771130" cy="3811905"/>
+        </p:xfrm>
+        <a:graphic>
+          <a:graphicData uri="http://schemas.openxmlformats.org/drawingml/2006/table">
+            <a:tbl>
+              <a:tblPr firstRow="1" bandRow="1">
+                <a:tableStyleId>{5C22544A-7EE6-4342-B048-85BDC9FD1C3A}</a:tableStyleId>
+              </a:tblPr>
+              <a:tblGrid>
+                <a:gridCol w="1895475"/>
+                <a:gridCol w="2937510"/>
+                <a:gridCol w="2938145"/>
+              </a:tblGrid>
+              <a:tr h="713740">
+                <a:tc>
+                  <a:txBody>
+                    <a:bodyPr/>
+                    <a:lstStyle/>
+                    <a:p>
+                      <a:pPr algn="l">
+                        <a:buNone/>
+                      </a:pPr>
+                      <a:r>
+                        <a:rPr lang="zh-CN" altLang="en-US" b="0" dirty="0">
+                          <a:solidFill>
+                            <a:schemeClr val="tx1"/>
+                          </a:solidFill>
+                        </a:rPr>
+                        <a:t>黄为波</a:t>
+                      </a:r>
+                    </a:p>
+                  </a:txBody>
+                  <a:tcPr>
+                    <a:solidFill>
+                      <a:schemeClr val="accent1">
+                        <a:lumMod val="40000"/>
+                        <a:lumOff val="60000"/>
+                      </a:schemeClr>
+                    </a:solidFill>
+                  </a:tcPr>
+                </a:tc>
+                <a:tc>
+                  <a:txBody>
+                    <a:bodyPr/>
+                    <a:lstStyle/>
+                    <a:p>
+                      <a:pPr algn="l"/>
+                      <a:r>
+                        <a:rPr lang="zh-CN" altLang="en-US" sz="2400" b="0" dirty="0" smtClean="0">
+                          <a:solidFill>
+                            <a:schemeClr val="tx1"/>
+                          </a:solidFill>
+                        </a:rPr>
+                        <a:t>负责</a:t>
+                      </a:r>
+                      <a:r>
+                        <a:rPr lang="zh-CN" sz="2400" b="0" dirty="0" smtClean="0">
+                          <a:solidFill>
+                            <a:schemeClr val="tx1"/>
+                          </a:solidFill>
+                        </a:rPr>
+                        <a:t>制作</a:t>
+                      </a:r>
+                      <a:r>
+                        <a:rPr lang="en-US" altLang="zh-CN" sz="2400" b="0" dirty="0" smtClean="0">
+                          <a:solidFill>
+                            <a:schemeClr val="tx1"/>
+                          </a:solidFill>
+                        </a:rPr>
+                        <a:t>PPT</a:t>
+                      </a:r>
+                      <a:r>
+                        <a:rPr lang="zh-CN" altLang="en-US" sz="2400" b="0" dirty="0" smtClean="0">
+                          <a:solidFill>
+                            <a:schemeClr val="tx1"/>
+                          </a:solidFill>
+                        </a:rPr>
+                        <a:t>模板以及审核</a:t>
+                      </a:r>
+                    </a:p>
+                  </a:txBody>
+                  <a:tcPr>
+                    <a:solidFill>
+                      <a:schemeClr val="accent1">
+                        <a:lumMod val="40000"/>
+                        <a:lumOff val="60000"/>
+                      </a:schemeClr>
+                    </a:solidFill>
+                  </a:tcPr>
+                </a:tc>
+                <a:tc>
+                  <a:txBody>
+                    <a:bodyPr/>
+                    <a:lstStyle/>
+                    <a:p>
+                      <a:pPr algn="l">
+                        <a:buNone/>
+                      </a:pPr>
+                      <a:r>
+                        <a:rPr lang="en-US" altLang="zh-CN" sz="2400" b="0" dirty="0" smtClean="0">
+                          <a:solidFill>
+                            <a:schemeClr val="tx1"/>
+                          </a:solidFill>
+                        </a:rPr>
+                        <a:t>9.3</a:t>
+                      </a:r>
+                    </a:p>
+                  </a:txBody>
+                  <a:tcPr>
+                    <a:solidFill>
+                      <a:schemeClr val="accent1">
+                        <a:lumMod val="40000"/>
+                        <a:lumOff val="60000"/>
+                      </a:schemeClr>
+                    </a:solidFill>
+                  </a:tcPr>
+                </a:tc>
+              </a:tr>
+              <a:tr h="716915">
+                <a:tc>
+                  <a:txBody>
+                    <a:bodyPr/>
+                    <a:lstStyle/>
+                    <a:p>
+                      <a:pPr algn="l">
+                        <a:buNone/>
+                      </a:pPr>
+                      <a:r>
+                        <a:rPr lang="zh-CN" altLang="en-US" dirty="0" smtClean="0">
+                          <a:solidFill>
+                            <a:schemeClr val="tx1"/>
+                          </a:solidFill>
+                        </a:rPr>
+                        <a:t>苏雨豪</a:t>
+                      </a:r>
+                    </a:p>
+                  </a:txBody>
+                  <a:tcPr/>
+                </a:tc>
+                <a:tc>
+                  <a:txBody>
+                    <a:bodyPr/>
+                    <a:lstStyle/>
+                    <a:p>
+                      <a:pPr algn="l">
+                        <a:buNone/>
+                      </a:pPr>
+                      <a:r>
+                        <a:rPr lang="zh-CN" dirty="0" smtClean="0">
+                          <a:solidFill>
+                            <a:schemeClr val="tx1"/>
+                          </a:solidFill>
+                        </a:rPr>
+                        <a:t>负责</a:t>
+                      </a:r>
+                      <a:r>
+                        <a:rPr lang="en-US" altLang="zh-CN" dirty="0" smtClean="0">
+                          <a:solidFill>
+                            <a:schemeClr val="tx1"/>
+                          </a:solidFill>
+                        </a:rPr>
+                        <a:t>PPT</a:t>
+                      </a:r>
+                      <a:r>
+                        <a:rPr lang="zh-CN" altLang="en-US" dirty="0" smtClean="0">
+                          <a:solidFill>
+                            <a:schemeClr val="tx1"/>
+                          </a:solidFill>
+                        </a:rPr>
+                        <a:t>审核</a:t>
+                      </a:r>
+                    </a:p>
+                  </a:txBody>
+                  <a:tcPr/>
+                </a:tc>
+                <a:tc>
+                  <a:txBody>
+                    <a:bodyPr/>
+                    <a:lstStyle/>
+                    <a:p>
+                      <a:pPr algn="l">
+                        <a:buNone/>
+                      </a:pPr>
+                      <a:r>
+                        <a:rPr lang="en-US" altLang="zh-CN" dirty="0" smtClean="0">
+                          <a:solidFill>
+                            <a:schemeClr val="tx1"/>
+                          </a:solidFill>
+                        </a:rPr>
+                        <a:t>9.5</a:t>
+                      </a:r>
+                    </a:p>
+                  </a:txBody>
+                  <a:tcPr/>
+                </a:tc>
+              </a:tr>
+              <a:tr h="805815">
+                <a:tc>
+                  <a:txBody>
+                    <a:bodyPr/>
+                    <a:lstStyle/>
+                    <a:p>
+                      <a:pPr algn="l">
+                        <a:buNone/>
+                      </a:pPr>
+                      <a:r>
+                        <a:rPr lang="zh-CN" dirty="0" smtClean="0">
+                          <a:solidFill>
+                            <a:schemeClr val="tx1"/>
+                          </a:solidFill>
+                        </a:rPr>
+                        <a:t>陈子卿</a:t>
+                      </a:r>
+                    </a:p>
+                  </a:txBody>
+                  <a:tcPr>
+                    <a:solidFill>
+                      <a:schemeClr val="accent1">
+                        <a:lumMod val="40000"/>
+                        <a:lumOff val="60000"/>
+                      </a:schemeClr>
+                    </a:solidFill>
+                  </a:tcPr>
+                </a:tc>
+                <a:tc>
+                  <a:txBody>
+                    <a:bodyPr/>
+                    <a:lstStyle/>
+                    <a:p>
+                      <a:pPr algn="l">
+                        <a:buNone/>
+                      </a:pPr>
+                      <a:r>
+                        <a:rPr lang="zh-CN" altLang="en-US" dirty="0" smtClean="0">
+                          <a:solidFill>
+                            <a:schemeClr val="tx1"/>
+                          </a:solidFill>
+                        </a:rPr>
+                        <a:t>对象图部分</a:t>
+                      </a:r>
+                      <a:r>
+                        <a:rPr lang="en-US" altLang="zh-CN" dirty="0" smtClean="0">
+                          <a:solidFill>
+                            <a:schemeClr val="tx1"/>
+                          </a:solidFill>
+                        </a:rPr>
+                        <a:t>PPT</a:t>
+                      </a:r>
+                      <a:r>
+                        <a:rPr lang="zh-CN" altLang="en-US" dirty="0" smtClean="0">
+                          <a:solidFill>
+                            <a:schemeClr val="tx1"/>
+                          </a:solidFill>
+                        </a:rPr>
+                        <a:t>制作</a:t>
+                      </a:r>
+                    </a:p>
+                  </a:txBody>
+                  <a:tcPr>
+                    <a:solidFill>
+                      <a:schemeClr val="accent1">
+                        <a:lumMod val="40000"/>
+                        <a:lumOff val="60000"/>
+                      </a:schemeClr>
+                    </a:solidFill>
+                  </a:tcPr>
+                </a:tc>
+                <a:tc>
+                  <a:txBody>
+                    <a:bodyPr/>
+                    <a:lstStyle/>
+                    <a:p>
+                      <a:pPr algn="l">
+                        <a:buNone/>
+                      </a:pPr>
+                      <a:r>
+                        <a:rPr lang="en-US" altLang="zh-CN" dirty="0" smtClean="0">
+                          <a:solidFill>
+                            <a:schemeClr val="tx1"/>
+                          </a:solidFill>
+                        </a:rPr>
+                        <a:t>9.7</a:t>
+                      </a:r>
+                    </a:p>
+                  </a:txBody>
+                  <a:tcPr>
+                    <a:solidFill>
+                      <a:schemeClr val="accent1">
+                        <a:lumMod val="40000"/>
+                        <a:lumOff val="60000"/>
+                      </a:schemeClr>
+                    </a:solidFill>
+                  </a:tcPr>
+                </a:tc>
+              </a:tr>
+              <a:tr h="733425">
+                <a:tc>
+                  <a:txBody>
+                    <a:bodyPr/>
+                    <a:lstStyle/>
+                    <a:p>
+                      <a:pPr algn="l">
+                        <a:buNone/>
+                      </a:pPr>
+                      <a:r>
+                        <a:rPr lang="zh-CN" altLang="en-US" dirty="0" smtClean="0">
+                          <a:solidFill>
+                            <a:schemeClr val="tx1"/>
+                          </a:solidFill>
+                        </a:rPr>
+                        <a:t>蔡峰</a:t>
+                      </a:r>
+                    </a:p>
+                  </a:txBody>
+                  <a:tcPr>
+                    <a:solidFill>
+                      <a:schemeClr val="accent1">
+                        <a:lumMod val="40000"/>
+                        <a:lumOff val="60000"/>
+                      </a:schemeClr>
+                    </a:solidFill>
+                  </a:tcPr>
+                </a:tc>
+                <a:tc>
+                  <a:txBody>
+                    <a:bodyPr/>
+                    <a:lstStyle/>
+                    <a:p>
+                      <a:pPr algn="l">
+                        <a:buNone/>
+                      </a:pPr>
+                      <a:r>
+                        <a:rPr lang="zh-CN" dirty="0" smtClean="0">
+                          <a:solidFill>
+                            <a:schemeClr val="tx1"/>
+                          </a:solidFill>
+                        </a:rPr>
+                        <a:t>包图部分</a:t>
+                      </a:r>
+                      <a:r>
+                        <a:rPr lang="en-US" altLang="zh-CN" dirty="0" smtClean="0">
+                          <a:solidFill>
+                            <a:schemeClr val="tx1"/>
+                          </a:solidFill>
+                        </a:rPr>
+                        <a:t>PPT</a:t>
+                      </a:r>
+                      <a:r>
+                        <a:rPr lang="zh-CN" altLang="en-US" dirty="0" smtClean="0">
+                          <a:solidFill>
+                            <a:schemeClr val="tx1"/>
+                          </a:solidFill>
+                        </a:rPr>
+                        <a:t>制作</a:t>
+                      </a:r>
+                    </a:p>
+                  </a:txBody>
+                  <a:tcPr>
+                    <a:solidFill>
+                      <a:schemeClr val="accent1">
+                        <a:lumMod val="40000"/>
+                        <a:lumOff val="60000"/>
+                      </a:schemeClr>
+                    </a:solidFill>
+                  </a:tcPr>
+                </a:tc>
+                <a:tc>
+                  <a:txBody>
+                    <a:bodyPr/>
+                    <a:lstStyle/>
+                    <a:p>
+                      <a:pPr algn="l">
+                        <a:buNone/>
+                      </a:pPr>
+                      <a:r>
+                        <a:rPr lang="en-US" altLang="zh-CN" sz="2100" dirty="0" smtClean="0">
+                          <a:solidFill>
+                            <a:schemeClr val="tx1"/>
+                          </a:solidFill>
+                          <a:sym typeface="+mn-ea"/>
+                        </a:rPr>
+                        <a:t>9.4</a:t>
+                      </a:r>
+                      <a:endParaRPr lang="en-US" altLang="zh-CN" sz="2100" b="0" dirty="0" smtClean="0">
+                        <a:solidFill>
+                          <a:schemeClr val="tx1"/>
+                        </a:solidFill>
+                        <a:sym typeface="+mn-ea"/>
+                      </a:endParaRPr>
+                    </a:p>
+                    <a:p>
+                      <a:pPr algn="l">
+                        <a:buNone/>
+                      </a:pPr>
+                      <a:endParaRPr lang="zh-CN" altLang="en-US" dirty="0" smtClean="0">
+                        <a:solidFill>
+                          <a:schemeClr val="tx1"/>
+                        </a:solidFill>
+                      </a:endParaRPr>
+                    </a:p>
+                  </a:txBody>
+                  <a:tcPr>
+                    <a:solidFill>
+                      <a:schemeClr val="accent1">
+                        <a:lumMod val="40000"/>
+                        <a:lumOff val="60000"/>
+                      </a:schemeClr>
+                    </a:solidFill>
+                  </a:tcPr>
+                </a:tc>
+              </a:tr>
+              <a:tr h="732790">
+                <a:tc>
+                  <a:txBody>
+                    <a:bodyPr/>
+                    <a:lstStyle/>
+                    <a:p>
+                      <a:pPr algn="l">
+                        <a:buNone/>
+                      </a:pPr>
+                      <a:r>
+                        <a:rPr lang="zh-CN" altLang="en-US" dirty="0" smtClean="0">
+                          <a:solidFill>
+                            <a:schemeClr val="tx1"/>
+                          </a:solidFill>
+                        </a:rPr>
+                        <a:t>江亮儒</a:t>
+                      </a:r>
+                    </a:p>
+                  </a:txBody>
+                  <a:tcPr>
+                    <a:solidFill>
+                      <a:schemeClr val="accent1">
+                        <a:lumMod val="40000"/>
+                        <a:lumOff val="60000"/>
+                      </a:schemeClr>
+                    </a:solidFill>
+                  </a:tcPr>
+                </a:tc>
+                <a:tc>
+                  <a:txBody>
+                    <a:bodyPr/>
+                    <a:lstStyle/>
+                    <a:p>
+                      <a:pPr algn="l">
+                        <a:buNone/>
+                      </a:pPr>
+                      <a:r>
+                        <a:rPr lang="zh-CN" altLang="en-US" sz="2100" dirty="0" smtClean="0">
+                          <a:solidFill>
+                            <a:schemeClr val="tx1"/>
+                          </a:solidFill>
+                          <a:sym typeface="+mn-ea"/>
+                        </a:rPr>
+                        <a:t>构件图部分</a:t>
+                      </a:r>
+                      <a:r>
+                        <a:rPr lang="en-US" altLang="zh-CN" sz="2100" dirty="0" smtClean="0">
+                          <a:solidFill>
+                            <a:schemeClr val="tx1"/>
+                          </a:solidFill>
+                          <a:sym typeface="+mn-ea"/>
+                        </a:rPr>
+                        <a:t>PPT</a:t>
+                      </a:r>
+                      <a:r>
+                        <a:rPr lang="zh-CN" altLang="en-US" sz="2100" dirty="0" smtClean="0">
+                          <a:solidFill>
+                            <a:schemeClr val="tx1"/>
+                          </a:solidFill>
+                          <a:sym typeface="+mn-ea"/>
+                        </a:rPr>
+                        <a:t>制作</a:t>
+                      </a:r>
+                    </a:p>
+                  </a:txBody>
+                  <a:tcPr>
+                    <a:solidFill>
+                      <a:schemeClr val="accent1">
+                        <a:lumMod val="40000"/>
+                        <a:lumOff val="60000"/>
+                      </a:schemeClr>
+                    </a:solidFill>
+                  </a:tcPr>
+                </a:tc>
+                <a:tc>
+                  <a:txBody>
+                    <a:bodyPr/>
+                    <a:lstStyle/>
+                    <a:p>
+                      <a:pPr algn="l">
+                        <a:buNone/>
+                      </a:pPr>
+                      <a:r>
+                        <a:rPr lang="en-US" altLang="zh-CN" dirty="0" smtClean="0">
+                          <a:solidFill>
+                            <a:schemeClr val="tx1"/>
+                          </a:solidFill>
+                        </a:rPr>
+                        <a:t>9.6</a:t>
+                      </a:r>
+                    </a:p>
+                  </a:txBody>
+                  <a:tcPr>
+                    <a:solidFill>
+                      <a:schemeClr val="accent1">
+                        <a:lumMod val="40000"/>
+                        <a:lumOff val="60000"/>
+                      </a:schemeClr>
+                    </a:solidFill>
+                  </a:tcPr>
+                </a:tc>
+              </a:tr>
+            </a:tbl>
+          </a:graphicData>
+        </a:graphic>
+      </p:graphicFrame>
+    </p:spTree>
+  </p:cSld>
+  <p:clrMapOvr>
+    <a:masterClrMapping/>
+  </p:clrMapOvr>
+  <mc:AlternateContent xmlns:mc="http://schemas.openxmlformats.org/markup-compatibility/2006" xmlns:p14="http://schemas.microsoft.com/office/powerpoint/2010/main">
+    <mc:Choice Requires="p14">
+      <p:transition spd="slow" p14:dur="1200" advClick="0" advTm="0">
+        <p14:prism/>
+      </p:transition>
+    </mc:Choice>
+    <mc:Fallback xmlns="">
+      <p:transition spd="slow" advClick="0" advTm="0">
+        <p:fade/>
+      </p:transition>
+    </mc:Fallback>
+  </mc:AlternateContent>
+  <p:timing>
+    <p:tnLst>
+      <p:par>
+        <p:cTn id="1" dur="indefinite" restart="never" nodeType="tmRoot">
+          <p:childTnLst>
+            <p:seq concurrent="1" nextAc="seek">
+              <p:cTn id="2" dur="indefinite" nodeType="mainSeq">
+                <p:childTnLst>
+                  <p:par>
+                    <p:cTn id="3" fill="hold">
+                      <p:stCondLst>
+                        <p:cond delay="indefinite"/>
+                        <p:cond evt="onBegin" delay="0">
+                          <p:tn val="2"/>
+                        </p:cond>
+                      </p:stCondLst>
+                      <p:childTnLst>
+                        <p:par>
+                          <p:cTn id="4" fill="hold">
+                            <p:stCondLst>
+                              <p:cond delay="0"/>
+                            </p:stCondLst>
+                            <p:childTnLst>
+                              <p:par>
+                                <p:cTn id="5" presetID="2" presetClass="entr" presetSubtype="8" fill="hold" grpId="0" nodeType="afterEffect">
+                                  <p:stCondLst>
+                                    <p:cond delay="0"/>
+                                  </p:stCondLst>
+                                  <p:childTnLst>
+                                    <p:set>
+                                      <p:cBhvr>
+                                        <p:cTn id="6" dur="1" fill="hold">
+                                          <p:stCondLst>
+                                            <p:cond delay="0"/>
+                                          </p:stCondLst>
+                                        </p:cTn>
+                                        <p:tgtEl>
+                                          <p:spTgt spid="36"/>
+                                        </p:tgtEl>
+                                        <p:attrNameLst>
+                                          <p:attrName>style.visibility</p:attrName>
+                                        </p:attrNameLst>
+                                      </p:cBhvr>
+                                      <p:to>
+                                        <p:strVal val="visible"/>
+                                      </p:to>
+                                    </p:set>
+                                    <p:anim calcmode="lin" valueType="num">
+                                      <p:cBhvr additive="base">
+                                        <p:cTn id="7" dur="500" fill="hold"/>
+                                        <p:tgtEl>
+                                          <p:spTgt spid="36"/>
+                                        </p:tgtEl>
+                                        <p:attrNameLst>
+                                          <p:attrName>ppt_x</p:attrName>
+                                        </p:attrNameLst>
+                                      </p:cBhvr>
+                                      <p:tavLst>
+                                        <p:tav tm="0">
+                                          <p:val>
+                                            <p:strVal val="0-#ppt_w/2"/>
+                                          </p:val>
+                                        </p:tav>
+                                        <p:tav tm="100000">
+                                          <p:val>
+                                            <p:strVal val="#ppt_x"/>
+                                          </p:val>
+                                        </p:tav>
+                                      </p:tavLst>
+                                    </p:anim>
+                                    <p:anim calcmode="lin" valueType="num">
+                                      <p:cBhvr additive="base">
+                                        <p:cTn id="8" dur="500" fill="hold"/>
+                                        <p:tgtEl>
+                                          <p:spTgt spid="36"/>
+                                        </p:tgtEl>
+                                        <p:attrNameLst>
+                                          <p:attrName>ppt_y</p:attrName>
+                                        </p:attrNameLst>
+                                      </p:cBhvr>
+                                      <p:tavLst>
+                                        <p:tav tm="0">
+                                          <p:val>
+                                            <p:strVal val="#ppt_y"/>
+                                          </p:val>
+                                        </p:tav>
+                                        <p:tav tm="100000">
+                                          <p:val>
+                                            <p:strVal val="#ppt_y"/>
+                                          </p:val>
+                                        </p:tav>
+                                      </p:tavLst>
+                                    </p:anim>
+                                  </p:childTnLst>
+                                </p:cTn>
+                              </p:par>
+                            </p:childTnLst>
+                          </p:cTn>
+                        </p:par>
+                        <p:par>
+                          <p:cTn id="9" fill="hold">
+                            <p:stCondLst>
+                              <p:cond delay="500"/>
+                            </p:stCondLst>
+                            <p:childTnLst>
+                              <p:par>
+                                <p:cTn id="10" presetID="17" presetClass="entr" presetSubtype="1" fill="hold" grpId="0" nodeType="afterEffect">
+                                  <p:stCondLst>
+                                    <p:cond delay="0"/>
+                                  </p:stCondLst>
+                                  <p:iterate type="lt">
+                                    <p:tmPct val="40000"/>
+                                  </p:iterate>
+                                  <p:childTnLst>
+                                    <p:set>
+                                      <p:cBhvr>
+                                        <p:cTn id="11" dur="1" fill="hold">
+                                          <p:stCondLst>
+                                            <p:cond delay="0"/>
+                                          </p:stCondLst>
+                                        </p:cTn>
+                                        <p:tgtEl>
+                                          <p:spTgt spid="37"/>
+                                        </p:tgtEl>
+                                        <p:attrNameLst>
+                                          <p:attrName>style.visibility</p:attrName>
+                                        </p:attrNameLst>
+                                      </p:cBhvr>
+                                      <p:to>
+                                        <p:strVal val="visible"/>
+                                      </p:to>
+                                    </p:set>
+                                    <p:anim calcmode="lin" valueType="num">
+                                      <p:cBhvr>
+                                        <p:cTn id="12" dur="250" fill="hold"/>
+                                        <p:tgtEl>
+                                          <p:spTgt spid="37"/>
+                                        </p:tgtEl>
+                                        <p:attrNameLst>
+                                          <p:attrName>ppt_x</p:attrName>
+                                        </p:attrNameLst>
+                                      </p:cBhvr>
+                                      <p:tavLst>
+                                        <p:tav tm="0">
+                                          <p:val>
+                                            <p:strVal val="#ppt_x"/>
+                                          </p:val>
+                                        </p:tav>
+                                        <p:tav tm="100000">
+                                          <p:val>
+                                            <p:strVal val="#ppt_x"/>
+                                          </p:val>
+                                        </p:tav>
+                                      </p:tavLst>
+                                    </p:anim>
+                                    <p:anim calcmode="lin" valueType="num">
+                                      <p:cBhvr>
+                                        <p:cTn id="13" dur="250" fill="hold"/>
+                                        <p:tgtEl>
+                                          <p:spTgt spid="37"/>
+                                        </p:tgtEl>
+                                        <p:attrNameLst>
+                                          <p:attrName>ppt_y</p:attrName>
+                                        </p:attrNameLst>
+                                      </p:cBhvr>
+                                      <p:tavLst>
+                                        <p:tav tm="0">
+                                          <p:val>
+                                            <p:strVal val="#ppt_y-#ppt_h/2"/>
+                                          </p:val>
+                                        </p:tav>
+                                        <p:tav tm="100000">
+                                          <p:val>
+                                            <p:strVal val="#ppt_y"/>
+                                          </p:val>
+                                        </p:tav>
+                                      </p:tavLst>
+                                    </p:anim>
+                                    <p:anim calcmode="lin" valueType="num">
+                                      <p:cBhvr>
+                                        <p:cTn id="14" dur="250" fill="hold"/>
+                                        <p:tgtEl>
+                                          <p:spTgt spid="37"/>
+                                        </p:tgtEl>
+                                        <p:attrNameLst>
+                                          <p:attrName>ppt_w</p:attrName>
+                                        </p:attrNameLst>
+                                      </p:cBhvr>
+                                      <p:tavLst>
+                                        <p:tav tm="0">
+                                          <p:val>
+                                            <p:strVal val="#ppt_w"/>
+                                          </p:val>
+                                        </p:tav>
+                                        <p:tav tm="100000">
+                                          <p:val>
+                                            <p:strVal val="#ppt_w"/>
+                                          </p:val>
+                                        </p:tav>
+                                      </p:tavLst>
+                                    </p:anim>
+                                    <p:anim calcmode="lin" valueType="num">
+                                      <p:cBhvr>
+                                        <p:cTn id="15" dur="250" fill="hold"/>
+                                        <p:tgtEl>
+                                          <p:spTgt spid="37"/>
+                                        </p:tgtEl>
+                                        <p:attrNameLst>
+                                          <p:attrName>ppt_h</p:attrName>
+                                        </p:attrNameLst>
+                                      </p:cBhvr>
+                                      <p:tavLst>
+                                        <p:tav tm="0">
+                                          <p:val>
+                                            <p:fltVal val="0"/>
+                                          </p:val>
+                                        </p:tav>
+                                        <p:tav tm="100000">
+                                          <p:val>
+                                            <p:strVal val="#ppt_h"/>
+                                          </p:val>
+                                        </p:tav>
+                                      </p:tavLst>
+                                    </p:anim>
+                                  </p:childTnLst>
+                                </p:cTn>
+                              </p:par>
+                            </p:childTnLst>
+                          </p:cTn>
+                        </p:par>
+                      </p:childTnLst>
+                    </p:cTn>
+                  </p:par>
+                </p:childTnLst>
+              </p:cTn>
+              <p:prevCondLst>
+                <p:cond evt="onPrev" delay="0">
+                  <p:tgtEl>
+                    <p:sldTgt/>
+                  </p:tgtEl>
+                </p:cond>
+              </p:prevCondLst>
+              <p:nextCondLst>
+                <p:cond evt="onNext" delay="0">
+                  <p:tgtEl>
+                    <p:sldTgt/>
+                  </p:tgtEl>
+                </p:cond>
+              </p:nextCondLst>
+            </p:seq>
+          </p:childTnLst>
+        </p:cTn>
+      </p:par>
+    </p:tnLst>
+    <p:bldLst>
+      <p:bldP spid="36" grpId="0" bldLvl="0" animBg="1"/>
+      <p:bldP spid="37" grpId="0"/>
+    </p:bldLst>
+  </p:timing>
+</p:sld>
+</file>
+
+<file path=ppt/slides/slide13.xml><?xml version="1.0" encoding="utf-8"?>
+<p:sld xmlns:a="http://schemas.openxmlformats.org/drawingml/2006/main" xmlns:r="http://schemas.openxmlformats.org/officeDocument/2006/relationships" xmlns:p="http://schemas.openxmlformats.org/presentationml/2006/main">
+  <p:cSld>
+    <p:spTree>
+      <p:nvGrpSpPr>
+        <p:cNvPr id="1" name=""/>
+        <p:cNvGrpSpPr/>
+        <p:nvPr/>
+      </p:nvGrpSpPr>
+      <p:grpSpPr>
+        <a:xfrm>
+          <a:off x="0" y="0"/>
+          <a:ext cx="0" cy="0"/>
+          <a:chOff x="0" y="0"/>
+          <a:chExt cx="0" cy="0"/>
+        </a:xfrm>
+      </p:grpSpPr>
+      <p:cxnSp>
+        <p:nvCxnSpPr>
+          <p:cNvPr id="30" name="直接连接符 29"/>
+          <p:cNvCxnSpPr/>
+          <p:nvPr/>
+        </p:nvCxnSpPr>
+        <p:spPr>
+          <a:xfrm>
+            <a:off x="0" y="740873"/>
+            <a:ext cx="5039227" cy="0"/>
+          </a:xfrm>
+          <a:prstGeom prst="line">
+            <a:avLst/>
+          </a:prstGeom>
+          <a:ln w="12700">
+            <a:solidFill>
+              <a:srgbClr val="A9A9A9"/>
+            </a:solidFill>
+          </a:ln>
+        </p:spPr>
+        <p:style>
+          <a:lnRef idx="1">
+            <a:schemeClr val="accent1"/>
+          </a:lnRef>
+          <a:fillRef idx="0">
+            <a:schemeClr val="accent1"/>
+          </a:fillRef>
+          <a:effectRef idx="0">
+            <a:schemeClr val="accent1"/>
+          </a:effectRef>
+          <a:fontRef idx="minor">
+            <a:schemeClr val="tx1"/>
+          </a:fontRef>
+        </p:style>
+      </p:cxnSp>
+      <p:cxnSp>
+        <p:nvCxnSpPr>
+          <p:cNvPr id="31" name="直接连接符 30"/>
+          <p:cNvCxnSpPr/>
+          <p:nvPr/>
+        </p:nvCxnSpPr>
+        <p:spPr>
+          <a:xfrm>
+            <a:off x="7151186" y="740873"/>
+            <a:ext cx="5039227" cy="0"/>
+          </a:xfrm>
+          <a:prstGeom prst="line">
+            <a:avLst/>
+          </a:prstGeom>
+          <a:ln w="12700">
+            <a:solidFill>
+              <a:srgbClr val="A9A9A9"/>
+            </a:solidFill>
+          </a:ln>
+        </p:spPr>
+        <p:style>
+          <a:lnRef idx="1">
+            <a:schemeClr val="accent1"/>
+          </a:lnRef>
+          <a:fillRef idx="0">
+            <a:schemeClr val="accent1"/>
+          </a:fillRef>
+          <a:effectRef idx="0">
+            <a:schemeClr val="accent1"/>
+          </a:effectRef>
+          <a:fontRef idx="minor">
+            <a:schemeClr val="tx1"/>
+          </a:fontRef>
+        </p:style>
+      </p:cxnSp>
+      <p:sp>
+        <p:nvSpPr>
+          <p:cNvPr id="32" name="矩形 31"/>
+          <p:cNvSpPr/>
+          <p:nvPr/>
+        </p:nvSpPr>
+        <p:spPr>
+          <a:xfrm>
+            <a:off x="1" y="6406814"/>
+            <a:ext cx="3041773" cy="452774"/>
+          </a:xfrm>
+          <a:prstGeom prst="rect">
+            <a:avLst/>
+          </a:prstGeom>
+          <a:solidFill>
+            <a:srgbClr val="EF7768"/>
+          </a:solidFill>
+          <a:ln>
+            <a:noFill/>
+          </a:ln>
+        </p:spPr>
+        <p:style>
+          <a:lnRef idx="2">
+            <a:schemeClr val="accent1">
+              <a:shade val="50000"/>
+            </a:schemeClr>
+          </a:lnRef>
+          <a:fillRef idx="1">
+            <a:schemeClr val="accent1"/>
+          </a:fillRef>
+          <a:effectRef idx="0">
+            <a:schemeClr val="accent1"/>
+          </a:effectRef>
+          <a:fontRef idx="minor">
+            <a:schemeClr val="lt1"/>
+          </a:fontRef>
+        </p:style>
+        <p:txBody>
+          <a:bodyPr lIns="121917" tIns="60958" rIns="121917" bIns="60958" rtlCol="0" anchor="ctr"/>
+          <a:lstStyle/>
+          <a:p>
+            <a:pPr algn="ctr"/>
+            <a:endParaRPr lang="zh-CN" altLang="en-US"/>
+          </a:p>
+        </p:txBody>
+      </p:sp>
+      <p:sp>
+        <p:nvSpPr>
+          <p:cNvPr id="33" name="矩形 32"/>
+          <p:cNvSpPr/>
+          <p:nvPr/>
+        </p:nvSpPr>
+        <p:spPr>
+          <a:xfrm>
+            <a:off x="3041775" y="6406814"/>
+            <a:ext cx="3063750" cy="452774"/>
+          </a:xfrm>
+          <a:prstGeom prst="rect">
+            <a:avLst/>
+          </a:prstGeom>
+          <a:solidFill>
+            <a:srgbClr val="C7C7C7"/>
+          </a:solidFill>
+          <a:ln>
+            <a:noFill/>
+          </a:ln>
+        </p:spPr>
+        <p:style>
+          <a:lnRef idx="2">
+            <a:schemeClr val="accent1">
+              <a:shade val="50000"/>
+            </a:schemeClr>
+          </a:lnRef>
+          <a:fillRef idx="1">
+            <a:schemeClr val="accent1"/>
+          </a:fillRef>
+          <a:effectRef idx="0">
+            <a:schemeClr val="accent1"/>
+          </a:effectRef>
+          <a:fontRef idx="minor">
+            <a:schemeClr val="lt1"/>
+          </a:fontRef>
+        </p:style>
+        <p:txBody>
+          <a:bodyPr lIns="121917" tIns="60958" rIns="121917" bIns="60958" rtlCol="0" anchor="ctr"/>
+          <a:lstStyle/>
+          <a:p>
+            <a:pPr algn="ctr"/>
+            <a:endParaRPr lang="zh-CN" altLang="en-US"/>
+          </a:p>
+        </p:txBody>
+      </p:sp>
+      <p:sp>
+        <p:nvSpPr>
+          <p:cNvPr id="34" name="矩形 33"/>
+          <p:cNvSpPr/>
+          <p:nvPr/>
+        </p:nvSpPr>
+        <p:spPr>
+          <a:xfrm>
+            <a:off x="6095207" y="6406814"/>
+            <a:ext cx="3047603" cy="452774"/>
+          </a:xfrm>
+          <a:prstGeom prst="rect">
+            <a:avLst/>
+          </a:prstGeom>
+          <a:solidFill>
+            <a:srgbClr val="38B1BF"/>
+          </a:solidFill>
+          <a:ln>
+            <a:noFill/>
+          </a:ln>
+        </p:spPr>
+        <p:style>
+          <a:lnRef idx="2">
+            <a:schemeClr val="accent1">
+              <a:shade val="50000"/>
+            </a:schemeClr>
+          </a:lnRef>
+          <a:fillRef idx="1">
+            <a:schemeClr val="accent1"/>
+          </a:fillRef>
+          <a:effectRef idx="0">
+            <a:schemeClr val="accent1"/>
+          </a:effectRef>
+          <a:fontRef idx="minor">
+            <a:schemeClr val="lt1"/>
+          </a:fontRef>
+        </p:style>
+        <p:txBody>
+          <a:bodyPr lIns="121917" tIns="60958" rIns="121917" bIns="60958" rtlCol="0" anchor="ctr"/>
+          <a:lstStyle/>
+          <a:p>
+            <a:pPr algn="ctr"/>
+            <a:endParaRPr lang="zh-CN" altLang="en-US"/>
+          </a:p>
+        </p:txBody>
+      </p:sp>
+      <p:sp>
+        <p:nvSpPr>
+          <p:cNvPr id="35" name="矩形 34"/>
+          <p:cNvSpPr/>
+          <p:nvPr/>
+        </p:nvSpPr>
+        <p:spPr>
+          <a:xfrm>
+            <a:off x="9142810" y="6406814"/>
+            <a:ext cx="3047603" cy="452774"/>
+          </a:xfrm>
+          <a:prstGeom prst="rect">
+            <a:avLst/>
+          </a:prstGeom>
+          <a:solidFill>
+            <a:srgbClr val="FF9933"/>
+          </a:solidFill>
+          <a:ln>
+            <a:noFill/>
+          </a:ln>
+        </p:spPr>
+        <p:style>
+          <a:lnRef idx="2">
+            <a:schemeClr val="accent1">
+              <a:shade val="50000"/>
+            </a:schemeClr>
+          </a:lnRef>
+          <a:fillRef idx="1">
+            <a:schemeClr val="accent1"/>
+          </a:fillRef>
+          <a:effectRef idx="0">
+            <a:schemeClr val="accent1"/>
+          </a:effectRef>
+          <a:fontRef idx="minor">
+            <a:schemeClr val="lt1"/>
+          </a:fontRef>
+        </p:style>
+        <p:txBody>
+          <a:bodyPr lIns="121917" tIns="60958" rIns="121917" bIns="60958" rtlCol="0" anchor="ctr"/>
+          <a:lstStyle/>
+          <a:p>
+            <a:pPr algn="ctr"/>
+            <a:endParaRPr lang="zh-CN" altLang="en-US"/>
+          </a:p>
+        </p:txBody>
+      </p:sp>
+      <p:sp>
+        <p:nvSpPr>
+          <p:cNvPr id="36" name="矩形 35"/>
+          <p:cNvSpPr/>
+          <p:nvPr/>
+        </p:nvSpPr>
+        <p:spPr>
+          <a:xfrm>
+            <a:off x="0" y="-27390"/>
+            <a:ext cx="3047603" cy="123423"/>
+          </a:xfrm>
+          <a:prstGeom prst="rect">
+            <a:avLst/>
+          </a:prstGeom>
+          <a:solidFill>
+            <a:srgbClr val="EF7768"/>
+          </a:solidFill>
+          <a:ln>
+            <a:noFill/>
+          </a:ln>
+        </p:spPr>
+        <p:style>
+          <a:lnRef idx="2">
+            <a:schemeClr val="accent1">
+              <a:shade val="50000"/>
+            </a:schemeClr>
+          </a:lnRef>
+          <a:fillRef idx="1">
+            <a:schemeClr val="accent1"/>
+          </a:fillRef>
+          <a:effectRef idx="0">
+            <a:schemeClr val="accent1"/>
+          </a:effectRef>
+          <a:fontRef idx="minor">
+            <a:schemeClr val="lt1"/>
+          </a:fontRef>
+        </p:style>
+        <p:txBody>
+          <a:bodyPr lIns="121917" tIns="60958" rIns="121917" bIns="60958" rtlCol="0" anchor="ctr"/>
+          <a:lstStyle/>
+          <a:p>
+            <a:pPr algn="ctr"/>
+            <a:endParaRPr lang="zh-CN" altLang="en-US"/>
+          </a:p>
+        </p:txBody>
+      </p:sp>
+      <p:sp>
+        <p:nvSpPr>
+          <p:cNvPr id="37" name="矩形 36"/>
+          <p:cNvSpPr/>
+          <p:nvPr/>
+        </p:nvSpPr>
+        <p:spPr>
+          <a:xfrm>
+            <a:off x="3047603" y="-27390"/>
+            <a:ext cx="3047603" cy="123423"/>
+          </a:xfrm>
+          <a:prstGeom prst="rect">
+            <a:avLst/>
+          </a:prstGeom>
+          <a:solidFill>
+            <a:srgbClr val="C7C7C7"/>
+          </a:solidFill>
+          <a:ln>
+            <a:noFill/>
+          </a:ln>
+        </p:spPr>
+        <p:style>
+          <a:lnRef idx="2">
+            <a:schemeClr val="accent1">
+              <a:shade val="50000"/>
+            </a:schemeClr>
+          </a:lnRef>
+          <a:fillRef idx="1">
+            <a:schemeClr val="accent1"/>
+          </a:fillRef>
+          <a:effectRef idx="0">
+            <a:schemeClr val="accent1"/>
+          </a:effectRef>
+          <a:fontRef idx="minor">
+            <a:schemeClr val="lt1"/>
+          </a:fontRef>
+        </p:style>
+        <p:txBody>
+          <a:bodyPr lIns="121917" tIns="60958" rIns="121917" bIns="60958" rtlCol="0" anchor="ctr"/>
+          <a:lstStyle/>
+          <a:p>
+            <a:pPr algn="ctr"/>
+            <a:endParaRPr lang="zh-CN" altLang="en-US"/>
+          </a:p>
+        </p:txBody>
+      </p:sp>
+      <p:sp>
+        <p:nvSpPr>
+          <p:cNvPr id="38" name="矩形 37"/>
+          <p:cNvSpPr/>
+          <p:nvPr/>
+        </p:nvSpPr>
+        <p:spPr>
+          <a:xfrm>
+            <a:off x="6095207" y="-27390"/>
+            <a:ext cx="3047603" cy="123423"/>
+          </a:xfrm>
+          <a:prstGeom prst="rect">
+            <a:avLst/>
+          </a:prstGeom>
+          <a:solidFill>
+            <a:srgbClr val="38B1BF"/>
+          </a:solidFill>
+          <a:ln>
+            <a:noFill/>
+          </a:ln>
+        </p:spPr>
+        <p:style>
+          <a:lnRef idx="2">
+            <a:schemeClr val="accent1">
+              <a:shade val="50000"/>
+            </a:schemeClr>
+          </a:lnRef>
+          <a:fillRef idx="1">
+            <a:schemeClr val="accent1"/>
+          </a:fillRef>
+          <a:effectRef idx="0">
+            <a:schemeClr val="accent1"/>
+          </a:effectRef>
+          <a:fontRef idx="minor">
+            <a:schemeClr val="lt1"/>
+          </a:fontRef>
+        </p:style>
+        <p:txBody>
+          <a:bodyPr lIns="121917" tIns="60958" rIns="121917" bIns="60958" rtlCol="0" anchor="ctr"/>
+          <a:lstStyle/>
+          <a:p>
+            <a:pPr algn="ctr"/>
+            <a:endParaRPr lang="zh-CN" altLang="en-US"/>
+          </a:p>
+        </p:txBody>
+      </p:sp>
+      <p:sp>
+        <p:nvSpPr>
+          <p:cNvPr id="39" name="矩形 38"/>
+          <p:cNvSpPr/>
+          <p:nvPr/>
+        </p:nvSpPr>
+        <p:spPr>
+          <a:xfrm>
+            <a:off x="9142810" y="-27390"/>
+            <a:ext cx="3047603" cy="123423"/>
+          </a:xfrm>
+          <a:prstGeom prst="rect">
+            <a:avLst/>
+          </a:prstGeom>
+          <a:solidFill>
+            <a:srgbClr val="FF9933"/>
+          </a:solidFill>
+          <a:ln>
+            <a:noFill/>
+          </a:ln>
+        </p:spPr>
+        <p:style>
+          <a:lnRef idx="2">
+            <a:schemeClr val="accent1">
+              <a:shade val="50000"/>
+            </a:schemeClr>
+          </a:lnRef>
+          <a:fillRef idx="1">
+            <a:schemeClr val="accent1"/>
+          </a:fillRef>
+          <a:effectRef idx="0">
+            <a:schemeClr val="accent1"/>
+          </a:effectRef>
+          <a:fontRef idx="minor">
+            <a:schemeClr val="lt1"/>
+          </a:fontRef>
+        </p:style>
+        <p:txBody>
+          <a:bodyPr lIns="121917" tIns="60958" rIns="121917" bIns="60958" rtlCol="0" anchor="ctr"/>
+          <a:lstStyle/>
+          <a:p>
+            <a:pPr algn="ctr"/>
+            <a:endParaRPr lang="zh-CN" altLang="en-US"/>
+          </a:p>
+        </p:txBody>
+      </p:sp>
+      <p:sp>
+        <p:nvSpPr>
+          <p:cNvPr id="41" name="文本框 5"/>
+          <p:cNvSpPr txBox="1"/>
+          <p:nvPr/>
+        </p:nvSpPr>
+        <p:spPr>
+          <a:xfrm>
+            <a:off x="3663094" y="4778722"/>
+            <a:ext cx="2552267" cy="384705"/>
+          </a:xfrm>
+          <a:prstGeom prst="rect">
+            <a:avLst/>
+          </a:prstGeom>
+          <a:noFill/>
+        </p:spPr>
+        <p:txBody>
+          <a:bodyPr wrap="none" lIns="91423" tIns="45712" rIns="91423" bIns="45712" rtlCol="0">
+            <a:spAutoFit/>
+          </a:bodyPr>
+          <a:lstStyle/>
+          <a:p>
+            <a:pPr algn="ctr"/>
+            <a:r>
+              <a:rPr lang="en-US" altLang="zh-CN" sz="1900" dirty="0">
+                <a:solidFill>
+                  <a:schemeClr val="tx1">
+                    <a:lumMod val="85000"/>
+                    <a:lumOff val="15000"/>
+                  </a:schemeClr>
+                </a:solidFill>
+                <a:latin typeface="微软雅黑" panose="020B0503020204020204" pitchFamily="34" charset="-122"/>
+                <a:ea typeface="微软雅黑" panose="020B0503020204020204" pitchFamily="34" charset="-122"/>
+              </a:rPr>
+              <a:t>PRD</a:t>
+            </a:r>
+            <a:r>
+              <a:rPr lang="en-US" sz="1900" dirty="0" smtClean="0">
+                <a:solidFill>
+                  <a:schemeClr val="tx1">
+                    <a:lumMod val="85000"/>
+                    <a:lumOff val="15000"/>
+                  </a:schemeClr>
+                </a:solidFill>
+                <a:latin typeface="微软雅黑" panose="020B0503020204020204" pitchFamily="34" charset="-122"/>
+                <a:ea typeface="微软雅黑" panose="020B0503020204020204" pitchFamily="34" charset="-122"/>
+              </a:rPr>
+              <a:t>2018</a:t>
+            </a:r>
+            <a:r>
+              <a:rPr lang="zh-CN" altLang="en-US" sz="1900" dirty="0">
+                <a:solidFill>
+                  <a:schemeClr val="tx1">
+                    <a:lumMod val="85000"/>
+                    <a:lumOff val="15000"/>
+                  </a:schemeClr>
+                </a:solidFill>
+                <a:latin typeface="微软雅黑" panose="020B0503020204020204" pitchFamily="34" charset="-122"/>
+                <a:ea typeface="微软雅黑" panose="020B0503020204020204" pitchFamily="34" charset="-122"/>
+              </a:rPr>
+              <a:t>秋</a:t>
+            </a:r>
+            <a:r>
+              <a:rPr lang="en-US" altLang="zh-CN" sz="1900" dirty="0" smtClean="0">
+                <a:solidFill>
+                  <a:schemeClr val="tx1">
+                    <a:lumMod val="85000"/>
+                    <a:lumOff val="15000"/>
+                  </a:schemeClr>
+                </a:solidFill>
+                <a:latin typeface="微软雅黑" panose="020B0503020204020204" pitchFamily="34" charset="-122"/>
+                <a:ea typeface="微软雅黑" panose="020B0503020204020204" pitchFamily="34" charset="-122"/>
+              </a:rPr>
+              <a:t>-</a:t>
+            </a:r>
+            <a:r>
+              <a:rPr lang="en-US" sz="1900" dirty="0" smtClean="0">
+                <a:solidFill>
+                  <a:schemeClr val="tx1">
+                    <a:lumMod val="85000"/>
+                    <a:lumOff val="15000"/>
+                  </a:schemeClr>
+                </a:solidFill>
+                <a:latin typeface="微软雅黑" panose="020B0503020204020204" pitchFamily="34" charset="-122"/>
+                <a:ea typeface="微软雅黑" panose="020B0503020204020204" pitchFamily="34" charset="-122"/>
+              </a:rPr>
+              <a:t>G11</a:t>
+            </a:r>
+            <a:r>
+              <a:rPr lang="zh-CN" altLang="en-US" sz="1900" dirty="0" smtClean="0">
+                <a:solidFill>
+                  <a:schemeClr val="tx1">
+                    <a:lumMod val="85000"/>
+                    <a:lumOff val="15000"/>
+                  </a:schemeClr>
+                </a:solidFill>
+                <a:latin typeface="微软雅黑" panose="020B0503020204020204" pitchFamily="34" charset="-122"/>
+                <a:ea typeface="微软雅黑" panose="020B0503020204020204" pitchFamily="34" charset="-122"/>
+              </a:rPr>
+              <a:t>小组</a:t>
+            </a:r>
+            <a:endParaRPr lang="zh-CN" altLang="en-US" sz="1900" dirty="0">
+              <a:solidFill>
+                <a:schemeClr val="tx1">
+                  <a:lumMod val="85000"/>
+                  <a:lumOff val="15000"/>
+                </a:schemeClr>
+              </a:solidFill>
+              <a:latin typeface="微软雅黑" panose="020B0503020204020204" pitchFamily="34" charset="-122"/>
+              <a:ea typeface="微软雅黑" panose="020B0503020204020204" pitchFamily="34" charset="-122"/>
+            </a:endParaRPr>
+          </a:p>
+        </p:txBody>
+      </p:sp>
+      <p:sp>
+        <p:nvSpPr>
+          <p:cNvPr id="42" name="矩形 41"/>
+          <p:cNvSpPr/>
+          <p:nvPr/>
+        </p:nvSpPr>
+        <p:spPr>
+          <a:xfrm>
+            <a:off x="4110906" y="3692461"/>
+            <a:ext cx="3975100" cy="643890"/>
+          </a:xfrm>
+          <a:prstGeom prst="rect">
+            <a:avLst/>
+          </a:prstGeom>
+          <a:noFill/>
+          <a:ln>
+            <a:noFill/>
+          </a:ln>
+          <a:effectLst>
+            <a:glow rad="1905000">
+              <a:srgbClr val="F14124">
+                <a:alpha val="40000"/>
+              </a:srgbClr>
+            </a:glow>
+            <a:softEdge rad="1270000"/>
+          </a:effectLst>
+        </p:spPr>
+        <p:txBody>
+          <a:bodyPr wrap="none" lIns="91423" tIns="45712" rIns="91423" bIns="45712">
+            <a:spAutoFit/>
+          </a:bodyPr>
+          <a:lstStyle/>
+          <a:p>
+            <a:pPr algn="ctr"/>
+            <a:r>
+              <a:rPr lang="zh-CN" altLang="en-US" sz="3600" b="1" dirty="0">
+                <a:solidFill>
+                  <a:schemeClr val="tx1">
+                    <a:lumMod val="75000"/>
+                    <a:lumOff val="25000"/>
+                  </a:schemeClr>
+                </a:solidFill>
+                <a:latin typeface="微软雅黑" panose="020B0503020204020204" pitchFamily="34" charset="-122"/>
+                <a:ea typeface="微软雅黑" panose="020B0503020204020204" pitchFamily="34" charset="-122"/>
+              </a:rPr>
+              <a:t>汇报结束 感谢观看</a:t>
+            </a:r>
+          </a:p>
+        </p:txBody>
+      </p:sp>
+      <p:sp>
+        <p:nvSpPr>
+          <p:cNvPr id="43" name="文本框 5"/>
+          <p:cNvSpPr txBox="1"/>
+          <p:nvPr/>
+        </p:nvSpPr>
+        <p:spPr>
+          <a:xfrm>
+            <a:off x="6287332" y="4778722"/>
+            <a:ext cx="2038350" cy="382270"/>
+          </a:xfrm>
+          <a:prstGeom prst="rect">
+            <a:avLst/>
+          </a:prstGeom>
+          <a:noFill/>
+        </p:spPr>
+        <p:txBody>
+          <a:bodyPr wrap="none" lIns="91423" tIns="45712" rIns="91423" bIns="45712" rtlCol="0">
+            <a:spAutoFit/>
+          </a:bodyPr>
+          <a:lstStyle/>
+          <a:p>
+            <a:pPr algn="ctr"/>
+            <a:r>
+              <a:rPr lang="en-US" altLang="zh-CN" sz="1900" dirty="0" smtClean="0">
+                <a:solidFill>
+                  <a:schemeClr val="tx1">
+                    <a:lumMod val="85000"/>
+                    <a:lumOff val="15000"/>
+                  </a:schemeClr>
+                </a:solidFill>
+                <a:latin typeface="微软雅黑" panose="020B0503020204020204" pitchFamily="34" charset="-122"/>
+                <a:ea typeface="微软雅黑" panose="020B0503020204020204" pitchFamily="34" charset="-122"/>
+              </a:rPr>
+              <a:t>2018</a:t>
+            </a:r>
+            <a:r>
+              <a:rPr lang="zh-CN" altLang="en-US" sz="1900" dirty="0" smtClean="0">
+                <a:solidFill>
+                  <a:schemeClr val="tx1">
+                    <a:lumMod val="85000"/>
+                    <a:lumOff val="15000"/>
+                  </a:schemeClr>
+                </a:solidFill>
+                <a:latin typeface="微软雅黑" panose="020B0503020204020204" pitchFamily="34" charset="-122"/>
+                <a:ea typeface="微软雅黑" panose="020B0503020204020204" pitchFamily="34" charset="-122"/>
+              </a:rPr>
+              <a:t>年</a:t>
+            </a:r>
+            <a:r>
+              <a:rPr lang="en-US" altLang="zh-CN" sz="1900" dirty="0">
+                <a:solidFill>
+                  <a:schemeClr val="tx1">
+                    <a:lumMod val="85000"/>
+                    <a:lumOff val="15000"/>
+                  </a:schemeClr>
+                </a:solidFill>
+                <a:latin typeface="微软雅黑" panose="020B0503020204020204" pitchFamily="34" charset="-122"/>
+                <a:ea typeface="微软雅黑" panose="020B0503020204020204" pitchFamily="34" charset="-122"/>
+              </a:rPr>
+              <a:t>11</a:t>
+            </a:r>
+            <a:r>
+              <a:rPr lang="zh-CN" altLang="en-US" sz="1900" dirty="0" smtClean="0">
+                <a:solidFill>
+                  <a:schemeClr val="tx1">
+                    <a:lumMod val="85000"/>
+                    <a:lumOff val="15000"/>
+                  </a:schemeClr>
+                </a:solidFill>
+                <a:latin typeface="微软雅黑" panose="020B0503020204020204" pitchFamily="34" charset="-122"/>
+                <a:ea typeface="微软雅黑" panose="020B0503020204020204" pitchFamily="34" charset="-122"/>
+              </a:rPr>
+              <a:t>月</a:t>
+            </a:r>
+            <a:r>
+              <a:rPr lang="en-US" altLang="zh-CN" sz="1900" dirty="0" smtClean="0">
+                <a:solidFill>
+                  <a:schemeClr val="tx1">
+                    <a:lumMod val="85000"/>
+                    <a:lumOff val="15000"/>
+                  </a:schemeClr>
+                </a:solidFill>
+                <a:latin typeface="微软雅黑" panose="020B0503020204020204" pitchFamily="34" charset="-122"/>
+                <a:ea typeface="微软雅黑" panose="020B0503020204020204" pitchFamily="34" charset="-122"/>
+              </a:rPr>
+              <a:t>11</a:t>
+            </a:r>
+            <a:r>
+              <a:rPr lang="zh-CN" altLang="en-US" sz="1900" dirty="0" smtClean="0">
+                <a:solidFill>
+                  <a:schemeClr val="tx1">
+                    <a:lumMod val="85000"/>
+                    <a:lumOff val="15000"/>
+                  </a:schemeClr>
+                </a:solidFill>
+                <a:latin typeface="微软雅黑" panose="020B0503020204020204" pitchFamily="34" charset="-122"/>
+                <a:ea typeface="微软雅黑" panose="020B0503020204020204" pitchFamily="34" charset="-122"/>
+              </a:rPr>
+              <a:t>日</a:t>
+            </a:r>
+            <a:endParaRPr lang="zh-CN" altLang="en-US" sz="1900" dirty="0">
+              <a:solidFill>
+                <a:schemeClr val="tx1">
+                  <a:lumMod val="85000"/>
+                  <a:lumOff val="15000"/>
+                </a:schemeClr>
+              </a:solidFill>
+              <a:latin typeface="微软雅黑" panose="020B0503020204020204" pitchFamily="34" charset="-122"/>
+              <a:ea typeface="微软雅黑" panose="020B0503020204020204" pitchFamily="34" charset="-122"/>
+            </a:endParaRPr>
+          </a:p>
+        </p:txBody>
+      </p:sp>
+      <p:cxnSp>
+        <p:nvCxnSpPr>
+          <p:cNvPr id="44" name="直接连接符 43"/>
+          <p:cNvCxnSpPr/>
+          <p:nvPr/>
+        </p:nvCxnSpPr>
+        <p:spPr>
+          <a:xfrm>
+            <a:off x="2639273" y="4529730"/>
+            <a:ext cx="6911868" cy="0"/>
+          </a:xfrm>
+          <a:prstGeom prst="line">
+            <a:avLst/>
+          </a:prstGeom>
+          <a:ln>
+            <a:solidFill>
+              <a:srgbClr val="38B1BF"/>
+            </a:solidFill>
+          </a:ln>
+        </p:spPr>
+        <p:style>
+          <a:lnRef idx="1">
+            <a:schemeClr val="accent1"/>
+          </a:lnRef>
+          <a:fillRef idx="0">
+            <a:schemeClr val="accent1"/>
+          </a:fillRef>
+          <a:effectRef idx="0">
+            <a:schemeClr val="accent1"/>
+          </a:effectRef>
+          <a:fontRef idx="minor">
+            <a:schemeClr val="tx1"/>
+          </a:fontRef>
+        </p:style>
+      </p:cxnSp>
+      <p:pic>
+        <p:nvPicPr>
+          <p:cNvPr id="46" name="商务.mp3">
+            <a:hlinkClick r:id="" action="ppaction://media"/>
+          </p:cNvPr>
+          <p:cNvPicPr>
+            <a:picLocks noChangeAspect="1"/>
+          </p:cNvPicPr>
+          <p:nvPr>
+            <a:audioFile r:link="rId2"/>
+            <p:extLst>
+              <p:ext uri="{DAA4B4D4-6D71-4841-9C94-3DE7FCFB9230}">
+                <p14:media xmlns:p14="http://schemas.microsoft.com/office/powerpoint/2010/main" r:embed="rId1"/>
+              </p:ext>
+            </p:extLst>
+          </p:nvPr>
+        </p:nvPicPr>
+        <p:blipFill>
+          <a:blip r:embed="rId5"/>
+          <a:stretch>
+            <a:fillRect/>
+          </a:stretch>
+        </p:blipFill>
+        <p:spPr>
+          <a:xfrm>
+            <a:off x="12418122" y="6197364"/>
+            <a:ext cx="812694" cy="812988"/>
+          </a:xfrm>
+          <a:prstGeom prst="rect">
+            <a:avLst/>
+          </a:prstGeom>
+        </p:spPr>
+      </p:pic>
+      <p:sp>
+        <p:nvSpPr>
+          <p:cNvPr id="2" name="文本框 1"/>
+          <p:cNvSpPr txBox="1"/>
+          <p:nvPr/>
+        </p:nvSpPr>
+        <p:spPr>
+          <a:xfrm>
+            <a:off x="4051300" y="5527040"/>
+            <a:ext cx="4747895" cy="414020"/>
+          </a:xfrm>
+          <a:prstGeom prst="rect">
+            <a:avLst/>
+          </a:prstGeom>
+          <a:noFill/>
+        </p:spPr>
+        <p:txBody>
+          <a:bodyPr wrap="square" rtlCol="0">
+            <a:spAutoFit/>
+          </a:bodyPr>
+          <a:lstStyle/>
+          <a:p>
+            <a:r>
+              <a:rPr lang="zh-CN" altLang="en-US" kern="300" spc="2000">
+                <a:solidFill>
+                  <a:schemeClr val="tx1"/>
+                </a:solidFill>
+                <a:uFillTx/>
+                <a:latin typeface="+中文标题" charset="0"/>
+                <a:ea typeface="+mj-ea"/>
+              </a:rPr>
+              <a:t>浙江大学城市学院</a:t>
+            </a:r>
+          </a:p>
+        </p:txBody>
+      </p:sp>
+    </p:spTree>
+  </p:cSld>
+  <p:clrMapOvr>
+    <a:masterClrMapping/>
+  </p:clrMapOvr>
+  <mc:AlternateContent xmlns:mc="http://schemas.openxmlformats.org/markup-compatibility/2006" xmlns:p14="http://schemas.microsoft.com/office/powerpoint/2010/main">
+    <mc:Choice Requires="p14">
+      <p:transition spd="slow" p14:dur="1600" advClick="0" advTm="0">
+        <p:blinds dir="vert"/>
+      </p:transition>
+    </mc:Choice>
+    <mc:Fallback xmlns="">
+      <p:transition spd="slow" advClick="0" advTm="0">
+        <p:blinds dir="vert"/>
+      </p:transition>
+    </mc:Fallback>
+  </mc:AlternateContent>
+  <p:timing>
+    <p:tnLst>
+      <p:par>
+        <p:cTn id="1" dur="indefinite" restart="never" nodeType="tmRoot">
+          <p:childTnLst>
+            <p:seq concurrent="1" nextAc="seek">
+              <p:cTn id="2" dur="indefinite" nodeType="mainSeq">
+                <p:childTnLst>
+                  <p:par>
+                    <p:cTn id="3" fill="hold">
+                      <p:stCondLst>
+                        <p:cond delay="indefinite"/>
+                        <p:cond evt="onBegin" delay="0">
+                          <p:tn val="2"/>
+                        </p:cond>
+                      </p:stCondLst>
+                      <p:childTnLst>
+                        <p:par>
+                          <p:cTn id="4" fill="hold">
+                            <p:stCondLst>
+                              <p:cond delay="0"/>
+                            </p:stCondLst>
+                            <p:childTnLst>
+                              <p:par>
+                                <p:cTn id="5" presetID="1" presetClass="mediacall" presetSubtype="0" fill="hold" nodeType="withEffect">
+                                  <p:stCondLst>
+                                    <p:cond delay="0"/>
+                                  </p:stCondLst>
+                                  <p:childTnLst>
+                                    <p:cmd type="call" cmd="playFrom(0.0)">
+                                      <p:cBhvr>
+                                        <p:cTn id="6" dur="1" fill="hold"/>
+                                        <p:tgtEl>
+                                          <p:spTgt spid="46"/>
+                                        </p:tgtEl>
+                                      </p:cBhvr>
+                                    </p:cmd>
+                                  </p:childTnLst>
+                                </p:cTn>
+                              </p:par>
+                              <p:par>
+                                <p:cTn id="7" presetID="10" presetClass="entr" presetSubtype="0" fill="hold" grpId="0" nodeType="withEffect">
+                                  <p:stCondLst>
+                                    <p:cond delay="0"/>
+                                  </p:stCondLst>
+                                  <p:childTnLst>
+                                    <p:set>
+                                      <p:cBhvr>
+                                        <p:cTn id="8" dur="1" fill="hold">
+                                          <p:stCondLst>
+                                            <p:cond delay="0"/>
+                                          </p:stCondLst>
+                                        </p:cTn>
+                                        <p:tgtEl>
+                                          <p:spTgt spid="36"/>
+                                        </p:tgtEl>
+                                        <p:attrNameLst>
+                                          <p:attrName>style.visibility</p:attrName>
+                                        </p:attrNameLst>
+                                      </p:cBhvr>
+                                      <p:to>
+                                        <p:strVal val="visible"/>
+                                      </p:to>
+                                    </p:set>
+                                    <p:animEffect transition="in" filter="fade">
+                                      <p:cBhvr>
+                                        <p:cTn id="9" dur="200"/>
+                                        <p:tgtEl>
+                                          <p:spTgt spid="36"/>
+                                        </p:tgtEl>
+                                      </p:cBhvr>
+                                    </p:animEffect>
+                                  </p:childTnLst>
+                                </p:cTn>
+                              </p:par>
+                              <p:par>
+                                <p:cTn id="10" presetID="10" presetClass="entr" presetSubtype="0" fill="hold" grpId="0" nodeType="withEffect">
+                                  <p:stCondLst>
+                                    <p:cond delay="0"/>
+                                  </p:stCondLst>
+                                  <p:childTnLst>
+                                    <p:set>
+                                      <p:cBhvr>
+                                        <p:cTn id="11" dur="1" fill="hold">
+                                          <p:stCondLst>
+                                            <p:cond delay="0"/>
+                                          </p:stCondLst>
+                                        </p:cTn>
+                                        <p:tgtEl>
+                                          <p:spTgt spid="37"/>
+                                        </p:tgtEl>
+                                        <p:attrNameLst>
+                                          <p:attrName>style.visibility</p:attrName>
+                                        </p:attrNameLst>
+                                      </p:cBhvr>
+                                      <p:to>
+                                        <p:strVal val="visible"/>
+                                      </p:to>
+                                    </p:set>
+                                    <p:animEffect transition="in" filter="fade">
+                                      <p:cBhvr>
+                                        <p:cTn id="12" dur="200"/>
+                                        <p:tgtEl>
+                                          <p:spTgt spid="37"/>
+                                        </p:tgtEl>
+                                      </p:cBhvr>
+                                    </p:animEffect>
+                                  </p:childTnLst>
+                                </p:cTn>
+                              </p:par>
+                              <p:par>
+                                <p:cTn id="13" presetID="10" presetClass="entr" presetSubtype="0" fill="hold" grpId="0" nodeType="withEffect">
+                                  <p:stCondLst>
+                                    <p:cond delay="0"/>
+                                  </p:stCondLst>
+                                  <p:childTnLst>
+                                    <p:set>
+                                      <p:cBhvr>
+                                        <p:cTn id="14" dur="1" fill="hold">
+                                          <p:stCondLst>
+                                            <p:cond delay="0"/>
+                                          </p:stCondLst>
+                                        </p:cTn>
+                                        <p:tgtEl>
+                                          <p:spTgt spid="38"/>
+                                        </p:tgtEl>
+                                        <p:attrNameLst>
+                                          <p:attrName>style.visibility</p:attrName>
+                                        </p:attrNameLst>
+                                      </p:cBhvr>
+                                      <p:to>
+                                        <p:strVal val="visible"/>
+                                      </p:to>
+                                    </p:set>
+                                    <p:animEffect transition="in" filter="fade">
+                                      <p:cBhvr>
+                                        <p:cTn id="15" dur="200"/>
+                                        <p:tgtEl>
+                                          <p:spTgt spid="38"/>
+                                        </p:tgtEl>
+                                      </p:cBhvr>
+                                    </p:animEffect>
+                                  </p:childTnLst>
+                                </p:cTn>
+                              </p:par>
+                              <p:par>
+                                <p:cTn id="16" presetID="10" presetClass="entr" presetSubtype="0" fill="hold" grpId="0" nodeType="withEffect">
+                                  <p:stCondLst>
+                                    <p:cond delay="0"/>
+                                  </p:stCondLst>
+                                  <p:childTnLst>
+                                    <p:set>
+                                      <p:cBhvr>
+                                        <p:cTn id="17" dur="1" fill="hold">
+                                          <p:stCondLst>
+                                            <p:cond delay="0"/>
+                                          </p:stCondLst>
+                                        </p:cTn>
+                                        <p:tgtEl>
+                                          <p:spTgt spid="39"/>
+                                        </p:tgtEl>
+                                        <p:attrNameLst>
+                                          <p:attrName>style.visibility</p:attrName>
+                                        </p:attrNameLst>
+                                      </p:cBhvr>
+                                      <p:to>
+                                        <p:strVal val="visible"/>
+                                      </p:to>
+                                    </p:set>
+                                    <p:animEffect transition="in" filter="fade">
+                                      <p:cBhvr>
+                                        <p:cTn id="18" dur="200"/>
+                                        <p:tgtEl>
+                                          <p:spTgt spid="39"/>
+                                        </p:tgtEl>
+                                      </p:cBhvr>
+                                    </p:animEffect>
+                                  </p:childTnLst>
+                                </p:cTn>
+                              </p:par>
+                              <p:par>
+                                <p:cTn id="19" presetID="10" presetClass="entr" presetSubtype="0" fill="hold" grpId="0" nodeType="withEffect">
+                                  <p:stCondLst>
+                                    <p:cond delay="0"/>
+                                  </p:stCondLst>
+                                  <p:childTnLst>
+                                    <p:set>
+                                      <p:cBhvr>
+                                        <p:cTn id="20" dur="1" fill="hold">
+                                          <p:stCondLst>
+                                            <p:cond delay="0"/>
+                                          </p:stCondLst>
+                                        </p:cTn>
+                                        <p:tgtEl>
+                                          <p:spTgt spid="32"/>
+                                        </p:tgtEl>
+                                        <p:attrNameLst>
+                                          <p:attrName>style.visibility</p:attrName>
+                                        </p:attrNameLst>
+                                      </p:cBhvr>
+                                      <p:to>
+                                        <p:strVal val="visible"/>
+                                      </p:to>
+                                    </p:set>
+                                    <p:animEffect transition="in" filter="fade">
+                                      <p:cBhvr>
+                                        <p:cTn id="21" dur="200"/>
+                                        <p:tgtEl>
+                                          <p:spTgt spid="32"/>
+                                        </p:tgtEl>
+                                      </p:cBhvr>
+                                    </p:animEffect>
+                                  </p:childTnLst>
+                                </p:cTn>
+                              </p:par>
+                              <p:par>
+                                <p:cTn id="22" presetID="10" presetClass="entr" presetSubtype="0" fill="hold" grpId="0" nodeType="withEffect">
+                                  <p:stCondLst>
+                                    <p:cond delay="0"/>
+                                  </p:stCondLst>
+                                  <p:childTnLst>
+                                    <p:set>
+                                      <p:cBhvr>
+                                        <p:cTn id="23" dur="1" fill="hold">
+                                          <p:stCondLst>
+                                            <p:cond delay="0"/>
+                                          </p:stCondLst>
+                                        </p:cTn>
+                                        <p:tgtEl>
+                                          <p:spTgt spid="33"/>
+                                        </p:tgtEl>
+                                        <p:attrNameLst>
+                                          <p:attrName>style.visibility</p:attrName>
+                                        </p:attrNameLst>
+                                      </p:cBhvr>
+                                      <p:to>
+                                        <p:strVal val="visible"/>
+                                      </p:to>
+                                    </p:set>
+                                    <p:animEffect transition="in" filter="fade">
+                                      <p:cBhvr>
+                                        <p:cTn id="24" dur="200"/>
+                                        <p:tgtEl>
+                                          <p:spTgt spid="33"/>
+                                        </p:tgtEl>
+                                      </p:cBhvr>
+                                    </p:animEffect>
+                                  </p:childTnLst>
+                                </p:cTn>
+                              </p:par>
+                              <p:par>
+                                <p:cTn id="25" presetID="10" presetClass="entr" presetSubtype="0" fill="hold" grpId="0" nodeType="withEffect">
+                                  <p:stCondLst>
+                                    <p:cond delay="0"/>
+                                  </p:stCondLst>
+                                  <p:childTnLst>
+                                    <p:set>
+                                      <p:cBhvr>
+                                        <p:cTn id="26" dur="1" fill="hold">
+                                          <p:stCondLst>
+                                            <p:cond delay="0"/>
+                                          </p:stCondLst>
+                                        </p:cTn>
+                                        <p:tgtEl>
+                                          <p:spTgt spid="34"/>
+                                        </p:tgtEl>
+                                        <p:attrNameLst>
+                                          <p:attrName>style.visibility</p:attrName>
+                                        </p:attrNameLst>
+                                      </p:cBhvr>
+                                      <p:to>
+                                        <p:strVal val="visible"/>
+                                      </p:to>
+                                    </p:set>
+                                    <p:animEffect transition="in" filter="fade">
+                                      <p:cBhvr>
+                                        <p:cTn id="27" dur="200"/>
+                                        <p:tgtEl>
+                                          <p:spTgt spid="34"/>
+                                        </p:tgtEl>
+                                      </p:cBhvr>
+                                    </p:animEffect>
+                                  </p:childTnLst>
+                                </p:cTn>
+                              </p:par>
+                              <p:par>
+                                <p:cTn id="28" presetID="10" presetClass="entr" presetSubtype="0" fill="hold" grpId="0" nodeType="withEffect">
+                                  <p:stCondLst>
+                                    <p:cond delay="0"/>
+                                  </p:stCondLst>
+                                  <p:childTnLst>
+                                    <p:set>
+                                      <p:cBhvr>
+                                        <p:cTn id="29" dur="1" fill="hold">
+                                          <p:stCondLst>
+                                            <p:cond delay="0"/>
+                                          </p:stCondLst>
+                                        </p:cTn>
+                                        <p:tgtEl>
+                                          <p:spTgt spid="35"/>
+                                        </p:tgtEl>
+                                        <p:attrNameLst>
+                                          <p:attrName>style.visibility</p:attrName>
+                                        </p:attrNameLst>
+                                      </p:cBhvr>
+                                      <p:to>
+                                        <p:strVal val="visible"/>
+                                      </p:to>
+                                    </p:set>
+                                    <p:animEffect transition="in" filter="fade">
+                                      <p:cBhvr>
+                                        <p:cTn id="30" dur="200"/>
+                                        <p:tgtEl>
+                                          <p:spTgt spid="35"/>
+                                        </p:tgtEl>
+                                      </p:cBhvr>
+                                    </p:animEffect>
+                                  </p:childTnLst>
+                                </p:cTn>
+                              </p:par>
+                            </p:childTnLst>
+                          </p:cTn>
+                        </p:par>
+                        <p:par>
+                          <p:cTn id="31" fill="hold">
+                            <p:stCondLst>
+                              <p:cond delay="0"/>
+                            </p:stCondLst>
+                            <p:childTnLst>
+                              <p:par>
+                                <p:cTn id="32" presetID="2" presetClass="entr" presetSubtype="8" fill="hold" nodeType="afterEffect">
+                                  <p:stCondLst>
+                                    <p:cond delay="0"/>
+                                  </p:stCondLst>
+                                  <p:childTnLst>
+                                    <p:set>
+                                      <p:cBhvr>
+                                        <p:cTn id="33" dur="1" fill="hold">
+                                          <p:stCondLst>
+                                            <p:cond delay="0"/>
+                                          </p:stCondLst>
+                                        </p:cTn>
+                                        <p:tgtEl>
+                                          <p:spTgt spid="30"/>
+                                        </p:tgtEl>
+                                        <p:attrNameLst>
+                                          <p:attrName>style.visibility</p:attrName>
+                                        </p:attrNameLst>
+                                      </p:cBhvr>
+                                      <p:to>
+                                        <p:strVal val="visible"/>
+                                      </p:to>
+                                    </p:set>
+                                    <p:anim calcmode="lin" valueType="num">
+                                      <p:cBhvr additive="base">
+                                        <p:cTn id="34" dur="500" fill="hold"/>
+                                        <p:tgtEl>
+                                          <p:spTgt spid="30"/>
+                                        </p:tgtEl>
+                                        <p:attrNameLst>
+                                          <p:attrName>ppt_x</p:attrName>
+                                        </p:attrNameLst>
+                                      </p:cBhvr>
+                                      <p:tavLst>
+                                        <p:tav tm="0">
+                                          <p:val>
+                                            <p:strVal val="0-#ppt_w/2"/>
+                                          </p:val>
+                                        </p:tav>
+                                        <p:tav tm="100000">
+                                          <p:val>
+                                            <p:strVal val="#ppt_x"/>
+                                          </p:val>
+                                        </p:tav>
+                                      </p:tavLst>
+                                    </p:anim>
+                                    <p:anim calcmode="lin" valueType="num">
+                                      <p:cBhvr additive="base">
+                                        <p:cTn id="35" dur="500" fill="hold"/>
+                                        <p:tgtEl>
+                                          <p:spTgt spid="30"/>
+                                        </p:tgtEl>
+                                        <p:attrNameLst>
+                                          <p:attrName>ppt_y</p:attrName>
+                                        </p:attrNameLst>
+                                      </p:cBhvr>
+                                      <p:tavLst>
+                                        <p:tav tm="0">
+                                          <p:val>
+                                            <p:strVal val="#ppt_y"/>
+                                          </p:val>
+                                        </p:tav>
+                                        <p:tav tm="100000">
+                                          <p:val>
+                                            <p:strVal val="#ppt_y"/>
+                                          </p:val>
+                                        </p:tav>
+                                      </p:tavLst>
+                                    </p:anim>
+                                  </p:childTnLst>
+                                </p:cTn>
+                              </p:par>
+                              <p:par>
+                                <p:cTn id="36" presetID="2" presetClass="entr" presetSubtype="2" fill="hold" nodeType="withEffect">
+                                  <p:stCondLst>
+                                    <p:cond delay="0"/>
+                                  </p:stCondLst>
+                                  <p:childTnLst>
+                                    <p:set>
+                                      <p:cBhvr>
+                                        <p:cTn id="37" dur="1" fill="hold">
+                                          <p:stCondLst>
+                                            <p:cond delay="0"/>
+                                          </p:stCondLst>
+                                        </p:cTn>
+                                        <p:tgtEl>
+                                          <p:spTgt spid="31"/>
+                                        </p:tgtEl>
+                                        <p:attrNameLst>
+                                          <p:attrName>style.visibility</p:attrName>
+                                        </p:attrNameLst>
+                                      </p:cBhvr>
+                                      <p:to>
+                                        <p:strVal val="visible"/>
+                                      </p:to>
+                                    </p:set>
+                                    <p:anim calcmode="lin" valueType="num">
+                                      <p:cBhvr additive="base">
+                                        <p:cTn id="38" dur="500" fill="hold"/>
+                                        <p:tgtEl>
+                                          <p:spTgt spid="31"/>
+                                        </p:tgtEl>
+                                        <p:attrNameLst>
+                                          <p:attrName>ppt_x</p:attrName>
+                                        </p:attrNameLst>
+                                      </p:cBhvr>
+                                      <p:tavLst>
+                                        <p:tav tm="0">
+                                          <p:val>
+                                            <p:strVal val="1+#ppt_w/2"/>
+                                          </p:val>
+                                        </p:tav>
+                                        <p:tav tm="100000">
+                                          <p:val>
+                                            <p:strVal val="#ppt_x"/>
+                                          </p:val>
+                                        </p:tav>
+                                      </p:tavLst>
+                                    </p:anim>
+                                    <p:anim calcmode="lin" valueType="num">
+                                      <p:cBhvr additive="base">
+                                        <p:cTn id="39" dur="500" fill="hold"/>
+                                        <p:tgtEl>
+                                          <p:spTgt spid="31"/>
+                                        </p:tgtEl>
+                                        <p:attrNameLst>
+                                          <p:attrName>ppt_y</p:attrName>
+                                        </p:attrNameLst>
+                                      </p:cBhvr>
+                                      <p:tavLst>
+                                        <p:tav tm="0">
+                                          <p:val>
+                                            <p:strVal val="#ppt_y"/>
+                                          </p:val>
+                                        </p:tav>
+                                        <p:tav tm="100000">
+                                          <p:val>
+                                            <p:strVal val="#ppt_y"/>
+                                          </p:val>
+                                        </p:tav>
+                                      </p:tavLst>
+                                    </p:anim>
+                                  </p:childTnLst>
+                                </p:cTn>
+                              </p:par>
+                            </p:childTnLst>
+                          </p:cTn>
+                        </p:par>
+                        <p:par>
+                          <p:cTn id="40" fill="hold">
+                            <p:stCondLst>
+                              <p:cond delay="500"/>
+                            </p:stCondLst>
+                            <p:childTnLst>
+                              <p:par>
+                                <p:cTn id="41" presetID="16" presetClass="entr" presetSubtype="37" fill="hold" grpId="0" nodeType="afterEffect">
+                                  <p:stCondLst>
+                                    <p:cond delay="0"/>
+                                  </p:stCondLst>
+                                  <p:childTnLst>
+                                    <p:set>
+                                      <p:cBhvr>
+                                        <p:cTn id="42" dur="1" fill="hold">
+                                          <p:stCondLst>
+                                            <p:cond delay="0"/>
+                                          </p:stCondLst>
+                                        </p:cTn>
+                                        <p:tgtEl>
+                                          <p:spTgt spid="42"/>
+                                        </p:tgtEl>
+                                        <p:attrNameLst>
+                                          <p:attrName>style.visibility</p:attrName>
+                                        </p:attrNameLst>
+                                      </p:cBhvr>
+                                      <p:to>
+                                        <p:strVal val="visible"/>
+                                      </p:to>
+                                    </p:set>
+                                    <p:animEffect transition="in" filter="barn(outVertical)">
+                                      <p:cBhvr>
+                                        <p:cTn id="43" dur="1000"/>
+                                        <p:tgtEl>
+                                          <p:spTgt spid="42"/>
+                                        </p:tgtEl>
+                                      </p:cBhvr>
+                                    </p:animEffect>
+                                  </p:childTnLst>
+                                </p:cTn>
+                              </p:par>
+                            </p:childTnLst>
+                          </p:cTn>
+                        </p:par>
+                        <p:par>
+                          <p:cTn id="44" fill="hold">
+                            <p:stCondLst>
+                              <p:cond delay="1500"/>
+                            </p:stCondLst>
+                            <p:childTnLst>
+                              <p:par>
+                                <p:cTn id="45" presetID="22" presetClass="entr" presetSubtype="8" fill="hold" nodeType="afterEffect">
+                                  <p:stCondLst>
+                                    <p:cond delay="0"/>
+                                  </p:stCondLst>
+                                  <p:childTnLst>
+                                    <p:set>
+                                      <p:cBhvr>
+                                        <p:cTn id="46" dur="1" fill="hold">
+                                          <p:stCondLst>
+                                            <p:cond delay="0"/>
+                                          </p:stCondLst>
+                                        </p:cTn>
+                                        <p:tgtEl>
+                                          <p:spTgt spid="44"/>
+                                        </p:tgtEl>
+                                        <p:attrNameLst>
+                                          <p:attrName>style.visibility</p:attrName>
+                                        </p:attrNameLst>
+                                      </p:cBhvr>
+                                      <p:to>
+                                        <p:strVal val="visible"/>
+                                      </p:to>
+                                    </p:set>
+                                    <p:animEffect transition="in" filter="wipe(left)">
+                                      <p:cBhvr>
+                                        <p:cTn id="47" dur="500"/>
+                                        <p:tgtEl>
+                                          <p:spTgt spid="44"/>
+                                        </p:tgtEl>
+                                      </p:cBhvr>
+                                    </p:animEffect>
+                                  </p:childTnLst>
+                                </p:cTn>
+                              </p:par>
+                            </p:childTnLst>
+                          </p:cTn>
+                        </p:par>
+                        <p:par>
+                          <p:cTn id="48" fill="hold">
+                            <p:stCondLst>
+                              <p:cond delay="2000"/>
+                            </p:stCondLst>
+                            <p:childTnLst>
+                              <p:par>
+                                <p:cTn id="49" presetID="12" presetClass="entr" presetSubtype="4" fill="hold" grpId="0" nodeType="afterEffect">
+                                  <p:stCondLst>
+                                    <p:cond delay="0"/>
+                                  </p:stCondLst>
+                                  <p:childTnLst>
+                                    <p:set>
+                                      <p:cBhvr>
+                                        <p:cTn id="50" dur="1" fill="hold">
+                                          <p:stCondLst>
+                                            <p:cond delay="0"/>
+                                          </p:stCondLst>
+                                        </p:cTn>
+                                        <p:tgtEl>
+                                          <p:spTgt spid="41"/>
+                                        </p:tgtEl>
+                                        <p:attrNameLst>
+                                          <p:attrName>style.visibility</p:attrName>
+                                        </p:attrNameLst>
+                                      </p:cBhvr>
+                                      <p:to>
+                                        <p:strVal val="visible"/>
+                                      </p:to>
+                                    </p:set>
+                                    <p:anim calcmode="lin" valueType="num">
+                                      <p:cBhvr additive="base">
+                                        <p:cTn id="51" dur="500"/>
+                                        <p:tgtEl>
+                                          <p:spTgt spid="41"/>
+                                        </p:tgtEl>
+                                        <p:attrNameLst>
+                                          <p:attrName>ppt_y</p:attrName>
+                                        </p:attrNameLst>
+                                      </p:cBhvr>
+                                      <p:tavLst>
+                                        <p:tav tm="0">
+                                          <p:val>
+                                            <p:strVal val="#ppt_y+#ppt_h*1.125000"/>
+                                          </p:val>
+                                        </p:tav>
+                                        <p:tav tm="100000">
+                                          <p:val>
+                                            <p:strVal val="#ppt_y"/>
+                                          </p:val>
+                                        </p:tav>
+                                      </p:tavLst>
+                                    </p:anim>
+                                    <p:animEffect transition="in" filter="wipe(up)">
+                                      <p:cBhvr>
+                                        <p:cTn id="52" dur="500"/>
+                                        <p:tgtEl>
+                                          <p:spTgt spid="41"/>
+                                        </p:tgtEl>
+                                      </p:cBhvr>
+                                    </p:animEffect>
+                                  </p:childTnLst>
+                                </p:cTn>
+                              </p:par>
+                            </p:childTnLst>
+                          </p:cTn>
+                        </p:par>
+                        <p:par>
+                          <p:cTn id="53" fill="hold">
+                            <p:stCondLst>
+                              <p:cond delay="2500"/>
+                            </p:stCondLst>
+                            <p:childTnLst>
+                              <p:par>
+                                <p:cTn id="54" presetID="12" presetClass="entr" presetSubtype="4" fill="hold" grpId="0" nodeType="afterEffect">
+                                  <p:stCondLst>
+                                    <p:cond delay="0"/>
+                                  </p:stCondLst>
+                                  <p:childTnLst>
+                                    <p:set>
+                                      <p:cBhvr>
+                                        <p:cTn id="55" dur="1" fill="hold">
+                                          <p:stCondLst>
+                                            <p:cond delay="0"/>
+                                          </p:stCondLst>
+                                        </p:cTn>
+                                        <p:tgtEl>
+                                          <p:spTgt spid="43"/>
+                                        </p:tgtEl>
+                                        <p:attrNameLst>
+                                          <p:attrName>style.visibility</p:attrName>
+                                        </p:attrNameLst>
+                                      </p:cBhvr>
+                                      <p:to>
+                                        <p:strVal val="visible"/>
+                                      </p:to>
+                                    </p:set>
+                                    <p:anim calcmode="lin" valueType="num">
+                                      <p:cBhvr additive="base">
+                                        <p:cTn id="56" dur="500"/>
+                                        <p:tgtEl>
+                                          <p:spTgt spid="43"/>
+                                        </p:tgtEl>
+                                        <p:attrNameLst>
+                                          <p:attrName>ppt_y</p:attrName>
+                                        </p:attrNameLst>
+                                      </p:cBhvr>
+                                      <p:tavLst>
+                                        <p:tav tm="0">
+                                          <p:val>
+                                            <p:strVal val="#ppt_y+#ppt_h*1.125000"/>
+                                          </p:val>
+                                        </p:tav>
+                                        <p:tav tm="100000">
+                                          <p:val>
+                                            <p:strVal val="#ppt_y"/>
+                                          </p:val>
+                                        </p:tav>
+                                      </p:tavLst>
+                                    </p:anim>
+                                    <p:animEffect transition="in" filter="wipe(up)">
+                                      <p:cBhvr>
+                                        <p:cTn id="57" dur="500"/>
+                                        <p:tgtEl>
+                                          <p:spTgt spid="43"/>
+                                        </p:tgtEl>
+                                      </p:cBhvr>
+                                    </p:animEffect>
+                                  </p:childTnLst>
+                                </p:cTn>
+                              </p:par>
+                            </p:childTnLst>
+                          </p:cTn>
+                        </p:par>
+                      </p:childTnLst>
+                    </p:cTn>
+                  </p:par>
+                </p:childTnLst>
+              </p:cTn>
+              <p:prevCondLst>
+                <p:cond evt="onPrev" delay="0">
+                  <p:tgtEl>
+                    <p:sldTgt/>
+                  </p:tgtEl>
+                </p:cond>
+              </p:prevCondLst>
+              <p:nextCondLst>
+                <p:cond evt="onNext" delay="0">
+                  <p:tgtEl>
+                    <p:sldTgt/>
+                  </p:tgtEl>
+                </p:cond>
+              </p:nextCondLst>
+            </p:seq>
+            <p:audio>
+              <p:cMediaNode vol="80000" numSld="999" showWhenStopped="0">
+                <p:cTn id="58" repeatCount="indefinite" fill="hold" display="0">
+                  <p:stCondLst>
+                    <p:cond delay="indefinite"/>
+                  </p:stCondLst>
+                  <p:endCondLst>
+                    <p:cond evt="onStopAudio" delay="0">
+                      <p:tgtEl>
+                        <p:sldTgt/>
+                      </p:tgtEl>
+                    </p:cond>
+                  </p:endCondLst>
+                </p:cTn>
+                <p:tgtEl>
+                  <p:spTgt spid="46"/>
+                </p:tgtEl>
+              </p:cMediaNode>
+            </p:audio>
+          </p:childTnLst>
+        </p:cTn>
+      </p:par>
+    </p:tnLst>
+    <p:bldLst>
+      <p:bldP spid="32" grpId="0" bldLvl="0" animBg="1"/>
+      <p:bldP spid="33" grpId="0" bldLvl="0" animBg="1"/>
+      <p:bldP spid="34" grpId="0" bldLvl="0" animBg="1"/>
+      <p:bldP spid="35" grpId="0" bldLvl="0" animBg="1"/>
+      <p:bldP spid="36" grpId="0" bldLvl="0" animBg="1"/>
+      <p:bldP spid="37" grpId="0" bldLvl="0" animBg="1"/>
+      <p:bldP spid="38" grpId="0" bldLvl="0" animBg="1"/>
+      <p:bldP spid="39" grpId="0" bldLvl="0" animBg="1"/>
+      <p:bldP spid="41" grpId="0"/>
+      <p:bldP spid="42" grpId="0" bldLvl="0" animBg="1"/>
+      <p:bldP spid="43" grpId="0"/>
+    </p:bldLst>
+  </p:timing>
+</p:sld>
+</file>
+
 <file path=ppt/slides/slide2.xml><?xml version="1.0" encoding="utf-8"?>
 <p:sld xmlns:a="http://schemas.openxmlformats.org/drawingml/2006/main" xmlns:r="http://schemas.openxmlformats.org/officeDocument/2006/relationships" xmlns:p="http://schemas.openxmlformats.org/presentationml/2006/main">
   <p:cSld>
@@ -4584,14 +8242,6 @@
                 </a:rPr>
                 <a:t>构建图</a:t>
               </a:r>
-              <a:endParaRPr lang="zh-CN" sz="2000" b="1" kern="100" dirty="0">
-                <a:solidFill>
-                  <a:schemeClr val="bg1"/>
-                </a:solidFill>
-                <a:latin typeface="微软雅黑" panose="020B0503020204020204" pitchFamily="34" charset="-122"/>
-                <a:ea typeface="微软雅黑" panose="020B0503020204020204" pitchFamily="34" charset="-122"/>
-                <a:cs typeface="Times New Roman" panose="02020603050405020304" pitchFamily="18" charset="0"/>
-              </a:endParaRPr>
             </a:p>
           </p:txBody>
         </p:sp>
@@ -4891,14 +8541,6 @@
                 </a:rPr>
                 <a:t>对象图</a:t>
               </a:r>
-              <a:endParaRPr lang="zh-CN" sz="2000" b="1" kern="100" dirty="0">
-                <a:solidFill>
-                  <a:schemeClr val="bg1"/>
-                </a:solidFill>
-                <a:latin typeface="微软雅黑" panose="020B0503020204020204" pitchFamily="34" charset="-122"/>
-                <a:ea typeface="微软雅黑" panose="020B0503020204020204" pitchFamily="34" charset="-122"/>
-                <a:cs typeface="Times New Roman" panose="02020603050405020304" pitchFamily="18" charset="0"/>
-              </a:endParaRPr>
             </a:p>
           </p:txBody>
         </p:sp>
@@ -5095,13 +8737,13 @@
   <p:clrMapOvr>
     <a:masterClrMapping/>
   </p:clrMapOvr>
-  <mc:AlternateContent xmlns:mc="http://schemas.openxmlformats.org/markup-compatibility/2006">
-    <mc:Choice xmlns:p14="http://schemas.microsoft.com/office/powerpoint/2010/main" Requires="p14">
+  <mc:AlternateContent xmlns:mc="http://schemas.openxmlformats.org/markup-compatibility/2006" xmlns:p14="http://schemas.microsoft.com/office/powerpoint/2010/main">
+    <mc:Choice Requires="p14">
       <p:transition spd="slow" p14:dur="1200" advClick="0" advTm="0">
         <p14:prism/>
       </p:transition>
     </mc:Choice>
-    <mc:Fallback>
+    <mc:Fallback xmlns="">
       <p:transition spd="slow" advClick="0" advTm="0">
         <p:fade/>
       </p:transition>
@@ -5998,13 +9640,6 @@
               </a:rPr>
               <a:t>构件图</a:t>
             </a:r>
-            <a:endParaRPr lang="zh-CN" sz="2665" dirty="0">
-              <a:solidFill>
-                <a:srgbClr val="183A5D"/>
-              </a:solidFill>
-              <a:latin typeface="微软雅黑" panose="020B0503020204020204" pitchFamily="34" charset="-122"/>
-              <a:ea typeface="微软雅黑" panose="020B0503020204020204" pitchFamily="34" charset="-122"/>
-            </a:endParaRPr>
           </a:p>
         </p:txBody>
       </p:sp>
@@ -6798,12 +10433,6 @@
                 </a:rPr>
                 <a:t> 少时诵诗书所所所所所所</a:t>
               </a:r>
-              <a:endParaRPr lang="zh-CN" sz="2800" dirty="0">
-                <a:solidFill>
-                  <a:srgbClr val="000000"/>
-                </a:solidFill>
-                <a:latin typeface="Verdana" panose="020B0604030504040204" pitchFamily="34" charset="0"/>
-              </a:endParaRPr>
             </a:p>
             <a:p>
               <a:endParaRPr lang="zh-CN" sz="2800" dirty="0">
@@ -6982,7 +10611,7 @@
           <p:nvPr/>
         </p:nvPicPr>
         <p:blipFill>
-          <a:blip r:embed="rId1"/>
+          <a:blip r:embed="rId2"/>
           <a:stretch>
             <a:fillRect/>
           </a:stretch>
@@ -7246,12 +10875,6 @@
                 </a:rPr>
                 <a:t>    </a:t>
               </a:r>
-              <a:endParaRPr lang="zh-CN" dirty="0">
-                <a:solidFill>
-                  <a:srgbClr val="000000"/>
-                </a:solidFill>
-                <a:latin typeface="Verdana" panose="020B0604030504040204" pitchFamily="34" charset="0"/>
-              </a:endParaRPr>
             </a:p>
             <a:p>
               <a:r>
@@ -7281,12 +10904,6 @@
                 </a:rPr>
                 <a:t>少时诵诗书所所所所所所</a:t>
               </a:r>
-              <a:endParaRPr lang="zh-CN" sz="2800" dirty="0">
-                <a:solidFill>
-                  <a:srgbClr val="000000"/>
-                </a:solidFill>
-                <a:latin typeface="Verdana" panose="020B0604030504040204" pitchFamily="34" charset="0"/>
-              </a:endParaRPr>
             </a:p>
             <a:p>
               <a:endParaRPr lang="zh-CN" sz="2800" dirty="0">
@@ -7317,13 +10934,6 @@
                 </a:rPr>
                 <a:t>少时诵诗书所所所所所所</a:t>
               </a:r>
-              <a:endParaRPr lang="zh-CN" sz="2800" dirty="0">
-                <a:solidFill>
-                  <a:srgbClr val="000000"/>
-                </a:solidFill>
-                <a:latin typeface="Verdana" panose="020B0604030504040204" pitchFamily="34" charset="0"/>
-                <a:sym typeface="+mn-ea"/>
-              </a:endParaRPr>
             </a:p>
             <a:p>
               <a:endParaRPr lang="zh-CN" sz="2800" dirty="0">
@@ -7523,7 +11133,7 @@
           <p:nvPr/>
         </p:nvPicPr>
         <p:blipFill>
-          <a:blip r:embed="rId1"/>
+          <a:blip r:embed="rId2"/>
           <a:stretch>
             <a:fillRect/>
           </a:stretch>
@@ -7558,6 +11168,7 @@
           <a:bodyPr wrap="square" rtlCol="0">
             <a:spAutoFit/>
           </a:bodyPr>
+          <a:lstStyle/>
           <a:p>
             <a:r>
               <a:rPr lang="zh-CN" altLang="en-US">
@@ -7567,11 +11178,6 @@
               </a:rPr>
               <a:t>提问</a:t>
             </a:r>
-            <a:endParaRPr lang="zh-CN" altLang="en-US">
-              <a:solidFill>
-                <a:schemeClr val="bg1"/>
-              </a:solidFill>
-            </a:endParaRPr>
           </a:p>
         </p:txBody>
       </p:sp>
@@ -7612,117 +11218,110 @@
       </p:grpSpPr>
       <p:sp>
         <p:nvSpPr>
-          <p:cNvPr id="36" name="矩形 35"/>
+          <p:cNvPr id="2" name="矩形 1"/>
           <p:cNvSpPr/>
           <p:nvPr/>
         </p:nvSpPr>
         <p:spPr>
           <a:xfrm>
-            <a:off x="-106680" y="0"/>
-            <a:ext cx="2938780" cy="6859270"/>
+            <a:off x="237030" y="1171"/>
+            <a:ext cx="1608415" cy="135446"/>
           </a:xfrm>
           <a:prstGeom prst="rect">
             <a:avLst/>
           </a:prstGeom>
           <a:solidFill>
-            <a:srgbClr val="38B1BF"/>
+            <a:srgbClr val="183A5D"/>
           </a:solidFill>
           <a:ln>
             <a:noFill/>
           </a:ln>
-          <a:effectLst>
-            <a:outerShdw blurRad="50800" dist="38100" dir="2700000" algn="tl" rotWithShape="0">
-              <a:prstClr val="black">
-                <a:alpha val="40000"/>
-              </a:prstClr>
-            </a:outerShdw>
-          </a:effectLst>
-          <a:scene3d>
-            <a:camera prst="orthographicFront"/>
-            <a:lightRig rig="threePt" dir="t"/>
-          </a:scene3d>
-          <a:sp3d/>
         </p:spPr>
         <p:style>
-          <a:lnRef idx="1">
-            <a:schemeClr val="accent1"/>
+          <a:lnRef idx="2">
+            <a:schemeClr val="accent1">
+              <a:shade val="50000"/>
+            </a:schemeClr>
           </a:lnRef>
-          <a:fillRef idx="0">
+          <a:fillRef idx="1">
             <a:schemeClr val="accent1"/>
           </a:fillRef>
           <a:effectRef idx="0">
             <a:schemeClr val="accent1"/>
           </a:effectRef>
           <a:fontRef idx="minor">
-            <a:schemeClr val="tx1"/>
+            <a:schemeClr val="lt1"/>
           </a:fontRef>
         </p:style>
         <p:txBody>
-          <a:bodyPr rot="0" spcFirstLastPara="0" vertOverflow="overflow" horzOverflow="overflow" vert="horz" wrap="square" lIns="91440" tIns="45720" rIns="91440" bIns="45720" numCol="1" spcCol="0" rtlCol="0" fromWordArt="0" anchor="ctr" anchorCtr="0" forceAA="0" compatLnSpc="1">
-            <a:noAutofit/>
-          </a:bodyPr>
+          <a:bodyPr rtlCol="0" anchor="ctr"/>
           <a:lstStyle/>
           <a:p>
             <a:pPr algn="ctr"/>
-            <a:endParaRPr lang="zh-CN" altLang="en-US"/>
+            <a:endParaRPr lang="zh-CN" altLang="en-US" sz="2800"/>
           </a:p>
         </p:txBody>
       </p:sp>
       <p:sp>
         <p:nvSpPr>
-          <p:cNvPr id="37" name="TextBox 36"/>
+          <p:cNvPr id="3" name="矩形 2"/>
+          <p:cNvSpPr/>
+          <p:nvPr/>
+        </p:nvSpPr>
+        <p:spPr>
+          <a:xfrm>
+            <a:off x="237030" y="255131"/>
+            <a:ext cx="1608415" cy="406336"/>
+          </a:xfrm>
+          <a:prstGeom prst="rect">
+            <a:avLst/>
+          </a:prstGeom>
+          <a:solidFill>
+            <a:srgbClr val="183A5D"/>
+          </a:solidFill>
+          <a:ln>
+            <a:noFill/>
+          </a:ln>
+        </p:spPr>
+        <p:style>
+          <a:lnRef idx="2">
+            <a:schemeClr val="accent1">
+              <a:shade val="50000"/>
+            </a:schemeClr>
+          </a:lnRef>
+          <a:fillRef idx="1">
+            <a:schemeClr val="accent1"/>
+          </a:fillRef>
+          <a:effectRef idx="0">
+            <a:schemeClr val="accent1"/>
+          </a:effectRef>
+          <a:fontRef idx="minor">
+            <a:schemeClr val="lt1"/>
+          </a:fontRef>
+        </p:style>
+        <p:txBody>
+          <a:bodyPr rtlCol="0" anchor="ctr"/>
+          <a:lstStyle/>
+          <a:p>
+            <a:pPr algn="ctr"/>
+            <a:r>
+              <a:rPr lang="en-US" sz="2400" dirty="0"/>
+              <a:t>3</a:t>
+            </a:r>
+            <a:endParaRPr lang="en-US" sz="2400" dirty="0"/>
+          </a:p>
+        </p:txBody>
+      </p:sp>
+      <p:sp>
+        <p:nvSpPr>
+          <p:cNvPr id="4" name="文本框 3"/>
           <p:cNvSpPr txBox="1"/>
           <p:nvPr/>
         </p:nvSpPr>
         <p:spPr>
           <a:xfrm>
-            <a:off x="-276651" y="2922512"/>
-            <a:ext cx="2808312" cy="614045"/>
-          </a:xfrm>
-          <a:prstGeom prst="rect">
-            <a:avLst/>
-          </a:prstGeom>
-          <a:noFill/>
-        </p:spPr>
-        <p:txBody>
-          <a:bodyPr wrap="square" lIns="121948" tIns="60973" rIns="121948" bIns="60973">
-            <a:spAutoFit/>
-          </a:bodyPr>
-          <a:lstStyle/>
-          <a:p>
-            <a:pPr algn="r">
-              <a:defRPr/>
-            </a:pPr>
-            <a:r>
-              <a:rPr lang="zh-CN" altLang="en-US" sz="3200" b="1" dirty="0" smtClean="0">
-                <a:solidFill>
-                  <a:schemeClr val="bg1"/>
-                </a:solidFill>
-                <a:latin typeface="微软雅黑" panose="020B0503020204020204" pitchFamily="34" charset="-122"/>
-                <a:ea typeface="微软雅黑" panose="020B0503020204020204" pitchFamily="34" charset="-122"/>
-              </a:rPr>
-              <a:t>参考文献</a:t>
-            </a:r>
-            <a:endParaRPr lang="zh-CN" sz="3200" b="1" dirty="0">
-              <a:solidFill>
-                <a:schemeClr val="bg1"/>
-              </a:solidFill>
-              <a:latin typeface="微软雅黑" panose="020B0503020204020204" pitchFamily="34" charset="-122"/>
-              <a:ea typeface="微软雅黑" panose="020B0503020204020204" pitchFamily="34" charset="-122"/>
-            </a:endParaRPr>
-          </a:p>
-        </p:txBody>
-      </p:sp>
-      <p:sp>
-        <p:nvSpPr>
-          <p:cNvPr id="2" name="文本框 1"/>
-          <p:cNvSpPr txBox="1"/>
-          <p:nvPr/>
-        </p:nvSpPr>
-        <p:spPr>
-          <a:xfrm>
-            <a:off x="3048606" y="693490"/>
-            <a:ext cx="9141807" cy="2861310"/>
+            <a:off x="2236548" y="136356"/>
+            <a:ext cx="6052718" cy="501650"/>
           </a:xfrm>
           <a:prstGeom prst="rect">
             <a:avLst/>
@@ -7735,465 +11334,625 @@
           </a:bodyPr>
           <a:lstStyle/>
           <a:p>
-            <a:r>
-              <a:rPr lang="en-US" altLang="zh-CN" sz="1800" dirty="0" smtClean="0"/>
-              <a:t>[1]</a:t>
-            </a:r>
-            <a:r>
-              <a:rPr lang="zh-CN" altLang="en-US" sz="1800" dirty="0" smtClean="0"/>
-              <a:t> </a:t>
-            </a:r>
-            <a:r>
-              <a:rPr lang="en-US" altLang="zh-CN" sz="1800" dirty="0" smtClean="0"/>
-              <a:t>UML</a:t>
-            </a:r>
-            <a:r>
-              <a:rPr lang="zh-CN" altLang="en-US" sz="1800" dirty="0" smtClean="0"/>
-              <a:t>用户指南</a:t>
-            </a:r>
-            <a:r>
-              <a:rPr lang="en-US" altLang="zh-CN" sz="1800" dirty="0" smtClean="0"/>
-              <a:t>(</a:t>
-            </a:r>
-            <a:r>
-              <a:rPr lang="zh-CN" altLang="en-US" sz="1800" dirty="0" smtClean="0"/>
-              <a:t>第</a:t>
-            </a:r>
-            <a:r>
-              <a:rPr lang="en-US" altLang="zh-CN" sz="1800" dirty="0" smtClean="0"/>
-              <a:t>2</a:t>
-            </a:r>
-            <a:r>
-              <a:rPr lang="zh-CN" altLang="en-US" sz="1800" dirty="0" smtClean="0"/>
-              <a:t>版</a:t>
-            </a:r>
-            <a:r>
-              <a:rPr lang="en-US" altLang="zh-CN" sz="1800" dirty="0" smtClean="0"/>
-              <a:t>·</a:t>
-            </a:r>
-            <a:r>
-              <a:rPr lang="zh-CN" altLang="en-US" sz="1800" dirty="0" smtClean="0"/>
-              <a:t>修订版</a:t>
-            </a:r>
-            <a:r>
-              <a:rPr lang="en-US" altLang="zh-CN" sz="1800" dirty="0" smtClean="0"/>
-              <a:t>)(</a:t>
-            </a:r>
-            <a:r>
-              <a:rPr lang="zh-CN" altLang="en-US" sz="1800" dirty="0" smtClean="0"/>
-              <a:t>作者</a:t>
-            </a:r>
-            <a:r>
-              <a:rPr lang="en-US" altLang="zh-CN" sz="1800" dirty="0"/>
-              <a:t>:Grady </a:t>
-            </a:r>
-            <a:r>
-              <a:rPr lang="en-US" altLang="zh-CN" sz="1800" dirty="0" err="1" smtClean="0"/>
-              <a:t>Booch</a:t>
-            </a:r>
-            <a:r>
-              <a:rPr lang="zh-CN" altLang="en-US" sz="1800" dirty="0" smtClean="0"/>
-              <a:t>等</a:t>
-            </a:r>
-            <a:r>
-              <a:rPr lang="en-US" altLang="zh-CN" sz="1800" dirty="0" smtClean="0"/>
-              <a:t>)	</a:t>
-            </a:r>
-            <a:r>
-              <a:rPr lang="zh-CN" altLang="en-US" sz="1800" dirty="0" smtClean="0"/>
-              <a:t>人民</a:t>
-            </a:r>
-            <a:r>
-              <a:rPr lang="zh-CN" altLang="en-US" sz="1800" dirty="0"/>
-              <a:t>邮电</a:t>
-            </a:r>
-            <a:r>
-              <a:rPr lang="zh-CN" altLang="en-US" sz="1800" dirty="0" smtClean="0"/>
-              <a:t>出版社</a:t>
-            </a:r>
-            <a:endParaRPr lang="en-US" altLang="zh-CN" sz="1800" dirty="0" smtClean="0"/>
-          </a:p>
-          <a:p>
-            <a:endParaRPr lang="en-US" altLang="zh-CN" sz="1800" dirty="0" smtClean="0"/>
-          </a:p>
-          <a:p>
-            <a:r>
-              <a:rPr lang="en-US" altLang="zh-CN" sz="1800" dirty="0" smtClean="0"/>
-              <a:t>[2]</a:t>
-            </a:r>
-            <a:r>
-              <a:rPr lang="zh-CN" altLang="en-US" sz="1800" dirty="0"/>
-              <a:t> </a:t>
-            </a:r>
-            <a:r>
-              <a:rPr lang="en-US" altLang="zh-CN" sz="1800" dirty="0"/>
-              <a:t>UML2</a:t>
-            </a:r>
-            <a:r>
-              <a:rPr lang="zh-CN" altLang="en-US" sz="1800" dirty="0"/>
-              <a:t>基础、建模与设计</a:t>
-            </a:r>
-            <a:r>
-              <a:rPr lang="zh-CN" altLang="en-US" sz="1800" dirty="0" smtClean="0"/>
-              <a:t>教程</a:t>
-            </a:r>
-            <a:r>
-              <a:rPr lang="en-US" altLang="zh-CN" sz="1800" dirty="0"/>
-              <a:t>(</a:t>
-            </a:r>
-            <a:r>
-              <a:rPr lang="zh-CN" altLang="en-US" sz="1800" dirty="0" smtClean="0"/>
-              <a:t>作者</a:t>
-            </a:r>
-            <a:r>
-              <a:rPr lang="en-US" altLang="zh-CN" sz="1800" dirty="0" smtClean="0"/>
-              <a:t>:</a:t>
-            </a:r>
-            <a:r>
-              <a:rPr lang="zh-CN" altLang="en-US" sz="1800" dirty="0" smtClean="0"/>
-              <a:t>杨弘平等</a:t>
-            </a:r>
-            <a:r>
-              <a:rPr lang="en-US" altLang="zh-CN" sz="1800" dirty="0" smtClean="0"/>
-              <a:t>)	</a:t>
-            </a:r>
-            <a:r>
-              <a:rPr lang="zh-CN" altLang="en-US" sz="1800" dirty="0" smtClean="0"/>
-              <a:t>清华大学出版社</a:t>
-            </a:r>
-            <a:endParaRPr lang="en-US" altLang="zh-CN" sz="1800" dirty="0"/>
-          </a:p>
-          <a:p>
-            <a:endParaRPr lang="zh-CN" altLang="en-US" sz="1800" dirty="0"/>
-          </a:p>
-          <a:p>
-            <a:r>
-              <a:rPr lang="en-US" altLang="zh-CN" sz="1800" dirty="0" smtClean="0">
-                <a:sym typeface="+mn-ea"/>
-              </a:rPr>
-              <a:t>[3]</a:t>
-            </a:r>
-            <a:r>
-              <a:rPr lang="zh-CN" altLang="en-US" sz="1800" dirty="0">
-                <a:sym typeface="+mn-ea"/>
-              </a:rPr>
-              <a:t>《软件需求（第三版）》美</a:t>
-            </a:r>
-            <a:r>
-              <a:rPr lang="en-US" altLang="zh-CN" sz="1800" dirty="0">
-                <a:sym typeface="+mn-ea"/>
-              </a:rPr>
-              <a:t>KARL WIEGERS ,JOY BEATTY</a:t>
-            </a:r>
-            <a:endParaRPr lang="en-US" altLang="zh-CN" sz="1800" dirty="0" smtClean="0">
-              <a:sym typeface="+mn-ea"/>
+            <a:endParaRPr lang="zh-CN" sz="2665" dirty="0">
+              <a:solidFill>
+                <a:srgbClr val="183A5D"/>
+              </a:solidFill>
+              <a:latin typeface="微软雅黑" panose="020B0503020204020204" pitchFamily="34" charset="-122"/>
+              <a:ea typeface="微软雅黑" panose="020B0503020204020204" pitchFamily="34" charset="-122"/>
             </a:endParaRPr>
           </a:p>
+        </p:txBody>
+      </p:sp>
+      <p:sp>
+        <p:nvSpPr>
+          <p:cNvPr id="6" name="文本框 5"/>
+          <p:cNvSpPr txBox="1"/>
+          <p:nvPr/>
+        </p:nvSpPr>
+        <p:spPr>
+          <a:xfrm>
+            <a:off x="2226388" y="159851"/>
+            <a:ext cx="6052718" cy="501650"/>
+          </a:xfrm>
+          <a:prstGeom prst="rect">
+            <a:avLst/>
+          </a:prstGeom>
+          <a:noFill/>
+        </p:spPr>
+        <p:txBody>
+          <a:bodyPr wrap="square" rtlCol="0">
+            <a:spAutoFit/>
+          </a:bodyPr>
+          <a:lstStyle/>
           <a:p>
-            <a:endParaRPr lang="en-US" altLang="zh-CN" sz="1800" dirty="0" smtClean="0">
-              <a:sym typeface="+mn-ea"/>
+            <a:r>
+              <a:rPr lang="zh-CN" altLang="en-US" sz="2665" dirty="0">
+                <a:solidFill>
+                  <a:srgbClr val="183A5D"/>
+                </a:solidFill>
+                <a:latin typeface="微软雅黑" panose="020B0503020204020204" pitchFamily="34" charset="-122"/>
+                <a:ea typeface="微软雅黑" panose="020B0503020204020204" pitchFamily="34" charset="-122"/>
+              </a:rPr>
+              <a:t>包</a:t>
+            </a:r>
+            <a:r>
+              <a:rPr lang="zh-CN" altLang="en-US" sz="2665" dirty="0" smtClean="0">
+                <a:solidFill>
+                  <a:srgbClr val="183A5D"/>
+                </a:solidFill>
+                <a:latin typeface="微软雅黑" panose="020B0503020204020204" pitchFamily="34" charset="-122"/>
+                <a:ea typeface="微软雅黑" panose="020B0503020204020204" pitchFamily="34" charset="-122"/>
+              </a:rPr>
+              <a:t>图</a:t>
+            </a:r>
+            <a:endParaRPr lang="zh-CN" sz="2665" dirty="0">
+              <a:solidFill>
+                <a:srgbClr val="183A5D"/>
+              </a:solidFill>
+              <a:latin typeface="微软雅黑" panose="020B0503020204020204" pitchFamily="34" charset="-122"/>
+              <a:ea typeface="微软雅黑" panose="020B0503020204020204" pitchFamily="34" charset="-122"/>
             </a:endParaRPr>
           </a:p>
+        </p:txBody>
+      </p:sp>
+      <p:grpSp>
+        <p:nvGrpSpPr>
+          <p:cNvPr id="7" name="组合 6"/>
+          <p:cNvGrpSpPr/>
+          <p:nvPr/>
+        </p:nvGrpSpPr>
+        <p:grpSpPr>
+          <a:xfrm>
+            <a:off x="236854" y="1269365"/>
+            <a:ext cx="7586544" cy="5055254"/>
+            <a:chOff x="237030" y="1269554"/>
+            <a:chExt cx="7776864" cy="5055316"/>
+          </a:xfrm>
+        </p:grpSpPr>
+        <p:sp>
+          <p:nvSpPr>
+            <p:cNvPr id="5" name="矩形 4"/>
+            <p:cNvSpPr/>
+            <p:nvPr/>
+          </p:nvSpPr>
+          <p:spPr>
+            <a:xfrm>
+              <a:off x="318097" y="1923611"/>
+              <a:ext cx="7614729" cy="4401259"/>
+            </a:xfrm>
+            <a:prstGeom prst="rect">
+              <a:avLst/>
+            </a:prstGeom>
+          </p:spPr>
+          <p:txBody>
+            <a:bodyPr wrap="square">
+              <a:spAutoFit/>
+            </a:bodyPr>
+            <a:lstStyle/>
+            <a:p>
+              <a:pPr indent="720000"/>
+              <a:r>
+                <a:rPr lang="zh-CN" altLang="en-US" sz="2400" dirty="0">
+                  <a:solidFill>
+                    <a:srgbClr val="000000"/>
+                  </a:solidFill>
+                  <a:latin typeface="Verdana" panose="020B0604030504040204" pitchFamily="34" charset="0"/>
+                </a:rPr>
+                <a:t>包</a:t>
+              </a:r>
+              <a:r>
+                <a:rPr lang="zh-CN" altLang="en-US" sz="2400" dirty="0" smtClean="0">
+                  <a:solidFill>
+                    <a:srgbClr val="000000"/>
+                  </a:solidFill>
+                  <a:latin typeface="Verdana" panose="020B0604030504040204" pitchFamily="34" charset="0"/>
+                </a:rPr>
+                <a:t>是一种</a:t>
+              </a:r>
+              <a:r>
+                <a:rPr lang="zh-CN" altLang="en-US" sz="2400" dirty="0">
+                  <a:solidFill>
+                    <a:srgbClr val="000000"/>
+                  </a:solidFill>
+                  <a:latin typeface="Verdana" panose="020B0604030504040204" pitchFamily="34" charset="0"/>
+                </a:rPr>
+                <a:t>把元素组织</a:t>
+              </a:r>
+              <a:r>
+                <a:rPr lang="zh-CN" altLang="en-US" sz="2400" dirty="0" smtClean="0">
+                  <a:solidFill>
+                    <a:srgbClr val="000000"/>
+                  </a:solidFill>
+                  <a:latin typeface="Verdana" panose="020B0604030504040204" pitchFamily="34" charset="0"/>
+                </a:rPr>
+                <a:t>到一起</a:t>
+              </a:r>
+              <a:r>
+                <a:rPr lang="zh-CN" altLang="en-US" sz="2400" dirty="0">
+                  <a:solidFill>
+                    <a:srgbClr val="000000"/>
+                  </a:solidFill>
+                  <a:latin typeface="Verdana" panose="020B0604030504040204" pitchFamily="34" charset="0"/>
+                </a:rPr>
+                <a:t>的通用机制，包可以嵌套于</a:t>
+              </a:r>
+              <a:r>
+                <a:rPr lang="zh-CN" altLang="en-US" sz="2400" dirty="0" smtClean="0">
+                  <a:solidFill>
+                    <a:srgbClr val="000000"/>
+                  </a:solidFill>
+                  <a:latin typeface="Verdana" panose="020B0604030504040204" pitchFamily="34" charset="0"/>
+                </a:rPr>
+                <a:t>其他包中</a:t>
+              </a:r>
+              <a:r>
+                <a:rPr lang="zh-CN" altLang="en-US" sz="2400" dirty="0">
+                  <a:solidFill>
+                    <a:srgbClr val="000000"/>
+                  </a:solidFill>
+                  <a:latin typeface="Verdana" panose="020B0604030504040204" pitchFamily="34" charset="0"/>
+                </a:rPr>
+                <a:t>。包图</a:t>
+              </a:r>
+              <a:r>
+                <a:rPr lang="zh-CN" altLang="en-US" sz="2400" dirty="0">
+                  <a:solidFill>
+                    <a:srgbClr val="FF0000"/>
+                  </a:solidFill>
+                  <a:latin typeface="Verdana" panose="020B0604030504040204" pitchFamily="34" charset="0"/>
+                </a:rPr>
+                <a:t>用于描述</a:t>
+              </a:r>
+              <a:r>
+                <a:rPr lang="zh-CN" altLang="en-US" sz="2400" dirty="0" smtClean="0">
+                  <a:solidFill>
+                    <a:srgbClr val="FF0000"/>
+                  </a:solidFill>
+                  <a:latin typeface="Verdana" panose="020B0604030504040204" pitchFamily="34" charset="0"/>
+                </a:rPr>
+                <a:t>包与</a:t>
+              </a:r>
+              <a:r>
+                <a:rPr lang="zh-CN" altLang="en-US" sz="2400" dirty="0">
+                  <a:solidFill>
+                    <a:srgbClr val="FF0000"/>
+                  </a:solidFill>
+                  <a:latin typeface="Verdana" panose="020B0604030504040204" pitchFamily="34" charset="0"/>
+                </a:rPr>
+                <a:t>包之间的</a:t>
+              </a:r>
+              <a:r>
+                <a:rPr lang="zh-CN" altLang="en-US" sz="2400" dirty="0" smtClean="0">
+                  <a:solidFill>
+                    <a:srgbClr val="FF0000"/>
+                  </a:solidFill>
+                  <a:latin typeface="Verdana" panose="020B0604030504040204" pitchFamily="34" charset="0"/>
+                </a:rPr>
+                <a:t>关系</a:t>
+              </a:r>
+              <a:r>
+                <a:rPr lang="zh-CN" altLang="en-US" sz="2400" dirty="0" smtClean="0">
+                  <a:solidFill>
+                    <a:srgbClr val="000000"/>
+                  </a:solidFill>
+                  <a:latin typeface="Verdana" panose="020B0604030504040204" pitchFamily="34" charset="0"/>
+                </a:rPr>
+                <a:t>。包</a:t>
+              </a:r>
+              <a:r>
+                <a:rPr lang="zh-CN" altLang="en-US" sz="2400" dirty="0">
+                  <a:solidFill>
+                    <a:srgbClr val="000000"/>
+                  </a:solidFill>
+                  <a:latin typeface="Verdana" panose="020B0604030504040204" pitchFamily="34" charset="0"/>
+                </a:rPr>
+                <a:t>的图标是个带标签的</a:t>
+              </a:r>
+              <a:r>
+                <a:rPr lang="zh-CN" altLang="en-US" sz="2400" dirty="0" smtClean="0">
+                  <a:solidFill>
+                    <a:srgbClr val="000000"/>
+                  </a:solidFill>
+                  <a:latin typeface="Verdana" panose="020B0604030504040204" pitchFamily="34" charset="0"/>
+                </a:rPr>
+                <a:t>文件夹，包图</a:t>
+              </a:r>
+              <a:r>
+                <a:rPr lang="zh-CN" altLang="en-US" sz="2400" dirty="0" smtClean="0">
+                  <a:solidFill>
+                    <a:srgbClr val="FF0000"/>
+                  </a:solidFill>
+                  <a:latin typeface="Verdana" panose="020B0604030504040204" pitchFamily="34" charset="0"/>
+                </a:rPr>
+                <a:t>描绘模型元素在</a:t>
+              </a:r>
+              <a:r>
+                <a:rPr lang="zh-CN" altLang="en-US" sz="2400" dirty="0">
+                  <a:solidFill>
+                    <a:srgbClr val="FF0000"/>
+                  </a:solidFill>
+                  <a:latin typeface="Verdana" panose="020B0604030504040204" pitchFamily="34" charset="0"/>
+                </a:rPr>
+                <a:t>包内的组织和依赖</a:t>
+              </a:r>
+              <a:r>
+                <a:rPr lang="zh-CN" altLang="en-US" sz="2400" dirty="0" smtClean="0">
+                  <a:solidFill>
+                    <a:srgbClr val="FF0000"/>
+                  </a:solidFill>
+                  <a:latin typeface="Verdana" panose="020B0604030504040204" pitchFamily="34" charset="0"/>
+                </a:rPr>
+                <a:t>关系</a:t>
+              </a:r>
+              <a:r>
+                <a:rPr lang="zh-CN" altLang="en-US" sz="2400" dirty="0" smtClean="0">
+                  <a:solidFill>
+                    <a:srgbClr val="000000"/>
+                  </a:solidFill>
+                  <a:latin typeface="Verdana" panose="020B0604030504040204" pitchFamily="34" charset="0"/>
+                </a:rPr>
+                <a:t>，</a:t>
+              </a:r>
+              <a:r>
+                <a:rPr lang="zh-CN" altLang="en-US" sz="2400" dirty="0" smtClean="0">
+                  <a:solidFill>
+                    <a:srgbClr val="FF0000"/>
+                  </a:solidFill>
+                  <a:latin typeface="Verdana" panose="020B0604030504040204" pitchFamily="34" charset="0"/>
+                </a:rPr>
+                <a:t>包括</a:t>
+              </a:r>
+              <a:r>
+                <a:rPr lang="zh-CN" altLang="en-US" sz="2400" dirty="0">
+                  <a:solidFill>
+                    <a:srgbClr val="FF0000"/>
+                  </a:solidFill>
+                  <a:latin typeface="Verdana" panose="020B0604030504040204" pitchFamily="34" charset="0"/>
+                </a:rPr>
+                <a:t>包的导人和包扩展</a:t>
+              </a:r>
+              <a:r>
+                <a:rPr lang="zh-CN" altLang="en-US" sz="2400" dirty="0">
+                  <a:solidFill>
+                    <a:srgbClr val="000000"/>
+                  </a:solidFill>
+                  <a:latin typeface="Verdana" panose="020B0604030504040204" pitchFamily="34" charset="0"/>
+                </a:rPr>
+                <a:t>。它们还提供相应命名空间的</a:t>
+              </a:r>
+              <a:r>
+                <a:rPr lang="zh-CN" altLang="en-US" sz="2400" dirty="0" smtClean="0">
+                  <a:solidFill>
+                    <a:srgbClr val="000000"/>
+                  </a:solidFill>
+                  <a:latin typeface="Verdana" panose="020B0604030504040204" pitchFamily="34" charset="0"/>
+                </a:rPr>
+                <a:t>可视化。</a:t>
+              </a:r>
+              <a:endParaRPr lang="en-US" altLang="zh-CN" sz="2400" dirty="0" smtClean="0">
+                <a:solidFill>
+                  <a:srgbClr val="000000"/>
+                </a:solidFill>
+                <a:latin typeface="Verdana" panose="020B0604030504040204" pitchFamily="34" charset="0"/>
+              </a:endParaRPr>
+            </a:p>
+            <a:p>
+              <a:pPr indent="720000"/>
+              <a:r>
+                <a:rPr lang="zh-CN" altLang="en-US" sz="2400" dirty="0" smtClean="0">
+                  <a:solidFill>
+                    <a:srgbClr val="000000"/>
+                  </a:solidFill>
+                  <a:latin typeface="Verdana" panose="020B0604030504040204" pitchFamily="34" charset="0"/>
+                </a:rPr>
+                <a:t>包是一个命名空间，也是一个无素。可以包含在其他命名空间中。包可以拥有其他包或与其他包合并，它的元索可以导入包命名空间中。除了要在项目浏览器中使用包来组织项目的内容外，还可以拖动包到图中</a:t>
+              </a:r>
+              <a:r>
+                <a:rPr lang="en-US" altLang="zh-CN" sz="2400" dirty="0" smtClean="0">
+                  <a:solidFill>
+                    <a:srgbClr val="000000"/>
+                  </a:solidFill>
+                  <a:latin typeface="Verdana" panose="020B0604030504040204" pitchFamily="34" charset="0"/>
+                </a:rPr>
+                <a:t>(</a:t>
+              </a:r>
+              <a:r>
+                <a:rPr lang="zh-CN" altLang="en-US" sz="2400" dirty="0" smtClean="0">
+                  <a:solidFill>
+                    <a:srgbClr val="000000"/>
+                  </a:solidFill>
+                  <a:latin typeface="Verdana" panose="020B0604030504040204" pitchFamily="34" charset="0"/>
+                </a:rPr>
+                <a:t>大多数图类型、标准和扩展</a:t>
+              </a:r>
+              <a:r>
+                <a:rPr lang="en-US" altLang="zh-CN" sz="2400" dirty="0" smtClean="0">
+                  <a:solidFill>
+                    <a:srgbClr val="000000"/>
+                  </a:solidFill>
+                  <a:latin typeface="Verdana" panose="020B0604030504040204" pitchFamily="34" charset="0"/>
+                </a:rPr>
+                <a:t>)</a:t>
+              </a:r>
+              <a:r>
+                <a:rPr lang="zh-CN" altLang="en-US" sz="2400" dirty="0" smtClean="0">
+                  <a:solidFill>
+                    <a:srgbClr val="000000"/>
+                  </a:solidFill>
+                  <a:latin typeface="Verdana" panose="020B0604030504040204" pitchFamily="34" charset="0"/>
+                </a:rPr>
+                <a:t>以描述结构或关系，包括包的导人或合并。</a:t>
+              </a:r>
+            </a:p>
+            <a:p>
+              <a:endParaRPr lang="zh-CN" altLang="en-US" sz="1600" dirty="0">
+                <a:solidFill>
+                  <a:srgbClr val="000000"/>
+                </a:solidFill>
+                <a:latin typeface="Verdana" panose="020B0604030504040204" pitchFamily="34" charset="0"/>
+              </a:endParaRPr>
+            </a:p>
+          </p:txBody>
+        </p:sp>
+        <p:grpSp>
+          <p:nvGrpSpPr>
+            <p:cNvPr id="10" name="组合 9"/>
+            <p:cNvGrpSpPr/>
+            <p:nvPr/>
+          </p:nvGrpSpPr>
+          <p:grpSpPr>
+            <a:xfrm>
+              <a:off x="237030" y="1269554"/>
+              <a:ext cx="7776864" cy="4896544"/>
+              <a:chOff x="1285643" y="1772435"/>
+              <a:chExt cx="7135479" cy="3572664"/>
+            </a:xfrm>
+          </p:grpSpPr>
+          <p:sp>
+            <p:nvSpPr>
+              <p:cNvPr id="11" name="矩形 10"/>
+              <p:cNvSpPr/>
+              <p:nvPr/>
+            </p:nvSpPr>
+            <p:spPr>
+              <a:xfrm>
+                <a:off x="1285644" y="2104682"/>
+                <a:ext cx="7135478" cy="3240417"/>
+              </a:xfrm>
+              <a:prstGeom prst="rect">
+                <a:avLst/>
+              </a:prstGeom>
+              <a:noFill/>
+              <a:ln w="12700">
+                <a:solidFill>
+                  <a:srgbClr val="346182"/>
+                </a:solidFill>
+              </a:ln>
+            </p:spPr>
+            <p:style>
+              <a:lnRef idx="2">
+                <a:schemeClr val="accent1">
+                  <a:shade val="50000"/>
+                </a:schemeClr>
+              </a:lnRef>
+              <a:fillRef idx="1">
+                <a:schemeClr val="accent1"/>
+              </a:fillRef>
+              <a:effectRef idx="0">
+                <a:schemeClr val="accent1"/>
+              </a:effectRef>
+              <a:fontRef idx="minor">
+                <a:schemeClr val="lt1"/>
+              </a:fontRef>
+            </p:style>
+            <p:txBody>
+              <a:bodyPr rtlCol="0" anchor="ctr"/>
+              <a:lstStyle/>
+              <a:p>
+                <a:pPr algn="ctr"/>
+                <a:endParaRPr lang="zh-CN" altLang="en-US" sz="1350"/>
+              </a:p>
+            </p:txBody>
+          </p:sp>
+          <p:sp>
+            <p:nvSpPr>
+              <p:cNvPr id="12" name="矩形 11"/>
+              <p:cNvSpPr/>
+              <p:nvPr/>
+            </p:nvSpPr>
+            <p:spPr>
+              <a:xfrm>
+                <a:off x="1285643" y="1772435"/>
+                <a:ext cx="2114216" cy="338554"/>
+              </a:xfrm>
+              <a:prstGeom prst="rect">
+                <a:avLst/>
+              </a:prstGeom>
+              <a:solidFill>
+                <a:srgbClr val="183A5D"/>
+              </a:solidFill>
+              <a:ln>
+                <a:noFill/>
+              </a:ln>
+            </p:spPr>
+            <p:style>
+              <a:lnRef idx="2">
+                <a:schemeClr val="accent1">
+                  <a:shade val="50000"/>
+                </a:schemeClr>
+              </a:lnRef>
+              <a:fillRef idx="1">
+                <a:schemeClr val="accent1"/>
+              </a:fillRef>
+              <a:effectRef idx="0">
+                <a:schemeClr val="accent1"/>
+              </a:effectRef>
+              <a:fontRef idx="minor">
+                <a:schemeClr val="lt1"/>
+              </a:fontRef>
+            </p:style>
+            <p:txBody>
+              <a:bodyPr rtlCol="0" anchor="ctr"/>
+              <a:lstStyle/>
+              <a:p>
+                <a:pPr algn="ctr"/>
+                <a:endParaRPr lang="zh-CN" altLang="en-US" sz="1350"/>
+              </a:p>
+            </p:txBody>
+          </p:sp>
+        </p:grpSp>
+      </p:grpSp>
+      <p:sp>
+        <p:nvSpPr>
+          <p:cNvPr id="9" name="文本框 8"/>
+          <p:cNvSpPr txBox="1"/>
+          <p:nvPr/>
+        </p:nvSpPr>
+        <p:spPr>
+          <a:xfrm>
+            <a:off x="663575" y="1319530"/>
+            <a:ext cx="1562735" cy="414020"/>
+          </a:xfrm>
+          <a:prstGeom prst="rect">
+            <a:avLst/>
+          </a:prstGeom>
+          <a:noFill/>
+        </p:spPr>
+        <p:txBody>
+          <a:bodyPr wrap="square" rtlCol="0">
+            <a:spAutoFit/>
+          </a:bodyPr>
+          <a:lstStyle/>
           <a:p>
-            <a:endParaRPr lang="zh-CN" altLang="en-US" sz="1800" dirty="0"/>
-          </a:p>
-          <a:p>
-            <a:endParaRPr lang="en-US" altLang="zh-CN" sz="1800" dirty="0">
+            <a:r>
+              <a:rPr lang="zh-CN" altLang="en-US" dirty="0">
+                <a:solidFill>
+                  <a:schemeClr val="bg1"/>
+                </a:solidFill>
+              </a:rPr>
+              <a:t>包</a:t>
+            </a:r>
+            <a:r>
+              <a:rPr lang="zh-CN" altLang="en-US" dirty="0" smtClean="0">
+                <a:solidFill>
+                  <a:schemeClr val="bg1"/>
+                </a:solidFill>
+              </a:rPr>
+              <a:t>图概述</a:t>
+            </a:r>
+            <a:endParaRPr lang="zh-CN" altLang="en-US" dirty="0">
               <a:solidFill>
-                <a:schemeClr val="tx1"/>
+                <a:schemeClr val="bg1"/>
               </a:solidFill>
-              <a:effectLst>
-                <a:outerShdw blurRad="38100" dist="19050" dir="2700000" algn="tl" rotWithShape="0">
-                  <a:schemeClr val="dk1">
-                    <a:alpha val="40000"/>
-                  </a:schemeClr>
-                </a:outerShdw>
-              </a:effectLst>
             </a:endParaRPr>
           </a:p>
+        </p:txBody>
+      </p:sp>
+      <p:pic>
+        <p:nvPicPr>
+          <p:cNvPr id="1026" name="Picture 2"/>
+          <p:cNvPicPr>
+            <a:picLocks noChangeAspect="1" noChangeArrowheads="1"/>
+          </p:cNvPicPr>
+          <p:nvPr/>
+        </p:nvPicPr>
+        <p:blipFill>
+          <a:blip r:embed="rId2">
+            <a:extLst>
+              <a:ext uri="{28A0092B-C50C-407E-A947-70E740481C1C}">
+                <a14:useLocalDpi xmlns:a14="http://schemas.microsoft.com/office/drawing/2010/main" val="0"/>
+              </a:ext>
+            </a:extLst>
+          </a:blip>
+          <a:srcRect/>
+          <a:stretch>
+            <a:fillRect/>
+          </a:stretch>
+        </p:blipFill>
+        <p:spPr bwMode="auto">
+          <a:xfrm>
+            <a:off x="8519925" y="2203763"/>
+            <a:ext cx="3163805" cy="2152692"/>
+          </a:xfrm>
+          <a:prstGeom prst="rect">
+            <a:avLst/>
+          </a:prstGeom>
+          <a:noFill/>
+          <a:ln>
+            <a:noFill/>
+          </a:ln>
+          <a:extLst>
+            <a:ext uri="{909E8E84-426E-40DD-AFC4-6F175D3DCCD1}">
+              <a14:hiddenFill xmlns:a14="http://schemas.microsoft.com/office/drawing/2010/main">
+                <a:solidFill>
+                  <a:schemeClr val="accent1"/>
+                </a:solidFill>
+              </a14:hiddenFill>
+            </a:ext>
+            <a:ext uri="{91240B29-F687-4F45-9708-019B960494DF}">
+              <a14:hiddenLine xmlns:a14="http://schemas.microsoft.com/office/drawing/2010/main" w="9525">
+                <a:solidFill>
+                  <a:schemeClr val="tx1"/>
+                </a:solidFill>
+                <a:miter lim="800000"/>
+                <a:headEnd/>
+                <a:tailEnd/>
+              </a14:hiddenLine>
+            </a:ext>
+          </a:extLst>
+        </p:spPr>
+      </p:pic>
+      <p:sp>
+        <p:nvSpPr>
+          <p:cNvPr id="13" name="TextBox 12"/>
+          <p:cNvSpPr txBox="1"/>
+          <p:nvPr/>
+        </p:nvSpPr>
+        <p:spPr>
+          <a:xfrm>
+            <a:off x="8769679" y="4609261"/>
+            <a:ext cx="2664296" cy="432048"/>
+          </a:xfrm>
+          <a:prstGeom prst="rect">
+            <a:avLst/>
+          </a:prstGeom>
+          <a:noFill/>
+        </p:spPr>
+        <p:txBody>
+          <a:bodyPr wrap="square" rtlCol="0">
+            <a:spAutoFit/>
+          </a:bodyPr>
+          <a:lstStyle/>
           <a:p>
-            <a:endParaRPr lang="en-US" altLang="zh-CN" sz="1800" dirty="0" smtClean="0"/>
-          </a:p>
-          <a:p>
-            <a:endParaRPr lang="zh-CN" altLang="en-US" sz="1800" dirty="0"/>
+            <a:pPr algn="ctr"/>
+            <a:r>
+              <a:rPr lang="zh-CN" altLang="en-US" dirty="0" smtClean="0"/>
+              <a:t>包的图标</a:t>
+            </a:r>
+            <a:endParaRPr lang="zh-CN" altLang="en-US" dirty="0"/>
           </a:p>
         </p:txBody>
       </p:sp>
     </p:spTree>
+    <p:extLst>
+      <p:ext uri="{BB962C8B-B14F-4D97-AF65-F5344CB8AC3E}">
+        <p14:creationId xmlns:p14="http://schemas.microsoft.com/office/powerpoint/2010/main" val="3564200078"/>
+      </p:ext>
+    </p:extLst>
   </p:cSld>
   <p:clrMapOvr>
     <a:masterClrMapping/>
   </p:clrMapOvr>
-  <mc:AlternateContent xmlns:mc="http://schemas.openxmlformats.org/markup-compatibility/2006">
-    <mc:Choice xmlns:p14="http://schemas.microsoft.com/office/powerpoint/2010/main" Requires="p14">
-      <p:transition spd="slow" p14:dur="1200" advClick="0" advTm="0">
-        <p14:prism/>
-      </p:transition>
-    </mc:Choice>
-    <mc:Fallback>
-      <p:transition spd="slow" advClick="0" advTm="0">
-        <p:fade/>
-      </p:transition>
-    </mc:Fallback>
-  </mc:AlternateContent>
+  <p:transition spd="slow" advClick="0" advTm="0">
+    <p:wipe/>
+  </p:transition>
   <p:timing>
     <p:tnLst>
       <p:par>
-        <p:cTn id="1" dur="indefinite" restart="never" nodeType="tmRoot">
-          <p:childTnLst>
-            <p:seq concurrent="1" nextAc="seek">
-              <p:cTn id="2" dur="indefinite" nodeType="mainSeq">
-                <p:childTnLst>
-                  <p:par>
-                    <p:cTn id="3" fill="hold">
-                      <p:stCondLst>
-                        <p:cond delay="indefinite"/>
-                        <p:cond evt="onBegin" delay="0">
-                          <p:tn val="2"/>
-                        </p:cond>
-                      </p:stCondLst>
-                      <p:childTnLst>
-                        <p:par>
-                          <p:cTn id="4" fill="hold">
-                            <p:stCondLst>
-                              <p:cond delay="0"/>
-                            </p:stCondLst>
-                            <p:childTnLst>
-                              <p:par>
-                                <p:cTn id="5" presetID="2" presetClass="entr" presetSubtype="8" fill="hold" grpId="0" nodeType="afterEffect">
-                                  <p:stCondLst>
-                                    <p:cond delay="0"/>
-                                  </p:stCondLst>
-                                  <p:childTnLst>
-                                    <p:set>
-                                      <p:cBhvr>
-                                        <p:cTn id="6" dur="1" fill="hold">
-                                          <p:stCondLst>
-                                            <p:cond delay="0"/>
-                                          </p:stCondLst>
-                                        </p:cTn>
-                                        <p:tgtEl>
-                                          <p:spTgt spid="36"/>
-                                        </p:tgtEl>
-                                        <p:attrNameLst>
-                                          <p:attrName>style.visibility</p:attrName>
-                                        </p:attrNameLst>
-                                      </p:cBhvr>
-                                      <p:to>
-                                        <p:strVal val="visible"/>
-                                      </p:to>
-                                    </p:set>
-                                    <p:anim calcmode="lin" valueType="num">
-                                      <p:cBhvr additive="base">
-                                        <p:cTn id="7" dur="500" fill="hold"/>
-                                        <p:tgtEl>
-                                          <p:spTgt spid="36"/>
-                                        </p:tgtEl>
-                                        <p:attrNameLst>
-                                          <p:attrName>ppt_x</p:attrName>
-                                        </p:attrNameLst>
-                                      </p:cBhvr>
-                                      <p:tavLst>
-                                        <p:tav tm="0">
-                                          <p:val>
-                                            <p:strVal val="0-#ppt_w/2"/>
-                                          </p:val>
-                                        </p:tav>
-                                        <p:tav tm="100000">
-                                          <p:val>
-                                            <p:strVal val="#ppt_x"/>
-                                          </p:val>
-                                        </p:tav>
-                                      </p:tavLst>
-                                    </p:anim>
-                                    <p:anim calcmode="lin" valueType="num">
-                                      <p:cBhvr additive="base">
-                                        <p:cTn id="8" dur="500" fill="hold"/>
-                                        <p:tgtEl>
-                                          <p:spTgt spid="36"/>
-                                        </p:tgtEl>
-                                        <p:attrNameLst>
-                                          <p:attrName>ppt_y</p:attrName>
-                                        </p:attrNameLst>
-                                      </p:cBhvr>
-                                      <p:tavLst>
-                                        <p:tav tm="0">
-                                          <p:val>
-                                            <p:strVal val="#ppt_y"/>
-                                          </p:val>
-                                        </p:tav>
-                                        <p:tav tm="100000">
-                                          <p:val>
-                                            <p:strVal val="#ppt_y"/>
-                                          </p:val>
-                                        </p:tav>
-                                      </p:tavLst>
-                                    </p:anim>
-                                  </p:childTnLst>
-                                </p:cTn>
-                              </p:par>
-                            </p:childTnLst>
-                          </p:cTn>
-                        </p:par>
-                        <p:par>
-                          <p:cTn id="9" fill="hold">
-                            <p:stCondLst>
-                              <p:cond delay="500"/>
-                            </p:stCondLst>
-                            <p:childTnLst>
-                              <p:par>
-                                <p:cTn id="10" presetID="17" presetClass="entr" presetSubtype="1" fill="hold" grpId="0" nodeType="afterEffect">
-                                  <p:stCondLst>
-                                    <p:cond delay="0"/>
-                                  </p:stCondLst>
-                                  <p:iterate type="lt">
-                                    <p:tmPct val="40000"/>
-                                  </p:iterate>
-                                  <p:childTnLst>
-                                    <p:set>
-                                      <p:cBhvr>
-                                        <p:cTn id="11" dur="1" fill="hold">
-                                          <p:stCondLst>
-                                            <p:cond delay="0"/>
-                                          </p:stCondLst>
-                                        </p:cTn>
-                                        <p:tgtEl>
-                                          <p:spTgt spid="37"/>
-                                        </p:tgtEl>
-                                        <p:attrNameLst>
-                                          <p:attrName>style.visibility</p:attrName>
-                                        </p:attrNameLst>
-                                      </p:cBhvr>
-                                      <p:to>
-                                        <p:strVal val="visible"/>
-                                      </p:to>
-                                    </p:set>
-                                    <p:anim calcmode="lin" valueType="num">
-                                      <p:cBhvr>
-                                        <p:cTn id="12" dur="250" fill="hold"/>
-                                        <p:tgtEl>
-                                          <p:spTgt spid="37"/>
-                                        </p:tgtEl>
-                                        <p:attrNameLst>
-                                          <p:attrName>ppt_x</p:attrName>
-                                        </p:attrNameLst>
-                                      </p:cBhvr>
-                                      <p:tavLst>
-                                        <p:tav tm="0">
-                                          <p:val>
-                                            <p:strVal val="#ppt_x"/>
-                                          </p:val>
-                                        </p:tav>
-                                        <p:tav tm="100000">
-                                          <p:val>
-                                            <p:strVal val="#ppt_x"/>
-                                          </p:val>
-                                        </p:tav>
-                                      </p:tavLst>
-                                    </p:anim>
-                                    <p:anim calcmode="lin" valueType="num">
-                                      <p:cBhvr>
-                                        <p:cTn id="13" dur="250" fill="hold"/>
-                                        <p:tgtEl>
-                                          <p:spTgt spid="37"/>
-                                        </p:tgtEl>
-                                        <p:attrNameLst>
-                                          <p:attrName>ppt_y</p:attrName>
-                                        </p:attrNameLst>
-                                      </p:cBhvr>
-                                      <p:tavLst>
-                                        <p:tav tm="0">
-                                          <p:val>
-                                            <p:strVal val="#ppt_y-#ppt_h/2"/>
-                                          </p:val>
-                                        </p:tav>
-                                        <p:tav tm="100000">
-                                          <p:val>
-                                            <p:strVal val="#ppt_y"/>
-                                          </p:val>
-                                        </p:tav>
-                                      </p:tavLst>
-                                    </p:anim>
-                                    <p:anim calcmode="lin" valueType="num">
-                                      <p:cBhvr>
-                                        <p:cTn id="14" dur="250" fill="hold"/>
-                                        <p:tgtEl>
-                                          <p:spTgt spid="37"/>
-                                        </p:tgtEl>
-                                        <p:attrNameLst>
-                                          <p:attrName>ppt_w</p:attrName>
-                                        </p:attrNameLst>
-                                      </p:cBhvr>
-                                      <p:tavLst>
-                                        <p:tav tm="0">
-                                          <p:val>
-                                            <p:strVal val="#ppt_w"/>
-                                          </p:val>
-                                        </p:tav>
-                                        <p:tav tm="100000">
-                                          <p:val>
-                                            <p:strVal val="#ppt_w"/>
-                                          </p:val>
-                                        </p:tav>
-                                      </p:tavLst>
-                                    </p:anim>
-                                    <p:anim calcmode="lin" valueType="num">
-                                      <p:cBhvr>
-                                        <p:cTn id="15" dur="250" fill="hold"/>
-                                        <p:tgtEl>
-                                          <p:spTgt spid="37"/>
-                                        </p:tgtEl>
-                                        <p:attrNameLst>
-                                          <p:attrName>ppt_h</p:attrName>
-                                        </p:attrNameLst>
-                                      </p:cBhvr>
-                                      <p:tavLst>
-                                        <p:tav tm="0">
-                                          <p:val>
-                                            <p:fltVal val="0"/>
-                                          </p:val>
-                                        </p:tav>
-                                        <p:tav tm="100000">
-                                          <p:val>
-                                            <p:strVal val="#ppt_h"/>
-                                          </p:val>
-                                        </p:tav>
-                                      </p:tavLst>
-                                    </p:anim>
-                                  </p:childTnLst>
-                                </p:cTn>
-                              </p:par>
-                            </p:childTnLst>
-                          </p:cTn>
-                        </p:par>
-                      </p:childTnLst>
-                    </p:cTn>
-                  </p:par>
-                </p:childTnLst>
-              </p:cTn>
-              <p:prevCondLst>
-                <p:cond evt="onPrev" delay="0">
-                  <p:tgtEl>
-                    <p:sldTgt/>
-                  </p:tgtEl>
-                </p:cond>
-              </p:prevCondLst>
-              <p:nextCondLst>
-                <p:cond evt="onNext" delay="0">
-                  <p:tgtEl>
-                    <p:sldTgt/>
-                  </p:tgtEl>
-                </p:cond>
-              </p:nextCondLst>
-            </p:seq>
-          </p:childTnLst>
-        </p:cTn>
+        <p:cTn id="1" dur="indefinite" restart="never" nodeType="tmRoot"/>
       </p:par>
     </p:tnLst>
-    <p:bldLst>
-      <p:bldP spid="36" grpId="0" bldLvl="0" animBg="1"/>
-      <p:bldP spid="37" grpId="0"/>
-    </p:bldLst>
   </p:timing>
 </p:sld>
 </file>
@@ -8217,1085 +11976,20 @@
       </p:grpSpPr>
       <p:sp>
         <p:nvSpPr>
-          <p:cNvPr id="36" name="矩形 35"/>
+          <p:cNvPr id="2" name="矩形 1"/>
           <p:cNvSpPr/>
           <p:nvPr/>
         </p:nvSpPr>
         <p:spPr>
           <a:xfrm>
-            <a:off x="-106680" y="0"/>
-            <a:ext cx="2938780" cy="6859270"/>
+            <a:off x="237030" y="1171"/>
+            <a:ext cx="1608415" cy="135446"/>
           </a:xfrm>
           <a:prstGeom prst="rect">
             <a:avLst/>
           </a:prstGeom>
           <a:solidFill>
-            <a:srgbClr val="38B1BF"/>
-          </a:solidFill>
-          <a:ln>
-            <a:noFill/>
-          </a:ln>
-          <a:effectLst>
-            <a:outerShdw blurRad="50800" dist="38100" dir="2700000" algn="tl" rotWithShape="0">
-              <a:prstClr val="black">
-                <a:alpha val="40000"/>
-              </a:prstClr>
-            </a:outerShdw>
-          </a:effectLst>
-          <a:scene3d>
-            <a:camera prst="orthographicFront"/>
-            <a:lightRig rig="threePt" dir="t"/>
-          </a:scene3d>
-          <a:sp3d/>
-        </p:spPr>
-        <p:style>
-          <a:lnRef idx="1">
-            <a:schemeClr val="accent1"/>
-          </a:lnRef>
-          <a:fillRef idx="0">
-            <a:schemeClr val="accent1"/>
-          </a:fillRef>
-          <a:effectRef idx="0">
-            <a:schemeClr val="accent1"/>
-          </a:effectRef>
-          <a:fontRef idx="minor">
-            <a:schemeClr val="tx1"/>
-          </a:fontRef>
-        </p:style>
-        <p:txBody>
-          <a:bodyPr rot="0" spcFirstLastPara="0" vertOverflow="overflow" horzOverflow="overflow" vert="horz" wrap="square" lIns="91440" tIns="45720" rIns="91440" bIns="45720" numCol="1" spcCol="0" rtlCol="0" fromWordArt="0" anchor="ctr" anchorCtr="0" forceAA="0" compatLnSpc="1">
-            <a:noAutofit/>
-          </a:bodyPr>
-          <a:lstStyle/>
-          <a:p>
-            <a:pPr algn="ctr"/>
-            <a:endParaRPr lang="zh-CN" altLang="en-US"/>
-          </a:p>
-        </p:txBody>
-      </p:sp>
-      <p:sp>
-        <p:nvSpPr>
-          <p:cNvPr id="37" name="TextBox 36"/>
-          <p:cNvSpPr txBox="1"/>
-          <p:nvPr/>
-        </p:nvSpPr>
-        <p:spPr>
-          <a:xfrm>
-            <a:off x="311150" y="2922270"/>
-            <a:ext cx="2220595" cy="1106805"/>
-          </a:xfrm>
-          <a:prstGeom prst="rect">
-            <a:avLst/>
-          </a:prstGeom>
-          <a:noFill/>
-        </p:spPr>
-        <p:txBody>
-          <a:bodyPr wrap="square" lIns="121948" tIns="60973" rIns="121948" bIns="60973">
-            <a:spAutoFit/>
-          </a:bodyPr>
-          <a:lstStyle/>
-          <a:p>
-            <a:pPr algn="r">
-              <a:defRPr/>
-            </a:pPr>
-            <a:r>
-              <a:rPr lang="zh-CN" altLang="en-US" sz="3200" b="1" dirty="0" smtClean="0">
-                <a:solidFill>
-                  <a:schemeClr val="bg1"/>
-                </a:solidFill>
-                <a:latin typeface="微软雅黑" panose="020B0503020204020204" pitchFamily="34" charset="-122"/>
-                <a:ea typeface="微软雅黑" panose="020B0503020204020204" pitchFamily="34" charset="-122"/>
-              </a:rPr>
-              <a:t>绩效考评与分工</a:t>
-            </a:r>
-            <a:endParaRPr lang="zh-CN" altLang="en-US" sz="3200" b="1" dirty="0" smtClean="0">
-              <a:solidFill>
-                <a:schemeClr val="bg1"/>
-              </a:solidFill>
-              <a:latin typeface="微软雅黑" panose="020B0503020204020204" pitchFamily="34" charset="-122"/>
-              <a:ea typeface="微软雅黑" panose="020B0503020204020204" pitchFamily="34" charset="-122"/>
-            </a:endParaRPr>
-          </a:p>
-        </p:txBody>
-      </p:sp>
-      <p:graphicFrame>
-        <p:nvGraphicFramePr>
-          <p:cNvPr id="3" name="表格 2"/>
-          <p:cNvGraphicFramePr/>
-          <p:nvPr/>
-        </p:nvGraphicFramePr>
-        <p:xfrm>
-          <a:off x="3181985" y="459740"/>
-          <a:ext cx="7771130" cy="3826510"/>
-        </p:xfrm>
-        <a:graphic>
-          <a:graphicData uri="http://schemas.openxmlformats.org/drawingml/2006/table">
-            <a:tbl>
-              <a:tblPr firstRow="1" bandRow="1">
-                <a:tableStyleId>{5C22544A-7EE6-4342-B048-85BDC9FD1C3A}</a:tableStyleId>
-              </a:tblPr>
-              <a:tblGrid>
-                <a:gridCol w="1895475"/>
-                <a:gridCol w="2937510"/>
-                <a:gridCol w="2938145"/>
-              </a:tblGrid>
-              <a:tr h="713740">
-                <a:tc>
-                  <a:txBody>
-                    <a:bodyPr/>
-                    <a:lstStyle/>
-                    <a:p>
-                      <a:pPr algn="l">
-                        <a:buNone/>
-                      </a:pPr>
-                      <a:r>
-                        <a:rPr lang="zh-CN" altLang="en-US" b="0" dirty="0">
-                          <a:solidFill>
-                            <a:schemeClr val="tx1"/>
-                          </a:solidFill>
-                        </a:rPr>
-                        <a:t>黄为波</a:t>
-                      </a:r>
-                      <a:endParaRPr lang="zh-CN" altLang="en-US" b="0" dirty="0">
-                        <a:solidFill>
-                          <a:schemeClr val="tx1"/>
-                        </a:solidFill>
-                      </a:endParaRPr>
-                    </a:p>
-                  </a:txBody>
-                  <a:tcPr>
-                    <a:solidFill>
-                      <a:schemeClr val="accent1">
-                        <a:lumMod val="40000"/>
-                        <a:lumOff val="60000"/>
-                      </a:schemeClr>
-                    </a:solidFill>
-                  </a:tcPr>
-                </a:tc>
-                <a:tc>
-                  <a:txBody>
-                    <a:bodyPr/>
-                    <a:lstStyle/>
-                    <a:p>
-                      <a:pPr algn="l"/>
-                      <a:r>
-                        <a:rPr lang="zh-CN" altLang="en-US" sz="2400" b="0" dirty="0" smtClean="0">
-                          <a:solidFill>
-                            <a:schemeClr val="tx1"/>
-                          </a:solidFill>
-                        </a:rPr>
-                        <a:t>负责</a:t>
-                      </a:r>
-                      <a:r>
-                        <a:rPr lang="zh-CN" sz="2400" b="0" dirty="0" smtClean="0">
-                          <a:solidFill>
-                            <a:schemeClr val="tx1"/>
-                          </a:solidFill>
-                        </a:rPr>
-                        <a:t>制作</a:t>
-                      </a:r>
-                      <a:r>
-                        <a:rPr lang="en-US" altLang="zh-CN" sz="2400" b="0" dirty="0" smtClean="0">
-                          <a:solidFill>
-                            <a:schemeClr val="tx1"/>
-                          </a:solidFill>
-                        </a:rPr>
-                        <a:t>PPT</a:t>
-                      </a:r>
-                      <a:r>
-                        <a:rPr lang="zh-CN" altLang="en-US" sz="2400" b="0" dirty="0" smtClean="0">
-                          <a:solidFill>
-                            <a:schemeClr val="tx1"/>
-                          </a:solidFill>
-                        </a:rPr>
-                        <a:t>模板以及审核</a:t>
-                      </a:r>
-                      <a:endParaRPr lang="zh-CN" altLang="en-US" sz="2400" b="0" dirty="0" smtClean="0">
-                        <a:solidFill>
-                          <a:schemeClr val="tx1"/>
-                        </a:solidFill>
-                      </a:endParaRPr>
-                    </a:p>
-                  </a:txBody>
-                  <a:tcPr>
-                    <a:solidFill>
-                      <a:schemeClr val="accent1">
-                        <a:lumMod val="40000"/>
-                        <a:lumOff val="60000"/>
-                      </a:schemeClr>
-                    </a:solidFill>
-                  </a:tcPr>
-                </a:tc>
-                <a:tc>
-                  <a:txBody>
-                    <a:bodyPr/>
-                    <a:lstStyle/>
-                    <a:p>
-                      <a:pPr algn="l">
-                        <a:buNone/>
-                      </a:pPr>
-                      <a:r>
-                        <a:rPr lang="en-US" altLang="zh-CN" sz="2400" b="0" dirty="0" smtClean="0">
-                          <a:solidFill>
-                            <a:schemeClr val="tx1"/>
-                          </a:solidFill>
-                        </a:rPr>
-                        <a:t>9.3</a:t>
-                      </a:r>
-                      <a:endParaRPr lang="en-US" altLang="zh-CN" sz="2400" b="0" dirty="0" smtClean="0">
-                        <a:solidFill>
-                          <a:schemeClr val="tx1"/>
-                        </a:solidFill>
-                      </a:endParaRPr>
-                    </a:p>
-                  </a:txBody>
-                  <a:tcPr>
-                    <a:solidFill>
-                      <a:schemeClr val="accent1">
-                        <a:lumMod val="40000"/>
-                        <a:lumOff val="60000"/>
-                      </a:schemeClr>
-                    </a:solidFill>
-                  </a:tcPr>
-                </a:tc>
-              </a:tr>
-              <a:tr h="716915">
-                <a:tc>
-                  <a:txBody>
-                    <a:bodyPr/>
-                    <a:lstStyle/>
-                    <a:p>
-                      <a:pPr algn="l">
-                        <a:buNone/>
-                      </a:pPr>
-                      <a:r>
-                        <a:rPr lang="zh-CN" altLang="en-US" dirty="0" smtClean="0">
-                          <a:solidFill>
-                            <a:schemeClr val="tx1"/>
-                          </a:solidFill>
-                        </a:rPr>
-                        <a:t>苏雨豪</a:t>
-                      </a:r>
-                      <a:endParaRPr lang="zh-CN" altLang="en-US" dirty="0" smtClean="0">
-                        <a:solidFill>
-                          <a:schemeClr val="tx1"/>
-                        </a:solidFill>
-                      </a:endParaRPr>
-                    </a:p>
-                  </a:txBody>
-                  <a:tcPr/>
-                </a:tc>
-                <a:tc>
-                  <a:txBody>
-                    <a:bodyPr/>
-                    <a:lstStyle/>
-                    <a:p>
-                      <a:pPr algn="l">
-                        <a:buNone/>
-                      </a:pPr>
-                      <a:r>
-                        <a:rPr lang="zh-CN" dirty="0" smtClean="0">
-                          <a:solidFill>
-                            <a:schemeClr val="tx1"/>
-                          </a:solidFill>
-                        </a:rPr>
-                        <a:t>负责</a:t>
-                      </a:r>
-                      <a:r>
-                        <a:rPr lang="en-US" altLang="zh-CN" dirty="0" smtClean="0">
-                          <a:solidFill>
-                            <a:schemeClr val="tx1"/>
-                          </a:solidFill>
-                        </a:rPr>
-                        <a:t>PPT</a:t>
-                      </a:r>
-                      <a:r>
-                        <a:rPr lang="zh-CN" altLang="en-US" dirty="0" smtClean="0">
-                          <a:solidFill>
-                            <a:schemeClr val="tx1"/>
-                          </a:solidFill>
-                        </a:rPr>
-                        <a:t>审核</a:t>
-                      </a:r>
-                      <a:endParaRPr lang="zh-CN" altLang="en-US" dirty="0" smtClean="0">
-                        <a:solidFill>
-                          <a:schemeClr val="tx1"/>
-                        </a:solidFill>
-                      </a:endParaRPr>
-                    </a:p>
-                  </a:txBody>
-                  <a:tcPr/>
-                </a:tc>
-                <a:tc>
-                  <a:txBody>
-                    <a:bodyPr/>
-                    <a:lstStyle/>
-                    <a:p>
-                      <a:pPr algn="l">
-                        <a:buNone/>
-                      </a:pPr>
-                      <a:r>
-                        <a:rPr lang="en-US" altLang="zh-CN" dirty="0" smtClean="0">
-                          <a:solidFill>
-                            <a:schemeClr val="tx1"/>
-                          </a:solidFill>
-                        </a:rPr>
-                        <a:t>9.5</a:t>
-                      </a:r>
-                      <a:endParaRPr lang="en-US" altLang="zh-CN" dirty="0" smtClean="0">
-                        <a:solidFill>
-                          <a:schemeClr val="tx1"/>
-                        </a:solidFill>
-                      </a:endParaRPr>
-                    </a:p>
-                  </a:txBody>
-                  <a:tcPr/>
-                </a:tc>
-              </a:tr>
-              <a:tr h="805815">
-                <a:tc>
-                  <a:txBody>
-                    <a:bodyPr/>
-                    <a:lstStyle/>
-                    <a:p>
-                      <a:pPr algn="l">
-                        <a:buNone/>
-                      </a:pPr>
-                      <a:r>
-                        <a:rPr lang="zh-CN" dirty="0" smtClean="0">
-                          <a:solidFill>
-                            <a:schemeClr val="tx1"/>
-                          </a:solidFill>
-                        </a:rPr>
-                        <a:t>陈子卿</a:t>
-                      </a:r>
-                      <a:endParaRPr lang="zh-CN" dirty="0" smtClean="0">
-                        <a:solidFill>
-                          <a:schemeClr val="tx1"/>
-                        </a:solidFill>
-                      </a:endParaRPr>
-                    </a:p>
-                  </a:txBody>
-                  <a:tcPr>
-                    <a:solidFill>
-                      <a:schemeClr val="accent1">
-                        <a:lumMod val="40000"/>
-                        <a:lumOff val="60000"/>
-                      </a:schemeClr>
-                    </a:solidFill>
-                  </a:tcPr>
-                </a:tc>
-                <a:tc>
-                  <a:txBody>
-                    <a:bodyPr/>
-                    <a:lstStyle/>
-                    <a:p>
-                      <a:pPr algn="l">
-                        <a:buNone/>
-                      </a:pPr>
-                      <a:r>
-                        <a:rPr lang="zh-CN" altLang="en-US" dirty="0" smtClean="0">
-                          <a:solidFill>
-                            <a:schemeClr val="tx1"/>
-                          </a:solidFill>
-                        </a:rPr>
-                        <a:t>对象图部分</a:t>
-                      </a:r>
-                      <a:r>
-                        <a:rPr lang="en-US" altLang="zh-CN" dirty="0" smtClean="0">
-                          <a:solidFill>
-                            <a:schemeClr val="tx1"/>
-                          </a:solidFill>
-                        </a:rPr>
-                        <a:t>PPT</a:t>
-                      </a:r>
-                      <a:r>
-                        <a:rPr lang="zh-CN" altLang="en-US" dirty="0" smtClean="0">
-                          <a:solidFill>
-                            <a:schemeClr val="tx1"/>
-                          </a:solidFill>
-                        </a:rPr>
-                        <a:t>制作</a:t>
-                      </a:r>
-                      <a:endParaRPr lang="zh-CN" altLang="en-US" dirty="0" smtClean="0">
-                        <a:solidFill>
-                          <a:schemeClr val="tx1"/>
-                        </a:solidFill>
-                      </a:endParaRPr>
-                    </a:p>
-                  </a:txBody>
-                  <a:tcPr>
-                    <a:solidFill>
-                      <a:schemeClr val="accent1">
-                        <a:lumMod val="40000"/>
-                        <a:lumOff val="60000"/>
-                      </a:schemeClr>
-                    </a:solidFill>
-                  </a:tcPr>
-                </a:tc>
-                <a:tc>
-                  <a:txBody>
-                    <a:bodyPr/>
-                    <a:lstStyle/>
-                    <a:p>
-                      <a:pPr algn="l">
-                        <a:buNone/>
-                      </a:pPr>
-                      <a:r>
-                        <a:rPr lang="en-US" altLang="zh-CN" dirty="0" smtClean="0">
-                          <a:solidFill>
-                            <a:schemeClr val="tx1"/>
-                          </a:solidFill>
-                        </a:rPr>
-                        <a:t>9.7</a:t>
-                      </a:r>
-                      <a:endParaRPr lang="en-US" altLang="zh-CN" dirty="0" smtClean="0">
-                        <a:solidFill>
-                          <a:schemeClr val="tx1"/>
-                        </a:solidFill>
-                      </a:endParaRPr>
-                    </a:p>
-                  </a:txBody>
-                  <a:tcPr>
-                    <a:solidFill>
-                      <a:schemeClr val="accent1">
-                        <a:lumMod val="40000"/>
-                        <a:lumOff val="60000"/>
-                      </a:schemeClr>
-                    </a:solidFill>
-                  </a:tcPr>
-                </a:tc>
-              </a:tr>
-              <a:tr h="733425">
-                <a:tc>
-                  <a:txBody>
-                    <a:bodyPr/>
-                    <a:lstStyle/>
-                    <a:p>
-                      <a:pPr algn="l">
-                        <a:buNone/>
-                      </a:pPr>
-                      <a:r>
-                        <a:rPr lang="zh-CN" altLang="en-US" dirty="0" smtClean="0">
-                          <a:solidFill>
-                            <a:schemeClr val="tx1"/>
-                          </a:solidFill>
-                        </a:rPr>
-                        <a:t>蔡峰</a:t>
-                      </a:r>
-                      <a:endParaRPr lang="zh-CN" altLang="en-US" dirty="0" smtClean="0">
-                        <a:solidFill>
-                          <a:schemeClr val="tx1"/>
-                        </a:solidFill>
-                      </a:endParaRPr>
-                    </a:p>
-                  </a:txBody>
-                  <a:tcPr>
-                    <a:solidFill>
-                      <a:schemeClr val="accent1">
-                        <a:lumMod val="40000"/>
-                        <a:lumOff val="60000"/>
-                      </a:schemeClr>
-                    </a:solidFill>
-                  </a:tcPr>
-                </a:tc>
-                <a:tc>
-                  <a:txBody>
-                    <a:bodyPr/>
-                    <a:lstStyle/>
-                    <a:p>
-                      <a:pPr algn="l">
-                        <a:buNone/>
-                      </a:pPr>
-                      <a:r>
-                        <a:rPr lang="zh-CN" dirty="0" smtClean="0">
-                          <a:solidFill>
-                            <a:schemeClr val="tx1"/>
-                          </a:solidFill>
-                        </a:rPr>
-                        <a:t>包图部分</a:t>
-                      </a:r>
-                      <a:r>
-                        <a:rPr lang="en-US" altLang="zh-CN" dirty="0" smtClean="0">
-                          <a:solidFill>
-                            <a:schemeClr val="tx1"/>
-                          </a:solidFill>
-                        </a:rPr>
-                        <a:t>PPT</a:t>
-                      </a:r>
-                      <a:r>
-                        <a:rPr lang="zh-CN" altLang="en-US" dirty="0" smtClean="0">
-                          <a:solidFill>
-                            <a:schemeClr val="tx1"/>
-                          </a:solidFill>
-                        </a:rPr>
-                        <a:t>制作</a:t>
-                      </a:r>
-                      <a:endParaRPr lang="zh-CN" altLang="en-US" dirty="0" smtClean="0">
-                        <a:solidFill>
-                          <a:schemeClr val="tx1"/>
-                        </a:solidFill>
-                      </a:endParaRPr>
-                    </a:p>
-                  </a:txBody>
-                  <a:tcPr>
-                    <a:solidFill>
-                      <a:schemeClr val="accent1">
-                        <a:lumMod val="40000"/>
-                        <a:lumOff val="60000"/>
-                      </a:schemeClr>
-                    </a:solidFill>
-                  </a:tcPr>
-                </a:tc>
-                <a:tc>
-                  <a:txBody>
-                    <a:bodyPr/>
-                    <a:lstStyle/>
-                    <a:p>
-                      <a:pPr algn="l">
-                        <a:buNone/>
-                      </a:pPr>
-                      <a:r>
-                        <a:rPr lang="en-US" altLang="zh-CN" sz="2100" dirty="0" smtClean="0">
-                          <a:solidFill>
-                            <a:schemeClr val="tx1"/>
-                          </a:solidFill>
-                          <a:sym typeface="+mn-ea"/>
-                        </a:rPr>
-                        <a:t>9.4</a:t>
-                      </a:r>
-                      <a:endParaRPr lang="en-US" altLang="zh-CN" sz="2100" b="0" dirty="0" smtClean="0">
-                        <a:solidFill>
-                          <a:schemeClr val="tx1"/>
-                        </a:solidFill>
-                        <a:sym typeface="+mn-ea"/>
-                      </a:endParaRPr>
-                    </a:p>
-                    <a:p>
-                      <a:pPr algn="l">
-                        <a:buNone/>
-                      </a:pPr>
-                      <a:endParaRPr lang="zh-CN" altLang="en-US" dirty="0" smtClean="0">
-                        <a:solidFill>
-                          <a:schemeClr val="tx1"/>
-                        </a:solidFill>
-                      </a:endParaRPr>
-                    </a:p>
-                  </a:txBody>
-                  <a:tcPr>
-                    <a:solidFill>
-                      <a:schemeClr val="accent1">
-                        <a:lumMod val="40000"/>
-                        <a:lumOff val="60000"/>
-                      </a:schemeClr>
-                    </a:solidFill>
-                  </a:tcPr>
-                </a:tc>
-              </a:tr>
-              <a:tr h="732790">
-                <a:tc>
-                  <a:txBody>
-                    <a:bodyPr/>
-                    <a:lstStyle/>
-                    <a:p>
-                      <a:pPr algn="l">
-                        <a:buNone/>
-                      </a:pPr>
-                      <a:r>
-                        <a:rPr lang="zh-CN" altLang="en-US" dirty="0" smtClean="0">
-                          <a:solidFill>
-                            <a:schemeClr val="tx1"/>
-                          </a:solidFill>
-                        </a:rPr>
-                        <a:t>江亮儒</a:t>
-                      </a:r>
-                      <a:endParaRPr lang="zh-CN" altLang="en-US" dirty="0" smtClean="0">
-                        <a:solidFill>
-                          <a:schemeClr val="tx1"/>
-                        </a:solidFill>
-                      </a:endParaRPr>
-                    </a:p>
-                  </a:txBody>
-                  <a:tcPr>
-                    <a:solidFill>
-                      <a:schemeClr val="accent1">
-                        <a:lumMod val="40000"/>
-                        <a:lumOff val="60000"/>
-                      </a:schemeClr>
-                    </a:solidFill>
-                  </a:tcPr>
-                </a:tc>
-                <a:tc>
-                  <a:txBody>
-                    <a:bodyPr/>
-                    <a:lstStyle/>
-                    <a:p>
-                      <a:pPr algn="l">
-                        <a:buNone/>
-                      </a:pPr>
-                      <a:r>
-                        <a:rPr lang="zh-CN" altLang="en-US" sz="2100" dirty="0" smtClean="0">
-                          <a:solidFill>
-                            <a:schemeClr val="tx1"/>
-                          </a:solidFill>
-                          <a:sym typeface="+mn-ea"/>
-                        </a:rPr>
-                        <a:t>构件图部分</a:t>
-                      </a:r>
-                      <a:r>
-                        <a:rPr lang="en-US" altLang="zh-CN" sz="2100" dirty="0" smtClean="0">
-                          <a:solidFill>
-                            <a:schemeClr val="tx1"/>
-                          </a:solidFill>
-                          <a:sym typeface="+mn-ea"/>
-                        </a:rPr>
-                        <a:t>PPT</a:t>
-                      </a:r>
-                      <a:r>
-                        <a:rPr lang="zh-CN" altLang="en-US" sz="2100" dirty="0" smtClean="0">
-                          <a:solidFill>
-                            <a:schemeClr val="tx1"/>
-                          </a:solidFill>
-                          <a:sym typeface="+mn-ea"/>
-                        </a:rPr>
-                        <a:t>制作</a:t>
-                      </a:r>
-                      <a:endParaRPr lang="zh-CN" altLang="en-US" sz="2100" dirty="0" smtClean="0">
-                        <a:solidFill>
-                          <a:schemeClr val="tx1"/>
-                        </a:solidFill>
-                        <a:sym typeface="+mn-ea"/>
-                      </a:endParaRPr>
-                    </a:p>
-                  </a:txBody>
-                  <a:tcPr>
-                    <a:solidFill>
-                      <a:schemeClr val="accent1">
-                        <a:lumMod val="40000"/>
-                        <a:lumOff val="60000"/>
-                      </a:schemeClr>
-                    </a:solidFill>
-                  </a:tcPr>
-                </a:tc>
-                <a:tc>
-                  <a:txBody>
-                    <a:bodyPr/>
-                    <a:lstStyle/>
-                    <a:p>
-                      <a:pPr algn="l">
-                        <a:buNone/>
-                      </a:pPr>
-                      <a:r>
-                        <a:rPr lang="en-US" altLang="zh-CN" dirty="0" smtClean="0">
-                          <a:solidFill>
-                            <a:schemeClr val="tx1"/>
-                          </a:solidFill>
-                        </a:rPr>
-                        <a:t>9.6</a:t>
-                      </a:r>
-                      <a:endParaRPr lang="en-US" altLang="zh-CN" dirty="0" smtClean="0">
-                        <a:solidFill>
-                          <a:schemeClr val="tx1"/>
-                        </a:solidFill>
-                      </a:endParaRPr>
-                    </a:p>
-                  </a:txBody>
-                  <a:tcPr>
-                    <a:solidFill>
-                      <a:schemeClr val="accent1">
-                        <a:lumMod val="40000"/>
-                        <a:lumOff val="60000"/>
-                      </a:schemeClr>
-                    </a:solidFill>
-                  </a:tcPr>
-                </a:tc>
-              </a:tr>
-            </a:tbl>
-          </a:graphicData>
-        </a:graphic>
-      </p:graphicFrame>
-    </p:spTree>
-  </p:cSld>
-  <p:clrMapOvr>
-    <a:masterClrMapping/>
-  </p:clrMapOvr>
-  <mc:AlternateContent xmlns:mc="http://schemas.openxmlformats.org/markup-compatibility/2006">
-    <mc:Choice xmlns:p14="http://schemas.microsoft.com/office/powerpoint/2010/main" Requires="p14">
-      <p:transition spd="slow" p14:dur="1200" advClick="0" advTm="0">
-        <p14:prism/>
-      </p:transition>
-    </mc:Choice>
-    <mc:Fallback>
-      <p:transition spd="slow" advClick="0" advTm="0">
-        <p:fade/>
-      </p:transition>
-    </mc:Fallback>
-  </mc:AlternateContent>
-  <p:timing>
-    <p:tnLst>
-      <p:par>
-        <p:cTn id="1" dur="indefinite" restart="never" nodeType="tmRoot">
-          <p:childTnLst>
-            <p:seq concurrent="1" nextAc="seek">
-              <p:cTn id="2" dur="indefinite" nodeType="mainSeq">
-                <p:childTnLst>
-                  <p:par>
-                    <p:cTn id="3" fill="hold">
-                      <p:stCondLst>
-                        <p:cond delay="indefinite"/>
-                        <p:cond evt="onBegin" delay="0">
-                          <p:tn val="2"/>
-                        </p:cond>
-                      </p:stCondLst>
-                      <p:childTnLst>
-                        <p:par>
-                          <p:cTn id="4" fill="hold">
-                            <p:stCondLst>
-                              <p:cond delay="0"/>
-                            </p:stCondLst>
-                            <p:childTnLst>
-                              <p:par>
-                                <p:cTn id="5" presetID="2" presetClass="entr" presetSubtype="8" fill="hold" grpId="0" nodeType="afterEffect">
-                                  <p:stCondLst>
-                                    <p:cond delay="0"/>
-                                  </p:stCondLst>
-                                  <p:childTnLst>
-                                    <p:set>
-                                      <p:cBhvr>
-                                        <p:cTn id="6" dur="1" fill="hold">
-                                          <p:stCondLst>
-                                            <p:cond delay="0"/>
-                                          </p:stCondLst>
-                                        </p:cTn>
-                                        <p:tgtEl>
-                                          <p:spTgt spid="36"/>
-                                        </p:tgtEl>
-                                        <p:attrNameLst>
-                                          <p:attrName>style.visibility</p:attrName>
-                                        </p:attrNameLst>
-                                      </p:cBhvr>
-                                      <p:to>
-                                        <p:strVal val="visible"/>
-                                      </p:to>
-                                    </p:set>
-                                    <p:anim calcmode="lin" valueType="num">
-                                      <p:cBhvr additive="base">
-                                        <p:cTn id="7" dur="500" fill="hold"/>
-                                        <p:tgtEl>
-                                          <p:spTgt spid="36"/>
-                                        </p:tgtEl>
-                                        <p:attrNameLst>
-                                          <p:attrName>ppt_x</p:attrName>
-                                        </p:attrNameLst>
-                                      </p:cBhvr>
-                                      <p:tavLst>
-                                        <p:tav tm="0">
-                                          <p:val>
-                                            <p:strVal val="0-#ppt_w/2"/>
-                                          </p:val>
-                                        </p:tav>
-                                        <p:tav tm="100000">
-                                          <p:val>
-                                            <p:strVal val="#ppt_x"/>
-                                          </p:val>
-                                        </p:tav>
-                                      </p:tavLst>
-                                    </p:anim>
-                                    <p:anim calcmode="lin" valueType="num">
-                                      <p:cBhvr additive="base">
-                                        <p:cTn id="8" dur="500" fill="hold"/>
-                                        <p:tgtEl>
-                                          <p:spTgt spid="36"/>
-                                        </p:tgtEl>
-                                        <p:attrNameLst>
-                                          <p:attrName>ppt_y</p:attrName>
-                                        </p:attrNameLst>
-                                      </p:cBhvr>
-                                      <p:tavLst>
-                                        <p:tav tm="0">
-                                          <p:val>
-                                            <p:strVal val="#ppt_y"/>
-                                          </p:val>
-                                        </p:tav>
-                                        <p:tav tm="100000">
-                                          <p:val>
-                                            <p:strVal val="#ppt_y"/>
-                                          </p:val>
-                                        </p:tav>
-                                      </p:tavLst>
-                                    </p:anim>
-                                  </p:childTnLst>
-                                </p:cTn>
-                              </p:par>
-                            </p:childTnLst>
-                          </p:cTn>
-                        </p:par>
-                        <p:par>
-                          <p:cTn id="9" fill="hold">
-                            <p:stCondLst>
-                              <p:cond delay="500"/>
-                            </p:stCondLst>
-                            <p:childTnLst>
-                              <p:par>
-                                <p:cTn id="10" presetID="17" presetClass="entr" presetSubtype="1" fill="hold" grpId="0" nodeType="afterEffect">
-                                  <p:stCondLst>
-                                    <p:cond delay="0"/>
-                                  </p:stCondLst>
-                                  <p:iterate type="lt">
-                                    <p:tmPct val="40000"/>
-                                  </p:iterate>
-                                  <p:childTnLst>
-                                    <p:set>
-                                      <p:cBhvr>
-                                        <p:cTn id="11" dur="1" fill="hold">
-                                          <p:stCondLst>
-                                            <p:cond delay="0"/>
-                                          </p:stCondLst>
-                                        </p:cTn>
-                                        <p:tgtEl>
-                                          <p:spTgt spid="37"/>
-                                        </p:tgtEl>
-                                        <p:attrNameLst>
-                                          <p:attrName>style.visibility</p:attrName>
-                                        </p:attrNameLst>
-                                      </p:cBhvr>
-                                      <p:to>
-                                        <p:strVal val="visible"/>
-                                      </p:to>
-                                    </p:set>
-                                    <p:anim calcmode="lin" valueType="num">
-                                      <p:cBhvr>
-                                        <p:cTn id="12" dur="250" fill="hold"/>
-                                        <p:tgtEl>
-                                          <p:spTgt spid="37"/>
-                                        </p:tgtEl>
-                                        <p:attrNameLst>
-                                          <p:attrName>ppt_x</p:attrName>
-                                        </p:attrNameLst>
-                                      </p:cBhvr>
-                                      <p:tavLst>
-                                        <p:tav tm="0">
-                                          <p:val>
-                                            <p:strVal val="#ppt_x"/>
-                                          </p:val>
-                                        </p:tav>
-                                        <p:tav tm="100000">
-                                          <p:val>
-                                            <p:strVal val="#ppt_x"/>
-                                          </p:val>
-                                        </p:tav>
-                                      </p:tavLst>
-                                    </p:anim>
-                                    <p:anim calcmode="lin" valueType="num">
-                                      <p:cBhvr>
-                                        <p:cTn id="13" dur="250" fill="hold"/>
-                                        <p:tgtEl>
-                                          <p:spTgt spid="37"/>
-                                        </p:tgtEl>
-                                        <p:attrNameLst>
-                                          <p:attrName>ppt_y</p:attrName>
-                                        </p:attrNameLst>
-                                      </p:cBhvr>
-                                      <p:tavLst>
-                                        <p:tav tm="0">
-                                          <p:val>
-                                            <p:strVal val="#ppt_y-#ppt_h/2"/>
-                                          </p:val>
-                                        </p:tav>
-                                        <p:tav tm="100000">
-                                          <p:val>
-                                            <p:strVal val="#ppt_y"/>
-                                          </p:val>
-                                        </p:tav>
-                                      </p:tavLst>
-                                    </p:anim>
-                                    <p:anim calcmode="lin" valueType="num">
-                                      <p:cBhvr>
-                                        <p:cTn id="14" dur="250" fill="hold"/>
-                                        <p:tgtEl>
-                                          <p:spTgt spid="37"/>
-                                        </p:tgtEl>
-                                        <p:attrNameLst>
-                                          <p:attrName>ppt_w</p:attrName>
-                                        </p:attrNameLst>
-                                      </p:cBhvr>
-                                      <p:tavLst>
-                                        <p:tav tm="0">
-                                          <p:val>
-                                            <p:strVal val="#ppt_w"/>
-                                          </p:val>
-                                        </p:tav>
-                                        <p:tav tm="100000">
-                                          <p:val>
-                                            <p:strVal val="#ppt_w"/>
-                                          </p:val>
-                                        </p:tav>
-                                      </p:tavLst>
-                                    </p:anim>
-                                    <p:anim calcmode="lin" valueType="num">
-                                      <p:cBhvr>
-                                        <p:cTn id="15" dur="250" fill="hold"/>
-                                        <p:tgtEl>
-                                          <p:spTgt spid="37"/>
-                                        </p:tgtEl>
-                                        <p:attrNameLst>
-                                          <p:attrName>ppt_h</p:attrName>
-                                        </p:attrNameLst>
-                                      </p:cBhvr>
-                                      <p:tavLst>
-                                        <p:tav tm="0">
-                                          <p:val>
-                                            <p:fltVal val="0"/>
-                                          </p:val>
-                                        </p:tav>
-                                        <p:tav tm="100000">
-                                          <p:val>
-                                            <p:strVal val="#ppt_h"/>
-                                          </p:val>
-                                        </p:tav>
-                                      </p:tavLst>
-                                    </p:anim>
-                                  </p:childTnLst>
-                                </p:cTn>
-                              </p:par>
-                            </p:childTnLst>
-                          </p:cTn>
-                        </p:par>
-                      </p:childTnLst>
-                    </p:cTn>
-                  </p:par>
-                </p:childTnLst>
-              </p:cTn>
-              <p:prevCondLst>
-                <p:cond evt="onPrev" delay="0">
-                  <p:tgtEl>
-                    <p:sldTgt/>
-                  </p:tgtEl>
-                </p:cond>
-              </p:prevCondLst>
-              <p:nextCondLst>
-                <p:cond evt="onNext" delay="0">
-                  <p:tgtEl>
-                    <p:sldTgt/>
-                  </p:tgtEl>
-                </p:cond>
-              </p:nextCondLst>
-            </p:seq>
-          </p:childTnLst>
-        </p:cTn>
-      </p:par>
-    </p:tnLst>
-    <p:bldLst>
-      <p:bldP spid="36" grpId="0" bldLvl="0" animBg="1"/>
-      <p:bldP spid="37" grpId="0"/>
-    </p:bldLst>
-  </p:timing>
-</p:sld>
-</file>
-
-<file path=ppt/slides/slide9.xml><?xml version="1.0" encoding="utf-8"?>
-<p:sld xmlns:a="http://schemas.openxmlformats.org/drawingml/2006/main" xmlns:r="http://schemas.openxmlformats.org/officeDocument/2006/relationships" xmlns:p="http://schemas.openxmlformats.org/presentationml/2006/main">
-  <p:cSld>
-    <p:spTree>
-      <p:nvGrpSpPr>
-        <p:cNvPr id="1" name=""/>
-        <p:cNvGrpSpPr/>
-        <p:nvPr/>
-      </p:nvGrpSpPr>
-      <p:grpSpPr>
-        <a:xfrm>
-          <a:off x="0" y="0"/>
-          <a:ext cx="0" cy="0"/>
-          <a:chOff x="0" y="0"/>
-          <a:chExt cx="0" cy="0"/>
-        </a:xfrm>
-      </p:grpSpPr>
-      <p:cxnSp>
-        <p:nvCxnSpPr>
-          <p:cNvPr id="30" name="直接连接符 29"/>
-          <p:cNvCxnSpPr/>
-          <p:nvPr/>
-        </p:nvCxnSpPr>
-        <p:spPr>
-          <a:xfrm>
-            <a:off x="0" y="740873"/>
-            <a:ext cx="5039227" cy="0"/>
-          </a:xfrm>
-          <a:prstGeom prst="line">
-            <a:avLst/>
-          </a:prstGeom>
-          <a:ln w="12700">
-            <a:solidFill>
-              <a:srgbClr val="A9A9A9"/>
-            </a:solidFill>
-          </a:ln>
-        </p:spPr>
-        <p:style>
-          <a:lnRef idx="1">
-            <a:schemeClr val="accent1"/>
-          </a:lnRef>
-          <a:fillRef idx="0">
-            <a:schemeClr val="accent1"/>
-          </a:fillRef>
-          <a:effectRef idx="0">
-            <a:schemeClr val="accent1"/>
-          </a:effectRef>
-          <a:fontRef idx="minor">
-            <a:schemeClr val="tx1"/>
-          </a:fontRef>
-        </p:style>
-      </p:cxnSp>
-      <p:cxnSp>
-        <p:nvCxnSpPr>
-          <p:cNvPr id="31" name="直接连接符 30"/>
-          <p:cNvCxnSpPr/>
-          <p:nvPr/>
-        </p:nvCxnSpPr>
-        <p:spPr>
-          <a:xfrm>
-            <a:off x="7151186" y="740873"/>
-            <a:ext cx="5039227" cy="0"/>
-          </a:xfrm>
-          <a:prstGeom prst="line">
-            <a:avLst/>
-          </a:prstGeom>
-          <a:ln w="12700">
-            <a:solidFill>
-              <a:srgbClr val="A9A9A9"/>
-            </a:solidFill>
-          </a:ln>
-        </p:spPr>
-        <p:style>
-          <a:lnRef idx="1">
-            <a:schemeClr val="accent1"/>
-          </a:lnRef>
-          <a:fillRef idx="0">
-            <a:schemeClr val="accent1"/>
-          </a:fillRef>
-          <a:effectRef idx="0">
-            <a:schemeClr val="accent1"/>
-          </a:effectRef>
-          <a:fontRef idx="minor">
-            <a:schemeClr val="tx1"/>
-          </a:fontRef>
-        </p:style>
-      </p:cxnSp>
-      <p:sp>
-        <p:nvSpPr>
-          <p:cNvPr id="32" name="矩形 31"/>
-          <p:cNvSpPr/>
-          <p:nvPr/>
-        </p:nvSpPr>
-        <p:spPr>
-          <a:xfrm>
-            <a:off x="1" y="6406814"/>
-            <a:ext cx="3041773" cy="452774"/>
-          </a:xfrm>
-          <a:prstGeom prst="rect">
-            <a:avLst/>
-          </a:prstGeom>
-          <a:solidFill>
-            <a:srgbClr val="EF7768"/>
+            <a:srgbClr val="183A5D"/>
           </a:solidFill>
           <a:ln>
             <a:noFill/>
@@ -9318,30 +12012,30 @@
           </a:fontRef>
         </p:style>
         <p:txBody>
-          <a:bodyPr lIns="121917" tIns="60958" rIns="121917" bIns="60958" rtlCol="0" anchor="ctr"/>
+          <a:bodyPr rtlCol="0" anchor="ctr"/>
           <a:lstStyle/>
           <a:p>
             <a:pPr algn="ctr"/>
-            <a:endParaRPr lang="zh-CN" altLang="en-US"/>
+            <a:endParaRPr lang="zh-CN" altLang="en-US" sz="2800"/>
           </a:p>
         </p:txBody>
       </p:sp>
       <p:sp>
         <p:nvSpPr>
-          <p:cNvPr id="33" name="矩形 32"/>
+          <p:cNvPr id="3" name="矩形 2"/>
           <p:cNvSpPr/>
           <p:nvPr/>
         </p:nvSpPr>
         <p:spPr>
           <a:xfrm>
-            <a:off x="3041775" y="6406814"/>
-            <a:ext cx="3063750" cy="452774"/>
+            <a:off x="237030" y="255131"/>
+            <a:ext cx="1608415" cy="406336"/>
           </a:xfrm>
           <a:prstGeom prst="rect">
             <a:avLst/>
           </a:prstGeom>
           <a:solidFill>
-            <a:srgbClr val="C7C7C7"/>
+            <a:srgbClr val="183A5D"/>
           </a:solidFill>
           <a:ln>
             <a:noFill/>
@@ -9364,30 +12058,878 @@
           </a:fontRef>
         </p:style>
         <p:txBody>
-          <a:bodyPr lIns="121917" tIns="60958" rIns="121917" bIns="60958" rtlCol="0" anchor="ctr"/>
+          <a:bodyPr rtlCol="0" anchor="ctr"/>
           <a:lstStyle/>
           <a:p>
             <a:pPr algn="ctr"/>
-            <a:endParaRPr lang="zh-CN" altLang="en-US"/>
+            <a:r>
+              <a:rPr lang="en-US" sz="2400" dirty="0"/>
+              <a:t>3</a:t>
+            </a:r>
+            <a:endParaRPr lang="en-US" sz="2400" dirty="0"/>
           </a:p>
         </p:txBody>
       </p:sp>
       <p:sp>
         <p:nvSpPr>
-          <p:cNvPr id="34" name="矩形 33"/>
+          <p:cNvPr id="4" name="文本框 3"/>
+          <p:cNvSpPr txBox="1"/>
+          <p:nvPr/>
+        </p:nvSpPr>
+        <p:spPr>
+          <a:xfrm>
+            <a:off x="2236548" y="136356"/>
+            <a:ext cx="6052718" cy="501650"/>
+          </a:xfrm>
+          <a:prstGeom prst="rect">
+            <a:avLst/>
+          </a:prstGeom>
+          <a:noFill/>
+        </p:spPr>
+        <p:txBody>
+          <a:bodyPr wrap="square" rtlCol="0">
+            <a:spAutoFit/>
+          </a:bodyPr>
+          <a:lstStyle/>
+          <a:p>
+            <a:endParaRPr lang="zh-CN" sz="2665" dirty="0">
+              <a:solidFill>
+                <a:srgbClr val="183A5D"/>
+              </a:solidFill>
+              <a:latin typeface="微软雅黑" panose="020B0503020204020204" pitchFamily="34" charset="-122"/>
+              <a:ea typeface="微软雅黑" panose="020B0503020204020204" pitchFamily="34" charset="-122"/>
+            </a:endParaRPr>
+          </a:p>
+        </p:txBody>
+      </p:sp>
+      <p:sp>
+        <p:nvSpPr>
+          <p:cNvPr id="6" name="文本框 5"/>
+          <p:cNvSpPr txBox="1"/>
+          <p:nvPr/>
+        </p:nvSpPr>
+        <p:spPr>
+          <a:xfrm>
+            <a:off x="2226388" y="159851"/>
+            <a:ext cx="6052718" cy="501650"/>
+          </a:xfrm>
+          <a:prstGeom prst="rect">
+            <a:avLst/>
+          </a:prstGeom>
+          <a:noFill/>
+        </p:spPr>
+        <p:txBody>
+          <a:bodyPr wrap="square" rtlCol="0">
+            <a:spAutoFit/>
+          </a:bodyPr>
+          <a:lstStyle/>
+          <a:p>
+            <a:r>
+              <a:rPr lang="zh-CN" altLang="en-US" sz="2665" dirty="0">
+                <a:solidFill>
+                  <a:srgbClr val="183A5D"/>
+                </a:solidFill>
+                <a:latin typeface="微软雅黑" panose="020B0503020204020204" pitchFamily="34" charset="-122"/>
+                <a:ea typeface="微软雅黑" panose="020B0503020204020204" pitchFamily="34" charset="-122"/>
+              </a:rPr>
+              <a:t>包</a:t>
+            </a:r>
+            <a:r>
+              <a:rPr lang="zh-CN" altLang="en-US" sz="2665" dirty="0" smtClean="0">
+                <a:solidFill>
+                  <a:srgbClr val="183A5D"/>
+                </a:solidFill>
+                <a:latin typeface="微软雅黑" panose="020B0503020204020204" pitchFamily="34" charset="-122"/>
+                <a:ea typeface="微软雅黑" panose="020B0503020204020204" pitchFamily="34" charset="-122"/>
+              </a:rPr>
+              <a:t>图</a:t>
+            </a:r>
+            <a:endParaRPr lang="zh-CN" sz="2665" dirty="0">
+              <a:solidFill>
+                <a:srgbClr val="183A5D"/>
+              </a:solidFill>
+              <a:latin typeface="微软雅黑" panose="020B0503020204020204" pitchFamily="34" charset="-122"/>
+              <a:ea typeface="微软雅黑" panose="020B0503020204020204" pitchFamily="34" charset="-122"/>
+            </a:endParaRPr>
+          </a:p>
+        </p:txBody>
+      </p:sp>
+      <p:grpSp>
+        <p:nvGrpSpPr>
+          <p:cNvPr id="7" name="组合 6"/>
+          <p:cNvGrpSpPr/>
+          <p:nvPr/>
+        </p:nvGrpSpPr>
+        <p:grpSpPr>
+          <a:xfrm>
+            <a:off x="305836" y="1269365"/>
+            <a:ext cx="6077401" cy="4896484"/>
+            <a:chOff x="237030" y="1269554"/>
+            <a:chExt cx="7776864" cy="4896544"/>
+          </a:xfrm>
+        </p:grpSpPr>
+        <p:sp>
+          <p:nvSpPr>
+            <p:cNvPr id="5" name="矩形 4"/>
+            <p:cNvSpPr/>
+            <p:nvPr/>
+          </p:nvSpPr>
+          <p:spPr>
+            <a:xfrm>
+              <a:off x="318097" y="1923611"/>
+              <a:ext cx="7614729" cy="3785698"/>
+            </a:xfrm>
+            <a:prstGeom prst="rect">
+              <a:avLst/>
+            </a:prstGeom>
+          </p:spPr>
+          <p:txBody>
+            <a:bodyPr wrap="square">
+              <a:spAutoFit/>
+            </a:bodyPr>
+            <a:lstStyle/>
+            <a:p>
+              <a:r>
+                <a:rPr lang="en-US" altLang="zh-CN" sz="2000" dirty="0">
+                  <a:solidFill>
+                    <a:srgbClr val="000000"/>
+                  </a:solidFill>
+                  <a:latin typeface="Verdana" panose="020B0604030504040204" pitchFamily="34" charset="0"/>
+                </a:rPr>
+                <a:t>1.</a:t>
+              </a:r>
+              <a:r>
+                <a:rPr lang="zh-CN" altLang="en-US" sz="2000" dirty="0">
+                  <a:solidFill>
+                    <a:srgbClr val="000000"/>
+                  </a:solidFill>
+                  <a:latin typeface="Verdana" panose="020B0604030504040204" pitchFamily="34" charset="0"/>
+                </a:rPr>
+                <a:t>引人关系</a:t>
+              </a:r>
+            </a:p>
+            <a:p>
+              <a:r>
+                <a:rPr lang="zh-CN" altLang="en-US" sz="2000" dirty="0" smtClean="0">
+                  <a:solidFill>
+                    <a:srgbClr val="000000"/>
+                  </a:solidFill>
+                  <a:latin typeface="Verdana" panose="020B0604030504040204" pitchFamily="34" charset="0"/>
+                </a:rPr>
+                <a:t>引</a:t>
+              </a:r>
+              <a:r>
+                <a:rPr lang="zh-CN" altLang="en-US" sz="2000" dirty="0">
+                  <a:solidFill>
+                    <a:srgbClr val="000000"/>
+                  </a:solidFill>
+                  <a:latin typeface="Verdana" panose="020B0604030504040204" pitchFamily="34" charset="0"/>
+                </a:rPr>
+                <a:t>人关系</a:t>
+              </a:r>
+              <a:r>
+                <a:rPr lang="en-US" altLang="zh-CN" sz="2000" dirty="0">
+                  <a:solidFill>
+                    <a:srgbClr val="000000"/>
+                  </a:solidFill>
+                  <a:latin typeface="Verdana" panose="020B0604030504040204" pitchFamily="34" charset="0"/>
+                </a:rPr>
+                <a:t>:</a:t>
+              </a:r>
+              <a:r>
+                <a:rPr lang="zh-CN" altLang="en-US" sz="2000" dirty="0">
+                  <a:solidFill>
+                    <a:srgbClr val="000000"/>
+                  </a:solidFill>
+                  <a:latin typeface="Verdana" panose="020B0604030504040204" pitchFamily="34" charset="0"/>
+                </a:rPr>
+                <a:t>一个包中的类可以被另一个指定包</a:t>
+              </a:r>
+              <a:r>
+                <a:rPr lang="en-US" altLang="zh-CN" sz="2000" dirty="0">
+                  <a:solidFill>
+                    <a:srgbClr val="000000"/>
+                  </a:solidFill>
+                  <a:latin typeface="Verdana" panose="020B0604030504040204" pitchFamily="34" charset="0"/>
+                </a:rPr>
+                <a:t>(</a:t>
+              </a:r>
+              <a:r>
+                <a:rPr lang="zh-CN" altLang="en-US" sz="2000" dirty="0">
+                  <a:solidFill>
+                    <a:srgbClr val="000000"/>
+                  </a:solidFill>
+                  <a:latin typeface="Verdana" panose="020B0604030504040204" pitchFamily="34" charset="0"/>
+                </a:rPr>
+                <a:t>以及嵌套于其中的那些包</a:t>
+              </a:r>
+              <a:r>
+                <a:rPr lang="en-US" altLang="zh-CN" sz="2000" dirty="0">
+                  <a:solidFill>
+                    <a:srgbClr val="000000"/>
+                  </a:solidFill>
+                  <a:latin typeface="Verdana" panose="020B0604030504040204" pitchFamily="34" charset="0"/>
+                </a:rPr>
+                <a:t>)</a:t>
+              </a:r>
+              <a:r>
+                <a:rPr lang="zh-CN" altLang="en-US" sz="2000" dirty="0">
+                  <a:solidFill>
+                    <a:srgbClr val="000000"/>
+                  </a:solidFill>
+                  <a:latin typeface="Verdana" panose="020B0604030504040204" pitchFamily="34" charset="0"/>
+                </a:rPr>
+                <a:t>中的类</a:t>
+              </a:r>
+              <a:r>
+                <a:rPr lang="zh-CN" altLang="en-US" sz="2000" dirty="0" smtClean="0">
+                  <a:solidFill>
+                    <a:srgbClr val="000000"/>
+                  </a:solidFill>
+                  <a:latin typeface="Verdana" panose="020B0604030504040204" pitchFamily="34" charset="0"/>
+                </a:rPr>
+                <a:t>引用。引用关系</a:t>
+              </a:r>
+              <a:r>
+                <a:rPr lang="zh-CN" altLang="en-US" sz="2000" dirty="0">
+                  <a:solidFill>
+                    <a:srgbClr val="000000"/>
+                  </a:solidFill>
+                  <a:latin typeface="Verdana" panose="020B0604030504040204" pitchFamily="34" charset="0"/>
+                </a:rPr>
+                <a:t>是依赖关系的一种，需要</a:t>
+              </a:r>
+              <a:r>
+                <a:rPr lang="zh-CN" altLang="en-US" sz="2000" dirty="0" smtClean="0">
+                  <a:solidFill>
+                    <a:srgbClr val="000000"/>
+                  </a:solidFill>
+                  <a:latin typeface="Verdana" panose="020B0604030504040204" pitchFamily="34" charset="0"/>
+                </a:rPr>
+                <a:t>在依赖上增加一个</a:t>
+              </a:r>
+              <a:r>
+                <a:rPr lang="en-US" altLang="zh-CN" sz="2000" dirty="0" smtClean="0">
+                  <a:solidFill>
+                    <a:srgbClr val="000000"/>
+                  </a:solidFill>
+                  <a:latin typeface="Verdana" panose="020B0604030504040204" pitchFamily="34" charset="0"/>
+                </a:rPr>
+                <a:t>&lt;&lt;import&gt;&gt;</a:t>
+              </a:r>
+              <a:r>
+                <a:rPr lang="zh-CN" altLang="en-US" sz="2000" dirty="0" smtClean="0">
+                  <a:solidFill>
+                    <a:srgbClr val="000000"/>
+                  </a:solidFill>
+                  <a:latin typeface="Verdana" panose="020B0604030504040204" pitchFamily="34" charset="0"/>
+                </a:rPr>
+                <a:t>衍型</a:t>
+              </a:r>
+              <a:r>
+                <a:rPr lang="zh-CN" altLang="en-US" sz="2000" dirty="0">
+                  <a:solidFill>
+                    <a:srgbClr val="000000"/>
+                  </a:solidFill>
+                  <a:latin typeface="Verdana" panose="020B0604030504040204" pitchFamily="34" charset="0"/>
+                </a:rPr>
+                <a:t>，包之间</a:t>
+              </a:r>
+              <a:r>
+                <a:rPr lang="zh-CN" altLang="en-US" sz="2000" dirty="0" smtClean="0">
+                  <a:solidFill>
+                    <a:srgbClr val="000000"/>
+                  </a:solidFill>
+                  <a:latin typeface="Verdana" panose="020B0604030504040204" pitchFamily="34" charset="0"/>
+                </a:rPr>
+                <a:t>一般依赖关系都属于引入关系。</a:t>
+              </a:r>
+              <a:endParaRPr lang="en-US" altLang="zh-CN" sz="2000" dirty="0" smtClean="0">
+                <a:solidFill>
+                  <a:srgbClr val="000000"/>
+                </a:solidFill>
+                <a:latin typeface="Verdana" panose="020B0604030504040204" pitchFamily="34" charset="0"/>
+              </a:endParaRPr>
+            </a:p>
+            <a:p>
+              <a:endParaRPr lang="zh-CN" altLang="en-US" sz="2000" dirty="0">
+                <a:solidFill>
+                  <a:srgbClr val="000000"/>
+                </a:solidFill>
+                <a:latin typeface="Verdana" panose="020B0604030504040204" pitchFamily="34" charset="0"/>
+              </a:endParaRPr>
+            </a:p>
+            <a:p>
+              <a:r>
+                <a:rPr lang="en-US" altLang="zh-CN" sz="2000" dirty="0">
+                  <a:solidFill>
+                    <a:srgbClr val="000000"/>
+                  </a:solidFill>
+                  <a:latin typeface="Verdana" panose="020B0604030504040204" pitchFamily="34" charset="0"/>
+                </a:rPr>
+                <a:t>2. </a:t>
+              </a:r>
+              <a:r>
+                <a:rPr lang="zh-CN" altLang="en-US" sz="2000" dirty="0">
+                  <a:solidFill>
+                    <a:srgbClr val="000000"/>
+                  </a:solidFill>
+                  <a:latin typeface="Verdana" panose="020B0604030504040204" pitchFamily="34" charset="0"/>
+                </a:rPr>
+                <a:t>泛化关系</a:t>
+              </a:r>
+            </a:p>
+            <a:p>
+              <a:r>
+                <a:rPr lang="zh-CN" altLang="en-US" sz="2000" dirty="0" smtClean="0">
+                  <a:solidFill>
+                    <a:srgbClr val="000000"/>
+                  </a:solidFill>
+                  <a:latin typeface="Verdana" panose="020B0604030504040204" pitchFamily="34" charset="0"/>
+                </a:rPr>
+                <a:t>泛化关系</a:t>
+              </a:r>
+              <a:r>
+                <a:rPr lang="zh-CN" altLang="en-US" sz="2000" dirty="0">
+                  <a:solidFill>
+                    <a:srgbClr val="000000"/>
+                  </a:solidFill>
+                  <a:latin typeface="Verdana" panose="020B0604030504040204" pitchFamily="34" charset="0"/>
+                </a:rPr>
+                <a:t>，表示一个</a:t>
+              </a:r>
+              <a:r>
+                <a:rPr lang="zh-CN" altLang="en-US" sz="2000" dirty="0" smtClean="0">
+                  <a:solidFill>
+                    <a:srgbClr val="000000"/>
+                  </a:solidFill>
+                  <a:latin typeface="Verdana" panose="020B0604030504040204" pitchFamily="34" charset="0"/>
+                </a:rPr>
+                <a:t>包继承了另一个</a:t>
+              </a:r>
+              <a:r>
+                <a:rPr lang="zh-CN" altLang="en-US" sz="2000" dirty="0">
+                  <a:solidFill>
+                    <a:srgbClr val="000000"/>
+                  </a:solidFill>
+                  <a:latin typeface="Verdana" panose="020B0604030504040204" pitchFamily="34" charset="0"/>
+                </a:rPr>
+                <a:t>包</a:t>
+              </a:r>
+              <a:r>
+                <a:rPr lang="zh-CN" altLang="en-US" sz="2000" dirty="0" smtClean="0">
+                  <a:solidFill>
+                    <a:srgbClr val="000000"/>
+                  </a:solidFill>
+                  <a:latin typeface="Verdana" panose="020B0604030504040204" pitchFamily="34" charset="0"/>
+                </a:rPr>
+                <a:t>的全部</a:t>
+              </a:r>
+              <a:r>
+                <a:rPr lang="zh-CN" altLang="en-US" sz="2000" dirty="0">
+                  <a:solidFill>
+                    <a:srgbClr val="000000"/>
+                  </a:solidFill>
+                  <a:latin typeface="Verdana" panose="020B0604030504040204" pitchFamily="34" charset="0"/>
+                </a:rPr>
+                <a:t>内容，同时又</a:t>
+              </a:r>
+              <a:r>
+                <a:rPr lang="zh-CN" altLang="en-US" sz="2000" dirty="0" smtClean="0">
+                  <a:solidFill>
+                    <a:srgbClr val="000000"/>
+                  </a:solidFill>
+                  <a:latin typeface="Verdana" panose="020B0604030504040204" pitchFamily="34" charset="0"/>
+                </a:rPr>
+                <a:t>补充了自己</a:t>
+              </a:r>
+              <a:r>
+                <a:rPr lang="zh-CN" altLang="en-US" sz="2000" dirty="0">
+                  <a:solidFill>
+                    <a:srgbClr val="000000"/>
+                  </a:solidFill>
+                  <a:latin typeface="Verdana" panose="020B0604030504040204" pitchFamily="34" charset="0"/>
+                </a:rPr>
+                <a:t>增加的</a:t>
+              </a:r>
+              <a:r>
+                <a:rPr lang="zh-CN" altLang="en-US" sz="2000" dirty="0" smtClean="0">
+                  <a:solidFill>
+                    <a:srgbClr val="000000"/>
+                  </a:solidFill>
+                  <a:latin typeface="Verdana" panose="020B0604030504040204" pitchFamily="34" charset="0"/>
+                </a:rPr>
+                <a:t>内容。</a:t>
+              </a:r>
+              <a:endParaRPr lang="en-US" altLang="zh-CN" sz="2000" dirty="0" smtClean="0">
+                <a:solidFill>
+                  <a:srgbClr val="000000"/>
+                </a:solidFill>
+                <a:latin typeface="Verdana" panose="020B0604030504040204" pitchFamily="34" charset="0"/>
+              </a:endParaRPr>
+            </a:p>
+            <a:p>
+              <a:endParaRPr lang="en-US" altLang="zh-CN" sz="2000" dirty="0" smtClean="0">
+                <a:solidFill>
+                  <a:srgbClr val="000000"/>
+                </a:solidFill>
+                <a:latin typeface="Verdana" panose="020B0604030504040204" pitchFamily="34" charset="0"/>
+              </a:endParaRPr>
+            </a:p>
+            <a:p>
+              <a:r>
+                <a:rPr lang="en-US" altLang="zh-CN" sz="2000" dirty="0">
+                  <a:solidFill>
+                    <a:srgbClr val="000000"/>
+                  </a:solidFill>
+                  <a:latin typeface="Verdana" panose="020B0604030504040204" pitchFamily="34" charset="0"/>
+                </a:rPr>
+                <a:t>3.</a:t>
+              </a:r>
+              <a:r>
+                <a:rPr lang="zh-CN" altLang="en-US" sz="2000" dirty="0">
+                  <a:solidFill>
+                    <a:srgbClr val="000000"/>
+                  </a:solidFill>
+                  <a:latin typeface="Verdana" panose="020B0604030504040204" pitchFamily="34" charset="0"/>
+                </a:rPr>
+                <a:t>嵌套关系</a:t>
+              </a:r>
+            </a:p>
+            <a:p>
+              <a:r>
+                <a:rPr lang="zh-CN" altLang="en-US" sz="2000" dirty="0">
+                  <a:solidFill>
+                    <a:srgbClr val="000000"/>
+                  </a:solidFill>
+                  <a:latin typeface="Verdana" panose="020B0604030504040204" pitchFamily="34" charset="0"/>
+                </a:rPr>
+                <a:t>嵌套</a:t>
+              </a:r>
+              <a:r>
+                <a:rPr lang="zh-CN" altLang="en-US" sz="2000" dirty="0" smtClean="0">
+                  <a:solidFill>
+                    <a:srgbClr val="000000"/>
+                  </a:solidFill>
+                  <a:latin typeface="Verdana" panose="020B0604030504040204" pitchFamily="34" charset="0"/>
+                </a:rPr>
+                <a:t>关系</a:t>
+              </a:r>
+              <a:r>
+                <a:rPr lang="en-US" altLang="zh-CN" sz="2000" dirty="0">
+                  <a:solidFill>
+                    <a:srgbClr val="000000"/>
+                  </a:solidFill>
+                  <a:latin typeface="Verdana" panose="020B0604030504040204" pitchFamily="34" charset="0"/>
+                </a:rPr>
+                <a:t>:</a:t>
+              </a:r>
+              <a:r>
+                <a:rPr lang="zh-CN" altLang="en-US" sz="2000" dirty="0">
+                  <a:solidFill>
+                    <a:srgbClr val="000000"/>
+                  </a:solidFill>
+                  <a:latin typeface="Verdana" panose="020B0604030504040204" pitchFamily="34" charset="0"/>
+                </a:rPr>
+                <a:t>一个包中可以包含若干个子包，构成包的嵌套</a:t>
+              </a:r>
+              <a:r>
+                <a:rPr lang="zh-CN" altLang="en-US" sz="2000" dirty="0" smtClean="0">
+                  <a:solidFill>
+                    <a:srgbClr val="000000"/>
+                  </a:solidFill>
+                  <a:latin typeface="Verdana" panose="020B0604030504040204" pitchFamily="34" charset="0"/>
+                </a:rPr>
+                <a:t>层次结构。</a:t>
+              </a:r>
+              <a:endParaRPr lang="zh-CN" altLang="en-US" sz="2000" dirty="0">
+                <a:solidFill>
+                  <a:srgbClr val="000000"/>
+                </a:solidFill>
+                <a:latin typeface="Verdana" panose="020B0604030504040204" pitchFamily="34" charset="0"/>
+              </a:endParaRPr>
+            </a:p>
+          </p:txBody>
+        </p:sp>
+        <p:grpSp>
+          <p:nvGrpSpPr>
+            <p:cNvPr id="10" name="组合 9"/>
+            <p:cNvGrpSpPr/>
+            <p:nvPr/>
+          </p:nvGrpSpPr>
+          <p:grpSpPr>
+            <a:xfrm>
+              <a:off x="237030" y="1269554"/>
+              <a:ext cx="7776864" cy="4896544"/>
+              <a:chOff x="1285643" y="1772435"/>
+              <a:chExt cx="7135479" cy="3572664"/>
+            </a:xfrm>
+          </p:grpSpPr>
+          <p:sp>
+            <p:nvSpPr>
+              <p:cNvPr id="11" name="矩形 10"/>
+              <p:cNvSpPr/>
+              <p:nvPr/>
+            </p:nvSpPr>
+            <p:spPr>
+              <a:xfrm>
+                <a:off x="1285644" y="2104682"/>
+                <a:ext cx="7135478" cy="3240417"/>
+              </a:xfrm>
+              <a:prstGeom prst="rect">
+                <a:avLst/>
+              </a:prstGeom>
+              <a:noFill/>
+              <a:ln w="12700">
+                <a:solidFill>
+                  <a:srgbClr val="346182"/>
+                </a:solidFill>
+              </a:ln>
+            </p:spPr>
+            <p:style>
+              <a:lnRef idx="2">
+                <a:schemeClr val="accent1">
+                  <a:shade val="50000"/>
+                </a:schemeClr>
+              </a:lnRef>
+              <a:fillRef idx="1">
+                <a:schemeClr val="accent1"/>
+              </a:fillRef>
+              <a:effectRef idx="0">
+                <a:schemeClr val="accent1"/>
+              </a:effectRef>
+              <a:fontRef idx="minor">
+                <a:schemeClr val="lt1"/>
+              </a:fontRef>
+            </p:style>
+            <p:txBody>
+              <a:bodyPr rtlCol="0" anchor="ctr"/>
+              <a:lstStyle/>
+              <a:p>
+                <a:pPr algn="ctr"/>
+                <a:endParaRPr lang="zh-CN" altLang="en-US" sz="1350"/>
+              </a:p>
+            </p:txBody>
+          </p:sp>
+          <p:sp>
+            <p:nvSpPr>
+              <p:cNvPr id="12" name="矩形 11"/>
+              <p:cNvSpPr/>
+              <p:nvPr/>
+            </p:nvSpPr>
+            <p:spPr>
+              <a:xfrm>
+                <a:off x="1285643" y="1772435"/>
+                <a:ext cx="2114216" cy="338554"/>
+              </a:xfrm>
+              <a:prstGeom prst="rect">
+                <a:avLst/>
+              </a:prstGeom>
+              <a:solidFill>
+                <a:srgbClr val="183A5D"/>
+              </a:solidFill>
+              <a:ln>
+                <a:noFill/>
+              </a:ln>
+            </p:spPr>
+            <p:style>
+              <a:lnRef idx="2">
+                <a:schemeClr val="accent1">
+                  <a:shade val="50000"/>
+                </a:schemeClr>
+              </a:lnRef>
+              <a:fillRef idx="1">
+                <a:schemeClr val="accent1"/>
+              </a:fillRef>
+              <a:effectRef idx="0">
+                <a:schemeClr val="accent1"/>
+              </a:effectRef>
+              <a:fontRef idx="minor">
+                <a:schemeClr val="lt1"/>
+              </a:fontRef>
+            </p:style>
+            <p:txBody>
+              <a:bodyPr rtlCol="0" anchor="ctr"/>
+              <a:lstStyle/>
+              <a:p>
+                <a:pPr algn="ctr"/>
+                <a:endParaRPr lang="zh-CN" altLang="en-US" sz="1350"/>
+              </a:p>
+            </p:txBody>
+          </p:sp>
+        </p:grpSp>
+      </p:grpSp>
+      <p:sp>
+        <p:nvSpPr>
+          <p:cNvPr id="9" name="文本框 8"/>
+          <p:cNvSpPr txBox="1"/>
+          <p:nvPr/>
+        </p:nvSpPr>
+        <p:spPr>
+          <a:xfrm>
+            <a:off x="305837" y="1293617"/>
+            <a:ext cx="2006137" cy="415498"/>
+          </a:xfrm>
+          <a:prstGeom prst="rect">
+            <a:avLst/>
+          </a:prstGeom>
+          <a:noFill/>
+        </p:spPr>
+        <p:txBody>
+          <a:bodyPr wrap="square" rtlCol="0">
+            <a:spAutoFit/>
+          </a:bodyPr>
+          <a:lstStyle/>
+          <a:p>
+            <a:r>
+              <a:rPr lang="zh-CN" altLang="en-US" dirty="0" smtClean="0">
+                <a:solidFill>
+                  <a:schemeClr val="bg1"/>
+                </a:solidFill>
+              </a:rPr>
+              <a:t>包之间的关系</a:t>
+            </a:r>
+            <a:endParaRPr lang="zh-CN" altLang="en-US" dirty="0">
+              <a:solidFill>
+                <a:schemeClr val="bg1"/>
+              </a:solidFill>
+            </a:endParaRPr>
+          </a:p>
+        </p:txBody>
+      </p:sp>
+      <p:pic>
+        <p:nvPicPr>
+          <p:cNvPr id="2050" name="Picture 2"/>
+          <p:cNvPicPr>
+            <a:picLocks noChangeAspect="1" noChangeArrowheads="1"/>
+          </p:cNvPicPr>
+          <p:nvPr/>
+        </p:nvPicPr>
+        <p:blipFill>
+          <a:blip r:embed="rId2">
+            <a:extLst>
+              <a:ext uri="{28A0092B-C50C-407E-A947-70E740481C1C}">
+                <a14:useLocalDpi xmlns:a14="http://schemas.microsoft.com/office/drawing/2010/main" val="0"/>
+              </a:ext>
+            </a:extLst>
+          </a:blip>
+          <a:srcRect/>
+          <a:stretch>
+            <a:fillRect/>
+          </a:stretch>
+        </p:blipFill>
+        <p:spPr bwMode="auto">
+          <a:xfrm>
+            <a:off x="7497166" y="1501366"/>
+            <a:ext cx="1039544" cy="2070203"/>
+          </a:xfrm>
+          <a:prstGeom prst="rect">
+            <a:avLst/>
+          </a:prstGeom>
+          <a:noFill/>
+          <a:ln>
+            <a:noFill/>
+          </a:ln>
+          <a:extLst>
+            <a:ext uri="{909E8E84-426E-40DD-AFC4-6F175D3DCCD1}">
+              <a14:hiddenFill xmlns:a14="http://schemas.microsoft.com/office/drawing/2010/main">
+                <a:solidFill>
+                  <a:schemeClr val="accent1"/>
+                </a:solidFill>
+              </a14:hiddenFill>
+            </a:ext>
+            <a:ext uri="{91240B29-F687-4F45-9708-019B960494DF}">
+              <a14:hiddenLine xmlns:a14="http://schemas.microsoft.com/office/drawing/2010/main" w="9525">
+                <a:solidFill>
+                  <a:schemeClr val="tx1"/>
+                </a:solidFill>
+                <a:miter lim="800000"/>
+                <a:headEnd/>
+                <a:tailEnd/>
+              </a14:hiddenLine>
+            </a:ext>
+          </a:extLst>
+        </p:spPr>
+      </p:pic>
+      <p:pic>
+        <p:nvPicPr>
+          <p:cNvPr id="2051" name="Picture 3"/>
+          <p:cNvPicPr>
+            <a:picLocks noChangeAspect="1" noChangeArrowheads="1"/>
+          </p:cNvPicPr>
+          <p:nvPr/>
+        </p:nvPicPr>
+        <p:blipFill>
+          <a:blip r:embed="rId3">
+            <a:extLst>
+              <a:ext uri="{28A0092B-C50C-407E-A947-70E740481C1C}">
+                <a14:useLocalDpi xmlns:a14="http://schemas.microsoft.com/office/drawing/2010/main" val="0"/>
+              </a:ext>
+            </a:extLst>
+          </a:blip>
+          <a:srcRect/>
+          <a:stretch>
+            <a:fillRect/>
+          </a:stretch>
+        </p:blipFill>
+        <p:spPr bwMode="auto">
+          <a:xfrm>
+            <a:off x="7483741" y="3945286"/>
+            <a:ext cx="3249935" cy="1835056"/>
+          </a:xfrm>
+          <a:prstGeom prst="rect">
+            <a:avLst/>
+          </a:prstGeom>
+          <a:noFill/>
+          <a:ln>
+            <a:noFill/>
+          </a:ln>
+          <a:extLst>
+            <a:ext uri="{909E8E84-426E-40DD-AFC4-6F175D3DCCD1}">
+              <a14:hiddenFill xmlns:a14="http://schemas.microsoft.com/office/drawing/2010/main">
+                <a:solidFill>
+                  <a:schemeClr val="accent1"/>
+                </a:solidFill>
+              </a14:hiddenFill>
+            </a:ext>
+            <a:ext uri="{91240B29-F687-4F45-9708-019B960494DF}">
+              <a14:hiddenLine xmlns:a14="http://schemas.microsoft.com/office/drawing/2010/main" w="9525">
+                <a:solidFill>
+                  <a:schemeClr val="tx1"/>
+                </a:solidFill>
+                <a:miter lim="800000"/>
+                <a:headEnd/>
+                <a:tailEnd/>
+              </a14:hiddenLine>
+            </a:ext>
+          </a:extLst>
+        </p:spPr>
+      </p:pic>
+      <p:sp>
+        <p:nvSpPr>
+          <p:cNvPr id="8" name="TextBox 7"/>
+          <p:cNvSpPr txBox="1"/>
+          <p:nvPr/>
+        </p:nvSpPr>
+        <p:spPr>
+          <a:xfrm>
+            <a:off x="7452937" y="5958100"/>
+            <a:ext cx="3384376" cy="369332"/>
+          </a:xfrm>
+          <a:prstGeom prst="rect">
+            <a:avLst/>
+          </a:prstGeom>
+          <a:noFill/>
+        </p:spPr>
+        <p:txBody>
+          <a:bodyPr wrap="square" rtlCol="0">
+            <a:spAutoFit/>
+          </a:bodyPr>
+          <a:lstStyle/>
+          <a:p>
+            <a:pPr algn="ctr"/>
+            <a:r>
+              <a:rPr lang="zh-CN" altLang="en-US" sz="1800" dirty="0"/>
+              <a:t>包</a:t>
+            </a:r>
+            <a:r>
+              <a:rPr lang="zh-CN" altLang="en-US" sz="1800" dirty="0" smtClean="0"/>
+              <a:t>的嵌套关系</a:t>
+            </a:r>
+            <a:endParaRPr lang="en-US" altLang="zh-CN" sz="1800" dirty="0" smtClean="0"/>
+          </a:p>
+        </p:txBody>
+      </p:sp>
+      <p:sp>
+        <p:nvSpPr>
+          <p:cNvPr id="14" name="TextBox 13"/>
+          <p:cNvSpPr txBox="1"/>
+          <p:nvPr/>
+        </p:nvSpPr>
+        <p:spPr>
+          <a:xfrm>
+            <a:off x="8687494" y="2277666"/>
+            <a:ext cx="2046182" cy="415498"/>
+          </a:xfrm>
+          <a:prstGeom prst="rect">
+            <a:avLst/>
+          </a:prstGeom>
+          <a:noFill/>
+        </p:spPr>
+        <p:txBody>
+          <a:bodyPr wrap="square" rtlCol="0">
+            <a:spAutoFit/>
+          </a:bodyPr>
+          <a:lstStyle/>
+          <a:p>
+            <a:r>
+              <a:rPr lang="zh-CN" altLang="en-US" dirty="0" smtClean="0"/>
+              <a:t>包的泛化</a:t>
+            </a:r>
+            <a:r>
+              <a:rPr lang="zh-CN" altLang="en-US" sz="1800" dirty="0" smtClean="0"/>
+              <a:t>关系</a:t>
+            </a:r>
+            <a:endParaRPr lang="zh-CN" altLang="en-US" dirty="0"/>
+          </a:p>
+        </p:txBody>
+      </p:sp>
+    </p:spTree>
+    <p:extLst>
+      <p:ext uri="{BB962C8B-B14F-4D97-AF65-F5344CB8AC3E}">
+        <p14:creationId xmlns:p14="http://schemas.microsoft.com/office/powerpoint/2010/main" val="835336873"/>
+      </p:ext>
+    </p:extLst>
+  </p:cSld>
+  <p:clrMapOvr>
+    <a:masterClrMapping/>
+  </p:clrMapOvr>
+  <p:transition spd="slow" advClick="0" advTm="0">
+    <p:wipe/>
+  </p:transition>
+  <p:timing>
+    <p:tnLst>
+      <p:par>
+        <p:cTn id="1" dur="indefinite" restart="never" nodeType="tmRoot"/>
+      </p:par>
+    </p:tnLst>
+  </p:timing>
+</p:sld>
+</file>
+
+<file path=ppt/slides/slide9.xml><?xml version="1.0" encoding="utf-8"?>
+<p:sld xmlns:a="http://schemas.openxmlformats.org/drawingml/2006/main" xmlns:r="http://schemas.openxmlformats.org/officeDocument/2006/relationships" xmlns:p="http://schemas.openxmlformats.org/presentationml/2006/main">
+  <p:cSld>
+    <p:spTree>
+      <p:nvGrpSpPr>
+        <p:cNvPr id="1" name=""/>
+        <p:cNvGrpSpPr/>
+        <p:nvPr/>
+      </p:nvGrpSpPr>
+      <p:grpSpPr>
+        <a:xfrm>
+          <a:off x="0" y="0"/>
+          <a:ext cx="0" cy="0"/>
+          <a:chOff x="0" y="0"/>
+          <a:chExt cx="0" cy="0"/>
+        </a:xfrm>
+      </p:grpSpPr>
+      <p:sp>
+        <p:nvSpPr>
+          <p:cNvPr id="2" name="矩形 1"/>
           <p:cNvSpPr/>
           <p:nvPr/>
         </p:nvSpPr>
         <p:spPr>
           <a:xfrm>
-            <a:off x="6095207" y="6406814"/>
-            <a:ext cx="3047603" cy="452774"/>
+            <a:off x="237030" y="1171"/>
+            <a:ext cx="1608415" cy="135446"/>
           </a:xfrm>
           <a:prstGeom prst="rect">
             <a:avLst/>
           </a:prstGeom>
           <a:solidFill>
-            <a:srgbClr val="38B1BF"/>
+            <a:srgbClr val="183A5D"/>
           </a:solidFill>
           <a:ln>
             <a:noFill/>
@@ -9410,30 +12952,30 @@
           </a:fontRef>
         </p:style>
         <p:txBody>
-          <a:bodyPr lIns="121917" tIns="60958" rIns="121917" bIns="60958" rtlCol="0" anchor="ctr"/>
+          <a:bodyPr rtlCol="0" anchor="ctr"/>
           <a:lstStyle/>
           <a:p>
             <a:pPr algn="ctr"/>
-            <a:endParaRPr lang="zh-CN" altLang="en-US"/>
+            <a:endParaRPr lang="zh-CN" altLang="en-US" sz="2800"/>
           </a:p>
         </p:txBody>
       </p:sp>
       <p:sp>
         <p:nvSpPr>
-          <p:cNvPr id="35" name="矩形 34"/>
+          <p:cNvPr id="3" name="矩形 2"/>
           <p:cNvSpPr/>
           <p:nvPr/>
         </p:nvSpPr>
         <p:spPr>
           <a:xfrm>
-            <a:off x="9142810" y="6406814"/>
-            <a:ext cx="3047603" cy="452774"/>
+            <a:off x="237030" y="255131"/>
+            <a:ext cx="1608415" cy="406336"/>
           </a:xfrm>
           <a:prstGeom prst="rect">
             <a:avLst/>
           </a:prstGeom>
           <a:solidFill>
-            <a:srgbClr val="FF9933"/>
+            <a:srgbClr val="183A5D"/>
           </a:solidFill>
           <a:ln>
             <a:noFill/>
@@ -9456,564 +12998,28 @@
           </a:fontRef>
         </p:style>
         <p:txBody>
-          <a:bodyPr lIns="121917" tIns="60958" rIns="121917" bIns="60958" rtlCol="0" anchor="ctr"/>
+          <a:bodyPr rtlCol="0" anchor="ctr"/>
           <a:lstStyle/>
           <a:p>
             <a:pPr algn="ctr"/>
-            <a:endParaRPr lang="zh-CN" altLang="en-US"/>
+            <a:r>
+              <a:rPr lang="en-US" sz="2400" dirty="0"/>
+              <a:t>3</a:t>
+            </a:r>
+            <a:endParaRPr lang="en-US" sz="2400" dirty="0"/>
           </a:p>
         </p:txBody>
       </p:sp>
       <p:sp>
         <p:nvSpPr>
-          <p:cNvPr id="36" name="矩形 35"/>
-          <p:cNvSpPr/>
-          <p:nvPr/>
-        </p:nvSpPr>
-        <p:spPr>
-          <a:xfrm>
-            <a:off x="0" y="-27390"/>
-            <a:ext cx="3047603" cy="123423"/>
-          </a:xfrm>
-          <a:prstGeom prst="rect">
-            <a:avLst/>
-          </a:prstGeom>
-          <a:solidFill>
-            <a:srgbClr val="EF7768"/>
-          </a:solidFill>
-          <a:ln>
-            <a:noFill/>
-          </a:ln>
-        </p:spPr>
-        <p:style>
-          <a:lnRef idx="2">
-            <a:schemeClr val="accent1">
-              <a:shade val="50000"/>
-            </a:schemeClr>
-          </a:lnRef>
-          <a:fillRef idx="1">
-            <a:schemeClr val="accent1"/>
-          </a:fillRef>
-          <a:effectRef idx="0">
-            <a:schemeClr val="accent1"/>
-          </a:effectRef>
-          <a:fontRef idx="minor">
-            <a:schemeClr val="lt1"/>
-          </a:fontRef>
-        </p:style>
-        <p:txBody>
-          <a:bodyPr lIns="121917" tIns="60958" rIns="121917" bIns="60958" rtlCol="0" anchor="ctr"/>
-          <a:lstStyle/>
-          <a:p>
-            <a:pPr algn="ctr"/>
-            <a:endParaRPr lang="zh-CN" altLang="en-US"/>
-          </a:p>
-        </p:txBody>
-      </p:sp>
-      <p:sp>
-        <p:nvSpPr>
-          <p:cNvPr id="37" name="矩形 36"/>
-          <p:cNvSpPr/>
-          <p:nvPr/>
-        </p:nvSpPr>
-        <p:spPr>
-          <a:xfrm>
-            <a:off x="3047603" y="-27390"/>
-            <a:ext cx="3047603" cy="123423"/>
-          </a:xfrm>
-          <a:prstGeom prst="rect">
-            <a:avLst/>
-          </a:prstGeom>
-          <a:solidFill>
-            <a:srgbClr val="C7C7C7"/>
-          </a:solidFill>
-          <a:ln>
-            <a:noFill/>
-          </a:ln>
-        </p:spPr>
-        <p:style>
-          <a:lnRef idx="2">
-            <a:schemeClr val="accent1">
-              <a:shade val="50000"/>
-            </a:schemeClr>
-          </a:lnRef>
-          <a:fillRef idx="1">
-            <a:schemeClr val="accent1"/>
-          </a:fillRef>
-          <a:effectRef idx="0">
-            <a:schemeClr val="accent1"/>
-          </a:effectRef>
-          <a:fontRef idx="minor">
-            <a:schemeClr val="lt1"/>
-          </a:fontRef>
-        </p:style>
-        <p:txBody>
-          <a:bodyPr lIns="121917" tIns="60958" rIns="121917" bIns="60958" rtlCol="0" anchor="ctr"/>
-          <a:lstStyle/>
-          <a:p>
-            <a:pPr algn="ctr"/>
-            <a:endParaRPr lang="zh-CN" altLang="en-US"/>
-          </a:p>
-        </p:txBody>
-      </p:sp>
-      <p:sp>
-        <p:nvSpPr>
-          <p:cNvPr id="38" name="矩形 37"/>
-          <p:cNvSpPr/>
-          <p:nvPr/>
-        </p:nvSpPr>
-        <p:spPr>
-          <a:xfrm>
-            <a:off x="6095207" y="-27390"/>
-            <a:ext cx="3047603" cy="123423"/>
-          </a:xfrm>
-          <a:prstGeom prst="rect">
-            <a:avLst/>
-          </a:prstGeom>
-          <a:solidFill>
-            <a:srgbClr val="38B1BF"/>
-          </a:solidFill>
-          <a:ln>
-            <a:noFill/>
-          </a:ln>
-        </p:spPr>
-        <p:style>
-          <a:lnRef idx="2">
-            <a:schemeClr val="accent1">
-              <a:shade val="50000"/>
-            </a:schemeClr>
-          </a:lnRef>
-          <a:fillRef idx="1">
-            <a:schemeClr val="accent1"/>
-          </a:fillRef>
-          <a:effectRef idx="0">
-            <a:schemeClr val="accent1"/>
-          </a:effectRef>
-          <a:fontRef idx="minor">
-            <a:schemeClr val="lt1"/>
-          </a:fontRef>
-        </p:style>
-        <p:txBody>
-          <a:bodyPr lIns="121917" tIns="60958" rIns="121917" bIns="60958" rtlCol="0" anchor="ctr"/>
-          <a:lstStyle/>
-          <a:p>
-            <a:pPr algn="ctr"/>
-            <a:endParaRPr lang="zh-CN" altLang="en-US"/>
-          </a:p>
-        </p:txBody>
-      </p:sp>
-      <p:sp>
-        <p:nvSpPr>
-          <p:cNvPr id="39" name="矩形 38"/>
-          <p:cNvSpPr/>
-          <p:nvPr/>
-        </p:nvSpPr>
-        <p:spPr>
-          <a:xfrm>
-            <a:off x="9142810" y="-27390"/>
-            <a:ext cx="3047603" cy="123423"/>
-          </a:xfrm>
-          <a:prstGeom prst="rect">
-            <a:avLst/>
-          </a:prstGeom>
-          <a:solidFill>
-            <a:srgbClr val="FF9933"/>
-          </a:solidFill>
-          <a:ln>
-            <a:noFill/>
-          </a:ln>
-        </p:spPr>
-        <p:style>
-          <a:lnRef idx="2">
-            <a:schemeClr val="accent1">
-              <a:shade val="50000"/>
-            </a:schemeClr>
-          </a:lnRef>
-          <a:fillRef idx="1">
-            <a:schemeClr val="accent1"/>
-          </a:fillRef>
-          <a:effectRef idx="0">
-            <a:schemeClr val="accent1"/>
-          </a:effectRef>
-          <a:fontRef idx="minor">
-            <a:schemeClr val="lt1"/>
-          </a:fontRef>
-        </p:style>
-        <p:txBody>
-          <a:bodyPr lIns="121917" tIns="60958" rIns="121917" bIns="60958" rtlCol="0" anchor="ctr"/>
-          <a:lstStyle/>
-          <a:p>
-            <a:pPr algn="ctr"/>
-            <a:endParaRPr lang="zh-CN" altLang="en-US"/>
-          </a:p>
-        </p:txBody>
-      </p:sp>
-      <p:sp>
-        <p:nvSpPr>
-          <p:cNvPr id="41" name="文本框 5"/>
+          <p:cNvPr id="4" name="文本框 3"/>
           <p:cNvSpPr txBox="1"/>
           <p:nvPr/>
         </p:nvSpPr>
         <p:spPr>
           <a:xfrm>
-            <a:off x="3663094" y="4778722"/>
-            <a:ext cx="2552267" cy="384705"/>
-          </a:xfrm>
-          <a:prstGeom prst="rect">
-            <a:avLst/>
-          </a:prstGeom>
-          <a:noFill/>
-        </p:spPr>
-        <p:txBody>
-          <a:bodyPr wrap="none" lIns="91423" tIns="45712" rIns="91423" bIns="45712" rtlCol="0">
-            <a:spAutoFit/>
-          </a:bodyPr>
-          <a:lstStyle/>
-          <a:p>
-            <a:pPr algn="ctr"/>
-            <a:r>
-              <a:rPr lang="en-US" altLang="zh-CN" sz="1900" dirty="0">
-                <a:solidFill>
-                  <a:schemeClr val="tx1">
-                    <a:lumMod val="85000"/>
-                    <a:lumOff val="15000"/>
-                  </a:schemeClr>
-                </a:solidFill>
-                <a:latin typeface="微软雅黑" panose="020B0503020204020204" pitchFamily="34" charset="-122"/>
-                <a:ea typeface="微软雅黑" panose="020B0503020204020204" pitchFamily="34" charset="-122"/>
-              </a:rPr>
-              <a:t>PRD</a:t>
-            </a:r>
-            <a:r>
-              <a:rPr lang="en-US" sz="1900" dirty="0" smtClean="0">
-                <a:solidFill>
-                  <a:schemeClr val="tx1">
-                    <a:lumMod val="85000"/>
-                    <a:lumOff val="15000"/>
-                  </a:schemeClr>
-                </a:solidFill>
-                <a:latin typeface="微软雅黑" panose="020B0503020204020204" pitchFamily="34" charset="-122"/>
-                <a:ea typeface="微软雅黑" panose="020B0503020204020204" pitchFamily="34" charset="-122"/>
-              </a:rPr>
-              <a:t>2018</a:t>
-            </a:r>
-            <a:r>
-              <a:rPr lang="zh-CN" altLang="en-US" sz="1900" dirty="0">
-                <a:solidFill>
-                  <a:schemeClr val="tx1">
-                    <a:lumMod val="85000"/>
-                    <a:lumOff val="15000"/>
-                  </a:schemeClr>
-                </a:solidFill>
-                <a:latin typeface="微软雅黑" panose="020B0503020204020204" pitchFamily="34" charset="-122"/>
-                <a:ea typeface="微软雅黑" panose="020B0503020204020204" pitchFamily="34" charset="-122"/>
-              </a:rPr>
-              <a:t>秋</a:t>
-            </a:r>
-            <a:r>
-              <a:rPr lang="en-US" altLang="zh-CN" sz="1900" dirty="0" smtClean="0">
-                <a:solidFill>
-                  <a:schemeClr val="tx1">
-                    <a:lumMod val="85000"/>
-                    <a:lumOff val="15000"/>
-                  </a:schemeClr>
-                </a:solidFill>
-                <a:latin typeface="微软雅黑" panose="020B0503020204020204" pitchFamily="34" charset="-122"/>
-                <a:ea typeface="微软雅黑" panose="020B0503020204020204" pitchFamily="34" charset="-122"/>
-              </a:rPr>
-              <a:t>-</a:t>
-            </a:r>
-            <a:r>
-              <a:rPr lang="en-US" sz="1900" dirty="0" smtClean="0">
-                <a:solidFill>
-                  <a:schemeClr val="tx1">
-                    <a:lumMod val="85000"/>
-                    <a:lumOff val="15000"/>
-                  </a:schemeClr>
-                </a:solidFill>
-                <a:latin typeface="微软雅黑" panose="020B0503020204020204" pitchFamily="34" charset="-122"/>
-                <a:ea typeface="微软雅黑" panose="020B0503020204020204" pitchFamily="34" charset="-122"/>
-              </a:rPr>
-              <a:t>G11</a:t>
-            </a:r>
-            <a:r>
-              <a:rPr lang="zh-CN" altLang="en-US" sz="1900" dirty="0" smtClean="0">
-                <a:solidFill>
-                  <a:schemeClr val="tx1">
-                    <a:lumMod val="85000"/>
-                    <a:lumOff val="15000"/>
-                  </a:schemeClr>
-                </a:solidFill>
-                <a:latin typeface="微软雅黑" panose="020B0503020204020204" pitchFamily="34" charset="-122"/>
-                <a:ea typeface="微软雅黑" panose="020B0503020204020204" pitchFamily="34" charset="-122"/>
-              </a:rPr>
-              <a:t>小组</a:t>
-            </a:r>
-            <a:endParaRPr lang="zh-CN" altLang="en-US" sz="1900" dirty="0">
-              <a:solidFill>
-                <a:schemeClr val="tx1">
-                  <a:lumMod val="85000"/>
-                  <a:lumOff val="15000"/>
-                </a:schemeClr>
-              </a:solidFill>
-              <a:latin typeface="微软雅黑" panose="020B0503020204020204" pitchFamily="34" charset="-122"/>
-              <a:ea typeface="微软雅黑" panose="020B0503020204020204" pitchFamily="34" charset="-122"/>
-            </a:endParaRPr>
-          </a:p>
-        </p:txBody>
-      </p:sp>
-      <p:sp>
-        <p:nvSpPr>
-          <p:cNvPr id="42" name="矩形 41"/>
-          <p:cNvSpPr/>
-          <p:nvPr/>
-        </p:nvSpPr>
-        <p:spPr>
-          <a:xfrm>
-            <a:off x="4110906" y="3692461"/>
-            <a:ext cx="3975100" cy="643890"/>
-          </a:xfrm>
-          <a:prstGeom prst="rect">
-            <a:avLst/>
-          </a:prstGeom>
-          <a:noFill/>
-          <a:ln>
-            <a:noFill/>
-          </a:ln>
-          <a:effectLst>
-            <a:glow rad="1905000">
-              <a:srgbClr val="F14124">
-                <a:alpha val="40000"/>
-              </a:srgbClr>
-            </a:glow>
-            <a:softEdge rad="1270000"/>
-          </a:effectLst>
-        </p:spPr>
-        <p:txBody>
-          <a:bodyPr wrap="none" lIns="91423" tIns="45712" rIns="91423" bIns="45712">
-            <a:spAutoFit/>
-          </a:bodyPr>
-          <a:lstStyle/>
-          <a:p>
-            <a:pPr algn="ctr"/>
-            <a:r>
-              <a:rPr lang="zh-CN" altLang="en-US" sz="3600" b="1" dirty="0">
-                <a:solidFill>
-                  <a:schemeClr val="tx1">
-                    <a:lumMod val="75000"/>
-                    <a:lumOff val="25000"/>
-                  </a:schemeClr>
-                </a:solidFill>
-                <a:latin typeface="微软雅黑" panose="020B0503020204020204" pitchFamily="34" charset="-122"/>
-                <a:ea typeface="微软雅黑" panose="020B0503020204020204" pitchFamily="34" charset="-122"/>
-              </a:rPr>
-              <a:t>汇报结束 感谢观看</a:t>
-            </a:r>
-            <a:endParaRPr lang="zh-CN" altLang="en-US" sz="3600" b="1" dirty="0">
-              <a:solidFill>
-                <a:schemeClr val="tx1">
-                  <a:lumMod val="75000"/>
-                  <a:lumOff val="25000"/>
-                </a:schemeClr>
-              </a:solidFill>
-              <a:latin typeface="微软雅黑" panose="020B0503020204020204" pitchFamily="34" charset="-122"/>
-              <a:ea typeface="微软雅黑" panose="020B0503020204020204" pitchFamily="34" charset="-122"/>
-            </a:endParaRPr>
-          </a:p>
-        </p:txBody>
-      </p:sp>
-      <p:sp>
-        <p:nvSpPr>
-          <p:cNvPr id="43" name="文本框 5"/>
-          <p:cNvSpPr txBox="1"/>
-          <p:nvPr/>
-        </p:nvSpPr>
-        <p:spPr>
-          <a:xfrm>
-            <a:off x="6287332" y="4778722"/>
-            <a:ext cx="2038350" cy="382270"/>
-          </a:xfrm>
-          <a:prstGeom prst="rect">
-            <a:avLst/>
-          </a:prstGeom>
-          <a:noFill/>
-        </p:spPr>
-        <p:txBody>
-          <a:bodyPr wrap="none" lIns="91423" tIns="45712" rIns="91423" bIns="45712" rtlCol="0">
-            <a:spAutoFit/>
-          </a:bodyPr>
-          <a:lstStyle/>
-          <a:p>
-            <a:pPr algn="ctr"/>
-            <a:r>
-              <a:rPr lang="en-US" altLang="zh-CN" sz="1900" dirty="0" smtClean="0">
-                <a:solidFill>
-                  <a:schemeClr val="tx1">
-                    <a:lumMod val="85000"/>
-                    <a:lumOff val="15000"/>
-                  </a:schemeClr>
-                </a:solidFill>
-                <a:latin typeface="微软雅黑" panose="020B0503020204020204" pitchFamily="34" charset="-122"/>
-                <a:ea typeface="微软雅黑" panose="020B0503020204020204" pitchFamily="34" charset="-122"/>
-              </a:rPr>
-              <a:t>2018</a:t>
-            </a:r>
-            <a:r>
-              <a:rPr lang="zh-CN" altLang="en-US" sz="1900" dirty="0" smtClean="0">
-                <a:solidFill>
-                  <a:schemeClr val="tx1">
-                    <a:lumMod val="85000"/>
-                    <a:lumOff val="15000"/>
-                  </a:schemeClr>
-                </a:solidFill>
-                <a:latin typeface="微软雅黑" panose="020B0503020204020204" pitchFamily="34" charset="-122"/>
-                <a:ea typeface="微软雅黑" panose="020B0503020204020204" pitchFamily="34" charset="-122"/>
-              </a:rPr>
-              <a:t>年</a:t>
-            </a:r>
-            <a:r>
-              <a:rPr lang="en-US" altLang="zh-CN" sz="1900" dirty="0">
-                <a:solidFill>
-                  <a:schemeClr val="tx1">
-                    <a:lumMod val="85000"/>
-                    <a:lumOff val="15000"/>
-                  </a:schemeClr>
-                </a:solidFill>
-                <a:latin typeface="微软雅黑" panose="020B0503020204020204" pitchFamily="34" charset="-122"/>
-                <a:ea typeface="微软雅黑" panose="020B0503020204020204" pitchFamily="34" charset="-122"/>
-              </a:rPr>
-              <a:t>11</a:t>
-            </a:r>
-            <a:r>
-              <a:rPr lang="zh-CN" altLang="en-US" sz="1900" dirty="0" smtClean="0">
-                <a:solidFill>
-                  <a:schemeClr val="tx1">
-                    <a:lumMod val="85000"/>
-                    <a:lumOff val="15000"/>
-                  </a:schemeClr>
-                </a:solidFill>
-                <a:latin typeface="微软雅黑" panose="020B0503020204020204" pitchFamily="34" charset="-122"/>
-                <a:ea typeface="微软雅黑" panose="020B0503020204020204" pitchFamily="34" charset="-122"/>
-              </a:rPr>
-              <a:t>月</a:t>
-            </a:r>
-            <a:r>
-              <a:rPr lang="en-US" altLang="zh-CN" sz="1900" dirty="0" smtClean="0">
-                <a:solidFill>
-                  <a:schemeClr val="tx1">
-                    <a:lumMod val="85000"/>
-                    <a:lumOff val="15000"/>
-                  </a:schemeClr>
-                </a:solidFill>
-                <a:latin typeface="微软雅黑" panose="020B0503020204020204" pitchFamily="34" charset="-122"/>
-                <a:ea typeface="微软雅黑" panose="020B0503020204020204" pitchFamily="34" charset="-122"/>
-              </a:rPr>
-              <a:t>11</a:t>
-            </a:r>
-            <a:r>
-              <a:rPr lang="zh-CN" altLang="en-US" sz="1900" dirty="0" smtClean="0">
-                <a:solidFill>
-                  <a:schemeClr val="tx1">
-                    <a:lumMod val="85000"/>
-                    <a:lumOff val="15000"/>
-                  </a:schemeClr>
-                </a:solidFill>
-                <a:latin typeface="微软雅黑" panose="020B0503020204020204" pitchFamily="34" charset="-122"/>
-                <a:ea typeface="微软雅黑" panose="020B0503020204020204" pitchFamily="34" charset="-122"/>
-              </a:rPr>
-              <a:t>日</a:t>
-            </a:r>
-            <a:endParaRPr lang="zh-CN" altLang="en-US" sz="1900" dirty="0">
-              <a:solidFill>
-                <a:schemeClr val="tx1">
-                  <a:lumMod val="85000"/>
-                  <a:lumOff val="15000"/>
-                </a:schemeClr>
-              </a:solidFill>
-              <a:latin typeface="微软雅黑" panose="020B0503020204020204" pitchFamily="34" charset="-122"/>
-              <a:ea typeface="微软雅黑" panose="020B0503020204020204" pitchFamily="34" charset="-122"/>
-            </a:endParaRPr>
-          </a:p>
-        </p:txBody>
-      </p:sp>
-      <p:cxnSp>
-        <p:nvCxnSpPr>
-          <p:cNvPr id="44" name="直接连接符 43"/>
-          <p:cNvCxnSpPr/>
-          <p:nvPr/>
-        </p:nvCxnSpPr>
-        <p:spPr>
-          <a:xfrm>
-            <a:off x="2639273" y="4529730"/>
-            <a:ext cx="6911868" cy="0"/>
-          </a:xfrm>
-          <a:prstGeom prst="line">
-            <a:avLst/>
-          </a:prstGeom>
-          <a:ln>
-            <a:solidFill>
-              <a:srgbClr val="38B1BF"/>
-            </a:solidFill>
-          </a:ln>
-        </p:spPr>
-        <p:style>
-          <a:lnRef idx="1">
-            <a:schemeClr val="accent1"/>
-          </a:lnRef>
-          <a:fillRef idx="0">
-            <a:schemeClr val="accent1"/>
-          </a:fillRef>
-          <a:effectRef idx="0">
-            <a:schemeClr val="accent1"/>
-          </a:effectRef>
-          <a:fontRef idx="minor">
-            <a:schemeClr val="tx1"/>
-          </a:fontRef>
-        </p:style>
-      </p:cxnSp>
-      <p:pic>
-        <p:nvPicPr>
-          <p:cNvPr id="46" name="商务.mp3">
-            <a:hlinkClick r:id="" action="ppaction://media"/>
-          </p:cNvPr>
-          <p:cNvPicPr>
-            <a:picLocks noChangeAspect="1"/>
-          </p:cNvPicPr>
-          <p:nvPr>
-            <a:audioFile r:link="rId1"/>
-            <p:extLst>
-              <p:ext uri="{DAA4B4D4-6D71-4841-9C94-3DE7FCFB9230}">
-                <p14:media xmlns:p14="http://schemas.microsoft.com/office/powerpoint/2010/main" r:embed="rId2"/>
-              </p:ext>
-            </p:extLst>
-          </p:nvPr>
-        </p:nvPicPr>
-        <p:blipFill>
-          <a:blip r:embed="rId3"/>
-          <a:stretch>
-            <a:fillRect/>
-          </a:stretch>
-        </p:blipFill>
-        <p:spPr>
-          <a:xfrm>
-            <a:off x="12418122" y="6197364"/>
-            <a:ext cx="812694" cy="812988"/>
-          </a:xfrm>
-          <a:prstGeom prst="rect">
-            <a:avLst/>
-          </a:prstGeom>
-        </p:spPr>
-      </p:pic>
-      <p:sp>
-        <p:nvSpPr>
-          <p:cNvPr id="2" name="文本框 1"/>
-          <p:cNvSpPr txBox="1"/>
-          <p:nvPr/>
-        </p:nvSpPr>
-        <p:spPr>
-          <a:xfrm>
-            <a:off x="4051300" y="5527040"/>
-            <a:ext cx="4747895" cy="414020"/>
+            <a:off x="2236548" y="136356"/>
+            <a:ext cx="6052718" cy="501650"/>
           </a:xfrm>
           <a:prstGeom prst="rect">
             <a:avLst/>
@@ -10026,801 +13032,443 @@
           </a:bodyPr>
           <a:lstStyle/>
           <a:p>
-            <a:r>
-              <a:rPr lang="zh-CN" altLang="en-US" kern="300" spc="2000">
-                <a:solidFill>
-                  <a:schemeClr val="tx1"/>
-                </a:solidFill>
-                <a:uFillTx/>
-                <a:latin typeface="+中文标题" charset="0"/>
-                <a:ea typeface="+mj-ea"/>
-              </a:rPr>
-              <a:t>浙江大学城市学院</a:t>
-            </a:r>
-            <a:endParaRPr lang="zh-CN" altLang="en-US" kern="300" spc="2000">
+            <a:endParaRPr lang="zh-CN" sz="2665" dirty="0">
               <a:solidFill>
-                <a:schemeClr val="tx1"/>
+                <a:srgbClr val="183A5D"/>
               </a:solidFill>
-              <a:uFillTx/>
-              <a:latin typeface="+中文标题" charset="0"/>
-              <a:ea typeface="+mj-ea"/>
+              <a:latin typeface="微软雅黑" panose="020B0503020204020204" pitchFamily="34" charset="-122"/>
+              <a:ea typeface="微软雅黑" panose="020B0503020204020204" pitchFamily="34" charset="-122"/>
             </a:endParaRPr>
           </a:p>
         </p:txBody>
       </p:sp>
+      <p:sp>
+        <p:nvSpPr>
+          <p:cNvPr id="6" name="文本框 5"/>
+          <p:cNvSpPr txBox="1"/>
+          <p:nvPr/>
+        </p:nvSpPr>
+        <p:spPr>
+          <a:xfrm>
+            <a:off x="2226388" y="159851"/>
+            <a:ext cx="6052718" cy="501650"/>
+          </a:xfrm>
+          <a:prstGeom prst="rect">
+            <a:avLst/>
+          </a:prstGeom>
+          <a:noFill/>
+        </p:spPr>
+        <p:txBody>
+          <a:bodyPr wrap="square" rtlCol="0">
+            <a:spAutoFit/>
+          </a:bodyPr>
+          <a:lstStyle/>
+          <a:p>
+            <a:r>
+              <a:rPr lang="zh-CN" altLang="en-US" sz="2665" dirty="0">
+                <a:solidFill>
+                  <a:srgbClr val="183A5D"/>
+                </a:solidFill>
+                <a:latin typeface="微软雅黑" panose="020B0503020204020204" pitchFamily="34" charset="-122"/>
+                <a:ea typeface="微软雅黑" panose="020B0503020204020204" pitchFamily="34" charset="-122"/>
+              </a:rPr>
+              <a:t>包</a:t>
+            </a:r>
+            <a:r>
+              <a:rPr lang="zh-CN" altLang="en-US" sz="2665" dirty="0" smtClean="0">
+                <a:solidFill>
+                  <a:srgbClr val="183A5D"/>
+                </a:solidFill>
+                <a:latin typeface="微软雅黑" panose="020B0503020204020204" pitchFamily="34" charset="-122"/>
+                <a:ea typeface="微软雅黑" panose="020B0503020204020204" pitchFamily="34" charset="-122"/>
+              </a:rPr>
+              <a:t>图</a:t>
+            </a:r>
+            <a:endParaRPr lang="zh-CN" sz="2665" dirty="0">
+              <a:solidFill>
+                <a:srgbClr val="183A5D"/>
+              </a:solidFill>
+              <a:latin typeface="微软雅黑" panose="020B0503020204020204" pitchFamily="34" charset="-122"/>
+              <a:ea typeface="微软雅黑" panose="020B0503020204020204" pitchFamily="34" charset="-122"/>
+            </a:endParaRPr>
+          </a:p>
+        </p:txBody>
+      </p:sp>
+      <p:grpSp>
+        <p:nvGrpSpPr>
+          <p:cNvPr id="7" name="组合 6"/>
+          <p:cNvGrpSpPr/>
+          <p:nvPr/>
+        </p:nvGrpSpPr>
+        <p:grpSpPr>
+          <a:xfrm>
+            <a:off x="305836" y="1053530"/>
+            <a:ext cx="11405994" cy="5472608"/>
+            <a:chOff x="237030" y="1269554"/>
+            <a:chExt cx="7776864" cy="4896544"/>
+          </a:xfrm>
+        </p:grpSpPr>
+        <p:sp>
+          <p:nvSpPr>
+            <p:cNvPr id="5" name="矩形 4"/>
+            <p:cNvSpPr/>
+            <p:nvPr/>
+          </p:nvSpPr>
+          <p:spPr>
+            <a:xfrm>
+              <a:off x="318097" y="1923611"/>
+              <a:ext cx="7614729" cy="357993"/>
+            </a:xfrm>
+            <a:prstGeom prst="rect">
+              <a:avLst/>
+            </a:prstGeom>
+          </p:spPr>
+          <p:txBody>
+            <a:bodyPr wrap="square">
+              <a:spAutoFit/>
+            </a:bodyPr>
+            <a:lstStyle/>
+            <a:p>
+              <a:endParaRPr lang="zh-CN" altLang="en-US" sz="2000" dirty="0">
+                <a:solidFill>
+                  <a:srgbClr val="000000"/>
+                </a:solidFill>
+                <a:latin typeface="Verdana" panose="020B0604030504040204" pitchFamily="34" charset="0"/>
+              </a:endParaRPr>
+            </a:p>
+          </p:txBody>
+        </p:sp>
+        <p:grpSp>
+          <p:nvGrpSpPr>
+            <p:cNvPr id="10" name="组合 9"/>
+            <p:cNvGrpSpPr/>
+            <p:nvPr/>
+          </p:nvGrpSpPr>
+          <p:grpSpPr>
+            <a:xfrm>
+              <a:off x="237030" y="1269554"/>
+              <a:ext cx="7776864" cy="4896544"/>
+              <a:chOff x="1285643" y="1772435"/>
+              <a:chExt cx="7135479" cy="3572664"/>
+            </a:xfrm>
+          </p:grpSpPr>
+          <p:sp>
+            <p:nvSpPr>
+              <p:cNvPr id="11" name="矩形 10"/>
+              <p:cNvSpPr/>
+              <p:nvPr/>
+            </p:nvSpPr>
+            <p:spPr>
+              <a:xfrm>
+                <a:off x="1285644" y="2104682"/>
+                <a:ext cx="7135478" cy="3240417"/>
+              </a:xfrm>
+              <a:prstGeom prst="rect">
+                <a:avLst/>
+              </a:prstGeom>
+              <a:noFill/>
+              <a:ln w="12700">
+                <a:solidFill>
+                  <a:srgbClr val="346182"/>
+                </a:solidFill>
+              </a:ln>
+            </p:spPr>
+            <p:style>
+              <a:lnRef idx="2">
+                <a:schemeClr val="accent1">
+                  <a:shade val="50000"/>
+                </a:schemeClr>
+              </a:lnRef>
+              <a:fillRef idx="1">
+                <a:schemeClr val="accent1"/>
+              </a:fillRef>
+              <a:effectRef idx="0">
+                <a:schemeClr val="accent1"/>
+              </a:effectRef>
+              <a:fontRef idx="minor">
+                <a:schemeClr val="lt1"/>
+              </a:fontRef>
+            </p:style>
+            <p:txBody>
+              <a:bodyPr rtlCol="0" anchor="ctr"/>
+              <a:lstStyle/>
+              <a:p>
+                <a:pPr algn="ctr"/>
+                <a:endParaRPr lang="zh-CN" altLang="en-US" sz="1350"/>
+              </a:p>
+            </p:txBody>
+          </p:sp>
+          <p:sp>
+            <p:nvSpPr>
+              <p:cNvPr id="12" name="矩形 11"/>
+              <p:cNvSpPr/>
+              <p:nvPr/>
+            </p:nvSpPr>
+            <p:spPr>
+              <a:xfrm>
+                <a:off x="1285643" y="1772435"/>
+                <a:ext cx="2114216" cy="338554"/>
+              </a:xfrm>
+              <a:prstGeom prst="rect">
+                <a:avLst/>
+              </a:prstGeom>
+              <a:solidFill>
+                <a:srgbClr val="183A5D"/>
+              </a:solidFill>
+              <a:ln>
+                <a:noFill/>
+              </a:ln>
+            </p:spPr>
+            <p:style>
+              <a:lnRef idx="2">
+                <a:schemeClr val="accent1">
+                  <a:shade val="50000"/>
+                </a:schemeClr>
+              </a:lnRef>
+              <a:fillRef idx="1">
+                <a:schemeClr val="accent1"/>
+              </a:fillRef>
+              <a:effectRef idx="0">
+                <a:schemeClr val="accent1"/>
+              </a:effectRef>
+              <a:fontRef idx="minor">
+                <a:schemeClr val="lt1"/>
+              </a:fontRef>
+            </p:style>
+            <p:txBody>
+              <a:bodyPr rtlCol="0" anchor="ctr"/>
+              <a:lstStyle/>
+              <a:p>
+                <a:pPr algn="ctr"/>
+                <a:endParaRPr lang="zh-CN" altLang="en-US" sz="1350"/>
+              </a:p>
+            </p:txBody>
+          </p:sp>
+        </p:grpSp>
+      </p:grpSp>
+      <p:sp>
+        <p:nvSpPr>
+          <p:cNvPr id="9" name="文本框 8"/>
+          <p:cNvSpPr txBox="1"/>
+          <p:nvPr/>
+        </p:nvSpPr>
+        <p:spPr>
+          <a:xfrm>
+            <a:off x="838622" y="1105079"/>
+            <a:ext cx="2121424" cy="415498"/>
+          </a:xfrm>
+          <a:prstGeom prst="rect">
+            <a:avLst/>
+          </a:prstGeom>
+          <a:noFill/>
+        </p:spPr>
+        <p:txBody>
+          <a:bodyPr wrap="square" rtlCol="0">
+            <a:spAutoFit/>
+          </a:bodyPr>
+          <a:lstStyle/>
+          <a:p>
+            <a:r>
+              <a:rPr lang="zh-CN" altLang="en-US" dirty="0" smtClean="0">
+                <a:solidFill>
+                  <a:schemeClr val="bg1"/>
+                </a:solidFill>
+              </a:rPr>
+              <a:t>包图的建模技术</a:t>
+            </a:r>
+            <a:endParaRPr lang="zh-CN" altLang="en-US" dirty="0">
+              <a:solidFill>
+                <a:schemeClr val="bg1"/>
+              </a:solidFill>
+            </a:endParaRPr>
+          </a:p>
+        </p:txBody>
+      </p:sp>
+      <p:sp>
+        <p:nvSpPr>
+          <p:cNvPr id="8" name="矩形 7"/>
+          <p:cNvSpPr/>
+          <p:nvPr/>
+        </p:nvSpPr>
+        <p:spPr>
+          <a:xfrm>
+            <a:off x="1041238" y="1784536"/>
+            <a:ext cx="10022520" cy="4524315"/>
+          </a:xfrm>
+          <a:prstGeom prst="rect">
+            <a:avLst/>
+          </a:prstGeom>
+        </p:spPr>
+        <p:txBody>
+          <a:bodyPr wrap="square">
+            <a:spAutoFit/>
+          </a:bodyPr>
+          <a:lstStyle/>
+          <a:p>
+            <a:r>
+              <a:rPr lang="en-US" altLang="zh-CN" sz="3200" dirty="0" smtClean="0"/>
+              <a:t>(</a:t>
+            </a:r>
+            <a:r>
+              <a:rPr lang="en-US" altLang="zh-CN" sz="3200" dirty="0"/>
+              <a:t>1)</a:t>
+            </a:r>
+            <a:r>
+              <a:rPr lang="zh-CN" altLang="en-US" sz="3200" dirty="0"/>
+              <a:t>两种组包方式</a:t>
+            </a:r>
+            <a:r>
+              <a:rPr lang="en-US" altLang="zh-CN" sz="3200" dirty="0"/>
+              <a:t>:</a:t>
+            </a:r>
+          </a:p>
+          <a:p>
+            <a:r>
+              <a:rPr lang="en-US" altLang="zh-CN" sz="3200" dirty="0"/>
+              <a:t>①</a:t>
+            </a:r>
+            <a:r>
+              <a:rPr lang="zh-CN" altLang="en-US" sz="3200" dirty="0"/>
+              <a:t>根据系统分层架构组包</a:t>
+            </a:r>
+            <a:r>
+              <a:rPr lang="en-US" altLang="zh-CN" sz="3200" dirty="0"/>
+              <a:t>(</a:t>
+            </a:r>
+            <a:r>
+              <a:rPr lang="zh-CN" altLang="en-US" sz="3200" dirty="0">
+                <a:solidFill>
+                  <a:srgbClr val="FF0000"/>
+                </a:solidFill>
+              </a:rPr>
+              <a:t>推荐使用</a:t>
+            </a:r>
+            <a:r>
+              <a:rPr lang="en-US" altLang="zh-CN" sz="3200" dirty="0" smtClean="0"/>
+              <a:t>);</a:t>
+            </a:r>
+          </a:p>
+          <a:p>
+            <a:r>
+              <a:rPr lang="en-US" altLang="zh-CN" sz="3200" dirty="0" smtClean="0"/>
+              <a:t>②</a:t>
+            </a:r>
+            <a:r>
+              <a:rPr lang="zh-CN" altLang="en-US" sz="3200" dirty="0"/>
+              <a:t>根据系统业务功能模块组包。</a:t>
+            </a:r>
+          </a:p>
+          <a:p>
+            <a:r>
+              <a:rPr lang="en-US" altLang="zh-CN" sz="3200" dirty="0"/>
+              <a:t>(2)</a:t>
+            </a:r>
+            <a:r>
+              <a:rPr lang="zh-CN" altLang="en-US" sz="3200" dirty="0"/>
+              <a:t>参照类之间的关系确定包之间的关系</a:t>
+            </a:r>
+            <a:r>
+              <a:rPr lang="zh-CN" altLang="en-US" sz="3200" dirty="0" smtClean="0"/>
+              <a:t>。</a:t>
+            </a:r>
+            <a:endParaRPr lang="en-US" altLang="zh-CN" sz="3200" dirty="0" smtClean="0"/>
+          </a:p>
+          <a:p>
+            <a:r>
+              <a:rPr lang="en-US" altLang="zh-CN" sz="3200" dirty="0" smtClean="0"/>
+              <a:t>(</a:t>
+            </a:r>
+            <a:r>
+              <a:rPr lang="en-US" altLang="zh-CN" sz="3200" dirty="0"/>
+              <a:t>3)</a:t>
+            </a:r>
+            <a:r>
+              <a:rPr lang="zh-CN" altLang="en-US" sz="3200" dirty="0"/>
+              <a:t>减少包的嵌套层次，一般不超过三层</a:t>
+            </a:r>
+            <a:r>
+              <a:rPr lang="zh-CN" altLang="en-US" sz="3200" dirty="0" smtClean="0"/>
+              <a:t>。</a:t>
+            </a:r>
+            <a:endParaRPr lang="en-US" altLang="zh-CN" sz="3200" dirty="0" smtClean="0"/>
+          </a:p>
+          <a:p>
+            <a:r>
+              <a:rPr lang="en-US" altLang="zh-CN" sz="3200" dirty="0" smtClean="0"/>
+              <a:t>(4</a:t>
+            </a:r>
+            <a:r>
+              <a:rPr lang="en-US" altLang="zh-CN" sz="3200" dirty="0"/>
+              <a:t>)</a:t>
+            </a:r>
+            <a:r>
+              <a:rPr lang="zh-CN" altLang="en-US" sz="3200" dirty="0"/>
+              <a:t>每个包的子包控制在</a:t>
+            </a:r>
+            <a:r>
+              <a:rPr lang="en-US" altLang="zh-CN" sz="3200" dirty="0" smtClean="0"/>
+              <a:t>7±2</a:t>
+            </a:r>
+            <a:r>
+              <a:rPr lang="zh-CN" altLang="en-US" sz="3200" dirty="0"/>
+              <a:t>个。</a:t>
+            </a:r>
+          </a:p>
+          <a:p>
+            <a:r>
+              <a:rPr lang="en-US" altLang="zh-CN" sz="3200" dirty="0"/>
+              <a:t>(5)</a:t>
+            </a:r>
+            <a:r>
+              <a:rPr lang="zh-CN" altLang="en-US" sz="3200" dirty="0"/>
+              <a:t>如果几个包有若干相同组成部分，可优先考虑将它们合并</a:t>
+            </a:r>
+            <a:r>
+              <a:rPr lang="zh-CN" altLang="en-US" sz="3200" dirty="0" smtClean="0"/>
+              <a:t>。</a:t>
+            </a:r>
+            <a:endParaRPr lang="en-US" altLang="zh-CN" sz="3200" dirty="0" smtClean="0"/>
+          </a:p>
+          <a:p>
+            <a:r>
+              <a:rPr lang="en-US" altLang="zh-CN" sz="3200" dirty="0" smtClean="0"/>
+              <a:t>(</a:t>
+            </a:r>
+            <a:r>
+              <a:rPr lang="en-US" altLang="zh-CN" sz="3200" dirty="0"/>
+              <a:t>6)</a:t>
+            </a:r>
+            <a:r>
+              <a:rPr lang="zh-CN" altLang="en-US" sz="3200" dirty="0"/>
+              <a:t>可通过包图来体现系统的分层架构</a:t>
+            </a:r>
+            <a:r>
+              <a:rPr lang="zh-CN" altLang="en-US" sz="3200" dirty="0" smtClean="0"/>
+              <a:t>。</a:t>
+            </a:r>
+            <a:endParaRPr lang="zh-CN" altLang="en-US" sz="3200" dirty="0"/>
+          </a:p>
+        </p:txBody>
+      </p:sp>
     </p:spTree>
+    <p:extLst>
+      <p:ext uri="{BB962C8B-B14F-4D97-AF65-F5344CB8AC3E}">
+        <p14:creationId xmlns:p14="http://schemas.microsoft.com/office/powerpoint/2010/main" val="3405985992"/>
+      </p:ext>
+    </p:extLst>
   </p:cSld>
   <p:clrMapOvr>
     <a:masterClrMapping/>
   </p:clrMapOvr>
-  <mc:AlternateContent xmlns:mc="http://schemas.openxmlformats.org/markup-compatibility/2006">
-    <mc:Choice xmlns:p14="http://schemas.microsoft.com/office/powerpoint/2010/main" Requires="p14">
-      <p:transition spd="slow" p14:dur="1600" advClick="0" advTm="0">
-        <p:blinds dir="vert"/>
-      </p:transition>
-    </mc:Choice>
-    <mc:Fallback>
-      <p:transition spd="slow" advClick="0" advTm="0">
-        <p:blinds dir="vert"/>
-      </p:transition>
-    </mc:Fallback>
-  </mc:AlternateContent>
+  <p:transition spd="slow" advClick="0" advTm="0">
+    <p:wipe/>
+  </p:transition>
   <p:timing>
     <p:tnLst>
       <p:par>
-        <p:cTn id="1" dur="indefinite" restart="never" nodeType="tmRoot">
-          <p:childTnLst>
-            <p:seq concurrent="1" nextAc="seek">
-              <p:cTn id="2" dur="indefinite" nodeType="mainSeq">
-                <p:childTnLst>
-                  <p:par>
-                    <p:cTn id="3" fill="hold">
-                      <p:stCondLst>
-                        <p:cond delay="indefinite"/>
-                        <p:cond evt="onBegin" delay="0">
-                          <p:tn val="2"/>
-                        </p:cond>
-                      </p:stCondLst>
-                      <p:childTnLst>
-                        <p:par>
-                          <p:cTn id="4" fill="hold">
-                            <p:stCondLst>
-                              <p:cond delay="0"/>
-                            </p:stCondLst>
-                            <p:childTnLst>
-                              <p:par>
-                                <p:cTn id="5" presetID="1" presetClass="mediacall" presetSubtype="0" fill="hold" nodeType="withEffect">
-                                  <p:stCondLst>
-                                    <p:cond delay="0"/>
-                                  </p:stCondLst>
-                                  <p:childTnLst>
-                                    <p:cmd type="call" cmd="playFrom(0.0)">
-                                      <p:cBhvr>
-                                        <p:cTn id="6" dur="1" fill="hold"/>
-                                        <p:tgtEl>
-                                          <p:spTgt spid="46"/>
-                                        </p:tgtEl>
-                                      </p:cBhvr>
-                                    </p:cmd>
-                                  </p:childTnLst>
-                                </p:cTn>
-                              </p:par>
-                              <p:par>
-                                <p:cTn id="7" presetID="10" presetClass="entr" presetSubtype="0" fill="hold" grpId="0" nodeType="withEffect">
-                                  <p:stCondLst>
-                                    <p:cond delay="0"/>
-                                  </p:stCondLst>
-                                  <p:childTnLst>
-                                    <p:set>
-                                      <p:cBhvr>
-                                        <p:cTn id="8" dur="1" fill="hold">
-                                          <p:stCondLst>
-                                            <p:cond delay="0"/>
-                                          </p:stCondLst>
-                                        </p:cTn>
-                                        <p:tgtEl>
-                                          <p:spTgt spid="36"/>
-                                        </p:tgtEl>
-                                        <p:attrNameLst>
-                                          <p:attrName>style.visibility</p:attrName>
-                                        </p:attrNameLst>
-                                      </p:cBhvr>
-                                      <p:to>
-                                        <p:strVal val="visible"/>
-                                      </p:to>
-                                    </p:set>
-                                    <p:animEffect transition="in" filter="fade">
-                                      <p:cBhvr>
-                                        <p:cTn id="9" dur="200"/>
-                                        <p:tgtEl>
-                                          <p:spTgt spid="36"/>
-                                        </p:tgtEl>
-                                      </p:cBhvr>
-                                    </p:animEffect>
-                                  </p:childTnLst>
-                                </p:cTn>
-                              </p:par>
-                              <p:par>
-                                <p:cTn id="10" presetID="10" presetClass="entr" presetSubtype="0" fill="hold" grpId="0" nodeType="withEffect">
-                                  <p:stCondLst>
-                                    <p:cond delay="0"/>
-                                  </p:stCondLst>
-                                  <p:childTnLst>
-                                    <p:set>
-                                      <p:cBhvr>
-                                        <p:cTn id="11" dur="1" fill="hold">
-                                          <p:stCondLst>
-                                            <p:cond delay="0"/>
-                                          </p:stCondLst>
-                                        </p:cTn>
-                                        <p:tgtEl>
-                                          <p:spTgt spid="37"/>
-                                        </p:tgtEl>
-                                        <p:attrNameLst>
-                                          <p:attrName>style.visibility</p:attrName>
-                                        </p:attrNameLst>
-                                      </p:cBhvr>
-                                      <p:to>
-                                        <p:strVal val="visible"/>
-                                      </p:to>
-                                    </p:set>
-                                    <p:animEffect transition="in" filter="fade">
-                                      <p:cBhvr>
-                                        <p:cTn id="12" dur="200"/>
-                                        <p:tgtEl>
-                                          <p:spTgt spid="37"/>
-                                        </p:tgtEl>
-                                      </p:cBhvr>
-                                    </p:animEffect>
-                                  </p:childTnLst>
-                                </p:cTn>
-                              </p:par>
-                              <p:par>
-                                <p:cTn id="13" presetID="10" presetClass="entr" presetSubtype="0" fill="hold" grpId="0" nodeType="withEffect">
-                                  <p:stCondLst>
-                                    <p:cond delay="0"/>
-                                  </p:stCondLst>
-                                  <p:childTnLst>
-                                    <p:set>
-                                      <p:cBhvr>
-                                        <p:cTn id="14" dur="1" fill="hold">
-                                          <p:stCondLst>
-                                            <p:cond delay="0"/>
-                                          </p:stCondLst>
-                                        </p:cTn>
-                                        <p:tgtEl>
-                                          <p:spTgt spid="38"/>
-                                        </p:tgtEl>
-                                        <p:attrNameLst>
-                                          <p:attrName>style.visibility</p:attrName>
-                                        </p:attrNameLst>
-                                      </p:cBhvr>
-                                      <p:to>
-                                        <p:strVal val="visible"/>
-                                      </p:to>
-                                    </p:set>
-                                    <p:animEffect transition="in" filter="fade">
-                                      <p:cBhvr>
-                                        <p:cTn id="15" dur="200"/>
-                                        <p:tgtEl>
-                                          <p:spTgt spid="38"/>
-                                        </p:tgtEl>
-                                      </p:cBhvr>
-                                    </p:animEffect>
-                                  </p:childTnLst>
-                                </p:cTn>
-                              </p:par>
-                              <p:par>
-                                <p:cTn id="16" presetID="10" presetClass="entr" presetSubtype="0" fill="hold" grpId="0" nodeType="withEffect">
-                                  <p:stCondLst>
-                                    <p:cond delay="0"/>
-                                  </p:stCondLst>
-                                  <p:childTnLst>
-                                    <p:set>
-                                      <p:cBhvr>
-                                        <p:cTn id="17" dur="1" fill="hold">
-                                          <p:stCondLst>
-                                            <p:cond delay="0"/>
-                                          </p:stCondLst>
-                                        </p:cTn>
-                                        <p:tgtEl>
-                                          <p:spTgt spid="39"/>
-                                        </p:tgtEl>
-                                        <p:attrNameLst>
-                                          <p:attrName>style.visibility</p:attrName>
-                                        </p:attrNameLst>
-                                      </p:cBhvr>
-                                      <p:to>
-                                        <p:strVal val="visible"/>
-                                      </p:to>
-                                    </p:set>
-                                    <p:animEffect transition="in" filter="fade">
-                                      <p:cBhvr>
-                                        <p:cTn id="18" dur="200"/>
-                                        <p:tgtEl>
-                                          <p:spTgt spid="39"/>
-                                        </p:tgtEl>
-                                      </p:cBhvr>
-                                    </p:animEffect>
-                                  </p:childTnLst>
-                                </p:cTn>
-                              </p:par>
-                              <p:par>
-                                <p:cTn id="19" presetID="10" presetClass="entr" presetSubtype="0" fill="hold" grpId="0" nodeType="withEffect">
-                                  <p:stCondLst>
-                                    <p:cond delay="0"/>
-                                  </p:stCondLst>
-                                  <p:childTnLst>
-                                    <p:set>
-                                      <p:cBhvr>
-                                        <p:cTn id="20" dur="1" fill="hold">
-                                          <p:stCondLst>
-                                            <p:cond delay="0"/>
-                                          </p:stCondLst>
-                                        </p:cTn>
-                                        <p:tgtEl>
-                                          <p:spTgt spid="32"/>
-                                        </p:tgtEl>
-                                        <p:attrNameLst>
-                                          <p:attrName>style.visibility</p:attrName>
-                                        </p:attrNameLst>
-                                      </p:cBhvr>
-                                      <p:to>
-                                        <p:strVal val="visible"/>
-                                      </p:to>
-                                    </p:set>
-                                    <p:animEffect transition="in" filter="fade">
-                                      <p:cBhvr>
-                                        <p:cTn id="21" dur="200"/>
-                                        <p:tgtEl>
-                                          <p:spTgt spid="32"/>
-                                        </p:tgtEl>
-                                      </p:cBhvr>
-                                    </p:animEffect>
-                                  </p:childTnLst>
-                                </p:cTn>
-                              </p:par>
-                              <p:par>
-                                <p:cTn id="22" presetID="10" presetClass="entr" presetSubtype="0" fill="hold" grpId="0" nodeType="withEffect">
-                                  <p:stCondLst>
-                                    <p:cond delay="0"/>
-                                  </p:stCondLst>
-                                  <p:childTnLst>
-                                    <p:set>
-                                      <p:cBhvr>
-                                        <p:cTn id="23" dur="1" fill="hold">
-                                          <p:stCondLst>
-                                            <p:cond delay="0"/>
-                                          </p:stCondLst>
-                                        </p:cTn>
-                                        <p:tgtEl>
-                                          <p:spTgt spid="33"/>
-                                        </p:tgtEl>
-                                        <p:attrNameLst>
-                                          <p:attrName>style.visibility</p:attrName>
-                                        </p:attrNameLst>
-                                      </p:cBhvr>
-                                      <p:to>
-                                        <p:strVal val="visible"/>
-                                      </p:to>
-                                    </p:set>
-                                    <p:animEffect transition="in" filter="fade">
-                                      <p:cBhvr>
-                                        <p:cTn id="24" dur="200"/>
-                                        <p:tgtEl>
-                                          <p:spTgt spid="33"/>
-                                        </p:tgtEl>
-                                      </p:cBhvr>
-                                    </p:animEffect>
-                                  </p:childTnLst>
-                                </p:cTn>
-                              </p:par>
-                              <p:par>
-                                <p:cTn id="25" presetID="10" presetClass="entr" presetSubtype="0" fill="hold" grpId="0" nodeType="withEffect">
-                                  <p:stCondLst>
-                                    <p:cond delay="0"/>
-                                  </p:stCondLst>
-                                  <p:childTnLst>
-                                    <p:set>
-                                      <p:cBhvr>
-                                        <p:cTn id="26" dur="1" fill="hold">
-                                          <p:stCondLst>
-                                            <p:cond delay="0"/>
-                                          </p:stCondLst>
-                                        </p:cTn>
-                                        <p:tgtEl>
-                                          <p:spTgt spid="34"/>
-                                        </p:tgtEl>
-                                        <p:attrNameLst>
-                                          <p:attrName>style.visibility</p:attrName>
-                                        </p:attrNameLst>
-                                      </p:cBhvr>
-                                      <p:to>
-                                        <p:strVal val="visible"/>
-                                      </p:to>
-                                    </p:set>
-                                    <p:animEffect transition="in" filter="fade">
-                                      <p:cBhvr>
-                                        <p:cTn id="27" dur="200"/>
-                                        <p:tgtEl>
-                                          <p:spTgt spid="34"/>
-                                        </p:tgtEl>
-                                      </p:cBhvr>
-                                    </p:animEffect>
-                                  </p:childTnLst>
-                                </p:cTn>
-                              </p:par>
-                              <p:par>
-                                <p:cTn id="28" presetID="10" presetClass="entr" presetSubtype="0" fill="hold" grpId="0" nodeType="withEffect">
-                                  <p:stCondLst>
-                                    <p:cond delay="0"/>
-                                  </p:stCondLst>
-                                  <p:childTnLst>
-                                    <p:set>
-                                      <p:cBhvr>
-                                        <p:cTn id="29" dur="1" fill="hold">
-                                          <p:stCondLst>
-                                            <p:cond delay="0"/>
-                                          </p:stCondLst>
-                                        </p:cTn>
-                                        <p:tgtEl>
-                                          <p:spTgt spid="35"/>
-                                        </p:tgtEl>
-                                        <p:attrNameLst>
-                                          <p:attrName>style.visibility</p:attrName>
-                                        </p:attrNameLst>
-                                      </p:cBhvr>
-                                      <p:to>
-                                        <p:strVal val="visible"/>
-                                      </p:to>
-                                    </p:set>
-                                    <p:animEffect transition="in" filter="fade">
-                                      <p:cBhvr>
-                                        <p:cTn id="30" dur="200"/>
-                                        <p:tgtEl>
-                                          <p:spTgt spid="35"/>
-                                        </p:tgtEl>
-                                      </p:cBhvr>
-                                    </p:animEffect>
-                                  </p:childTnLst>
-                                </p:cTn>
-                              </p:par>
-                            </p:childTnLst>
-                          </p:cTn>
-                        </p:par>
-                        <p:par>
-                          <p:cTn id="31" fill="hold">
-                            <p:stCondLst>
-                              <p:cond delay="0"/>
-                            </p:stCondLst>
-                            <p:childTnLst>
-                              <p:par>
-                                <p:cTn id="32" presetID="2" presetClass="entr" presetSubtype="8" fill="hold" nodeType="afterEffect">
-                                  <p:stCondLst>
-                                    <p:cond delay="0"/>
-                                  </p:stCondLst>
-                                  <p:childTnLst>
-                                    <p:set>
-                                      <p:cBhvr>
-                                        <p:cTn id="33" dur="1" fill="hold">
-                                          <p:stCondLst>
-                                            <p:cond delay="0"/>
-                                          </p:stCondLst>
-                                        </p:cTn>
-                                        <p:tgtEl>
-                                          <p:spTgt spid="30"/>
-                                        </p:tgtEl>
-                                        <p:attrNameLst>
-                                          <p:attrName>style.visibility</p:attrName>
-                                        </p:attrNameLst>
-                                      </p:cBhvr>
-                                      <p:to>
-                                        <p:strVal val="visible"/>
-                                      </p:to>
-                                    </p:set>
-                                    <p:anim calcmode="lin" valueType="num">
-                                      <p:cBhvr additive="base">
-                                        <p:cTn id="34" dur="500" fill="hold"/>
-                                        <p:tgtEl>
-                                          <p:spTgt spid="30"/>
-                                        </p:tgtEl>
-                                        <p:attrNameLst>
-                                          <p:attrName>ppt_x</p:attrName>
-                                        </p:attrNameLst>
-                                      </p:cBhvr>
-                                      <p:tavLst>
-                                        <p:tav tm="0">
-                                          <p:val>
-                                            <p:strVal val="0-#ppt_w/2"/>
-                                          </p:val>
-                                        </p:tav>
-                                        <p:tav tm="100000">
-                                          <p:val>
-                                            <p:strVal val="#ppt_x"/>
-                                          </p:val>
-                                        </p:tav>
-                                      </p:tavLst>
-                                    </p:anim>
-                                    <p:anim calcmode="lin" valueType="num">
-                                      <p:cBhvr additive="base">
-                                        <p:cTn id="35" dur="500" fill="hold"/>
-                                        <p:tgtEl>
-                                          <p:spTgt spid="30"/>
-                                        </p:tgtEl>
-                                        <p:attrNameLst>
-                                          <p:attrName>ppt_y</p:attrName>
-                                        </p:attrNameLst>
-                                      </p:cBhvr>
-                                      <p:tavLst>
-                                        <p:tav tm="0">
-                                          <p:val>
-                                            <p:strVal val="#ppt_y"/>
-                                          </p:val>
-                                        </p:tav>
-                                        <p:tav tm="100000">
-                                          <p:val>
-                                            <p:strVal val="#ppt_y"/>
-                                          </p:val>
-                                        </p:tav>
-                                      </p:tavLst>
-                                    </p:anim>
-                                  </p:childTnLst>
-                                </p:cTn>
-                              </p:par>
-                              <p:par>
-                                <p:cTn id="36" presetID="2" presetClass="entr" presetSubtype="2" fill="hold" nodeType="withEffect">
-                                  <p:stCondLst>
-                                    <p:cond delay="0"/>
-                                  </p:stCondLst>
-                                  <p:childTnLst>
-                                    <p:set>
-                                      <p:cBhvr>
-                                        <p:cTn id="37" dur="1" fill="hold">
-                                          <p:stCondLst>
-                                            <p:cond delay="0"/>
-                                          </p:stCondLst>
-                                        </p:cTn>
-                                        <p:tgtEl>
-                                          <p:spTgt spid="31"/>
-                                        </p:tgtEl>
-                                        <p:attrNameLst>
-                                          <p:attrName>style.visibility</p:attrName>
-                                        </p:attrNameLst>
-                                      </p:cBhvr>
-                                      <p:to>
-                                        <p:strVal val="visible"/>
-                                      </p:to>
-                                    </p:set>
-                                    <p:anim calcmode="lin" valueType="num">
-                                      <p:cBhvr additive="base">
-                                        <p:cTn id="38" dur="500" fill="hold"/>
-                                        <p:tgtEl>
-                                          <p:spTgt spid="31"/>
-                                        </p:tgtEl>
-                                        <p:attrNameLst>
-                                          <p:attrName>ppt_x</p:attrName>
-                                        </p:attrNameLst>
-                                      </p:cBhvr>
-                                      <p:tavLst>
-                                        <p:tav tm="0">
-                                          <p:val>
-                                            <p:strVal val="1+#ppt_w/2"/>
-                                          </p:val>
-                                        </p:tav>
-                                        <p:tav tm="100000">
-                                          <p:val>
-                                            <p:strVal val="#ppt_x"/>
-                                          </p:val>
-                                        </p:tav>
-                                      </p:tavLst>
-                                    </p:anim>
-                                    <p:anim calcmode="lin" valueType="num">
-                                      <p:cBhvr additive="base">
-                                        <p:cTn id="39" dur="500" fill="hold"/>
-                                        <p:tgtEl>
-                                          <p:spTgt spid="31"/>
-                                        </p:tgtEl>
-                                        <p:attrNameLst>
-                                          <p:attrName>ppt_y</p:attrName>
-                                        </p:attrNameLst>
-                                      </p:cBhvr>
-                                      <p:tavLst>
-                                        <p:tav tm="0">
-                                          <p:val>
-                                            <p:strVal val="#ppt_y"/>
-                                          </p:val>
-                                        </p:tav>
-                                        <p:tav tm="100000">
-                                          <p:val>
-                                            <p:strVal val="#ppt_y"/>
-                                          </p:val>
-                                        </p:tav>
-                                      </p:tavLst>
-                                    </p:anim>
-                                  </p:childTnLst>
-                                </p:cTn>
-                              </p:par>
-                            </p:childTnLst>
-                          </p:cTn>
-                        </p:par>
-                        <p:par>
-                          <p:cTn id="40" fill="hold">
-                            <p:stCondLst>
-                              <p:cond delay="500"/>
-                            </p:stCondLst>
-                            <p:childTnLst>
-                              <p:par>
-                                <p:cTn id="41" presetID="16" presetClass="entr" presetSubtype="37" fill="hold" grpId="0" nodeType="afterEffect">
-                                  <p:stCondLst>
-                                    <p:cond delay="0"/>
-                                  </p:stCondLst>
-                                  <p:childTnLst>
-                                    <p:set>
-                                      <p:cBhvr>
-                                        <p:cTn id="42" dur="1" fill="hold">
-                                          <p:stCondLst>
-                                            <p:cond delay="0"/>
-                                          </p:stCondLst>
-                                        </p:cTn>
-                                        <p:tgtEl>
-                                          <p:spTgt spid="42"/>
-                                        </p:tgtEl>
-                                        <p:attrNameLst>
-                                          <p:attrName>style.visibility</p:attrName>
-                                        </p:attrNameLst>
-                                      </p:cBhvr>
-                                      <p:to>
-                                        <p:strVal val="visible"/>
-                                      </p:to>
-                                    </p:set>
-                                    <p:animEffect transition="in" filter="barn(outVertical)">
-                                      <p:cBhvr>
-                                        <p:cTn id="43" dur="1000"/>
-                                        <p:tgtEl>
-                                          <p:spTgt spid="42"/>
-                                        </p:tgtEl>
-                                      </p:cBhvr>
-                                    </p:animEffect>
-                                  </p:childTnLst>
-                                </p:cTn>
-                              </p:par>
-                            </p:childTnLst>
-                          </p:cTn>
-                        </p:par>
-                        <p:par>
-                          <p:cTn id="44" fill="hold">
-                            <p:stCondLst>
-                              <p:cond delay="1500"/>
-                            </p:stCondLst>
-                            <p:childTnLst>
-                              <p:par>
-                                <p:cTn id="45" presetID="22" presetClass="entr" presetSubtype="8" fill="hold" nodeType="afterEffect">
-                                  <p:stCondLst>
-                                    <p:cond delay="0"/>
-                                  </p:stCondLst>
-                                  <p:childTnLst>
-                                    <p:set>
-                                      <p:cBhvr>
-                                        <p:cTn id="46" dur="1" fill="hold">
-                                          <p:stCondLst>
-                                            <p:cond delay="0"/>
-                                          </p:stCondLst>
-                                        </p:cTn>
-                                        <p:tgtEl>
-                                          <p:spTgt spid="44"/>
-                                        </p:tgtEl>
-                                        <p:attrNameLst>
-                                          <p:attrName>style.visibility</p:attrName>
-                                        </p:attrNameLst>
-                                      </p:cBhvr>
-                                      <p:to>
-                                        <p:strVal val="visible"/>
-                                      </p:to>
-                                    </p:set>
-                                    <p:animEffect transition="in" filter="wipe(left)">
-                                      <p:cBhvr>
-                                        <p:cTn id="47" dur="500"/>
-                                        <p:tgtEl>
-                                          <p:spTgt spid="44"/>
-                                        </p:tgtEl>
-                                      </p:cBhvr>
-                                    </p:animEffect>
-                                  </p:childTnLst>
-                                </p:cTn>
-                              </p:par>
-                            </p:childTnLst>
-                          </p:cTn>
-                        </p:par>
-                        <p:par>
-                          <p:cTn id="48" fill="hold">
-                            <p:stCondLst>
-                              <p:cond delay="2000"/>
-                            </p:stCondLst>
-                            <p:childTnLst>
-                              <p:par>
-                                <p:cTn id="49" presetID="12" presetClass="entr" presetSubtype="4" fill="hold" grpId="0" nodeType="afterEffect">
-                                  <p:stCondLst>
-                                    <p:cond delay="0"/>
-                                  </p:stCondLst>
-                                  <p:childTnLst>
-                                    <p:set>
-                                      <p:cBhvr>
-                                        <p:cTn id="50" dur="1" fill="hold">
-                                          <p:stCondLst>
-                                            <p:cond delay="0"/>
-                                          </p:stCondLst>
-                                        </p:cTn>
-                                        <p:tgtEl>
-                                          <p:spTgt spid="41"/>
-                                        </p:tgtEl>
-                                        <p:attrNameLst>
-                                          <p:attrName>style.visibility</p:attrName>
-                                        </p:attrNameLst>
-                                      </p:cBhvr>
-                                      <p:to>
-                                        <p:strVal val="visible"/>
-                                      </p:to>
-                                    </p:set>
-                                    <p:anim calcmode="lin" valueType="num">
-                                      <p:cBhvr additive="base">
-                                        <p:cTn id="51" dur="500"/>
-                                        <p:tgtEl>
-                                          <p:spTgt spid="41"/>
-                                        </p:tgtEl>
-                                        <p:attrNameLst>
-                                          <p:attrName>ppt_y</p:attrName>
-                                        </p:attrNameLst>
-                                      </p:cBhvr>
-                                      <p:tavLst>
-                                        <p:tav tm="0">
-                                          <p:val>
-                                            <p:strVal val="#ppt_y+#ppt_h*1.125000"/>
-                                          </p:val>
-                                        </p:tav>
-                                        <p:tav tm="100000">
-                                          <p:val>
-                                            <p:strVal val="#ppt_y"/>
-                                          </p:val>
-                                        </p:tav>
-                                      </p:tavLst>
-                                    </p:anim>
-                                    <p:animEffect transition="in" filter="wipe(up)">
-                                      <p:cBhvr>
-                                        <p:cTn id="52" dur="500"/>
-                                        <p:tgtEl>
-                                          <p:spTgt spid="41"/>
-                                        </p:tgtEl>
-                                      </p:cBhvr>
-                                    </p:animEffect>
-                                  </p:childTnLst>
-                                </p:cTn>
-                              </p:par>
-                            </p:childTnLst>
-                          </p:cTn>
-                        </p:par>
-                        <p:par>
-                          <p:cTn id="53" fill="hold">
-                            <p:stCondLst>
-                              <p:cond delay="2500"/>
-                            </p:stCondLst>
-                            <p:childTnLst>
-                              <p:par>
-                                <p:cTn id="54" presetID="12" presetClass="entr" presetSubtype="4" fill="hold" grpId="0" nodeType="afterEffect">
-                                  <p:stCondLst>
-                                    <p:cond delay="0"/>
-                                  </p:stCondLst>
-                                  <p:childTnLst>
-                                    <p:set>
-                                      <p:cBhvr>
-                                        <p:cTn id="55" dur="1" fill="hold">
-                                          <p:stCondLst>
-                                            <p:cond delay="0"/>
-                                          </p:stCondLst>
-                                        </p:cTn>
-                                        <p:tgtEl>
-                                          <p:spTgt spid="43"/>
-                                        </p:tgtEl>
-                                        <p:attrNameLst>
-                                          <p:attrName>style.visibility</p:attrName>
-                                        </p:attrNameLst>
-                                      </p:cBhvr>
-                                      <p:to>
-                                        <p:strVal val="visible"/>
-                                      </p:to>
-                                    </p:set>
-                                    <p:anim calcmode="lin" valueType="num">
-                                      <p:cBhvr additive="base">
-                                        <p:cTn id="56" dur="500"/>
-                                        <p:tgtEl>
-                                          <p:spTgt spid="43"/>
-                                        </p:tgtEl>
-                                        <p:attrNameLst>
-                                          <p:attrName>ppt_y</p:attrName>
-                                        </p:attrNameLst>
-                                      </p:cBhvr>
-                                      <p:tavLst>
-                                        <p:tav tm="0">
-                                          <p:val>
-                                            <p:strVal val="#ppt_y+#ppt_h*1.125000"/>
-                                          </p:val>
-                                        </p:tav>
-                                        <p:tav tm="100000">
-                                          <p:val>
-                                            <p:strVal val="#ppt_y"/>
-                                          </p:val>
-                                        </p:tav>
-                                      </p:tavLst>
-                                    </p:anim>
-                                    <p:animEffect transition="in" filter="wipe(up)">
-                                      <p:cBhvr>
-                                        <p:cTn id="57" dur="500"/>
-                                        <p:tgtEl>
-                                          <p:spTgt spid="43"/>
-                                        </p:tgtEl>
-                                      </p:cBhvr>
-                                    </p:animEffect>
-                                  </p:childTnLst>
-                                </p:cTn>
-                              </p:par>
-                            </p:childTnLst>
-                          </p:cTn>
-                        </p:par>
-                      </p:childTnLst>
-                    </p:cTn>
-                  </p:par>
-                </p:childTnLst>
-              </p:cTn>
-              <p:prevCondLst>
-                <p:cond evt="onPrev" delay="0">
-                  <p:tgtEl>
-                    <p:sldTgt/>
-                  </p:tgtEl>
-                </p:cond>
-              </p:prevCondLst>
-              <p:nextCondLst>
-                <p:cond evt="onNext" delay="0">
-                  <p:tgtEl>
-                    <p:sldTgt/>
-                  </p:tgtEl>
-                </p:cond>
-              </p:nextCondLst>
-            </p:seq>
-            <p:audio>
-              <p:cMediaNode vol="80000" numSld="999" showWhenStopped="0">
-                <p:cTn id="58" repeatCount="indefinite" fill="hold" display="0">
-                  <p:stCondLst>
-                    <p:cond delay="indefinite"/>
-                  </p:stCondLst>
-                  <p:endCondLst>
-                    <p:cond evt="onStopAudio" delay="0">
-                      <p:tgtEl>
-                        <p:sldTgt/>
-                      </p:tgtEl>
-                    </p:cond>
-                  </p:endCondLst>
-                </p:cTn>
-                <p:tgtEl>
-                  <p:spTgt spid="46"/>
-                </p:tgtEl>
-              </p:cMediaNode>
-            </p:audio>
-          </p:childTnLst>
-        </p:cTn>
+        <p:cTn id="1" dur="indefinite" restart="never" nodeType="tmRoot"/>
       </p:par>
     </p:tnLst>
-    <p:bldLst>
-      <p:bldP spid="32" grpId="0" bldLvl="0" animBg="1"/>
-      <p:bldP spid="33" grpId="0" bldLvl="0" animBg="1"/>
-      <p:bldP spid="34" grpId="0" bldLvl="0" animBg="1"/>
-      <p:bldP spid="35" grpId="0" bldLvl="0" animBg="1"/>
-      <p:bldP spid="36" grpId="0" bldLvl="0" animBg="1"/>
-      <p:bldP spid="37" grpId="0" bldLvl="0" animBg="1"/>
-      <p:bldP spid="38" grpId="0" bldLvl="0" animBg="1"/>
-      <p:bldP spid="39" grpId="0" bldLvl="0" animBg="1"/>
-      <p:bldP spid="41" grpId="0"/>
-      <p:bldP spid="42" grpId="0" bldLvl="0" animBg="1"/>
-      <p:bldP spid="43" grpId="0"/>
-    </p:bldLst>
   </p:timing>
 </p:sld>
 </file>
@@ -11103,9 +13751,11 @@
       </a:bgFillStyleLst>
     </a:fmtScheme>
   </a:themeElements>
+  <a:objectDefaults/>
+  <a:extraClrSchemeLst/>
   <a:extLst>
     <a:ext uri="{05A4C25C-085E-4340-85A3-A5531E510DB2}">
-      <thm15:themeFamily xmlns:thm15="http://schemas.microsoft.com/office/thememl/2012/main" name="Office Theme" id="{62F939B6-93AF-4DB8-9C6B-D6C7DFDC589F}" vid="{4A3C46E8-61CC-4603-A589-7422A47A8E4A}"/>
+      <thm15:themeFamily xmlns:thm15="http://schemas.microsoft.com/office/thememl/2012/main" xmlns="" name="Office Theme" id="{62F939B6-93AF-4DB8-9C6B-D6C7DFDC589F}" vid="{4A3C46E8-61CC-4603-A589-7422A47A8E4A}"/>
     </a:ext>
   </a:extLst>
 </a:theme>
@@ -11391,9 +14041,11 @@
       </a:bgFillStyleLst>
     </a:fmtScheme>
   </a:themeElements>
+  <a:objectDefaults/>
+  <a:extraClrSchemeLst/>
   <a:extLst>
     <a:ext uri="{05A4C25C-085E-4340-85A3-A5531E510DB2}">
-      <thm15:themeFamily xmlns:thm15="http://schemas.microsoft.com/office/thememl/2012/main" name="Office Theme" id="{62F939B6-93AF-4DB8-9C6B-D6C7DFDC589F}" vid="{4A3C46E8-61CC-4603-A589-7422A47A8E4A}"/>
+      <thm15:themeFamily xmlns:thm15="http://schemas.microsoft.com/office/thememl/2012/main" xmlns="" name="Office Theme" id="{62F939B6-93AF-4DB8-9C6B-D6C7DFDC589F}" vid="{4A3C46E8-61CC-4603-A589-7422A47A8E4A}"/>
     </a:ext>
   </a:extLst>
 </a:theme>
@@ -11679,9 +14331,11 @@
       </a:bgFillStyleLst>
     </a:fmtScheme>
   </a:themeElements>
+  <a:objectDefaults/>
+  <a:extraClrSchemeLst/>
   <a:extLst>
     <a:ext uri="{05A4C25C-085E-4340-85A3-A5531E510DB2}">
-      <thm15:themeFamily xmlns:thm15="http://schemas.microsoft.com/office/thememl/2012/main" name="Office Theme" id="{62F939B6-93AF-4DB8-9C6B-D6C7DFDC589F}" vid="{4A3C46E8-61CC-4603-A589-7422A47A8E4A}"/>
+      <thm15:themeFamily xmlns:thm15="http://schemas.microsoft.com/office/thememl/2012/main" xmlns="" name="Office Theme" id="{62F939B6-93AF-4DB8-9C6B-D6C7DFDC589F}" vid="{4A3C46E8-61CC-4603-A589-7422A47A8E4A}"/>
     </a:ext>
   </a:extLst>
 </a:theme>

--- a/非受控文档/06-公用/PRD2018-G11-UML基础3.pptx
+++ b/非受控文档/06-公用/PRD2018-G11-UML基础3.pptx
@@ -5,27 +5,31 @@
     <p:sldMasterId id="2147483648" r:id="rId1"/>
   </p:sldMasterIdLst>
   <p:notesMasterIdLst>
-    <p:notesMasterId r:id="rId15"/>
+    <p:notesMasterId r:id="rId4"/>
   </p:notesMasterIdLst>
   <p:handoutMasterIdLst>
-    <p:handoutMasterId r:id="rId16"/>
+    <p:handoutMasterId r:id="rId21"/>
   </p:handoutMasterIdLst>
   <p:sldIdLst>
-    <p:sldId id="370" r:id="rId2"/>
-    <p:sldId id="492" r:id="rId3"/>
-    <p:sldId id="439" r:id="rId4"/>
-    <p:sldId id="545" r:id="rId5"/>
-    <p:sldId id="546" r:id="rId6"/>
-    <p:sldId id="621" r:id="rId7"/>
-    <p:sldId id="622" r:id="rId8"/>
-    <p:sldId id="623" r:id="rId9"/>
-    <p:sldId id="624" r:id="rId10"/>
-    <p:sldId id="625" r:id="rId11"/>
-    <p:sldId id="455" r:id="rId12"/>
-    <p:sldId id="532" r:id="rId13"/>
-    <p:sldId id="436" r:id="rId14"/>
+    <p:sldId id="370" r:id="rId3"/>
+    <p:sldId id="492" r:id="rId5"/>
+    <p:sldId id="439" r:id="rId6"/>
+    <p:sldId id="545" r:id="rId7"/>
+    <p:sldId id="546" r:id="rId8"/>
+    <p:sldId id="621" r:id="rId9"/>
+    <p:sldId id="629" r:id="rId10"/>
+    <p:sldId id="630" r:id="rId11"/>
+    <p:sldId id="631" r:id="rId12"/>
+    <p:sldId id="632" r:id="rId13"/>
+    <p:sldId id="622" r:id="rId14"/>
+    <p:sldId id="623" r:id="rId15"/>
+    <p:sldId id="624" r:id="rId16"/>
+    <p:sldId id="625" r:id="rId17"/>
+    <p:sldId id="455" r:id="rId18"/>
+    <p:sldId id="532" r:id="rId19"/>
+    <p:sldId id="436" r:id="rId20"/>
   </p:sldIdLst>
-  <p:sldSz cx="12190413" cy="6859588"/>
+  <p:sldSz cx="12190095" cy="6859270"/>
   <p:notesSz cx="6858000" cy="9144000"/>
   <p:defaultTextStyle>
     <a:defPPr>
@@ -207,7 +211,6 @@
           <a:p>
             <a:fld id="{5D1C15E6-6BD2-4E4B-B1D4-218C26E1B228}" type="datetimeFigureOut">
               <a:rPr lang="zh-CN" altLang="en-US" smtClean="0"/>
-              <a:t>2018/12/9</a:t>
             </a:fld>
             <a:endParaRPr lang="zh-CN" altLang="en-US"/>
           </a:p>
@@ -273,18 +276,12 @@
           <a:p>
             <a:fld id="{E655EDCA-2189-4435-B38B-6F3C2C044356}" type="slidenum">
               <a:rPr lang="zh-CN" altLang="en-US" smtClean="0"/>
-              <a:t>‹#›</a:t>
             </a:fld>
             <a:endParaRPr lang="zh-CN" altLang="en-US"/>
           </a:p>
         </p:txBody>
       </p:sp>
     </p:spTree>
-    <p:extLst>
-      <p:ext uri="{BB962C8B-B14F-4D97-AF65-F5344CB8AC3E}">
-        <p14:creationId xmlns:p14="http://schemas.microsoft.com/office/powerpoint/2010/main" val="1508458059"/>
-      </p:ext>
-    </p:extLst>
   </p:cSld>
   <p:clrMap bg1="lt1" tx1="dk1" bg2="lt2" tx2="dk2" accent1="accent1" accent2="accent2" accent3="accent3" accent4="accent4" accent5="accent5" accent6="accent6" hlink="hlink" folHlink="folHlink"/>
 </p:handoutMaster>
@@ -372,7 +369,6 @@
           <a:p>
             <a:fld id="{0B17430C-5A66-4BD0-A971-34190B6C6019}" type="datetimeFigureOut">
               <a:rPr lang="zh-CN" altLang="en-US" smtClean="0"/>
-              <a:t>2018/12/9</a:t>
             </a:fld>
             <a:endParaRPr lang="zh-CN" altLang="en-US"/>
           </a:p>
@@ -439,6 +435,7 @@
               <a:rPr lang="zh-CN" altLang="en-US" smtClean="0"/>
               <a:t>单击此处编辑母版文本样式</a:t>
             </a:r>
+            <a:endParaRPr lang="zh-CN" altLang="en-US" smtClean="0"/>
           </a:p>
           <a:p>
             <a:pPr lvl="1"/>
@@ -446,6 +443,7 @@
               <a:rPr lang="zh-CN" altLang="en-US" smtClean="0"/>
               <a:t>第二级</a:t>
             </a:r>
+            <a:endParaRPr lang="zh-CN" altLang="en-US" smtClean="0"/>
           </a:p>
           <a:p>
             <a:pPr lvl="2"/>
@@ -453,6 +451,7 @@
               <a:rPr lang="zh-CN" altLang="en-US" smtClean="0"/>
               <a:t>第三级</a:t>
             </a:r>
+            <a:endParaRPr lang="zh-CN" altLang="en-US" smtClean="0"/>
           </a:p>
           <a:p>
             <a:pPr lvl="3"/>
@@ -460,6 +459,7 @@
               <a:rPr lang="zh-CN" altLang="en-US" smtClean="0"/>
               <a:t>第四级</a:t>
             </a:r>
+            <a:endParaRPr lang="zh-CN" altLang="en-US" smtClean="0"/>
           </a:p>
           <a:p>
             <a:pPr lvl="4"/>
@@ -531,18 +531,12 @@
           <a:p>
             <a:fld id="{74AC173A-3DA8-4893-B28A-1E15F55C330A}" type="slidenum">
               <a:rPr lang="zh-CN" altLang="en-US" smtClean="0"/>
-              <a:t>‹#›</a:t>
             </a:fld>
             <a:endParaRPr lang="zh-CN" altLang="en-US"/>
           </a:p>
         </p:txBody>
       </p:sp>
     </p:spTree>
-    <p:extLst>
-      <p:ext uri="{BB962C8B-B14F-4D97-AF65-F5344CB8AC3E}">
-        <p14:creationId xmlns:p14="http://schemas.microsoft.com/office/powerpoint/2010/main" val="1322345659"/>
-      </p:ext>
-    </p:extLst>
   </p:cSld>
   <p:clrMap bg1="lt1" tx1="dk1" bg2="lt2" tx2="dk2" accent1="accent1" accent2="accent2" accent3="accent3" accent4="accent4" accent5="accent5" accent6="accent6" hlink="hlink" folHlink="folHlink"/>
   <p:notesStyle>
@@ -705,7 +699,6 @@
           <a:p>
             <a:fld id="{74AC173A-3DA8-4893-B28A-1E15F55C330A}" type="slidenum">
               <a:rPr lang="zh-CN" altLang="en-US" smtClean="0"/>
-              <a:t>1</a:t>
             </a:fld>
             <a:endParaRPr lang="zh-CN" altLang="en-US"/>
           </a:p>
@@ -784,7 +777,6 @@
           <a:p>
             <a:fld id="{74AC173A-3DA8-4893-B28A-1E15F55C330A}" type="slidenum">
               <a:rPr lang="zh-CN" altLang="en-US" smtClean="0"/>
-              <a:t>2</a:t>
             </a:fld>
             <a:endParaRPr lang="zh-CN" altLang="en-US"/>
           </a:p>
@@ -807,64 +799,29 @@
         <p:cNvGrpSpPr/>
         <p:nvPr/>
       </p:nvGrpSpPr>
-      <p:grpSpPr>
-        <a:xfrm>
-          <a:off x="0" y="0"/>
-          <a:ext cx="0" cy="0"/>
-          <a:chOff x="0" y="0"/>
-          <a:chExt cx="0" cy="0"/>
-        </a:xfrm>
-      </p:grpSpPr>
+      <p:grpSpPr/>
       <p:sp>
         <p:nvSpPr>
           <p:cNvPr id="2" name="幻灯片图像占位符 1"/>
-          <p:cNvSpPr>
-            <a:spLocks noGrp="1" noRot="1" noChangeAspect="1"/>
-          </p:cNvSpPr>
+          <p:cNvSpPr/>
           <p:nvPr>
-            <p:ph type="sldImg"/>
+            <p:ph type="sldImg" idx="2"/>
           </p:nvPr>
         </p:nvSpPr>
         <p:spPr/>
       </p:sp>
       <p:sp>
         <p:nvSpPr>
-          <p:cNvPr id="3" name="备注占位符 2"/>
-          <p:cNvSpPr>
-            <a:spLocks noGrp="1"/>
-          </p:cNvSpPr>
+          <p:cNvPr id="3" name="文本占位符 2"/>
+          <p:cNvSpPr/>
           <p:nvPr>
-            <p:ph type="body" idx="1"/>
+            <p:ph type="body" idx="3"/>
           </p:nvPr>
         </p:nvSpPr>
         <p:spPr/>
         <p:txBody>
           <a:bodyPr/>
-          <a:lstStyle/>
           <a:p>
-            <a:endParaRPr lang="zh-CN" altLang="en-US"/>
-          </a:p>
-        </p:txBody>
-      </p:sp>
-      <p:sp>
-        <p:nvSpPr>
-          <p:cNvPr id="4" name="灯片编号占位符 3"/>
-          <p:cNvSpPr>
-            <a:spLocks noGrp="1"/>
-          </p:cNvSpPr>
-          <p:nvPr>
-            <p:ph type="sldNum" sz="quarter" idx="10"/>
-          </p:nvPr>
-        </p:nvSpPr>
-        <p:spPr/>
-        <p:txBody>
-          <a:bodyPr/>
-          <a:lstStyle/>
-          <a:p>
-            <a:fld id="{74AC173A-3DA8-4893-B28A-1E15F55C330A}" type="slidenum">
-              <a:rPr lang="zh-CN" altLang="en-US" smtClean="0"/>
-              <a:t>11</a:t>
-            </a:fld>
             <a:endParaRPr lang="zh-CN" altLang="en-US"/>
           </a:p>
         </p:txBody>
@@ -886,64 +843,29 @@
         <p:cNvGrpSpPr/>
         <p:nvPr/>
       </p:nvGrpSpPr>
-      <p:grpSpPr>
-        <a:xfrm>
-          <a:off x="0" y="0"/>
-          <a:ext cx="0" cy="0"/>
-          <a:chOff x="0" y="0"/>
-          <a:chExt cx="0" cy="0"/>
-        </a:xfrm>
-      </p:grpSpPr>
+      <p:grpSpPr/>
       <p:sp>
         <p:nvSpPr>
           <p:cNvPr id="2" name="幻灯片图像占位符 1"/>
-          <p:cNvSpPr>
-            <a:spLocks noGrp="1" noRot="1" noChangeAspect="1"/>
-          </p:cNvSpPr>
+          <p:cNvSpPr/>
           <p:nvPr>
-            <p:ph type="sldImg"/>
+            <p:ph type="sldImg" idx="2"/>
           </p:nvPr>
         </p:nvSpPr>
         <p:spPr/>
       </p:sp>
       <p:sp>
         <p:nvSpPr>
-          <p:cNvPr id="3" name="备注占位符 2"/>
-          <p:cNvSpPr>
-            <a:spLocks noGrp="1"/>
-          </p:cNvSpPr>
+          <p:cNvPr id="3" name="文本占位符 2"/>
+          <p:cNvSpPr/>
           <p:nvPr>
-            <p:ph type="body" idx="1"/>
+            <p:ph type="body" idx="3"/>
           </p:nvPr>
         </p:nvSpPr>
         <p:spPr/>
         <p:txBody>
           <a:bodyPr/>
-          <a:lstStyle/>
           <a:p>
-            <a:endParaRPr lang="zh-CN" altLang="en-US"/>
-          </a:p>
-        </p:txBody>
-      </p:sp>
-      <p:sp>
-        <p:nvSpPr>
-          <p:cNvPr id="4" name="灯片编号占位符 3"/>
-          <p:cNvSpPr>
-            <a:spLocks noGrp="1"/>
-          </p:cNvSpPr>
-          <p:nvPr>
-            <p:ph type="sldNum" sz="quarter" idx="10"/>
-          </p:nvPr>
-        </p:nvSpPr>
-        <p:spPr/>
-        <p:txBody>
-          <a:bodyPr/>
-          <a:lstStyle/>
-          <a:p>
-            <a:fld id="{74AC173A-3DA8-4893-B28A-1E15F55C330A}" type="slidenum">
-              <a:rPr lang="zh-CN" altLang="en-US" smtClean="0"/>
-              <a:t>12</a:t>
-            </a:fld>
             <a:endParaRPr lang="zh-CN" altLang="en-US"/>
           </a:p>
         </p:txBody>
@@ -1021,7 +943,162 @@
           <a:p>
             <a:fld id="{74AC173A-3DA8-4893-B28A-1E15F55C330A}" type="slidenum">
               <a:rPr lang="zh-CN" altLang="en-US" smtClean="0"/>
-              <a:t>13</a:t>
+            </a:fld>
+            <a:endParaRPr lang="zh-CN" altLang="en-US"/>
+          </a:p>
+        </p:txBody>
+      </p:sp>
+    </p:spTree>
+  </p:cSld>
+  <p:clrMapOvr>
+    <a:masterClrMapping/>
+  </p:clrMapOvr>
+</p:notes>
+</file>
+
+<file path=ppt/notesSlides/notesSlide6.xml><?xml version="1.0" encoding="utf-8"?>
+<p:notes xmlns:a="http://schemas.openxmlformats.org/drawingml/2006/main" xmlns:r="http://schemas.openxmlformats.org/officeDocument/2006/relationships" xmlns:p="http://schemas.openxmlformats.org/presentationml/2006/main">
+  <p:cSld>
+    <p:spTree>
+      <p:nvGrpSpPr>
+        <p:cNvPr id="1" name=""/>
+        <p:cNvGrpSpPr/>
+        <p:nvPr/>
+      </p:nvGrpSpPr>
+      <p:grpSpPr>
+        <a:xfrm>
+          <a:off x="0" y="0"/>
+          <a:ext cx="0" cy="0"/>
+          <a:chOff x="0" y="0"/>
+          <a:chExt cx="0" cy="0"/>
+        </a:xfrm>
+      </p:grpSpPr>
+      <p:sp>
+        <p:nvSpPr>
+          <p:cNvPr id="2" name="幻灯片图像占位符 1"/>
+          <p:cNvSpPr>
+            <a:spLocks noGrp="1" noRot="1" noChangeAspect="1"/>
+          </p:cNvSpPr>
+          <p:nvPr>
+            <p:ph type="sldImg"/>
+          </p:nvPr>
+        </p:nvSpPr>
+        <p:spPr/>
+      </p:sp>
+      <p:sp>
+        <p:nvSpPr>
+          <p:cNvPr id="3" name="备注占位符 2"/>
+          <p:cNvSpPr>
+            <a:spLocks noGrp="1"/>
+          </p:cNvSpPr>
+          <p:nvPr>
+            <p:ph type="body" idx="1"/>
+          </p:nvPr>
+        </p:nvSpPr>
+        <p:spPr/>
+        <p:txBody>
+          <a:bodyPr/>
+          <a:lstStyle/>
+          <a:p>
+            <a:endParaRPr lang="zh-CN" altLang="en-US"/>
+          </a:p>
+        </p:txBody>
+      </p:sp>
+      <p:sp>
+        <p:nvSpPr>
+          <p:cNvPr id="4" name="灯片编号占位符 3"/>
+          <p:cNvSpPr>
+            <a:spLocks noGrp="1"/>
+          </p:cNvSpPr>
+          <p:nvPr>
+            <p:ph type="sldNum" sz="quarter" idx="10"/>
+          </p:nvPr>
+        </p:nvSpPr>
+        <p:spPr/>
+        <p:txBody>
+          <a:bodyPr/>
+          <a:lstStyle/>
+          <a:p>
+            <a:fld id="{74AC173A-3DA8-4893-B28A-1E15F55C330A}" type="slidenum">
+              <a:rPr lang="zh-CN" altLang="en-US" smtClean="0"/>
+            </a:fld>
+            <a:endParaRPr lang="zh-CN" altLang="en-US"/>
+          </a:p>
+        </p:txBody>
+      </p:sp>
+    </p:spTree>
+  </p:cSld>
+  <p:clrMapOvr>
+    <a:masterClrMapping/>
+  </p:clrMapOvr>
+</p:notes>
+</file>
+
+<file path=ppt/notesSlides/notesSlide7.xml><?xml version="1.0" encoding="utf-8"?>
+<p:notes xmlns:a="http://schemas.openxmlformats.org/drawingml/2006/main" xmlns:r="http://schemas.openxmlformats.org/officeDocument/2006/relationships" xmlns:p="http://schemas.openxmlformats.org/presentationml/2006/main">
+  <p:cSld>
+    <p:spTree>
+      <p:nvGrpSpPr>
+        <p:cNvPr id="1" name=""/>
+        <p:cNvGrpSpPr/>
+        <p:nvPr/>
+      </p:nvGrpSpPr>
+      <p:grpSpPr>
+        <a:xfrm>
+          <a:off x="0" y="0"/>
+          <a:ext cx="0" cy="0"/>
+          <a:chOff x="0" y="0"/>
+          <a:chExt cx="0" cy="0"/>
+        </a:xfrm>
+      </p:grpSpPr>
+      <p:sp>
+        <p:nvSpPr>
+          <p:cNvPr id="2" name="幻灯片图像占位符 1"/>
+          <p:cNvSpPr>
+            <a:spLocks noGrp="1" noRot="1" noChangeAspect="1"/>
+          </p:cNvSpPr>
+          <p:nvPr>
+            <p:ph type="sldImg"/>
+          </p:nvPr>
+        </p:nvSpPr>
+        <p:spPr/>
+      </p:sp>
+      <p:sp>
+        <p:nvSpPr>
+          <p:cNvPr id="3" name="备注占位符 2"/>
+          <p:cNvSpPr>
+            <a:spLocks noGrp="1"/>
+          </p:cNvSpPr>
+          <p:nvPr>
+            <p:ph type="body" idx="1"/>
+          </p:nvPr>
+        </p:nvSpPr>
+        <p:spPr/>
+        <p:txBody>
+          <a:bodyPr/>
+          <a:lstStyle/>
+          <a:p>
+            <a:endParaRPr lang="zh-CN" altLang="en-US"/>
+          </a:p>
+        </p:txBody>
+      </p:sp>
+      <p:sp>
+        <p:nvSpPr>
+          <p:cNvPr id="4" name="灯片编号占位符 3"/>
+          <p:cNvSpPr>
+            <a:spLocks noGrp="1"/>
+          </p:cNvSpPr>
+          <p:nvPr>
+            <p:ph type="sldNum" sz="quarter" idx="10"/>
+          </p:nvPr>
+        </p:nvSpPr>
+        <p:spPr/>
+        <p:txBody>
+          <a:bodyPr/>
+          <a:lstStyle/>
+          <a:p>
+            <a:fld id="{74AC173A-3DA8-4893-B28A-1E15F55C330A}" type="slidenum">
+              <a:rPr lang="zh-CN" altLang="en-US" smtClean="0"/>
             </a:fld>
             <a:endParaRPr lang="zh-CN" altLang="en-US"/>
           </a:p>
@@ -1233,7 +1310,6 @@
                 <a:latin typeface="微软雅黑" panose="020B0503020204020204" pitchFamily="34" charset="-122"/>
                 <a:ea typeface="微软雅黑" panose="020B0503020204020204" pitchFamily="34" charset="-122"/>
               </a:rPr>
-              <a:t>‹#›</a:t>
             </a:fld>
             <a:r>
               <a:rPr lang="zh-CN" altLang="en-US" sz="1800" dirty="0" smtClean="0">
@@ -2163,7 +2239,6 @@
           <a:p>
             <a:fld id="{530820CF-B880-4189-942D-D702A7CBA730}" type="datetimeFigureOut">
               <a:rPr lang="zh-CN" altLang="en-US" smtClean="0"/>
-              <a:t>2018/12/9</a:t>
             </a:fld>
             <a:endParaRPr lang="zh-CN" altLang="en-US"/>
           </a:p>
@@ -2221,7 +2296,6 @@
           <a:p>
             <a:fld id="{0C913308-F349-4B6D-A68A-DD1791B4A57B}" type="slidenum">
               <a:rPr lang="zh-CN" altLang="en-US" smtClean="0"/>
-              <a:t>‹#›</a:t>
             </a:fld>
             <a:endParaRPr lang="zh-CN" altLang="en-US"/>
           </a:p>
@@ -2280,7 +2354,6 @@
           <a:p>
             <a:fld id="{530820CF-B880-4189-942D-D702A7CBA730}" type="datetimeFigureOut">
               <a:rPr lang="zh-CN" altLang="en-US" smtClean="0"/>
-              <a:t>2018/12/9</a:t>
             </a:fld>
             <a:endParaRPr lang="zh-CN" altLang="en-US"/>
           </a:p>
@@ -2338,7 +2411,6 @@
           <a:p>
             <a:fld id="{0C913308-F349-4B6D-A68A-DD1791B4A57B}" type="slidenum">
               <a:rPr lang="zh-CN" altLang="en-US" smtClean="0"/>
-              <a:t>‹#›</a:t>
             </a:fld>
             <a:endParaRPr lang="zh-CN" altLang="en-US"/>
           </a:p>
@@ -3157,6 +3229,13 @@
               </a:rPr>
               <a:t>3</a:t>
             </a:r>
+            <a:endParaRPr lang="en-US" altLang="zh-CN" sz="5400" dirty="0" smtClean="0">
+              <a:solidFill>
+                <a:srgbClr val="38B1BF"/>
+              </a:solidFill>
+              <a:latin typeface="微软雅黑" panose="020B0503020204020204" pitchFamily="34" charset="-122"/>
+              <a:ea typeface="微软雅黑" panose="020B0503020204020204" pitchFamily="34" charset="-122"/>
+            </a:endParaRPr>
           </a:p>
           <a:p>
             <a:pPr algn="ctr" fontAlgn="auto">
@@ -3174,6 +3253,13 @@
               </a:rPr>
               <a:t>对象图，构件图，包图</a:t>
             </a:r>
+            <a:endParaRPr lang="zh-CN" altLang="en-US" sz="5400" dirty="0" smtClean="0">
+              <a:solidFill>
+                <a:srgbClr val="38B1BF"/>
+              </a:solidFill>
+              <a:latin typeface="微软雅黑" panose="020B0503020204020204" pitchFamily="34" charset="-122"/>
+              <a:ea typeface="微软雅黑" panose="020B0503020204020204" pitchFamily="34" charset="-122"/>
+            </a:endParaRPr>
           </a:p>
           <a:p>
             <a:pPr fontAlgn="auto">
@@ -3474,6 +3560,14 @@
               </a:rPr>
               <a:t>浙江大学城市学院</a:t>
             </a:r>
+            <a:endParaRPr lang="zh-CN" altLang="en-US" kern="300" spc="2000">
+              <a:solidFill>
+                <a:schemeClr val="tx1"/>
+              </a:solidFill>
+              <a:uFillTx/>
+              <a:latin typeface="+中文标题" charset="0"/>
+              <a:ea typeface="+mj-ea"/>
+            </a:endParaRPr>
           </a:p>
         </p:txBody>
       </p:sp>
@@ -3482,13 +3576,13 @@
   <p:clrMapOvr>
     <a:masterClrMapping/>
   </p:clrMapOvr>
-  <mc:AlternateContent xmlns:mc="http://schemas.openxmlformats.org/markup-compatibility/2006" xmlns:p14="http://schemas.microsoft.com/office/powerpoint/2010/main">
-    <mc:Choice Requires="p14">
+  <mc:AlternateContent xmlns:mc="http://schemas.openxmlformats.org/markup-compatibility/2006">
+    <mc:Choice xmlns:p14="http://schemas.microsoft.com/office/powerpoint/2010/main" Requires="p14">
       <p:transition spd="slow" p14:dur="1600" advClick="0" advTm="0">
         <p:blinds dir="vert"/>
       </p:transition>
     </mc:Choice>
-    <mc:Fallback xmlns="">
+    <mc:Fallback>
       <p:transition spd="slow" advClick="0" advTm="0">
         <p:blinds dir="vert"/>
       </p:transition>
@@ -4350,6 +4444,2774 @@
           <a:lstStyle/>
           <a:p>
             <a:pPr algn="ctr"/>
+            <a:endParaRPr lang="zh-CN" altLang="en-US" sz="2800"/>
+          </a:p>
+        </p:txBody>
+      </p:sp>
+      <p:sp>
+        <p:nvSpPr>
+          <p:cNvPr id="3" name="矩形 2"/>
+          <p:cNvSpPr/>
+          <p:nvPr/>
+        </p:nvSpPr>
+        <p:spPr>
+          <a:xfrm>
+            <a:off x="237030" y="255131"/>
+            <a:ext cx="1608415" cy="406336"/>
+          </a:xfrm>
+          <a:prstGeom prst="rect">
+            <a:avLst/>
+          </a:prstGeom>
+          <a:solidFill>
+            <a:srgbClr val="183A5D"/>
+          </a:solidFill>
+          <a:ln>
+            <a:noFill/>
+          </a:ln>
+        </p:spPr>
+        <p:style>
+          <a:lnRef idx="2">
+            <a:schemeClr val="accent1">
+              <a:shade val="50000"/>
+            </a:schemeClr>
+          </a:lnRef>
+          <a:fillRef idx="1">
+            <a:schemeClr val="accent1"/>
+          </a:fillRef>
+          <a:effectRef idx="0">
+            <a:schemeClr val="accent1"/>
+          </a:effectRef>
+          <a:fontRef idx="minor">
+            <a:schemeClr val="lt1"/>
+          </a:fontRef>
+        </p:style>
+        <p:txBody>
+          <a:bodyPr rtlCol="0" anchor="ctr"/>
+          <a:lstStyle/>
+          <a:p>
+            <a:pPr algn="ctr"/>
+            <a:r>
+              <a:rPr lang="en-US" sz="2400" dirty="0"/>
+              <a:t>2</a:t>
+            </a:r>
+            <a:endParaRPr lang="en-US" sz="2400" dirty="0"/>
+          </a:p>
+        </p:txBody>
+      </p:sp>
+      <p:sp>
+        <p:nvSpPr>
+          <p:cNvPr id="4" name="文本框 3"/>
+          <p:cNvSpPr txBox="1"/>
+          <p:nvPr/>
+        </p:nvSpPr>
+        <p:spPr>
+          <a:xfrm>
+            <a:off x="2236548" y="136356"/>
+            <a:ext cx="6052718" cy="501650"/>
+          </a:xfrm>
+          <a:prstGeom prst="rect">
+            <a:avLst/>
+          </a:prstGeom>
+          <a:noFill/>
+        </p:spPr>
+        <p:txBody>
+          <a:bodyPr wrap="square" rtlCol="0">
+            <a:spAutoFit/>
+          </a:bodyPr>
+          <a:lstStyle/>
+          <a:p>
+            <a:endParaRPr lang="zh-CN" sz="2665" dirty="0">
+              <a:solidFill>
+                <a:srgbClr val="183A5D"/>
+              </a:solidFill>
+              <a:latin typeface="微软雅黑" panose="020B0503020204020204" pitchFamily="34" charset="-122"/>
+              <a:ea typeface="微软雅黑" panose="020B0503020204020204" pitchFamily="34" charset="-122"/>
+            </a:endParaRPr>
+          </a:p>
+        </p:txBody>
+      </p:sp>
+      <p:sp>
+        <p:nvSpPr>
+          <p:cNvPr id="6" name="文本框 5"/>
+          <p:cNvSpPr txBox="1"/>
+          <p:nvPr/>
+        </p:nvSpPr>
+        <p:spPr>
+          <a:xfrm>
+            <a:off x="2226388" y="159851"/>
+            <a:ext cx="6052718" cy="501650"/>
+          </a:xfrm>
+          <a:prstGeom prst="rect">
+            <a:avLst/>
+          </a:prstGeom>
+          <a:noFill/>
+        </p:spPr>
+        <p:txBody>
+          <a:bodyPr wrap="square" rtlCol="0">
+            <a:spAutoFit/>
+          </a:bodyPr>
+          <a:lstStyle/>
+          <a:p>
+            <a:r>
+              <a:rPr lang="zh-CN" altLang="en-US" sz="2665" dirty="0">
+                <a:solidFill>
+                  <a:srgbClr val="183A5D"/>
+                </a:solidFill>
+                <a:latin typeface="微软雅黑" panose="020B0503020204020204" pitchFamily="34" charset="-122"/>
+                <a:ea typeface="微软雅黑" panose="020B0503020204020204" pitchFamily="34" charset="-122"/>
+              </a:rPr>
+              <a:t>对象图</a:t>
+            </a:r>
+            <a:endParaRPr lang="zh-CN" sz="2665" dirty="0">
+              <a:solidFill>
+                <a:srgbClr val="183A5D"/>
+              </a:solidFill>
+              <a:latin typeface="微软雅黑" panose="020B0503020204020204" pitchFamily="34" charset="-122"/>
+              <a:ea typeface="微软雅黑" panose="020B0503020204020204" pitchFamily="34" charset="-122"/>
+            </a:endParaRPr>
+          </a:p>
+        </p:txBody>
+      </p:sp>
+      <p:graphicFrame>
+        <p:nvGraphicFramePr>
+          <p:cNvPr id="13" name="表格 12"/>
+          <p:cNvGraphicFramePr/>
+          <p:nvPr/>
+        </p:nvGraphicFramePr>
+        <p:xfrm>
+          <a:off x="90805" y="779145"/>
+          <a:ext cx="7961630" cy="6090920"/>
+        </p:xfrm>
+        <a:graphic>
+          <a:graphicData uri="http://schemas.openxmlformats.org/drawingml/2006/table">
+            <a:tbl>
+              <a:tblPr firstRow="1" bandRow="1">
+                <a:tableStyleId>{5C22544A-7EE6-4342-B048-85BDC9FD1C3A}</a:tableStyleId>
+              </a:tblPr>
+              <a:tblGrid>
+                <a:gridCol w="3980815"/>
+                <a:gridCol w="3980815"/>
+              </a:tblGrid>
+              <a:tr h="624840">
+                <a:tc>
+                  <a:txBody>
+                    <a:bodyPr/>
+                    <a:p>
+                      <a:pPr algn="ctr">
+                        <a:buNone/>
+                      </a:pPr>
+                      <a:r>
+                        <a:rPr lang="zh-CN" altLang="en-US"/>
+                        <a:t>类图</a:t>
+                      </a:r>
+                      <a:endParaRPr lang="zh-CN" altLang="en-US"/>
+                    </a:p>
+                  </a:txBody>
+                  <a:tcPr/>
+                </a:tc>
+                <a:tc>
+                  <a:txBody>
+                    <a:bodyPr/>
+                    <a:p>
+                      <a:pPr algn="ctr">
+                        <a:buNone/>
+                      </a:pPr>
+                      <a:r>
+                        <a:rPr lang="zh-CN" altLang="en-US"/>
+                        <a:t>对象图</a:t>
+                      </a:r>
+                      <a:endParaRPr lang="zh-CN" altLang="en-US"/>
+                    </a:p>
+                  </a:txBody>
+                  <a:tcPr/>
+                </a:tc>
+              </a:tr>
+              <a:tr h="731520">
+                <a:tc>
+                  <a:txBody>
+                    <a:bodyPr/>
+                    <a:p>
+                      <a:pPr algn="ctr">
+                        <a:buNone/>
+                      </a:pPr>
+                      <a:r>
+                        <a:rPr lang="zh-CN" altLang="en-US"/>
+                        <a:t>类具有3个分栏：名称、属性和操作</a:t>
+                      </a:r>
+                      <a:endParaRPr lang="zh-CN" altLang="en-US"/>
+                    </a:p>
+                  </a:txBody>
+                  <a:tcPr/>
+                </a:tc>
+                <a:tc>
+                  <a:txBody>
+                    <a:bodyPr/>
+                    <a:p>
+                      <a:pPr algn="ctr">
+                        <a:buNone/>
+                      </a:pPr>
+                      <a:r>
+                        <a:rPr lang="zh-CN" altLang="en-US"/>
+                        <a:t>对象只有两个分栏：名称和属性</a:t>
+                      </a:r>
+                      <a:endParaRPr lang="zh-CN" altLang="en-US"/>
+                    </a:p>
+                  </a:txBody>
+                  <a:tcPr/>
+                </a:tc>
+              </a:tr>
+              <a:tr h="1051560">
+                <a:tc>
+                  <a:txBody>
+                    <a:bodyPr/>
+                    <a:p>
+                      <a:pPr algn="ctr">
+                        <a:buNone/>
+                      </a:pPr>
+                      <a:r>
+                        <a:rPr lang="zh-CN" altLang="en-US"/>
+                        <a:t> 在类的名称分栏中只有类名</a:t>
+                      </a:r>
+                      <a:endParaRPr lang="zh-CN" altLang="en-US"/>
+                    </a:p>
+                  </a:txBody>
+                  <a:tcPr/>
+                </a:tc>
+                <a:tc>
+                  <a:txBody>
+                    <a:bodyPr/>
+                    <a:p>
+                      <a:pPr algn="ctr">
+                        <a:buNone/>
+                      </a:pPr>
+                      <a:r>
+                        <a:rPr lang="zh-CN" altLang="en-US"/>
+                        <a:t> 对象的名称形式为“对象名：类名”，匿名对象的名称形式为“：类名”</a:t>
+                      </a:r>
+                      <a:endParaRPr lang="zh-CN" altLang="en-US"/>
+                    </a:p>
+                  </a:txBody>
+                  <a:tcPr/>
+                </a:tc>
+              </a:tr>
+              <a:tr h="939800">
+                <a:tc>
+                  <a:txBody>
+                    <a:bodyPr/>
+                    <a:p>
+                      <a:pPr algn="ctr">
+                        <a:buNone/>
+                      </a:pPr>
+                      <a:r>
+                        <a:rPr lang="zh-CN" altLang="en-US"/>
+                        <a:t>类的属性分栏定义了所有属性的特征</a:t>
+                      </a:r>
+                      <a:endParaRPr lang="zh-CN" altLang="en-US"/>
+                    </a:p>
+                  </a:txBody>
+                  <a:tcPr/>
+                </a:tc>
+                <a:tc>
+                  <a:txBody>
+                    <a:bodyPr/>
+                    <a:p>
+                      <a:pPr algn="ctr">
+                        <a:buNone/>
+                      </a:pPr>
+                      <a:r>
+                        <a:rPr lang="zh-CN" altLang="en-US"/>
+                        <a:t>对象则只定义了属性的当前值，以便用于测试用例或例子中</a:t>
+                      </a:r>
+                      <a:endParaRPr lang="zh-CN" altLang="en-US"/>
+                    </a:p>
+                  </a:txBody>
+                  <a:tcPr/>
+                </a:tc>
+              </a:tr>
+              <a:tr h="1051560">
+                <a:tc>
+                  <a:txBody>
+                    <a:bodyPr/>
+                    <a:p>
+                      <a:pPr algn="ctr">
+                        <a:buNone/>
+                      </a:pPr>
+                      <a:r>
+                        <a:rPr lang="zh-CN" altLang="en-US"/>
+                        <a:t>类中列出了操作</a:t>
+                      </a:r>
+                      <a:endParaRPr lang="zh-CN" altLang="en-US"/>
+                    </a:p>
+                  </a:txBody>
+                  <a:tcPr/>
+                </a:tc>
+                <a:tc>
+                  <a:txBody>
+                    <a:bodyPr/>
+                    <a:p>
+                      <a:pPr algn="ctr">
+                        <a:buNone/>
+                      </a:pPr>
+                      <a:r>
+                        <a:rPr lang="zh-CN" altLang="en-US"/>
+                        <a:t> 对象图中不包括操作，因为对于同属于同一个类的对象而言，其操作是相同的</a:t>
+                      </a:r>
+                      <a:endParaRPr lang="zh-CN" altLang="en-US"/>
+                    </a:p>
+                  </a:txBody>
+                  <a:tcPr/>
+                </a:tc>
+              </a:tr>
+              <a:tr h="1691640">
+                <a:tc>
+                  <a:txBody>
+                    <a:bodyPr/>
+                    <a:p>
+                      <a:pPr algn="ctr">
+                        <a:buNone/>
+                      </a:pPr>
+                      <a:r>
+                        <a:rPr lang="zh-CN" altLang="en-US"/>
+                        <a:t>类使用关联连接，关联使用名称、角色、多重性以及约束等特征定义。类代表的是对对象的分类所以必须说明可以参与关联的对象的数目</a:t>
+                      </a:r>
+                      <a:endParaRPr lang="zh-CN" altLang="en-US"/>
+                    </a:p>
+                  </a:txBody>
+                  <a:tcPr/>
+                </a:tc>
+                <a:tc>
+                  <a:txBody>
+                    <a:bodyPr/>
+                    <a:p>
+                      <a:pPr algn="ctr">
+                        <a:buNone/>
+                      </a:pPr>
+                      <a:r>
+                        <a:rPr lang="zh-CN" altLang="en-US"/>
+                        <a:t>对象使用链连接、链拥有名称、角色，但是没有多重性。对象代表的是单独的实体，所有的链都是一对一的，因此不涉及到多重性</a:t>
+                      </a:r>
+                      <a:endParaRPr lang="zh-CN" altLang="en-US"/>
+                    </a:p>
+                  </a:txBody>
+                  <a:tcPr/>
+                </a:tc>
+              </a:tr>
+            </a:tbl>
+          </a:graphicData>
+        </a:graphic>
+      </p:graphicFrame>
+      <p:pic>
+        <p:nvPicPr>
+          <p:cNvPr id="15" name="图片 14"/>
+          <p:cNvPicPr>
+            <a:picLocks noChangeAspect="1"/>
+          </p:cNvPicPr>
+          <p:nvPr/>
+        </p:nvPicPr>
+        <p:blipFill>
+          <a:blip r:embed="rId1"/>
+          <a:stretch>
+            <a:fillRect/>
+          </a:stretch>
+        </p:blipFill>
+        <p:spPr>
+          <a:xfrm>
+            <a:off x="8549640" y="4185920"/>
+            <a:ext cx="3448685" cy="1844040"/>
+          </a:xfrm>
+          <a:prstGeom prst="rect">
+            <a:avLst/>
+          </a:prstGeom>
+        </p:spPr>
+      </p:pic>
+      <p:pic>
+        <p:nvPicPr>
+          <p:cNvPr id="17" name="图片 16"/>
+          <p:cNvPicPr>
+            <a:picLocks noChangeAspect="1"/>
+          </p:cNvPicPr>
+          <p:nvPr/>
+        </p:nvPicPr>
+        <p:blipFill>
+          <a:blip r:embed="rId2"/>
+          <a:stretch>
+            <a:fillRect/>
+          </a:stretch>
+        </p:blipFill>
+        <p:spPr>
+          <a:xfrm>
+            <a:off x="8433435" y="1663065"/>
+            <a:ext cx="3284220" cy="1709420"/>
+          </a:xfrm>
+          <a:prstGeom prst="rect">
+            <a:avLst/>
+          </a:prstGeom>
+        </p:spPr>
+      </p:pic>
+    </p:spTree>
+  </p:cSld>
+  <p:clrMapOvr>
+    <a:masterClrMapping/>
+  </p:clrMapOvr>
+  <p:transition spd="slow" advClick="0" advTm="0">
+    <p:wipe/>
+  </p:transition>
+  <p:timing>
+    <p:tnLst>
+      <p:par>
+        <p:cTn id="1" dur="indefinite" restart="never" nodeType="tmRoot"/>
+      </p:par>
+    </p:tnLst>
+  </p:timing>
+</p:sld>
+</file>
+
+<file path=ppt/slides/slide11.xml><?xml version="1.0" encoding="utf-8"?>
+<p:sld xmlns:a="http://schemas.openxmlformats.org/drawingml/2006/main" xmlns:r="http://schemas.openxmlformats.org/officeDocument/2006/relationships" xmlns:p="http://schemas.openxmlformats.org/presentationml/2006/main">
+  <p:cSld>
+    <p:spTree>
+      <p:nvGrpSpPr>
+        <p:cNvPr id="1" name=""/>
+        <p:cNvGrpSpPr/>
+        <p:nvPr/>
+      </p:nvGrpSpPr>
+      <p:grpSpPr>
+        <a:xfrm>
+          <a:off x="0" y="0"/>
+          <a:ext cx="0" cy="0"/>
+          <a:chOff x="0" y="0"/>
+          <a:chExt cx="0" cy="0"/>
+        </a:xfrm>
+      </p:grpSpPr>
+      <p:sp>
+        <p:nvSpPr>
+          <p:cNvPr id="2" name="矩形 1"/>
+          <p:cNvSpPr/>
+          <p:nvPr/>
+        </p:nvSpPr>
+        <p:spPr>
+          <a:xfrm>
+            <a:off x="237030" y="1171"/>
+            <a:ext cx="1608415" cy="135446"/>
+          </a:xfrm>
+          <a:prstGeom prst="rect">
+            <a:avLst/>
+          </a:prstGeom>
+          <a:solidFill>
+            <a:srgbClr val="183A5D"/>
+          </a:solidFill>
+          <a:ln>
+            <a:noFill/>
+          </a:ln>
+        </p:spPr>
+        <p:style>
+          <a:lnRef idx="2">
+            <a:schemeClr val="accent1">
+              <a:shade val="50000"/>
+            </a:schemeClr>
+          </a:lnRef>
+          <a:fillRef idx="1">
+            <a:schemeClr val="accent1"/>
+          </a:fillRef>
+          <a:effectRef idx="0">
+            <a:schemeClr val="accent1"/>
+          </a:effectRef>
+          <a:fontRef idx="minor">
+            <a:schemeClr val="lt1"/>
+          </a:fontRef>
+        </p:style>
+        <p:txBody>
+          <a:bodyPr rtlCol="0" anchor="ctr"/>
+          <a:lstStyle/>
+          <a:p>
+            <a:pPr algn="ctr"/>
+            <a:endParaRPr lang="zh-CN" altLang="en-US" sz="2800"/>
+          </a:p>
+        </p:txBody>
+      </p:sp>
+      <p:sp>
+        <p:nvSpPr>
+          <p:cNvPr id="3" name="矩形 2"/>
+          <p:cNvSpPr/>
+          <p:nvPr/>
+        </p:nvSpPr>
+        <p:spPr>
+          <a:xfrm>
+            <a:off x="237030" y="255131"/>
+            <a:ext cx="1608415" cy="406336"/>
+          </a:xfrm>
+          <a:prstGeom prst="rect">
+            <a:avLst/>
+          </a:prstGeom>
+          <a:solidFill>
+            <a:srgbClr val="183A5D"/>
+          </a:solidFill>
+          <a:ln>
+            <a:noFill/>
+          </a:ln>
+        </p:spPr>
+        <p:style>
+          <a:lnRef idx="2">
+            <a:schemeClr val="accent1">
+              <a:shade val="50000"/>
+            </a:schemeClr>
+          </a:lnRef>
+          <a:fillRef idx="1">
+            <a:schemeClr val="accent1"/>
+          </a:fillRef>
+          <a:effectRef idx="0">
+            <a:schemeClr val="accent1"/>
+          </a:effectRef>
+          <a:fontRef idx="minor">
+            <a:schemeClr val="lt1"/>
+          </a:fontRef>
+        </p:style>
+        <p:txBody>
+          <a:bodyPr rtlCol="0" anchor="ctr"/>
+          <a:lstStyle/>
+          <a:p>
+            <a:pPr algn="ctr"/>
+            <a:r>
+              <a:rPr lang="en-US" sz="2400" dirty="0"/>
+              <a:t>3</a:t>
+            </a:r>
+            <a:endParaRPr lang="en-US" sz="2400" dirty="0"/>
+          </a:p>
+        </p:txBody>
+      </p:sp>
+      <p:sp>
+        <p:nvSpPr>
+          <p:cNvPr id="4" name="文本框 3"/>
+          <p:cNvSpPr txBox="1"/>
+          <p:nvPr/>
+        </p:nvSpPr>
+        <p:spPr>
+          <a:xfrm>
+            <a:off x="2236548" y="136356"/>
+            <a:ext cx="6052718" cy="501650"/>
+          </a:xfrm>
+          <a:prstGeom prst="rect">
+            <a:avLst/>
+          </a:prstGeom>
+          <a:noFill/>
+        </p:spPr>
+        <p:txBody>
+          <a:bodyPr wrap="square" rtlCol="0">
+            <a:spAutoFit/>
+          </a:bodyPr>
+          <a:lstStyle/>
+          <a:p>
+            <a:endParaRPr lang="zh-CN" sz="2665" dirty="0">
+              <a:solidFill>
+                <a:srgbClr val="183A5D"/>
+              </a:solidFill>
+              <a:latin typeface="微软雅黑" panose="020B0503020204020204" pitchFamily="34" charset="-122"/>
+              <a:ea typeface="微软雅黑" panose="020B0503020204020204" pitchFamily="34" charset="-122"/>
+            </a:endParaRPr>
+          </a:p>
+        </p:txBody>
+      </p:sp>
+      <p:sp>
+        <p:nvSpPr>
+          <p:cNvPr id="6" name="文本框 5"/>
+          <p:cNvSpPr txBox="1"/>
+          <p:nvPr/>
+        </p:nvSpPr>
+        <p:spPr>
+          <a:xfrm>
+            <a:off x="2226388" y="159851"/>
+            <a:ext cx="6052718" cy="501650"/>
+          </a:xfrm>
+          <a:prstGeom prst="rect">
+            <a:avLst/>
+          </a:prstGeom>
+          <a:noFill/>
+        </p:spPr>
+        <p:txBody>
+          <a:bodyPr wrap="square" rtlCol="0">
+            <a:spAutoFit/>
+          </a:bodyPr>
+          <a:lstStyle/>
+          <a:p>
+            <a:r>
+              <a:rPr lang="zh-CN" altLang="en-US" sz="2665" dirty="0">
+                <a:solidFill>
+                  <a:srgbClr val="183A5D"/>
+                </a:solidFill>
+                <a:latin typeface="微软雅黑" panose="020B0503020204020204" pitchFamily="34" charset="-122"/>
+                <a:ea typeface="微软雅黑" panose="020B0503020204020204" pitchFamily="34" charset="-122"/>
+              </a:rPr>
+              <a:t>包</a:t>
+            </a:r>
+            <a:r>
+              <a:rPr lang="zh-CN" altLang="en-US" sz="2665" dirty="0" smtClean="0">
+                <a:solidFill>
+                  <a:srgbClr val="183A5D"/>
+                </a:solidFill>
+                <a:latin typeface="微软雅黑" panose="020B0503020204020204" pitchFamily="34" charset="-122"/>
+                <a:ea typeface="微软雅黑" panose="020B0503020204020204" pitchFamily="34" charset="-122"/>
+              </a:rPr>
+              <a:t>图</a:t>
+            </a:r>
+            <a:endParaRPr lang="zh-CN" sz="2665" dirty="0">
+              <a:solidFill>
+                <a:srgbClr val="183A5D"/>
+              </a:solidFill>
+              <a:latin typeface="微软雅黑" panose="020B0503020204020204" pitchFamily="34" charset="-122"/>
+              <a:ea typeface="微软雅黑" panose="020B0503020204020204" pitchFamily="34" charset="-122"/>
+            </a:endParaRPr>
+          </a:p>
+        </p:txBody>
+      </p:sp>
+      <p:grpSp>
+        <p:nvGrpSpPr>
+          <p:cNvPr id="7" name="组合 6"/>
+          <p:cNvGrpSpPr/>
+          <p:nvPr/>
+        </p:nvGrpSpPr>
+        <p:grpSpPr>
+          <a:xfrm>
+            <a:off x="236854" y="1269365"/>
+            <a:ext cx="7586544" cy="5055254"/>
+            <a:chOff x="237030" y="1269554"/>
+            <a:chExt cx="7776864" cy="5055316"/>
+          </a:xfrm>
+        </p:grpSpPr>
+        <p:sp>
+          <p:nvSpPr>
+            <p:cNvPr id="5" name="矩形 4"/>
+            <p:cNvSpPr/>
+            <p:nvPr/>
+          </p:nvSpPr>
+          <p:spPr>
+            <a:xfrm>
+              <a:off x="318097" y="1923611"/>
+              <a:ext cx="7614729" cy="4401259"/>
+            </a:xfrm>
+            <a:prstGeom prst="rect">
+              <a:avLst/>
+            </a:prstGeom>
+          </p:spPr>
+          <p:txBody>
+            <a:bodyPr wrap="square">
+              <a:spAutoFit/>
+            </a:bodyPr>
+            <a:lstStyle/>
+            <a:p>
+              <a:pPr indent="720090"/>
+              <a:r>
+                <a:rPr lang="zh-CN" altLang="en-US" sz="2400" dirty="0">
+                  <a:solidFill>
+                    <a:srgbClr val="000000"/>
+                  </a:solidFill>
+                  <a:latin typeface="Verdana" panose="020B0604030504040204" pitchFamily="34" charset="0"/>
+                </a:rPr>
+                <a:t>包</a:t>
+              </a:r>
+              <a:r>
+                <a:rPr lang="zh-CN" altLang="en-US" sz="2400" dirty="0" smtClean="0">
+                  <a:solidFill>
+                    <a:srgbClr val="000000"/>
+                  </a:solidFill>
+                  <a:latin typeface="Verdana" panose="020B0604030504040204" pitchFamily="34" charset="0"/>
+                </a:rPr>
+                <a:t>是一种</a:t>
+              </a:r>
+              <a:r>
+                <a:rPr lang="zh-CN" altLang="en-US" sz="2400" dirty="0">
+                  <a:solidFill>
+                    <a:srgbClr val="000000"/>
+                  </a:solidFill>
+                  <a:latin typeface="Verdana" panose="020B0604030504040204" pitchFamily="34" charset="0"/>
+                </a:rPr>
+                <a:t>把元素组织</a:t>
+              </a:r>
+              <a:r>
+                <a:rPr lang="zh-CN" altLang="en-US" sz="2400" dirty="0" smtClean="0">
+                  <a:solidFill>
+                    <a:srgbClr val="000000"/>
+                  </a:solidFill>
+                  <a:latin typeface="Verdana" panose="020B0604030504040204" pitchFamily="34" charset="0"/>
+                </a:rPr>
+                <a:t>到一起</a:t>
+              </a:r>
+              <a:r>
+                <a:rPr lang="zh-CN" altLang="en-US" sz="2400" dirty="0">
+                  <a:solidFill>
+                    <a:srgbClr val="000000"/>
+                  </a:solidFill>
+                  <a:latin typeface="Verdana" panose="020B0604030504040204" pitchFamily="34" charset="0"/>
+                </a:rPr>
+                <a:t>的通用机制，包可以嵌套于</a:t>
+              </a:r>
+              <a:r>
+                <a:rPr lang="zh-CN" altLang="en-US" sz="2400" dirty="0" smtClean="0">
+                  <a:solidFill>
+                    <a:srgbClr val="000000"/>
+                  </a:solidFill>
+                  <a:latin typeface="Verdana" panose="020B0604030504040204" pitchFamily="34" charset="0"/>
+                </a:rPr>
+                <a:t>其他包中</a:t>
+              </a:r>
+              <a:r>
+                <a:rPr lang="zh-CN" altLang="en-US" sz="2400" dirty="0">
+                  <a:solidFill>
+                    <a:srgbClr val="000000"/>
+                  </a:solidFill>
+                  <a:latin typeface="Verdana" panose="020B0604030504040204" pitchFamily="34" charset="0"/>
+                </a:rPr>
+                <a:t>。包图</a:t>
+              </a:r>
+              <a:r>
+                <a:rPr lang="zh-CN" altLang="en-US" sz="2400" dirty="0">
+                  <a:solidFill>
+                    <a:srgbClr val="FF0000"/>
+                  </a:solidFill>
+                  <a:latin typeface="Verdana" panose="020B0604030504040204" pitchFamily="34" charset="0"/>
+                </a:rPr>
+                <a:t>用于描述</a:t>
+              </a:r>
+              <a:r>
+                <a:rPr lang="zh-CN" altLang="en-US" sz="2400" dirty="0" smtClean="0">
+                  <a:solidFill>
+                    <a:srgbClr val="FF0000"/>
+                  </a:solidFill>
+                  <a:latin typeface="Verdana" panose="020B0604030504040204" pitchFamily="34" charset="0"/>
+                </a:rPr>
+                <a:t>包与</a:t>
+              </a:r>
+              <a:r>
+                <a:rPr lang="zh-CN" altLang="en-US" sz="2400" dirty="0">
+                  <a:solidFill>
+                    <a:srgbClr val="FF0000"/>
+                  </a:solidFill>
+                  <a:latin typeface="Verdana" panose="020B0604030504040204" pitchFamily="34" charset="0"/>
+                </a:rPr>
+                <a:t>包之间的</a:t>
+              </a:r>
+              <a:r>
+                <a:rPr lang="zh-CN" altLang="en-US" sz="2400" dirty="0" smtClean="0">
+                  <a:solidFill>
+                    <a:srgbClr val="FF0000"/>
+                  </a:solidFill>
+                  <a:latin typeface="Verdana" panose="020B0604030504040204" pitchFamily="34" charset="0"/>
+                </a:rPr>
+                <a:t>关系</a:t>
+              </a:r>
+              <a:r>
+                <a:rPr lang="zh-CN" altLang="en-US" sz="2400" dirty="0" smtClean="0">
+                  <a:solidFill>
+                    <a:srgbClr val="000000"/>
+                  </a:solidFill>
+                  <a:latin typeface="Verdana" panose="020B0604030504040204" pitchFamily="34" charset="0"/>
+                </a:rPr>
+                <a:t>。包</a:t>
+              </a:r>
+              <a:r>
+                <a:rPr lang="zh-CN" altLang="en-US" sz="2400" dirty="0">
+                  <a:solidFill>
+                    <a:srgbClr val="000000"/>
+                  </a:solidFill>
+                  <a:latin typeface="Verdana" panose="020B0604030504040204" pitchFamily="34" charset="0"/>
+                </a:rPr>
+                <a:t>的图标是个带标签的</a:t>
+              </a:r>
+              <a:r>
+                <a:rPr lang="zh-CN" altLang="en-US" sz="2400" dirty="0" smtClean="0">
+                  <a:solidFill>
+                    <a:srgbClr val="000000"/>
+                  </a:solidFill>
+                  <a:latin typeface="Verdana" panose="020B0604030504040204" pitchFamily="34" charset="0"/>
+                </a:rPr>
+                <a:t>文件夹，包图</a:t>
+              </a:r>
+              <a:r>
+                <a:rPr lang="zh-CN" altLang="en-US" sz="2400" dirty="0" smtClean="0">
+                  <a:solidFill>
+                    <a:srgbClr val="FF0000"/>
+                  </a:solidFill>
+                  <a:latin typeface="Verdana" panose="020B0604030504040204" pitchFamily="34" charset="0"/>
+                </a:rPr>
+                <a:t>描绘模型元素在</a:t>
+              </a:r>
+              <a:r>
+                <a:rPr lang="zh-CN" altLang="en-US" sz="2400" dirty="0">
+                  <a:solidFill>
+                    <a:srgbClr val="FF0000"/>
+                  </a:solidFill>
+                  <a:latin typeface="Verdana" panose="020B0604030504040204" pitchFamily="34" charset="0"/>
+                </a:rPr>
+                <a:t>包内的组织和依赖</a:t>
+              </a:r>
+              <a:r>
+                <a:rPr lang="zh-CN" altLang="en-US" sz="2400" dirty="0" smtClean="0">
+                  <a:solidFill>
+                    <a:srgbClr val="FF0000"/>
+                  </a:solidFill>
+                  <a:latin typeface="Verdana" panose="020B0604030504040204" pitchFamily="34" charset="0"/>
+                </a:rPr>
+                <a:t>关系</a:t>
+              </a:r>
+              <a:r>
+                <a:rPr lang="zh-CN" altLang="en-US" sz="2400" dirty="0" smtClean="0">
+                  <a:solidFill>
+                    <a:srgbClr val="000000"/>
+                  </a:solidFill>
+                  <a:latin typeface="Verdana" panose="020B0604030504040204" pitchFamily="34" charset="0"/>
+                </a:rPr>
+                <a:t>，</a:t>
+              </a:r>
+              <a:r>
+                <a:rPr lang="zh-CN" altLang="en-US" sz="2400" dirty="0" smtClean="0">
+                  <a:solidFill>
+                    <a:srgbClr val="FF0000"/>
+                  </a:solidFill>
+                  <a:latin typeface="Verdana" panose="020B0604030504040204" pitchFamily="34" charset="0"/>
+                </a:rPr>
+                <a:t>包括</a:t>
+              </a:r>
+              <a:r>
+                <a:rPr lang="zh-CN" altLang="en-US" sz="2400" dirty="0">
+                  <a:solidFill>
+                    <a:srgbClr val="FF0000"/>
+                  </a:solidFill>
+                  <a:latin typeface="Verdana" panose="020B0604030504040204" pitchFamily="34" charset="0"/>
+                </a:rPr>
+                <a:t>包的导人和包扩展</a:t>
+              </a:r>
+              <a:r>
+                <a:rPr lang="zh-CN" altLang="en-US" sz="2400" dirty="0">
+                  <a:solidFill>
+                    <a:srgbClr val="000000"/>
+                  </a:solidFill>
+                  <a:latin typeface="Verdana" panose="020B0604030504040204" pitchFamily="34" charset="0"/>
+                </a:rPr>
+                <a:t>。它们还提供相应命名空间的</a:t>
+              </a:r>
+              <a:r>
+                <a:rPr lang="zh-CN" altLang="en-US" sz="2400" dirty="0" smtClean="0">
+                  <a:solidFill>
+                    <a:srgbClr val="000000"/>
+                  </a:solidFill>
+                  <a:latin typeface="Verdana" panose="020B0604030504040204" pitchFamily="34" charset="0"/>
+                </a:rPr>
+                <a:t>可视化。</a:t>
+              </a:r>
+              <a:endParaRPr lang="en-US" altLang="zh-CN" sz="2400" dirty="0" smtClean="0">
+                <a:solidFill>
+                  <a:srgbClr val="000000"/>
+                </a:solidFill>
+                <a:latin typeface="Verdana" panose="020B0604030504040204" pitchFamily="34" charset="0"/>
+              </a:endParaRPr>
+            </a:p>
+            <a:p>
+              <a:pPr indent="720090"/>
+              <a:r>
+                <a:rPr lang="zh-CN" altLang="en-US" sz="2400" dirty="0" smtClean="0">
+                  <a:solidFill>
+                    <a:srgbClr val="000000"/>
+                  </a:solidFill>
+                  <a:latin typeface="Verdana" panose="020B0604030504040204" pitchFamily="34" charset="0"/>
+                </a:rPr>
+                <a:t>包是一个命名空间，也是一个无素。可以包含在其他命名空间中。包可以拥有其他包或与其他包合并，它的元索可以导入包命名空间中。除了要在项目浏览器中使用包来组织项目的内容外，还可以拖动包到图中</a:t>
+              </a:r>
+              <a:r>
+                <a:rPr lang="en-US" altLang="zh-CN" sz="2400" dirty="0" smtClean="0">
+                  <a:solidFill>
+                    <a:srgbClr val="000000"/>
+                  </a:solidFill>
+                  <a:latin typeface="Verdana" panose="020B0604030504040204" pitchFamily="34" charset="0"/>
+                </a:rPr>
+                <a:t>(</a:t>
+              </a:r>
+              <a:r>
+                <a:rPr lang="zh-CN" altLang="en-US" sz="2400" dirty="0" smtClean="0">
+                  <a:solidFill>
+                    <a:srgbClr val="000000"/>
+                  </a:solidFill>
+                  <a:latin typeface="Verdana" panose="020B0604030504040204" pitchFamily="34" charset="0"/>
+                </a:rPr>
+                <a:t>大多数图类型、标准和扩展</a:t>
+              </a:r>
+              <a:r>
+                <a:rPr lang="en-US" altLang="zh-CN" sz="2400" dirty="0" smtClean="0">
+                  <a:solidFill>
+                    <a:srgbClr val="000000"/>
+                  </a:solidFill>
+                  <a:latin typeface="Verdana" panose="020B0604030504040204" pitchFamily="34" charset="0"/>
+                </a:rPr>
+                <a:t>)</a:t>
+              </a:r>
+              <a:r>
+                <a:rPr lang="zh-CN" altLang="en-US" sz="2400" dirty="0" smtClean="0">
+                  <a:solidFill>
+                    <a:srgbClr val="000000"/>
+                  </a:solidFill>
+                  <a:latin typeface="Verdana" panose="020B0604030504040204" pitchFamily="34" charset="0"/>
+                </a:rPr>
+                <a:t>以描述结构或关系，包括包的导人或合并。</a:t>
+              </a:r>
+              <a:endParaRPr lang="zh-CN" altLang="en-US" sz="2400" dirty="0" smtClean="0">
+                <a:solidFill>
+                  <a:srgbClr val="000000"/>
+                </a:solidFill>
+                <a:latin typeface="Verdana" panose="020B0604030504040204" pitchFamily="34" charset="0"/>
+              </a:endParaRPr>
+            </a:p>
+            <a:p>
+              <a:endParaRPr lang="zh-CN" altLang="en-US" sz="1600" dirty="0">
+                <a:solidFill>
+                  <a:srgbClr val="000000"/>
+                </a:solidFill>
+                <a:latin typeface="Verdana" panose="020B0604030504040204" pitchFamily="34" charset="0"/>
+              </a:endParaRPr>
+            </a:p>
+          </p:txBody>
+        </p:sp>
+        <p:grpSp>
+          <p:nvGrpSpPr>
+            <p:cNvPr id="10" name="组合 9"/>
+            <p:cNvGrpSpPr/>
+            <p:nvPr/>
+          </p:nvGrpSpPr>
+          <p:grpSpPr>
+            <a:xfrm>
+              <a:off x="237030" y="1269554"/>
+              <a:ext cx="7776864" cy="4896544"/>
+              <a:chOff x="1285643" y="1772435"/>
+              <a:chExt cx="7135479" cy="3572664"/>
+            </a:xfrm>
+          </p:grpSpPr>
+          <p:sp>
+            <p:nvSpPr>
+              <p:cNvPr id="11" name="矩形 10"/>
+              <p:cNvSpPr/>
+              <p:nvPr/>
+            </p:nvSpPr>
+            <p:spPr>
+              <a:xfrm>
+                <a:off x="1285644" y="2104682"/>
+                <a:ext cx="7135478" cy="3240417"/>
+              </a:xfrm>
+              <a:prstGeom prst="rect">
+                <a:avLst/>
+              </a:prstGeom>
+              <a:noFill/>
+              <a:ln w="12700">
+                <a:solidFill>
+                  <a:srgbClr val="346182"/>
+                </a:solidFill>
+              </a:ln>
+            </p:spPr>
+            <p:style>
+              <a:lnRef idx="2">
+                <a:schemeClr val="accent1">
+                  <a:shade val="50000"/>
+                </a:schemeClr>
+              </a:lnRef>
+              <a:fillRef idx="1">
+                <a:schemeClr val="accent1"/>
+              </a:fillRef>
+              <a:effectRef idx="0">
+                <a:schemeClr val="accent1"/>
+              </a:effectRef>
+              <a:fontRef idx="minor">
+                <a:schemeClr val="lt1"/>
+              </a:fontRef>
+            </p:style>
+            <p:txBody>
+              <a:bodyPr rtlCol="0" anchor="ctr"/>
+              <a:lstStyle/>
+              <a:p>
+                <a:pPr algn="ctr"/>
+                <a:endParaRPr lang="zh-CN" altLang="en-US" sz="1350"/>
+              </a:p>
+            </p:txBody>
+          </p:sp>
+          <p:sp>
+            <p:nvSpPr>
+              <p:cNvPr id="12" name="矩形 11"/>
+              <p:cNvSpPr/>
+              <p:nvPr/>
+            </p:nvSpPr>
+            <p:spPr>
+              <a:xfrm>
+                <a:off x="1285643" y="1772435"/>
+                <a:ext cx="2114216" cy="338554"/>
+              </a:xfrm>
+              <a:prstGeom prst="rect">
+                <a:avLst/>
+              </a:prstGeom>
+              <a:solidFill>
+                <a:srgbClr val="183A5D"/>
+              </a:solidFill>
+              <a:ln>
+                <a:noFill/>
+              </a:ln>
+            </p:spPr>
+            <p:style>
+              <a:lnRef idx="2">
+                <a:schemeClr val="accent1">
+                  <a:shade val="50000"/>
+                </a:schemeClr>
+              </a:lnRef>
+              <a:fillRef idx="1">
+                <a:schemeClr val="accent1"/>
+              </a:fillRef>
+              <a:effectRef idx="0">
+                <a:schemeClr val="accent1"/>
+              </a:effectRef>
+              <a:fontRef idx="minor">
+                <a:schemeClr val="lt1"/>
+              </a:fontRef>
+            </p:style>
+            <p:txBody>
+              <a:bodyPr rtlCol="0" anchor="ctr"/>
+              <a:lstStyle/>
+              <a:p>
+                <a:pPr algn="ctr"/>
+                <a:endParaRPr lang="zh-CN" altLang="en-US" sz="1350"/>
+              </a:p>
+            </p:txBody>
+          </p:sp>
+        </p:grpSp>
+      </p:grpSp>
+      <p:sp>
+        <p:nvSpPr>
+          <p:cNvPr id="9" name="文本框 8"/>
+          <p:cNvSpPr txBox="1"/>
+          <p:nvPr/>
+        </p:nvSpPr>
+        <p:spPr>
+          <a:xfrm>
+            <a:off x="663575" y="1319530"/>
+            <a:ext cx="1562735" cy="414020"/>
+          </a:xfrm>
+          <a:prstGeom prst="rect">
+            <a:avLst/>
+          </a:prstGeom>
+          <a:noFill/>
+        </p:spPr>
+        <p:txBody>
+          <a:bodyPr wrap="square" rtlCol="0">
+            <a:spAutoFit/>
+          </a:bodyPr>
+          <a:lstStyle/>
+          <a:p>
+            <a:r>
+              <a:rPr lang="zh-CN" altLang="en-US" dirty="0">
+                <a:solidFill>
+                  <a:schemeClr val="bg1"/>
+                </a:solidFill>
+              </a:rPr>
+              <a:t>包</a:t>
+            </a:r>
+            <a:r>
+              <a:rPr lang="zh-CN" altLang="en-US" dirty="0" smtClean="0">
+                <a:solidFill>
+                  <a:schemeClr val="bg1"/>
+                </a:solidFill>
+              </a:rPr>
+              <a:t>图概述</a:t>
+            </a:r>
+            <a:endParaRPr lang="zh-CN" altLang="en-US" dirty="0">
+              <a:solidFill>
+                <a:schemeClr val="bg1"/>
+              </a:solidFill>
+            </a:endParaRPr>
+          </a:p>
+        </p:txBody>
+      </p:sp>
+      <p:pic>
+        <p:nvPicPr>
+          <p:cNvPr id="1026" name="Picture 2"/>
+          <p:cNvPicPr>
+            <a:picLocks noChangeAspect="1" noChangeArrowheads="1"/>
+          </p:cNvPicPr>
+          <p:nvPr/>
+        </p:nvPicPr>
+        <p:blipFill>
+          <a:blip r:embed="rId1">
+            <a:extLst>
+              <a:ext uri="{28A0092B-C50C-407E-A947-70E740481C1C}">
+                <a14:useLocalDpi xmlns:a14="http://schemas.microsoft.com/office/drawing/2010/main" val="0"/>
+              </a:ext>
+            </a:extLst>
+          </a:blip>
+          <a:srcRect/>
+          <a:stretch>
+            <a:fillRect/>
+          </a:stretch>
+        </p:blipFill>
+        <p:spPr bwMode="auto">
+          <a:xfrm>
+            <a:off x="8519925" y="2203763"/>
+            <a:ext cx="3163805" cy="2152692"/>
+          </a:xfrm>
+          <a:prstGeom prst="rect">
+            <a:avLst/>
+          </a:prstGeom>
+          <a:noFill/>
+          <a:ln>
+            <a:noFill/>
+          </a:ln>
+          <a:extLst>
+            <a:ext uri="{909E8E84-426E-40DD-AFC4-6F175D3DCCD1}">
+              <a14:hiddenFill xmlns:a14="http://schemas.microsoft.com/office/drawing/2010/main">
+                <a:solidFill>
+                  <a:schemeClr val="accent1"/>
+                </a:solidFill>
+              </a14:hiddenFill>
+            </a:ext>
+            <a:ext uri="{91240B29-F687-4F45-9708-019B960494DF}">
+              <a14:hiddenLine xmlns:a14="http://schemas.microsoft.com/office/drawing/2010/main" w="9525">
+                <a:solidFill>
+                  <a:schemeClr val="tx1"/>
+                </a:solidFill>
+                <a:miter lim="800000"/>
+                <a:headEnd/>
+                <a:tailEnd/>
+              </a14:hiddenLine>
+            </a:ext>
+          </a:extLst>
+        </p:spPr>
+      </p:pic>
+      <p:sp>
+        <p:nvSpPr>
+          <p:cNvPr id="13" name="TextBox 12"/>
+          <p:cNvSpPr txBox="1"/>
+          <p:nvPr/>
+        </p:nvSpPr>
+        <p:spPr>
+          <a:xfrm>
+            <a:off x="8769679" y="4609261"/>
+            <a:ext cx="2664296" cy="432048"/>
+          </a:xfrm>
+          <a:prstGeom prst="rect">
+            <a:avLst/>
+          </a:prstGeom>
+          <a:noFill/>
+        </p:spPr>
+        <p:txBody>
+          <a:bodyPr wrap="square" rtlCol="0">
+            <a:spAutoFit/>
+          </a:bodyPr>
+          <a:lstStyle/>
+          <a:p>
+            <a:pPr algn="ctr"/>
+            <a:r>
+              <a:rPr lang="zh-CN" altLang="en-US" dirty="0" smtClean="0"/>
+              <a:t>包的图标</a:t>
+            </a:r>
+            <a:endParaRPr lang="zh-CN" altLang="en-US" dirty="0"/>
+          </a:p>
+        </p:txBody>
+      </p:sp>
+    </p:spTree>
+  </p:cSld>
+  <p:clrMapOvr>
+    <a:masterClrMapping/>
+  </p:clrMapOvr>
+  <p:transition spd="slow" advClick="0" advTm="0">
+    <p:wipe/>
+  </p:transition>
+  <p:timing>
+    <p:tnLst>
+      <p:par>
+        <p:cTn id="1" dur="indefinite" restart="never" nodeType="tmRoot"/>
+      </p:par>
+    </p:tnLst>
+  </p:timing>
+</p:sld>
+</file>
+
+<file path=ppt/slides/slide12.xml><?xml version="1.0" encoding="utf-8"?>
+<p:sld xmlns:a="http://schemas.openxmlformats.org/drawingml/2006/main" xmlns:r="http://schemas.openxmlformats.org/officeDocument/2006/relationships" xmlns:p="http://schemas.openxmlformats.org/presentationml/2006/main">
+  <p:cSld>
+    <p:spTree>
+      <p:nvGrpSpPr>
+        <p:cNvPr id="1" name=""/>
+        <p:cNvGrpSpPr/>
+        <p:nvPr/>
+      </p:nvGrpSpPr>
+      <p:grpSpPr>
+        <a:xfrm>
+          <a:off x="0" y="0"/>
+          <a:ext cx="0" cy="0"/>
+          <a:chOff x="0" y="0"/>
+          <a:chExt cx="0" cy="0"/>
+        </a:xfrm>
+      </p:grpSpPr>
+      <p:sp>
+        <p:nvSpPr>
+          <p:cNvPr id="2" name="矩形 1"/>
+          <p:cNvSpPr/>
+          <p:nvPr/>
+        </p:nvSpPr>
+        <p:spPr>
+          <a:xfrm>
+            <a:off x="237030" y="1171"/>
+            <a:ext cx="1608415" cy="135446"/>
+          </a:xfrm>
+          <a:prstGeom prst="rect">
+            <a:avLst/>
+          </a:prstGeom>
+          <a:solidFill>
+            <a:srgbClr val="183A5D"/>
+          </a:solidFill>
+          <a:ln>
+            <a:noFill/>
+          </a:ln>
+        </p:spPr>
+        <p:style>
+          <a:lnRef idx="2">
+            <a:schemeClr val="accent1">
+              <a:shade val="50000"/>
+            </a:schemeClr>
+          </a:lnRef>
+          <a:fillRef idx="1">
+            <a:schemeClr val="accent1"/>
+          </a:fillRef>
+          <a:effectRef idx="0">
+            <a:schemeClr val="accent1"/>
+          </a:effectRef>
+          <a:fontRef idx="minor">
+            <a:schemeClr val="lt1"/>
+          </a:fontRef>
+        </p:style>
+        <p:txBody>
+          <a:bodyPr rtlCol="0" anchor="ctr"/>
+          <a:lstStyle/>
+          <a:p>
+            <a:pPr algn="ctr"/>
+            <a:endParaRPr lang="zh-CN" altLang="en-US" sz="2800"/>
+          </a:p>
+        </p:txBody>
+      </p:sp>
+      <p:sp>
+        <p:nvSpPr>
+          <p:cNvPr id="3" name="矩形 2"/>
+          <p:cNvSpPr/>
+          <p:nvPr/>
+        </p:nvSpPr>
+        <p:spPr>
+          <a:xfrm>
+            <a:off x="237030" y="255131"/>
+            <a:ext cx="1608415" cy="406336"/>
+          </a:xfrm>
+          <a:prstGeom prst="rect">
+            <a:avLst/>
+          </a:prstGeom>
+          <a:solidFill>
+            <a:srgbClr val="183A5D"/>
+          </a:solidFill>
+          <a:ln>
+            <a:noFill/>
+          </a:ln>
+        </p:spPr>
+        <p:style>
+          <a:lnRef idx="2">
+            <a:schemeClr val="accent1">
+              <a:shade val="50000"/>
+            </a:schemeClr>
+          </a:lnRef>
+          <a:fillRef idx="1">
+            <a:schemeClr val="accent1"/>
+          </a:fillRef>
+          <a:effectRef idx="0">
+            <a:schemeClr val="accent1"/>
+          </a:effectRef>
+          <a:fontRef idx="minor">
+            <a:schemeClr val="lt1"/>
+          </a:fontRef>
+        </p:style>
+        <p:txBody>
+          <a:bodyPr rtlCol="0" anchor="ctr"/>
+          <a:lstStyle/>
+          <a:p>
+            <a:pPr algn="ctr"/>
+            <a:r>
+              <a:rPr lang="en-US" sz="2400" dirty="0"/>
+              <a:t>3</a:t>
+            </a:r>
+            <a:endParaRPr lang="en-US" sz="2400" dirty="0"/>
+          </a:p>
+        </p:txBody>
+      </p:sp>
+      <p:sp>
+        <p:nvSpPr>
+          <p:cNvPr id="4" name="文本框 3"/>
+          <p:cNvSpPr txBox="1"/>
+          <p:nvPr/>
+        </p:nvSpPr>
+        <p:spPr>
+          <a:xfrm>
+            <a:off x="2236548" y="136356"/>
+            <a:ext cx="6052718" cy="501650"/>
+          </a:xfrm>
+          <a:prstGeom prst="rect">
+            <a:avLst/>
+          </a:prstGeom>
+          <a:noFill/>
+        </p:spPr>
+        <p:txBody>
+          <a:bodyPr wrap="square" rtlCol="0">
+            <a:spAutoFit/>
+          </a:bodyPr>
+          <a:lstStyle/>
+          <a:p>
+            <a:endParaRPr lang="zh-CN" sz="2665" dirty="0">
+              <a:solidFill>
+                <a:srgbClr val="183A5D"/>
+              </a:solidFill>
+              <a:latin typeface="微软雅黑" panose="020B0503020204020204" pitchFamily="34" charset="-122"/>
+              <a:ea typeface="微软雅黑" panose="020B0503020204020204" pitchFamily="34" charset="-122"/>
+            </a:endParaRPr>
+          </a:p>
+        </p:txBody>
+      </p:sp>
+      <p:sp>
+        <p:nvSpPr>
+          <p:cNvPr id="6" name="文本框 5"/>
+          <p:cNvSpPr txBox="1"/>
+          <p:nvPr/>
+        </p:nvSpPr>
+        <p:spPr>
+          <a:xfrm>
+            <a:off x="2226388" y="159851"/>
+            <a:ext cx="6052718" cy="501650"/>
+          </a:xfrm>
+          <a:prstGeom prst="rect">
+            <a:avLst/>
+          </a:prstGeom>
+          <a:noFill/>
+        </p:spPr>
+        <p:txBody>
+          <a:bodyPr wrap="square" rtlCol="0">
+            <a:spAutoFit/>
+          </a:bodyPr>
+          <a:lstStyle/>
+          <a:p>
+            <a:r>
+              <a:rPr lang="zh-CN" altLang="en-US" sz="2665" dirty="0">
+                <a:solidFill>
+                  <a:srgbClr val="183A5D"/>
+                </a:solidFill>
+                <a:latin typeface="微软雅黑" panose="020B0503020204020204" pitchFamily="34" charset="-122"/>
+                <a:ea typeface="微软雅黑" panose="020B0503020204020204" pitchFamily="34" charset="-122"/>
+              </a:rPr>
+              <a:t>包</a:t>
+            </a:r>
+            <a:r>
+              <a:rPr lang="zh-CN" altLang="en-US" sz="2665" dirty="0" smtClean="0">
+                <a:solidFill>
+                  <a:srgbClr val="183A5D"/>
+                </a:solidFill>
+                <a:latin typeface="微软雅黑" panose="020B0503020204020204" pitchFamily="34" charset="-122"/>
+                <a:ea typeface="微软雅黑" panose="020B0503020204020204" pitchFamily="34" charset="-122"/>
+              </a:rPr>
+              <a:t>图</a:t>
+            </a:r>
+            <a:endParaRPr lang="zh-CN" sz="2665" dirty="0">
+              <a:solidFill>
+                <a:srgbClr val="183A5D"/>
+              </a:solidFill>
+              <a:latin typeface="微软雅黑" panose="020B0503020204020204" pitchFamily="34" charset="-122"/>
+              <a:ea typeface="微软雅黑" panose="020B0503020204020204" pitchFamily="34" charset="-122"/>
+            </a:endParaRPr>
+          </a:p>
+        </p:txBody>
+      </p:sp>
+      <p:grpSp>
+        <p:nvGrpSpPr>
+          <p:cNvPr id="7" name="组合 6"/>
+          <p:cNvGrpSpPr/>
+          <p:nvPr/>
+        </p:nvGrpSpPr>
+        <p:grpSpPr>
+          <a:xfrm>
+            <a:off x="305836" y="1269365"/>
+            <a:ext cx="6077401" cy="4896484"/>
+            <a:chOff x="237030" y="1269554"/>
+            <a:chExt cx="7776864" cy="4896544"/>
+          </a:xfrm>
+        </p:grpSpPr>
+        <p:sp>
+          <p:nvSpPr>
+            <p:cNvPr id="5" name="矩形 4"/>
+            <p:cNvSpPr/>
+            <p:nvPr/>
+          </p:nvSpPr>
+          <p:spPr>
+            <a:xfrm>
+              <a:off x="318097" y="1923611"/>
+              <a:ext cx="7614729" cy="3785698"/>
+            </a:xfrm>
+            <a:prstGeom prst="rect">
+              <a:avLst/>
+            </a:prstGeom>
+          </p:spPr>
+          <p:txBody>
+            <a:bodyPr wrap="square">
+              <a:spAutoFit/>
+            </a:bodyPr>
+            <a:lstStyle/>
+            <a:p>
+              <a:r>
+                <a:rPr lang="en-US" altLang="zh-CN" sz="2000" dirty="0">
+                  <a:solidFill>
+                    <a:srgbClr val="000000"/>
+                  </a:solidFill>
+                  <a:latin typeface="Verdana" panose="020B0604030504040204" pitchFamily="34" charset="0"/>
+                </a:rPr>
+                <a:t>1.</a:t>
+              </a:r>
+              <a:r>
+                <a:rPr lang="zh-CN" altLang="en-US" sz="2000" dirty="0">
+                  <a:solidFill>
+                    <a:srgbClr val="000000"/>
+                  </a:solidFill>
+                  <a:latin typeface="Verdana" panose="020B0604030504040204" pitchFamily="34" charset="0"/>
+                </a:rPr>
+                <a:t>引人关系</a:t>
+              </a:r>
+              <a:endParaRPr lang="zh-CN" altLang="en-US" sz="2000" dirty="0">
+                <a:solidFill>
+                  <a:srgbClr val="000000"/>
+                </a:solidFill>
+                <a:latin typeface="Verdana" panose="020B0604030504040204" pitchFamily="34" charset="0"/>
+              </a:endParaRPr>
+            </a:p>
+            <a:p>
+              <a:r>
+                <a:rPr lang="zh-CN" altLang="en-US" sz="2000" dirty="0" smtClean="0">
+                  <a:solidFill>
+                    <a:srgbClr val="000000"/>
+                  </a:solidFill>
+                  <a:latin typeface="Verdana" panose="020B0604030504040204" pitchFamily="34" charset="0"/>
+                </a:rPr>
+                <a:t>引</a:t>
+              </a:r>
+              <a:r>
+                <a:rPr lang="zh-CN" altLang="en-US" sz="2000" dirty="0">
+                  <a:solidFill>
+                    <a:srgbClr val="000000"/>
+                  </a:solidFill>
+                  <a:latin typeface="Verdana" panose="020B0604030504040204" pitchFamily="34" charset="0"/>
+                </a:rPr>
+                <a:t>人关系</a:t>
+              </a:r>
+              <a:r>
+                <a:rPr lang="en-US" altLang="zh-CN" sz="2000" dirty="0">
+                  <a:solidFill>
+                    <a:srgbClr val="000000"/>
+                  </a:solidFill>
+                  <a:latin typeface="Verdana" panose="020B0604030504040204" pitchFamily="34" charset="0"/>
+                </a:rPr>
+                <a:t>:</a:t>
+              </a:r>
+              <a:r>
+                <a:rPr lang="zh-CN" altLang="en-US" sz="2000" dirty="0">
+                  <a:solidFill>
+                    <a:srgbClr val="000000"/>
+                  </a:solidFill>
+                  <a:latin typeface="Verdana" panose="020B0604030504040204" pitchFamily="34" charset="0"/>
+                </a:rPr>
+                <a:t>一个包中的类可以被另一个指定包</a:t>
+              </a:r>
+              <a:r>
+                <a:rPr lang="en-US" altLang="zh-CN" sz="2000" dirty="0">
+                  <a:solidFill>
+                    <a:srgbClr val="000000"/>
+                  </a:solidFill>
+                  <a:latin typeface="Verdana" panose="020B0604030504040204" pitchFamily="34" charset="0"/>
+                </a:rPr>
+                <a:t>(</a:t>
+              </a:r>
+              <a:r>
+                <a:rPr lang="zh-CN" altLang="en-US" sz="2000" dirty="0">
+                  <a:solidFill>
+                    <a:srgbClr val="000000"/>
+                  </a:solidFill>
+                  <a:latin typeface="Verdana" panose="020B0604030504040204" pitchFamily="34" charset="0"/>
+                </a:rPr>
+                <a:t>以及嵌套于其中的那些包</a:t>
+              </a:r>
+              <a:r>
+                <a:rPr lang="en-US" altLang="zh-CN" sz="2000" dirty="0">
+                  <a:solidFill>
+                    <a:srgbClr val="000000"/>
+                  </a:solidFill>
+                  <a:latin typeface="Verdana" panose="020B0604030504040204" pitchFamily="34" charset="0"/>
+                </a:rPr>
+                <a:t>)</a:t>
+              </a:r>
+              <a:r>
+                <a:rPr lang="zh-CN" altLang="en-US" sz="2000" dirty="0">
+                  <a:solidFill>
+                    <a:srgbClr val="000000"/>
+                  </a:solidFill>
+                  <a:latin typeface="Verdana" panose="020B0604030504040204" pitchFamily="34" charset="0"/>
+                </a:rPr>
+                <a:t>中的类</a:t>
+              </a:r>
+              <a:r>
+                <a:rPr lang="zh-CN" altLang="en-US" sz="2000" dirty="0" smtClean="0">
+                  <a:solidFill>
+                    <a:srgbClr val="000000"/>
+                  </a:solidFill>
+                  <a:latin typeface="Verdana" panose="020B0604030504040204" pitchFamily="34" charset="0"/>
+                </a:rPr>
+                <a:t>引用。引用关系</a:t>
+              </a:r>
+              <a:r>
+                <a:rPr lang="zh-CN" altLang="en-US" sz="2000" dirty="0">
+                  <a:solidFill>
+                    <a:srgbClr val="000000"/>
+                  </a:solidFill>
+                  <a:latin typeface="Verdana" panose="020B0604030504040204" pitchFamily="34" charset="0"/>
+                </a:rPr>
+                <a:t>是依赖关系的一种，需要</a:t>
+              </a:r>
+              <a:r>
+                <a:rPr lang="zh-CN" altLang="en-US" sz="2000" dirty="0" smtClean="0">
+                  <a:solidFill>
+                    <a:srgbClr val="000000"/>
+                  </a:solidFill>
+                  <a:latin typeface="Verdana" panose="020B0604030504040204" pitchFamily="34" charset="0"/>
+                </a:rPr>
+                <a:t>在依赖上增加一个</a:t>
+              </a:r>
+              <a:r>
+                <a:rPr lang="en-US" altLang="zh-CN" sz="2000" dirty="0" smtClean="0">
+                  <a:solidFill>
+                    <a:srgbClr val="000000"/>
+                  </a:solidFill>
+                  <a:latin typeface="Verdana" panose="020B0604030504040204" pitchFamily="34" charset="0"/>
+                </a:rPr>
+                <a:t>&lt;&lt;import&gt;&gt;</a:t>
+              </a:r>
+              <a:r>
+                <a:rPr lang="zh-CN" altLang="en-US" sz="2000" dirty="0" smtClean="0">
+                  <a:solidFill>
+                    <a:srgbClr val="000000"/>
+                  </a:solidFill>
+                  <a:latin typeface="Verdana" panose="020B0604030504040204" pitchFamily="34" charset="0"/>
+                </a:rPr>
+                <a:t>衍型</a:t>
+              </a:r>
+              <a:r>
+                <a:rPr lang="zh-CN" altLang="en-US" sz="2000" dirty="0">
+                  <a:solidFill>
+                    <a:srgbClr val="000000"/>
+                  </a:solidFill>
+                  <a:latin typeface="Verdana" panose="020B0604030504040204" pitchFamily="34" charset="0"/>
+                </a:rPr>
+                <a:t>，包之间</a:t>
+              </a:r>
+              <a:r>
+                <a:rPr lang="zh-CN" altLang="en-US" sz="2000" dirty="0" smtClean="0">
+                  <a:solidFill>
+                    <a:srgbClr val="000000"/>
+                  </a:solidFill>
+                  <a:latin typeface="Verdana" panose="020B0604030504040204" pitchFamily="34" charset="0"/>
+                </a:rPr>
+                <a:t>一般依赖关系都属于引入关系。</a:t>
+              </a:r>
+              <a:endParaRPr lang="en-US" altLang="zh-CN" sz="2000" dirty="0" smtClean="0">
+                <a:solidFill>
+                  <a:srgbClr val="000000"/>
+                </a:solidFill>
+                <a:latin typeface="Verdana" panose="020B0604030504040204" pitchFamily="34" charset="0"/>
+              </a:endParaRPr>
+            </a:p>
+            <a:p>
+              <a:endParaRPr lang="zh-CN" altLang="en-US" sz="2000" dirty="0">
+                <a:solidFill>
+                  <a:srgbClr val="000000"/>
+                </a:solidFill>
+                <a:latin typeface="Verdana" panose="020B0604030504040204" pitchFamily="34" charset="0"/>
+              </a:endParaRPr>
+            </a:p>
+            <a:p>
+              <a:r>
+                <a:rPr lang="en-US" altLang="zh-CN" sz="2000" dirty="0">
+                  <a:solidFill>
+                    <a:srgbClr val="000000"/>
+                  </a:solidFill>
+                  <a:latin typeface="Verdana" panose="020B0604030504040204" pitchFamily="34" charset="0"/>
+                </a:rPr>
+                <a:t>2. </a:t>
+              </a:r>
+              <a:r>
+                <a:rPr lang="zh-CN" altLang="en-US" sz="2000" dirty="0">
+                  <a:solidFill>
+                    <a:srgbClr val="000000"/>
+                  </a:solidFill>
+                  <a:latin typeface="Verdana" panose="020B0604030504040204" pitchFamily="34" charset="0"/>
+                </a:rPr>
+                <a:t>泛化关系</a:t>
+              </a:r>
+              <a:endParaRPr lang="zh-CN" altLang="en-US" sz="2000" dirty="0">
+                <a:solidFill>
+                  <a:srgbClr val="000000"/>
+                </a:solidFill>
+                <a:latin typeface="Verdana" panose="020B0604030504040204" pitchFamily="34" charset="0"/>
+              </a:endParaRPr>
+            </a:p>
+            <a:p>
+              <a:r>
+                <a:rPr lang="zh-CN" altLang="en-US" sz="2000" dirty="0" smtClean="0">
+                  <a:solidFill>
+                    <a:srgbClr val="000000"/>
+                  </a:solidFill>
+                  <a:latin typeface="Verdana" panose="020B0604030504040204" pitchFamily="34" charset="0"/>
+                </a:rPr>
+                <a:t>泛化关系</a:t>
+              </a:r>
+              <a:r>
+                <a:rPr lang="zh-CN" altLang="en-US" sz="2000" dirty="0">
+                  <a:solidFill>
+                    <a:srgbClr val="000000"/>
+                  </a:solidFill>
+                  <a:latin typeface="Verdana" panose="020B0604030504040204" pitchFamily="34" charset="0"/>
+                </a:rPr>
+                <a:t>，表示一个</a:t>
+              </a:r>
+              <a:r>
+                <a:rPr lang="zh-CN" altLang="en-US" sz="2000" dirty="0" smtClean="0">
+                  <a:solidFill>
+                    <a:srgbClr val="000000"/>
+                  </a:solidFill>
+                  <a:latin typeface="Verdana" panose="020B0604030504040204" pitchFamily="34" charset="0"/>
+                </a:rPr>
+                <a:t>包继承了另一个</a:t>
+              </a:r>
+              <a:r>
+                <a:rPr lang="zh-CN" altLang="en-US" sz="2000" dirty="0">
+                  <a:solidFill>
+                    <a:srgbClr val="000000"/>
+                  </a:solidFill>
+                  <a:latin typeface="Verdana" panose="020B0604030504040204" pitchFamily="34" charset="0"/>
+                </a:rPr>
+                <a:t>包</a:t>
+              </a:r>
+              <a:r>
+                <a:rPr lang="zh-CN" altLang="en-US" sz="2000" dirty="0" smtClean="0">
+                  <a:solidFill>
+                    <a:srgbClr val="000000"/>
+                  </a:solidFill>
+                  <a:latin typeface="Verdana" panose="020B0604030504040204" pitchFamily="34" charset="0"/>
+                </a:rPr>
+                <a:t>的全部</a:t>
+              </a:r>
+              <a:r>
+                <a:rPr lang="zh-CN" altLang="en-US" sz="2000" dirty="0">
+                  <a:solidFill>
+                    <a:srgbClr val="000000"/>
+                  </a:solidFill>
+                  <a:latin typeface="Verdana" panose="020B0604030504040204" pitchFamily="34" charset="0"/>
+                </a:rPr>
+                <a:t>内容，同时又</a:t>
+              </a:r>
+              <a:r>
+                <a:rPr lang="zh-CN" altLang="en-US" sz="2000" dirty="0" smtClean="0">
+                  <a:solidFill>
+                    <a:srgbClr val="000000"/>
+                  </a:solidFill>
+                  <a:latin typeface="Verdana" panose="020B0604030504040204" pitchFamily="34" charset="0"/>
+                </a:rPr>
+                <a:t>补充了自己</a:t>
+              </a:r>
+              <a:r>
+                <a:rPr lang="zh-CN" altLang="en-US" sz="2000" dirty="0">
+                  <a:solidFill>
+                    <a:srgbClr val="000000"/>
+                  </a:solidFill>
+                  <a:latin typeface="Verdana" panose="020B0604030504040204" pitchFamily="34" charset="0"/>
+                </a:rPr>
+                <a:t>增加的</a:t>
+              </a:r>
+              <a:r>
+                <a:rPr lang="zh-CN" altLang="en-US" sz="2000" dirty="0" smtClean="0">
+                  <a:solidFill>
+                    <a:srgbClr val="000000"/>
+                  </a:solidFill>
+                  <a:latin typeface="Verdana" panose="020B0604030504040204" pitchFamily="34" charset="0"/>
+                </a:rPr>
+                <a:t>内容。</a:t>
+              </a:r>
+              <a:endParaRPr lang="en-US" altLang="zh-CN" sz="2000" dirty="0" smtClean="0">
+                <a:solidFill>
+                  <a:srgbClr val="000000"/>
+                </a:solidFill>
+                <a:latin typeface="Verdana" panose="020B0604030504040204" pitchFamily="34" charset="0"/>
+              </a:endParaRPr>
+            </a:p>
+            <a:p>
+              <a:endParaRPr lang="en-US" altLang="zh-CN" sz="2000" dirty="0" smtClean="0">
+                <a:solidFill>
+                  <a:srgbClr val="000000"/>
+                </a:solidFill>
+                <a:latin typeface="Verdana" panose="020B0604030504040204" pitchFamily="34" charset="0"/>
+              </a:endParaRPr>
+            </a:p>
+            <a:p>
+              <a:r>
+                <a:rPr lang="en-US" altLang="zh-CN" sz="2000" dirty="0">
+                  <a:solidFill>
+                    <a:srgbClr val="000000"/>
+                  </a:solidFill>
+                  <a:latin typeface="Verdana" panose="020B0604030504040204" pitchFamily="34" charset="0"/>
+                </a:rPr>
+                <a:t>3.</a:t>
+              </a:r>
+              <a:r>
+                <a:rPr lang="zh-CN" altLang="en-US" sz="2000" dirty="0">
+                  <a:solidFill>
+                    <a:srgbClr val="000000"/>
+                  </a:solidFill>
+                  <a:latin typeface="Verdana" panose="020B0604030504040204" pitchFamily="34" charset="0"/>
+                </a:rPr>
+                <a:t>嵌套关系</a:t>
+              </a:r>
+              <a:endParaRPr lang="zh-CN" altLang="en-US" sz="2000" dirty="0">
+                <a:solidFill>
+                  <a:srgbClr val="000000"/>
+                </a:solidFill>
+                <a:latin typeface="Verdana" panose="020B0604030504040204" pitchFamily="34" charset="0"/>
+              </a:endParaRPr>
+            </a:p>
+            <a:p>
+              <a:r>
+                <a:rPr lang="zh-CN" altLang="en-US" sz="2000" dirty="0">
+                  <a:solidFill>
+                    <a:srgbClr val="000000"/>
+                  </a:solidFill>
+                  <a:latin typeface="Verdana" panose="020B0604030504040204" pitchFamily="34" charset="0"/>
+                </a:rPr>
+                <a:t>嵌套</a:t>
+              </a:r>
+              <a:r>
+                <a:rPr lang="zh-CN" altLang="en-US" sz="2000" dirty="0" smtClean="0">
+                  <a:solidFill>
+                    <a:srgbClr val="000000"/>
+                  </a:solidFill>
+                  <a:latin typeface="Verdana" panose="020B0604030504040204" pitchFamily="34" charset="0"/>
+                </a:rPr>
+                <a:t>关系</a:t>
+              </a:r>
+              <a:r>
+                <a:rPr lang="en-US" altLang="zh-CN" sz="2000" dirty="0">
+                  <a:solidFill>
+                    <a:srgbClr val="000000"/>
+                  </a:solidFill>
+                  <a:latin typeface="Verdana" panose="020B0604030504040204" pitchFamily="34" charset="0"/>
+                </a:rPr>
+                <a:t>:</a:t>
+              </a:r>
+              <a:r>
+                <a:rPr lang="zh-CN" altLang="en-US" sz="2000" dirty="0">
+                  <a:solidFill>
+                    <a:srgbClr val="000000"/>
+                  </a:solidFill>
+                  <a:latin typeface="Verdana" panose="020B0604030504040204" pitchFamily="34" charset="0"/>
+                </a:rPr>
+                <a:t>一个包中可以包含若干个子包，构成包的嵌套</a:t>
+              </a:r>
+              <a:r>
+                <a:rPr lang="zh-CN" altLang="en-US" sz="2000" dirty="0" smtClean="0">
+                  <a:solidFill>
+                    <a:srgbClr val="000000"/>
+                  </a:solidFill>
+                  <a:latin typeface="Verdana" panose="020B0604030504040204" pitchFamily="34" charset="0"/>
+                </a:rPr>
+                <a:t>层次结构。</a:t>
+              </a:r>
+              <a:endParaRPr lang="zh-CN" altLang="en-US" sz="2000" dirty="0">
+                <a:solidFill>
+                  <a:srgbClr val="000000"/>
+                </a:solidFill>
+                <a:latin typeface="Verdana" panose="020B0604030504040204" pitchFamily="34" charset="0"/>
+              </a:endParaRPr>
+            </a:p>
+          </p:txBody>
+        </p:sp>
+        <p:grpSp>
+          <p:nvGrpSpPr>
+            <p:cNvPr id="10" name="组合 9"/>
+            <p:cNvGrpSpPr/>
+            <p:nvPr/>
+          </p:nvGrpSpPr>
+          <p:grpSpPr>
+            <a:xfrm>
+              <a:off x="237030" y="1269554"/>
+              <a:ext cx="7776864" cy="4896544"/>
+              <a:chOff x="1285643" y="1772435"/>
+              <a:chExt cx="7135479" cy="3572664"/>
+            </a:xfrm>
+          </p:grpSpPr>
+          <p:sp>
+            <p:nvSpPr>
+              <p:cNvPr id="11" name="矩形 10"/>
+              <p:cNvSpPr/>
+              <p:nvPr/>
+            </p:nvSpPr>
+            <p:spPr>
+              <a:xfrm>
+                <a:off x="1285644" y="2104682"/>
+                <a:ext cx="7135478" cy="3240417"/>
+              </a:xfrm>
+              <a:prstGeom prst="rect">
+                <a:avLst/>
+              </a:prstGeom>
+              <a:noFill/>
+              <a:ln w="12700">
+                <a:solidFill>
+                  <a:srgbClr val="346182"/>
+                </a:solidFill>
+              </a:ln>
+            </p:spPr>
+            <p:style>
+              <a:lnRef idx="2">
+                <a:schemeClr val="accent1">
+                  <a:shade val="50000"/>
+                </a:schemeClr>
+              </a:lnRef>
+              <a:fillRef idx="1">
+                <a:schemeClr val="accent1"/>
+              </a:fillRef>
+              <a:effectRef idx="0">
+                <a:schemeClr val="accent1"/>
+              </a:effectRef>
+              <a:fontRef idx="minor">
+                <a:schemeClr val="lt1"/>
+              </a:fontRef>
+            </p:style>
+            <p:txBody>
+              <a:bodyPr rtlCol="0" anchor="ctr"/>
+              <a:lstStyle/>
+              <a:p>
+                <a:pPr algn="ctr"/>
+                <a:endParaRPr lang="zh-CN" altLang="en-US" sz="1350"/>
+              </a:p>
+            </p:txBody>
+          </p:sp>
+          <p:sp>
+            <p:nvSpPr>
+              <p:cNvPr id="12" name="矩形 11"/>
+              <p:cNvSpPr/>
+              <p:nvPr/>
+            </p:nvSpPr>
+            <p:spPr>
+              <a:xfrm>
+                <a:off x="1285643" y="1772435"/>
+                <a:ext cx="2114216" cy="338554"/>
+              </a:xfrm>
+              <a:prstGeom prst="rect">
+                <a:avLst/>
+              </a:prstGeom>
+              <a:solidFill>
+                <a:srgbClr val="183A5D"/>
+              </a:solidFill>
+              <a:ln>
+                <a:noFill/>
+              </a:ln>
+            </p:spPr>
+            <p:style>
+              <a:lnRef idx="2">
+                <a:schemeClr val="accent1">
+                  <a:shade val="50000"/>
+                </a:schemeClr>
+              </a:lnRef>
+              <a:fillRef idx="1">
+                <a:schemeClr val="accent1"/>
+              </a:fillRef>
+              <a:effectRef idx="0">
+                <a:schemeClr val="accent1"/>
+              </a:effectRef>
+              <a:fontRef idx="minor">
+                <a:schemeClr val="lt1"/>
+              </a:fontRef>
+            </p:style>
+            <p:txBody>
+              <a:bodyPr rtlCol="0" anchor="ctr"/>
+              <a:lstStyle/>
+              <a:p>
+                <a:pPr algn="ctr"/>
+                <a:endParaRPr lang="zh-CN" altLang="en-US" sz="1350"/>
+              </a:p>
+            </p:txBody>
+          </p:sp>
+        </p:grpSp>
+      </p:grpSp>
+      <p:sp>
+        <p:nvSpPr>
+          <p:cNvPr id="9" name="文本框 8"/>
+          <p:cNvSpPr txBox="1"/>
+          <p:nvPr/>
+        </p:nvSpPr>
+        <p:spPr>
+          <a:xfrm>
+            <a:off x="305837" y="1293617"/>
+            <a:ext cx="2006137" cy="415498"/>
+          </a:xfrm>
+          <a:prstGeom prst="rect">
+            <a:avLst/>
+          </a:prstGeom>
+          <a:noFill/>
+        </p:spPr>
+        <p:txBody>
+          <a:bodyPr wrap="square" rtlCol="0">
+            <a:spAutoFit/>
+          </a:bodyPr>
+          <a:lstStyle/>
+          <a:p>
+            <a:r>
+              <a:rPr lang="zh-CN" altLang="en-US" dirty="0" smtClean="0">
+                <a:solidFill>
+                  <a:schemeClr val="bg1"/>
+                </a:solidFill>
+              </a:rPr>
+              <a:t>包之间的关系</a:t>
+            </a:r>
+            <a:endParaRPr lang="zh-CN" altLang="en-US" dirty="0">
+              <a:solidFill>
+                <a:schemeClr val="bg1"/>
+              </a:solidFill>
+            </a:endParaRPr>
+          </a:p>
+        </p:txBody>
+      </p:sp>
+      <p:pic>
+        <p:nvPicPr>
+          <p:cNvPr id="2050" name="Picture 2"/>
+          <p:cNvPicPr>
+            <a:picLocks noChangeAspect="1" noChangeArrowheads="1"/>
+          </p:cNvPicPr>
+          <p:nvPr/>
+        </p:nvPicPr>
+        <p:blipFill>
+          <a:blip r:embed="rId1">
+            <a:extLst>
+              <a:ext uri="{28A0092B-C50C-407E-A947-70E740481C1C}">
+                <a14:useLocalDpi xmlns:a14="http://schemas.microsoft.com/office/drawing/2010/main" val="0"/>
+              </a:ext>
+            </a:extLst>
+          </a:blip>
+          <a:srcRect/>
+          <a:stretch>
+            <a:fillRect/>
+          </a:stretch>
+        </p:blipFill>
+        <p:spPr bwMode="auto">
+          <a:xfrm>
+            <a:off x="7497166" y="1501366"/>
+            <a:ext cx="1039544" cy="2070203"/>
+          </a:xfrm>
+          <a:prstGeom prst="rect">
+            <a:avLst/>
+          </a:prstGeom>
+          <a:noFill/>
+          <a:ln>
+            <a:noFill/>
+          </a:ln>
+          <a:extLst>
+            <a:ext uri="{909E8E84-426E-40DD-AFC4-6F175D3DCCD1}">
+              <a14:hiddenFill xmlns:a14="http://schemas.microsoft.com/office/drawing/2010/main">
+                <a:solidFill>
+                  <a:schemeClr val="accent1"/>
+                </a:solidFill>
+              </a14:hiddenFill>
+            </a:ext>
+            <a:ext uri="{91240B29-F687-4F45-9708-019B960494DF}">
+              <a14:hiddenLine xmlns:a14="http://schemas.microsoft.com/office/drawing/2010/main" w="9525">
+                <a:solidFill>
+                  <a:schemeClr val="tx1"/>
+                </a:solidFill>
+                <a:miter lim="800000"/>
+                <a:headEnd/>
+                <a:tailEnd/>
+              </a14:hiddenLine>
+            </a:ext>
+          </a:extLst>
+        </p:spPr>
+      </p:pic>
+      <p:pic>
+        <p:nvPicPr>
+          <p:cNvPr id="2051" name="Picture 3"/>
+          <p:cNvPicPr>
+            <a:picLocks noChangeAspect="1" noChangeArrowheads="1"/>
+          </p:cNvPicPr>
+          <p:nvPr/>
+        </p:nvPicPr>
+        <p:blipFill>
+          <a:blip r:embed="rId2">
+            <a:extLst>
+              <a:ext uri="{28A0092B-C50C-407E-A947-70E740481C1C}">
+                <a14:useLocalDpi xmlns:a14="http://schemas.microsoft.com/office/drawing/2010/main" val="0"/>
+              </a:ext>
+            </a:extLst>
+          </a:blip>
+          <a:srcRect/>
+          <a:stretch>
+            <a:fillRect/>
+          </a:stretch>
+        </p:blipFill>
+        <p:spPr bwMode="auto">
+          <a:xfrm>
+            <a:off x="7483741" y="3945286"/>
+            <a:ext cx="3249935" cy="1835056"/>
+          </a:xfrm>
+          <a:prstGeom prst="rect">
+            <a:avLst/>
+          </a:prstGeom>
+          <a:noFill/>
+          <a:ln>
+            <a:noFill/>
+          </a:ln>
+          <a:extLst>
+            <a:ext uri="{909E8E84-426E-40DD-AFC4-6F175D3DCCD1}">
+              <a14:hiddenFill xmlns:a14="http://schemas.microsoft.com/office/drawing/2010/main">
+                <a:solidFill>
+                  <a:schemeClr val="accent1"/>
+                </a:solidFill>
+              </a14:hiddenFill>
+            </a:ext>
+            <a:ext uri="{91240B29-F687-4F45-9708-019B960494DF}">
+              <a14:hiddenLine xmlns:a14="http://schemas.microsoft.com/office/drawing/2010/main" w="9525">
+                <a:solidFill>
+                  <a:schemeClr val="tx1"/>
+                </a:solidFill>
+                <a:miter lim="800000"/>
+                <a:headEnd/>
+                <a:tailEnd/>
+              </a14:hiddenLine>
+            </a:ext>
+          </a:extLst>
+        </p:spPr>
+      </p:pic>
+      <p:sp>
+        <p:nvSpPr>
+          <p:cNvPr id="8" name="TextBox 7"/>
+          <p:cNvSpPr txBox="1"/>
+          <p:nvPr/>
+        </p:nvSpPr>
+        <p:spPr>
+          <a:xfrm>
+            <a:off x="7452937" y="5958100"/>
+            <a:ext cx="3384376" cy="369332"/>
+          </a:xfrm>
+          <a:prstGeom prst="rect">
+            <a:avLst/>
+          </a:prstGeom>
+          <a:noFill/>
+        </p:spPr>
+        <p:txBody>
+          <a:bodyPr wrap="square" rtlCol="0">
+            <a:spAutoFit/>
+          </a:bodyPr>
+          <a:lstStyle/>
+          <a:p>
+            <a:pPr algn="ctr"/>
+            <a:r>
+              <a:rPr lang="zh-CN" altLang="en-US" sz="1800" dirty="0"/>
+              <a:t>包</a:t>
+            </a:r>
+            <a:r>
+              <a:rPr lang="zh-CN" altLang="en-US" sz="1800" dirty="0" smtClean="0"/>
+              <a:t>的嵌套关系</a:t>
+            </a:r>
+            <a:endParaRPr lang="en-US" altLang="zh-CN" sz="1800" dirty="0" smtClean="0"/>
+          </a:p>
+        </p:txBody>
+      </p:sp>
+      <p:sp>
+        <p:nvSpPr>
+          <p:cNvPr id="14" name="TextBox 13"/>
+          <p:cNvSpPr txBox="1"/>
+          <p:nvPr/>
+        </p:nvSpPr>
+        <p:spPr>
+          <a:xfrm>
+            <a:off x="8687494" y="2277666"/>
+            <a:ext cx="2046182" cy="415498"/>
+          </a:xfrm>
+          <a:prstGeom prst="rect">
+            <a:avLst/>
+          </a:prstGeom>
+          <a:noFill/>
+        </p:spPr>
+        <p:txBody>
+          <a:bodyPr wrap="square" rtlCol="0">
+            <a:spAutoFit/>
+          </a:bodyPr>
+          <a:lstStyle/>
+          <a:p>
+            <a:r>
+              <a:rPr lang="zh-CN" altLang="en-US" dirty="0" smtClean="0"/>
+              <a:t>包的泛化</a:t>
+            </a:r>
+            <a:r>
+              <a:rPr lang="zh-CN" altLang="en-US" sz="1800" dirty="0" smtClean="0"/>
+              <a:t>关系</a:t>
+            </a:r>
+            <a:endParaRPr lang="zh-CN" altLang="en-US" dirty="0"/>
+          </a:p>
+        </p:txBody>
+      </p:sp>
+    </p:spTree>
+  </p:cSld>
+  <p:clrMapOvr>
+    <a:masterClrMapping/>
+  </p:clrMapOvr>
+  <p:transition spd="slow" advClick="0" advTm="0">
+    <p:wipe/>
+  </p:transition>
+  <p:timing>
+    <p:tnLst>
+      <p:par>
+        <p:cTn id="1" dur="indefinite" restart="never" nodeType="tmRoot"/>
+      </p:par>
+    </p:tnLst>
+  </p:timing>
+</p:sld>
+</file>
+
+<file path=ppt/slides/slide13.xml><?xml version="1.0" encoding="utf-8"?>
+<p:sld xmlns:a="http://schemas.openxmlformats.org/drawingml/2006/main" xmlns:r="http://schemas.openxmlformats.org/officeDocument/2006/relationships" xmlns:p="http://schemas.openxmlformats.org/presentationml/2006/main">
+  <p:cSld>
+    <p:spTree>
+      <p:nvGrpSpPr>
+        <p:cNvPr id="1" name=""/>
+        <p:cNvGrpSpPr/>
+        <p:nvPr/>
+      </p:nvGrpSpPr>
+      <p:grpSpPr>
+        <a:xfrm>
+          <a:off x="0" y="0"/>
+          <a:ext cx="0" cy="0"/>
+          <a:chOff x="0" y="0"/>
+          <a:chExt cx="0" cy="0"/>
+        </a:xfrm>
+      </p:grpSpPr>
+      <p:sp>
+        <p:nvSpPr>
+          <p:cNvPr id="2" name="矩形 1"/>
+          <p:cNvSpPr/>
+          <p:nvPr/>
+        </p:nvSpPr>
+        <p:spPr>
+          <a:xfrm>
+            <a:off x="237030" y="1171"/>
+            <a:ext cx="1608415" cy="135446"/>
+          </a:xfrm>
+          <a:prstGeom prst="rect">
+            <a:avLst/>
+          </a:prstGeom>
+          <a:solidFill>
+            <a:srgbClr val="183A5D"/>
+          </a:solidFill>
+          <a:ln>
+            <a:noFill/>
+          </a:ln>
+        </p:spPr>
+        <p:style>
+          <a:lnRef idx="2">
+            <a:schemeClr val="accent1">
+              <a:shade val="50000"/>
+            </a:schemeClr>
+          </a:lnRef>
+          <a:fillRef idx="1">
+            <a:schemeClr val="accent1"/>
+          </a:fillRef>
+          <a:effectRef idx="0">
+            <a:schemeClr val="accent1"/>
+          </a:effectRef>
+          <a:fontRef idx="minor">
+            <a:schemeClr val="lt1"/>
+          </a:fontRef>
+        </p:style>
+        <p:txBody>
+          <a:bodyPr rtlCol="0" anchor="ctr"/>
+          <a:lstStyle/>
+          <a:p>
+            <a:pPr algn="ctr"/>
+            <a:endParaRPr lang="zh-CN" altLang="en-US" sz="2800"/>
+          </a:p>
+        </p:txBody>
+      </p:sp>
+      <p:sp>
+        <p:nvSpPr>
+          <p:cNvPr id="3" name="矩形 2"/>
+          <p:cNvSpPr/>
+          <p:nvPr/>
+        </p:nvSpPr>
+        <p:spPr>
+          <a:xfrm>
+            <a:off x="237030" y="255131"/>
+            <a:ext cx="1608415" cy="406336"/>
+          </a:xfrm>
+          <a:prstGeom prst="rect">
+            <a:avLst/>
+          </a:prstGeom>
+          <a:solidFill>
+            <a:srgbClr val="183A5D"/>
+          </a:solidFill>
+          <a:ln>
+            <a:noFill/>
+          </a:ln>
+        </p:spPr>
+        <p:style>
+          <a:lnRef idx="2">
+            <a:schemeClr val="accent1">
+              <a:shade val="50000"/>
+            </a:schemeClr>
+          </a:lnRef>
+          <a:fillRef idx="1">
+            <a:schemeClr val="accent1"/>
+          </a:fillRef>
+          <a:effectRef idx="0">
+            <a:schemeClr val="accent1"/>
+          </a:effectRef>
+          <a:fontRef idx="minor">
+            <a:schemeClr val="lt1"/>
+          </a:fontRef>
+        </p:style>
+        <p:txBody>
+          <a:bodyPr rtlCol="0" anchor="ctr"/>
+          <a:lstStyle/>
+          <a:p>
+            <a:pPr algn="ctr"/>
+            <a:r>
+              <a:rPr lang="en-US" sz="2400" dirty="0"/>
+              <a:t>3</a:t>
+            </a:r>
+            <a:endParaRPr lang="en-US" sz="2400" dirty="0"/>
+          </a:p>
+        </p:txBody>
+      </p:sp>
+      <p:sp>
+        <p:nvSpPr>
+          <p:cNvPr id="4" name="文本框 3"/>
+          <p:cNvSpPr txBox="1"/>
+          <p:nvPr/>
+        </p:nvSpPr>
+        <p:spPr>
+          <a:xfrm>
+            <a:off x="2236548" y="136356"/>
+            <a:ext cx="6052718" cy="501650"/>
+          </a:xfrm>
+          <a:prstGeom prst="rect">
+            <a:avLst/>
+          </a:prstGeom>
+          <a:noFill/>
+        </p:spPr>
+        <p:txBody>
+          <a:bodyPr wrap="square" rtlCol="0">
+            <a:spAutoFit/>
+          </a:bodyPr>
+          <a:lstStyle/>
+          <a:p>
+            <a:endParaRPr lang="zh-CN" sz="2665" dirty="0">
+              <a:solidFill>
+                <a:srgbClr val="183A5D"/>
+              </a:solidFill>
+              <a:latin typeface="微软雅黑" panose="020B0503020204020204" pitchFamily="34" charset="-122"/>
+              <a:ea typeface="微软雅黑" panose="020B0503020204020204" pitchFamily="34" charset="-122"/>
+            </a:endParaRPr>
+          </a:p>
+        </p:txBody>
+      </p:sp>
+      <p:sp>
+        <p:nvSpPr>
+          <p:cNvPr id="6" name="文本框 5"/>
+          <p:cNvSpPr txBox="1"/>
+          <p:nvPr/>
+        </p:nvSpPr>
+        <p:spPr>
+          <a:xfrm>
+            <a:off x="2226388" y="159851"/>
+            <a:ext cx="6052718" cy="501650"/>
+          </a:xfrm>
+          <a:prstGeom prst="rect">
+            <a:avLst/>
+          </a:prstGeom>
+          <a:noFill/>
+        </p:spPr>
+        <p:txBody>
+          <a:bodyPr wrap="square" rtlCol="0">
+            <a:spAutoFit/>
+          </a:bodyPr>
+          <a:lstStyle/>
+          <a:p>
+            <a:r>
+              <a:rPr lang="zh-CN" altLang="en-US" sz="2665" dirty="0">
+                <a:solidFill>
+                  <a:srgbClr val="183A5D"/>
+                </a:solidFill>
+                <a:latin typeface="微软雅黑" panose="020B0503020204020204" pitchFamily="34" charset="-122"/>
+                <a:ea typeface="微软雅黑" panose="020B0503020204020204" pitchFamily="34" charset="-122"/>
+              </a:rPr>
+              <a:t>包</a:t>
+            </a:r>
+            <a:r>
+              <a:rPr lang="zh-CN" altLang="en-US" sz="2665" dirty="0" smtClean="0">
+                <a:solidFill>
+                  <a:srgbClr val="183A5D"/>
+                </a:solidFill>
+                <a:latin typeface="微软雅黑" panose="020B0503020204020204" pitchFamily="34" charset="-122"/>
+                <a:ea typeface="微软雅黑" panose="020B0503020204020204" pitchFamily="34" charset="-122"/>
+              </a:rPr>
+              <a:t>图</a:t>
+            </a:r>
+            <a:endParaRPr lang="zh-CN" sz="2665" dirty="0">
+              <a:solidFill>
+                <a:srgbClr val="183A5D"/>
+              </a:solidFill>
+              <a:latin typeface="微软雅黑" panose="020B0503020204020204" pitchFamily="34" charset="-122"/>
+              <a:ea typeface="微软雅黑" panose="020B0503020204020204" pitchFamily="34" charset="-122"/>
+            </a:endParaRPr>
+          </a:p>
+        </p:txBody>
+      </p:sp>
+      <p:grpSp>
+        <p:nvGrpSpPr>
+          <p:cNvPr id="7" name="组合 6"/>
+          <p:cNvGrpSpPr/>
+          <p:nvPr/>
+        </p:nvGrpSpPr>
+        <p:grpSpPr>
+          <a:xfrm>
+            <a:off x="305836" y="1053530"/>
+            <a:ext cx="11405994" cy="5472608"/>
+            <a:chOff x="237030" y="1269554"/>
+            <a:chExt cx="7776864" cy="4896544"/>
+          </a:xfrm>
+        </p:grpSpPr>
+        <p:sp>
+          <p:nvSpPr>
+            <p:cNvPr id="5" name="矩形 4"/>
+            <p:cNvSpPr/>
+            <p:nvPr/>
+          </p:nvSpPr>
+          <p:spPr>
+            <a:xfrm>
+              <a:off x="318097" y="1923611"/>
+              <a:ext cx="7614729" cy="357993"/>
+            </a:xfrm>
+            <a:prstGeom prst="rect">
+              <a:avLst/>
+            </a:prstGeom>
+          </p:spPr>
+          <p:txBody>
+            <a:bodyPr wrap="square">
+              <a:spAutoFit/>
+            </a:bodyPr>
+            <a:lstStyle/>
+            <a:p>
+              <a:endParaRPr lang="zh-CN" altLang="en-US" sz="2000" dirty="0">
+                <a:solidFill>
+                  <a:srgbClr val="000000"/>
+                </a:solidFill>
+                <a:latin typeface="Verdana" panose="020B0604030504040204" pitchFamily="34" charset="0"/>
+              </a:endParaRPr>
+            </a:p>
+          </p:txBody>
+        </p:sp>
+        <p:grpSp>
+          <p:nvGrpSpPr>
+            <p:cNvPr id="10" name="组合 9"/>
+            <p:cNvGrpSpPr/>
+            <p:nvPr/>
+          </p:nvGrpSpPr>
+          <p:grpSpPr>
+            <a:xfrm>
+              <a:off x="237030" y="1269554"/>
+              <a:ext cx="7776864" cy="4896544"/>
+              <a:chOff x="1285643" y="1772435"/>
+              <a:chExt cx="7135479" cy="3572664"/>
+            </a:xfrm>
+          </p:grpSpPr>
+          <p:sp>
+            <p:nvSpPr>
+              <p:cNvPr id="11" name="矩形 10"/>
+              <p:cNvSpPr/>
+              <p:nvPr/>
+            </p:nvSpPr>
+            <p:spPr>
+              <a:xfrm>
+                <a:off x="1285644" y="2104682"/>
+                <a:ext cx="7135478" cy="3240417"/>
+              </a:xfrm>
+              <a:prstGeom prst="rect">
+                <a:avLst/>
+              </a:prstGeom>
+              <a:noFill/>
+              <a:ln w="12700">
+                <a:solidFill>
+                  <a:srgbClr val="346182"/>
+                </a:solidFill>
+              </a:ln>
+            </p:spPr>
+            <p:style>
+              <a:lnRef idx="2">
+                <a:schemeClr val="accent1">
+                  <a:shade val="50000"/>
+                </a:schemeClr>
+              </a:lnRef>
+              <a:fillRef idx="1">
+                <a:schemeClr val="accent1"/>
+              </a:fillRef>
+              <a:effectRef idx="0">
+                <a:schemeClr val="accent1"/>
+              </a:effectRef>
+              <a:fontRef idx="minor">
+                <a:schemeClr val="lt1"/>
+              </a:fontRef>
+            </p:style>
+            <p:txBody>
+              <a:bodyPr rtlCol="0" anchor="ctr"/>
+              <a:lstStyle/>
+              <a:p>
+                <a:pPr algn="ctr"/>
+                <a:endParaRPr lang="zh-CN" altLang="en-US" sz="1350"/>
+              </a:p>
+            </p:txBody>
+          </p:sp>
+          <p:sp>
+            <p:nvSpPr>
+              <p:cNvPr id="12" name="矩形 11"/>
+              <p:cNvSpPr/>
+              <p:nvPr/>
+            </p:nvSpPr>
+            <p:spPr>
+              <a:xfrm>
+                <a:off x="1285643" y="1772435"/>
+                <a:ext cx="2114216" cy="338554"/>
+              </a:xfrm>
+              <a:prstGeom prst="rect">
+                <a:avLst/>
+              </a:prstGeom>
+              <a:solidFill>
+                <a:srgbClr val="183A5D"/>
+              </a:solidFill>
+              <a:ln>
+                <a:noFill/>
+              </a:ln>
+            </p:spPr>
+            <p:style>
+              <a:lnRef idx="2">
+                <a:schemeClr val="accent1">
+                  <a:shade val="50000"/>
+                </a:schemeClr>
+              </a:lnRef>
+              <a:fillRef idx="1">
+                <a:schemeClr val="accent1"/>
+              </a:fillRef>
+              <a:effectRef idx="0">
+                <a:schemeClr val="accent1"/>
+              </a:effectRef>
+              <a:fontRef idx="minor">
+                <a:schemeClr val="lt1"/>
+              </a:fontRef>
+            </p:style>
+            <p:txBody>
+              <a:bodyPr rtlCol="0" anchor="ctr"/>
+              <a:lstStyle/>
+              <a:p>
+                <a:pPr algn="ctr"/>
+                <a:endParaRPr lang="zh-CN" altLang="en-US" sz="1350"/>
+              </a:p>
+            </p:txBody>
+          </p:sp>
+        </p:grpSp>
+      </p:grpSp>
+      <p:sp>
+        <p:nvSpPr>
+          <p:cNvPr id="9" name="文本框 8"/>
+          <p:cNvSpPr txBox="1"/>
+          <p:nvPr/>
+        </p:nvSpPr>
+        <p:spPr>
+          <a:xfrm>
+            <a:off x="838622" y="1105079"/>
+            <a:ext cx="2121424" cy="415498"/>
+          </a:xfrm>
+          <a:prstGeom prst="rect">
+            <a:avLst/>
+          </a:prstGeom>
+          <a:noFill/>
+        </p:spPr>
+        <p:txBody>
+          <a:bodyPr wrap="square" rtlCol="0">
+            <a:spAutoFit/>
+          </a:bodyPr>
+          <a:lstStyle/>
+          <a:p>
+            <a:r>
+              <a:rPr lang="zh-CN" altLang="en-US" dirty="0" smtClean="0">
+                <a:solidFill>
+                  <a:schemeClr val="bg1"/>
+                </a:solidFill>
+              </a:rPr>
+              <a:t>包图的建模技术</a:t>
+            </a:r>
+            <a:endParaRPr lang="zh-CN" altLang="en-US" dirty="0">
+              <a:solidFill>
+                <a:schemeClr val="bg1"/>
+              </a:solidFill>
+            </a:endParaRPr>
+          </a:p>
+        </p:txBody>
+      </p:sp>
+      <p:sp>
+        <p:nvSpPr>
+          <p:cNvPr id="8" name="矩形 7"/>
+          <p:cNvSpPr/>
+          <p:nvPr/>
+        </p:nvSpPr>
+        <p:spPr>
+          <a:xfrm>
+            <a:off x="1041238" y="1784536"/>
+            <a:ext cx="10022520" cy="4524315"/>
+          </a:xfrm>
+          <a:prstGeom prst="rect">
+            <a:avLst/>
+          </a:prstGeom>
+        </p:spPr>
+        <p:txBody>
+          <a:bodyPr wrap="square">
+            <a:spAutoFit/>
+          </a:bodyPr>
+          <a:lstStyle/>
+          <a:p>
+            <a:r>
+              <a:rPr lang="en-US" altLang="zh-CN" sz="3200" dirty="0" smtClean="0"/>
+              <a:t>(</a:t>
+            </a:r>
+            <a:r>
+              <a:rPr lang="en-US" altLang="zh-CN" sz="3200" dirty="0"/>
+              <a:t>1)</a:t>
+            </a:r>
+            <a:r>
+              <a:rPr lang="zh-CN" altLang="en-US" sz="3200" dirty="0"/>
+              <a:t>两种组包方式</a:t>
+            </a:r>
+            <a:r>
+              <a:rPr lang="en-US" altLang="zh-CN" sz="3200" dirty="0"/>
+              <a:t>:</a:t>
+            </a:r>
+            <a:endParaRPr lang="en-US" altLang="zh-CN" sz="3200" dirty="0"/>
+          </a:p>
+          <a:p>
+            <a:r>
+              <a:rPr lang="en-US" altLang="zh-CN" sz="3200" dirty="0"/>
+              <a:t>①</a:t>
+            </a:r>
+            <a:r>
+              <a:rPr lang="zh-CN" altLang="en-US" sz="3200" dirty="0"/>
+              <a:t>根据系统分层架构组包</a:t>
+            </a:r>
+            <a:r>
+              <a:rPr lang="en-US" altLang="zh-CN" sz="3200" dirty="0"/>
+              <a:t>(</a:t>
+            </a:r>
+            <a:r>
+              <a:rPr lang="zh-CN" altLang="en-US" sz="3200" dirty="0">
+                <a:solidFill>
+                  <a:srgbClr val="FF0000"/>
+                </a:solidFill>
+              </a:rPr>
+              <a:t>推荐使用</a:t>
+            </a:r>
+            <a:r>
+              <a:rPr lang="en-US" altLang="zh-CN" sz="3200" dirty="0" smtClean="0"/>
+              <a:t>);</a:t>
+            </a:r>
+            <a:endParaRPr lang="en-US" altLang="zh-CN" sz="3200" dirty="0" smtClean="0"/>
+          </a:p>
+          <a:p>
+            <a:r>
+              <a:rPr lang="en-US" altLang="zh-CN" sz="3200" dirty="0" smtClean="0"/>
+              <a:t>②</a:t>
+            </a:r>
+            <a:r>
+              <a:rPr lang="zh-CN" altLang="en-US" sz="3200" dirty="0"/>
+              <a:t>根据系统业务功能模块组包。</a:t>
+            </a:r>
+            <a:endParaRPr lang="zh-CN" altLang="en-US" sz="3200" dirty="0"/>
+          </a:p>
+          <a:p>
+            <a:r>
+              <a:rPr lang="en-US" altLang="zh-CN" sz="3200" dirty="0"/>
+              <a:t>(2)</a:t>
+            </a:r>
+            <a:r>
+              <a:rPr lang="zh-CN" altLang="en-US" sz="3200" dirty="0"/>
+              <a:t>参照类之间的关系确定包之间的关系</a:t>
+            </a:r>
+            <a:r>
+              <a:rPr lang="zh-CN" altLang="en-US" sz="3200" dirty="0" smtClean="0"/>
+              <a:t>。</a:t>
+            </a:r>
+            <a:endParaRPr lang="en-US" altLang="zh-CN" sz="3200" dirty="0" smtClean="0"/>
+          </a:p>
+          <a:p>
+            <a:r>
+              <a:rPr lang="en-US" altLang="zh-CN" sz="3200" dirty="0" smtClean="0"/>
+              <a:t>(</a:t>
+            </a:r>
+            <a:r>
+              <a:rPr lang="en-US" altLang="zh-CN" sz="3200" dirty="0"/>
+              <a:t>3)</a:t>
+            </a:r>
+            <a:r>
+              <a:rPr lang="zh-CN" altLang="en-US" sz="3200" dirty="0"/>
+              <a:t>减少包的嵌套层次，一般不超过三层</a:t>
+            </a:r>
+            <a:r>
+              <a:rPr lang="zh-CN" altLang="en-US" sz="3200" dirty="0" smtClean="0"/>
+              <a:t>。</a:t>
+            </a:r>
+            <a:endParaRPr lang="en-US" altLang="zh-CN" sz="3200" dirty="0" smtClean="0"/>
+          </a:p>
+          <a:p>
+            <a:r>
+              <a:rPr lang="en-US" altLang="zh-CN" sz="3200" dirty="0" smtClean="0"/>
+              <a:t>(4</a:t>
+            </a:r>
+            <a:r>
+              <a:rPr lang="en-US" altLang="zh-CN" sz="3200" dirty="0"/>
+              <a:t>)</a:t>
+            </a:r>
+            <a:r>
+              <a:rPr lang="zh-CN" altLang="en-US" sz="3200" dirty="0"/>
+              <a:t>每个包的子包控制在</a:t>
+            </a:r>
+            <a:r>
+              <a:rPr lang="en-US" altLang="zh-CN" sz="3200" dirty="0" smtClean="0"/>
+              <a:t>7±2</a:t>
+            </a:r>
+            <a:r>
+              <a:rPr lang="zh-CN" altLang="en-US" sz="3200" dirty="0"/>
+              <a:t>个。</a:t>
+            </a:r>
+            <a:endParaRPr lang="zh-CN" altLang="en-US" sz="3200" dirty="0"/>
+          </a:p>
+          <a:p>
+            <a:r>
+              <a:rPr lang="en-US" altLang="zh-CN" sz="3200" dirty="0"/>
+              <a:t>(5)</a:t>
+            </a:r>
+            <a:r>
+              <a:rPr lang="zh-CN" altLang="en-US" sz="3200" dirty="0"/>
+              <a:t>如果几个包有若干相同组成部分，可优先考虑将它们合并</a:t>
+            </a:r>
+            <a:r>
+              <a:rPr lang="zh-CN" altLang="en-US" sz="3200" dirty="0" smtClean="0"/>
+              <a:t>。</a:t>
+            </a:r>
+            <a:endParaRPr lang="en-US" altLang="zh-CN" sz="3200" dirty="0" smtClean="0"/>
+          </a:p>
+          <a:p>
+            <a:r>
+              <a:rPr lang="en-US" altLang="zh-CN" sz="3200" dirty="0" smtClean="0"/>
+              <a:t>(</a:t>
+            </a:r>
+            <a:r>
+              <a:rPr lang="en-US" altLang="zh-CN" sz="3200" dirty="0"/>
+              <a:t>6)</a:t>
+            </a:r>
+            <a:r>
+              <a:rPr lang="zh-CN" altLang="en-US" sz="3200" dirty="0"/>
+              <a:t>可通过包图来体现系统的分层架构</a:t>
+            </a:r>
+            <a:r>
+              <a:rPr lang="zh-CN" altLang="en-US" sz="3200" dirty="0" smtClean="0"/>
+              <a:t>。</a:t>
+            </a:r>
+            <a:endParaRPr lang="zh-CN" altLang="en-US" sz="3200" dirty="0"/>
+          </a:p>
+        </p:txBody>
+      </p:sp>
+    </p:spTree>
+  </p:cSld>
+  <p:clrMapOvr>
+    <a:masterClrMapping/>
+  </p:clrMapOvr>
+  <p:transition spd="slow" advClick="0" advTm="0">
+    <p:wipe/>
+  </p:transition>
+  <p:timing>
+    <p:tnLst>
+      <p:par>
+        <p:cTn id="1" dur="indefinite" restart="never" nodeType="tmRoot"/>
+      </p:par>
+    </p:tnLst>
+  </p:timing>
+</p:sld>
+</file>
+
+<file path=ppt/slides/slide14.xml><?xml version="1.0" encoding="utf-8"?>
+<p:sld xmlns:a="http://schemas.openxmlformats.org/drawingml/2006/main" xmlns:r="http://schemas.openxmlformats.org/officeDocument/2006/relationships" xmlns:p="http://schemas.openxmlformats.org/presentationml/2006/main">
+  <p:cSld>
+    <p:spTree>
+      <p:nvGrpSpPr>
+        <p:cNvPr id="1" name=""/>
+        <p:cNvGrpSpPr/>
+        <p:nvPr/>
+      </p:nvGrpSpPr>
+      <p:grpSpPr>
+        <a:xfrm>
+          <a:off x="0" y="0"/>
+          <a:ext cx="0" cy="0"/>
+          <a:chOff x="0" y="0"/>
+          <a:chExt cx="0" cy="0"/>
+        </a:xfrm>
+      </p:grpSpPr>
+      <p:sp>
+        <p:nvSpPr>
+          <p:cNvPr id="2" name="矩形 1"/>
+          <p:cNvSpPr/>
+          <p:nvPr/>
+        </p:nvSpPr>
+        <p:spPr>
+          <a:xfrm>
+            <a:off x="237030" y="1171"/>
+            <a:ext cx="1608415" cy="135446"/>
+          </a:xfrm>
+          <a:prstGeom prst="rect">
+            <a:avLst/>
+          </a:prstGeom>
+          <a:solidFill>
+            <a:srgbClr val="183A5D"/>
+          </a:solidFill>
+          <a:ln>
+            <a:noFill/>
+          </a:ln>
+        </p:spPr>
+        <p:style>
+          <a:lnRef idx="2">
+            <a:schemeClr val="accent1">
+              <a:shade val="50000"/>
+            </a:schemeClr>
+          </a:lnRef>
+          <a:fillRef idx="1">
+            <a:schemeClr val="accent1"/>
+          </a:fillRef>
+          <a:effectRef idx="0">
+            <a:schemeClr val="accent1"/>
+          </a:effectRef>
+          <a:fontRef idx="minor">
+            <a:schemeClr val="lt1"/>
+          </a:fontRef>
+        </p:style>
+        <p:txBody>
+          <a:bodyPr rtlCol="0" anchor="ctr"/>
+          <a:lstStyle/>
+          <a:p>
+            <a:pPr algn="ctr"/>
             <a:endParaRPr lang="zh-CN" altLang="en-US" sz="2800">
               <a:solidFill>
                 <a:prstClr val="white"/>
@@ -4544,6 +7406,12 @@
                 </a:rPr>
                 <a:t>    </a:t>
               </a:r>
+              <a:endParaRPr lang="zh-CN" altLang="en-US" dirty="0">
+                <a:solidFill>
+                  <a:srgbClr val="000000"/>
+                </a:solidFill>
+                <a:latin typeface="Verdana" panose="020B0604030504040204" pitchFamily="34" charset="0"/>
+              </a:endParaRPr>
             </a:p>
             <a:p>
               <a:r>
@@ -4740,7 +7608,7 @@
           <p:nvPr/>
         </p:nvPicPr>
         <p:blipFill>
-          <a:blip r:embed="rId2"/>
+          <a:blip r:embed="rId1"/>
           <a:stretch>
             <a:fillRect/>
           </a:stretch>
@@ -4785,15 +7653,15 @@
               </a:rPr>
               <a:t>提问</a:t>
             </a:r>
+            <a:endParaRPr lang="zh-CN" altLang="en-US">
+              <a:solidFill>
+                <a:prstClr val="white"/>
+              </a:solidFill>
+            </a:endParaRPr>
           </a:p>
         </p:txBody>
       </p:sp>
     </p:spTree>
-    <p:extLst>
-      <p:ext uri="{BB962C8B-B14F-4D97-AF65-F5344CB8AC3E}">
-        <p14:creationId xmlns:p14="http://schemas.microsoft.com/office/powerpoint/2010/main" val="2910454730"/>
-      </p:ext>
-    </p:extLst>
   </p:cSld>
   <p:clrMapOvr>
     <a:masterClrMapping/>
@@ -4811,7 +7679,7 @@
 </p:sld>
 </file>
 
-<file path=ppt/slides/slide11.xml><?xml version="1.0" encoding="utf-8"?>
+<file path=ppt/slides/slide15.xml><?xml version="1.0" encoding="utf-8"?>
 <p:sld xmlns:a="http://schemas.openxmlformats.org/drawingml/2006/main" xmlns:r="http://schemas.openxmlformats.org/officeDocument/2006/relationships" xmlns:p="http://schemas.openxmlformats.org/presentationml/2006/main">
   <p:cSld>
     <p:spTree>
@@ -5142,13 +8010,13 @@
   <p:clrMapOvr>
     <a:masterClrMapping/>
   </p:clrMapOvr>
-  <mc:AlternateContent xmlns:mc="http://schemas.openxmlformats.org/markup-compatibility/2006" xmlns:p14="http://schemas.microsoft.com/office/powerpoint/2010/main">
-    <mc:Choice Requires="p14">
+  <mc:AlternateContent xmlns:mc="http://schemas.openxmlformats.org/markup-compatibility/2006">
+    <mc:Choice xmlns:p14="http://schemas.microsoft.com/office/powerpoint/2010/main" Requires="p14">
       <p:transition spd="slow" p14:dur="1200" advClick="0" advTm="0">
         <p14:prism/>
       </p:transition>
     </mc:Choice>
-    <mc:Fallback xmlns="">
+    <mc:Fallback>
       <p:transition spd="slow" advClick="0" advTm="0">
         <p:fade/>
       </p:transition>
@@ -5416,7 +8284,7 @@
 </p:sld>
 </file>
 
-<file path=ppt/slides/slide12.xml><?xml version="1.0" encoding="utf-8"?>
+<file path=ppt/slides/slide16.xml><?xml version="1.0" encoding="utf-8"?>
 <p:sld xmlns:a="http://schemas.openxmlformats.org/drawingml/2006/main" xmlns:r="http://schemas.openxmlformats.org/officeDocument/2006/relationships" xmlns:p="http://schemas.openxmlformats.org/presentationml/2006/main">
   <p:cSld>
     <p:spTree>
@@ -5526,6 +8394,13 @@
               </a:rPr>
               <a:t>绩效考评与分工</a:t>
             </a:r>
+            <a:endParaRPr lang="zh-CN" altLang="en-US" sz="3200" b="1" dirty="0" smtClean="0">
+              <a:solidFill>
+                <a:schemeClr val="bg1"/>
+              </a:solidFill>
+              <a:latin typeface="微软雅黑" panose="020B0503020204020204" pitchFamily="34" charset="-122"/>
+              <a:ea typeface="微软雅黑" panose="020B0503020204020204" pitchFamily="34" charset="-122"/>
+            </a:endParaRPr>
           </a:p>
         </p:txBody>
       </p:sp>
@@ -5567,6 +8442,11 @@
                         </a:rPr>
                         <a:t>黄为波</a:t>
                       </a:r>
+                      <a:endParaRPr lang="zh-CN" altLang="en-US" b="0" dirty="0">
+                        <a:solidFill>
+                          <a:schemeClr val="tx1"/>
+                        </a:solidFill>
+                      </a:endParaRPr>
                     </a:p>
                   </a:txBody>
                   <a:tcPr>
@@ -5616,6 +8496,11 @@
                         </a:rPr>
                         <a:t>模板以及审核</a:t>
                       </a:r>
+                      <a:endParaRPr lang="zh-CN" altLang="en-US" sz="2400" b="0" dirty="0" smtClean="0">
+                        <a:solidFill>
+                          <a:schemeClr val="tx1"/>
+                        </a:solidFill>
+                      </a:endParaRPr>
                     </a:p>
                   </a:txBody>
                   <a:tcPr>
@@ -5643,6 +8528,11 @@
                         </a:rPr>
                         <a:t>9.3</a:t>
                       </a:r>
+                      <a:endParaRPr lang="en-US" altLang="zh-CN" sz="2400" b="0" dirty="0" smtClean="0">
+                        <a:solidFill>
+                          <a:schemeClr val="tx1"/>
+                        </a:solidFill>
+                      </a:endParaRPr>
                     </a:p>
                   </a:txBody>
                   <a:tcPr>
@@ -5672,6 +8562,11 @@
                         </a:rPr>
                         <a:t>苏雨豪</a:t>
                       </a:r>
+                      <a:endParaRPr lang="zh-CN" altLang="en-US" dirty="0" smtClean="0">
+                        <a:solidFill>
+                          <a:schemeClr val="tx1"/>
+                        </a:solidFill>
+                      </a:endParaRPr>
                     </a:p>
                   </a:txBody>
                   <a:tcPr/>
@@ -5708,6 +8603,11 @@
                         </a:rPr>
                         <a:t>审核</a:t>
                       </a:r>
+                      <a:endParaRPr lang="zh-CN" altLang="en-US" dirty="0" smtClean="0">
+                        <a:solidFill>
+                          <a:schemeClr val="tx1"/>
+                        </a:solidFill>
+                      </a:endParaRPr>
                     </a:p>
                   </a:txBody>
                   <a:tcPr/>
@@ -5728,6 +8628,11 @@
                         </a:rPr>
                         <a:t>9.5</a:t>
                       </a:r>
+                      <a:endParaRPr lang="en-US" altLang="zh-CN" dirty="0" smtClean="0">
+                        <a:solidFill>
+                          <a:schemeClr val="tx1"/>
+                        </a:solidFill>
+                      </a:endParaRPr>
                     </a:p>
                   </a:txBody>
                   <a:tcPr/>
@@ -5750,6 +8655,11 @@
                         </a:rPr>
                         <a:t>陈子卿</a:t>
                       </a:r>
+                      <a:endParaRPr lang="zh-CN" dirty="0" smtClean="0">
+                        <a:solidFill>
+                          <a:schemeClr val="tx1"/>
+                        </a:solidFill>
+                      </a:endParaRPr>
                     </a:p>
                   </a:txBody>
                   <a:tcPr>
@@ -5793,6 +8703,11 @@
                         </a:rPr>
                         <a:t>制作</a:t>
                       </a:r>
+                      <a:endParaRPr lang="zh-CN" altLang="en-US" dirty="0" smtClean="0">
+                        <a:solidFill>
+                          <a:schemeClr val="tx1"/>
+                        </a:solidFill>
+                      </a:endParaRPr>
                     </a:p>
                   </a:txBody>
                   <a:tcPr>
@@ -5820,6 +8735,11 @@
                         </a:rPr>
                         <a:t>9.7</a:t>
                       </a:r>
+                      <a:endParaRPr lang="en-US" altLang="zh-CN" dirty="0" smtClean="0">
+                        <a:solidFill>
+                          <a:schemeClr val="tx1"/>
+                        </a:solidFill>
+                      </a:endParaRPr>
                     </a:p>
                   </a:txBody>
                   <a:tcPr>
@@ -5849,6 +8769,11 @@
                         </a:rPr>
                         <a:t>蔡峰</a:t>
                       </a:r>
+                      <a:endParaRPr lang="zh-CN" altLang="en-US" dirty="0" smtClean="0">
+                        <a:solidFill>
+                          <a:schemeClr val="tx1"/>
+                        </a:solidFill>
+                      </a:endParaRPr>
                     </a:p>
                   </a:txBody>
                   <a:tcPr>
@@ -5892,6 +8817,11 @@
                         </a:rPr>
                         <a:t>制作</a:t>
                       </a:r>
+                      <a:endParaRPr lang="zh-CN" altLang="en-US" dirty="0" smtClean="0">
+                        <a:solidFill>
+                          <a:schemeClr val="tx1"/>
+                        </a:solidFill>
+                      </a:endParaRPr>
                     </a:p>
                   </a:txBody>
                   <a:tcPr>
@@ -5965,6 +8895,11 @@
                         </a:rPr>
                         <a:t>江亮儒</a:t>
                       </a:r>
+                      <a:endParaRPr lang="zh-CN" altLang="en-US" dirty="0" smtClean="0">
+                        <a:solidFill>
+                          <a:schemeClr val="tx1"/>
+                        </a:solidFill>
+                      </a:endParaRPr>
                     </a:p>
                   </a:txBody>
                   <a:tcPr>
@@ -6011,6 +8946,12 @@
                         </a:rPr>
                         <a:t>制作</a:t>
                       </a:r>
+                      <a:endParaRPr lang="zh-CN" altLang="en-US" sz="2100" dirty="0" smtClean="0">
+                        <a:solidFill>
+                          <a:schemeClr val="tx1"/>
+                        </a:solidFill>
+                        <a:sym typeface="+mn-ea"/>
+                      </a:endParaRPr>
                     </a:p>
                   </a:txBody>
                   <a:tcPr>
@@ -6038,6 +8979,11 @@
                         </a:rPr>
                         <a:t>9.6</a:t>
                       </a:r>
+                      <a:endParaRPr lang="en-US" altLang="zh-CN" dirty="0" smtClean="0">
+                        <a:solidFill>
+                          <a:schemeClr val="tx1"/>
+                        </a:solidFill>
+                      </a:endParaRPr>
                     </a:p>
                   </a:txBody>
                   <a:tcPr>
@@ -6059,13 +9005,13 @@
   <p:clrMapOvr>
     <a:masterClrMapping/>
   </p:clrMapOvr>
-  <mc:AlternateContent xmlns:mc="http://schemas.openxmlformats.org/markup-compatibility/2006" xmlns:p14="http://schemas.microsoft.com/office/powerpoint/2010/main">
-    <mc:Choice Requires="p14">
+  <mc:AlternateContent xmlns:mc="http://schemas.openxmlformats.org/markup-compatibility/2006">
+    <mc:Choice xmlns:p14="http://schemas.microsoft.com/office/powerpoint/2010/main" Requires="p14">
       <p:transition spd="slow" p14:dur="1200" advClick="0" advTm="0">
         <p14:prism/>
       </p:transition>
     </mc:Choice>
-    <mc:Fallback xmlns="">
+    <mc:Fallback>
       <p:transition spd="slow" advClick="0" advTm="0">
         <p:fade/>
       </p:transition>
@@ -6333,7 +9279,7 @@
 </p:sld>
 </file>
 
-<file path=ppt/slides/slide13.xml><?xml version="1.0" encoding="utf-8"?>
+<file path=ppt/slides/slide17.xml><?xml version="1.0" encoding="utf-8"?>
 <p:sld xmlns:a="http://schemas.openxmlformats.org/drawingml/2006/main" xmlns:r="http://schemas.openxmlformats.org/officeDocument/2006/relationships" xmlns:p="http://schemas.openxmlformats.org/presentationml/2006/main">
   <p:cSld>
     <p:spTree>
@@ -6949,6 +9895,16 @@
               </a:rPr>
               <a:t>汇报结束 感谢观看</a:t>
             </a:r>
+            <a:endParaRPr lang="zh-CN" altLang="en-US" sz="3600" b="1" dirty="0">
+              <a:solidFill>
+                <a:schemeClr val="tx1">
+                  <a:lumMod val="75000"/>
+                  <a:lumOff val="25000"/>
+                </a:schemeClr>
+              </a:solidFill>
+              <a:latin typeface="微软雅黑" panose="020B0503020204020204" pitchFamily="34" charset="-122"/>
+              <a:ea typeface="微软雅黑" panose="020B0503020204020204" pitchFamily="34" charset="-122"/>
+            </a:endParaRPr>
           </a:p>
         </p:txBody>
       </p:sp>
@@ -7110,16 +10066,16 @@
             <a:picLocks noChangeAspect="1"/>
           </p:cNvPicPr>
           <p:nvPr>
-            <a:audioFile r:link="rId2"/>
+            <a:audioFile r:link="rId1"/>
             <p:extLst>
               <p:ext uri="{DAA4B4D4-6D71-4841-9C94-3DE7FCFB9230}">
-                <p14:media xmlns:p14="http://schemas.microsoft.com/office/powerpoint/2010/main" r:embed="rId1"/>
+                <p14:media xmlns:p14="http://schemas.microsoft.com/office/powerpoint/2010/main" r:embed="rId2"/>
               </p:ext>
             </p:extLst>
           </p:nvPr>
         </p:nvPicPr>
         <p:blipFill>
-          <a:blip r:embed="rId5"/>
+          <a:blip r:embed="rId3"/>
           <a:stretch>
             <a:fillRect/>
           </a:stretch>
@@ -7167,6 +10123,14 @@
               </a:rPr>
               <a:t>浙江大学城市学院</a:t>
             </a:r>
+            <a:endParaRPr lang="zh-CN" altLang="en-US" kern="300" spc="2000">
+              <a:solidFill>
+                <a:schemeClr val="tx1"/>
+              </a:solidFill>
+              <a:uFillTx/>
+              <a:latin typeface="+中文标题" charset="0"/>
+              <a:ea typeface="+mj-ea"/>
+            </a:endParaRPr>
           </a:p>
         </p:txBody>
       </p:sp>
@@ -7175,13 +10139,13 @@
   <p:clrMapOvr>
     <a:masterClrMapping/>
   </p:clrMapOvr>
-  <mc:AlternateContent xmlns:mc="http://schemas.openxmlformats.org/markup-compatibility/2006" xmlns:p14="http://schemas.microsoft.com/office/powerpoint/2010/main">
-    <mc:Choice Requires="p14">
+  <mc:AlternateContent xmlns:mc="http://schemas.openxmlformats.org/markup-compatibility/2006">
+    <mc:Choice xmlns:p14="http://schemas.microsoft.com/office/powerpoint/2010/main" Requires="p14">
       <p:transition spd="slow" p14:dur="1600" advClick="0" advTm="0">
         <p:blinds dir="vert"/>
       </p:transition>
     </mc:Choice>
-    <mc:Fallback xmlns="">
+    <mc:Fallback>
       <p:transition spd="slow" advClick="0" advTm="0">
         <p:blinds dir="vert"/>
       </p:transition>
@@ -8242,6 +11206,14 @@
                 </a:rPr>
                 <a:t>构建图</a:t>
               </a:r>
+              <a:endParaRPr lang="zh-CN" sz="2000" b="1" kern="100" dirty="0">
+                <a:solidFill>
+                  <a:schemeClr val="bg1"/>
+                </a:solidFill>
+                <a:latin typeface="微软雅黑" panose="020B0503020204020204" pitchFamily="34" charset="-122"/>
+                <a:ea typeface="微软雅黑" panose="020B0503020204020204" pitchFamily="34" charset="-122"/>
+                <a:cs typeface="Times New Roman" panose="02020603050405020304" pitchFamily="18" charset="0"/>
+              </a:endParaRPr>
             </a:p>
           </p:txBody>
         </p:sp>
@@ -8541,6 +11513,14 @@
                 </a:rPr>
                 <a:t>对象图</a:t>
               </a:r>
+              <a:endParaRPr lang="zh-CN" sz="2000" b="1" kern="100" dirty="0">
+                <a:solidFill>
+                  <a:schemeClr val="bg1"/>
+                </a:solidFill>
+                <a:latin typeface="微软雅黑" panose="020B0503020204020204" pitchFamily="34" charset="-122"/>
+                <a:ea typeface="微软雅黑" panose="020B0503020204020204" pitchFamily="34" charset="-122"/>
+                <a:cs typeface="Times New Roman" panose="02020603050405020304" pitchFamily="18" charset="0"/>
+              </a:endParaRPr>
             </a:p>
           </p:txBody>
         </p:sp>
@@ -8737,13 +11717,13 @@
   <p:clrMapOvr>
     <a:masterClrMapping/>
   </p:clrMapOvr>
-  <mc:AlternateContent xmlns:mc="http://schemas.openxmlformats.org/markup-compatibility/2006" xmlns:p14="http://schemas.microsoft.com/office/powerpoint/2010/main">
-    <mc:Choice Requires="p14">
+  <mc:AlternateContent xmlns:mc="http://schemas.openxmlformats.org/markup-compatibility/2006">
+    <mc:Choice xmlns:p14="http://schemas.microsoft.com/office/powerpoint/2010/main" Requires="p14">
       <p:transition spd="slow" p14:dur="1200" advClick="0" advTm="0">
         <p14:prism/>
       </p:transition>
     </mc:Choice>
-    <mc:Fallback xmlns="">
+    <mc:Fallback>
       <p:transition spd="slow" advClick="0" advTm="0">
         <p:fade/>
       </p:transition>
@@ -9640,6 +12620,13 @@
               </a:rPr>
               <a:t>构件图</a:t>
             </a:r>
+            <a:endParaRPr lang="zh-CN" sz="2665" dirty="0">
+              <a:solidFill>
+                <a:srgbClr val="183A5D"/>
+              </a:solidFill>
+              <a:latin typeface="微软雅黑" panose="020B0503020204020204" pitchFamily="34" charset="-122"/>
+              <a:ea typeface="微软雅黑" panose="020B0503020204020204" pitchFamily="34" charset="-122"/>
+            </a:endParaRPr>
           </a:p>
         </p:txBody>
       </p:sp>
@@ -10433,6 +13420,12 @@
                 </a:rPr>
                 <a:t> 少时诵诗书所所所所所所</a:t>
               </a:r>
+              <a:endParaRPr lang="zh-CN" sz="2800" dirty="0">
+                <a:solidFill>
+                  <a:srgbClr val="000000"/>
+                </a:solidFill>
+                <a:latin typeface="Verdana" panose="020B0604030504040204" pitchFamily="34" charset="0"/>
+              </a:endParaRPr>
             </a:p>
             <a:p>
               <a:endParaRPr lang="zh-CN" sz="2800" dirty="0">
@@ -10611,7 +13604,7 @@
           <p:nvPr/>
         </p:nvPicPr>
         <p:blipFill>
-          <a:blip r:embed="rId2"/>
+          <a:blip r:embed="rId1"/>
           <a:stretch>
             <a:fillRect/>
           </a:stretch>
@@ -10875,6 +13868,12 @@
                 </a:rPr>
                 <a:t>    </a:t>
               </a:r>
+              <a:endParaRPr lang="zh-CN" dirty="0">
+                <a:solidFill>
+                  <a:srgbClr val="000000"/>
+                </a:solidFill>
+                <a:latin typeface="Verdana" panose="020B0604030504040204" pitchFamily="34" charset="0"/>
+              </a:endParaRPr>
             </a:p>
             <a:p>
               <a:r>
@@ -10904,6 +13903,12 @@
                 </a:rPr>
                 <a:t>少时诵诗书所所所所所所</a:t>
               </a:r>
+              <a:endParaRPr lang="zh-CN" sz="2800" dirty="0">
+                <a:solidFill>
+                  <a:srgbClr val="000000"/>
+                </a:solidFill>
+                <a:latin typeface="Verdana" panose="020B0604030504040204" pitchFamily="34" charset="0"/>
+              </a:endParaRPr>
             </a:p>
             <a:p>
               <a:endParaRPr lang="zh-CN" sz="2800" dirty="0">
@@ -10934,6 +13939,13 @@
                 </a:rPr>
                 <a:t>少时诵诗书所所所所所所</a:t>
               </a:r>
+              <a:endParaRPr lang="zh-CN" sz="2800" dirty="0">
+                <a:solidFill>
+                  <a:srgbClr val="000000"/>
+                </a:solidFill>
+                <a:latin typeface="Verdana" panose="020B0604030504040204" pitchFamily="34" charset="0"/>
+                <a:sym typeface="+mn-ea"/>
+              </a:endParaRPr>
             </a:p>
             <a:p>
               <a:endParaRPr lang="zh-CN" sz="2800" dirty="0">
@@ -11133,7 +14145,7 @@
           <p:nvPr/>
         </p:nvPicPr>
         <p:blipFill>
-          <a:blip r:embed="rId2"/>
+          <a:blip r:embed="rId1"/>
           <a:stretch>
             <a:fillRect/>
           </a:stretch>
@@ -11178,6 +14190,11 @@
               </a:rPr>
               <a:t>提问</a:t>
             </a:r>
+            <a:endParaRPr lang="zh-CN" altLang="en-US">
+              <a:solidFill>
+                <a:schemeClr val="bg1"/>
+              </a:solidFill>
+            </a:endParaRPr>
           </a:p>
         </p:txBody>
       </p:sp>
@@ -11306,7 +14323,7 @@
             <a:pPr algn="ctr"/>
             <a:r>
               <a:rPr lang="en-US" sz="2400" dirty="0"/>
-              <a:t>3</a:t>
+              <a:t>2</a:t>
             </a:r>
             <a:endParaRPr lang="en-US" sz="2400" dirty="0"/>
           </a:p>
@@ -11353,7 +14370,7 @@
         <p:spPr>
           <a:xfrm>
             <a:off x="2226388" y="159851"/>
-            <a:ext cx="6052718" cy="501650"/>
+            <a:ext cx="6052718" cy="500380"/>
           </a:xfrm>
           <a:prstGeom prst="rect">
             <a:avLst/>
@@ -11367,24 +14384,15 @@
           <a:lstStyle/>
           <a:p>
             <a:r>
-              <a:rPr lang="zh-CN" altLang="en-US" sz="2665" dirty="0">
+              <a:rPr lang="zh-CN" sz="2660" dirty="0">
                 <a:solidFill>
                   <a:srgbClr val="183A5D"/>
                 </a:solidFill>
                 <a:latin typeface="微软雅黑" panose="020B0503020204020204" pitchFamily="34" charset="-122"/>
                 <a:ea typeface="微软雅黑" panose="020B0503020204020204" pitchFamily="34" charset="-122"/>
+                <a:sym typeface="+mn-ea"/>
               </a:rPr>
-              <a:t>包</a:t>
-            </a:r>
-            <a:r>
-              <a:rPr lang="zh-CN" altLang="en-US" sz="2665" dirty="0" smtClean="0">
-                <a:solidFill>
-                  <a:srgbClr val="183A5D"/>
-                </a:solidFill>
-                <a:latin typeface="微软雅黑" panose="020B0503020204020204" pitchFamily="34" charset="-122"/>
-                <a:ea typeface="微软雅黑" panose="020B0503020204020204" pitchFamily="34" charset="-122"/>
-              </a:rPr>
-              <a:t>图</a:t>
+              <a:t>对象图</a:t>
             </a:r>
             <a:endParaRPr lang="zh-CN" sz="2665" dirty="0">
               <a:solidFill>
@@ -11404,10 +14412,10 @@
         </p:nvGrpSpPr>
         <p:grpSpPr>
           <a:xfrm>
-            <a:off x="236854" y="1269365"/>
-            <a:ext cx="7586544" cy="5055254"/>
+            <a:off x="236855" y="1269365"/>
+            <a:ext cx="11410315" cy="4896485"/>
             <a:chOff x="237030" y="1269554"/>
-            <a:chExt cx="7776864" cy="5055316"/>
+            <a:chExt cx="7776864" cy="4896544"/>
           </a:xfrm>
         </p:grpSpPr>
         <p:sp>
@@ -11418,278 +14426,283 @@
           </p:nvSpPr>
           <p:spPr>
             <a:xfrm>
-              <a:off x="318097" y="1923611"/>
-              <a:ext cx="7614729" cy="4401259"/>
+              <a:off x="615984" y="1855147"/>
+              <a:ext cx="6092825" cy="4292652"/>
             </a:xfrm>
             <a:prstGeom prst="rect">
               <a:avLst/>
             </a:prstGeom>
           </p:spPr>
           <p:txBody>
-            <a:bodyPr wrap="square">
+            <a:bodyPr>
               <a:spAutoFit/>
             </a:bodyPr>
             <a:lstStyle/>
             <a:p>
-              <a:pPr indent="720000"/>
               <a:r>
-                <a:rPr lang="zh-CN" altLang="en-US" sz="2400" dirty="0">
+                <a:rPr lang="zh-CN" altLang="en-US" sz="2800" dirty="0">
                   <a:solidFill>
                     <a:srgbClr val="000000"/>
                   </a:solidFill>
+                  <a:effectLst/>
                   <a:latin typeface="Verdana" panose="020B0604030504040204" pitchFamily="34" charset="0"/>
+                  <a:sym typeface="+mn-ea"/>
                 </a:rPr>
-                <a:t>包</a:t>
+                <a:t> </a:t>
               </a:r>
               <a:r>
-                <a:rPr lang="zh-CN" altLang="en-US" sz="2400" dirty="0" smtClean="0">
+                <a:rPr lang="en-US" altLang="zh-CN" sz="2800" dirty="0">
                   <a:solidFill>
                     <a:srgbClr val="000000"/>
                   </a:solidFill>
+                  <a:effectLst/>
                   <a:latin typeface="Verdana" panose="020B0604030504040204" pitchFamily="34" charset="0"/>
+                  <a:sym typeface="+mn-ea"/>
                 </a:rPr>
-                <a:t>是一种</a:t>
+                <a:t>	</a:t>
               </a:r>
               <a:r>
-                <a:rPr lang="zh-CN" altLang="en-US" sz="2400" dirty="0">
+                <a:rPr lang="zh-CN" altLang="en-US" sz="2800" dirty="0">
                   <a:solidFill>
                     <a:srgbClr val="000000"/>
                   </a:solidFill>
+                  <a:effectLst/>
                   <a:latin typeface="Verdana" panose="020B0604030504040204" pitchFamily="34" charset="0"/>
+                  <a:sym typeface="+mn-ea"/>
                 </a:rPr>
-                <a:t>把元素组织</a:t>
+                <a:t>对象指的是一个单独的、可确认的物体、单元或实体，它可以是具体的也可以是抽象的，在问题领域里有确切定义的角色。一个</a:t>
               </a:r>
               <a:r>
-                <a:rPr lang="zh-CN" altLang="en-US" sz="2400" dirty="0" smtClean="0">
+                <a:rPr lang="zh-CN" altLang="en-US" sz="2800" dirty="0">
+                  <a:solidFill>
+                    <a:srgbClr val="FF0000"/>
+                  </a:solidFill>
+                  <a:effectLst/>
+                  <a:latin typeface="Verdana" panose="020B0604030504040204" pitchFamily="34" charset="0"/>
+                  <a:sym typeface="+mn-ea"/>
+                </a:rPr>
+                <a:t>对象</a:t>
+              </a:r>
+              <a:r>
+                <a:rPr lang="zh-CN" altLang="en-US" sz="2800" dirty="0">
                   <a:solidFill>
                     <a:srgbClr val="000000"/>
                   </a:solidFill>
+                  <a:effectLst/>
                   <a:latin typeface="Verdana" panose="020B0604030504040204" pitchFamily="34" charset="0"/>
+                  <a:sym typeface="+mn-ea"/>
                 </a:rPr>
-                <a:t>到一起</a:t>
+                <a:t>通常包含以下几部分：</a:t>
               </a:r>
+              <a:endParaRPr lang="zh-CN" altLang="en-US" sz="2800" dirty="0">
+                <a:solidFill>
+                  <a:srgbClr val="000000"/>
+                </a:solidFill>
+                <a:effectLst/>
+                <a:latin typeface="Verdana" panose="020B0604030504040204" pitchFamily="34" charset="0"/>
+                <a:sym typeface="+mn-ea"/>
+              </a:endParaRPr>
+            </a:p>
+            <a:p>
               <a:r>
-                <a:rPr lang="zh-CN" altLang="en-US" sz="2400" dirty="0">
+                <a:rPr lang="zh-CN" altLang="en-US" sz="2800" dirty="0">
                   <a:solidFill>
                     <a:srgbClr val="000000"/>
                   </a:solidFill>
+                  <a:effectLst/>
                   <a:latin typeface="Verdana" panose="020B0604030504040204" pitchFamily="34" charset="0"/>
+                  <a:sym typeface="+mn-ea"/>
                 </a:rPr>
-                <a:t>的通用机制，包可以嵌套于</a:t>
+                <a:t>（</a:t>
               </a:r>
               <a:r>
-                <a:rPr lang="zh-CN" altLang="en-US" sz="2400" dirty="0" smtClean="0">
+                <a:rPr lang="en-US" altLang="zh-CN" sz="2800" dirty="0">
                   <a:solidFill>
                     <a:srgbClr val="000000"/>
                   </a:solidFill>
+                  <a:effectLst/>
                   <a:latin typeface="Verdana" panose="020B0604030504040204" pitchFamily="34" charset="0"/>
+                  <a:sym typeface="+mn-ea"/>
                 </a:rPr>
-                <a:t>其他包中</a:t>
+                <a:t>1</a:t>
               </a:r>
               <a:r>
-                <a:rPr lang="zh-CN" altLang="en-US" sz="2400" dirty="0">
+                <a:rPr lang="zh-CN" altLang="en-US" sz="2800" dirty="0">
                   <a:solidFill>
                     <a:srgbClr val="000000"/>
                   </a:solidFill>
+                  <a:effectLst/>
                   <a:latin typeface="Verdana" panose="020B0604030504040204" pitchFamily="34" charset="0"/>
+                  <a:sym typeface="+mn-ea"/>
                 </a:rPr>
-                <a:t>。包图</a:t>
+                <a:t>）</a:t>
               </a:r>
               <a:r>
-                <a:rPr lang="zh-CN" altLang="en-US" sz="2400" dirty="0">
+                <a:rPr lang="zh-CN" altLang="en-US" sz="2800" dirty="0">
                   <a:solidFill>
                     <a:srgbClr val="FF0000"/>
                   </a:solidFill>
+                  <a:effectLst/>
                   <a:latin typeface="Verdana" panose="020B0604030504040204" pitchFamily="34" charset="0"/>
+                  <a:sym typeface="+mn-ea"/>
                 </a:rPr>
-                <a:t>用于描述</a:t>
+                <a:t>标识</a:t>
               </a:r>
               <a:r>
-                <a:rPr lang="zh-CN" altLang="en-US" sz="2400" dirty="0" smtClean="0">
+                <a:rPr lang="zh-CN" altLang="en-US" sz="2800" dirty="0">
+                  <a:solidFill>
+                    <a:srgbClr val="000000"/>
+                  </a:solidFill>
+                  <a:effectLst/>
+                  <a:latin typeface="Verdana" panose="020B0604030504040204" pitchFamily="34" charset="0"/>
+                  <a:sym typeface="+mn-ea"/>
+                </a:rPr>
+                <a:t>（名字）：为了将一个对象与其他的对象区分开，通常会给对象起一个对象名（标识）。</a:t>
+              </a:r>
+              <a:endParaRPr lang="zh-CN" altLang="en-US" sz="2800" dirty="0">
+                <a:solidFill>
+                  <a:srgbClr val="000000"/>
+                </a:solidFill>
+                <a:effectLst/>
+                <a:latin typeface="Verdana" panose="020B0604030504040204" pitchFamily="34" charset="0"/>
+                <a:sym typeface="+mn-ea"/>
+              </a:endParaRPr>
+            </a:p>
+            <a:p>
+              <a:r>
+                <a:rPr lang="zh-CN" altLang="en-US" sz="2800" dirty="0">
+                  <a:solidFill>
+                    <a:srgbClr val="000000"/>
+                  </a:solidFill>
+                  <a:effectLst/>
+                  <a:latin typeface="Verdana" panose="020B0604030504040204" pitchFamily="34" charset="0"/>
+                  <a:sym typeface="+mn-ea"/>
+                </a:rPr>
+                <a:t>（</a:t>
+              </a:r>
+              <a:r>
+                <a:rPr lang="en-US" altLang="zh-CN" sz="2800" dirty="0">
+                  <a:solidFill>
+                    <a:srgbClr val="000000"/>
+                  </a:solidFill>
+                  <a:effectLst/>
+                  <a:latin typeface="Verdana" panose="020B0604030504040204" pitchFamily="34" charset="0"/>
+                  <a:sym typeface="+mn-ea"/>
+                </a:rPr>
+                <a:t>2</a:t>
+              </a:r>
+              <a:r>
+                <a:rPr lang="zh-CN" altLang="en-US" sz="2800" dirty="0">
+                  <a:solidFill>
+                    <a:srgbClr val="000000"/>
+                  </a:solidFill>
+                  <a:effectLst/>
+                  <a:latin typeface="Verdana" panose="020B0604030504040204" pitchFamily="34" charset="0"/>
+                  <a:sym typeface="+mn-ea"/>
+                </a:rPr>
+                <a:t>）</a:t>
+              </a:r>
+              <a:r>
+                <a:rPr lang="zh-CN" altLang="en-US" sz="2800" dirty="0">
                   <a:solidFill>
                     <a:srgbClr val="FF0000"/>
                   </a:solidFill>
+                  <a:effectLst/>
                   <a:latin typeface="Verdana" panose="020B0604030504040204" pitchFamily="34" charset="0"/>
+                  <a:sym typeface="+mn-ea"/>
                 </a:rPr>
-                <a:t>包与</a:t>
+                <a:t>状态</a:t>
               </a:r>
               <a:r>
-                <a:rPr lang="zh-CN" altLang="en-US" sz="2400" dirty="0">
+                <a:rPr lang="zh-CN" altLang="en-US" sz="2800" dirty="0">
+                  <a:solidFill>
+                    <a:srgbClr val="000000"/>
+                  </a:solidFill>
+                  <a:effectLst/>
+                  <a:latin typeface="Verdana" panose="020B0604030504040204" pitchFamily="34" charset="0"/>
+                  <a:sym typeface="+mn-ea"/>
+                </a:rPr>
+                <a:t>（属性）：对象的状态包括对象的所有属性和这些属性的当前值。</a:t>
+              </a:r>
+              <a:endParaRPr lang="zh-CN" altLang="en-US" sz="2800" dirty="0">
+                <a:solidFill>
+                  <a:srgbClr val="000000"/>
+                </a:solidFill>
+                <a:effectLst/>
+                <a:latin typeface="Verdana" panose="020B0604030504040204" pitchFamily="34" charset="0"/>
+                <a:sym typeface="+mn-ea"/>
+              </a:endParaRPr>
+            </a:p>
+            <a:p>
+              <a:r>
+                <a:rPr lang="zh-CN" altLang="en-US" sz="2800" dirty="0">
+                  <a:solidFill>
+                    <a:srgbClr val="000000"/>
+                  </a:solidFill>
+                  <a:effectLst/>
+                  <a:latin typeface="Verdana" panose="020B0604030504040204" pitchFamily="34" charset="0"/>
+                  <a:sym typeface="+mn-ea"/>
+                </a:rPr>
+                <a:t>（</a:t>
+              </a:r>
+              <a:r>
+                <a:rPr lang="en-US" altLang="zh-CN" sz="2800" dirty="0">
+                  <a:solidFill>
+                    <a:srgbClr val="000000"/>
+                  </a:solidFill>
+                  <a:effectLst/>
+                  <a:latin typeface="Verdana" panose="020B0604030504040204" pitchFamily="34" charset="0"/>
+                  <a:sym typeface="+mn-ea"/>
+                </a:rPr>
+                <a:t>3</a:t>
+              </a:r>
+              <a:r>
+                <a:rPr lang="zh-CN" altLang="en-US" sz="2800" dirty="0">
+                  <a:solidFill>
+                    <a:srgbClr val="000000"/>
+                  </a:solidFill>
+                  <a:effectLst/>
+                  <a:latin typeface="Verdana" panose="020B0604030504040204" pitchFamily="34" charset="0"/>
+                  <a:sym typeface="+mn-ea"/>
+                </a:rPr>
+                <a:t>）</a:t>
+              </a:r>
+              <a:r>
+                <a:rPr lang="zh-CN" altLang="en-US" sz="2800" dirty="0">
                   <a:solidFill>
                     <a:srgbClr val="FF0000"/>
                   </a:solidFill>
+                  <a:effectLst/>
                   <a:latin typeface="Verdana" panose="020B0604030504040204" pitchFamily="34" charset="0"/>
+                  <a:sym typeface="+mn-ea"/>
                 </a:rPr>
-                <a:t>包之间的</a:t>
+                <a:t>行为</a:t>
               </a:r>
               <a:r>
-                <a:rPr lang="zh-CN" altLang="en-US" sz="2400" dirty="0" smtClean="0">
-                  <a:solidFill>
-                    <a:srgbClr val="FF0000"/>
-                  </a:solidFill>
-                  <a:latin typeface="Verdana" panose="020B0604030504040204" pitchFamily="34" charset="0"/>
-                </a:rPr>
-                <a:t>关系</a:t>
-              </a:r>
-              <a:r>
-                <a:rPr lang="zh-CN" altLang="en-US" sz="2400" dirty="0" smtClean="0">
+                <a:rPr lang="zh-CN" altLang="en-US" sz="2800" dirty="0">
                   <a:solidFill>
                     <a:srgbClr val="000000"/>
                   </a:solidFill>
+                  <a:effectLst/>
                   <a:latin typeface="Verdana" panose="020B0604030504040204" pitchFamily="34" charset="0"/>
+                  <a:sym typeface="+mn-ea"/>
                 </a:rPr>
-                <a:t>。包</a:t>
+                <a:t>（方法，事件）：一个对象根据它的状态改变和消息传送所采取的行动和所作出的反应。</a:t>
               </a:r>
-              <a:r>
-                <a:rPr lang="zh-CN" altLang="en-US" sz="2400" dirty="0">
-                  <a:solidFill>
-                    <a:srgbClr val="000000"/>
-                  </a:solidFill>
-                  <a:latin typeface="Verdana" panose="020B0604030504040204" pitchFamily="34" charset="0"/>
-                </a:rPr>
-                <a:t>的图标是个带标签的</a:t>
-              </a:r>
-              <a:r>
-                <a:rPr lang="zh-CN" altLang="en-US" sz="2400" dirty="0" smtClean="0">
-                  <a:solidFill>
-                    <a:srgbClr val="000000"/>
-                  </a:solidFill>
-                  <a:latin typeface="Verdana" panose="020B0604030504040204" pitchFamily="34" charset="0"/>
-                </a:rPr>
-                <a:t>文件夹，包图</a:t>
-              </a:r>
-              <a:r>
-                <a:rPr lang="zh-CN" altLang="en-US" sz="2400" dirty="0" smtClean="0">
-                  <a:solidFill>
-                    <a:srgbClr val="FF0000"/>
-                  </a:solidFill>
-                  <a:latin typeface="Verdana" panose="020B0604030504040204" pitchFamily="34" charset="0"/>
-                </a:rPr>
-                <a:t>描绘模型元素在</a:t>
-              </a:r>
-              <a:r>
-                <a:rPr lang="zh-CN" altLang="en-US" sz="2400" dirty="0">
-                  <a:solidFill>
-                    <a:srgbClr val="FF0000"/>
-                  </a:solidFill>
-                  <a:latin typeface="Verdana" panose="020B0604030504040204" pitchFamily="34" charset="0"/>
-                </a:rPr>
-                <a:t>包内的组织和依赖</a:t>
-              </a:r>
-              <a:r>
-                <a:rPr lang="zh-CN" altLang="en-US" sz="2400" dirty="0" smtClean="0">
-                  <a:solidFill>
-                    <a:srgbClr val="FF0000"/>
-                  </a:solidFill>
-                  <a:latin typeface="Verdana" panose="020B0604030504040204" pitchFamily="34" charset="0"/>
-                </a:rPr>
-                <a:t>关系</a:t>
-              </a:r>
-              <a:r>
-                <a:rPr lang="zh-CN" altLang="en-US" sz="2400" dirty="0" smtClean="0">
-                  <a:solidFill>
-                    <a:srgbClr val="000000"/>
-                  </a:solidFill>
-                  <a:latin typeface="Verdana" panose="020B0604030504040204" pitchFamily="34" charset="0"/>
-                </a:rPr>
-                <a:t>，</a:t>
-              </a:r>
-              <a:r>
-                <a:rPr lang="zh-CN" altLang="en-US" sz="2400" dirty="0" smtClean="0">
-                  <a:solidFill>
-                    <a:srgbClr val="FF0000"/>
-                  </a:solidFill>
-                  <a:latin typeface="Verdana" panose="020B0604030504040204" pitchFamily="34" charset="0"/>
-                </a:rPr>
-                <a:t>包括</a:t>
-              </a:r>
-              <a:r>
-                <a:rPr lang="zh-CN" altLang="en-US" sz="2400" dirty="0">
-                  <a:solidFill>
-                    <a:srgbClr val="FF0000"/>
-                  </a:solidFill>
-                  <a:latin typeface="Verdana" panose="020B0604030504040204" pitchFamily="34" charset="0"/>
-                </a:rPr>
-                <a:t>包的导人和包扩展</a:t>
-              </a:r>
-              <a:r>
-                <a:rPr lang="zh-CN" altLang="en-US" sz="2400" dirty="0">
-                  <a:solidFill>
-                    <a:srgbClr val="000000"/>
-                  </a:solidFill>
-                  <a:latin typeface="Verdana" panose="020B0604030504040204" pitchFamily="34" charset="0"/>
-                </a:rPr>
-                <a:t>。它们还提供相应命名空间的</a:t>
-              </a:r>
-              <a:r>
-                <a:rPr lang="zh-CN" altLang="en-US" sz="2400" dirty="0" smtClean="0">
-                  <a:solidFill>
-                    <a:srgbClr val="000000"/>
-                  </a:solidFill>
-                  <a:latin typeface="Verdana" panose="020B0604030504040204" pitchFamily="34" charset="0"/>
-                </a:rPr>
-                <a:t>可视化。</a:t>
-              </a:r>
-              <a:endParaRPr lang="en-US" altLang="zh-CN" sz="2400" dirty="0" smtClean="0">
+              <a:endParaRPr lang="zh-CN" altLang="en-US" b="0" i="0" dirty="0">
                 <a:solidFill>
                   <a:srgbClr val="000000"/>
                 </a:solidFill>
+                <a:effectLst/>
                 <a:latin typeface="Verdana" panose="020B0604030504040204" pitchFamily="34" charset="0"/>
               </a:endParaRPr>
             </a:p>
             <a:p>
-              <a:pPr indent="720000"/>
-              <a:r>
-                <a:rPr lang="zh-CN" altLang="en-US" sz="2400" dirty="0" smtClean="0">
-                  <a:solidFill>
-                    <a:srgbClr val="000000"/>
-                  </a:solidFill>
-                  <a:latin typeface="Verdana" panose="020B0604030504040204" pitchFamily="34" charset="0"/>
-                </a:rPr>
-                <a:t>包是一个命名空间，也是一个无素。可以包含在其他命名空间中。包可以拥有其他包或与其他包合并，它的元索可以导入包命名空间中。除了要在项目浏览器中使用包来组织项目的内容外，还可以拖动包到图中</a:t>
-              </a:r>
-              <a:r>
-                <a:rPr lang="en-US" altLang="zh-CN" sz="2400" dirty="0" smtClean="0">
-                  <a:solidFill>
-                    <a:srgbClr val="000000"/>
-                  </a:solidFill>
-                  <a:latin typeface="Verdana" panose="020B0604030504040204" pitchFamily="34" charset="0"/>
-                </a:rPr>
-                <a:t>(</a:t>
-              </a:r>
-              <a:r>
-                <a:rPr lang="zh-CN" altLang="en-US" sz="2400" dirty="0" smtClean="0">
-                  <a:solidFill>
-                    <a:srgbClr val="000000"/>
-                  </a:solidFill>
-                  <a:latin typeface="Verdana" panose="020B0604030504040204" pitchFamily="34" charset="0"/>
-                </a:rPr>
-                <a:t>大多数图类型、标准和扩展</a:t>
-              </a:r>
-              <a:r>
-                <a:rPr lang="en-US" altLang="zh-CN" sz="2400" dirty="0" smtClean="0">
-                  <a:solidFill>
-                    <a:srgbClr val="000000"/>
-                  </a:solidFill>
-                  <a:latin typeface="Verdana" panose="020B0604030504040204" pitchFamily="34" charset="0"/>
-                </a:rPr>
-                <a:t>)</a:t>
-              </a:r>
-              <a:r>
-                <a:rPr lang="zh-CN" altLang="en-US" sz="2400" dirty="0" smtClean="0">
-                  <a:solidFill>
-                    <a:srgbClr val="000000"/>
-                  </a:solidFill>
-                  <a:latin typeface="Verdana" panose="020B0604030504040204" pitchFamily="34" charset="0"/>
-                </a:rPr>
-                <a:t>以描述结构或关系，包括包的导人或合并。</a:t>
-              </a:r>
-            </a:p>
-            <a:p>
-              <a:endParaRPr lang="zh-CN" altLang="en-US" sz="1600" dirty="0">
+              <a:endParaRPr lang="zh-CN" altLang="en-US" b="0" i="0" dirty="0">
                 <a:solidFill>
                   <a:srgbClr val="000000"/>
                 </a:solidFill>
+                <a:effectLst/>
                 <a:latin typeface="Verdana" panose="020B0604030504040204" pitchFamily="34" charset="0"/>
               </a:endParaRPr>
             </a:p>
@@ -11797,149 +14810,17 @@
               <a:lstStyle/>
               <a:p>
                 <a:pPr algn="ctr"/>
-                <a:endParaRPr lang="zh-CN" altLang="en-US" sz="1350"/>
+                <a:r>
+                  <a:rPr lang="zh-CN" altLang="en-US" sz="2400" b="1"/>
+                  <a:t>什么是对象</a:t>
+                </a:r>
+                <a:endParaRPr lang="zh-CN" altLang="en-US" sz="2400" b="1"/>
               </a:p>
             </p:txBody>
           </p:sp>
         </p:grpSp>
       </p:grpSp>
-      <p:sp>
-        <p:nvSpPr>
-          <p:cNvPr id="9" name="文本框 8"/>
-          <p:cNvSpPr txBox="1"/>
-          <p:nvPr/>
-        </p:nvSpPr>
-        <p:spPr>
-          <a:xfrm>
-            <a:off x="663575" y="1319530"/>
-            <a:ext cx="1562735" cy="414020"/>
-          </a:xfrm>
-          <a:prstGeom prst="rect">
-            <a:avLst/>
-          </a:prstGeom>
-          <a:noFill/>
-        </p:spPr>
-        <p:txBody>
-          <a:bodyPr wrap="square" rtlCol="0">
-            <a:spAutoFit/>
-          </a:bodyPr>
-          <a:lstStyle/>
-          <a:p>
-            <a:r>
-              <a:rPr lang="zh-CN" altLang="en-US" dirty="0">
-                <a:solidFill>
-                  <a:schemeClr val="bg1"/>
-                </a:solidFill>
-              </a:rPr>
-              <a:t>包</a:t>
-            </a:r>
-            <a:r>
-              <a:rPr lang="zh-CN" altLang="en-US" dirty="0" smtClean="0">
-                <a:solidFill>
-                  <a:schemeClr val="bg1"/>
-                </a:solidFill>
-              </a:rPr>
-              <a:t>图概述</a:t>
-            </a:r>
-            <a:endParaRPr lang="zh-CN" altLang="en-US" dirty="0">
-              <a:solidFill>
-                <a:schemeClr val="bg1"/>
-              </a:solidFill>
-            </a:endParaRPr>
-          </a:p>
-        </p:txBody>
-      </p:sp>
-      <p:pic>
-        <p:nvPicPr>
-          <p:cNvPr id="1026" name="Picture 2"/>
-          <p:cNvPicPr>
-            <a:picLocks noChangeAspect="1" noChangeArrowheads="1"/>
-          </p:cNvPicPr>
-          <p:nvPr/>
-        </p:nvPicPr>
-        <p:blipFill>
-          <a:blip r:embed="rId2">
-            <a:extLst>
-              <a:ext uri="{28A0092B-C50C-407E-A947-70E740481C1C}">
-                <a14:useLocalDpi xmlns:a14="http://schemas.microsoft.com/office/drawing/2010/main" val="0"/>
-              </a:ext>
-            </a:extLst>
-          </a:blip>
-          <a:srcRect/>
-          <a:stretch>
-            <a:fillRect/>
-          </a:stretch>
-        </p:blipFill>
-        <p:spPr bwMode="auto">
-          <a:xfrm>
-            <a:off x="8519925" y="2203763"/>
-            <a:ext cx="3163805" cy="2152692"/>
-          </a:xfrm>
-          <a:prstGeom prst="rect">
-            <a:avLst/>
-          </a:prstGeom>
-          <a:noFill/>
-          <a:ln>
-            <a:noFill/>
-          </a:ln>
-          <a:extLst>
-            <a:ext uri="{909E8E84-426E-40DD-AFC4-6F175D3DCCD1}">
-              <a14:hiddenFill xmlns:a14="http://schemas.microsoft.com/office/drawing/2010/main">
-                <a:solidFill>
-                  <a:schemeClr val="accent1"/>
-                </a:solidFill>
-              </a14:hiddenFill>
-            </a:ext>
-            <a:ext uri="{91240B29-F687-4F45-9708-019B960494DF}">
-              <a14:hiddenLine xmlns:a14="http://schemas.microsoft.com/office/drawing/2010/main" w="9525">
-                <a:solidFill>
-                  <a:schemeClr val="tx1"/>
-                </a:solidFill>
-                <a:miter lim="800000"/>
-                <a:headEnd/>
-                <a:tailEnd/>
-              </a14:hiddenLine>
-            </a:ext>
-          </a:extLst>
-        </p:spPr>
-      </p:pic>
-      <p:sp>
-        <p:nvSpPr>
-          <p:cNvPr id="13" name="TextBox 12"/>
-          <p:cNvSpPr txBox="1"/>
-          <p:nvPr/>
-        </p:nvSpPr>
-        <p:spPr>
-          <a:xfrm>
-            <a:off x="8769679" y="4609261"/>
-            <a:ext cx="2664296" cy="432048"/>
-          </a:xfrm>
-          <a:prstGeom prst="rect">
-            <a:avLst/>
-          </a:prstGeom>
-          <a:noFill/>
-        </p:spPr>
-        <p:txBody>
-          <a:bodyPr wrap="square" rtlCol="0">
-            <a:spAutoFit/>
-          </a:bodyPr>
-          <a:lstStyle/>
-          <a:p>
-            <a:pPr algn="ctr"/>
-            <a:r>
-              <a:rPr lang="zh-CN" altLang="en-US" dirty="0" smtClean="0"/>
-              <a:t>包的图标</a:t>
-            </a:r>
-            <a:endParaRPr lang="zh-CN" altLang="en-US" dirty="0"/>
-          </a:p>
-        </p:txBody>
-      </p:sp>
     </p:spTree>
-    <p:extLst>
-      <p:ext uri="{BB962C8B-B14F-4D97-AF65-F5344CB8AC3E}">
-        <p14:creationId xmlns:p14="http://schemas.microsoft.com/office/powerpoint/2010/main" val="3564200078"/>
-      </p:ext>
-    </p:extLst>
   </p:cSld>
   <p:clrMapOvr>
     <a:masterClrMapping/>
@@ -12064,7 +14945,7 @@
             <a:pPr algn="ctr"/>
             <a:r>
               <a:rPr lang="en-US" sz="2400" dirty="0"/>
-              <a:t>3</a:t>
+              <a:t>2</a:t>
             </a:r>
             <a:endParaRPr lang="en-US" sz="2400" dirty="0"/>
           </a:p>
@@ -12111,7 +14992,7 @@
         <p:spPr>
           <a:xfrm>
             <a:off x="2226388" y="159851"/>
-            <a:ext cx="6052718" cy="501650"/>
+            <a:ext cx="6052718" cy="500380"/>
           </a:xfrm>
           <a:prstGeom prst="rect">
             <a:avLst/>
@@ -12125,24 +15006,15 @@
           <a:lstStyle/>
           <a:p>
             <a:r>
-              <a:rPr lang="zh-CN" altLang="en-US" sz="2665" dirty="0">
+              <a:rPr lang="zh-CN" sz="2660" dirty="0">
                 <a:solidFill>
                   <a:srgbClr val="183A5D"/>
                 </a:solidFill>
                 <a:latin typeface="微软雅黑" panose="020B0503020204020204" pitchFamily="34" charset="-122"/>
                 <a:ea typeface="微软雅黑" panose="020B0503020204020204" pitchFamily="34" charset="-122"/>
+                <a:sym typeface="+mn-ea"/>
               </a:rPr>
-              <a:t>包</a:t>
-            </a:r>
-            <a:r>
-              <a:rPr lang="zh-CN" altLang="en-US" sz="2665" dirty="0" smtClean="0">
-                <a:solidFill>
-                  <a:srgbClr val="183A5D"/>
-                </a:solidFill>
-                <a:latin typeface="微软雅黑" panose="020B0503020204020204" pitchFamily="34" charset="-122"/>
-                <a:ea typeface="微软雅黑" panose="020B0503020204020204" pitchFamily="34" charset="-122"/>
-              </a:rPr>
-              <a:t>图</a:t>
+              <a:t>对象图</a:t>
             </a:r>
             <a:endParaRPr lang="zh-CN" sz="2665" dirty="0">
               <a:solidFill>
@@ -12162,8 +15034,8 @@
         </p:nvGrpSpPr>
         <p:grpSpPr>
           <a:xfrm>
-            <a:off x="305836" y="1269365"/>
-            <a:ext cx="6077401" cy="4896484"/>
+            <a:off x="236855" y="1269365"/>
+            <a:ext cx="11410315" cy="4896485"/>
             <a:chOff x="237030" y="1269554"/>
             <a:chExt cx="7776864" cy="4896544"/>
           </a:xfrm>
@@ -12176,376 +15048,394 @@
           </p:nvSpPr>
           <p:spPr>
             <a:xfrm>
-              <a:off x="318097" y="1923611"/>
-              <a:ext cx="7614729" cy="3785698"/>
+              <a:off x="615984" y="1855147"/>
+              <a:ext cx="6092825" cy="2999776"/>
             </a:xfrm>
             <a:prstGeom prst="rect">
               <a:avLst/>
             </a:prstGeom>
           </p:spPr>
           <p:txBody>
-            <a:bodyPr wrap="square">
+            <a:bodyPr>
               <a:spAutoFit/>
             </a:bodyPr>
             <a:lstStyle/>
             <a:p>
               <a:r>
-                <a:rPr lang="en-US" altLang="zh-CN" sz="2000" dirty="0">
+                <a:rPr lang="zh-CN" altLang="en-US" sz="2800" dirty="0">
                   <a:solidFill>
                     <a:srgbClr val="000000"/>
                   </a:solidFill>
+                  <a:effectLst/>
                   <a:latin typeface="Verdana" panose="020B0604030504040204" pitchFamily="34" charset="0"/>
+                  <a:sym typeface="+mn-ea"/>
                 </a:rPr>
-                <a:t>1.</a:t>
+                <a:t>（</a:t>
               </a:r>
               <a:r>
-                <a:rPr lang="zh-CN" altLang="en-US" sz="2000" dirty="0">
+                <a:rPr lang="en-US" altLang="zh-CN" sz="2800" dirty="0">
                   <a:solidFill>
                     <a:srgbClr val="000000"/>
                   </a:solidFill>
+                  <a:effectLst/>
                   <a:latin typeface="Verdana" panose="020B0604030504040204" pitchFamily="34" charset="0"/>
+                  <a:sym typeface="+mn-ea"/>
                 </a:rPr>
-                <a:t>引人关系</a:t>
+                <a:t>1</a:t>
               </a:r>
+              <a:r>
+                <a:rPr lang="zh-CN" altLang="en-US" sz="2800" dirty="0">
+                  <a:solidFill>
+                    <a:srgbClr val="000000"/>
+                  </a:solidFill>
+                  <a:effectLst/>
+                  <a:latin typeface="Verdana" panose="020B0604030504040204" pitchFamily="34" charset="0"/>
+                  <a:sym typeface="+mn-ea"/>
+                </a:rPr>
+                <a:t>）对象是一个</a:t>
+              </a:r>
+              <a:r>
+                <a:rPr lang="zh-CN" altLang="en-US" sz="2800" dirty="0">
+                  <a:solidFill>
+                    <a:srgbClr val="FF0000"/>
+                  </a:solidFill>
+                  <a:effectLst/>
+                  <a:latin typeface="Verdana" panose="020B0604030504040204" pitchFamily="34" charset="0"/>
+                  <a:sym typeface="+mn-ea"/>
+                </a:rPr>
+                <a:t>存在于时间和空间</a:t>
+              </a:r>
+              <a:r>
+                <a:rPr lang="zh-CN" altLang="en-US" sz="2800" dirty="0">
+                  <a:solidFill>
+                    <a:srgbClr val="000000"/>
+                  </a:solidFill>
+                  <a:effectLst/>
+                  <a:latin typeface="Verdana" panose="020B0604030504040204" pitchFamily="34" charset="0"/>
+                  <a:sym typeface="+mn-ea"/>
+                </a:rPr>
+                <a:t>中的具体实体，而类紧代表一个抽象，抽象出对象的</a:t>
+              </a:r>
+              <a:r>
+                <a:rPr lang="en-US" altLang="zh-CN" sz="2800" dirty="0">
+                  <a:solidFill>
+                    <a:srgbClr val="000000"/>
+                  </a:solidFill>
+                  <a:effectLst/>
+                  <a:latin typeface="Verdana" panose="020B0604030504040204" pitchFamily="34" charset="0"/>
+                  <a:sym typeface="+mn-ea"/>
+                </a:rPr>
+                <a:t>“</a:t>
+              </a:r>
+              <a:r>
+                <a:rPr lang="zh-CN" altLang="en-US" sz="2800" dirty="0">
+                  <a:solidFill>
+                    <a:srgbClr val="000000"/>
+                  </a:solidFill>
+                  <a:effectLst/>
+                  <a:latin typeface="Verdana" panose="020B0604030504040204" pitchFamily="34" charset="0"/>
+                  <a:sym typeface="+mn-ea"/>
+                </a:rPr>
+                <a:t>本质</a:t>
+              </a:r>
+              <a:r>
+                <a:rPr lang="en-US" altLang="zh-CN" sz="2800" dirty="0">
+                  <a:solidFill>
+                    <a:srgbClr val="000000"/>
+                  </a:solidFill>
+                  <a:effectLst/>
+                  <a:latin typeface="Verdana" panose="020B0604030504040204" pitchFamily="34" charset="0"/>
+                  <a:sym typeface="+mn-ea"/>
+                </a:rPr>
+                <a:t>”</a:t>
+              </a:r>
+              <a:r>
+                <a:rPr lang="zh-CN" altLang="en-US" sz="2800" dirty="0">
+                  <a:solidFill>
+                    <a:srgbClr val="000000"/>
+                  </a:solidFill>
+                  <a:effectLst/>
+                  <a:latin typeface="Verdana" panose="020B0604030504040204" pitchFamily="34" charset="0"/>
+                  <a:sym typeface="+mn-ea"/>
+                </a:rPr>
+                <a:t>。</a:t>
+              </a:r>
+              <a:endParaRPr lang="zh-CN" altLang="en-US" sz="2800" dirty="0">
+                <a:solidFill>
+                  <a:srgbClr val="000000"/>
+                </a:solidFill>
+                <a:effectLst/>
+                <a:latin typeface="Verdana" panose="020B0604030504040204" pitchFamily="34" charset="0"/>
+                <a:sym typeface="+mn-ea"/>
+              </a:endParaRPr>
             </a:p>
             <a:p>
               <a:r>
-                <a:rPr lang="zh-CN" altLang="en-US" sz="2000" dirty="0" smtClean="0">
+                <a:rPr lang="zh-CN" altLang="en-US" sz="2800" dirty="0">
                   <a:solidFill>
                     <a:srgbClr val="000000"/>
                   </a:solidFill>
+                  <a:effectLst/>
                   <a:latin typeface="Verdana" panose="020B0604030504040204" pitchFamily="34" charset="0"/>
+                  <a:sym typeface="+mn-ea"/>
                 </a:rPr>
-                <a:t>引</a:t>
+                <a:t>（</a:t>
               </a:r>
               <a:r>
-                <a:rPr lang="zh-CN" altLang="en-US" sz="2000" dirty="0">
+                <a:rPr lang="en-US" altLang="zh-CN" sz="2800" dirty="0">
                   <a:solidFill>
                     <a:srgbClr val="000000"/>
                   </a:solidFill>
+                  <a:effectLst/>
                   <a:latin typeface="Verdana" panose="020B0604030504040204" pitchFamily="34" charset="0"/>
+                  <a:sym typeface="+mn-ea"/>
                 </a:rPr>
-                <a:t>人关系</a:t>
+                <a:t>2</a:t>
               </a:r>
               <a:r>
-                <a:rPr lang="en-US" altLang="zh-CN" sz="2000" dirty="0">
+                <a:rPr lang="zh-CN" altLang="en-US" sz="2800" dirty="0">
                   <a:solidFill>
                     <a:srgbClr val="000000"/>
                   </a:solidFill>
+                  <a:effectLst/>
                   <a:latin typeface="Verdana" panose="020B0604030504040204" pitchFamily="34" charset="0"/>
+                  <a:sym typeface="+mn-ea"/>
                 </a:rPr>
-                <a:t>:</a:t>
+                <a:t>）类是共享一个公用结构和一个公共行为对象集合。</a:t>
               </a:r>
+              <a:endParaRPr lang="zh-CN" altLang="en-US" sz="2800" dirty="0">
+                <a:solidFill>
+                  <a:srgbClr val="000000"/>
+                </a:solidFill>
+                <a:effectLst/>
+                <a:latin typeface="Verdana" panose="020B0604030504040204" pitchFamily="34" charset="0"/>
+                <a:sym typeface="+mn-ea"/>
+              </a:endParaRPr>
+            </a:p>
+            <a:p>
               <a:r>
-                <a:rPr lang="zh-CN" altLang="en-US" sz="2000" dirty="0">
+                <a:rPr lang="zh-CN" altLang="en-US" sz="2800" dirty="0">
                   <a:solidFill>
                     <a:srgbClr val="000000"/>
                   </a:solidFill>
+                  <a:effectLst/>
                   <a:latin typeface="Verdana" panose="020B0604030504040204" pitchFamily="34" charset="0"/>
+                  <a:sym typeface="+mn-ea"/>
                 </a:rPr>
-                <a:t>一个包中的类可以被另一个指定包</a:t>
+                <a:t>（</a:t>
               </a:r>
               <a:r>
-                <a:rPr lang="en-US" altLang="zh-CN" sz="2000" dirty="0">
+                <a:rPr lang="en-US" altLang="zh-CN" sz="2800" dirty="0">
                   <a:solidFill>
                     <a:srgbClr val="000000"/>
                   </a:solidFill>
+                  <a:effectLst/>
                   <a:latin typeface="Verdana" panose="020B0604030504040204" pitchFamily="34" charset="0"/>
+                  <a:sym typeface="+mn-ea"/>
                 </a:rPr>
-                <a:t>(</a:t>
+                <a:t>3</a:t>
               </a:r>
               <a:r>
-                <a:rPr lang="zh-CN" altLang="en-US" sz="2000" dirty="0">
+                <a:rPr lang="zh-CN" altLang="en-US" sz="2800" dirty="0">
                   <a:solidFill>
                     <a:srgbClr val="000000"/>
                   </a:solidFill>
+                  <a:effectLst/>
                   <a:latin typeface="Verdana" panose="020B0604030504040204" pitchFamily="34" charset="0"/>
+                  <a:sym typeface="+mn-ea"/>
                 </a:rPr>
-                <a:t>以及嵌套于其中的那些包</a:t>
+                <a:t>）类是</a:t>
               </a:r>
               <a:r>
-                <a:rPr lang="en-US" altLang="zh-CN" sz="2000" dirty="0">
+                <a:rPr lang="zh-CN" altLang="en-US" sz="2800" dirty="0">
+                  <a:solidFill>
+                    <a:srgbClr val="FF0000"/>
+                  </a:solidFill>
+                  <a:effectLst/>
+                  <a:latin typeface="Verdana" panose="020B0604030504040204" pitchFamily="34" charset="0"/>
+                  <a:sym typeface="+mn-ea"/>
+                </a:rPr>
+                <a:t>静态</a:t>
+              </a:r>
+              <a:r>
+                <a:rPr lang="zh-CN" altLang="en-US" sz="2800" dirty="0">
                   <a:solidFill>
                     <a:srgbClr val="000000"/>
                   </a:solidFill>
+                  <a:effectLst/>
                   <a:latin typeface="Verdana" panose="020B0604030504040204" pitchFamily="34" charset="0"/>
+                  <a:sym typeface="+mn-ea"/>
                 </a:rPr>
-                <a:t>)</a:t>
+                <a:t>的，对象是</a:t>
               </a:r>
               <a:r>
-                <a:rPr lang="zh-CN" altLang="en-US" sz="2000" dirty="0">
+                <a:rPr lang="zh-CN" altLang="en-US" sz="2800" dirty="0">
+                  <a:solidFill>
+                    <a:srgbClr val="FF0000"/>
+                  </a:solidFill>
+                  <a:effectLst/>
+                  <a:latin typeface="Verdana" panose="020B0604030504040204" pitchFamily="34" charset="0"/>
+                  <a:sym typeface="+mn-ea"/>
+                </a:rPr>
+                <a:t>动态</a:t>
+              </a:r>
+              <a:r>
+                <a:rPr lang="zh-CN" altLang="en-US" sz="2800" dirty="0">
                   <a:solidFill>
                     <a:srgbClr val="000000"/>
                   </a:solidFill>
+                  <a:effectLst/>
                   <a:latin typeface="Verdana" panose="020B0604030504040204" pitchFamily="34" charset="0"/>
+                  <a:sym typeface="+mn-ea"/>
                 </a:rPr>
-                <a:t>中的类</a:t>
+                <a:t>的；类是</a:t>
               </a:r>
               <a:r>
-                <a:rPr lang="zh-CN" altLang="en-US" sz="2000" dirty="0" smtClean="0">
+                <a:rPr lang="zh-CN" altLang="en-US" sz="2800" dirty="0">
+                  <a:solidFill>
+                    <a:srgbClr val="FF0000"/>
+                  </a:solidFill>
+                  <a:effectLst/>
+                  <a:latin typeface="Verdana" panose="020B0604030504040204" pitchFamily="34" charset="0"/>
+                  <a:sym typeface="+mn-ea"/>
+                </a:rPr>
+                <a:t>一般化</a:t>
+              </a:r>
+              <a:r>
+                <a:rPr lang="zh-CN" altLang="en-US" sz="2800" dirty="0">
                   <a:solidFill>
                     <a:srgbClr val="000000"/>
                   </a:solidFill>
+                  <a:effectLst/>
                   <a:latin typeface="Verdana" panose="020B0604030504040204" pitchFamily="34" charset="0"/>
+                  <a:sym typeface="+mn-ea"/>
                 </a:rPr>
-                <a:t>引用。引用关系</a:t>
+                <a:t>，对象是</a:t>
               </a:r>
               <a:r>
-                <a:rPr lang="zh-CN" altLang="en-US" sz="2000" dirty="0">
+                <a:rPr lang="zh-CN" altLang="en-US" sz="2800" dirty="0">
+                  <a:solidFill>
+                    <a:srgbClr val="FF0000"/>
+                  </a:solidFill>
+                  <a:effectLst/>
+                  <a:latin typeface="Verdana" panose="020B0604030504040204" pitchFamily="34" charset="0"/>
+                  <a:sym typeface="+mn-ea"/>
+                </a:rPr>
+                <a:t>个性化</a:t>
+              </a:r>
+              <a:r>
+                <a:rPr lang="zh-CN" altLang="en-US" sz="2800" dirty="0">
                   <a:solidFill>
                     <a:srgbClr val="000000"/>
                   </a:solidFill>
+                  <a:effectLst/>
                   <a:latin typeface="Verdana" panose="020B0604030504040204" pitchFamily="34" charset="0"/>
+                  <a:sym typeface="+mn-ea"/>
                 </a:rPr>
-                <a:t>是依赖关系的一种，需要</a:t>
+                <a:t>；类是</a:t>
               </a:r>
               <a:r>
-                <a:rPr lang="zh-CN" altLang="en-US" sz="2000" dirty="0" smtClean="0">
+                <a:rPr lang="zh-CN" altLang="en-US" sz="2800" dirty="0">
+                  <a:solidFill>
+                    <a:srgbClr val="FF0000"/>
+                  </a:solidFill>
+                  <a:effectLst/>
+                  <a:latin typeface="Verdana" panose="020B0604030504040204" pitchFamily="34" charset="0"/>
+                  <a:sym typeface="+mn-ea"/>
+                </a:rPr>
+                <a:t>定义</a:t>
+              </a:r>
+              <a:r>
+                <a:rPr lang="zh-CN" altLang="en-US" sz="2800" dirty="0">
                   <a:solidFill>
                     <a:srgbClr val="000000"/>
                   </a:solidFill>
+                  <a:effectLst/>
                   <a:latin typeface="Verdana" panose="020B0604030504040204" pitchFamily="34" charset="0"/>
+                  <a:sym typeface="+mn-ea"/>
                 </a:rPr>
-                <a:t>在依赖上增加一个</a:t>
+                <a:t>，对象是</a:t>
               </a:r>
               <a:r>
-                <a:rPr lang="en-US" altLang="zh-CN" sz="2000" dirty="0" smtClean="0">
+                <a:rPr lang="zh-CN" altLang="en-US" sz="2800" dirty="0">
+                  <a:solidFill>
+                    <a:srgbClr val="FF0000"/>
+                  </a:solidFill>
+                  <a:effectLst/>
+                  <a:latin typeface="Verdana" panose="020B0604030504040204" pitchFamily="34" charset="0"/>
+                  <a:sym typeface="+mn-ea"/>
+                </a:rPr>
+                <a:t>实例</a:t>
+              </a:r>
+              <a:r>
+                <a:rPr lang="zh-CN" altLang="en-US" sz="2800" dirty="0">
                   <a:solidFill>
                     <a:srgbClr val="000000"/>
                   </a:solidFill>
+                  <a:effectLst/>
                   <a:latin typeface="Verdana" panose="020B0604030504040204" pitchFamily="34" charset="0"/>
+                  <a:sym typeface="+mn-ea"/>
                 </a:rPr>
-                <a:t>&lt;&lt;import&gt;&gt;</a:t>
+                <a:t>；类是</a:t>
               </a:r>
               <a:r>
-                <a:rPr lang="zh-CN" altLang="en-US" sz="2000" dirty="0" smtClean="0">
+                <a:rPr lang="zh-CN" altLang="en-US" sz="2800" dirty="0">
+                  <a:solidFill>
+                    <a:srgbClr val="FF0000"/>
+                  </a:solidFill>
+                  <a:effectLst/>
+                  <a:latin typeface="Verdana" panose="020B0604030504040204" pitchFamily="34" charset="0"/>
+                  <a:sym typeface="+mn-ea"/>
+                </a:rPr>
+                <a:t>抽象</a:t>
+              </a:r>
+              <a:r>
+                <a:rPr lang="zh-CN" altLang="en-US" sz="2800" dirty="0">
                   <a:solidFill>
                     <a:srgbClr val="000000"/>
                   </a:solidFill>
+                  <a:effectLst/>
                   <a:latin typeface="Verdana" panose="020B0604030504040204" pitchFamily="34" charset="0"/>
+                  <a:sym typeface="+mn-ea"/>
                 </a:rPr>
-                <a:t>衍型</a:t>
+                <a:t>，对象是</a:t>
               </a:r>
               <a:r>
-                <a:rPr lang="zh-CN" altLang="en-US" sz="2000" dirty="0">
+                <a:rPr lang="zh-CN" altLang="en-US" sz="2800" dirty="0">
+                  <a:solidFill>
+                    <a:srgbClr val="FF0000"/>
+                  </a:solidFill>
+                  <a:effectLst/>
+                  <a:latin typeface="Verdana" panose="020B0604030504040204" pitchFamily="34" charset="0"/>
+                  <a:sym typeface="+mn-ea"/>
+                </a:rPr>
+                <a:t>具体</a:t>
+              </a:r>
+              <a:r>
+                <a:rPr lang="zh-CN" altLang="en-US" sz="2800" dirty="0">
                   <a:solidFill>
                     <a:srgbClr val="000000"/>
                   </a:solidFill>
+                  <a:effectLst/>
                   <a:latin typeface="Verdana" panose="020B0604030504040204" pitchFamily="34" charset="0"/>
+                  <a:sym typeface="+mn-ea"/>
                 </a:rPr>
-                <a:t>，包之间</a:t>
+                <a:t>。</a:t>
               </a:r>
-              <a:r>
-                <a:rPr lang="zh-CN" altLang="en-US" sz="2000" dirty="0" smtClean="0">
-                  <a:solidFill>
-                    <a:srgbClr val="000000"/>
-                  </a:solidFill>
-                  <a:latin typeface="Verdana" panose="020B0604030504040204" pitchFamily="34" charset="0"/>
-                </a:rPr>
-                <a:t>一般依赖关系都属于引入关系。</a:t>
-              </a:r>
-              <a:endParaRPr lang="en-US" altLang="zh-CN" sz="2000" dirty="0" smtClean="0">
+              <a:endParaRPr lang="zh-CN" altLang="en-US" b="0" i="0" dirty="0">
                 <a:solidFill>
                   <a:srgbClr val="000000"/>
                 </a:solidFill>
+                <a:effectLst/>
                 <a:latin typeface="Verdana" panose="020B0604030504040204" pitchFamily="34" charset="0"/>
               </a:endParaRPr>
             </a:p>
             <a:p>
-              <a:endParaRPr lang="zh-CN" altLang="en-US" sz="2000" dirty="0">
+              <a:endParaRPr lang="zh-CN" altLang="en-US" b="0" i="0" dirty="0">
                 <a:solidFill>
                   <a:srgbClr val="000000"/>
                 </a:solidFill>
-                <a:latin typeface="Verdana" panose="020B0604030504040204" pitchFamily="34" charset="0"/>
-              </a:endParaRPr>
-            </a:p>
-            <a:p>
-              <a:r>
-                <a:rPr lang="en-US" altLang="zh-CN" sz="2000" dirty="0">
-                  <a:solidFill>
-                    <a:srgbClr val="000000"/>
-                  </a:solidFill>
-                  <a:latin typeface="Verdana" panose="020B0604030504040204" pitchFamily="34" charset="0"/>
-                </a:rPr>
-                <a:t>2. </a:t>
-              </a:r>
-              <a:r>
-                <a:rPr lang="zh-CN" altLang="en-US" sz="2000" dirty="0">
-                  <a:solidFill>
-                    <a:srgbClr val="000000"/>
-                  </a:solidFill>
-                  <a:latin typeface="Verdana" panose="020B0604030504040204" pitchFamily="34" charset="0"/>
-                </a:rPr>
-                <a:t>泛化关系</a:t>
-              </a:r>
-            </a:p>
-            <a:p>
-              <a:r>
-                <a:rPr lang="zh-CN" altLang="en-US" sz="2000" dirty="0" smtClean="0">
-                  <a:solidFill>
-                    <a:srgbClr val="000000"/>
-                  </a:solidFill>
-                  <a:latin typeface="Verdana" panose="020B0604030504040204" pitchFamily="34" charset="0"/>
-                </a:rPr>
-                <a:t>泛化关系</a:t>
-              </a:r>
-              <a:r>
-                <a:rPr lang="zh-CN" altLang="en-US" sz="2000" dirty="0">
-                  <a:solidFill>
-                    <a:srgbClr val="000000"/>
-                  </a:solidFill>
-                  <a:latin typeface="Verdana" panose="020B0604030504040204" pitchFamily="34" charset="0"/>
-                </a:rPr>
-                <a:t>，表示一个</a:t>
-              </a:r>
-              <a:r>
-                <a:rPr lang="zh-CN" altLang="en-US" sz="2000" dirty="0" smtClean="0">
-                  <a:solidFill>
-                    <a:srgbClr val="000000"/>
-                  </a:solidFill>
-                  <a:latin typeface="Verdana" panose="020B0604030504040204" pitchFamily="34" charset="0"/>
-                </a:rPr>
-                <a:t>包继承了另一个</a:t>
-              </a:r>
-              <a:r>
-                <a:rPr lang="zh-CN" altLang="en-US" sz="2000" dirty="0">
-                  <a:solidFill>
-                    <a:srgbClr val="000000"/>
-                  </a:solidFill>
-                  <a:latin typeface="Verdana" panose="020B0604030504040204" pitchFamily="34" charset="0"/>
-                </a:rPr>
-                <a:t>包</a:t>
-              </a:r>
-              <a:r>
-                <a:rPr lang="zh-CN" altLang="en-US" sz="2000" dirty="0" smtClean="0">
-                  <a:solidFill>
-                    <a:srgbClr val="000000"/>
-                  </a:solidFill>
-                  <a:latin typeface="Verdana" panose="020B0604030504040204" pitchFamily="34" charset="0"/>
-                </a:rPr>
-                <a:t>的全部</a:t>
-              </a:r>
-              <a:r>
-                <a:rPr lang="zh-CN" altLang="en-US" sz="2000" dirty="0">
-                  <a:solidFill>
-                    <a:srgbClr val="000000"/>
-                  </a:solidFill>
-                  <a:latin typeface="Verdana" panose="020B0604030504040204" pitchFamily="34" charset="0"/>
-                </a:rPr>
-                <a:t>内容，同时又</a:t>
-              </a:r>
-              <a:r>
-                <a:rPr lang="zh-CN" altLang="en-US" sz="2000" dirty="0" smtClean="0">
-                  <a:solidFill>
-                    <a:srgbClr val="000000"/>
-                  </a:solidFill>
-                  <a:latin typeface="Verdana" panose="020B0604030504040204" pitchFamily="34" charset="0"/>
-                </a:rPr>
-                <a:t>补充了自己</a:t>
-              </a:r>
-              <a:r>
-                <a:rPr lang="zh-CN" altLang="en-US" sz="2000" dirty="0">
-                  <a:solidFill>
-                    <a:srgbClr val="000000"/>
-                  </a:solidFill>
-                  <a:latin typeface="Verdana" panose="020B0604030504040204" pitchFamily="34" charset="0"/>
-                </a:rPr>
-                <a:t>增加的</a:t>
-              </a:r>
-              <a:r>
-                <a:rPr lang="zh-CN" altLang="en-US" sz="2000" dirty="0" smtClean="0">
-                  <a:solidFill>
-                    <a:srgbClr val="000000"/>
-                  </a:solidFill>
-                  <a:latin typeface="Verdana" panose="020B0604030504040204" pitchFamily="34" charset="0"/>
-                </a:rPr>
-                <a:t>内容。</a:t>
-              </a:r>
-              <a:endParaRPr lang="en-US" altLang="zh-CN" sz="2000" dirty="0" smtClean="0">
-                <a:solidFill>
-                  <a:srgbClr val="000000"/>
-                </a:solidFill>
-                <a:latin typeface="Verdana" panose="020B0604030504040204" pitchFamily="34" charset="0"/>
-              </a:endParaRPr>
-            </a:p>
-            <a:p>
-              <a:endParaRPr lang="en-US" altLang="zh-CN" sz="2000" dirty="0" smtClean="0">
-                <a:solidFill>
-                  <a:srgbClr val="000000"/>
-                </a:solidFill>
-                <a:latin typeface="Verdana" panose="020B0604030504040204" pitchFamily="34" charset="0"/>
-              </a:endParaRPr>
-            </a:p>
-            <a:p>
-              <a:r>
-                <a:rPr lang="en-US" altLang="zh-CN" sz="2000" dirty="0">
-                  <a:solidFill>
-                    <a:srgbClr val="000000"/>
-                  </a:solidFill>
-                  <a:latin typeface="Verdana" panose="020B0604030504040204" pitchFamily="34" charset="0"/>
-                </a:rPr>
-                <a:t>3.</a:t>
-              </a:r>
-              <a:r>
-                <a:rPr lang="zh-CN" altLang="en-US" sz="2000" dirty="0">
-                  <a:solidFill>
-                    <a:srgbClr val="000000"/>
-                  </a:solidFill>
-                  <a:latin typeface="Verdana" panose="020B0604030504040204" pitchFamily="34" charset="0"/>
-                </a:rPr>
-                <a:t>嵌套关系</a:t>
-              </a:r>
-            </a:p>
-            <a:p>
-              <a:r>
-                <a:rPr lang="zh-CN" altLang="en-US" sz="2000" dirty="0">
-                  <a:solidFill>
-                    <a:srgbClr val="000000"/>
-                  </a:solidFill>
-                  <a:latin typeface="Verdana" panose="020B0604030504040204" pitchFamily="34" charset="0"/>
-                </a:rPr>
-                <a:t>嵌套</a:t>
-              </a:r>
-              <a:r>
-                <a:rPr lang="zh-CN" altLang="en-US" sz="2000" dirty="0" smtClean="0">
-                  <a:solidFill>
-                    <a:srgbClr val="000000"/>
-                  </a:solidFill>
-                  <a:latin typeface="Verdana" panose="020B0604030504040204" pitchFamily="34" charset="0"/>
-                </a:rPr>
-                <a:t>关系</a:t>
-              </a:r>
-              <a:r>
-                <a:rPr lang="en-US" altLang="zh-CN" sz="2000" dirty="0">
-                  <a:solidFill>
-                    <a:srgbClr val="000000"/>
-                  </a:solidFill>
-                  <a:latin typeface="Verdana" panose="020B0604030504040204" pitchFamily="34" charset="0"/>
-                </a:rPr>
-                <a:t>:</a:t>
-              </a:r>
-              <a:r>
-                <a:rPr lang="zh-CN" altLang="en-US" sz="2000" dirty="0">
-                  <a:solidFill>
-                    <a:srgbClr val="000000"/>
-                  </a:solidFill>
-                  <a:latin typeface="Verdana" panose="020B0604030504040204" pitchFamily="34" charset="0"/>
-                </a:rPr>
-                <a:t>一个包中可以包含若干个子包，构成包的嵌套</a:t>
-              </a:r>
-              <a:r>
-                <a:rPr lang="zh-CN" altLang="en-US" sz="2000" dirty="0" smtClean="0">
-                  <a:solidFill>
-                    <a:srgbClr val="000000"/>
-                  </a:solidFill>
-                  <a:latin typeface="Verdana" panose="020B0604030504040204" pitchFamily="34" charset="0"/>
-                </a:rPr>
-                <a:t>层次结构。</a:t>
-              </a:r>
-              <a:endParaRPr lang="zh-CN" altLang="en-US" sz="2000" dirty="0">
-                <a:solidFill>
-                  <a:srgbClr val="000000"/>
-                </a:solidFill>
+                <a:effectLst/>
                 <a:latin typeface="Verdana" panose="020B0604030504040204" pitchFamily="34" charset="0"/>
               </a:endParaRPr>
             </a:p>
@@ -12653,233 +15543,17 @@
               <a:lstStyle/>
               <a:p>
                 <a:pPr algn="ctr"/>
-                <a:endParaRPr lang="zh-CN" altLang="en-US" sz="1350"/>
+                <a:r>
+                  <a:rPr lang="zh-CN" altLang="en-US" sz="2400" b="1"/>
+                  <a:t>对象与类的区别</a:t>
+                </a:r>
+                <a:endParaRPr lang="zh-CN" altLang="en-US" sz="2400" b="1"/>
               </a:p>
             </p:txBody>
           </p:sp>
         </p:grpSp>
       </p:grpSp>
-      <p:sp>
-        <p:nvSpPr>
-          <p:cNvPr id="9" name="文本框 8"/>
-          <p:cNvSpPr txBox="1"/>
-          <p:nvPr/>
-        </p:nvSpPr>
-        <p:spPr>
-          <a:xfrm>
-            <a:off x="305837" y="1293617"/>
-            <a:ext cx="2006137" cy="415498"/>
-          </a:xfrm>
-          <a:prstGeom prst="rect">
-            <a:avLst/>
-          </a:prstGeom>
-          <a:noFill/>
-        </p:spPr>
-        <p:txBody>
-          <a:bodyPr wrap="square" rtlCol="0">
-            <a:spAutoFit/>
-          </a:bodyPr>
-          <a:lstStyle/>
-          <a:p>
-            <a:r>
-              <a:rPr lang="zh-CN" altLang="en-US" dirty="0" smtClean="0">
-                <a:solidFill>
-                  <a:schemeClr val="bg1"/>
-                </a:solidFill>
-              </a:rPr>
-              <a:t>包之间的关系</a:t>
-            </a:r>
-            <a:endParaRPr lang="zh-CN" altLang="en-US" dirty="0">
-              <a:solidFill>
-                <a:schemeClr val="bg1"/>
-              </a:solidFill>
-            </a:endParaRPr>
-          </a:p>
-        </p:txBody>
-      </p:sp>
-      <p:pic>
-        <p:nvPicPr>
-          <p:cNvPr id="2050" name="Picture 2"/>
-          <p:cNvPicPr>
-            <a:picLocks noChangeAspect="1" noChangeArrowheads="1"/>
-          </p:cNvPicPr>
-          <p:nvPr/>
-        </p:nvPicPr>
-        <p:blipFill>
-          <a:blip r:embed="rId2">
-            <a:extLst>
-              <a:ext uri="{28A0092B-C50C-407E-A947-70E740481C1C}">
-                <a14:useLocalDpi xmlns:a14="http://schemas.microsoft.com/office/drawing/2010/main" val="0"/>
-              </a:ext>
-            </a:extLst>
-          </a:blip>
-          <a:srcRect/>
-          <a:stretch>
-            <a:fillRect/>
-          </a:stretch>
-        </p:blipFill>
-        <p:spPr bwMode="auto">
-          <a:xfrm>
-            <a:off x="7497166" y="1501366"/>
-            <a:ext cx="1039544" cy="2070203"/>
-          </a:xfrm>
-          <a:prstGeom prst="rect">
-            <a:avLst/>
-          </a:prstGeom>
-          <a:noFill/>
-          <a:ln>
-            <a:noFill/>
-          </a:ln>
-          <a:extLst>
-            <a:ext uri="{909E8E84-426E-40DD-AFC4-6F175D3DCCD1}">
-              <a14:hiddenFill xmlns:a14="http://schemas.microsoft.com/office/drawing/2010/main">
-                <a:solidFill>
-                  <a:schemeClr val="accent1"/>
-                </a:solidFill>
-              </a14:hiddenFill>
-            </a:ext>
-            <a:ext uri="{91240B29-F687-4F45-9708-019B960494DF}">
-              <a14:hiddenLine xmlns:a14="http://schemas.microsoft.com/office/drawing/2010/main" w="9525">
-                <a:solidFill>
-                  <a:schemeClr val="tx1"/>
-                </a:solidFill>
-                <a:miter lim="800000"/>
-                <a:headEnd/>
-                <a:tailEnd/>
-              </a14:hiddenLine>
-            </a:ext>
-          </a:extLst>
-        </p:spPr>
-      </p:pic>
-      <p:pic>
-        <p:nvPicPr>
-          <p:cNvPr id="2051" name="Picture 3"/>
-          <p:cNvPicPr>
-            <a:picLocks noChangeAspect="1" noChangeArrowheads="1"/>
-          </p:cNvPicPr>
-          <p:nvPr/>
-        </p:nvPicPr>
-        <p:blipFill>
-          <a:blip r:embed="rId3">
-            <a:extLst>
-              <a:ext uri="{28A0092B-C50C-407E-A947-70E740481C1C}">
-                <a14:useLocalDpi xmlns:a14="http://schemas.microsoft.com/office/drawing/2010/main" val="0"/>
-              </a:ext>
-            </a:extLst>
-          </a:blip>
-          <a:srcRect/>
-          <a:stretch>
-            <a:fillRect/>
-          </a:stretch>
-        </p:blipFill>
-        <p:spPr bwMode="auto">
-          <a:xfrm>
-            <a:off x="7483741" y="3945286"/>
-            <a:ext cx="3249935" cy="1835056"/>
-          </a:xfrm>
-          <a:prstGeom prst="rect">
-            <a:avLst/>
-          </a:prstGeom>
-          <a:noFill/>
-          <a:ln>
-            <a:noFill/>
-          </a:ln>
-          <a:extLst>
-            <a:ext uri="{909E8E84-426E-40DD-AFC4-6F175D3DCCD1}">
-              <a14:hiddenFill xmlns:a14="http://schemas.microsoft.com/office/drawing/2010/main">
-                <a:solidFill>
-                  <a:schemeClr val="accent1"/>
-                </a:solidFill>
-              </a14:hiddenFill>
-            </a:ext>
-            <a:ext uri="{91240B29-F687-4F45-9708-019B960494DF}">
-              <a14:hiddenLine xmlns:a14="http://schemas.microsoft.com/office/drawing/2010/main" w="9525">
-                <a:solidFill>
-                  <a:schemeClr val="tx1"/>
-                </a:solidFill>
-                <a:miter lim="800000"/>
-                <a:headEnd/>
-                <a:tailEnd/>
-              </a14:hiddenLine>
-            </a:ext>
-          </a:extLst>
-        </p:spPr>
-      </p:pic>
-      <p:sp>
-        <p:nvSpPr>
-          <p:cNvPr id="8" name="TextBox 7"/>
-          <p:cNvSpPr txBox="1"/>
-          <p:nvPr/>
-        </p:nvSpPr>
-        <p:spPr>
-          <a:xfrm>
-            <a:off x="7452937" y="5958100"/>
-            <a:ext cx="3384376" cy="369332"/>
-          </a:xfrm>
-          <a:prstGeom prst="rect">
-            <a:avLst/>
-          </a:prstGeom>
-          <a:noFill/>
-        </p:spPr>
-        <p:txBody>
-          <a:bodyPr wrap="square" rtlCol="0">
-            <a:spAutoFit/>
-          </a:bodyPr>
-          <a:lstStyle/>
-          <a:p>
-            <a:pPr algn="ctr"/>
-            <a:r>
-              <a:rPr lang="zh-CN" altLang="en-US" sz="1800" dirty="0"/>
-              <a:t>包</a:t>
-            </a:r>
-            <a:r>
-              <a:rPr lang="zh-CN" altLang="en-US" sz="1800" dirty="0" smtClean="0"/>
-              <a:t>的嵌套关系</a:t>
-            </a:r>
-            <a:endParaRPr lang="en-US" altLang="zh-CN" sz="1800" dirty="0" smtClean="0"/>
-          </a:p>
-        </p:txBody>
-      </p:sp>
-      <p:sp>
-        <p:nvSpPr>
-          <p:cNvPr id="14" name="TextBox 13"/>
-          <p:cNvSpPr txBox="1"/>
-          <p:nvPr/>
-        </p:nvSpPr>
-        <p:spPr>
-          <a:xfrm>
-            <a:off x="8687494" y="2277666"/>
-            <a:ext cx="2046182" cy="415498"/>
-          </a:xfrm>
-          <a:prstGeom prst="rect">
-            <a:avLst/>
-          </a:prstGeom>
-          <a:noFill/>
-        </p:spPr>
-        <p:txBody>
-          <a:bodyPr wrap="square" rtlCol="0">
-            <a:spAutoFit/>
-          </a:bodyPr>
-          <a:lstStyle/>
-          <a:p>
-            <a:r>
-              <a:rPr lang="zh-CN" altLang="en-US" dirty="0" smtClean="0"/>
-              <a:t>包的泛化</a:t>
-            </a:r>
-            <a:r>
-              <a:rPr lang="zh-CN" altLang="en-US" sz="1800" dirty="0" smtClean="0"/>
-              <a:t>关系</a:t>
-            </a:r>
-            <a:endParaRPr lang="zh-CN" altLang="en-US" dirty="0"/>
-          </a:p>
-        </p:txBody>
-      </p:sp>
     </p:spTree>
-    <p:extLst>
-      <p:ext uri="{BB962C8B-B14F-4D97-AF65-F5344CB8AC3E}">
-        <p14:creationId xmlns:p14="http://schemas.microsoft.com/office/powerpoint/2010/main" val="835336873"/>
-      </p:ext>
-    </p:extLst>
   </p:cSld>
   <p:clrMapOvr>
     <a:masterClrMapping/>
@@ -13004,7 +15678,7 @@
             <a:pPr algn="ctr"/>
             <a:r>
               <a:rPr lang="en-US" sz="2400" dirty="0"/>
-              <a:t>3</a:t>
+              <a:t>2</a:t>
             </a:r>
             <a:endParaRPr lang="en-US" sz="2400" dirty="0"/>
           </a:p>
@@ -13072,17 +15746,7 @@
                 <a:latin typeface="微软雅黑" panose="020B0503020204020204" pitchFamily="34" charset="-122"/>
                 <a:ea typeface="微软雅黑" panose="020B0503020204020204" pitchFamily="34" charset="-122"/>
               </a:rPr>
-              <a:t>包</a:t>
-            </a:r>
-            <a:r>
-              <a:rPr lang="zh-CN" altLang="en-US" sz="2665" dirty="0" smtClean="0">
-                <a:solidFill>
-                  <a:srgbClr val="183A5D"/>
-                </a:solidFill>
-                <a:latin typeface="微软雅黑" panose="020B0503020204020204" pitchFamily="34" charset="-122"/>
-                <a:ea typeface="微软雅黑" panose="020B0503020204020204" pitchFamily="34" charset="-122"/>
-              </a:rPr>
-              <a:t>图</a:t>
+              <a:t>对象图</a:t>
             </a:r>
             <a:endParaRPr lang="zh-CN" sz="2665" dirty="0">
               <a:solidFill>
@@ -13102,10 +15766,10 @@
         </p:nvGrpSpPr>
         <p:grpSpPr>
           <a:xfrm>
-            <a:off x="305836" y="1053530"/>
-            <a:ext cx="11405994" cy="5472608"/>
+            <a:off x="236855" y="1269365"/>
+            <a:ext cx="6061710" cy="6943369"/>
             <a:chOff x="237030" y="1269554"/>
-            <a:chExt cx="7776864" cy="4896544"/>
+            <a:chExt cx="7776864" cy="6495277"/>
           </a:xfrm>
         </p:grpSpPr>
         <p:sp>
@@ -13116,8 +15780,8 @@
           </p:nvSpPr>
           <p:spPr>
             <a:xfrm>
-              <a:off x="318097" y="1923611"/>
-              <a:ext cx="7614729" cy="357993"/>
+              <a:off x="546794" y="1733745"/>
+              <a:ext cx="6777864" cy="6031086"/>
             </a:xfrm>
             <a:prstGeom prst="rect">
               <a:avLst/>
@@ -13129,10 +15793,221 @@
             </a:bodyPr>
             <a:lstStyle/>
             <a:p>
-              <a:endParaRPr lang="zh-CN" altLang="en-US" sz="2000" dirty="0">
+              <a:r>
+                <a:rPr lang="en-US" altLang="zh-CN" sz="2800" dirty="0">
+                  <a:solidFill>
+                    <a:srgbClr val="000000"/>
+                  </a:solidFill>
+                  <a:latin typeface="Verdana" panose="020B0604030504040204" pitchFamily="34" charset="0"/>
+                  <a:sym typeface="+mn-ea"/>
+                </a:rPr>
+                <a:t>   对象图(Object Diagram)描述的是参与交互的各个对象在交互过程中</a:t>
+              </a:r>
+              <a:r>
+                <a:rPr lang="en-US" altLang="zh-CN" sz="2800" dirty="0">
+                  <a:solidFill>
+                    <a:srgbClr val="FF0000"/>
+                  </a:solidFill>
+                  <a:latin typeface="Verdana" panose="020B0604030504040204" pitchFamily="34" charset="0"/>
+                  <a:sym typeface="+mn-ea"/>
+                </a:rPr>
+                <a:t>某一时刻的状态</a:t>
+              </a:r>
+              <a:r>
+                <a:rPr lang="en-US" altLang="zh-CN" sz="2800" dirty="0">
+                  <a:solidFill>
+                    <a:srgbClr val="000000"/>
+                  </a:solidFill>
+                  <a:latin typeface="Verdana" panose="020B0604030504040204" pitchFamily="34" charset="0"/>
+                  <a:sym typeface="+mn-ea"/>
+                </a:rPr>
+                <a:t>。对象图可以被看作是类图在某一时刻的实例。</a:t>
+              </a:r>
+              <a:r>
+                <a:rPr lang="zh-CN" altLang="en-US" sz="2800" dirty="0">
+                  <a:solidFill>
+                    <a:srgbClr val="000000"/>
+                  </a:solidFill>
+                  <a:latin typeface="Verdana" panose="020B0604030504040204" pitchFamily="34" charset="0"/>
+                  <a:sym typeface="+mn-ea"/>
+                </a:rPr>
+                <a:t>对象图包括：</a:t>
+              </a:r>
+              <a:endParaRPr lang="zh-CN" altLang="en-US" sz="2800" dirty="0">
                 <a:solidFill>
                   <a:srgbClr val="000000"/>
                 </a:solidFill>
+                <a:latin typeface="Verdana" panose="020B0604030504040204" pitchFamily="34" charset="0"/>
+                <a:sym typeface="+mn-ea"/>
+              </a:endParaRPr>
+            </a:p>
+            <a:p>
+              <a:r>
+                <a:rPr lang="zh-CN" altLang="en-US" sz="2800" dirty="0">
+                  <a:solidFill>
+                    <a:srgbClr val="000000"/>
+                  </a:solidFill>
+                  <a:latin typeface="Verdana" panose="020B0604030504040204" pitchFamily="34" charset="0"/>
+                  <a:sym typeface="+mn-ea"/>
+                </a:rPr>
+                <a:t>（</a:t>
+              </a:r>
+              <a:r>
+                <a:rPr lang="en-US" altLang="zh-CN" sz="2800" dirty="0">
+                  <a:solidFill>
+                    <a:srgbClr val="000000"/>
+                  </a:solidFill>
+                  <a:latin typeface="Verdana" panose="020B0604030504040204" pitchFamily="34" charset="0"/>
+                  <a:sym typeface="+mn-ea"/>
+                </a:rPr>
+                <a:t>1</a:t>
+              </a:r>
+              <a:r>
+                <a:rPr lang="zh-CN" altLang="en-US" sz="2800" dirty="0">
+                  <a:solidFill>
+                    <a:srgbClr val="000000"/>
+                  </a:solidFill>
+                  <a:latin typeface="Verdana" panose="020B0604030504040204" pitchFamily="34" charset="0"/>
+                  <a:sym typeface="+mn-ea"/>
+                </a:rPr>
+                <a:t>）对象名：由于对象是一个类的实例，因此其名称的格式是</a:t>
+              </a:r>
+              <a:r>
+                <a:rPr lang="en-US" altLang="zh-CN" sz="2800" dirty="0">
+                  <a:solidFill>
+                    <a:srgbClr val="000000"/>
+                  </a:solidFill>
+                  <a:latin typeface="Verdana" panose="020B0604030504040204" pitchFamily="34" charset="0"/>
+                  <a:sym typeface="+mn-ea"/>
+                </a:rPr>
+                <a:t>“</a:t>
+              </a:r>
+              <a:r>
+                <a:rPr lang="zh-CN" altLang="en-US" sz="2800" dirty="0">
+                  <a:solidFill>
+                    <a:srgbClr val="000000"/>
+                  </a:solidFill>
+                  <a:latin typeface="Verdana" panose="020B0604030504040204" pitchFamily="34" charset="0"/>
+                  <a:sym typeface="+mn-ea"/>
+                </a:rPr>
+                <a:t>对象名：类名</a:t>
+              </a:r>
+              <a:r>
+                <a:rPr lang="en-US" altLang="zh-CN" sz="2800" dirty="0">
+                  <a:solidFill>
+                    <a:srgbClr val="000000"/>
+                  </a:solidFill>
+                  <a:latin typeface="Verdana" panose="020B0604030504040204" pitchFamily="34" charset="0"/>
+                  <a:sym typeface="+mn-ea"/>
+                </a:rPr>
+                <a:t>”</a:t>
+              </a:r>
+              <a:endParaRPr lang="zh-CN" altLang="en-US" sz="2800" dirty="0">
+                <a:solidFill>
+                  <a:srgbClr val="000000"/>
+                </a:solidFill>
+                <a:latin typeface="Verdana" panose="020B0604030504040204" pitchFamily="34" charset="0"/>
+                <a:sym typeface="+mn-ea"/>
+              </a:endParaRPr>
+            </a:p>
+            <a:p>
+              <a:r>
+                <a:rPr lang="zh-CN" altLang="en-US" sz="2800" dirty="0">
+                  <a:solidFill>
+                    <a:srgbClr val="000000"/>
+                  </a:solidFill>
+                  <a:latin typeface="Verdana" panose="020B0604030504040204" pitchFamily="34" charset="0"/>
+                  <a:sym typeface="+mn-ea"/>
+                </a:rPr>
+                <a:t>（</a:t>
+              </a:r>
+              <a:r>
+                <a:rPr lang="en-US" altLang="zh-CN" sz="2800" dirty="0">
+                  <a:solidFill>
+                    <a:srgbClr val="000000"/>
+                  </a:solidFill>
+                  <a:latin typeface="Verdana" panose="020B0604030504040204" pitchFamily="34" charset="0"/>
+                  <a:sym typeface="+mn-ea"/>
+                </a:rPr>
+                <a:t>2</a:t>
+              </a:r>
+              <a:r>
+                <a:rPr lang="zh-CN" altLang="en-US" sz="2800" dirty="0">
+                  <a:solidFill>
+                    <a:srgbClr val="000000"/>
+                  </a:solidFill>
+                  <a:latin typeface="Verdana" panose="020B0604030504040204" pitchFamily="34" charset="0"/>
+                  <a:sym typeface="+mn-ea"/>
+                </a:rPr>
+                <a:t>）属性：对象是一个具体的事物，所以</a:t>
+              </a:r>
+              <a:r>
+                <a:rPr lang="zh-CN" altLang="en-US" sz="2800" dirty="0">
+                  <a:solidFill>
+                    <a:srgbClr val="FF0000"/>
+                  </a:solidFill>
+                  <a:latin typeface="Verdana" panose="020B0604030504040204" pitchFamily="34" charset="0"/>
+                  <a:sym typeface="+mn-ea"/>
+                </a:rPr>
+                <a:t>属性值确定</a:t>
+              </a:r>
+              <a:r>
+                <a:rPr lang="zh-CN" altLang="en-US" sz="2800" dirty="0">
+                  <a:solidFill>
+                    <a:srgbClr val="000000"/>
+                  </a:solidFill>
+                  <a:latin typeface="Verdana" panose="020B0604030504040204" pitchFamily="34" charset="0"/>
+                  <a:sym typeface="+mn-ea"/>
+                </a:rPr>
+                <a:t>，会列出其值</a:t>
+              </a:r>
+              <a:endParaRPr lang="en-US" altLang="zh-CN" sz="2800" dirty="0">
+                <a:solidFill>
+                  <a:srgbClr val="000000"/>
+                </a:solidFill>
+                <a:latin typeface="Verdana" panose="020B0604030504040204" pitchFamily="34" charset="0"/>
+                <a:sym typeface="+mn-ea"/>
+              </a:endParaRPr>
+            </a:p>
+            <a:p>
+              <a:endParaRPr lang="zh-CN" sz="2800" dirty="0">
+                <a:solidFill>
+                  <a:srgbClr val="000000"/>
+                </a:solidFill>
+                <a:latin typeface="Verdana" panose="020B0604030504040204" pitchFamily="34" charset="0"/>
+              </a:endParaRPr>
+            </a:p>
+            <a:p>
+              <a:endParaRPr lang="zh-CN" sz="2800" dirty="0">
+                <a:solidFill>
+                  <a:srgbClr val="000000"/>
+                </a:solidFill>
+                <a:latin typeface="Verdana" panose="020B0604030504040204" pitchFamily="34" charset="0"/>
+              </a:endParaRPr>
+            </a:p>
+            <a:p>
+              <a:r>
+                <a:rPr lang="zh-CN" sz="2800" dirty="0">
+                  <a:solidFill>
+                    <a:srgbClr val="000000"/>
+                  </a:solidFill>
+                  <a:latin typeface="Verdana" panose="020B0604030504040204" pitchFamily="34" charset="0"/>
+                </a:rPr>
+                <a:t>     </a:t>
+              </a:r>
+              <a:endParaRPr lang="zh-CN" dirty="0">
+                <a:solidFill>
+                  <a:srgbClr val="000000"/>
+                </a:solidFill>
+                <a:latin typeface="Verdana" panose="020B0604030504040204" pitchFamily="34" charset="0"/>
+              </a:endParaRPr>
+            </a:p>
+            <a:p>
+              <a:endParaRPr lang="zh-CN" altLang="en-US" b="0" i="0" dirty="0">
+                <a:solidFill>
+                  <a:srgbClr val="000000"/>
+                </a:solidFill>
+                <a:effectLst/>
                 <a:latin typeface="Verdana" panose="020B0604030504040204" pitchFamily="34" charset="0"/>
               </a:endParaRPr>
             </a:p>
@@ -13246,216 +16121,31 @@
           </p:sp>
         </p:grpSp>
       </p:grpSp>
-      <p:sp>
-        <p:nvSpPr>
-          <p:cNvPr id="9" name="文本框 8"/>
-          <p:cNvSpPr txBox="1"/>
+      <p:pic>
+        <p:nvPicPr>
+          <p:cNvPr id="16" name="图片 15"/>
+          <p:cNvPicPr>
+            <a:picLocks noChangeAspect="1"/>
+          </p:cNvPicPr>
           <p:nvPr/>
-        </p:nvSpPr>
+        </p:nvPicPr>
+        <p:blipFill>
+          <a:blip r:embed="rId1"/>
+          <a:stretch>
+            <a:fillRect/>
+          </a:stretch>
+        </p:blipFill>
         <p:spPr>
           <a:xfrm>
-            <a:off x="838622" y="1105079"/>
-            <a:ext cx="2121424" cy="415498"/>
-          </a:xfrm>
-          <a:prstGeom prst="rect">
-            <a:avLst/>
-          </a:prstGeom>
-          <a:noFill/>
-        </p:spPr>
-        <p:txBody>
-          <a:bodyPr wrap="square" rtlCol="0">
-            <a:spAutoFit/>
-          </a:bodyPr>
-          <a:lstStyle/>
-          <a:p>
-            <a:r>
-              <a:rPr lang="zh-CN" altLang="en-US" dirty="0" smtClean="0">
-                <a:solidFill>
-                  <a:schemeClr val="bg1"/>
-                </a:solidFill>
-              </a:rPr>
-              <a:t>包图的建模技术</a:t>
-            </a:r>
-            <a:endParaRPr lang="zh-CN" altLang="en-US" dirty="0">
-              <a:solidFill>
-                <a:schemeClr val="bg1"/>
-              </a:solidFill>
-            </a:endParaRPr>
-          </a:p>
-        </p:txBody>
-      </p:sp>
-      <p:sp>
-        <p:nvSpPr>
-          <p:cNvPr id="8" name="矩形 7"/>
-          <p:cNvSpPr/>
-          <p:nvPr/>
-        </p:nvSpPr>
-        <p:spPr>
-          <a:xfrm>
-            <a:off x="1041238" y="1784536"/>
-            <a:ext cx="10022520" cy="4524315"/>
+            <a:off x="7040245" y="2192655"/>
+            <a:ext cx="4116070" cy="2966720"/>
           </a:xfrm>
           <a:prstGeom prst="rect">
             <a:avLst/>
           </a:prstGeom>
         </p:spPr>
-        <p:txBody>
-          <a:bodyPr wrap="square">
-            <a:spAutoFit/>
-          </a:bodyPr>
-          <a:lstStyle/>
-          <a:p>
-            <a:r>
-              <a:rPr lang="en-US" altLang="zh-CN" sz="3200" dirty="0" smtClean="0"/>
-              <a:t>(</a:t>
-            </a:r>
-            <a:r>
-              <a:rPr lang="en-US" altLang="zh-CN" sz="3200" dirty="0"/>
-              <a:t>1)</a:t>
-            </a:r>
-            <a:r>
-              <a:rPr lang="zh-CN" altLang="en-US" sz="3200" dirty="0"/>
-              <a:t>两种组包方式</a:t>
-            </a:r>
-            <a:r>
-              <a:rPr lang="en-US" altLang="zh-CN" sz="3200" dirty="0"/>
-              <a:t>:</a:t>
-            </a:r>
-          </a:p>
-          <a:p>
-            <a:r>
-              <a:rPr lang="en-US" altLang="zh-CN" sz="3200" dirty="0"/>
-              <a:t>①</a:t>
-            </a:r>
-            <a:r>
-              <a:rPr lang="zh-CN" altLang="en-US" sz="3200" dirty="0"/>
-              <a:t>根据系统分层架构组包</a:t>
-            </a:r>
-            <a:r>
-              <a:rPr lang="en-US" altLang="zh-CN" sz="3200" dirty="0"/>
-              <a:t>(</a:t>
-            </a:r>
-            <a:r>
-              <a:rPr lang="zh-CN" altLang="en-US" sz="3200" dirty="0">
-                <a:solidFill>
-                  <a:srgbClr val="FF0000"/>
-                </a:solidFill>
-              </a:rPr>
-              <a:t>推荐使用</a:t>
-            </a:r>
-            <a:r>
-              <a:rPr lang="en-US" altLang="zh-CN" sz="3200" dirty="0" smtClean="0"/>
-              <a:t>);</a:t>
-            </a:r>
-          </a:p>
-          <a:p>
-            <a:r>
-              <a:rPr lang="en-US" altLang="zh-CN" sz="3200" dirty="0" smtClean="0"/>
-              <a:t>②</a:t>
-            </a:r>
-            <a:r>
-              <a:rPr lang="zh-CN" altLang="en-US" sz="3200" dirty="0"/>
-              <a:t>根据系统业务功能模块组包。</a:t>
-            </a:r>
-          </a:p>
-          <a:p>
-            <a:r>
-              <a:rPr lang="en-US" altLang="zh-CN" sz="3200" dirty="0"/>
-              <a:t>(2)</a:t>
-            </a:r>
-            <a:r>
-              <a:rPr lang="zh-CN" altLang="en-US" sz="3200" dirty="0"/>
-              <a:t>参照类之间的关系确定包之间的关系</a:t>
-            </a:r>
-            <a:r>
-              <a:rPr lang="zh-CN" altLang="en-US" sz="3200" dirty="0" smtClean="0"/>
-              <a:t>。</a:t>
-            </a:r>
-            <a:endParaRPr lang="en-US" altLang="zh-CN" sz="3200" dirty="0" smtClean="0"/>
-          </a:p>
-          <a:p>
-            <a:r>
-              <a:rPr lang="en-US" altLang="zh-CN" sz="3200" dirty="0" smtClean="0"/>
-              <a:t>(</a:t>
-            </a:r>
-            <a:r>
-              <a:rPr lang="en-US" altLang="zh-CN" sz="3200" dirty="0"/>
-              <a:t>3)</a:t>
-            </a:r>
-            <a:r>
-              <a:rPr lang="zh-CN" altLang="en-US" sz="3200" dirty="0"/>
-              <a:t>减少包的嵌套层次，一般不超过三层</a:t>
-            </a:r>
-            <a:r>
-              <a:rPr lang="zh-CN" altLang="en-US" sz="3200" dirty="0" smtClean="0"/>
-              <a:t>。</a:t>
-            </a:r>
-            <a:endParaRPr lang="en-US" altLang="zh-CN" sz="3200" dirty="0" smtClean="0"/>
-          </a:p>
-          <a:p>
-            <a:r>
-              <a:rPr lang="en-US" altLang="zh-CN" sz="3200" dirty="0" smtClean="0"/>
-              <a:t>(4</a:t>
-            </a:r>
-            <a:r>
-              <a:rPr lang="en-US" altLang="zh-CN" sz="3200" dirty="0"/>
-              <a:t>)</a:t>
-            </a:r>
-            <a:r>
-              <a:rPr lang="zh-CN" altLang="en-US" sz="3200" dirty="0"/>
-              <a:t>每个包的子包控制在</a:t>
-            </a:r>
-            <a:r>
-              <a:rPr lang="en-US" altLang="zh-CN" sz="3200" dirty="0" smtClean="0"/>
-              <a:t>7±2</a:t>
-            </a:r>
-            <a:r>
-              <a:rPr lang="zh-CN" altLang="en-US" sz="3200" dirty="0"/>
-              <a:t>个。</a:t>
-            </a:r>
-          </a:p>
-          <a:p>
-            <a:r>
-              <a:rPr lang="en-US" altLang="zh-CN" sz="3200" dirty="0"/>
-              <a:t>(5)</a:t>
-            </a:r>
-            <a:r>
-              <a:rPr lang="zh-CN" altLang="en-US" sz="3200" dirty="0"/>
-              <a:t>如果几个包有若干相同组成部分，可优先考虑将它们合并</a:t>
-            </a:r>
-            <a:r>
-              <a:rPr lang="zh-CN" altLang="en-US" sz="3200" dirty="0" smtClean="0"/>
-              <a:t>。</a:t>
-            </a:r>
-            <a:endParaRPr lang="en-US" altLang="zh-CN" sz="3200" dirty="0" smtClean="0"/>
-          </a:p>
-          <a:p>
-            <a:r>
-              <a:rPr lang="en-US" altLang="zh-CN" sz="3200" dirty="0" smtClean="0"/>
-              <a:t>(</a:t>
-            </a:r>
-            <a:r>
-              <a:rPr lang="en-US" altLang="zh-CN" sz="3200" dirty="0"/>
-              <a:t>6)</a:t>
-            </a:r>
-            <a:r>
-              <a:rPr lang="zh-CN" altLang="en-US" sz="3200" dirty="0"/>
-              <a:t>可通过包图来体现系统的分层架构</a:t>
-            </a:r>
-            <a:r>
-              <a:rPr lang="zh-CN" altLang="en-US" sz="3200" dirty="0" smtClean="0"/>
-              <a:t>。</a:t>
-            </a:r>
-            <a:endParaRPr lang="zh-CN" altLang="en-US" sz="3200" dirty="0"/>
-          </a:p>
-        </p:txBody>
-      </p:sp>
+      </p:pic>
     </p:spTree>
-    <p:extLst>
-      <p:ext uri="{BB962C8B-B14F-4D97-AF65-F5344CB8AC3E}">
-        <p14:creationId xmlns:p14="http://schemas.microsoft.com/office/powerpoint/2010/main" val="3405985992"/>
-      </p:ext>
-    </p:extLst>
   </p:cSld>
   <p:clrMapOvr>
     <a:masterClrMapping/>
@@ -13751,11 +16441,9 @@
       </a:bgFillStyleLst>
     </a:fmtScheme>
   </a:themeElements>
-  <a:objectDefaults/>
-  <a:extraClrSchemeLst/>
   <a:extLst>
     <a:ext uri="{05A4C25C-085E-4340-85A3-A5531E510DB2}">
-      <thm15:themeFamily xmlns:thm15="http://schemas.microsoft.com/office/thememl/2012/main" xmlns="" name="Office Theme" id="{62F939B6-93AF-4DB8-9C6B-D6C7DFDC589F}" vid="{4A3C46E8-61CC-4603-A589-7422A47A8E4A}"/>
+      <thm15:themeFamily xmlns:thm15="http://schemas.microsoft.com/office/thememl/2012/main" name="Office Theme" id="{62F939B6-93AF-4DB8-9C6B-D6C7DFDC589F}" vid="{4A3C46E8-61CC-4603-A589-7422A47A8E4A}"/>
     </a:ext>
   </a:extLst>
 </a:theme>
@@ -14041,11 +16729,9 @@
       </a:bgFillStyleLst>
     </a:fmtScheme>
   </a:themeElements>
-  <a:objectDefaults/>
-  <a:extraClrSchemeLst/>
   <a:extLst>
     <a:ext uri="{05A4C25C-085E-4340-85A3-A5531E510DB2}">
-      <thm15:themeFamily xmlns:thm15="http://schemas.microsoft.com/office/thememl/2012/main" xmlns="" name="Office Theme" id="{62F939B6-93AF-4DB8-9C6B-D6C7DFDC589F}" vid="{4A3C46E8-61CC-4603-A589-7422A47A8E4A}"/>
+      <thm15:themeFamily xmlns:thm15="http://schemas.microsoft.com/office/thememl/2012/main" name="Office Theme" id="{62F939B6-93AF-4DB8-9C6B-D6C7DFDC589F}" vid="{4A3C46E8-61CC-4603-A589-7422A47A8E4A}"/>
     </a:ext>
   </a:extLst>
 </a:theme>
@@ -14331,11 +17017,9 @@
       </a:bgFillStyleLst>
     </a:fmtScheme>
   </a:themeElements>
-  <a:objectDefaults/>
-  <a:extraClrSchemeLst/>
   <a:extLst>
     <a:ext uri="{05A4C25C-085E-4340-85A3-A5531E510DB2}">
-      <thm15:themeFamily xmlns:thm15="http://schemas.microsoft.com/office/thememl/2012/main" xmlns="" name="Office Theme" id="{62F939B6-93AF-4DB8-9C6B-D6C7DFDC589F}" vid="{4A3C46E8-61CC-4603-A589-7422A47A8E4A}"/>
+      <thm15:themeFamily xmlns:thm15="http://schemas.microsoft.com/office/thememl/2012/main" name="Office Theme" id="{62F939B6-93AF-4DB8-9C6B-D6C7DFDC589F}" vid="{4A3C46E8-61CC-4603-A589-7422A47A8E4A}"/>
     </a:ext>
   </a:extLst>
 </a:theme>

--- a/非受控文档/06-公用/PRD2018-G11-UML基础3.pptx
+++ b/非受控文档/06-公用/PRD2018-G11-UML基础3.pptx
@@ -131,7 +131,7 @@
   </p:defaultTextStyle>
   <p:extLst>
     <p:ext uri="{EFAFB233-063F-42B5-8137-9DF3F51BA10A}">
-      <p15:sldGuideLst xmlns:p15="http://schemas.microsoft.com/office/powerpoint/2012/main">
+      <p15:sldGuideLst xmlns:p15="http://schemas.microsoft.com/office/powerpoint/2012/main" xmlns="">
         <p15:guide id="1" orient="horz" pos="2228">
           <p15:clr>
             <a:srgbClr val="A4A3A4"/>
@@ -160,7 +160,7 @@
       </p15:sldGuideLst>
     </p:ext>
     <p:ext uri="{2D200454-40CA-4A62-9FC3-DE9A4176ACB9}">
-      <p15:notesGuideLst xmlns:p15="http://schemas.microsoft.com/office/powerpoint/2012/main">
+      <p15:notesGuideLst xmlns:p15="http://schemas.microsoft.com/office/powerpoint/2012/main" xmlns="">
         <p15:guide id="1" orient="horz" pos="2969">
           <p15:clr>
             <a:srgbClr val="A4A3A4"/>
@@ -259,7 +259,7 @@
           <a:p>
             <a:fld id="{5D1C15E6-6BD2-4E4B-B1D4-218C26E1B228}" type="datetimeFigureOut">
               <a:rPr lang="zh-CN" altLang="en-US" smtClean="0"/>
-              <a:t>2018/12/9</a:t>
+              <a:t>2018/12/12</a:t>
             </a:fld>
             <a:endParaRPr lang="zh-CN" altLang="en-US"/>
           </a:p>
@@ -332,6 +332,11 @@
         </p:txBody>
       </p:sp>
     </p:spTree>
+    <p:extLst>
+      <p:ext uri="{BB962C8B-B14F-4D97-AF65-F5344CB8AC3E}">
+        <p14:creationId xmlns:p14="http://schemas.microsoft.com/office/powerpoint/2010/main" val="2067072367"/>
+      </p:ext>
+    </p:extLst>
   </p:cSld>
   <p:clrMap bg1="lt1" tx1="dk1" bg2="lt2" tx2="dk2" accent1="accent1" accent2="accent2" accent3="accent3" accent4="accent4" accent5="accent5" accent6="accent6" hlink="hlink" folHlink="folHlink"/>
 </p:handoutMaster>
@@ -419,7 +424,7 @@
           <a:p>
             <a:fld id="{0B17430C-5A66-4BD0-A971-34190B6C6019}" type="datetimeFigureOut">
               <a:rPr lang="zh-CN" altLang="en-US" smtClean="0"/>
-              <a:t>2018/12/9</a:t>
+              <a:t>2018/12/12</a:t>
             </a:fld>
             <a:endParaRPr lang="zh-CN" altLang="en-US"/>
           </a:p>
@@ -585,6 +590,11 @@
         </p:txBody>
       </p:sp>
     </p:spTree>
+    <p:extLst>
+      <p:ext uri="{BB962C8B-B14F-4D97-AF65-F5344CB8AC3E}">
+        <p14:creationId xmlns:p14="http://schemas.microsoft.com/office/powerpoint/2010/main" val="3158603574"/>
+      </p:ext>
+    </p:extLst>
   </p:cSld>
   <p:clrMap bg1="lt1" tx1="dk1" bg2="lt2" tx2="dk2" accent1="accent1" accent2="accent2" accent3="accent3" accent4="accent4" accent5="accent5" accent6="accent6" hlink="hlink" folHlink="folHlink"/>
   <p:notesStyle>
@@ -2317,7 +2327,7 @@
           <a:p>
             <a:fld id="{530820CF-B880-4189-942D-D702A7CBA730}" type="datetimeFigureOut">
               <a:rPr lang="zh-CN" altLang="en-US" smtClean="0"/>
-              <a:t>2018/12/9</a:t>
+              <a:t>2018/12/12</a:t>
             </a:fld>
             <a:endParaRPr lang="zh-CN" altLang="en-US"/>
           </a:p>
@@ -2434,7 +2444,7 @@
           <a:p>
             <a:fld id="{530820CF-B880-4189-942D-D702A7CBA730}" type="datetimeFigureOut">
               <a:rPr lang="zh-CN" altLang="en-US" smtClean="0"/>
-              <a:t>2018/12/9</a:t>
+              <a:t>2018/12/12</a:t>
             </a:fld>
             <a:endParaRPr lang="zh-CN" altLang="en-US"/>
           </a:p>
@@ -6546,14 +6556,14 @@
                 <a:gridCol w="3980815">
                   <a:extLst>
                     <a:ext uri="{9D8B030D-6E8A-4147-A177-3AD203B41FA5}">
-                      <a16:colId xmlns:a16="http://schemas.microsoft.com/office/drawing/2014/main" val="20000"/>
+                      <a16:colId xmlns:a16="http://schemas.microsoft.com/office/drawing/2014/main" xmlns="" val="20000"/>
                     </a:ext>
                   </a:extLst>
                 </a:gridCol>
                 <a:gridCol w="3980815">
                   <a:extLst>
                     <a:ext uri="{9D8B030D-6E8A-4147-A177-3AD203B41FA5}">
-                      <a16:colId xmlns:a16="http://schemas.microsoft.com/office/drawing/2014/main" val="20001"/>
+                      <a16:colId xmlns:a16="http://schemas.microsoft.com/office/drawing/2014/main" xmlns="" val="20001"/>
                     </a:ext>
                   </a:extLst>
                 </a:gridCol>
@@ -6593,7 +6603,7 @@
                 </a:tc>
                 <a:extLst>
                   <a:ext uri="{0D108BD9-81ED-4DB2-BD59-A6C34878D82A}">
-                    <a16:rowId xmlns:a16="http://schemas.microsoft.com/office/drawing/2014/main" val="10000"/>
+                    <a16:rowId xmlns:a16="http://schemas.microsoft.com/office/drawing/2014/main" xmlns="" val="10000"/>
                   </a:ext>
                 </a:extLst>
               </a:tr>
@@ -6632,7 +6642,7 @@
                 </a:tc>
                 <a:extLst>
                   <a:ext uri="{0D108BD9-81ED-4DB2-BD59-A6C34878D82A}">
-                    <a16:rowId xmlns:a16="http://schemas.microsoft.com/office/drawing/2014/main" val="10001"/>
+                    <a16:rowId xmlns:a16="http://schemas.microsoft.com/office/drawing/2014/main" xmlns="" val="10001"/>
                   </a:ext>
                 </a:extLst>
               </a:tr>
@@ -6671,7 +6681,7 @@
                 </a:tc>
                 <a:extLst>
                   <a:ext uri="{0D108BD9-81ED-4DB2-BD59-A6C34878D82A}">
-                    <a16:rowId xmlns:a16="http://schemas.microsoft.com/office/drawing/2014/main" val="10002"/>
+                    <a16:rowId xmlns:a16="http://schemas.microsoft.com/office/drawing/2014/main" xmlns="" val="10002"/>
                   </a:ext>
                 </a:extLst>
               </a:tr>
@@ -6710,7 +6720,7 @@
                 </a:tc>
                 <a:extLst>
                   <a:ext uri="{0D108BD9-81ED-4DB2-BD59-A6C34878D82A}">
-                    <a16:rowId xmlns:a16="http://schemas.microsoft.com/office/drawing/2014/main" val="10003"/>
+                    <a16:rowId xmlns:a16="http://schemas.microsoft.com/office/drawing/2014/main" xmlns="" val="10003"/>
                   </a:ext>
                 </a:extLst>
               </a:tr>
@@ -6749,7 +6759,7 @@
                 </a:tc>
                 <a:extLst>
                   <a:ext uri="{0D108BD9-81ED-4DB2-BD59-A6C34878D82A}">
-                    <a16:rowId xmlns:a16="http://schemas.microsoft.com/office/drawing/2014/main" val="10004"/>
+                    <a16:rowId xmlns:a16="http://schemas.microsoft.com/office/drawing/2014/main" xmlns="" val="10004"/>
                   </a:ext>
                 </a:extLst>
               </a:tr>
@@ -6788,7 +6798,7 @@
                 </a:tc>
                 <a:extLst>
                   <a:ext uri="{0D108BD9-81ED-4DB2-BD59-A6C34878D82A}">
-                    <a16:rowId xmlns:a16="http://schemas.microsoft.com/office/drawing/2014/main" val="10005"/>
+                    <a16:rowId xmlns:a16="http://schemas.microsoft.com/office/drawing/2014/main" xmlns="" val="10005"/>
                   </a:ext>
                 </a:extLst>
               </a:tr>
@@ -10366,21 +10376,21 @@
                 <a:gridCol w="1895475">
                   <a:extLst>
                     <a:ext uri="{9D8B030D-6E8A-4147-A177-3AD203B41FA5}">
-                      <a16:colId xmlns:a16="http://schemas.microsoft.com/office/drawing/2014/main" val="20000"/>
+                      <a16:colId xmlns:a16="http://schemas.microsoft.com/office/drawing/2014/main" xmlns="" val="20000"/>
                     </a:ext>
                   </a:extLst>
                 </a:gridCol>
                 <a:gridCol w="2937510">
                   <a:extLst>
                     <a:ext uri="{9D8B030D-6E8A-4147-A177-3AD203B41FA5}">
-                      <a16:colId xmlns:a16="http://schemas.microsoft.com/office/drawing/2014/main" val="20001"/>
+                      <a16:colId xmlns:a16="http://schemas.microsoft.com/office/drawing/2014/main" xmlns="" val="20001"/>
                     </a:ext>
                   </a:extLst>
                 </a:gridCol>
                 <a:gridCol w="2938145">
                   <a:extLst>
                     <a:ext uri="{9D8B030D-6E8A-4147-A177-3AD203B41FA5}">
-                      <a16:colId xmlns:a16="http://schemas.microsoft.com/office/drawing/2014/main" val="20002"/>
+                      <a16:colId xmlns:a16="http://schemas.microsoft.com/office/drawing/2014/main" xmlns="" val="20002"/>
                     </a:ext>
                   </a:extLst>
                 </a:gridCol>
@@ -10491,7 +10501,7 @@
                 </a:tc>
                 <a:extLst>
                   <a:ext uri="{0D108BD9-81ED-4DB2-BD59-A6C34878D82A}">
-                    <a16:rowId xmlns:a16="http://schemas.microsoft.com/office/drawing/2014/main" val="10000"/>
+                    <a16:rowId xmlns:a16="http://schemas.microsoft.com/office/drawing/2014/main" xmlns="" val="10000"/>
                   </a:ext>
                 </a:extLst>
               </a:tr>
@@ -10574,7 +10584,7 @@
                 </a:tc>
                 <a:extLst>
                   <a:ext uri="{0D108BD9-81ED-4DB2-BD59-A6C34878D82A}">
-                    <a16:rowId xmlns:a16="http://schemas.microsoft.com/office/drawing/2014/main" val="10001"/>
+                    <a16:rowId xmlns:a16="http://schemas.microsoft.com/office/drawing/2014/main" xmlns="" val="10001"/>
                   </a:ext>
                 </a:extLst>
               </a:tr>
@@ -10678,7 +10688,7 @@
                 </a:tc>
                 <a:extLst>
                   <a:ext uri="{0D108BD9-81ED-4DB2-BD59-A6C34878D82A}">
-                    <a16:rowId xmlns:a16="http://schemas.microsoft.com/office/drawing/2014/main" val="10002"/>
+                    <a16:rowId xmlns:a16="http://schemas.microsoft.com/office/drawing/2014/main" xmlns="" val="10002"/>
                   </a:ext>
                 </a:extLst>
               </a:tr>
@@ -10799,7 +10809,7 @@
                 </a:tc>
                 <a:extLst>
                   <a:ext uri="{0D108BD9-81ED-4DB2-BD59-A6C34878D82A}">
-                    <a16:rowId xmlns:a16="http://schemas.microsoft.com/office/drawing/2014/main" val="10003"/>
+                    <a16:rowId xmlns:a16="http://schemas.microsoft.com/office/drawing/2014/main" xmlns="" val="10003"/>
                   </a:ext>
                 </a:extLst>
               </a:tr>
@@ -10906,7 +10916,7 @@
                 </a:tc>
                 <a:extLst>
                   <a:ext uri="{0D108BD9-81ED-4DB2-BD59-A6C34878D82A}">
-                    <a16:rowId xmlns:a16="http://schemas.microsoft.com/office/drawing/2014/main" val="10004"/>
+                    <a16:rowId xmlns:a16="http://schemas.microsoft.com/office/drawing/2014/main" xmlns="" val="10004"/>
                   </a:ext>
                 </a:extLst>
               </a:tr>
@@ -13172,8 +13182,8 @@
         </p:nvSpPr>
         <p:spPr>
           <a:xfrm>
-            <a:off x="3663094" y="4778722"/>
-            <a:ext cx="2552267" cy="384705"/>
+            <a:off x="3784922" y="4778722"/>
+            <a:ext cx="2308610" cy="384705"/>
           </a:xfrm>
           <a:prstGeom prst="rect">
             <a:avLst/>
@@ -13188,7 +13198,7 @@
           <a:p>
             <a:pPr algn="ctr"/>
             <a:r>
-              <a:rPr lang="en-US" altLang="zh-CN" sz="1900" dirty="0">
+              <a:rPr lang="en-US" altLang="zh-CN" sz="1900" dirty="0" smtClean="0">
                 <a:solidFill>
                   <a:schemeClr val="tx1">
                     <a:lumMod val="85000"/>
@@ -13212,19 +13222,6 @@
                 <a:ea typeface="微软雅黑" panose="020B0503020204020204" pitchFamily="34" charset="-122"/>
               </a:rPr>
               <a:t>2018</a:t>
-            </a:r>
-            <a:r>
-              <a:rPr lang="zh-CN" altLang="en-US" sz="1900" dirty="0">
-                <a:solidFill>
-                  <a:schemeClr val="tx1">
-                    <a:lumMod val="85000"/>
-                    <a:lumOff val="15000"/>
-                  </a:schemeClr>
-                </a:solidFill>
-                <a:latin typeface="微软雅黑" panose="020B0503020204020204" pitchFamily="34" charset="-122"/>
-                <a:ea typeface="微软雅黑" panose="020B0503020204020204" pitchFamily="34" charset="-122"/>
-              </a:rPr>
-              <a:t>秋</a:t>
             </a:r>
             <a:r>
               <a:rPr lang="en-US" altLang="zh-CN" sz="1900" dirty="0" smtClean="0">
@@ -13336,8 +13333,8 @@
         </p:nvSpPr>
         <p:spPr>
           <a:xfrm>
-            <a:off x="6287332" y="4778722"/>
-            <a:ext cx="2038350" cy="382270"/>
+            <a:off x="6349371" y="4778722"/>
+            <a:ext cx="1914272" cy="384705"/>
           </a:xfrm>
           <a:prstGeom prst="rect">
             <a:avLst/>
@@ -13378,7 +13375,7 @@
               <a:t>年</a:t>
             </a:r>
             <a:r>
-              <a:rPr lang="en-US" altLang="zh-CN" sz="1900" dirty="0">
+              <a:rPr lang="en-US" altLang="zh-CN" sz="1900" dirty="0" smtClean="0">
                 <a:solidFill>
                   <a:schemeClr val="tx1">
                     <a:lumMod val="85000"/>
@@ -13388,7 +13385,7 @@
                 <a:latin typeface="微软雅黑" panose="020B0503020204020204" pitchFamily="34" charset="-122"/>
                 <a:ea typeface="微软雅黑" panose="020B0503020204020204" pitchFamily="34" charset="-122"/>
               </a:rPr>
-              <a:t>11</a:t>
+              <a:t>12</a:t>
             </a:r>
             <a:r>
               <a:rPr lang="zh-CN" altLang="en-US" sz="1900" dirty="0" smtClean="0">
@@ -13404,7 +13401,7 @@
               <a:t>月</a:t>
             </a:r>
             <a:r>
-              <a:rPr lang="en-US" altLang="zh-CN" sz="1900" dirty="0" smtClean="0">
+              <a:rPr lang="en-US" altLang="zh-CN" sz="1900" dirty="0">
                 <a:solidFill>
                   <a:schemeClr val="tx1">
                     <a:lumMod val="85000"/>
@@ -13414,7 +13411,7 @@
                 <a:latin typeface="微软雅黑" panose="020B0503020204020204" pitchFamily="34" charset="-122"/>
                 <a:ea typeface="微软雅黑" panose="020B0503020204020204" pitchFamily="34" charset="-122"/>
               </a:rPr>
-              <a:t>11</a:t>
+              <a:t>9</a:t>
             </a:r>
             <a:r>
               <a:rPr lang="zh-CN" altLang="en-US" sz="1900" dirty="0" smtClean="0">
@@ -20473,7 +20470,7 @@
   <a:extraClrSchemeLst/>
   <a:extLst>
     <a:ext uri="{05A4C25C-085E-4340-85A3-A5531E510DB2}">
-      <thm15:themeFamily xmlns:thm15="http://schemas.microsoft.com/office/thememl/2012/main" name="Office Theme" id="{62F939B6-93AF-4DB8-9C6B-D6C7DFDC589F}" vid="{4A3C46E8-61CC-4603-A589-7422A47A8E4A}"/>
+      <thm15:themeFamily xmlns:thm15="http://schemas.microsoft.com/office/thememl/2012/main" xmlns="" name="Office Theme" id="{62F939B6-93AF-4DB8-9C6B-D6C7DFDC589F}" vid="{4A3C46E8-61CC-4603-A589-7422A47A8E4A}"/>
     </a:ext>
   </a:extLst>
 </a:theme>
@@ -20763,7 +20760,7 @@
   <a:extraClrSchemeLst/>
   <a:extLst>
     <a:ext uri="{05A4C25C-085E-4340-85A3-A5531E510DB2}">
-      <thm15:themeFamily xmlns:thm15="http://schemas.microsoft.com/office/thememl/2012/main" name="Office Theme" id="{62F939B6-93AF-4DB8-9C6B-D6C7DFDC589F}" vid="{4A3C46E8-61CC-4603-A589-7422A47A8E4A}"/>
+      <thm15:themeFamily xmlns:thm15="http://schemas.microsoft.com/office/thememl/2012/main" xmlns="" name="Office Theme" id="{62F939B6-93AF-4DB8-9C6B-D6C7DFDC589F}" vid="{4A3C46E8-61CC-4603-A589-7422A47A8E4A}"/>
     </a:ext>
   </a:extLst>
 </a:theme>
@@ -21053,7 +21050,7 @@
   <a:extraClrSchemeLst/>
   <a:extLst>
     <a:ext uri="{05A4C25C-085E-4340-85A3-A5531E510DB2}">
-      <thm15:themeFamily xmlns:thm15="http://schemas.microsoft.com/office/thememl/2012/main" name="Office Theme" id="{62F939B6-93AF-4DB8-9C6B-D6C7DFDC589F}" vid="{4A3C46E8-61CC-4603-A589-7422A47A8E4A}"/>
+      <thm15:themeFamily xmlns:thm15="http://schemas.microsoft.com/office/thememl/2012/main" xmlns="" name="Office Theme" id="{62F939B6-93AF-4DB8-9C6B-D6C7DFDC589F}" vid="{4A3C46E8-61CC-4603-A589-7422A47A8E4A}"/>
     </a:ext>
   </a:extLst>
 </a:theme>
